--- a/presentación/presentaciónDosMineriaDeDatos.pptx
+++ b/presentación/presentaciónDosMineriaDeDatos.pptx
@@ -5,24 +5,25 @@
     <p:sldMasterId id="2147483660" r:id="rId1"/>
   </p:sldMasterIdLst>
   <p:notesMasterIdLst>
-    <p:notesMasterId r:id="rId17"/>
+    <p:notesMasterId r:id="rId18"/>
   </p:notesMasterIdLst>
   <p:sldIdLst>
     <p:sldId id="262" r:id="rId2"/>
-    <p:sldId id="303" r:id="rId3"/>
-    <p:sldId id="304" r:id="rId4"/>
-    <p:sldId id="305" r:id="rId5"/>
+    <p:sldId id="305" r:id="rId3"/>
+    <p:sldId id="303" r:id="rId4"/>
+    <p:sldId id="317" r:id="rId5"/>
     <p:sldId id="307" r:id="rId6"/>
-    <p:sldId id="312" r:id="rId7"/>
-    <p:sldId id="311" r:id="rId8"/>
-    <p:sldId id="310" r:id="rId9"/>
-    <p:sldId id="309" r:id="rId10"/>
-    <p:sldId id="316" r:id="rId11"/>
-    <p:sldId id="315" r:id="rId12"/>
-    <p:sldId id="314" r:id="rId13"/>
-    <p:sldId id="313" r:id="rId14"/>
-    <p:sldId id="306" r:id="rId15"/>
-    <p:sldId id="308" r:id="rId16"/>
+    <p:sldId id="304" r:id="rId7"/>
+    <p:sldId id="312" r:id="rId8"/>
+    <p:sldId id="311" r:id="rId9"/>
+    <p:sldId id="310" r:id="rId10"/>
+    <p:sldId id="309" r:id="rId11"/>
+    <p:sldId id="316" r:id="rId12"/>
+    <p:sldId id="315" r:id="rId13"/>
+    <p:sldId id="314" r:id="rId14"/>
+    <p:sldId id="313" r:id="rId15"/>
+    <p:sldId id="306" r:id="rId16"/>
+    <p:sldId id="308" r:id="rId17"/>
   </p:sldIdLst>
   <p:sldSz cx="9144000" cy="6858000" type="letter"/>
   <p:notesSz cx="6858000" cy="9144000"/>
@@ -132,53 +133,14 @@
 <file path=ppt/revisionInfo.xml><?xml version="1.0" encoding="utf-8"?>
 <p1510:revInfo xmlns:a="http://schemas.openxmlformats.org/drawingml/2006/main" xmlns:r="http://schemas.openxmlformats.org/officeDocument/2006/relationships" xmlns:p1510="http://schemas.microsoft.com/office/powerpoint/2015/10/main">
   <p1510:revLst>
-    <p1510:client id="{8CBB8C90-6B1F-4992-B562-0E68CFD0F3DC}" v="3" dt="2024-05-25T22:51:46.018"/>
+    <p1510:client id="{0C7D88AA-1E6B-DAD5-588B-E8E99FD28D85}" v="2694" dt="2024-05-26T22:01:25.942"/>
+    <p1510:client id="{8CBB8C90-6B1F-4992-B562-0E68CFD0F3DC}" v="5" dt="2024-05-26T21:24:52.958"/>
   </p1510:revLst>
 </p1510:revInfo>
 </file>
 
 <file path=ppt/changesInfos/changesInfo1.xml><?xml version="1.0" encoding="utf-8"?>
 <pc:chgInfo xmlns:a="http://schemas.openxmlformats.org/drawingml/2006/main" xmlns:r="http://schemas.openxmlformats.org/officeDocument/2006/relationships" xmlns:ac="http://schemas.microsoft.com/office/drawing/2013/main/command" xmlns:pc="http://schemas.microsoft.com/office/powerpoint/2013/main/command">
-  <pc:docChgLst>
-    <pc:chgData name="Usuario invitado" userId="S::urn:spo:anon#eb2a7d79476950051e46bb22be043da915db42be12fcf09fa5fbcbdfd1e1932b::" providerId="AD" clId="Web-{06BA73ED-A061-6375-8FFE-D5F796DAB0DE}"/>
-    <pc:docChg chg="modSld">
-      <pc:chgData name="Usuario invitado" userId="S::urn:spo:anon#eb2a7d79476950051e46bb22be043da915db42be12fcf09fa5fbcbdfd1e1932b::" providerId="AD" clId="Web-{06BA73ED-A061-6375-8FFE-D5F796DAB0DE}" dt="2018-08-28T18:40:40.402" v="2" actId="1076"/>
-      <pc:docMkLst>
-        <pc:docMk/>
-      </pc:docMkLst>
-      <pc:sldChg chg="delSp modSp">
-        <pc:chgData name="Usuario invitado" userId="S::urn:spo:anon#eb2a7d79476950051e46bb22be043da915db42be12fcf09fa5fbcbdfd1e1932b::" providerId="AD" clId="Web-{06BA73ED-A061-6375-8FFE-D5F796DAB0DE}" dt="2018-08-28T18:40:40.402" v="2" actId="1076"/>
-        <pc:sldMkLst>
-          <pc:docMk/>
-          <pc:sldMk cId="1957369981" sldId="262"/>
-        </pc:sldMkLst>
-        <pc:spChg chg="del">
-          <ac:chgData name="Usuario invitado" userId="S::urn:spo:anon#eb2a7d79476950051e46bb22be043da915db42be12fcf09fa5fbcbdfd1e1932b::" providerId="AD" clId="Web-{06BA73ED-A061-6375-8FFE-D5F796DAB0DE}" dt="2018-08-28T18:39:21.057" v="1"/>
-          <ac:spMkLst>
-            <pc:docMk/>
-            <pc:sldMk cId="1957369981" sldId="262"/>
-            <ac:spMk id="7" creationId="{C85DB8C4-FFB0-4CA0-AC46-2DA3367DA6D7}"/>
-          </ac:spMkLst>
-        </pc:spChg>
-        <pc:spChg chg="del">
-          <ac:chgData name="Usuario invitado" userId="S::urn:spo:anon#eb2a7d79476950051e46bb22be043da915db42be12fcf09fa5fbcbdfd1e1932b::" providerId="AD" clId="Web-{06BA73ED-A061-6375-8FFE-D5F796DAB0DE}" dt="2018-08-28T18:39:18.916" v="0"/>
-          <ac:spMkLst>
-            <pc:docMk/>
-            <pc:sldMk cId="1957369981" sldId="262"/>
-            <ac:spMk id="11" creationId="{00000000-0000-0000-0000-000000000000}"/>
-          </ac:spMkLst>
-        </pc:spChg>
-        <pc:picChg chg="mod">
-          <ac:chgData name="Usuario invitado" userId="S::urn:spo:anon#eb2a7d79476950051e46bb22be043da915db42be12fcf09fa5fbcbdfd1e1932b::" providerId="AD" clId="Web-{06BA73ED-A061-6375-8FFE-D5F796DAB0DE}" dt="2018-08-28T18:40:40.402" v="2" actId="1076"/>
-          <ac:picMkLst>
-            <pc:docMk/>
-            <pc:sldMk cId="1957369981" sldId="262"/>
-            <ac:picMk id="10" creationId="{00000000-0000-0000-0000-000000000000}"/>
-          </ac:picMkLst>
-        </pc:picChg>
-      </pc:sldChg>
-    </pc:docChg>
-  </pc:docChgLst>
   <pc:docChgLst>
     <pc:chgData name="Paola Alejandra Jarur Chamy" userId="90bb2a2d-fae6-4337-8a41-cfbd67e07fdf" providerId="ADAL" clId="{A088AB18-C673-4A2D-B55A-F7E1AA141CD7}"/>
     <pc:docChg chg="undo custSel addSld delSld modSld">
@@ -1957,6 +1919,194 @@
     </pc:docChg>
   </pc:docChgLst>
   <pc:docChgLst>
+    <pc:chgData name="PEREZ VERGARA MELANY" userId="S::m.perezvergara@uandresbello.edu::d95698a7-632e-4c03-ab0f-564477513d69" providerId="AD" clId="Web-{0C7D88AA-1E6B-DAD5-588B-E8E99FD28D85}"/>
+    <pc:docChg chg="addSld modSld sldOrd">
+      <pc:chgData name="PEREZ VERGARA MELANY" userId="S::m.perezvergara@uandresbello.edu::d95698a7-632e-4c03-ab0f-564477513d69" providerId="AD" clId="Web-{0C7D88AA-1E6B-DAD5-588B-E8E99FD28D85}" dt="2024-05-26T22:01:25.911" v="1639" actId="20577"/>
+      <pc:docMkLst>
+        <pc:docMk/>
+      </pc:docMkLst>
+      <pc:sldChg chg="addSp delSp modSp">
+        <pc:chgData name="PEREZ VERGARA MELANY" userId="S::m.perezvergara@uandresbello.edu::d95698a7-632e-4c03-ab0f-564477513d69" providerId="AD" clId="Web-{0C7D88AA-1E6B-DAD5-588B-E8E99FD28D85}" dt="2024-05-26T21:45:55.467" v="1465" actId="1076"/>
+        <pc:sldMkLst>
+          <pc:docMk/>
+          <pc:sldMk cId="1761978179" sldId="303"/>
+        </pc:sldMkLst>
+        <pc:spChg chg="add mod">
+          <ac:chgData name="PEREZ VERGARA MELANY" userId="S::m.perezvergara@uandresbello.edu::d95698a7-632e-4c03-ab0f-564477513d69" providerId="AD" clId="Web-{0C7D88AA-1E6B-DAD5-588B-E8E99FD28D85}" dt="2024-05-26T21:45:43.544" v="1457" actId="1076"/>
+          <ac:spMkLst>
+            <pc:docMk/>
+            <pc:sldMk cId="1761978179" sldId="303"/>
+            <ac:spMk id="2" creationId="{BCB3922B-C2DC-EB08-0E39-D79B2646FD4D}"/>
+          </ac:spMkLst>
+        </pc:spChg>
+        <pc:spChg chg="add mod">
+          <ac:chgData name="PEREZ VERGARA MELANY" userId="S::m.perezvergara@uandresbello.edu::d95698a7-632e-4c03-ab0f-564477513d69" providerId="AD" clId="Web-{0C7D88AA-1E6B-DAD5-588B-E8E99FD28D85}" dt="2024-05-26T21:45:43.575" v="1458" actId="1076"/>
+          <ac:spMkLst>
+            <pc:docMk/>
+            <pc:sldMk cId="1761978179" sldId="303"/>
+            <ac:spMk id="3" creationId="{53A07681-A1E1-2E20-06A1-7D9C8965BE78}"/>
+          </ac:spMkLst>
+        </pc:spChg>
+        <pc:spChg chg="add mod">
+          <ac:chgData name="PEREZ VERGARA MELANY" userId="S::m.perezvergara@uandresbello.edu::d95698a7-632e-4c03-ab0f-564477513d69" providerId="AD" clId="Web-{0C7D88AA-1E6B-DAD5-588B-E8E99FD28D85}" dt="2024-05-26T21:45:55.467" v="1465" actId="1076"/>
+          <ac:spMkLst>
+            <pc:docMk/>
+            <pc:sldMk cId="1761978179" sldId="303"/>
+            <ac:spMk id="4" creationId="{B420626F-7183-5B69-CC17-50E83C0AF8B0}"/>
+          </ac:spMkLst>
+        </pc:spChg>
+        <pc:spChg chg="mod">
+          <ac:chgData name="PEREZ VERGARA MELANY" userId="S::m.perezvergara@uandresbello.edu::d95698a7-632e-4c03-ab0f-564477513d69" providerId="AD" clId="Web-{0C7D88AA-1E6B-DAD5-588B-E8E99FD28D85}" dt="2024-05-26T21:45:30.794" v="1454" actId="20577"/>
+          <ac:spMkLst>
+            <pc:docMk/>
+            <pc:sldMk cId="1761978179" sldId="303"/>
+            <ac:spMk id="5" creationId="{699E2788-EBE2-45DF-9C0B-D666080A46A9}"/>
+          </ac:spMkLst>
+        </pc:spChg>
+        <pc:spChg chg="add mod">
+          <ac:chgData name="PEREZ VERGARA MELANY" userId="S::m.perezvergara@uandresbello.edu::d95698a7-632e-4c03-ab0f-564477513d69" providerId="AD" clId="Web-{0C7D88AA-1E6B-DAD5-588B-E8E99FD28D85}" dt="2024-05-26T21:45:43.607" v="1460" actId="1076"/>
+          <ac:spMkLst>
+            <pc:docMk/>
+            <pc:sldMk cId="1761978179" sldId="303"/>
+            <ac:spMk id="7" creationId="{AFFEA349-59DA-112C-3E6F-80A06484C65C}"/>
+          </ac:spMkLst>
+        </pc:spChg>
+        <pc:spChg chg="add del mod">
+          <ac:chgData name="PEREZ VERGARA MELANY" userId="S::m.perezvergara@uandresbello.edu::d95698a7-632e-4c03-ab0f-564477513d69" providerId="AD" clId="Web-{0C7D88AA-1E6B-DAD5-588B-E8E99FD28D85}" dt="2024-05-26T21:41:41.519" v="1420" actId="20577"/>
+          <ac:spMkLst>
+            <pc:docMk/>
+            <pc:sldMk cId="1761978179" sldId="303"/>
+            <ac:spMk id="8" creationId="{8E5AB793-981F-4F0C-993F-B574912D895B}"/>
+          </ac:spMkLst>
+        </pc:spChg>
+        <pc:spChg chg="mod">
+          <ac:chgData name="PEREZ VERGARA MELANY" userId="S::m.perezvergara@uandresbello.edu::d95698a7-632e-4c03-ab0f-564477513d69" providerId="AD" clId="Web-{0C7D88AA-1E6B-DAD5-588B-E8E99FD28D85}" dt="2024-05-26T20:50:49.352" v="362" actId="20577"/>
+          <ac:spMkLst>
+            <pc:docMk/>
+            <pc:sldMk cId="1761978179" sldId="303"/>
+            <ac:spMk id="11" creationId="{ACB6F962-DADC-4482-8A69-766A19968AF5}"/>
+          </ac:spMkLst>
+        </pc:spChg>
+        <pc:spChg chg="mod">
+          <ac:chgData name="PEREZ VERGARA MELANY" userId="S::m.perezvergara@uandresbello.edu::d95698a7-632e-4c03-ab0f-564477513d69" providerId="AD" clId="Web-{0C7D88AA-1E6B-DAD5-588B-E8E99FD28D85}" dt="2024-05-26T20:51:03.447" v="377" actId="20577"/>
+          <ac:spMkLst>
+            <pc:docMk/>
+            <pc:sldMk cId="1761978179" sldId="303"/>
+            <ac:spMk id="12" creationId="{A3A365B2-B2DE-4D2C-92CE-32C0611969DB}"/>
+          </ac:spMkLst>
+        </pc:spChg>
+        <pc:spChg chg="add mod">
+          <ac:chgData name="PEREZ VERGARA MELANY" userId="S::m.perezvergara@uandresbello.edu::d95698a7-632e-4c03-ab0f-564477513d69" providerId="AD" clId="Web-{0C7D88AA-1E6B-DAD5-588B-E8E99FD28D85}" dt="2024-05-26T21:45:43.622" v="1461" actId="1076"/>
+          <ac:spMkLst>
+            <pc:docMk/>
+            <pc:sldMk cId="1761978179" sldId="303"/>
+            <ac:spMk id="17" creationId="{58C34E86-807D-A536-4841-E34D9BE399E2}"/>
+          </ac:spMkLst>
+        </pc:spChg>
+        <pc:spChg chg="mod">
+          <ac:chgData name="PEREZ VERGARA MELANY" userId="S::m.perezvergara@uandresbello.edu::d95698a7-632e-4c03-ab0f-564477513d69" providerId="AD" clId="Web-{0C7D88AA-1E6B-DAD5-588B-E8E99FD28D85}" dt="2024-05-26T21:45:47.419" v="1464" actId="1076"/>
+          <ac:spMkLst>
+            <pc:docMk/>
+            <pc:sldMk cId="1761978179" sldId="303"/>
+            <ac:spMk id="23" creationId="{73182A38-D6DF-453D-921E-315EFA20E2ED}"/>
+          </ac:spMkLst>
+        </pc:spChg>
+        <pc:spChg chg="add mod">
+          <ac:chgData name="PEREZ VERGARA MELANY" userId="S::m.perezvergara@uandresbello.edu::d95698a7-632e-4c03-ab0f-564477513d69" providerId="AD" clId="Web-{0C7D88AA-1E6B-DAD5-588B-E8E99FD28D85}" dt="2024-05-26T21:45:43.654" v="1462" actId="1076"/>
+          <ac:spMkLst>
+            <pc:docMk/>
+            <pc:sldMk cId="1761978179" sldId="303"/>
+            <ac:spMk id="24" creationId="{B558E4C3-58FD-2962-9E56-66C0A77F77A5}"/>
+          </ac:spMkLst>
+        </pc:spChg>
+        <pc:spChg chg="add mod">
+          <ac:chgData name="PEREZ VERGARA MELANY" userId="S::m.perezvergara@uandresbello.edu::d95698a7-632e-4c03-ab0f-564477513d69" providerId="AD" clId="Web-{0C7D88AA-1E6B-DAD5-588B-E8E99FD28D85}" dt="2024-05-26T21:45:43.669" v="1463" actId="1076"/>
+          <ac:spMkLst>
+            <pc:docMk/>
+            <pc:sldMk cId="1761978179" sldId="303"/>
+            <ac:spMk id="25" creationId="{A8B32074-C045-5934-176F-E42A90AFDD47}"/>
+          </ac:spMkLst>
+        </pc:spChg>
+        <pc:cxnChg chg="mod">
+          <ac:chgData name="PEREZ VERGARA MELANY" userId="S::m.perezvergara@uandresbello.edu::d95698a7-632e-4c03-ab0f-564477513d69" providerId="AD" clId="Web-{0C7D88AA-1E6B-DAD5-588B-E8E99FD28D85}" dt="2024-05-26T21:45:43.529" v="1456" actId="1076"/>
+          <ac:cxnSpMkLst>
+            <pc:docMk/>
+            <pc:sldMk cId="1761978179" sldId="303"/>
+            <ac:cxnSpMk id="14" creationId="{1585265B-4E00-434F-A644-ADFF1F48468A}"/>
+          </ac:cxnSpMkLst>
+        </pc:cxnChg>
+      </pc:sldChg>
+      <pc:sldChg chg="addSp modSp">
+        <pc:chgData name="PEREZ VERGARA MELANY" userId="S::m.perezvergara@uandresbello.edu::d95698a7-632e-4c03-ab0f-564477513d69" providerId="AD" clId="Web-{0C7D88AA-1E6B-DAD5-588B-E8E99FD28D85}" dt="2024-05-26T19:46:54.425" v="10" actId="1076"/>
+        <pc:sldMkLst>
+          <pc:docMk/>
+          <pc:sldMk cId="3105322462" sldId="304"/>
+        </pc:sldMkLst>
+        <pc:spChg chg="add mod">
+          <ac:chgData name="PEREZ VERGARA MELANY" userId="S::m.perezvergara@uandresbello.edu::d95698a7-632e-4c03-ab0f-564477513d69" providerId="AD" clId="Web-{0C7D88AA-1E6B-DAD5-588B-E8E99FD28D85}" dt="2024-05-26T19:46:54.425" v="10" actId="1076"/>
+          <ac:spMkLst>
+            <pc:docMk/>
+            <pc:sldMk cId="3105322462" sldId="304"/>
+            <ac:spMk id="3" creationId="{70866F9F-102C-0AFC-BCE5-4E8C73321E74}"/>
+          </ac:spMkLst>
+        </pc:spChg>
+      </pc:sldChg>
+      <pc:sldChg chg="addSp delSp modSp ord">
+        <pc:chgData name="PEREZ VERGARA MELANY" userId="S::m.perezvergara@uandresbello.edu::d95698a7-632e-4c03-ab0f-564477513d69" providerId="AD" clId="Web-{0C7D88AA-1E6B-DAD5-588B-E8E99FD28D85}" dt="2024-05-26T21:43:58.509" v="1435" actId="20577"/>
+        <pc:sldMkLst>
+          <pc:docMk/>
+          <pc:sldMk cId="743564996" sldId="305"/>
+        </pc:sldMkLst>
+        <pc:spChg chg="add mod">
+          <ac:chgData name="PEREZ VERGARA MELANY" userId="S::m.perezvergara@uandresbello.edu::d95698a7-632e-4c03-ab0f-564477513d69" providerId="AD" clId="Web-{0C7D88AA-1E6B-DAD5-588B-E8E99FD28D85}" dt="2024-05-26T21:43:58.509" v="1435" actId="20577"/>
+          <ac:spMkLst>
+            <pc:docMk/>
+            <pc:sldMk cId="743564996" sldId="305"/>
+            <ac:spMk id="3" creationId="{23480A74-8042-3918-FB57-0ABA427747B4}"/>
+          </ac:spMkLst>
+        </pc:spChg>
+        <pc:spChg chg="add del mod">
+          <ac:chgData name="PEREZ VERGARA MELANY" userId="S::m.perezvergara@uandresbello.edu::d95698a7-632e-4c03-ab0f-564477513d69" providerId="AD" clId="Web-{0C7D88AA-1E6B-DAD5-588B-E8E99FD28D85}" dt="2024-05-26T20:42:20.425" v="227"/>
+          <ac:spMkLst>
+            <pc:docMk/>
+            <pc:sldMk cId="743564996" sldId="305"/>
+            <ac:spMk id="4" creationId="{0BAEEE35-569A-C1B1-3DE8-7187348AFB7D}"/>
+          </ac:spMkLst>
+        </pc:spChg>
+        <pc:spChg chg="add del mod">
+          <ac:chgData name="PEREZ VERGARA MELANY" userId="S::m.perezvergara@uandresbello.edu::d95698a7-632e-4c03-ab0f-564477513d69" providerId="AD" clId="Web-{0C7D88AA-1E6B-DAD5-588B-E8E99FD28D85}" dt="2024-05-26T20:58:17.407" v="487"/>
+          <ac:spMkLst>
+            <pc:docMk/>
+            <pc:sldMk cId="743564996" sldId="305"/>
+            <ac:spMk id="5" creationId="{433DB7EB-7290-9321-AB65-AD0581FDF5EA}"/>
+          </ac:spMkLst>
+        </pc:spChg>
+      </pc:sldChg>
+      <pc:sldChg chg="addSp modSp ord">
+        <pc:chgData name="PEREZ VERGARA MELANY" userId="S::m.perezvergara@uandresbello.edu::d95698a7-632e-4c03-ab0f-564477513d69" providerId="AD" clId="Web-{0C7D88AA-1E6B-DAD5-588B-E8E99FD28D85}" dt="2024-05-26T22:01:25.911" v="1639" actId="20577"/>
+        <pc:sldMkLst>
+          <pc:docMk/>
+          <pc:sldMk cId="2146413309" sldId="307"/>
+        </pc:sldMkLst>
+        <pc:spChg chg="add mod">
+          <ac:chgData name="PEREZ VERGARA MELANY" userId="S::m.perezvergara@uandresbello.edu::d95698a7-632e-4c03-ab0f-564477513d69" providerId="AD" clId="Web-{0C7D88AA-1E6B-DAD5-588B-E8E99FD28D85}" dt="2024-05-26T22:01:25.911" v="1639" actId="20577"/>
+          <ac:spMkLst>
+            <pc:docMk/>
+            <pc:sldMk cId="2146413309" sldId="307"/>
+            <ac:spMk id="3" creationId="{0BAEEE35-569A-C1B1-3DE8-7187348AFB7D}"/>
+          </ac:spMkLst>
+        </pc:spChg>
+      </pc:sldChg>
+      <pc:sldChg chg="add ord replId">
+        <pc:chgData name="PEREZ VERGARA MELANY" userId="S::m.perezvergara@uandresbello.edu::d95698a7-632e-4c03-ab0f-564477513d69" providerId="AD" clId="Web-{0C7D88AA-1E6B-DAD5-588B-E8E99FD28D85}" dt="2024-05-26T20:58:09.266" v="486"/>
+        <pc:sldMkLst>
+          <pc:docMk/>
+          <pc:sldMk cId="923601911" sldId="317"/>
+        </pc:sldMkLst>
+      </pc:sldChg>
+    </pc:docChg>
+  </pc:docChgLst>
+  <pc:docChgLst>
     <pc:chgData name="Paola Alejandra Jarur Chamy" userId="90bb2a2d-fae6-4337-8a41-cfbd67e07fdf" providerId="ADAL" clId="{354B2BE5-76A1-4874-B3F7-330C8C0669A1}"/>
     <pc:docChg chg="undo custSel modSld">
       <pc:chgData name="Paola Alejandra Jarur Chamy" userId="90bb2a2d-fae6-4337-8a41-cfbd67e07fdf" providerId="ADAL" clId="{354B2BE5-76A1-4874-B3F7-330C8C0669A1}" dt="2022-01-31T15:19:10.830" v="762" actId="20577"/>
@@ -2420,6 +2570,233 @@
             <pc:docMk/>
             <pc:sldMk cId="2779685119" sldId="306"/>
             <ac:picMk id="28" creationId="{77795404-A2C2-4B03-8F96-7FBA7A67E7DE}"/>
+          </ac:picMkLst>
+        </pc:picChg>
+      </pc:sldChg>
+    </pc:docChg>
+  </pc:docChgLst>
+  <pc:docChgLst>
+    <pc:chgData name="GAMBOA ALVARADO IGNACIO G" userId="d3d0d4b5-30dd-46e6-93bb-837ddea6ad49" providerId="ADAL" clId="{8CBB8C90-6B1F-4992-B562-0E68CFD0F3DC}"/>
+    <pc:docChg chg="undo custSel addSld delSld modSld">
+      <pc:chgData name="GAMBOA ALVARADO IGNACIO G" userId="d3d0d4b5-30dd-46e6-93bb-837ddea6ad49" providerId="ADAL" clId="{8CBB8C90-6B1F-4992-B562-0E68CFD0F3DC}" dt="2024-05-26T21:24:52.958" v="1430" actId="22"/>
+      <pc:docMkLst>
+        <pc:docMk/>
+      </pc:docMkLst>
+      <pc:sldChg chg="addSp delSp modSp mod modNotesTx">
+        <pc:chgData name="GAMBOA ALVARADO IGNACIO G" userId="d3d0d4b5-30dd-46e6-93bb-837ddea6ad49" providerId="ADAL" clId="{8CBB8C90-6B1F-4992-B562-0E68CFD0F3DC}" dt="2024-05-25T22:53:27.534" v="155" actId="20577"/>
+        <pc:sldMkLst>
+          <pc:docMk/>
+          <pc:sldMk cId="1957369981" sldId="262"/>
+        </pc:sldMkLst>
+        <pc:spChg chg="add mod">
+          <ac:chgData name="GAMBOA ALVARADO IGNACIO G" userId="d3d0d4b5-30dd-46e6-93bb-837ddea6ad49" providerId="ADAL" clId="{8CBB8C90-6B1F-4992-B562-0E68CFD0F3DC}" dt="2024-05-25T22:51:06.440" v="51" actId="1076"/>
+          <ac:spMkLst>
+            <pc:docMk/>
+            <pc:sldMk cId="1957369981" sldId="262"/>
+            <ac:spMk id="3" creationId="{14CE27E0-12EF-847D-668C-1C37A72AC54A}"/>
+          </ac:spMkLst>
+        </pc:spChg>
+        <pc:spChg chg="add mod">
+          <ac:chgData name="GAMBOA ALVARADO IGNACIO G" userId="d3d0d4b5-30dd-46e6-93bb-837ddea6ad49" providerId="ADAL" clId="{8CBB8C90-6B1F-4992-B562-0E68CFD0F3DC}" dt="2024-05-25T22:53:08.941" v="125" actId="115"/>
+          <ac:spMkLst>
+            <pc:docMk/>
+            <pc:sldMk cId="1957369981" sldId="262"/>
+            <ac:spMk id="4" creationId="{2A5B1E45-4D0E-297A-AB3D-9607063D7ABF}"/>
+          </ac:spMkLst>
+        </pc:spChg>
+        <pc:spChg chg="mod">
+          <ac:chgData name="GAMBOA ALVARADO IGNACIO G" userId="d3d0d4b5-30dd-46e6-93bb-837ddea6ad49" providerId="ADAL" clId="{8CBB8C90-6B1F-4992-B562-0E68CFD0F3DC}" dt="2024-05-25T22:49:46.327" v="22" actId="1076"/>
+          <ac:spMkLst>
+            <pc:docMk/>
+            <pc:sldMk cId="1957369981" sldId="262"/>
+            <ac:spMk id="13" creationId="{00000000-0000-0000-0000-000000000000}"/>
+          </ac:spMkLst>
+        </pc:spChg>
+        <pc:picChg chg="add mod">
+          <ac:chgData name="GAMBOA ALVARADO IGNACIO G" userId="d3d0d4b5-30dd-46e6-93bb-837ddea6ad49" providerId="ADAL" clId="{8CBB8C90-6B1F-4992-B562-0E68CFD0F3DC}" dt="2024-05-25T22:49:39.514" v="21" actId="1076"/>
+          <ac:picMkLst>
+            <pc:docMk/>
+            <pc:sldMk cId="1957369981" sldId="262"/>
+            <ac:picMk id="2" creationId="{AB648918-9FDB-46EB-F89C-E9D3FFF1273B}"/>
+          </ac:picMkLst>
+        </pc:picChg>
+        <pc:picChg chg="del">
+          <ac:chgData name="GAMBOA ALVARADO IGNACIO G" userId="d3d0d4b5-30dd-46e6-93bb-837ddea6ad49" providerId="ADAL" clId="{8CBB8C90-6B1F-4992-B562-0E68CFD0F3DC}" dt="2024-05-25T22:45:54.098" v="0" actId="478"/>
+          <ac:picMkLst>
+            <pc:docMk/>
+            <pc:sldMk cId="1957369981" sldId="262"/>
+            <ac:picMk id="8" creationId="{00000000-0000-0000-0000-000000000000}"/>
+          </ac:picMkLst>
+        </pc:picChg>
+        <pc:picChg chg="mod">
+          <ac:chgData name="GAMBOA ALVARADO IGNACIO G" userId="d3d0d4b5-30dd-46e6-93bb-837ddea6ad49" providerId="ADAL" clId="{8CBB8C90-6B1F-4992-B562-0E68CFD0F3DC}" dt="2024-05-25T22:48:55.182" v="17" actId="1076"/>
+          <ac:picMkLst>
+            <pc:docMk/>
+            <pc:sldMk cId="1957369981" sldId="262"/>
+            <ac:picMk id="9" creationId="{00000000-0000-0000-0000-000000000000}"/>
+          </ac:picMkLst>
+        </pc:picChg>
+        <pc:picChg chg="mod">
+          <ac:chgData name="GAMBOA ALVARADO IGNACIO G" userId="d3d0d4b5-30dd-46e6-93bb-837ddea6ad49" providerId="ADAL" clId="{8CBB8C90-6B1F-4992-B562-0E68CFD0F3DC}" dt="2024-05-25T22:49:24.864" v="20" actId="1076"/>
+          <ac:picMkLst>
+            <pc:docMk/>
+            <pc:sldMk cId="1957369981" sldId="262"/>
+            <ac:picMk id="10" creationId="{00000000-0000-0000-0000-000000000000}"/>
+          </ac:picMkLst>
+        </pc:picChg>
+      </pc:sldChg>
+      <pc:sldChg chg="addSp delSp modSp mod modNotesTx">
+        <pc:chgData name="GAMBOA ALVARADO IGNACIO G" userId="d3d0d4b5-30dd-46e6-93bb-837ddea6ad49" providerId="ADAL" clId="{8CBB8C90-6B1F-4992-B562-0E68CFD0F3DC}" dt="2024-05-25T23:12:26.814" v="1428" actId="20577"/>
+        <pc:sldMkLst>
+          <pc:docMk/>
+          <pc:sldMk cId="1761978179" sldId="303"/>
+        </pc:sldMkLst>
+        <pc:spChg chg="mod">
+          <ac:chgData name="GAMBOA ALVARADO IGNACIO G" userId="d3d0d4b5-30dd-46e6-93bb-837ddea6ad49" providerId="ADAL" clId="{8CBB8C90-6B1F-4992-B562-0E68CFD0F3DC}" dt="2024-05-25T23:01:26.637" v="850" actId="313"/>
+          <ac:spMkLst>
+            <pc:docMk/>
+            <pc:sldMk cId="1761978179" sldId="303"/>
+            <ac:spMk id="5" creationId="{699E2788-EBE2-45DF-9C0B-D666080A46A9}"/>
+          </ac:spMkLst>
+        </pc:spChg>
+        <pc:spChg chg="mod">
+          <ac:chgData name="GAMBOA ALVARADO IGNACIO G" userId="d3d0d4b5-30dd-46e6-93bb-837ddea6ad49" providerId="ADAL" clId="{8CBB8C90-6B1F-4992-B562-0E68CFD0F3DC}" dt="2024-05-25T23:05:17.306" v="1108" actId="20577"/>
+          <ac:spMkLst>
+            <pc:docMk/>
+            <pc:sldMk cId="1761978179" sldId="303"/>
+            <ac:spMk id="6" creationId="{9DEC9D77-6AA7-4B6B-881C-F31DAAE1DB2A}"/>
+          </ac:spMkLst>
+        </pc:spChg>
+        <pc:spChg chg="mod">
+          <ac:chgData name="GAMBOA ALVARADO IGNACIO G" userId="d3d0d4b5-30dd-46e6-93bb-837ddea6ad49" providerId="ADAL" clId="{8CBB8C90-6B1F-4992-B562-0E68CFD0F3DC}" dt="2024-05-25T23:12:26.814" v="1428" actId="20577"/>
+          <ac:spMkLst>
+            <pc:docMk/>
+            <pc:sldMk cId="1761978179" sldId="303"/>
+            <ac:spMk id="8" creationId="{8E5AB793-981F-4F0C-993F-B574912D895B}"/>
+          </ac:spMkLst>
+        </pc:spChg>
+        <pc:spChg chg="mod">
+          <ac:chgData name="GAMBOA ALVARADO IGNACIO G" userId="d3d0d4b5-30dd-46e6-93bb-837ddea6ad49" providerId="ADAL" clId="{8CBB8C90-6B1F-4992-B562-0E68CFD0F3DC}" dt="2024-05-25T22:59:54.044" v="747" actId="20577"/>
+          <ac:spMkLst>
+            <pc:docMk/>
+            <pc:sldMk cId="1761978179" sldId="303"/>
+            <ac:spMk id="10" creationId="{DC1D303F-E600-4ACE-9AB7-C6AEB05050D4}"/>
+          </ac:spMkLst>
+        </pc:spChg>
+        <pc:spChg chg="mod">
+          <ac:chgData name="GAMBOA ALVARADO IGNACIO G" userId="d3d0d4b5-30dd-46e6-93bb-837ddea6ad49" providerId="ADAL" clId="{8CBB8C90-6B1F-4992-B562-0E68CFD0F3DC}" dt="2024-05-25T23:03:38.271" v="875" actId="20577"/>
+          <ac:spMkLst>
+            <pc:docMk/>
+            <pc:sldMk cId="1761978179" sldId="303"/>
+            <ac:spMk id="11" creationId="{ACB6F962-DADC-4482-8A69-766A19968AF5}"/>
+          </ac:spMkLst>
+        </pc:spChg>
+        <pc:spChg chg="add del mod">
+          <ac:chgData name="GAMBOA ALVARADO IGNACIO G" userId="d3d0d4b5-30dd-46e6-93bb-837ddea6ad49" providerId="ADAL" clId="{8CBB8C90-6B1F-4992-B562-0E68CFD0F3DC}" dt="2024-05-25T23:10:21.783" v="1180" actId="20577"/>
+          <ac:spMkLst>
+            <pc:docMk/>
+            <pc:sldMk cId="1761978179" sldId="303"/>
+            <ac:spMk id="12" creationId="{A3A365B2-B2DE-4D2C-92CE-32C0611969DB}"/>
+          </ac:spMkLst>
+        </pc:spChg>
+        <pc:spChg chg="mod">
+          <ac:chgData name="GAMBOA ALVARADO IGNACIO G" userId="d3d0d4b5-30dd-46e6-93bb-837ddea6ad49" providerId="ADAL" clId="{8CBB8C90-6B1F-4992-B562-0E68CFD0F3DC}" dt="2024-05-25T23:05:32.844" v="1111" actId="1076"/>
+          <ac:spMkLst>
+            <pc:docMk/>
+            <pc:sldMk cId="1761978179" sldId="303"/>
+            <ac:spMk id="21" creationId="{6A548F58-8CF8-4D0C-8871-44C1700A4D4B}"/>
+          </ac:spMkLst>
+        </pc:spChg>
+        <pc:spChg chg="mod">
+          <ac:chgData name="GAMBOA ALVARADO IGNACIO G" userId="d3d0d4b5-30dd-46e6-93bb-837ddea6ad49" providerId="ADAL" clId="{8CBB8C90-6B1F-4992-B562-0E68CFD0F3DC}" dt="2024-05-25T23:11:36.767" v="1182" actId="1076"/>
+          <ac:spMkLst>
+            <pc:docMk/>
+            <pc:sldMk cId="1761978179" sldId="303"/>
+            <ac:spMk id="23" creationId="{73182A38-D6DF-453D-921E-315EFA20E2ED}"/>
+          </ac:spMkLst>
+        </pc:spChg>
+        <pc:cxnChg chg="mod">
+          <ac:chgData name="GAMBOA ALVARADO IGNACIO G" userId="d3d0d4b5-30dd-46e6-93bb-837ddea6ad49" providerId="ADAL" clId="{8CBB8C90-6B1F-4992-B562-0E68CFD0F3DC}" dt="2024-05-25T23:05:28.013" v="1110" actId="1076"/>
+          <ac:cxnSpMkLst>
+            <pc:docMk/>
+            <pc:sldMk cId="1761978179" sldId="303"/>
+            <ac:cxnSpMk id="22" creationId="{6A7DB234-E311-4E3B-AE05-EF5CB163CB48}"/>
+          </ac:cxnSpMkLst>
+        </pc:cxnChg>
+      </pc:sldChg>
+      <pc:sldChg chg="modNotesTx">
+        <pc:chgData name="GAMBOA ALVARADO IGNACIO G" userId="d3d0d4b5-30dd-46e6-93bb-837ddea6ad49" providerId="ADAL" clId="{8CBB8C90-6B1F-4992-B562-0E68CFD0F3DC}" dt="2024-05-25T22:55:01.615" v="462" actId="313"/>
+        <pc:sldMkLst>
+          <pc:docMk/>
+          <pc:sldMk cId="3105322462" sldId="304"/>
+        </pc:sldMkLst>
+      </pc:sldChg>
+      <pc:sldChg chg="addSp delSp mod modNotesTx">
+        <pc:chgData name="GAMBOA ALVARADO IGNACIO G" userId="d3d0d4b5-30dd-46e6-93bb-837ddea6ad49" providerId="ADAL" clId="{8CBB8C90-6B1F-4992-B562-0E68CFD0F3DC}" dt="2024-05-26T21:24:52.958" v="1430" actId="22"/>
+        <pc:sldMkLst>
+          <pc:docMk/>
+          <pc:sldMk cId="743564996" sldId="305"/>
+        </pc:sldMkLst>
+        <pc:spChg chg="add del">
+          <ac:chgData name="GAMBOA ALVARADO IGNACIO G" userId="d3d0d4b5-30dd-46e6-93bb-837ddea6ad49" providerId="ADAL" clId="{8CBB8C90-6B1F-4992-B562-0E68CFD0F3DC}" dt="2024-05-26T21:24:52.958" v="1430" actId="22"/>
+          <ac:spMkLst>
+            <pc:docMk/>
+            <pc:sldMk cId="743564996" sldId="305"/>
+            <ac:spMk id="8" creationId="{9087CC75-65C4-2427-163E-A49E235D6F83}"/>
+          </ac:spMkLst>
+        </pc:spChg>
+      </pc:sldChg>
+      <pc:sldChg chg="modNotesTx">
+        <pc:chgData name="GAMBOA ALVARADO IGNACIO G" userId="d3d0d4b5-30dd-46e6-93bb-837ddea6ad49" providerId="ADAL" clId="{8CBB8C90-6B1F-4992-B562-0E68CFD0F3DC}" dt="2024-05-25T22:58:38.633" v="727" actId="5793"/>
+        <pc:sldMkLst>
+          <pc:docMk/>
+          <pc:sldMk cId="2146413309" sldId="307"/>
+        </pc:sldMkLst>
+      </pc:sldChg>
+      <pc:sldChg chg="add del">
+        <pc:chgData name="GAMBOA ALVARADO IGNACIO G" userId="d3d0d4b5-30dd-46e6-93bb-837ddea6ad49" providerId="ADAL" clId="{8CBB8C90-6B1F-4992-B562-0E68CFD0F3DC}" dt="2024-05-25T23:00:35.106" v="784" actId="2890"/>
+        <pc:sldMkLst>
+          <pc:docMk/>
+          <pc:sldMk cId="3835194171" sldId="317"/>
+        </pc:sldMkLst>
+      </pc:sldChg>
+    </pc:docChg>
+  </pc:docChgLst>
+  <pc:docChgLst>
+    <pc:chgData name="Usuario invitado" userId="S::urn:spo:anon#eb2a7d79476950051e46bb22be043da915db42be12fcf09fa5fbcbdfd1e1932b::" providerId="AD" clId="Web-{06BA73ED-A061-6375-8FFE-D5F796DAB0DE}"/>
+    <pc:docChg chg="modSld">
+      <pc:chgData name="Usuario invitado" userId="S::urn:spo:anon#eb2a7d79476950051e46bb22be043da915db42be12fcf09fa5fbcbdfd1e1932b::" providerId="AD" clId="Web-{06BA73ED-A061-6375-8FFE-D5F796DAB0DE}" dt="2018-08-28T18:40:40.402" v="2" actId="1076"/>
+      <pc:docMkLst>
+        <pc:docMk/>
+      </pc:docMkLst>
+      <pc:sldChg chg="delSp modSp">
+        <pc:chgData name="Usuario invitado" userId="S::urn:spo:anon#eb2a7d79476950051e46bb22be043da915db42be12fcf09fa5fbcbdfd1e1932b::" providerId="AD" clId="Web-{06BA73ED-A061-6375-8FFE-D5F796DAB0DE}" dt="2018-08-28T18:40:40.402" v="2" actId="1076"/>
+        <pc:sldMkLst>
+          <pc:docMk/>
+          <pc:sldMk cId="1957369981" sldId="262"/>
+        </pc:sldMkLst>
+        <pc:spChg chg="del">
+          <ac:chgData name="Usuario invitado" userId="S::urn:spo:anon#eb2a7d79476950051e46bb22be043da915db42be12fcf09fa5fbcbdfd1e1932b::" providerId="AD" clId="Web-{06BA73ED-A061-6375-8FFE-D5F796DAB0DE}" dt="2018-08-28T18:39:21.057" v="1"/>
+          <ac:spMkLst>
+            <pc:docMk/>
+            <pc:sldMk cId="1957369981" sldId="262"/>
+            <ac:spMk id="7" creationId="{C85DB8C4-FFB0-4CA0-AC46-2DA3367DA6D7}"/>
+          </ac:spMkLst>
+        </pc:spChg>
+        <pc:spChg chg="del">
+          <ac:chgData name="Usuario invitado" userId="S::urn:spo:anon#eb2a7d79476950051e46bb22be043da915db42be12fcf09fa5fbcbdfd1e1932b::" providerId="AD" clId="Web-{06BA73ED-A061-6375-8FFE-D5F796DAB0DE}" dt="2018-08-28T18:39:18.916" v="0"/>
+          <ac:spMkLst>
+            <pc:docMk/>
+            <pc:sldMk cId="1957369981" sldId="262"/>
+            <ac:spMk id="11" creationId="{00000000-0000-0000-0000-000000000000}"/>
+          </ac:spMkLst>
+        </pc:spChg>
+        <pc:picChg chg="mod">
+          <ac:chgData name="Usuario invitado" userId="S::urn:spo:anon#eb2a7d79476950051e46bb22be043da915db42be12fcf09fa5fbcbdfd1e1932b::" providerId="AD" clId="Web-{06BA73ED-A061-6375-8FFE-D5F796DAB0DE}" dt="2018-08-28T18:40:40.402" v="2" actId="1076"/>
+          <ac:picMkLst>
+            <pc:docMk/>
+            <pc:sldMk cId="1957369981" sldId="262"/>
+            <ac:picMk id="10" creationId="{00000000-0000-0000-0000-000000000000}"/>
           </ac:picMkLst>
         </pc:picChg>
       </pc:sldChg>
@@ -2865,185 +3242,6 @@
       </pc:sldChg>
     </pc:docChg>
   </pc:docChgLst>
-  <pc:docChgLst>
-    <pc:chgData name="GAMBOA ALVARADO IGNACIO G" userId="d3d0d4b5-30dd-46e6-93bb-837ddea6ad49" providerId="ADAL" clId="{8CBB8C90-6B1F-4992-B562-0E68CFD0F3DC}"/>
-    <pc:docChg chg="undo custSel addSld delSld modSld">
-      <pc:chgData name="GAMBOA ALVARADO IGNACIO G" userId="d3d0d4b5-30dd-46e6-93bb-837ddea6ad49" providerId="ADAL" clId="{8CBB8C90-6B1F-4992-B562-0E68CFD0F3DC}" dt="2024-05-25T23:12:26.814" v="1428" actId="20577"/>
-      <pc:docMkLst>
-        <pc:docMk/>
-      </pc:docMkLst>
-      <pc:sldChg chg="addSp delSp modSp mod modNotesTx">
-        <pc:chgData name="GAMBOA ALVARADO IGNACIO G" userId="d3d0d4b5-30dd-46e6-93bb-837ddea6ad49" providerId="ADAL" clId="{8CBB8C90-6B1F-4992-B562-0E68CFD0F3DC}" dt="2024-05-25T22:53:27.534" v="155" actId="20577"/>
-        <pc:sldMkLst>
-          <pc:docMk/>
-          <pc:sldMk cId="1957369981" sldId="262"/>
-        </pc:sldMkLst>
-        <pc:spChg chg="add mod">
-          <ac:chgData name="GAMBOA ALVARADO IGNACIO G" userId="d3d0d4b5-30dd-46e6-93bb-837ddea6ad49" providerId="ADAL" clId="{8CBB8C90-6B1F-4992-B562-0E68CFD0F3DC}" dt="2024-05-25T22:51:06.440" v="51" actId="1076"/>
-          <ac:spMkLst>
-            <pc:docMk/>
-            <pc:sldMk cId="1957369981" sldId="262"/>
-            <ac:spMk id="3" creationId="{14CE27E0-12EF-847D-668C-1C37A72AC54A}"/>
-          </ac:spMkLst>
-        </pc:spChg>
-        <pc:spChg chg="add mod">
-          <ac:chgData name="GAMBOA ALVARADO IGNACIO G" userId="d3d0d4b5-30dd-46e6-93bb-837ddea6ad49" providerId="ADAL" clId="{8CBB8C90-6B1F-4992-B562-0E68CFD0F3DC}" dt="2024-05-25T22:53:08.941" v="125" actId="115"/>
-          <ac:spMkLst>
-            <pc:docMk/>
-            <pc:sldMk cId="1957369981" sldId="262"/>
-            <ac:spMk id="4" creationId="{2A5B1E45-4D0E-297A-AB3D-9607063D7ABF}"/>
-          </ac:spMkLst>
-        </pc:spChg>
-        <pc:spChg chg="mod">
-          <ac:chgData name="GAMBOA ALVARADO IGNACIO G" userId="d3d0d4b5-30dd-46e6-93bb-837ddea6ad49" providerId="ADAL" clId="{8CBB8C90-6B1F-4992-B562-0E68CFD0F3DC}" dt="2024-05-25T22:49:46.327" v="22" actId="1076"/>
-          <ac:spMkLst>
-            <pc:docMk/>
-            <pc:sldMk cId="1957369981" sldId="262"/>
-            <ac:spMk id="13" creationId="{00000000-0000-0000-0000-000000000000}"/>
-          </ac:spMkLst>
-        </pc:spChg>
-        <pc:picChg chg="add mod">
-          <ac:chgData name="GAMBOA ALVARADO IGNACIO G" userId="d3d0d4b5-30dd-46e6-93bb-837ddea6ad49" providerId="ADAL" clId="{8CBB8C90-6B1F-4992-B562-0E68CFD0F3DC}" dt="2024-05-25T22:49:39.514" v="21" actId="1076"/>
-          <ac:picMkLst>
-            <pc:docMk/>
-            <pc:sldMk cId="1957369981" sldId="262"/>
-            <ac:picMk id="2" creationId="{AB648918-9FDB-46EB-F89C-E9D3FFF1273B}"/>
-          </ac:picMkLst>
-        </pc:picChg>
-        <pc:picChg chg="del">
-          <ac:chgData name="GAMBOA ALVARADO IGNACIO G" userId="d3d0d4b5-30dd-46e6-93bb-837ddea6ad49" providerId="ADAL" clId="{8CBB8C90-6B1F-4992-B562-0E68CFD0F3DC}" dt="2024-05-25T22:45:54.098" v="0" actId="478"/>
-          <ac:picMkLst>
-            <pc:docMk/>
-            <pc:sldMk cId="1957369981" sldId="262"/>
-            <ac:picMk id="8" creationId="{00000000-0000-0000-0000-000000000000}"/>
-          </ac:picMkLst>
-        </pc:picChg>
-        <pc:picChg chg="mod">
-          <ac:chgData name="GAMBOA ALVARADO IGNACIO G" userId="d3d0d4b5-30dd-46e6-93bb-837ddea6ad49" providerId="ADAL" clId="{8CBB8C90-6B1F-4992-B562-0E68CFD0F3DC}" dt="2024-05-25T22:48:55.182" v="17" actId="1076"/>
-          <ac:picMkLst>
-            <pc:docMk/>
-            <pc:sldMk cId="1957369981" sldId="262"/>
-            <ac:picMk id="9" creationId="{00000000-0000-0000-0000-000000000000}"/>
-          </ac:picMkLst>
-        </pc:picChg>
-        <pc:picChg chg="mod">
-          <ac:chgData name="GAMBOA ALVARADO IGNACIO G" userId="d3d0d4b5-30dd-46e6-93bb-837ddea6ad49" providerId="ADAL" clId="{8CBB8C90-6B1F-4992-B562-0E68CFD0F3DC}" dt="2024-05-25T22:49:24.864" v="20" actId="1076"/>
-          <ac:picMkLst>
-            <pc:docMk/>
-            <pc:sldMk cId="1957369981" sldId="262"/>
-            <ac:picMk id="10" creationId="{00000000-0000-0000-0000-000000000000}"/>
-          </ac:picMkLst>
-        </pc:picChg>
-      </pc:sldChg>
-      <pc:sldChg chg="addSp delSp modSp mod modNotesTx">
-        <pc:chgData name="GAMBOA ALVARADO IGNACIO G" userId="d3d0d4b5-30dd-46e6-93bb-837ddea6ad49" providerId="ADAL" clId="{8CBB8C90-6B1F-4992-B562-0E68CFD0F3DC}" dt="2024-05-25T23:12:26.814" v="1428" actId="20577"/>
-        <pc:sldMkLst>
-          <pc:docMk/>
-          <pc:sldMk cId="1761978179" sldId="303"/>
-        </pc:sldMkLst>
-        <pc:spChg chg="mod">
-          <ac:chgData name="GAMBOA ALVARADO IGNACIO G" userId="d3d0d4b5-30dd-46e6-93bb-837ddea6ad49" providerId="ADAL" clId="{8CBB8C90-6B1F-4992-B562-0E68CFD0F3DC}" dt="2024-05-25T23:01:26.637" v="850" actId="313"/>
-          <ac:spMkLst>
-            <pc:docMk/>
-            <pc:sldMk cId="1761978179" sldId="303"/>
-            <ac:spMk id="5" creationId="{699E2788-EBE2-45DF-9C0B-D666080A46A9}"/>
-          </ac:spMkLst>
-        </pc:spChg>
-        <pc:spChg chg="mod">
-          <ac:chgData name="GAMBOA ALVARADO IGNACIO G" userId="d3d0d4b5-30dd-46e6-93bb-837ddea6ad49" providerId="ADAL" clId="{8CBB8C90-6B1F-4992-B562-0E68CFD0F3DC}" dt="2024-05-25T23:05:17.306" v="1108" actId="20577"/>
-          <ac:spMkLst>
-            <pc:docMk/>
-            <pc:sldMk cId="1761978179" sldId="303"/>
-            <ac:spMk id="6" creationId="{9DEC9D77-6AA7-4B6B-881C-F31DAAE1DB2A}"/>
-          </ac:spMkLst>
-        </pc:spChg>
-        <pc:spChg chg="mod">
-          <ac:chgData name="GAMBOA ALVARADO IGNACIO G" userId="d3d0d4b5-30dd-46e6-93bb-837ddea6ad49" providerId="ADAL" clId="{8CBB8C90-6B1F-4992-B562-0E68CFD0F3DC}" dt="2024-05-25T23:12:26.814" v="1428" actId="20577"/>
-          <ac:spMkLst>
-            <pc:docMk/>
-            <pc:sldMk cId="1761978179" sldId="303"/>
-            <ac:spMk id="8" creationId="{8E5AB793-981F-4F0C-993F-B574912D895B}"/>
-          </ac:spMkLst>
-        </pc:spChg>
-        <pc:spChg chg="mod">
-          <ac:chgData name="GAMBOA ALVARADO IGNACIO G" userId="d3d0d4b5-30dd-46e6-93bb-837ddea6ad49" providerId="ADAL" clId="{8CBB8C90-6B1F-4992-B562-0E68CFD0F3DC}" dt="2024-05-25T22:59:54.044" v="747" actId="20577"/>
-          <ac:spMkLst>
-            <pc:docMk/>
-            <pc:sldMk cId="1761978179" sldId="303"/>
-            <ac:spMk id="10" creationId="{DC1D303F-E600-4ACE-9AB7-C6AEB05050D4}"/>
-          </ac:spMkLst>
-        </pc:spChg>
-        <pc:spChg chg="mod">
-          <ac:chgData name="GAMBOA ALVARADO IGNACIO G" userId="d3d0d4b5-30dd-46e6-93bb-837ddea6ad49" providerId="ADAL" clId="{8CBB8C90-6B1F-4992-B562-0E68CFD0F3DC}" dt="2024-05-25T23:03:38.271" v="875" actId="20577"/>
-          <ac:spMkLst>
-            <pc:docMk/>
-            <pc:sldMk cId="1761978179" sldId="303"/>
-            <ac:spMk id="11" creationId="{ACB6F962-DADC-4482-8A69-766A19968AF5}"/>
-          </ac:spMkLst>
-        </pc:spChg>
-        <pc:spChg chg="add del mod">
-          <ac:chgData name="GAMBOA ALVARADO IGNACIO G" userId="d3d0d4b5-30dd-46e6-93bb-837ddea6ad49" providerId="ADAL" clId="{8CBB8C90-6B1F-4992-B562-0E68CFD0F3DC}" dt="2024-05-25T23:10:21.783" v="1180" actId="20577"/>
-          <ac:spMkLst>
-            <pc:docMk/>
-            <pc:sldMk cId="1761978179" sldId="303"/>
-            <ac:spMk id="12" creationId="{A3A365B2-B2DE-4D2C-92CE-32C0611969DB}"/>
-          </ac:spMkLst>
-        </pc:spChg>
-        <pc:spChg chg="mod">
-          <ac:chgData name="GAMBOA ALVARADO IGNACIO G" userId="d3d0d4b5-30dd-46e6-93bb-837ddea6ad49" providerId="ADAL" clId="{8CBB8C90-6B1F-4992-B562-0E68CFD0F3DC}" dt="2024-05-25T23:05:32.844" v="1111" actId="1076"/>
-          <ac:spMkLst>
-            <pc:docMk/>
-            <pc:sldMk cId="1761978179" sldId="303"/>
-            <ac:spMk id="21" creationId="{6A548F58-8CF8-4D0C-8871-44C1700A4D4B}"/>
-          </ac:spMkLst>
-        </pc:spChg>
-        <pc:spChg chg="mod">
-          <ac:chgData name="GAMBOA ALVARADO IGNACIO G" userId="d3d0d4b5-30dd-46e6-93bb-837ddea6ad49" providerId="ADAL" clId="{8CBB8C90-6B1F-4992-B562-0E68CFD0F3DC}" dt="2024-05-25T23:11:36.767" v="1182" actId="1076"/>
-          <ac:spMkLst>
-            <pc:docMk/>
-            <pc:sldMk cId="1761978179" sldId="303"/>
-            <ac:spMk id="23" creationId="{73182A38-D6DF-453D-921E-315EFA20E2ED}"/>
-          </ac:spMkLst>
-        </pc:spChg>
-        <pc:cxnChg chg="mod">
-          <ac:chgData name="GAMBOA ALVARADO IGNACIO G" userId="d3d0d4b5-30dd-46e6-93bb-837ddea6ad49" providerId="ADAL" clId="{8CBB8C90-6B1F-4992-B562-0E68CFD0F3DC}" dt="2024-05-25T23:05:28.013" v="1110" actId="1076"/>
-          <ac:cxnSpMkLst>
-            <pc:docMk/>
-            <pc:sldMk cId="1761978179" sldId="303"/>
-            <ac:cxnSpMk id="22" creationId="{6A7DB234-E311-4E3B-AE05-EF5CB163CB48}"/>
-          </ac:cxnSpMkLst>
-        </pc:cxnChg>
-      </pc:sldChg>
-      <pc:sldChg chg="modNotesTx">
-        <pc:chgData name="GAMBOA ALVARADO IGNACIO G" userId="d3d0d4b5-30dd-46e6-93bb-837ddea6ad49" providerId="ADAL" clId="{8CBB8C90-6B1F-4992-B562-0E68CFD0F3DC}" dt="2024-05-25T22:55:01.615" v="462" actId="313"/>
-        <pc:sldMkLst>
-          <pc:docMk/>
-          <pc:sldMk cId="3105322462" sldId="304"/>
-        </pc:sldMkLst>
-      </pc:sldChg>
-      <pc:sldChg chg="modNotesTx">
-        <pc:chgData name="GAMBOA ALVARADO IGNACIO G" userId="d3d0d4b5-30dd-46e6-93bb-837ddea6ad49" providerId="ADAL" clId="{8CBB8C90-6B1F-4992-B562-0E68CFD0F3DC}" dt="2024-05-25T22:56:08.898" v="613" actId="33524"/>
-        <pc:sldMkLst>
-          <pc:docMk/>
-          <pc:sldMk cId="743564996" sldId="305"/>
-        </pc:sldMkLst>
-      </pc:sldChg>
-      <pc:sldChg chg="modNotesTx">
-        <pc:chgData name="GAMBOA ALVARADO IGNACIO G" userId="d3d0d4b5-30dd-46e6-93bb-837ddea6ad49" providerId="ADAL" clId="{8CBB8C90-6B1F-4992-B562-0E68CFD0F3DC}" dt="2024-05-25T22:58:38.633" v="727" actId="5793"/>
-        <pc:sldMkLst>
-          <pc:docMk/>
-          <pc:sldMk cId="2146413309" sldId="307"/>
-        </pc:sldMkLst>
-      </pc:sldChg>
-      <pc:sldChg chg="add del">
-        <pc:chgData name="GAMBOA ALVARADO IGNACIO G" userId="d3d0d4b5-30dd-46e6-93bb-837ddea6ad49" providerId="ADAL" clId="{8CBB8C90-6B1F-4992-B562-0E68CFD0F3DC}" dt="2024-05-25T23:00:35.106" v="784" actId="2890"/>
-        <pc:sldMkLst>
-          <pc:docMk/>
-          <pc:sldMk cId="3835194171" sldId="317"/>
-        </pc:sldMkLst>
-      </pc:sldChg>
-    </pc:docChg>
-  </pc:docChgLst>
 </pc:chgInfo>
 </file>
 
@@ -3129,7 +3327,7 @@
           <a:p>
             <a:fld id="{89347D60-E39B-E041-B6CE-3FDC1A8BB989}" type="datetimeFigureOut">
               <a:rPr lang="es-ES_tradnl" smtClean="0"/>
-              <a:t>25/05/2024</a:t>
+              <a:t>26/05/2024</a:t>
             </a:fld>
             <a:endParaRPr lang="es-ES_tradnl"/>
           </a:p>
@@ -3441,14 +3639,14 @@
           <a:lstStyle/>
           <a:p>
             <a:r>
-              <a:rPr lang="es-CL" dirty="0"/>
+              <a:rPr lang="es-CL"/>
               <a:t>Portada de la </a:t>
             </a:r>
             <a:r>
-              <a:rPr lang="es-CL" dirty="0" err="1"/>
+              <a:rPr lang="es-CL" err="1"/>
               <a:t>Presentacion</a:t>
             </a:r>
-            <a:endParaRPr lang="es-MX" dirty="0"/>
+            <a:endParaRPr lang="es-MX"/>
           </a:p>
         </p:txBody>
       </p:sp>
@@ -3532,7 +3730,7 @@
           <a:bodyPr/>
           <a:lstStyle/>
           <a:p>
-            <a:endParaRPr lang="es-ES_tradnl" dirty="0"/>
+            <a:endParaRPr lang="es-ES_tradnl"/>
           </a:p>
         </p:txBody>
       </p:sp>
@@ -3562,7 +3760,7 @@
     </p:spTree>
     <p:extLst>
       <p:ext uri="{BB962C8B-B14F-4D97-AF65-F5344CB8AC3E}">
-        <p14:creationId xmlns:p14="http://schemas.microsoft.com/office/powerpoint/2010/main" val="1236254308"/>
+        <p14:creationId xmlns:p14="http://schemas.microsoft.com/office/powerpoint/2010/main" val="4120998062"/>
       </p:ext>
     </p:extLst>
   </p:cSld>
@@ -3616,7 +3814,7 @@
           <a:bodyPr/>
           <a:lstStyle/>
           <a:p>
-            <a:endParaRPr lang="es-ES_tradnl" dirty="0"/>
+            <a:endParaRPr lang="es-ES_tradnl"/>
           </a:p>
         </p:txBody>
       </p:sp>
@@ -3646,7 +3844,7 @@
     </p:spTree>
     <p:extLst>
       <p:ext uri="{BB962C8B-B14F-4D97-AF65-F5344CB8AC3E}">
-        <p14:creationId xmlns:p14="http://schemas.microsoft.com/office/powerpoint/2010/main" val="2216672859"/>
+        <p14:creationId xmlns:p14="http://schemas.microsoft.com/office/powerpoint/2010/main" val="1236254308"/>
       </p:ext>
     </p:extLst>
   </p:cSld>
@@ -3700,7 +3898,7 @@
           <a:bodyPr/>
           <a:lstStyle/>
           <a:p>
-            <a:endParaRPr lang="es-ES_tradnl" dirty="0"/>
+            <a:endParaRPr lang="es-ES_tradnl"/>
           </a:p>
         </p:txBody>
       </p:sp>
@@ -3730,7 +3928,7 @@
     </p:spTree>
     <p:extLst>
       <p:ext uri="{BB962C8B-B14F-4D97-AF65-F5344CB8AC3E}">
-        <p14:creationId xmlns:p14="http://schemas.microsoft.com/office/powerpoint/2010/main" val="3678623892"/>
+        <p14:creationId xmlns:p14="http://schemas.microsoft.com/office/powerpoint/2010/main" val="2216672859"/>
       </p:ext>
     </p:extLst>
   </p:cSld>
@@ -3784,7 +3982,7 @@
           <a:bodyPr/>
           <a:lstStyle/>
           <a:p>
-            <a:endParaRPr lang="es-ES_tradnl" dirty="0"/>
+            <a:endParaRPr lang="es-ES_tradnl"/>
           </a:p>
         </p:txBody>
       </p:sp>
@@ -3814,7 +4012,7 @@
     </p:spTree>
     <p:extLst>
       <p:ext uri="{BB962C8B-B14F-4D97-AF65-F5344CB8AC3E}">
-        <p14:creationId xmlns:p14="http://schemas.microsoft.com/office/powerpoint/2010/main" val="296608123"/>
+        <p14:creationId xmlns:p14="http://schemas.microsoft.com/office/powerpoint/2010/main" val="3678623892"/>
       </p:ext>
     </p:extLst>
   </p:cSld>
@@ -3868,7 +4066,7 @@
           <a:bodyPr/>
           <a:lstStyle/>
           <a:p>
-            <a:endParaRPr lang="es-ES_tradnl" dirty="0"/>
+            <a:endParaRPr lang="es-ES_tradnl"/>
           </a:p>
         </p:txBody>
       </p:sp>
@@ -3898,7 +4096,7 @@
     </p:spTree>
     <p:extLst>
       <p:ext uri="{BB962C8B-B14F-4D97-AF65-F5344CB8AC3E}">
-        <p14:creationId xmlns:p14="http://schemas.microsoft.com/office/powerpoint/2010/main" val="2925636881"/>
+        <p14:creationId xmlns:p14="http://schemas.microsoft.com/office/powerpoint/2010/main" val="296608123"/>
       </p:ext>
     </p:extLst>
   </p:cSld>
@@ -3952,7 +4150,7 @@
           <a:bodyPr/>
           <a:lstStyle/>
           <a:p>
-            <a:endParaRPr lang="es-ES_tradnl" dirty="0"/>
+            <a:endParaRPr lang="es-ES_tradnl"/>
           </a:p>
         </p:txBody>
       </p:sp>
@@ -3974,6 +4172,90 @@
             <a:fld id="{80AD1966-643A-ED45-BFF9-B0FE18A32E2B}" type="slidenum">
               <a:rPr lang="es-ES_tradnl" smtClean="0"/>
               <a:t>15</a:t>
+            </a:fld>
+            <a:endParaRPr lang="es-ES_tradnl"/>
+          </a:p>
+        </p:txBody>
+      </p:sp>
+    </p:spTree>
+    <p:extLst>
+      <p:ext uri="{BB962C8B-B14F-4D97-AF65-F5344CB8AC3E}">
+        <p14:creationId xmlns:p14="http://schemas.microsoft.com/office/powerpoint/2010/main" val="2925636881"/>
+      </p:ext>
+    </p:extLst>
+  </p:cSld>
+  <p:clrMapOvr>
+    <a:masterClrMapping/>
+  </p:clrMapOvr>
+</p:notes>
+</file>
+
+<file path=ppt/notesSlides/notesSlide16.xml><?xml version="1.0" encoding="utf-8"?>
+<p:notes xmlns:a="http://schemas.openxmlformats.org/drawingml/2006/main" xmlns:r="http://schemas.openxmlformats.org/officeDocument/2006/relationships" xmlns:p="http://schemas.openxmlformats.org/presentationml/2006/main">
+  <p:cSld>
+    <p:spTree>
+      <p:nvGrpSpPr>
+        <p:cNvPr id="1" name=""/>
+        <p:cNvGrpSpPr/>
+        <p:nvPr/>
+      </p:nvGrpSpPr>
+      <p:grpSpPr>
+        <a:xfrm>
+          <a:off x="0" y="0"/>
+          <a:ext cx="0" cy="0"/>
+          <a:chOff x="0" y="0"/>
+          <a:chExt cx="0" cy="0"/>
+        </a:xfrm>
+      </p:grpSpPr>
+      <p:sp>
+        <p:nvSpPr>
+          <p:cNvPr id="2" name="Marcador de imagen de diapositiva 1"/>
+          <p:cNvSpPr>
+            <a:spLocks noGrp="1" noRot="1" noChangeAspect="1"/>
+          </p:cNvSpPr>
+          <p:nvPr>
+            <p:ph type="sldImg"/>
+          </p:nvPr>
+        </p:nvSpPr>
+        <p:spPr/>
+      </p:sp>
+      <p:sp>
+        <p:nvSpPr>
+          <p:cNvPr id="3" name="Marcador de notas 2"/>
+          <p:cNvSpPr>
+            <a:spLocks noGrp="1"/>
+          </p:cNvSpPr>
+          <p:nvPr>
+            <p:ph type="body" idx="1"/>
+          </p:nvPr>
+        </p:nvSpPr>
+        <p:spPr/>
+        <p:txBody>
+          <a:bodyPr/>
+          <a:lstStyle/>
+          <a:p>
+            <a:endParaRPr lang="es-ES_tradnl"/>
+          </a:p>
+        </p:txBody>
+      </p:sp>
+      <p:sp>
+        <p:nvSpPr>
+          <p:cNvPr id="4" name="Marcador de número de diapositiva 3"/>
+          <p:cNvSpPr>
+            <a:spLocks noGrp="1"/>
+          </p:cNvSpPr>
+          <p:nvPr>
+            <p:ph type="sldNum" sz="quarter" idx="10"/>
+          </p:nvPr>
+        </p:nvSpPr>
+        <p:spPr/>
+        <p:txBody>
+          <a:bodyPr/>
+          <a:lstStyle/>
+          <a:p>
+            <a:fld id="{80AD1966-643A-ED45-BFF9-B0FE18A32E2B}" type="slidenum">
+              <a:rPr lang="es-ES_tradnl" smtClean="0"/>
+              <a:t>16</a:t>
             </a:fld>
             <a:endParaRPr lang="es-ES_tradnl"/>
           </a:p>
@@ -4037,8 +4319,8 @@
           <a:lstStyle/>
           <a:p>
             <a:r>
-              <a:rPr lang="es-ES_tradnl" dirty="0"/>
-              <a:t>Resumen de la presentación anterior y resumen de los datos</a:t>
+              <a:rPr lang="es-ES_tradnl"/>
+              <a:t>Resumen del aprendizaje supervisado y los algoritmos a considerar sin explicar, estos se justificarán a medida que se avance…</a:t>
             </a:r>
           </a:p>
         </p:txBody>
@@ -4069,7 +4351,7 @@
     </p:spTree>
     <p:extLst>
       <p:ext uri="{BB962C8B-B14F-4D97-AF65-F5344CB8AC3E}">
-        <p14:creationId xmlns:p14="http://schemas.microsoft.com/office/powerpoint/2010/main" val="1915245970"/>
+        <p14:creationId xmlns:p14="http://schemas.microsoft.com/office/powerpoint/2010/main" val="3976011419"/>
       </p:ext>
     </p:extLst>
   </p:cSld>
@@ -4124,16 +4406,8 @@
           <a:lstStyle/>
           <a:p>
             <a:r>
-              <a:rPr lang="es-ES_tradnl" dirty="0"/>
-              <a:t>Primer mach con las conclusiones anteriores, de preferencia mostrar aquí lo </a:t>
-            </a:r>
-            <a:r>
-              <a:rPr lang="es-ES_tradnl" dirty="0" err="1"/>
-              <a:t>faaltante</a:t>
-            </a:r>
-            <a:r>
-              <a:rPr lang="es-ES_tradnl" dirty="0"/>
-              <a:t> de la presentación 1 (LA REGRESION LINEAL)</a:t>
+              <a:rPr lang="es-ES_tradnl"/>
+              <a:t>Resumen de la presentación anterior y resumen de los datos</a:t>
             </a:r>
           </a:p>
         </p:txBody>
@@ -4219,7 +4493,7 @@
           <a:lstStyle/>
           <a:p>
             <a:r>
-              <a:rPr lang="es-ES_tradnl" dirty="0"/>
+              <a:rPr lang="es-ES_tradnl"/>
               <a:t>Resumen del aprendizaje supervisado y los algoritmos a considerar sin explicar, estos se justificarán a medida que se avance…</a:t>
             </a:r>
           </a:p>
@@ -4251,7 +4525,7 @@
     </p:spTree>
     <p:extLst>
       <p:ext uri="{BB962C8B-B14F-4D97-AF65-F5344CB8AC3E}">
-        <p14:creationId xmlns:p14="http://schemas.microsoft.com/office/powerpoint/2010/main" val="3976011419"/>
+        <p14:creationId xmlns:p14="http://schemas.microsoft.com/office/powerpoint/2010/main" val="3128409536"/>
       </p:ext>
     </p:extLst>
   </p:cSld>
@@ -4306,13 +4580,13 @@
           <a:lstStyle/>
           <a:p>
             <a:r>
-              <a:rPr lang="es-ES_tradnl" dirty="0"/>
+              <a:rPr lang="es-ES_tradnl"/>
               <a:t>Variable dependiente: Precio.</a:t>
             </a:r>
           </a:p>
           <a:p>
             <a:r>
-              <a:rPr lang="es-ES_tradnl" dirty="0"/>
+              <a:rPr lang="es-ES_tradnl"/>
               <a:t>Variables independientes: Todas las demás.</a:t>
             </a:r>
           </a:p>
@@ -4398,7 +4672,18 @@
           <a:bodyPr/>
           <a:lstStyle/>
           <a:p>
-            <a:endParaRPr lang="es-ES_tradnl" dirty="0"/>
+            <a:r>
+              <a:rPr lang="es-ES_tradnl"/>
+              <a:t>Primer mach con las conclusiones anteriores, de preferencia mostrar aquí lo </a:t>
+            </a:r>
+            <a:r>
+              <a:rPr lang="es-ES_tradnl" err="1"/>
+              <a:t>faaltante</a:t>
+            </a:r>
+            <a:r>
+              <a:rPr lang="es-ES_tradnl"/>
+              <a:t> de la presentación 1 (LA REGRESION LINEAL)</a:t>
+            </a:r>
           </a:p>
         </p:txBody>
       </p:sp>
@@ -4428,7 +4713,7 @@
     </p:spTree>
     <p:extLst>
       <p:ext uri="{BB962C8B-B14F-4D97-AF65-F5344CB8AC3E}">
-        <p14:creationId xmlns:p14="http://schemas.microsoft.com/office/powerpoint/2010/main" val="3081660808"/>
+        <p14:creationId xmlns:p14="http://schemas.microsoft.com/office/powerpoint/2010/main" val="1915245970"/>
       </p:ext>
     </p:extLst>
   </p:cSld>
@@ -4482,7 +4767,7 @@
           <a:bodyPr/>
           <a:lstStyle/>
           <a:p>
-            <a:endParaRPr lang="es-ES_tradnl" dirty="0"/>
+            <a:endParaRPr lang="es-ES_tradnl"/>
           </a:p>
         </p:txBody>
       </p:sp>
@@ -4512,7 +4797,7 @@
     </p:spTree>
     <p:extLst>
       <p:ext uri="{BB962C8B-B14F-4D97-AF65-F5344CB8AC3E}">
-        <p14:creationId xmlns:p14="http://schemas.microsoft.com/office/powerpoint/2010/main" val="547028226"/>
+        <p14:creationId xmlns:p14="http://schemas.microsoft.com/office/powerpoint/2010/main" val="3081660808"/>
       </p:ext>
     </p:extLst>
   </p:cSld>
@@ -4566,7 +4851,7 @@
           <a:bodyPr/>
           <a:lstStyle/>
           <a:p>
-            <a:endParaRPr lang="es-ES_tradnl" dirty="0"/>
+            <a:endParaRPr lang="es-ES_tradnl"/>
           </a:p>
         </p:txBody>
       </p:sp>
@@ -4596,7 +4881,7 @@
     </p:spTree>
     <p:extLst>
       <p:ext uri="{BB962C8B-B14F-4D97-AF65-F5344CB8AC3E}">
-        <p14:creationId xmlns:p14="http://schemas.microsoft.com/office/powerpoint/2010/main" val="972177286"/>
+        <p14:creationId xmlns:p14="http://schemas.microsoft.com/office/powerpoint/2010/main" val="547028226"/>
       </p:ext>
     </p:extLst>
   </p:cSld>
@@ -4650,7 +4935,7 @@
           <a:bodyPr/>
           <a:lstStyle/>
           <a:p>
-            <a:endParaRPr lang="es-ES_tradnl" dirty="0"/>
+            <a:endParaRPr lang="es-ES_tradnl"/>
           </a:p>
         </p:txBody>
       </p:sp>
@@ -4680,7 +4965,7 @@
     </p:spTree>
     <p:extLst>
       <p:ext uri="{BB962C8B-B14F-4D97-AF65-F5344CB8AC3E}">
-        <p14:creationId xmlns:p14="http://schemas.microsoft.com/office/powerpoint/2010/main" val="4120998062"/>
+        <p14:creationId xmlns:p14="http://schemas.microsoft.com/office/powerpoint/2010/main" val="972177286"/>
       </p:ext>
     </p:extLst>
   </p:cSld>
@@ -4735,7 +5020,7 @@
               <a:rPr lang="es-ES_tradnl"/>
               <a:t>Clic para editar título</a:t>
             </a:r>
-            <a:endParaRPr lang="en-US" dirty="0"/>
+            <a:endParaRPr lang="en-US"/>
           </a:p>
         </p:txBody>
       </p:sp>
@@ -4800,7 +5085,7 @@
               <a:rPr lang="es-ES_tradnl"/>
               <a:t>Haga clic para modificar el estilo de subtítulo del patrón</a:t>
             </a:r>
-            <a:endParaRPr lang="en-US" dirty="0"/>
+            <a:endParaRPr lang="en-US"/>
           </a:p>
         </p:txBody>
       </p:sp>
@@ -4821,7 +5106,7 @@
           <a:p>
             <a:fld id="{6FD36221-589F-2846-B89B-D09559D774BF}" type="datetimeFigureOut">
               <a:rPr lang="es-ES_tradnl" smtClean="0"/>
-              <a:t>25/05/2024</a:t>
+              <a:t>26/05/2024</a:t>
             </a:fld>
             <a:endParaRPr lang="es-ES_tradnl"/>
           </a:p>
@@ -4913,7 +5198,7 @@
               <a:rPr lang="es-ES_tradnl"/>
               <a:t>Clic para editar título</a:t>
             </a:r>
-            <a:endParaRPr lang="en-US" dirty="0"/>
+            <a:endParaRPr lang="en-US"/>
           </a:p>
         </p:txBody>
       </p:sp>
@@ -4965,7 +5250,7 @@
               <a:rPr lang="es-ES_tradnl"/>
               <a:t>Quinto nivel</a:t>
             </a:r>
-            <a:endParaRPr lang="en-US" dirty="0"/>
+            <a:endParaRPr lang="en-US"/>
           </a:p>
         </p:txBody>
       </p:sp>
@@ -4986,7 +5271,7 @@
           <a:p>
             <a:fld id="{6FD36221-589F-2846-B89B-D09559D774BF}" type="datetimeFigureOut">
               <a:rPr lang="es-ES_tradnl" smtClean="0"/>
-              <a:t>25/05/2024</a:t>
+              <a:t>26/05/2024</a:t>
             </a:fld>
             <a:endParaRPr lang="es-ES_tradnl"/>
           </a:p>
@@ -5083,7 +5368,7 @@
               <a:rPr lang="es-ES_tradnl"/>
               <a:t>Clic para editar título</a:t>
             </a:r>
-            <a:endParaRPr lang="en-US" dirty="0"/>
+            <a:endParaRPr lang="en-US"/>
           </a:p>
         </p:txBody>
       </p:sp>
@@ -5140,7 +5425,7 @@
               <a:rPr lang="es-ES_tradnl"/>
               <a:t>Quinto nivel</a:t>
             </a:r>
-            <a:endParaRPr lang="en-US" dirty="0"/>
+            <a:endParaRPr lang="en-US"/>
           </a:p>
         </p:txBody>
       </p:sp>
@@ -5161,7 +5446,7 @@
           <a:p>
             <a:fld id="{6FD36221-589F-2846-B89B-D09559D774BF}" type="datetimeFigureOut">
               <a:rPr lang="es-ES_tradnl" smtClean="0"/>
-              <a:t>25/05/2024</a:t>
+              <a:t>26/05/2024</a:t>
             </a:fld>
             <a:endParaRPr lang="es-ES_tradnl"/>
           </a:p>
@@ -5253,7 +5538,7 @@
               <a:rPr lang="es-ES_tradnl"/>
               <a:t>Clic para editar título</a:t>
             </a:r>
-            <a:endParaRPr lang="en-US" dirty="0"/>
+            <a:endParaRPr lang="en-US"/>
           </a:p>
         </p:txBody>
       </p:sp>
@@ -5305,7 +5590,7 @@
               <a:rPr lang="es-ES_tradnl"/>
               <a:t>Quinto nivel</a:t>
             </a:r>
-            <a:endParaRPr lang="en-US" dirty="0"/>
+            <a:endParaRPr lang="en-US"/>
           </a:p>
         </p:txBody>
       </p:sp>
@@ -5326,7 +5611,7 @@
           <a:p>
             <a:fld id="{6FD36221-589F-2846-B89B-D09559D774BF}" type="datetimeFigureOut">
               <a:rPr lang="es-ES_tradnl" smtClean="0"/>
-              <a:t>25/05/2024</a:t>
+              <a:t>26/05/2024</a:t>
             </a:fld>
             <a:endParaRPr lang="es-ES_tradnl"/>
           </a:p>
@@ -5427,7 +5712,7 @@
               <a:rPr lang="es-ES_tradnl"/>
               <a:t>Clic para editar título</a:t>
             </a:r>
-            <a:endParaRPr lang="en-US" dirty="0"/>
+            <a:endParaRPr lang="en-US"/>
           </a:p>
         </p:txBody>
       </p:sp>
@@ -5565,7 +5850,7 @@
           <a:p>
             <a:fld id="{6FD36221-589F-2846-B89B-D09559D774BF}" type="datetimeFigureOut">
               <a:rPr lang="es-ES_tradnl" smtClean="0"/>
-              <a:t>25/05/2024</a:t>
+              <a:t>26/05/2024</a:t>
             </a:fld>
             <a:endParaRPr lang="es-ES_tradnl"/>
           </a:p>
@@ -5657,7 +5942,7 @@
               <a:rPr lang="es-ES_tradnl"/>
               <a:t>Clic para editar título</a:t>
             </a:r>
-            <a:endParaRPr lang="en-US" dirty="0"/>
+            <a:endParaRPr lang="en-US"/>
           </a:p>
         </p:txBody>
       </p:sp>
@@ -5714,7 +5999,7 @@
               <a:rPr lang="es-ES_tradnl"/>
               <a:t>Quinto nivel</a:t>
             </a:r>
-            <a:endParaRPr lang="en-US" dirty="0"/>
+            <a:endParaRPr lang="en-US"/>
           </a:p>
         </p:txBody>
       </p:sp>
@@ -5771,7 +6056,7 @@
               <a:rPr lang="es-ES_tradnl"/>
               <a:t>Quinto nivel</a:t>
             </a:r>
-            <a:endParaRPr lang="en-US" dirty="0"/>
+            <a:endParaRPr lang="en-US"/>
           </a:p>
         </p:txBody>
       </p:sp>
@@ -5792,7 +6077,7 @@
           <a:p>
             <a:fld id="{6FD36221-589F-2846-B89B-D09559D774BF}" type="datetimeFigureOut">
               <a:rPr lang="es-ES_tradnl" smtClean="0"/>
-              <a:t>25/05/2024</a:t>
+              <a:t>26/05/2024</a:t>
             </a:fld>
             <a:endParaRPr lang="es-ES_tradnl"/>
           </a:p>
@@ -5889,7 +6174,7 @@
               <a:rPr lang="es-ES_tradnl"/>
               <a:t>Clic para editar título</a:t>
             </a:r>
-            <a:endParaRPr lang="en-US" dirty="0"/>
+            <a:endParaRPr lang="en-US"/>
           </a:p>
         </p:txBody>
       </p:sp>
@@ -6011,7 +6296,7 @@
               <a:rPr lang="es-ES_tradnl"/>
               <a:t>Quinto nivel</a:t>
             </a:r>
-            <a:endParaRPr lang="en-US" dirty="0"/>
+            <a:endParaRPr lang="en-US"/>
           </a:p>
         </p:txBody>
       </p:sp>
@@ -6133,7 +6418,7 @@
               <a:rPr lang="es-ES_tradnl"/>
               <a:t>Quinto nivel</a:t>
             </a:r>
-            <a:endParaRPr lang="en-US" dirty="0"/>
+            <a:endParaRPr lang="en-US"/>
           </a:p>
         </p:txBody>
       </p:sp>
@@ -6154,7 +6439,7 @@
           <a:p>
             <a:fld id="{6FD36221-589F-2846-B89B-D09559D774BF}" type="datetimeFigureOut">
               <a:rPr lang="es-ES_tradnl" smtClean="0"/>
-              <a:t>25/05/2024</a:t>
+              <a:t>26/05/2024</a:t>
             </a:fld>
             <a:endParaRPr lang="es-ES_tradnl"/>
           </a:p>
@@ -6246,7 +6531,7 @@
               <a:rPr lang="es-ES_tradnl"/>
               <a:t>Clic para editar título</a:t>
             </a:r>
-            <a:endParaRPr lang="en-US" dirty="0"/>
+            <a:endParaRPr lang="en-US"/>
           </a:p>
         </p:txBody>
       </p:sp>
@@ -6267,7 +6552,7 @@
           <a:p>
             <a:fld id="{6FD36221-589F-2846-B89B-D09559D774BF}" type="datetimeFigureOut">
               <a:rPr lang="es-ES_tradnl" smtClean="0"/>
-              <a:t>25/05/2024</a:t>
+              <a:t>26/05/2024</a:t>
             </a:fld>
             <a:endParaRPr lang="es-ES_tradnl"/>
           </a:p>
@@ -6357,7 +6642,7 @@
           <a:p>
             <a:fld id="{6FD36221-589F-2846-B89B-D09559D774BF}" type="datetimeFigureOut">
               <a:rPr lang="es-ES_tradnl" smtClean="0"/>
-              <a:t>25/05/2024</a:t>
+              <a:t>26/05/2024</a:t>
             </a:fld>
             <a:endParaRPr lang="es-ES_tradnl"/>
           </a:p>
@@ -6458,7 +6743,7 @@
               <a:rPr lang="es-ES_tradnl"/>
               <a:t>Clic para editar título</a:t>
             </a:r>
-            <a:endParaRPr lang="en-US" dirty="0"/>
+            <a:endParaRPr lang="en-US"/>
           </a:p>
         </p:txBody>
       </p:sp>
@@ -6543,7 +6828,7 @@
               <a:rPr lang="es-ES_tradnl"/>
               <a:t>Quinto nivel</a:t>
             </a:r>
-            <a:endParaRPr lang="en-US" dirty="0"/>
+            <a:endParaRPr lang="en-US"/>
           </a:p>
         </p:txBody>
       </p:sp>
@@ -6629,7 +6914,7 @@
           <a:p>
             <a:fld id="{6FD36221-589F-2846-B89B-D09559D774BF}" type="datetimeFigureOut">
               <a:rPr lang="es-ES_tradnl" smtClean="0"/>
-              <a:t>25/05/2024</a:t>
+              <a:t>26/05/2024</a:t>
             </a:fld>
             <a:endParaRPr lang="es-ES_tradnl"/>
           </a:p>
@@ -6730,7 +7015,7 @@
               <a:rPr lang="es-ES_tradnl"/>
               <a:t>Clic para editar título</a:t>
             </a:r>
-            <a:endParaRPr lang="en-US" dirty="0"/>
+            <a:endParaRPr lang="en-US"/>
           </a:p>
         </p:txBody>
       </p:sp>
@@ -6795,7 +7080,7 @@
               <a:rPr lang="es-ES_tradnl"/>
               <a:t>Arrastre la imagen al marcador de posición o haga clic en el icono para agregarla</a:t>
             </a:r>
-            <a:endParaRPr lang="en-US" dirty="0"/>
+            <a:endParaRPr lang="en-US"/>
           </a:p>
         </p:txBody>
       </p:sp>
@@ -6881,7 +7166,7 @@
           <a:p>
             <a:fld id="{6FD36221-589F-2846-B89B-D09559D774BF}" type="datetimeFigureOut">
               <a:rPr lang="es-ES_tradnl" smtClean="0"/>
-              <a:t>25/05/2024</a:t>
+              <a:t>26/05/2024</a:t>
             </a:fld>
             <a:endParaRPr lang="es-ES_tradnl"/>
           </a:p>
@@ -6988,7 +7273,7 @@
               <a:rPr lang="es-ES_tradnl"/>
               <a:t>Clic para editar título</a:t>
             </a:r>
-            <a:endParaRPr lang="en-US" dirty="0"/>
+            <a:endParaRPr lang="en-US"/>
           </a:p>
         </p:txBody>
       </p:sp>
@@ -7050,7 +7335,7 @@
               <a:rPr lang="es-ES_tradnl"/>
               <a:t>Quinto nivel</a:t>
             </a:r>
-            <a:endParaRPr lang="en-US" dirty="0"/>
+            <a:endParaRPr lang="en-US"/>
           </a:p>
         </p:txBody>
       </p:sp>
@@ -7089,7 +7374,7 @@
           <a:p>
             <a:fld id="{6FD36221-589F-2846-B89B-D09559D774BF}" type="datetimeFigureOut">
               <a:rPr lang="es-ES_tradnl" smtClean="0"/>
-              <a:t>25/05/2024</a:t>
+              <a:t>26/05/2024</a:t>
             </a:fld>
             <a:endParaRPr lang="es-ES_tradnl"/>
           </a:p>
@@ -7589,7 +7874,7 @@
           <a:lstStyle/>
           <a:p>
             <a:r>
-              <a:rPr lang="es-ES_tradnl" sz="1200" b="1" dirty="0">
+              <a:rPr lang="es-ES_tradnl" sz="1200" b="1">
                 <a:solidFill>
                   <a:schemeClr val="bg1"/>
                 </a:solidFill>
@@ -7667,7 +7952,7 @@
           <a:p>
             <a:pPr algn="ctr"/>
             <a:r>
-              <a:rPr lang="es-CL" dirty="0">
+              <a:rPr lang="es-CL">
                 <a:solidFill>
                   <a:schemeClr val="bg1"/>
                 </a:solidFill>
@@ -7676,7 +7961,7 @@
               </a:rPr>
               <a:t>Minería de Datos.</a:t>
             </a:r>
-            <a:endParaRPr lang="es-MX" dirty="0">
+            <a:endParaRPr lang="es-MX">
               <a:solidFill>
                 <a:schemeClr val="bg1"/>
               </a:solidFill>
@@ -7715,7 +8000,7 @@
           <a:lstStyle/>
           <a:p>
             <a:r>
-              <a:rPr lang="es-CL" u="sng" dirty="0">
+              <a:rPr lang="es-CL" u="sng">
                 <a:solidFill>
                   <a:schemeClr val="bg1"/>
                 </a:solidFill>
@@ -7731,7 +8016,7 @@
               <a:buChar char="•"/>
             </a:pPr>
             <a:r>
-              <a:rPr lang="es-CL" dirty="0">
+              <a:rPr lang="es-CL">
                 <a:solidFill>
                   <a:schemeClr val="bg1"/>
                 </a:solidFill>
@@ -7747,7 +8032,7 @@
               <a:buChar char="•"/>
             </a:pPr>
             <a:r>
-              <a:rPr lang="es-CL" dirty="0">
+              <a:rPr lang="es-CL">
                 <a:solidFill>
                   <a:schemeClr val="bg1"/>
                 </a:solidFill>
@@ -7763,7 +8048,7 @@
               <a:buChar char="•"/>
             </a:pPr>
             <a:r>
-              <a:rPr lang="es-CL" dirty="0">
+              <a:rPr lang="es-CL">
                 <a:solidFill>
                   <a:schemeClr val="bg1"/>
                 </a:solidFill>
@@ -7772,7 +8057,7 @@
               </a:rPr>
               <a:t>Gonzalo Vásquez.</a:t>
             </a:r>
-            <a:endParaRPr lang="es-MX" dirty="0">
+            <a:endParaRPr lang="es-MX">
               <a:solidFill>
                 <a:schemeClr val="bg1"/>
               </a:solidFill>
@@ -7874,7 +8159,7 @@
     </p:spTree>
     <p:extLst>
       <p:ext uri="{BB962C8B-B14F-4D97-AF65-F5344CB8AC3E}">
-        <p14:creationId xmlns:p14="http://schemas.microsoft.com/office/powerpoint/2010/main" val="3846956206"/>
+        <p14:creationId xmlns:p14="http://schemas.microsoft.com/office/powerpoint/2010/main" val="4018481977"/>
       </p:ext>
     </p:extLst>
   </p:cSld>
@@ -7963,7 +8248,7 @@
     </p:spTree>
     <p:extLst>
       <p:ext uri="{BB962C8B-B14F-4D97-AF65-F5344CB8AC3E}">
-        <p14:creationId xmlns:p14="http://schemas.microsoft.com/office/powerpoint/2010/main" val="1385646645"/>
+        <p14:creationId xmlns:p14="http://schemas.microsoft.com/office/powerpoint/2010/main" val="3846956206"/>
       </p:ext>
     </p:extLst>
   </p:cSld>
@@ -8052,7 +8337,7 @@
     </p:spTree>
     <p:extLst>
       <p:ext uri="{BB962C8B-B14F-4D97-AF65-F5344CB8AC3E}">
-        <p14:creationId xmlns:p14="http://schemas.microsoft.com/office/powerpoint/2010/main" val="2591914574"/>
+        <p14:creationId xmlns:p14="http://schemas.microsoft.com/office/powerpoint/2010/main" val="1385646645"/>
       </p:ext>
     </p:extLst>
   </p:cSld>
@@ -8141,7 +8426,7 @@
     </p:spTree>
     <p:extLst>
       <p:ext uri="{BB962C8B-B14F-4D97-AF65-F5344CB8AC3E}">
-        <p14:creationId xmlns:p14="http://schemas.microsoft.com/office/powerpoint/2010/main" val="3036640731"/>
+        <p14:creationId xmlns:p14="http://schemas.microsoft.com/office/powerpoint/2010/main" val="2591914574"/>
       </p:ext>
     </p:extLst>
   </p:cSld>
@@ -8230,6 +8515,95 @@
     </p:spTree>
     <p:extLst>
       <p:ext uri="{BB962C8B-B14F-4D97-AF65-F5344CB8AC3E}">
+        <p14:creationId xmlns:p14="http://schemas.microsoft.com/office/powerpoint/2010/main" val="3036640731"/>
+      </p:ext>
+    </p:extLst>
+  </p:cSld>
+  <p:clrMapOvr>
+    <a:masterClrMapping/>
+  </p:clrMapOvr>
+</p:sld>
+</file>
+
+<file path=ppt/slides/slide15.xml><?xml version="1.0" encoding="utf-8"?>
+<p:sld xmlns:a="http://schemas.openxmlformats.org/drawingml/2006/main" xmlns:r="http://schemas.openxmlformats.org/officeDocument/2006/relationships" xmlns:p="http://schemas.openxmlformats.org/presentationml/2006/main">
+  <p:cSld>
+    <p:spTree>
+      <p:nvGrpSpPr>
+        <p:cNvPr id="1" name=""/>
+        <p:cNvGrpSpPr/>
+        <p:nvPr/>
+      </p:nvGrpSpPr>
+      <p:grpSpPr>
+        <a:xfrm>
+          <a:off x="0" y="0"/>
+          <a:ext cx="0" cy="0"/>
+          <a:chOff x="0" y="0"/>
+          <a:chExt cx="0" cy="0"/>
+        </a:xfrm>
+      </p:grpSpPr>
+      <p:pic>
+        <p:nvPicPr>
+          <p:cNvPr id="7" name="Imagen 6"/>
+          <p:cNvPicPr>
+            <a:picLocks noChangeAspect="1"/>
+          </p:cNvPicPr>
+          <p:nvPr/>
+        </p:nvPicPr>
+        <p:blipFill rotWithShape="1">
+          <a:blip r:embed="rId3">
+            <a:extLst>
+              <a:ext uri="{28A0092B-C50C-407E-A947-70E740481C1C}">
+                <a14:useLocalDpi xmlns:a14="http://schemas.microsoft.com/office/drawing/2010/main" val="0"/>
+              </a:ext>
+            </a:extLst>
+          </a:blip>
+          <a:srcRect l="-153" t="20538" r="153" b="51651"/>
+          <a:stretch/>
+        </p:blipFill>
+        <p:spPr>
+          <a:xfrm>
+            <a:off x="-14013" y="1"/>
+            <a:ext cx="9172026" cy="802886"/>
+          </a:xfrm>
+          <a:prstGeom prst="rect">
+            <a:avLst/>
+          </a:prstGeom>
+        </p:spPr>
+      </p:pic>
+      <p:pic>
+        <p:nvPicPr>
+          <p:cNvPr id="2" name="Imagen 1"/>
+          <p:cNvPicPr>
+            <a:picLocks noChangeAspect="1"/>
+          </p:cNvPicPr>
+          <p:nvPr/>
+        </p:nvPicPr>
+        <p:blipFill>
+          <a:blip r:embed="rId4">
+            <a:extLst>
+              <a:ext uri="{28A0092B-C50C-407E-A947-70E740481C1C}">
+                <a14:useLocalDpi xmlns:a14="http://schemas.microsoft.com/office/drawing/2010/main" val="0"/>
+              </a:ext>
+            </a:extLst>
+          </a:blip>
+          <a:stretch>
+            <a:fillRect/>
+          </a:stretch>
+        </p:blipFill>
+        <p:spPr>
+          <a:xfrm>
+            <a:off x="8316024" y="89553"/>
+            <a:ext cx="719254" cy="600029"/>
+          </a:xfrm>
+          <a:prstGeom prst="rect">
+            <a:avLst/>
+          </a:prstGeom>
+        </p:spPr>
+      </p:pic>
+    </p:spTree>
+    <p:extLst>
+      <p:ext uri="{BB962C8B-B14F-4D97-AF65-F5344CB8AC3E}">
         <p14:creationId xmlns:p14="http://schemas.microsoft.com/office/powerpoint/2010/main" val="1086978629"/>
       </p:ext>
     </p:extLst>
@@ -8240,7 +8614,7 @@
 </p:sld>
 </file>
 
-<file path=ppt/slides/slide15.xml><?xml version="1.0" encoding="utf-8"?>
+<file path=ppt/slides/slide16.xml><?xml version="1.0" encoding="utf-8"?>
 <p:sld xmlns:a="http://schemas.openxmlformats.org/drawingml/2006/main" xmlns:r="http://schemas.openxmlformats.org/officeDocument/2006/relationships" xmlns:p="http://schemas.openxmlformats.org/presentationml/2006/main">
   <p:cSld>
     <p:spTree>
@@ -8332,6 +8706,228 @@
 <file path=ppt/slides/slide2.xml><?xml version="1.0" encoding="utf-8"?>
 <p:sld xmlns:a="http://schemas.openxmlformats.org/drawingml/2006/main" xmlns:r="http://schemas.openxmlformats.org/officeDocument/2006/relationships" xmlns:p="http://schemas.openxmlformats.org/presentationml/2006/main">
   <p:cSld>
+    <p:spTree>
+      <p:nvGrpSpPr>
+        <p:cNvPr id="1" name=""/>
+        <p:cNvGrpSpPr/>
+        <p:nvPr/>
+      </p:nvGrpSpPr>
+      <p:grpSpPr>
+        <a:xfrm>
+          <a:off x="0" y="0"/>
+          <a:ext cx="0" cy="0"/>
+          <a:chOff x="0" y="0"/>
+          <a:chExt cx="0" cy="0"/>
+        </a:xfrm>
+      </p:grpSpPr>
+      <p:pic>
+        <p:nvPicPr>
+          <p:cNvPr id="7" name="Imagen 6"/>
+          <p:cNvPicPr>
+            <a:picLocks noChangeAspect="1"/>
+          </p:cNvPicPr>
+          <p:nvPr/>
+        </p:nvPicPr>
+        <p:blipFill rotWithShape="1">
+          <a:blip r:embed="rId3">
+            <a:extLst>
+              <a:ext uri="{28A0092B-C50C-407E-A947-70E740481C1C}">
+                <a14:useLocalDpi xmlns:a14="http://schemas.microsoft.com/office/drawing/2010/main" val="0"/>
+              </a:ext>
+            </a:extLst>
+          </a:blip>
+          <a:srcRect l="-153" t="20538" r="153" b="51651"/>
+          <a:stretch/>
+        </p:blipFill>
+        <p:spPr>
+          <a:xfrm>
+            <a:off x="-14013" y="1"/>
+            <a:ext cx="9172026" cy="802886"/>
+          </a:xfrm>
+          <a:prstGeom prst="rect">
+            <a:avLst/>
+          </a:prstGeom>
+        </p:spPr>
+      </p:pic>
+      <p:pic>
+        <p:nvPicPr>
+          <p:cNvPr id="2" name="Imagen 1"/>
+          <p:cNvPicPr>
+            <a:picLocks noChangeAspect="1"/>
+          </p:cNvPicPr>
+          <p:nvPr/>
+        </p:nvPicPr>
+        <p:blipFill>
+          <a:blip r:embed="rId4">
+            <a:extLst>
+              <a:ext uri="{28A0092B-C50C-407E-A947-70E740481C1C}">
+                <a14:useLocalDpi xmlns:a14="http://schemas.microsoft.com/office/drawing/2010/main" val="0"/>
+              </a:ext>
+            </a:extLst>
+          </a:blip>
+          <a:stretch>
+            <a:fillRect/>
+          </a:stretch>
+        </p:blipFill>
+        <p:spPr>
+          <a:xfrm>
+            <a:off x="8316024" y="89553"/>
+            <a:ext cx="719254" cy="600029"/>
+          </a:xfrm>
+          <a:prstGeom prst="rect">
+            <a:avLst/>
+          </a:prstGeom>
+        </p:spPr>
+      </p:pic>
+      <p:sp>
+        <p:nvSpPr>
+          <p:cNvPr id="3" name="TextBox 2">
+            <a:extLst>
+              <a:ext uri="{FF2B5EF4-FFF2-40B4-BE49-F238E27FC236}">
+                <a16:creationId xmlns:a16="http://schemas.microsoft.com/office/drawing/2014/main" id="{23480A74-8042-3918-FB57-0ABA427747B4}"/>
+              </a:ext>
+            </a:extLst>
+          </p:cNvPr>
+          <p:cNvSpPr txBox="1"/>
+          <p:nvPr/>
+        </p:nvSpPr>
+        <p:spPr>
+          <a:xfrm>
+            <a:off x="398006" y="1112667"/>
+            <a:ext cx="8341672" cy="2677656"/>
+          </a:xfrm>
+          <a:prstGeom prst="rect">
+            <a:avLst/>
+          </a:prstGeom>
+          <a:noFill/>
+        </p:spPr>
+        <p:txBody>
+          <a:bodyPr rot="0" spcFirstLastPara="0" vertOverflow="overflow" horzOverflow="overflow" vert="horz" wrap="square" lIns="91440" tIns="45720" rIns="91440" bIns="45720" numCol="1" spcCol="0" rtlCol="0" fromWordArt="0" anchor="t" anchorCtr="0" forceAA="0" compatLnSpc="1">
+            <a:prstTxWarp prst="textNoShape">
+              <a:avLst/>
+            </a:prstTxWarp>
+            <a:spAutoFit/>
+          </a:bodyPr>
+          <a:lstStyle/>
+          <a:p>
+            <a:r>
+              <a:rPr lang="es-CL" sz="2400">
+                <a:solidFill>
+                  <a:srgbClr val="19202E"/>
+                </a:solidFill>
+                <a:latin typeface="Segoe UI"/>
+                <a:ea typeface="Calibri"/>
+                <a:cs typeface="Segoe UI"/>
+              </a:rPr>
+              <a:t>Se identificaron y clasificamos las </a:t>
+            </a:r>
+            <a:r>
+              <a:rPr lang="es-CL" sz="2400" err="1">
+                <a:solidFill>
+                  <a:srgbClr val="19202E"/>
+                </a:solidFill>
+                <a:latin typeface="Segoe UI"/>
+                <a:ea typeface="Calibri"/>
+                <a:cs typeface="Segoe UI"/>
+              </a:rPr>
+              <a:t>caracteristics</a:t>
+            </a:r>
+            <a:r>
+              <a:rPr lang="es-CL" sz="2400">
+                <a:solidFill>
+                  <a:srgbClr val="19202E"/>
+                </a:solidFill>
+                <a:latin typeface="Segoe UI"/>
+                <a:ea typeface="Calibri"/>
+                <a:cs typeface="Segoe UI"/>
+              </a:rPr>
+              <a:t> y variables identificando sus grados de correlación, representamos el comportamiento de los datos </a:t>
+            </a:r>
+            <a:r>
+              <a:rPr lang="es-CL" sz="2400" err="1">
+                <a:solidFill>
+                  <a:srgbClr val="19202E"/>
+                </a:solidFill>
+                <a:latin typeface="Segoe UI"/>
+                <a:ea typeface="Calibri"/>
+                <a:cs typeface="Segoe UI"/>
+              </a:rPr>
+              <a:t>mediantes</a:t>
+            </a:r>
+            <a:r>
+              <a:rPr lang="es-CL" sz="2400">
+                <a:solidFill>
+                  <a:srgbClr val="19202E"/>
+                </a:solidFill>
+                <a:latin typeface="Segoe UI"/>
+                <a:ea typeface="Calibri"/>
+                <a:cs typeface="Segoe UI"/>
+              </a:rPr>
+              <a:t> </a:t>
+            </a:r>
+            <a:r>
+              <a:rPr lang="es-CL" sz="2400" err="1">
+                <a:solidFill>
+                  <a:srgbClr val="19202E"/>
+                </a:solidFill>
+                <a:latin typeface="Segoe UI"/>
+                <a:ea typeface="Calibri"/>
+                <a:cs typeface="Segoe UI"/>
+              </a:rPr>
+              <a:t>graficos</a:t>
+            </a:r>
+            <a:r>
+              <a:rPr lang="es-CL" sz="2400">
+                <a:solidFill>
+                  <a:srgbClr val="19202E"/>
+                </a:solidFill>
+                <a:latin typeface="Segoe UI"/>
+                <a:ea typeface="Calibri"/>
+                <a:cs typeface="Segoe UI"/>
+              </a:rPr>
+              <a:t>, donde se eliminan los datos iguales a cero en los ejes X,Y, Z  y considerando esta información identificamos que para crear nuestro modelo de </a:t>
+            </a:r>
+            <a:r>
+              <a:rPr lang="es-CL" sz="2400" err="1">
+                <a:solidFill>
+                  <a:srgbClr val="19202E"/>
+                </a:solidFill>
+                <a:latin typeface="Segoe UI"/>
+                <a:ea typeface="Calibri"/>
+                <a:cs typeface="Segoe UI"/>
+              </a:rPr>
+              <a:t>prediccion</a:t>
+            </a:r>
+            <a:r>
+              <a:rPr lang="es-CL" sz="2400">
+                <a:solidFill>
+                  <a:srgbClr val="19202E"/>
+                </a:solidFill>
+                <a:latin typeface="Segoe UI"/>
+                <a:ea typeface="Calibri"/>
+                <a:cs typeface="Segoe UI"/>
+              </a:rPr>
+              <a:t> vamos a trabajar con nuestra variable dependiente que es el precio </a:t>
+            </a:r>
+          </a:p>
+        </p:txBody>
+      </p:sp>
+    </p:spTree>
+    <p:extLst>
+      <p:ext uri="{BB962C8B-B14F-4D97-AF65-F5344CB8AC3E}">
+        <p14:creationId xmlns:p14="http://schemas.microsoft.com/office/powerpoint/2010/main" val="743564996"/>
+      </p:ext>
+    </p:extLst>
+  </p:cSld>
+  <p:clrMapOvr>
+    <a:masterClrMapping/>
+  </p:clrMapOvr>
+</p:sld>
+</file>
+
+<file path=ppt/slides/slide3.xml><?xml version="1.0" encoding="utf-8"?>
+<p:sld xmlns:a="http://schemas.openxmlformats.org/drawingml/2006/main" xmlns:r="http://schemas.openxmlformats.org/officeDocument/2006/relationships" xmlns:p="http://schemas.openxmlformats.org/presentationml/2006/main">
+  <p:cSld>
     <p:bg>
       <p:bgPr>
         <a:solidFill>
@@ -8402,7 +8998,7 @@
           <a:lstStyle/>
           <a:p>
             <a:pPr algn="ctr"/>
-            <a:endParaRPr lang="es-CL" dirty="0"/>
+            <a:endParaRPr lang="es-CL"/>
           </a:p>
         </p:txBody>
       </p:sp>
@@ -8430,7 +9026,7 @@
           </a:prstGeom>
         </p:spPr>
         <p:txBody>
-          <a:bodyPr vert="horz" lIns="91440" tIns="45720" rIns="91440" bIns="45720" rtlCol="0">
+          <a:bodyPr vert="horz" lIns="91440" tIns="45720" rIns="91440" bIns="45720" rtlCol="0" anchor="t">
             <a:normAutofit/>
           </a:bodyPr>
           <a:lstStyle>
@@ -8600,11 +9196,11 @@
           <a:p>
             <a:pPr algn="just"/>
             <a:r>
-              <a:rPr lang="es-CL" sz="1600" dirty="0">
+              <a:rPr lang="es-CL" sz="1600">
                 <a:solidFill>
                   <a:schemeClr val="bg1"/>
                 </a:solidFill>
-                <a:latin typeface="Arial Narrow" panose="020B0606020202030204" pitchFamily="34" charset="0"/>
+                <a:latin typeface="Arial Narrow"/>
               </a:rPr>
               <a:t>Diamantes:</a:t>
             </a:r>
@@ -8612,14 +9208,35 @@
           <a:p>
             <a:pPr algn="just"/>
             <a:r>
-              <a:rPr lang="es-CL" sz="1600" dirty="0">
+              <a:rPr lang="es-CL" sz="1600">
                 <a:solidFill>
                   <a:schemeClr val="bg1"/>
                 </a:solidFill>
-                <a:latin typeface="Arial Narrow" panose="020B0606020202030204" pitchFamily="34" charset="0"/>
+                <a:latin typeface="Arial Narrow"/>
               </a:rPr>
-              <a:t>Contiene un total de 53940 datos, 10 variables (3 cualitativas y 7 cuantitativas) </a:t>
-            </a:r>
+              <a:t>Contiene un total de 53.940 datos, 10 variables (3 cualitativas y 7 cuantitativas) </a:t>
+            </a:r>
+          </a:p>
+          <a:p>
+            <a:pPr algn="just"/>
+            <a:r>
+              <a:rPr lang="es-CL" sz="1600">
+                <a:solidFill>
+                  <a:schemeClr val="bg1"/>
+                </a:solidFill>
+                <a:latin typeface="Arial Narrow"/>
+              </a:rPr>
+              <a:t>Precio variable dependiente</a:t>
+            </a:r>
+          </a:p>
+          <a:p>
+            <a:pPr algn="just"/>
+            <a:endParaRPr lang="es-CL" sz="1600">
+              <a:solidFill>
+                <a:schemeClr val="bg1"/>
+              </a:solidFill>
+              <a:latin typeface="Arial Narrow" panose="020B0606020202030204" pitchFamily="34" charset="0"/>
+            </a:endParaRPr>
           </a:p>
         </p:txBody>
       </p:sp>
@@ -8820,7 +9437,7 @@
               <a:buNone/>
             </a:pPr>
             <a:r>
-              <a:rPr lang="es-CL" sz="1600" dirty="0">
+              <a:rPr lang="es-CL" sz="1600">
                 <a:solidFill>
                   <a:schemeClr val="bg1"/>
                 </a:solidFill>
@@ -8855,7 +9472,7 @@
           </a:prstGeom>
         </p:spPr>
         <p:txBody>
-          <a:bodyPr vert="horz" lIns="91440" tIns="45720" rIns="91440" bIns="45720" rtlCol="0">
+          <a:bodyPr vert="horz" lIns="91440" tIns="45720" rIns="91440" bIns="45720" rtlCol="0" anchor="t">
             <a:noAutofit/>
           </a:bodyPr>
           <a:lstStyle>
@@ -9024,420 +9641,161 @@
           </a:lstStyle>
           <a:p>
             <a:pPr marL="0" indent="0" algn="just">
-              <a:buFont typeface="Arial" panose="020B0604020202020204" pitchFamily="34" charset="0"/>
               <a:buNone/>
             </a:pPr>
             <a:r>
-              <a:rPr lang="es-MX" sz="1600" b="0" i="0" dirty="0" err="1">
+              <a:rPr lang="es-MX" sz="1600" err="1">
                 <a:solidFill>
                   <a:schemeClr val="bg1"/>
                 </a:solidFill>
-                <a:effectLst/>
-                <a:latin typeface="Arial Narrow" panose="020B0606020202030204" pitchFamily="34" charset="0"/>
+                <a:latin typeface="Arial Narrow"/>
               </a:rPr>
-              <a:t>Lorem</a:t>
-            </a:r>
-            <a:r>
-              <a:rPr lang="es-MX" sz="1600" b="0" i="0" dirty="0">
+              <a:t>Definicion</a:t>
+            </a:r>
+            <a:r>
+              <a:rPr lang="es-MX" sz="1600">
                 <a:solidFill>
                   <a:schemeClr val="bg1"/>
                 </a:solidFill>
-                <a:effectLst/>
-                <a:latin typeface="Arial Narrow" panose="020B0606020202030204" pitchFamily="34" charset="0"/>
+                <a:latin typeface="Arial Narrow"/>
+              </a:rPr>
+              <a:t> del modelo de </a:t>
+            </a:r>
+            <a:r>
+              <a:rPr lang="es-MX" sz="1600" err="1">
+                <a:solidFill>
+                  <a:schemeClr val="bg1"/>
+                </a:solidFill>
+                <a:latin typeface="Arial Narrow"/>
+              </a:rPr>
+              <a:t>Regresion</a:t>
+            </a:r>
+            <a:r>
+              <a:rPr lang="es-MX" sz="1600">
+                <a:solidFill>
+                  <a:schemeClr val="bg1"/>
+                </a:solidFill>
+                <a:latin typeface="Arial Narrow"/>
+              </a:rPr>
+              <a:t> Lineal</a:t>
+            </a:r>
+          </a:p>
+          <a:p>
+            <a:pPr marL="0" indent="0" algn="just">
+              <a:buNone/>
+            </a:pPr>
+            <a:r>
+              <a:rPr lang="es-MX" sz="1600" err="1">
+                <a:solidFill>
+                  <a:schemeClr val="bg1"/>
+                </a:solidFill>
+                <a:latin typeface="Arial Narrow"/>
+              </a:rPr>
+              <a:t>Normalizacion</a:t>
+            </a:r>
+            <a:r>
+              <a:rPr lang="es-MX" sz="1600">
+                <a:solidFill>
+                  <a:schemeClr val="bg1"/>
+                </a:solidFill>
+                <a:latin typeface="Arial Narrow"/>
+              </a:rPr>
+              <a:t> de los Datos</a:t>
+            </a:r>
+          </a:p>
+          <a:p>
+            <a:pPr marL="0" indent="0" algn="just">
+              <a:buNone/>
+            </a:pPr>
+            <a:r>
+              <a:rPr lang="es-MX" sz="1600" err="1">
+                <a:solidFill>
+                  <a:schemeClr val="bg1"/>
+                </a:solidFill>
+                <a:latin typeface="Arial Narrow"/>
+              </a:rPr>
+              <a:t>Aplicacion</a:t>
+            </a:r>
+            <a:r>
+              <a:rPr lang="es-MX" sz="1600">
+                <a:solidFill>
+                  <a:schemeClr val="bg1"/>
+                </a:solidFill>
+                <a:latin typeface="Arial Narrow"/>
               </a:rPr>
               <a:t> </a:t>
             </a:r>
             <a:r>
-              <a:rPr lang="es-MX" sz="1600" b="0" i="0" dirty="0" err="1">
+              <a:rPr lang="es-MX" sz="1600" err="1">
                 <a:solidFill>
                   <a:schemeClr val="bg1"/>
                 </a:solidFill>
-                <a:effectLst/>
-                <a:latin typeface="Arial Narrow" panose="020B0606020202030204" pitchFamily="34" charset="0"/>
+                <a:latin typeface="Arial Narrow"/>
               </a:rPr>
-              <a:t>ipsum</a:t>
-            </a:r>
-            <a:r>
-              <a:rPr lang="es-MX" sz="1600" b="0" i="0" dirty="0">
+              <a:t>dle</a:t>
+            </a:r>
+            <a:r>
+              <a:rPr lang="es-MX" sz="1600">
                 <a:solidFill>
                   <a:schemeClr val="bg1"/>
                 </a:solidFill>
-                <a:effectLst/>
-                <a:latin typeface="Arial Narrow" panose="020B0606020202030204" pitchFamily="34" charset="0"/>
+                <a:latin typeface="Arial Narrow"/>
               </a:rPr>
-              <a:t> dolor </a:t>
-            </a:r>
-            <a:r>
-              <a:rPr lang="es-MX" sz="1600" b="0" i="0" dirty="0" err="1">
+              <a:t> Modelo de </a:t>
+            </a:r>
+            <a:r>
+              <a:rPr lang="es-MX" sz="1600" err="1">
                 <a:solidFill>
                   <a:schemeClr val="bg1"/>
                 </a:solidFill>
-                <a:effectLst/>
-                <a:latin typeface="Arial Narrow" panose="020B0606020202030204" pitchFamily="34" charset="0"/>
+                <a:latin typeface="Arial Narrow"/>
               </a:rPr>
-              <a:t>sit</a:t>
-            </a:r>
-            <a:r>
-              <a:rPr lang="es-MX" sz="1600" b="0" i="0" dirty="0">
+              <a:t>Arbol</a:t>
+            </a:r>
+            <a:r>
+              <a:rPr lang="es-MX" sz="1600">
                 <a:solidFill>
                   <a:schemeClr val="bg1"/>
                 </a:solidFill>
-                <a:effectLst/>
-                <a:latin typeface="Arial Narrow" panose="020B0606020202030204" pitchFamily="34" charset="0"/>
+                <a:latin typeface="Arial Narrow"/>
               </a:rPr>
-              <a:t> </a:t>
-            </a:r>
-            <a:r>
-              <a:rPr lang="es-MX" sz="1600" b="0" i="0" dirty="0" err="1">
+              <a:t> de  </a:t>
+            </a:r>
+            <a:r>
+              <a:rPr lang="es-MX" sz="1600" err="1">
                 <a:solidFill>
                   <a:schemeClr val="bg1"/>
                 </a:solidFill>
-                <a:effectLst/>
-                <a:latin typeface="Arial Narrow" panose="020B0606020202030204" pitchFamily="34" charset="0"/>
+                <a:latin typeface="Arial Narrow"/>
               </a:rPr>
-              <a:t>amet</a:t>
-            </a:r>
-            <a:r>
-              <a:rPr lang="es-MX" sz="1600" b="0" i="0" dirty="0">
+              <a:t>decision</a:t>
+            </a:r>
+          </a:p>
+          <a:p>
+            <a:pPr marL="0" indent="0" algn="just">
+              <a:buNone/>
+            </a:pPr>
+            <a:endParaRPr lang="es-MX" sz="1600">
+              <a:solidFill>
+                <a:schemeClr val="bg1"/>
+              </a:solidFill>
+              <a:latin typeface="Arial Narrow" panose="020B0606020202030204" pitchFamily="34" charset="0"/>
+            </a:endParaRPr>
+          </a:p>
+          <a:p>
+            <a:pPr marL="0" indent="0" algn="just">
+              <a:buNone/>
+            </a:pPr>
+            <a:r>
+              <a:rPr lang="es-MX" sz="1600">
                 <a:solidFill>
                   <a:schemeClr val="bg1"/>
                 </a:solidFill>
-                <a:effectLst/>
-                <a:latin typeface="Arial Narrow" panose="020B0606020202030204" pitchFamily="34" charset="0"/>
+                <a:latin typeface="Arial Narrow"/>
               </a:rPr>
-              <a:t>, </a:t>
-            </a:r>
-            <a:r>
-              <a:rPr lang="es-MX" sz="1600" b="0" i="0" dirty="0" err="1">
-                <a:solidFill>
-                  <a:schemeClr val="bg1"/>
-                </a:solidFill>
-                <a:effectLst/>
-                <a:latin typeface="Arial Narrow" panose="020B0606020202030204" pitchFamily="34" charset="0"/>
-              </a:rPr>
-              <a:t>consectetur</a:t>
-            </a:r>
-            <a:r>
-              <a:rPr lang="es-MX" sz="1600" b="0" i="0" dirty="0">
-                <a:solidFill>
-                  <a:schemeClr val="bg1"/>
-                </a:solidFill>
-                <a:effectLst/>
-                <a:latin typeface="Arial Narrow" panose="020B0606020202030204" pitchFamily="34" charset="0"/>
-              </a:rPr>
-              <a:t> </a:t>
-            </a:r>
-            <a:r>
-              <a:rPr lang="es-MX" sz="1600" b="0" i="0" dirty="0" err="1">
-                <a:solidFill>
-                  <a:schemeClr val="bg1"/>
-                </a:solidFill>
-                <a:effectLst/>
-                <a:latin typeface="Arial Narrow" panose="020B0606020202030204" pitchFamily="34" charset="0"/>
-              </a:rPr>
-              <a:t>adipiscing</a:t>
-            </a:r>
-            <a:r>
-              <a:rPr lang="es-MX" sz="1600" b="0" i="0" dirty="0">
-                <a:solidFill>
-                  <a:schemeClr val="bg1"/>
-                </a:solidFill>
-                <a:effectLst/>
-                <a:latin typeface="Arial Narrow" panose="020B0606020202030204" pitchFamily="34" charset="0"/>
-              </a:rPr>
-              <a:t> </a:t>
-            </a:r>
-            <a:r>
-              <a:rPr lang="es-MX" sz="1600" b="0" i="0" dirty="0" err="1">
-                <a:solidFill>
-                  <a:schemeClr val="bg1"/>
-                </a:solidFill>
-                <a:effectLst/>
-                <a:latin typeface="Arial Narrow" panose="020B0606020202030204" pitchFamily="34" charset="0"/>
-              </a:rPr>
-              <a:t>elit</a:t>
-            </a:r>
-            <a:r>
-              <a:rPr lang="es-MX" sz="1600" b="0" i="0" dirty="0">
-                <a:solidFill>
-                  <a:schemeClr val="bg1"/>
-                </a:solidFill>
-                <a:effectLst/>
-                <a:latin typeface="Arial Narrow" panose="020B0606020202030204" pitchFamily="34" charset="0"/>
-              </a:rPr>
-              <a:t>, sed do </a:t>
-            </a:r>
-            <a:r>
-              <a:rPr lang="es-MX" sz="1600" b="0" i="0" dirty="0" err="1">
-                <a:solidFill>
-                  <a:schemeClr val="bg1"/>
-                </a:solidFill>
-                <a:effectLst/>
-                <a:latin typeface="Arial Narrow" panose="020B0606020202030204" pitchFamily="34" charset="0"/>
-              </a:rPr>
-              <a:t>eiusmod</a:t>
-            </a:r>
-            <a:r>
-              <a:rPr lang="es-MX" sz="1600" b="0" i="0" dirty="0">
-                <a:solidFill>
-                  <a:schemeClr val="bg1"/>
-                </a:solidFill>
-                <a:effectLst/>
-                <a:latin typeface="Arial Narrow" panose="020B0606020202030204" pitchFamily="34" charset="0"/>
-              </a:rPr>
-              <a:t> </a:t>
-            </a:r>
-            <a:r>
-              <a:rPr lang="es-MX" sz="1600" b="0" i="0" dirty="0" err="1">
-                <a:solidFill>
-                  <a:schemeClr val="bg1"/>
-                </a:solidFill>
-                <a:effectLst/>
-                <a:latin typeface="Arial Narrow" panose="020B0606020202030204" pitchFamily="34" charset="0"/>
-              </a:rPr>
-              <a:t>tempor</a:t>
-            </a:r>
-            <a:r>
-              <a:rPr lang="es-MX" sz="1600" b="0" i="0" dirty="0">
-                <a:solidFill>
-                  <a:schemeClr val="bg1"/>
-                </a:solidFill>
-                <a:effectLst/>
-                <a:latin typeface="Arial Narrow" panose="020B0606020202030204" pitchFamily="34" charset="0"/>
-              </a:rPr>
-              <a:t> </a:t>
-            </a:r>
-            <a:r>
-              <a:rPr lang="es-MX" sz="1600" b="0" i="0" dirty="0" err="1">
-                <a:solidFill>
-                  <a:schemeClr val="bg1"/>
-                </a:solidFill>
-                <a:effectLst/>
-                <a:latin typeface="Arial Narrow" panose="020B0606020202030204" pitchFamily="34" charset="0"/>
-              </a:rPr>
-              <a:t>incididunt</a:t>
-            </a:r>
-            <a:r>
-              <a:rPr lang="es-MX" sz="1600" b="0" i="0" dirty="0">
-                <a:solidFill>
-                  <a:schemeClr val="bg1"/>
-                </a:solidFill>
-                <a:effectLst/>
-                <a:latin typeface="Arial Narrow" panose="020B0606020202030204" pitchFamily="34" charset="0"/>
-              </a:rPr>
-              <a:t> ut labore et </a:t>
-            </a:r>
-            <a:r>
-              <a:rPr lang="es-MX" sz="1600" b="0" i="0" dirty="0" err="1">
-                <a:solidFill>
-                  <a:schemeClr val="bg1"/>
-                </a:solidFill>
-                <a:effectLst/>
-                <a:latin typeface="Arial Narrow" panose="020B0606020202030204" pitchFamily="34" charset="0"/>
-              </a:rPr>
-              <a:t>dolore</a:t>
-            </a:r>
-            <a:r>
-              <a:rPr lang="es-MX" sz="1600" b="0" i="0" dirty="0">
-                <a:solidFill>
-                  <a:schemeClr val="bg1"/>
-                </a:solidFill>
-                <a:effectLst/>
-                <a:latin typeface="Arial Narrow" panose="020B0606020202030204" pitchFamily="34" charset="0"/>
-              </a:rPr>
-              <a:t> magna </a:t>
-            </a:r>
-            <a:r>
-              <a:rPr lang="es-MX" sz="1600" b="0" i="0" dirty="0" err="1">
-                <a:solidFill>
-                  <a:schemeClr val="bg1"/>
-                </a:solidFill>
-                <a:effectLst/>
-                <a:latin typeface="Arial Narrow" panose="020B0606020202030204" pitchFamily="34" charset="0"/>
-              </a:rPr>
-              <a:t>aliqua</a:t>
-            </a:r>
-            <a:r>
-              <a:rPr lang="es-MX" sz="1600" b="0" i="0" dirty="0">
-                <a:solidFill>
-                  <a:schemeClr val="bg1"/>
-                </a:solidFill>
-                <a:effectLst/>
-                <a:latin typeface="Arial Narrow" panose="020B0606020202030204" pitchFamily="34" charset="0"/>
-              </a:rPr>
-              <a:t>. Ut </a:t>
-            </a:r>
-            <a:r>
-              <a:rPr lang="es-MX" sz="1600" b="0" i="0" dirty="0" err="1">
-                <a:solidFill>
-                  <a:schemeClr val="bg1"/>
-                </a:solidFill>
-                <a:effectLst/>
-                <a:latin typeface="Arial Narrow" panose="020B0606020202030204" pitchFamily="34" charset="0"/>
-              </a:rPr>
-              <a:t>enim</a:t>
-            </a:r>
-            <a:r>
-              <a:rPr lang="es-MX" sz="1600" b="0" i="0" dirty="0">
-                <a:solidFill>
-                  <a:schemeClr val="bg1"/>
-                </a:solidFill>
-                <a:effectLst/>
-                <a:latin typeface="Arial Narrow" panose="020B0606020202030204" pitchFamily="34" charset="0"/>
-              </a:rPr>
-              <a:t> ad </a:t>
-            </a:r>
-            <a:r>
-              <a:rPr lang="es-MX" sz="1600" b="0" i="0" dirty="0" err="1">
-                <a:solidFill>
-                  <a:schemeClr val="bg1"/>
-                </a:solidFill>
-                <a:effectLst/>
-                <a:latin typeface="Arial Narrow" panose="020B0606020202030204" pitchFamily="34" charset="0"/>
-              </a:rPr>
-              <a:t>minim</a:t>
-            </a:r>
-            <a:r>
-              <a:rPr lang="es-MX" sz="1600" b="0" i="0" dirty="0">
-                <a:solidFill>
-                  <a:schemeClr val="bg1"/>
-                </a:solidFill>
-                <a:effectLst/>
-                <a:latin typeface="Arial Narrow" panose="020B0606020202030204" pitchFamily="34" charset="0"/>
-              </a:rPr>
-              <a:t> </a:t>
-            </a:r>
-            <a:r>
-              <a:rPr lang="es-MX" sz="1600" b="0" i="0" dirty="0" err="1">
-                <a:solidFill>
-                  <a:schemeClr val="bg1"/>
-                </a:solidFill>
-                <a:effectLst/>
-                <a:latin typeface="Arial Narrow" panose="020B0606020202030204" pitchFamily="34" charset="0"/>
-              </a:rPr>
-              <a:t>veniam</a:t>
-            </a:r>
-            <a:r>
-              <a:rPr lang="es-MX" sz="1600" b="0" i="0" dirty="0">
-                <a:solidFill>
-                  <a:schemeClr val="bg1"/>
-                </a:solidFill>
-                <a:effectLst/>
-                <a:latin typeface="Arial Narrow" panose="020B0606020202030204" pitchFamily="34" charset="0"/>
-              </a:rPr>
-              <a:t>, quis </a:t>
-            </a:r>
-            <a:r>
-              <a:rPr lang="es-MX" sz="1600" b="0" i="0" dirty="0" err="1">
-                <a:solidFill>
-                  <a:schemeClr val="bg1"/>
-                </a:solidFill>
-                <a:effectLst/>
-                <a:latin typeface="Arial Narrow" panose="020B0606020202030204" pitchFamily="34" charset="0"/>
-              </a:rPr>
-              <a:t>nostrud</a:t>
-            </a:r>
-            <a:r>
-              <a:rPr lang="es-MX" sz="1600" b="0" i="0" dirty="0">
-                <a:solidFill>
-                  <a:schemeClr val="bg1"/>
-                </a:solidFill>
-                <a:effectLst/>
-                <a:latin typeface="Arial Narrow" panose="020B0606020202030204" pitchFamily="34" charset="0"/>
-              </a:rPr>
-              <a:t> </a:t>
-            </a:r>
-            <a:r>
-              <a:rPr lang="es-MX" sz="1600" b="0" i="0" dirty="0" err="1">
-                <a:solidFill>
-                  <a:schemeClr val="bg1"/>
-                </a:solidFill>
-                <a:effectLst/>
-                <a:latin typeface="Arial Narrow" panose="020B0606020202030204" pitchFamily="34" charset="0"/>
-              </a:rPr>
-              <a:t>exercitation</a:t>
-            </a:r>
-            <a:r>
-              <a:rPr lang="es-MX" sz="1600" b="0" i="0" dirty="0">
-                <a:solidFill>
-                  <a:schemeClr val="bg1"/>
-                </a:solidFill>
-                <a:effectLst/>
-                <a:latin typeface="Arial Narrow" panose="020B0606020202030204" pitchFamily="34" charset="0"/>
-              </a:rPr>
-              <a:t> </a:t>
-            </a:r>
-            <a:r>
-              <a:rPr lang="es-MX" sz="1600" b="0" i="0" dirty="0" err="1">
-                <a:solidFill>
-                  <a:schemeClr val="bg1"/>
-                </a:solidFill>
-                <a:effectLst/>
-                <a:latin typeface="Arial Narrow" panose="020B0606020202030204" pitchFamily="34" charset="0"/>
-              </a:rPr>
-              <a:t>ullamco</a:t>
-            </a:r>
-            <a:r>
-              <a:rPr lang="es-MX" sz="1600" b="0" i="0" dirty="0">
-                <a:solidFill>
-                  <a:schemeClr val="bg1"/>
-                </a:solidFill>
-                <a:effectLst/>
-                <a:latin typeface="Arial Narrow" panose="020B0606020202030204" pitchFamily="34" charset="0"/>
-              </a:rPr>
-              <a:t> </a:t>
-            </a:r>
-            <a:r>
-              <a:rPr lang="es-MX" sz="1600" b="0" i="0" dirty="0" err="1">
-                <a:solidFill>
-                  <a:schemeClr val="bg1"/>
-                </a:solidFill>
-                <a:effectLst/>
-                <a:latin typeface="Arial Narrow" panose="020B0606020202030204" pitchFamily="34" charset="0"/>
-              </a:rPr>
-              <a:t>laboris</a:t>
-            </a:r>
-            <a:r>
-              <a:rPr lang="es-MX" sz="1600" b="0" i="0" dirty="0">
-                <a:solidFill>
-                  <a:schemeClr val="bg1"/>
-                </a:solidFill>
-                <a:effectLst/>
-                <a:latin typeface="Arial Narrow" panose="020B0606020202030204" pitchFamily="34" charset="0"/>
-              </a:rPr>
-              <a:t> </a:t>
-            </a:r>
-            <a:r>
-              <a:rPr lang="es-MX" sz="1600" b="0" i="0" dirty="0" err="1">
-                <a:solidFill>
-                  <a:schemeClr val="bg1"/>
-                </a:solidFill>
-                <a:effectLst/>
-                <a:latin typeface="Arial Narrow" panose="020B0606020202030204" pitchFamily="34" charset="0"/>
-              </a:rPr>
-              <a:t>nisi</a:t>
-            </a:r>
-            <a:r>
-              <a:rPr lang="es-MX" sz="1600" b="0" i="0" dirty="0">
-                <a:solidFill>
-                  <a:schemeClr val="bg1"/>
-                </a:solidFill>
-                <a:effectLst/>
-                <a:latin typeface="Arial Narrow" panose="020B0606020202030204" pitchFamily="34" charset="0"/>
-              </a:rPr>
-              <a:t> ut </a:t>
-            </a:r>
-            <a:r>
-              <a:rPr lang="es-MX" sz="1600" b="0" i="0" dirty="0" err="1">
-                <a:solidFill>
-                  <a:schemeClr val="bg1"/>
-                </a:solidFill>
-                <a:effectLst/>
-                <a:latin typeface="Arial Narrow" panose="020B0606020202030204" pitchFamily="34" charset="0"/>
-              </a:rPr>
-              <a:t>aliquip</a:t>
-            </a:r>
-            <a:endParaRPr lang="en-US" sz="1600" dirty="0">
+              <a:t>Aplicación de Redes neuronales</a:t>
+            </a:r>
+            <a:endParaRPr lang="es-MX" sz="1600">
               <a:solidFill>
                 <a:schemeClr val="bg1"/>
               </a:solidFill>
@@ -9519,7 +9877,7 @@
           <a:p>
             <a:pPr algn="ctr"/>
             <a:r>
-              <a:rPr lang="es-ES" b="1" dirty="0">
+              <a:rPr lang="es-ES" b="1">
                 <a:solidFill>
                   <a:schemeClr val="bg1"/>
                 </a:solidFill>
@@ -9554,22 +9912,29 @@
           <a:noFill/>
         </p:spPr>
         <p:txBody>
-          <a:bodyPr wrap="square">
+          <a:bodyPr wrap="square" lIns="91440" tIns="45720" rIns="91440" bIns="45720" anchor="t">
             <a:spAutoFit/>
           </a:bodyPr>
           <a:lstStyle/>
           <a:p>
             <a:pPr algn="ctr"/>
             <a:r>
-              <a:rPr lang="es-ES" b="1" dirty="0">
+              <a:rPr lang="es-ES" b="1">
                 <a:solidFill>
                   <a:schemeClr val="bg1"/>
                 </a:solidFill>
-                <a:latin typeface="Arial" panose="020B0604020202020204" pitchFamily="34" charset="0"/>
-                <a:cs typeface="Arial" panose="020B0604020202020204" pitchFamily="34" charset="0"/>
+                <a:latin typeface="Arial"/>
+                <a:cs typeface="Arial"/>
               </a:rPr>
-              <a:t>Objetivo</a:t>
-            </a:r>
+              <a:t>Objetivo General</a:t>
+            </a:r>
+            <a:endParaRPr lang="es-ES" b="1">
+              <a:solidFill>
+                <a:schemeClr val="bg1"/>
+              </a:solidFill>
+              <a:latin typeface="Arial" panose="020B0604020202020204" pitchFamily="34" charset="0"/>
+              <a:cs typeface="Arial" panose="020B0604020202020204" pitchFamily="34" charset="0"/>
+            </a:endParaRPr>
           </a:p>
         </p:txBody>
       </p:sp>
@@ -9596,38 +9961,26 @@
           <a:noFill/>
         </p:spPr>
         <p:txBody>
-          <a:bodyPr wrap="square">
+          <a:bodyPr wrap="square" lIns="91440" tIns="45720" rIns="91440" bIns="45720" anchor="t">
             <a:spAutoFit/>
           </a:bodyPr>
           <a:lstStyle/>
           <a:p>
             <a:pPr algn="ctr"/>
             <a:r>
-              <a:rPr lang="es-ES" b="1" dirty="0">
+              <a:rPr lang="es-ES" b="1">
                 <a:solidFill>
                   <a:schemeClr val="bg1"/>
                 </a:solidFill>
-                <a:latin typeface="Arial" panose="020B0604020202020204" pitchFamily="34" charset="0"/>
-                <a:cs typeface="Arial" panose="020B0604020202020204" pitchFamily="34" charset="0"/>
+                <a:latin typeface="Arial"/>
+                <a:cs typeface="Arial"/>
               </a:rPr>
-              <a:t>Lore </a:t>
-            </a:r>
-            <a:r>
-              <a:rPr lang="es-ES" b="1" dirty="0" err="1">
-                <a:solidFill>
-                  <a:schemeClr val="bg1"/>
-                </a:solidFill>
-                <a:latin typeface="Arial" panose="020B0604020202020204" pitchFamily="34" charset="0"/>
-                <a:cs typeface="Arial" panose="020B0604020202020204" pitchFamily="34" charset="0"/>
-              </a:rPr>
-              <a:t>ipsum</a:t>
-            </a:r>
-            <a:endParaRPr lang="es-ES" b="1" dirty="0">
+              <a:t>Objetivo Específico</a:t>
+            </a:r>
+            <a:endParaRPr lang="en-US">
               <a:solidFill>
                 <a:schemeClr val="bg1"/>
               </a:solidFill>
-              <a:latin typeface="Arial" panose="020B0604020202020204" pitchFamily="34" charset="0"/>
-              <a:cs typeface="Arial" panose="020B0604020202020204" pitchFamily="34" charset="0"/>
             </a:endParaRPr>
           </a:p>
         </p:txBody>
@@ -9684,7 +10037,7 @@
         </p:nvCxnSpPr>
         <p:spPr>
           <a:xfrm flipH="1">
-            <a:off x="964012" y="4932025"/>
+            <a:off x="1007144" y="5636516"/>
             <a:ext cx="2233884" cy="0"/>
           </a:xfrm>
           <a:prstGeom prst="line">
@@ -10039,99 +10392,1067 @@
           </a:fontRef>
         </p:style>
       </p:cxnSp>
+      <p:sp>
+        <p:nvSpPr>
+          <p:cNvPr id="2" name="Flecha: pentágono 7">
+            <a:extLst>
+              <a:ext uri="{FF2B5EF4-FFF2-40B4-BE49-F238E27FC236}">
+                <a16:creationId xmlns:a16="http://schemas.microsoft.com/office/drawing/2014/main" id="{BCB3922B-C2DC-EB08-0E39-D79B2646FD4D}"/>
+              </a:ext>
+            </a:extLst>
+          </p:cNvPr>
+          <p:cNvSpPr/>
+          <p:nvPr/>
+        </p:nvSpPr>
+        <p:spPr>
+          <a:xfrm>
+            <a:off x="242328" y="3843608"/>
+            <a:ext cx="1676690" cy="441726"/>
+          </a:xfrm>
+          <a:prstGeom prst="homePlate">
+            <a:avLst/>
+          </a:prstGeom>
+          <a:solidFill>
+            <a:srgbClr val="E35F65"/>
+          </a:solidFill>
+          <a:ln>
+            <a:solidFill>
+              <a:srgbClr val="E30000"/>
+            </a:solidFill>
+          </a:ln>
+        </p:spPr>
+        <p:style>
+          <a:lnRef idx="2">
+            <a:schemeClr val="accent1">
+              <a:shade val="15000"/>
+            </a:schemeClr>
+          </a:lnRef>
+          <a:fillRef idx="1">
+            <a:schemeClr val="accent1"/>
+          </a:fillRef>
+          <a:effectRef idx="0">
+            <a:schemeClr val="accent1"/>
+          </a:effectRef>
+          <a:fontRef idx="minor">
+            <a:schemeClr val="lt1"/>
+          </a:fontRef>
+        </p:style>
+        <p:txBody>
+          <a:bodyPr rtlCol="0" anchor="ctr"/>
+          <a:lstStyle>
+            <a:defPPr>
+              <a:defRPr lang="es-ES_tradnl"/>
+            </a:defPPr>
+            <a:lvl1pPr marL="0" algn="l" defTabSz="914400" rtl="0" eaLnBrk="1" latinLnBrk="0" hangingPunct="1">
+              <a:defRPr sz="1800" kern="1200">
+                <a:solidFill>
+                  <a:schemeClr val="lt1"/>
+                </a:solidFill>
+                <a:latin typeface="+mn-lt"/>
+                <a:ea typeface="+mn-ea"/>
+                <a:cs typeface="+mn-cs"/>
+              </a:defRPr>
+            </a:lvl1pPr>
+            <a:lvl2pPr marL="457200" algn="l" defTabSz="914400" rtl="0" eaLnBrk="1" latinLnBrk="0" hangingPunct="1">
+              <a:defRPr sz="1800" kern="1200">
+                <a:solidFill>
+                  <a:schemeClr val="lt1"/>
+                </a:solidFill>
+                <a:latin typeface="+mn-lt"/>
+                <a:ea typeface="+mn-ea"/>
+                <a:cs typeface="+mn-cs"/>
+              </a:defRPr>
+            </a:lvl2pPr>
+            <a:lvl3pPr marL="914400" algn="l" defTabSz="914400" rtl="0" eaLnBrk="1" latinLnBrk="0" hangingPunct="1">
+              <a:defRPr sz="1800" kern="1200">
+                <a:solidFill>
+                  <a:schemeClr val="lt1"/>
+                </a:solidFill>
+                <a:latin typeface="+mn-lt"/>
+                <a:ea typeface="+mn-ea"/>
+                <a:cs typeface="+mn-cs"/>
+              </a:defRPr>
+            </a:lvl3pPr>
+            <a:lvl4pPr marL="1371600" algn="l" defTabSz="914400" rtl="0" eaLnBrk="1" latinLnBrk="0" hangingPunct="1">
+              <a:defRPr sz="1800" kern="1200">
+                <a:solidFill>
+                  <a:schemeClr val="lt1"/>
+                </a:solidFill>
+                <a:latin typeface="+mn-lt"/>
+                <a:ea typeface="+mn-ea"/>
+                <a:cs typeface="+mn-cs"/>
+              </a:defRPr>
+            </a:lvl4pPr>
+            <a:lvl5pPr marL="1828800" algn="l" defTabSz="914400" rtl="0" eaLnBrk="1" latinLnBrk="0" hangingPunct="1">
+              <a:defRPr sz="1800" kern="1200">
+                <a:solidFill>
+                  <a:schemeClr val="lt1"/>
+                </a:solidFill>
+                <a:latin typeface="+mn-lt"/>
+                <a:ea typeface="+mn-ea"/>
+                <a:cs typeface="+mn-cs"/>
+              </a:defRPr>
+            </a:lvl5pPr>
+            <a:lvl6pPr marL="2286000" algn="l" defTabSz="914400" rtl="0" eaLnBrk="1" latinLnBrk="0" hangingPunct="1">
+              <a:defRPr sz="1800" kern="1200">
+                <a:solidFill>
+                  <a:schemeClr val="lt1"/>
+                </a:solidFill>
+                <a:latin typeface="+mn-lt"/>
+                <a:ea typeface="+mn-ea"/>
+                <a:cs typeface="+mn-cs"/>
+              </a:defRPr>
+            </a:lvl6pPr>
+            <a:lvl7pPr marL="2743200" algn="l" defTabSz="914400" rtl="0" eaLnBrk="1" latinLnBrk="0" hangingPunct="1">
+              <a:defRPr sz="1800" kern="1200">
+                <a:solidFill>
+                  <a:schemeClr val="lt1"/>
+                </a:solidFill>
+                <a:latin typeface="+mn-lt"/>
+                <a:ea typeface="+mn-ea"/>
+                <a:cs typeface="+mn-cs"/>
+              </a:defRPr>
+            </a:lvl7pPr>
+            <a:lvl8pPr marL="3200400" algn="l" defTabSz="914400" rtl="0" eaLnBrk="1" latinLnBrk="0" hangingPunct="1">
+              <a:defRPr sz="1800" kern="1200">
+                <a:solidFill>
+                  <a:schemeClr val="lt1"/>
+                </a:solidFill>
+                <a:latin typeface="+mn-lt"/>
+                <a:ea typeface="+mn-ea"/>
+                <a:cs typeface="+mn-cs"/>
+              </a:defRPr>
+            </a:lvl8pPr>
+            <a:lvl9pPr marL="3657600" algn="l" defTabSz="914400" rtl="0" eaLnBrk="1" latinLnBrk="0" hangingPunct="1">
+              <a:defRPr sz="1800" kern="1200">
+                <a:solidFill>
+                  <a:schemeClr val="lt1"/>
+                </a:solidFill>
+                <a:latin typeface="+mn-lt"/>
+                <a:ea typeface="+mn-ea"/>
+                <a:cs typeface="+mn-cs"/>
+              </a:defRPr>
+            </a:lvl9pPr>
+          </a:lstStyle>
+          <a:p>
+            <a:pPr algn="ctr"/>
+            <a:r>
+              <a:rPr lang="es-CL"/>
+              <a:t>Profundidad</a:t>
+            </a:r>
+          </a:p>
+        </p:txBody>
+      </p:sp>
+      <p:sp>
+        <p:nvSpPr>
+          <p:cNvPr id="3" name="Flecha: pentágono 8">
+            <a:extLst>
+              <a:ext uri="{FF2B5EF4-FFF2-40B4-BE49-F238E27FC236}">
+                <a16:creationId xmlns:a16="http://schemas.microsoft.com/office/drawing/2014/main" id="{53A07681-A1E1-2E20-06A1-7D9C8965BE78}"/>
+              </a:ext>
+            </a:extLst>
+          </p:cNvPr>
+          <p:cNvSpPr/>
+          <p:nvPr/>
+        </p:nvSpPr>
+        <p:spPr>
+          <a:xfrm>
+            <a:off x="2054549" y="3843608"/>
+            <a:ext cx="1115974" cy="427349"/>
+          </a:xfrm>
+          <a:prstGeom prst="homePlate">
+            <a:avLst/>
+          </a:prstGeom>
+          <a:solidFill>
+            <a:srgbClr val="E35F65"/>
+          </a:solidFill>
+          <a:ln>
+            <a:solidFill>
+              <a:srgbClr val="E30000"/>
+            </a:solidFill>
+          </a:ln>
+        </p:spPr>
+        <p:style>
+          <a:lnRef idx="2">
+            <a:schemeClr val="accent1">
+              <a:shade val="15000"/>
+            </a:schemeClr>
+          </a:lnRef>
+          <a:fillRef idx="1">
+            <a:schemeClr val="accent1"/>
+          </a:fillRef>
+          <a:effectRef idx="0">
+            <a:schemeClr val="accent1"/>
+          </a:effectRef>
+          <a:fontRef idx="minor">
+            <a:schemeClr val="lt1"/>
+          </a:fontRef>
+        </p:style>
+        <p:txBody>
+          <a:bodyPr rtlCol="0" anchor="ctr"/>
+          <a:lstStyle>
+            <a:defPPr>
+              <a:defRPr lang="es-ES_tradnl"/>
+            </a:defPPr>
+            <a:lvl1pPr marL="0" algn="l" defTabSz="914400" rtl="0" eaLnBrk="1" latinLnBrk="0" hangingPunct="1">
+              <a:defRPr sz="1800" kern="1200">
+                <a:solidFill>
+                  <a:schemeClr val="lt1"/>
+                </a:solidFill>
+                <a:latin typeface="+mn-lt"/>
+                <a:ea typeface="+mn-ea"/>
+                <a:cs typeface="+mn-cs"/>
+              </a:defRPr>
+            </a:lvl1pPr>
+            <a:lvl2pPr marL="457200" algn="l" defTabSz="914400" rtl="0" eaLnBrk="1" latinLnBrk="0" hangingPunct="1">
+              <a:defRPr sz="1800" kern="1200">
+                <a:solidFill>
+                  <a:schemeClr val="lt1"/>
+                </a:solidFill>
+                <a:latin typeface="+mn-lt"/>
+                <a:ea typeface="+mn-ea"/>
+                <a:cs typeface="+mn-cs"/>
+              </a:defRPr>
+            </a:lvl2pPr>
+            <a:lvl3pPr marL="914400" algn="l" defTabSz="914400" rtl="0" eaLnBrk="1" latinLnBrk="0" hangingPunct="1">
+              <a:defRPr sz="1800" kern="1200">
+                <a:solidFill>
+                  <a:schemeClr val="lt1"/>
+                </a:solidFill>
+                <a:latin typeface="+mn-lt"/>
+                <a:ea typeface="+mn-ea"/>
+                <a:cs typeface="+mn-cs"/>
+              </a:defRPr>
+            </a:lvl3pPr>
+            <a:lvl4pPr marL="1371600" algn="l" defTabSz="914400" rtl="0" eaLnBrk="1" latinLnBrk="0" hangingPunct="1">
+              <a:defRPr sz="1800" kern="1200">
+                <a:solidFill>
+                  <a:schemeClr val="lt1"/>
+                </a:solidFill>
+                <a:latin typeface="+mn-lt"/>
+                <a:ea typeface="+mn-ea"/>
+                <a:cs typeface="+mn-cs"/>
+              </a:defRPr>
+            </a:lvl4pPr>
+            <a:lvl5pPr marL="1828800" algn="l" defTabSz="914400" rtl="0" eaLnBrk="1" latinLnBrk="0" hangingPunct="1">
+              <a:defRPr sz="1800" kern="1200">
+                <a:solidFill>
+                  <a:schemeClr val="lt1"/>
+                </a:solidFill>
+                <a:latin typeface="+mn-lt"/>
+                <a:ea typeface="+mn-ea"/>
+                <a:cs typeface="+mn-cs"/>
+              </a:defRPr>
+            </a:lvl5pPr>
+            <a:lvl6pPr marL="2286000" algn="l" defTabSz="914400" rtl="0" eaLnBrk="1" latinLnBrk="0" hangingPunct="1">
+              <a:defRPr sz="1800" kern="1200">
+                <a:solidFill>
+                  <a:schemeClr val="lt1"/>
+                </a:solidFill>
+                <a:latin typeface="+mn-lt"/>
+                <a:ea typeface="+mn-ea"/>
+                <a:cs typeface="+mn-cs"/>
+              </a:defRPr>
+            </a:lvl6pPr>
+            <a:lvl7pPr marL="2743200" algn="l" defTabSz="914400" rtl="0" eaLnBrk="1" latinLnBrk="0" hangingPunct="1">
+              <a:defRPr sz="1800" kern="1200">
+                <a:solidFill>
+                  <a:schemeClr val="lt1"/>
+                </a:solidFill>
+                <a:latin typeface="+mn-lt"/>
+                <a:ea typeface="+mn-ea"/>
+                <a:cs typeface="+mn-cs"/>
+              </a:defRPr>
+            </a:lvl7pPr>
+            <a:lvl8pPr marL="3200400" algn="l" defTabSz="914400" rtl="0" eaLnBrk="1" latinLnBrk="0" hangingPunct="1">
+              <a:defRPr sz="1800" kern="1200">
+                <a:solidFill>
+                  <a:schemeClr val="lt1"/>
+                </a:solidFill>
+                <a:latin typeface="+mn-lt"/>
+                <a:ea typeface="+mn-ea"/>
+                <a:cs typeface="+mn-cs"/>
+              </a:defRPr>
+            </a:lvl8pPr>
+            <a:lvl9pPr marL="3657600" algn="l" defTabSz="914400" rtl="0" eaLnBrk="1" latinLnBrk="0" hangingPunct="1">
+              <a:defRPr sz="1800" kern="1200">
+                <a:solidFill>
+                  <a:schemeClr val="lt1"/>
+                </a:solidFill>
+                <a:latin typeface="+mn-lt"/>
+                <a:ea typeface="+mn-ea"/>
+                <a:cs typeface="+mn-cs"/>
+              </a:defRPr>
+            </a:lvl9pPr>
+          </a:lstStyle>
+          <a:p>
+            <a:pPr algn="ctr"/>
+            <a:r>
+              <a:rPr lang="es-CL"/>
+              <a:t>Ancho</a:t>
+            </a:r>
+          </a:p>
+        </p:txBody>
+      </p:sp>
+      <p:sp>
+        <p:nvSpPr>
+          <p:cNvPr id="4" name="Flecha: pentágono 9">
+            <a:extLst>
+              <a:ext uri="{FF2B5EF4-FFF2-40B4-BE49-F238E27FC236}">
+                <a16:creationId xmlns:a16="http://schemas.microsoft.com/office/drawing/2014/main" id="{B420626F-7183-5B69-CC17-50E83C0AF8B0}"/>
+              </a:ext>
+            </a:extLst>
+          </p:cNvPr>
+          <p:cNvSpPr/>
+          <p:nvPr/>
+        </p:nvSpPr>
+        <p:spPr>
+          <a:xfrm>
+            <a:off x="1116616" y="4495226"/>
+            <a:ext cx="1115974" cy="441727"/>
+          </a:xfrm>
+          <a:prstGeom prst="homePlate">
+            <a:avLst/>
+          </a:prstGeom>
+          <a:solidFill>
+            <a:srgbClr val="002060"/>
+          </a:solidFill>
+          <a:ln>
+            <a:solidFill>
+              <a:srgbClr val="E30000"/>
+            </a:solidFill>
+          </a:ln>
+        </p:spPr>
+        <p:style>
+          <a:lnRef idx="2">
+            <a:schemeClr val="accent1">
+              <a:shade val="15000"/>
+            </a:schemeClr>
+          </a:lnRef>
+          <a:fillRef idx="1">
+            <a:schemeClr val="accent1"/>
+          </a:fillRef>
+          <a:effectRef idx="0">
+            <a:schemeClr val="accent1"/>
+          </a:effectRef>
+          <a:fontRef idx="minor">
+            <a:schemeClr val="lt1"/>
+          </a:fontRef>
+        </p:style>
+        <p:txBody>
+          <a:bodyPr rtlCol="0" anchor="ctr"/>
+          <a:lstStyle>
+            <a:defPPr>
+              <a:defRPr lang="es-ES_tradnl"/>
+            </a:defPPr>
+            <a:lvl1pPr marL="0" algn="l" defTabSz="914400" rtl="0" eaLnBrk="1" latinLnBrk="0" hangingPunct="1">
+              <a:defRPr sz="1800" kern="1200">
+                <a:solidFill>
+                  <a:schemeClr val="lt1"/>
+                </a:solidFill>
+                <a:latin typeface="+mn-lt"/>
+                <a:ea typeface="+mn-ea"/>
+                <a:cs typeface="+mn-cs"/>
+              </a:defRPr>
+            </a:lvl1pPr>
+            <a:lvl2pPr marL="457200" algn="l" defTabSz="914400" rtl="0" eaLnBrk="1" latinLnBrk="0" hangingPunct="1">
+              <a:defRPr sz="1800" kern="1200">
+                <a:solidFill>
+                  <a:schemeClr val="lt1"/>
+                </a:solidFill>
+                <a:latin typeface="+mn-lt"/>
+                <a:ea typeface="+mn-ea"/>
+                <a:cs typeface="+mn-cs"/>
+              </a:defRPr>
+            </a:lvl2pPr>
+            <a:lvl3pPr marL="914400" algn="l" defTabSz="914400" rtl="0" eaLnBrk="1" latinLnBrk="0" hangingPunct="1">
+              <a:defRPr sz="1800" kern="1200">
+                <a:solidFill>
+                  <a:schemeClr val="lt1"/>
+                </a:solidFill>
+                <a:latin typeface="+mn-lt"/>
+                <a:ea typeface="+mn-ea"/>
+                <a:cs typeface="+mn-cs"/>
+              </a:defRPr>
+            </a:lvl3pPr>
+            <a:lvl4pPr marL="1371600" algn="l" defTabSz="914400" rtl="0" eaLnBrk="1" latinLnBrk="0" hangingPunct="1">
+              <a:defRPr sz="1800" kern="1200">
+                <a:solidFill>
+                  <a:schemeClr val="lt1"/>
+                </a:solidFill>
+                <a:latin typeface="+mn-lt"/>
+                <a:ea typeface="+mn-ea"/>
+                <a:cs typeface="+mn-cs"/>
+              </a:defRPr>
+            </a:lvl4pPr>
+            <a:lvl5pPr marL="1828800" algn="l" defTabSz="914400" rtl="0" eaLnBrk="1" latinLnBrk="0" hangingPunct="1">
+              <a:defRPr sz="1800" kern="1200">
+                <a:solidFill>
+                  <a:schemeClr val="lt1"/>
+                </a:solidFill>
+                <a:latin typeface="+mn-lt"/>
+                <a:ea typeface="+mn-ea"/>
+                <a:cs typeface="+mn-cs"/>
+              </a:defRPr>
+            </a:lvl5pPr>
+            <a:lvl6pPr marL="2286000" algn="l" defTabSz="914400" rtl="0" eaLnBrk="1" latinLnBrk="0" hangingPunct="1">
+              <a:defRPr sz="1800" kern="1200">
+                <a:solidFill>
+                  <a:schemeClr val="lt1"/>
+                </a:solidFill>
+                <a:latin typeface="+mn-lt"/>
+                <a:ea typeface="+mn-ea"/>
+                <a:cs typeface="+mn-cs"/>
+              </a:defRPr>
+            </a:lvl6pPr>
+            <a:lvl7pPr marL="2743200" algn="l" defTabSz="914400" rtl="0" eaLnBrk="1" latinLnBrk="0" hangingPunct="1">
+              <a:defRPr sz="1800" kern="1200">
+                <a:solidFill>
+                  <a:schemeClr val="lt1"/>
+                </a:solidFill>
+                <a:latin typeface="+mn-lt"/>
+                <a:ea typeface="+mn-ea"/>
+                <a:cs typeface="+mn-cs"/>
+              </a:defRPr>
+            </a:lvl7pPr>
+            <a:lvl8pPr marL="3200400" algn="l" defTabSz="914400" rtl="0" eaLnBrk="1" latinLnBrk="0" hangingPunct="1">
+              <a:defRPr sz="1800" kern="1200">
+                <a:solidFill>
+                  <a:schemeClr val="lt1"/>
+                </a:solidFill>
+                <a:latin typeface="+mn-lt"/>
+                <a:ea typeface="+mn-ea"/>
+                <a:cs typeface="+mn-cs"/>
+              </a:defRPr>
+            </a:lvl8pPr>
+            <a:lvl9pPr marL="3657600" algn="l" defTabSz="914400" rtl="0" eaLnBrk="1" latinLnBrk="0" hangingPunct="1">
+              <a:defRPr sz="1800" kern="1200">
+                <a:solidFill>
+                  <a:schemeClr val="lt1"/>
+                </a:solidFill>
+                <a:latin typeface="+mn-lt"/>
+                <a:ea typeface="+mn-ea"/>
+                <a:cs typeface="+mn-cs"/>
+              </a:defRPr>
+            </a:lvl9pPr>
+          </a:lstStyle>
+          <a:p>
+            <a:pPr algn="ctr"/>
+            <a:r>
+              <a:rPr lang="es-CL"/>
+              <a:t>Precio</a:t>
+            </a:r>
+          </a:p>
+        </p:txBody>
+      </p:sp>
+      <p:sp>
+        <p:nvSpPr>
+          <p:cNvPr id="7" name="Flecha: pentágono 10">
+            <a:extLst>
+              <a:ext uri="{FF2B5EF4-FFF2-40B4-BE49-F238E27FC236}">
+                <a16:creationId xmlns:a16="http://schemas.microsoft.com/office/drawing/2014/main" id="{AFFEA349-59DA-112C-3E6F-80A06484C65C}"/>
+              </a:ext>
+            </a:extLst>
+          </p:cNvPr>
+          <p:cNvSpPr/>
+          <p:nvPr/>
+        </p:nvSpPr>
+        <p:spPr>
+          <a:xfrm>
+            <a:off x="242328" y="5003071"/>
+            <a:ext cx="1115974" cy="427349"/>
+          </a:xfrm>
+          <a:prstGeom prst="homePlate">
+            <a:avLst/>
+          </a:prstGeom>
+          <a:solidFill>
+            <a:srgbClr val="E35F65"/>
+          </a:solidFill>
+          <a:ln>
+            <a:solidFill>
+              <a:srgbClr val="E30000"/>
+            </a:solidFill>
+          </a:ln>
+        </p:spPr>
+        <p:style>
+          <a:lnRef idx="2">
+            <a:schemeClr val="accent1">
+              <a:shade val="15000"/>
+            </a:schemeClr>
+          </a:lnRef>
+          <a:fillRef idx="1">
+            <a:schemeClr val="accent1"/>
+          </a:fillRef>
+          <a:effectRef idx="0">
+            <a:schemeClr val="accent1"/>
+          </a:effectRef>
+          <a:fontRef idx="minor">
+            <a:schemeClr val="lt1"/>
+          </a:fontRef>
+        </p:style>
+        <p:txBody>
+          <a:bodyPr rtlCol="0" anchor="ctr"/>
+          <a:lstStyle>
+            <a:defPPr>
+              <a:defRPr lang="es-ES_tradnl"/>
+            </a:defPPr>
+            <a:lvl1pPr marL="0" algn="l" defTabSz="914400" rtl="0" eaLnBrk="1" latinLnBrk="0" hangingPunct="1">
+              <a:defRPr sz="1800" kern="1200">
+                <a:solidFill>
+                  <a:schemeClr val="lt1"/>
+                </a:solidFill>
+                <a:latin typeface="+mn-lt"/>
+                <a:ea typeface="+mn-ea"/>
+                <a:cs typeface="+mn-cs"/>
+              </a:defRPr>
+            </a:lvl1pPr>
+            <a:lvl2pPr marL="457200" algn="l" defTabSz="914400" rtl="0" eaLnBrk="1" latinLnBrk="0" hangingPunct="1">
+              <a:defRPr sz="1800" kern="1200">
+                <a:solidFill>
+                  <a:schemeClr val="lt1"/>
+                </a:solidFill>
+                <a:latin typeface="+mn-lt"/>
+                <a:ea typeface="+mn-ea"/>
+                <a:cs typeface="+mn-cs"/>
+              </a:defRPr>
+            </a:lvl2pPr>
+            <a:lvl3pPr marL="914400" algn="l" defTabSz="914400" rtl="0" eaLnBrk="1" latinLnBrk="0" hangingPunct="1">
+              <a:defRPr sz="1800" kern="1200">
+                <a:solidFill>
+                  <a:schemeClr val="lt1"/>
+                </a:solidFill>
+                <a:latin typeface="+mn-lt"/>
+                <a:ea typeface="+mn-ea"/>
+                <a:cs typeface="+mn-cs"/>
+              </a:defRPr>
+            </a:lvl3pPr>
+            <a:lvl4pPr marL="1371600" algn="l" defTabSz="914400" rtl="0" eaLnBrk="1" latinLnBrk="0" hangingPunct="1">
+              <a:defRPr sz="1800" kern="1200">
+                <a:solidFill>
+                  <a:schemeClr val="lt1"/>
+                </a:solidFill>
+                <a:latin typeface="+mn-lt"/>
+                <a:ea typeface="+mn-ea"/>
+                <a:cs typeface="+mn-cs"/>
+              </a:defRPr>
+            </a:lvl4pPr>
+            <a:lvl5pPr marL="1828800" algn="l" defTabSz="914400" rtl="0" eaLnBrk="1" latinLnBrk="0" hangingPunct="1">
+              <a:defRPr sz="1800" kern="1200">
+                <a:solidFill>
+                  <a:schemeClr val="lt1"/>
+                </a:solidFill>
+                <a:latin typeface="+mn-lt"/>
+                <a:ea typeface="+mn-ea"/>
+                <a:cs typeface="+mn-cs"/>
+              </a:defRPr>
+            </a:lvl5pPr>
+            <a:lvl6pPr marL="2286000" algn="l" defTabSz="914400" rtl="0" eaLnBrk="1" latinLnBrk="0" hangingPunct="1">
+              <a:defRPr sz="1800" kern="1200">
+                <a:solidFill>
+                  <a:schemeClr val="lt1"/>
+                </a:solidFill>
+                <a:latin typeface="+mn-lt"/>
+                <a:ea typeface="+mn-ea"/>
+                <a:cs typeface="+mn-cs"/>
+              </a:defRPr>
+            </a:lvl6pPr>
+            <a:lvl7pPr marL="2743200" algn="l" defTabSz="914400" rtl="0" eaLnBrk="1" latinLnBrk="0" hangingPunct="1">
+              <a:defRPr sz="1800" kern="1200">
+                <a:solidFill>
+                  <a:schemeClr val="lt1"/>
+                </a:solidFill>
+                <a:latin typeface="+mn-lt"/>
+                <a:ea typeface="+mn-ea"/>
+                <a:cs typeface="+mn-cs"/>
+              </a:defRPr>
+            </a:lvl7pPr>
+            <a:lvl8pPr marL="3200400" algn="l" defTabSz="914400" rtl="0" eaLnBrk="1" latinLnBrk="0" hangingPunct="1">
+              <a:defRPr sz="1800" kern="1200">
+                <a:solidFill>
+                  <a:schemeClr val="lt1"/>
+                </a:solidFill>
+                <a:latin typeface="+mn-lt"/>
+                <a:ea typeface="+mn-ea"/>
+                <a:cs typeface="+mn-cs"/>
+              </a:defRPr>
+            </a:lvl8pPr>
+            <a:lvl9pPr marL="3657600" algn="l" defTabSz="914400" rtl="0" eaLnBrk="1" latinLnBrk="0" hangingPunct="1">
+              <a:defRPr sz="1800" kern="1200">
+                <a:solidFill>
+                  <a:schemeClr val="lt1"/>
+                </a:solidFill>
+                <a:latin typeface="+mn-lt"/>
+                <a:ea typeface="+mn-ea"/>
+                <a:cs typeface="+mn-cs"/>
+              </a:defRPr>
+            </a:lvl9pPr>
+          </a:lstStyle>
+          <a:p>
+            <a:pPr algn="ctr"/>
+            <a:r>
+              <a:rPr lang="es-CL"/>
+              <a:t>X</a:t>
+            </a:r>
+          </a:p>
+        </p:txBody>
+      </p:sp>
+      <p:sp>
+        <p:nvSpPr>
+          <p:cNvPr id="17" name="Flecha: pentágono 11">
+            <a:extLst>
+              <a:ext uri="{FF2B5EF4-FFF2-40B4-BE49-F238E27FC236}">
+                <a16:creationId xmlns:a16="http://schemas.microsoft.com/office/drawing/2014/main" id="{58C34E86-807D-A536-4841-E34D9BE399E2}"/>
+              </a:ext>
+            </a:extLst>
+          </p:cNvPr>
+          <p:cNvSpPr/>
+          <p:nvPr/>
+        </p:nvSpPr>
+        <p:spPr>
+          <a:xfrm>
+            <a:off x="1767002" y="5003071"/>
+            <a:ext cx="1115974" cy="427349"/>
+          </a:xfrm>
+          <a:prstGeom prst="homePlate">
+            <a:avLst/>
+          </a:prstGeom>
+          <a:solidFill>
+            <a:srgbClr val="E35F65"/>
+          </a:solidFill>
+          <a:ln>
+            <a:solidFill>
+              <a:srgbClr val="E30000"/>
+            </a:solidFill>
+          </a:ln>
+        </p:spPr>
+        <p:style>
+          <a:lnRef idx="2">
+            <a:schemeClr val="accent1">
+              <a:shade val="15000"/>
+            </a:schemeClr>
+          </a:lnRef>
+          <a:fillRef idx="1">
+            <a:schemeClr val="accent1"/>
+          </a:fillRef>
+          <a:effectRef idx="0">
+            <a:schemeClr val="accent1"/>
+          </a:effectRef>
+          <a:fontRef idx="minor">
+            <a:schemeClr val="lt1"/>
+          </a:fontRef>
+        </p:style>
+        <p:txBody>
+          <a:bodyPr rtlCol="0" anchor="ctr"/>
+          <a:lstStyle>
+            <a:defPPr>
+              <a:defRPr lang="es-ES_tradnl"/>
+            </a:defPPr>
+            <a:lvl1pPr marL="0" algn="l" defTabSz="914400" rtl="0" eaLnBrk="1" latinLnBrk="0" hangingPunct="1">
+              <a:defRPr sz="1800" kern="1200">
+                <a:solidFill>
+                  <a:schemeClr val="lt1"/>
+                </a:solidFill>
+                <a:latin typeface="+mn-lt"/>
+                <a:ea typeface="+mn-ea"/>
+                <a:cs typeface="+mn-cs"/>
+              </a:defRPr>
+            </a:lvl1pPr>
+            <a:lvl2pPr marL="457200" algn="l" defTabSz="914400" rtl="0" eaLnBrk="1" latinLnBrk="0" hangingPunct="1">
+              <a:defRPr sz="1800" kern="1200">
+                <a:solidFill>
+                  <a:schemeClr val="lt1"/>
+                </a:solidFill>
+                <a:latin typeface="+mn-lt"/>
+                <a:ea typeface="+mn-ea"/>
+                <a:cs typeface="+mn-cs"/>
+              </a:defRPr>
+            </a:lvl2pPr>
+            <a:lvl3pPr marL="914400" algn="l" defTabSz="914400" rtl="0" eaLnBrk="1" latinLnBrk="0" hangingPunct="1">
+              <a:defRPr sz="1800" kern="1200">
+                <a:solidFill>
+                  <a:schemeClr val="lt1"/>
+                </a:solidFill>
+                <a:latin typeface="+mn-lt"/>
+                <a:ea typeface="+mn-ea"/>
+                <a:cs typeface="+mn-cs"/>
+              </a:defRPr>
+            </a:lvl3pPr>
+            <a:lvl4pPr marL="1371600" algn="l" defTabSz="914400" rtl="0" eaLnBrk="1" latinLnBrk="0" hangingPunct="1">
+              <a:defRPr sz="1800" kern="1200">
+                <a:solidFill>
+                  <a:schemeClr val="lt1"/>
+                </a:solidFill>
+                <a:latin typeface="+mn-lt"/>
+                <a:ea typeface="+mn-ea"/>
+                <a:cs typeface="+mn-cs"/>
+              </a:defRPr>
+            </a:lvl4pPr>
+            <a:lvl5pPr marL="1828800" algn="l" defTabSz="914400" rtl="0" eaLnBrk="1" latinLnBrk="0" hangingPunct="1">
+              <a:defRPr sz="1800" kern="1200">
+                <a:solidFill>
+                  <a:schemeClr val="lt1"/>
+                </a:solidFill>
+                <a:latin typeface="+mn-lt"/>
+                <a:ea typeface="+mn-ea"/>
+                <a:cs typeface="+mn-cs"/>
+              </a:defRPr>
+            </a:lvl5pPr>
+            <a:lvl6pPr marL="2286000" algn="l" defTabSz="914400" rtl="0" eaLnBrk="1" latinLnBrk="0" hangingPunct="1">
+              <a:defRPr sz="1800" kern="1200">
+                <a:solidFill>
+                  <a:schemeClr val="lt1"/>
+                </a:solidFill>
+                <a:latin typeface="+mn-lt"/>
+                <a:ea typeface="+mn-ea"/>
+                <a:cs typeface="+mn-cs"/>
+              </a:defRPr>
+            </a:lvl6pPr>
+            <a:lvl7pPr marL="2743200" algn="l" defTabSz="914400" rtl="0" eaLnBrk="1" latinLnBrk="0" hangingPunct="1">
+              <a:defRPr sz="1800" kern="1200">
+                <a:solidFill>
+                  <a:schemeClr val="lt1"/>
+                </a:solidFill>
+                <a:latin typeface="+mn-lt"/>
+                <a:ea typeface="+mn-ea"/>
+                <a:cs typeface="+mn-cs"/>
+              </a:defRPr>
+            </a:lvl7pPr>
+            <a:lvl8pPr marL="3200400" algn="l" defTabSz="914400" rtl="0" eaLnBrk="1" latinLnBrk="0" hangingPunct="1">
+              <a:defRPr sz="1800" kern="1200">
+                <a:solidFill>
+                  <a:schemeClr val="lt1"/>
+                </a:solidFill>
+                <a:latin typeface="+mn-lt"/>
+                <a:ea typeface="+mn-ea"/>
+                <a:cs typeface="+mn-cs"/>
+              </a:defRPr>
+            </a:lvl8pPr>
+            <a:lvl9pPr marL="3657600" algn="l" defTabSz="914400" rtl="0" eaLnBrk="1" latinLnBrk="0" hangingPunct="1">
+              <a:defRPr sz="1800" kern="1200">
+                <a:solidFill>
+                  <a:schemeClr val="lt1"/>
+                </a:solidFill>
+                <a:latin typeface="+mn-lt"/>
+                <a:ea typeface="+mn-ea"/>
+                <a:cs typeface="+mn-cs"/>
+              </a:defRPr>
+            </a:lvl9pPr>
+          </a:lstStyle>
+          <a:p>
+            <a:pPr algn="ctr"/>
+            <a:r>
+              <a:rPr lang="es-CL"/>
+              <a:t>Y</a:t>
+            </a:r>
+          </a:p>
+        </p:txBody>
+      </p:sp>
+      <p:sp>
+        <p:nvSpPr>
+          <p:cNvPr id="24" name="Flecha: pentágono 12">
+            <a:extLst>
+              <a:ext uri="{FF2B5EF4-FFF2-40B4-BE49-F238E27FC236}">
+                <a16:creationId xmlns:a16="http://schemas.microsoft.com/office/drawing/2014/main" id="{B558E4C3-58FD-2962-9E56-66C0A77F77A5}"/>
+              </a:ext>
+            </a:extLst>
+          </p:cNvPr>
+          <p:cNvSpPr/>
+          <p:nvPr/>
+        </p:nvSpPr>
+        <p:spPr>
+          <a:xfrm>
+            <a:off x="1116616" y="3307008"/>
+            <a:ext cx="1115974" cy="427349"/>
+          </a:xfrm>
+          <a:prstGeom prst="homePlate">
+            <a:avLst/>
+          </a:prstGeom>
+          <a:solidFill>
+            <a:srgbClr val="E35F65"/>
+          </a:solidFill>
+          <a:ln>
+            <a:solidFill>
+              <a:srgbClr val="E30000"/>
+            </a:solidFill>
+          </a:ln>
+        </p:spPr>
+        <p:style>
+          <a:lnRef idx="2">
+            <a:schemeClr val="accent1">
+              <a:shade val="15000"/>
+            </a:schemeClr>
+          </a:lnRef>
+          <a:fillRef idx="1">
+            <a:schemeClr val="accent1"/>
+          </a:fillRef>
+          <a:effectRef idx="0">
+            <a:schemeClr val="accent1"/>
+          </a:effectRef>
+          <a:fontRef idx="minor">
+            <a:schemeClr val="lt1"/>
+          </a:fontRef>
+        </p:style>
+        <p:txBody>
+          <a:bodyPr rtlCol="0" anchor="ctr"/>
+          <a:lstStyle>
+            <a:defPPr>
+              <a:defRPr lang="es-ES_tradnl"/>
+            </a:defPPr>
+            <a:lvl1pPr marL="0" algn="l" defTabSz="914400" rtl="0" eaLnBrk="1" latinLnBrk="0" hangingPunct="1">
+              <a:defRPr sz="1800" kern="1200">
+                <a:solidFill>
+                  <a:schemeClr val="lt1"/>
+                </a:solidFill>
+                <a:latin typeface="+mn-lt"/>
+                <a:ea typeface="+mn-ea"/>
+                <a:cs typeface="+mn-cs"/>
+              </a:defRPr>
+            </a:lvl1pPr>
+            <a:lvl2pPr marL="457200" algn="l" defTabSz="914400" rtl="0" eaLnBrk="1" latinLnBrk="0" hangingPunct="1">
+              <a:defRPr sz="1800" kern="1200">
+                <a:solidFill>
+                  <a:schemeClr val="lt1"/>
+                </a:solidFill>
+                <a:latin typeface="+mn-lt"/>
+                <a:ea typeface="+mn-ea"/>
+                <a:cs typeface="+mn-cs"/>
+              </a:defRPr>
+            </a:lvl2pPr>
+            <a:lvl3pPr marL="914400" algn="l" defTabSz="914400" rtl="0" eaLnBrk="1" latinLnBrk="0" hangingPunct="1">
+              <a:defRPr sz="1800" kern="1200">
+                <a:solidFill>
+                  <a:schemeClr val="lt1"/>
+                </a:solidFill>
+                <a:latin typeface="+mn-lt"/>
+                <a:ea typeface="+mn-ea"/>
+                <a:cs typeface="+mn-cs"/>
+              </a:defRPr>
+            </a:lvl3pPr>
+            <a:lvl4pPr marL="1371600" algn="l" defTabSz="914400" rtl="0" eaLnBrk="1" latinLnBrk="0" hangingPunct="1">
+              <a:defRPr sz="1800" kern="1200">
+                <a:solidFill>
+                  <a:schemeClr val="lt1"/>
+                </a:solidFill>
+                <a:latin typeface="+mn-lt"/>
+                <a:ea typeface="+mn-ea"/>
+                <a:cs typeface="+mn-cs"/>
+              </a:defRPr>
+            </a:lvl4pPr>
+            <a:lvl5pPr marL="1828800" algn="l" defTabSz="914400" rtl="0" eaLnBrk="1" latinLnBrk="0" hangingPunct="1">
+              <a:defRPr sz="1800" kern="1200">
+                <a:solidFill>
+                  <a:schemeClr val="lt1"/>
+                </a:solidFill>
+                <a:latin typeface="+mn-lt"/>
+                <a:ea typeface="+mn-ea"/>
+                <a:cs typeface="+mn-cs"/>
+              </a:defRPr>
+            </a:lvl5pPr>
+            <a:lvl6pPr marL="2286000" algn="l" defTabSz="914400" rtl="0" eaLnBrk="1" latinLnBrk="0" hangingPunct="1">
+              <a:defRPr sz="1800" kern="1200">
+                <a:solidFill>
+                  <a:schemeClr val="lt1"/>
+                </a:solidFill>
+                <a:latin typeface="+mn-lt"/>
+                <a:ea typeface="+mn-ea"/>
+                <a:cs typeface="+mn-cs"/>
+              </a:defRPr>
+            </a:lvl6pPr>
+            <a:lvl7pPr marL="2743200" algn="l" defTabSz="914400" rtl="0" eaLnBrk="1" latinLnBrk="0" hangingPunct="1">
+              <a:defRPr sz="1800" kern="1200">
+                <a:solidFill>
+                  <a:schemeClr val="lt1"/>
+                </a:solidFill>
+                <a:latin typeface="+mn-lt"/>
+                <a:ea typeface="+mn-ea"/>
+                <a:cs typeface="+mn-cs"/>
+              </a:defRPr>
+            </a:lvl7pPr>
+            <a:lvl8pPr marL="3200400" algn="l" defTabSz="914400" rtl="0" eaLnBrk="1" latinLnBrk="0" hangingPunct="1">
+              <a:defRPr sz="1800" kern="1200">
+                <a:solidFill>
+                  <a:schemeClr val="lt1"/>
+                </a:solidFill>
+                <a:latin typeface="+mn-lt"/>
+                <a:ea typeface="+mn-ea"/>
+                <a:cs typeface="+mn-cs"/>
+              </a:defRPr>
+            </a:lvl8pPr>
+            <a:lvl9pPr marL="3657600" algn="l" defTabSz="914400" rtl="0" eaLnBrk="1" latinLnBrk="0" hangingPunct="1">
+              <a:defRPr sz="1800" kern="1200">
+                <a:solidFill>
+                  <a:schemeClr val="lt1"/>
+                </a:solidFill>
+                <a:latin typeface="+mn-lt"/>
+                <a:ea typeface="+mn-ea"/>
+                <a:cs typeface="+mn-cs"/>
+              </a:defRPr>
+            </a:lvl9pPr>
+          </a:lstStyle>
+          <a:p>
+            <a:pPr algn="ctr"/>
+            <a:r>
+              <a:rPr lang="es-CL"/>
+              <a:t>Peso</a:t>
+            </a:r>
+          </a:p>
+        </p:txBody>
+      </p:sp>
+      <p:sp>
+        <p:nvSpPr>
+          <p:cNvPr id="25" name="Flecha: pentágono 13">
+            <a:extLst>
+              <a:ext uri="{FF2B5EF4-FFF2-40B4-BE49-F238E27FC236}">
+                <a16:creationId xmlns:a16="http://schemas.microsoft.com/office/drawing/2014/main" id="{A8B32074-C045-5934-176F-E42A90AFDD47}"/>
+              </a:ext>
+            </a:extLst>
+          </p:cNvPr>
+          <p:cNvSpPr/>
+          <p:nvPr/>
+        </p:nvSpPr>
+        <p:spPr>
+          <a:xfrm>
+            <a:off x="1001597" y="5525293"/>
+            <a:ext cx="1115974" cy="427349"/>
+          </a:xfrm>
+          <a:prstGeom prst="homePlate">
+            <a:avLst/>
+          </a:prstGeom>
+          <a:solidFill>
+            <a:srgbClr val="E35F65"/>
+          </a:solidFill>
+          <a:ln>
+            <a:solidFill>
+              <a:srgbClr val="E30000"/>
+            </a:solidFill>
+          </a:ln>
+        </p:spPr>
+        <p:style>
+          <a:lnRef idx="2">
+            <a:schemeClr val="accent1">
+              <a:shade val="15000"/>
+            </a:schemeClr>
+          </a:lnRef>
+          <a:fillRef idx="1">
+            <a:schemeClr val="accent1"/>
+          </a:fillRef>
+          <a:effectRef idx="0">
+            <a:schemeClr val="accent1"/>
+          </a:effectRef>
+          <a:fontRef idx="minor">
+            <a:schemeClr val="lt1"/>
+          </a:fontRef>
+        </p:style>
+        <p:txBody>
+          <a:bodyPr rtlCol="0" anchor="ctr"/>
+          <a:lstStyle>
+            <a:defPPr>
+              <a:defRPr lang="es-ES_tradnl"/>
+            </a:defPPr>
+            <a:lvl1pPr marL="0" algn="l" defTabSz="914400" rtl="0" eaLnBrk="1" latinLnBrk="0" hangingPunct="1">
+              <a:defRPr sz="1800" kern="1200">
+                <a:solidFill>
+                  <a:schemeClr val="lt1"/>
+                </a:solidFill>
+                <a:latin typeface="+mn-lt"/>
+                <a:ea typeface="+mn-ea"/>
+                <a:cs typeface="+mn-cs"/>
+              </a:defRPr>
+            </a:lvl1pPr>
+            <a:lvl2pPr marL="457200" algn="l" defTabSz="914400" rtl="0" eaLnBrk="1" latinLnBrk="0" hangingPunct="1">
+              <a:defRPr sz="1800" kern="1200">
+                <a:solidFill>
+                  <a:schemeClr val="lt1"/>
+                </a:solidFill>
+                <a:latin typeface="+mn-lt"/>
+                <a:ea typeface="+mn-ea"/>
+                <a:cs typeface="+mn-cs"/>
+              </a:defRPr>
+            </a:lvl2pPr>
+            <a:lvl3pPr marL="914400" algn="l" defTabSz="914400" rtl="0" eaLnBrk="1" latinLnBrk="0" hangingPunct="1">
+              <a:defRPr sz="1800" kern="1200">
+                <a:solidFill>
+                  <a:schemeClr val="lt1"/>
+                </a:solidFill>
+                <a:latin typeface="+mn-lt"/>
+                <a:ea typeface="+mn-ea"/>
+                <a:cs typeface="+mn-cs"/>
+              </a:defRPr>
+            </a:lvl3pPr>
+            <a:lvl4pPr marL="1371600" algn="l" defTabSz="914400" rtl="0" eaLnBrk="1" latinLnBrk="0" hangingPunct="1">
+              <a:defRPr sz="1800" kern="1200">
+                <a:solidFill>
+                  <a:schemeClr val="lt1"/>
+                </a:solidFill>
+                <a:latin typeface="+mn-lt"/>
+                <a:ea typeface="+mn-ea"/>
+                <a:cs typeface="+mn-cs"/>
+              </a:defRPr>
+            </a:lvl4pPr>
+            <a:lvl5pPr marL="1828800" algn="l" defTabSz="914400" rtl="0" eaLnBrk="1" latinLnBrk="0" hangingPunct="1">
+              <a:defRPr sz="1800" kern="1200">
+                <a:solidFill>
+                  <a:schemeClr val="lt1"/>
+                </a:solidFill>
+                <a:latin typeface="+mn-lt"/>
+                <a:ea typeface="+mn-ea"/>
+                <a:cs typeface="+mn-cs"/>
+              </a:defRPr>
+            </a:lvl5pPr>
+            <a:lvl6pPr marL="2286000" algn="l" defTabSz="914400" rtl="0" eaLnBrk="1" latinLnBrk="0" hangingPunct="1">
+              <a:defRPr sz="1800" kern="1200">
+                <a:solidFill>
+                  <a:schemeClr val="lt1"/>
+                </a:solidFill>
+                <a:latin typeface="+mn-lt"/>
+                <a:ea typeface="+mn-ea"/>
+                <a:cs typeface="+mn-cs"/>
+              </a:defRPr>
+            </a:lvl6pPr>
+            <a:lvl7pPr marL="2743200" algn="l" defTabSz="914400" rtl="0" eaLnBrk="1" latinLnBrk="0" hangingPunct="1">
+              <a:defRPr sz="1800" kern="1200">
+                <a:solidFill>
+                  <a:schemeClr val="lt1"/>
+                </a:solidFill>
+                <a:latin typeface="+mn-lt"/>
+                <a:ea typeface="+mn-ea"/>
+                <a:cs typeface="+mn-cs"/>
+              </a:defRPr>
+            </a:lvl7pPr>
+            <a:lvl8pPr marL="3200400" algn="l" defTabSz="914400" rtl="0" eaLnBrk="1" latinLnBrk="0" hangingPunct="1">
+              <a:defRPr sz="1800" kern="1200">
+                <a:solidFill>
+                  <a:schemeClr val="lt1"/>
+                </a:solidFill>
+                <a:latin typeface="+mn-lt"/>
+                <a:ea typeface="+mn-ea"/>
+                <a:cs typeface="+mn-cs"/>
+              </a:defRPr>
+            </a:lvl8pPr>
+            <a:lvl9pPr marL="3657600" algn="l" defTabSz="914400" rtl="0" eaLnBrk="1" latinLnBrk="0" hangingPunct="1">
+              <a:defRPr sz="1800" kern="1200">
+                <a:solidFill>
+                  <a:schemeClr val="lt1"/>
+                </a:solidFill>
+                <a:latin typeface="+mn-lt"/>
+                <a:ea typeface="+mn-ea"/>
+                <a:cs typeface="+mn-cs"/>
+              </a:defRPr>
+            </a:lvl9pPr>
+          </a:lstStyle>
+          <a:p>
+            <a:pPr algn="ctr"/>
+            <a:r>
+              <a:rPr lang="es-CL"/>
+              <a:t>Z</a:t>
+            </a:r>
+          </a:p>
+        </p:txBody>
+      </p:sp>
     </p:spTree>
     <p:extLst>
       <p:ext uri="{BB962C8B-B14F-4D97-AF65-F5344CB8AC3E}">
         <p14:creationId xmlns:p14="http://schemas.microsoft.com/office/powerpoint/2010/main" val="1761978179"/>
-      </p:ext>
-    </p:extLst>
-  </p:cSld>
-  <p:clrMapOvr>
-    <a:masterClrMapping/>
-  </p:clrMapOvr>
-</p:sld>
-</file>
-
-<file path=ppt/slides/slide3.xml><?xml version="1.0" encoding="utf-8"?>
-<p:sld xmlns:a="http://schemas.openxmlformats.org/drawingml/2006/main" xmlns:r="http://schemas.openxmlformats.org/officeDocument/2006/relationships" xmlns:p="http://schemas.openxmlformats.org/presentationml/2006/main">
-  <p:cSld>
-    <p:spTree>
-      <p:nvGrpSpPr>
-        <p:cNvPr id="1" name=""/>
-        <p:cNvGrpSpPr/>
-        <p:nvPr/>
-      </p:nvGrpSpPr>
-      <p:grpSpPr>
-        <a:xfrm>
-          <a:off x="0" y="0"/>
-          <a:ext cx="0" cy="0"/>
-          <a:chOff x="0" y="0"/>
-          <a:chExt cx="0" cy="0"/>
-        </a:xfrm>
-      </p:grpSpPr>
-      <p:pic>
-        <p:nvPicPr>
-          <p:cNvPr id="7" name="Imagen 6"/>
-          <p:cNvPicPr>
-            <a:picLocks noChangeAspect="1"/>
-          </p:cNvPicPr>
-          <p:nvPr/>
-        </p:nvPicPr>
-        <p:blipFill rotWithShape="1">
-          <a:blip r:embed="rId3">
-            <a:extLst>
-              <a:ext uri="{28A0092B-C50C-407E-A947-70E740481C1C}">
-                <a14:useLocalDpi xmlns:a14="http://schemas.microsoft.com/office/drawing/2010/main" val="0"/>
-              </a:ext>
-            </a:extLst>
-          </a:blip>
-          <a:srcRect l="-153" t="20538" r="153" b="51651"/>
-          <a:stretch/>
-        </p:blipFill>
-        <p:spPr>
-          <a:xfrm>
-            <a:off x="-14013" y="1"/>
-            <a:ext cx="9172026" cy="802886"/>
-          </a:xfrm>
-          <a:prstGeom prst="rect">
-            <a:avLst/>
-          </a:prstGeom>
-        </p:spPr>
-      </p:pic>
-      <p:pic>
-        <p:nvPicPr>
-          <p:cNvPr id="2" name="Imagen 1"/>
-          <p:cNvPicPr>
-            <a:picLocks noChangeAspect="1"/>
-          </p:cNvPicPr>
-          <p:nvPr/>
-        </p:nvPicPr>
-        <p:blipFill>
-          <a:blip r:embed="rId4">
-            <a:extLst>
-              <a:ext uri="{28A0092B-C50C-407E-A947-70E740481C1C}">
-                <a14:useLocalDpi xmlns:a14="http://schemas.microsoft.com/office/drawing/2010/main" val="0"/>
-              </a:ext>
-            </a:extLst>
-          </a:blip>
-          <a:stretch>
-            <a:fillRect/>
-          </a:stretch>
-        </p:blipFill>
-        <p:spPr>
-          <a:xfrm>
-            <a:off x="8316024" y="89553"/>
-            <a:ext cx="719254" cy="600029"/>
-          </a:xfrm>
-          <a:prstGeom prst="rect">
-            <a:avLst/>
-          </a:prstGeom>
-        </p:spPr>
-      </p:pic>
-    </p:spTree>
-    <p:extLst>
-      <p:ext uri="{BB962C8B-B14F-4D97-AF65-F5344CB8AC3E}">
-        <p14:creationId xmlns:p14="http://schemas.microsoft.com/office/powerpoint/2010/main" val="3105322462"/>
       </p:ext>
     </p:extLst>
   </p:cSld>
@@ -10217,10 +11538,305 @@
           </a:prstGeom>
         </p:spPr>
       </p:pic>
+      <p:sp>
+        <p:nvSpPr>
+          <p:cNvPr id="3" name="TextBox 2">
+            <a:extLst>
+              <a:ext uri="{FF2B5EF4-FFF2-40B4-BE49-F238E27FC236}">
+                <a16:creationId xmlns:a16="http://schemas.microsoft.com/office/drawing/2014/main" id="{23480A74-8042-3918-FB57-0ABA427747B4}"/>
+              </a:ext>
+            </a:extLst>
+          </p:cNvPr>
+          <p:cNvSpPr txBox="1"/>
+          <p:nvPr/>
+        </p:nvSpPr>
+        <p:spPr>
+          <a:xfrm>
+            <a:off x="398006" y="1112667"/>
+            <a:ext cx="8341672" cy="2308324"/>
+          </a:xfrm>
+          <a:prstGeom prst="rect">
+            <a:avLst/>
+          </a:prstGeom>
+          <a:noFill/>
+        </p:spPr>
+        <p:txBody>
+          <a:bodyPr rot="0" spcFirstLastPara="0" vertOverflow="overflow" horzOverflow="overflow" vert="horz" wrap="square" lIns="91440" tIns="45720" rIns="91440" bIns="45720" numCol="1" spcCol="0" rtlCol="0" fromWordArt="0" anchor="t" anchorCtr="0" forceAA="0" compatLnSpc="1">
+            <a:prstTxWarp prst="textNoShape">
+              <a:avLst/>
+            </a:prstTxWarp>
+            <a:spAutoFit/>
+          </a:bodyPr>
+          <a:lstStyle/>
+          <a:p>
+            <a:r>
+              <a:rPr lang="es-CL" sz="2400">
+                <a:solidFill>
+                  <a:srgbClr val="19202E"/>
+                </a:solidFill>
+                <a:latin typeface="Segoe UI"/>
+                <a:ea typeface="Calibri"/>
+                <a:cs typeface="Segoe UI"/>
+              </a:rPr>
+              <a:t>Es una </a:t>
+            </a:r>
+            <a:r>
+              <a:rPr lang="es-CL" sz="2400" err="1">
+                <a:solidFill>
+                  <a:srgbClr val="19202E"/>
+                </a:solidFill>
+                <a:latin typeface="Segoe UI"/>
+                <a:ea typeface="Calibri"/>
+                <a:cs typeface="Segoe UI"/>
+              </a:rPr>
+              <a:t>tecnica</a:t>
+            </a:r>
+            <a:r>
+              <a:rPr lang="es-CL" sz="2400">
+                <a:solidFill>
+                  <a:srgbClr val="19202E"/>
+                </a:solidFill>
+                <a:latin typeface="Segoe UI"/>
+                <a:ea typeface="Calibri"/>
+                <a:cs typeface="Segoe UI"/>
+              </a:rPr>
+              <a:t> aplicada en la rama del Machine </a:t>
+            </a:r>
+            <a:r>
+              <a:rPr lang="es-CL" sz="2400" err="1">
+                <a:solidFill>
+                  <a:srgbClr val="19202E"/>
+                </a:solidFill>
+                <a:latin typeface="Segoe UI"/>
+                <a:ea typeface="Calibri"/>
+                <a:cs typeface="Segoe UI"/>
+              </a:rPr>
+              <a:t>Learning</a:t>
+            </a:r>
+            <a:r>
+              <a:rPr lang="es-CL" sz="2400">
+                <a:solidFill>
+                  <a:srgbClr val="19202E"/>
+                </a:solidFill>
+                <a:latin typeface="Segoe UI"/>
+                <a:ea typeface="Calibri"/>
+                <a:cs typeface="Segoe UI"/>
+              </a:rPr>
+              <a:t> en la que se aplican el uso de algoritmos definiendo que debe o no aprender en una serie de datos etiquetados </a:t>
+            </a:r>
+            <a:r>
+              <a:rPr lang="es-CL" sz="2400" err="1">
+                <a:solidFill>
+                  <a:srgbClr val="19202E"/>
+                </a:solidFill>
+                <a:latin typeface="Segoe UI"/>
+                <a:ea typeface="Calibri"/>
+                <a:cs typeface="Segoe UI"/>
+              </a:rPr>
+              <a:t>tambien</a:t>
+            </a:r>
+            <a:r>
+              <a:rPr lang="es-CL" sz="2400">
+                <a:solidFill>
+                  <a:srgbClr val="19202E"/>
+                </a:solidFill>
+                <a:latin typeface="Segoe UI"/>
+                <a:ea typeface="Calibri"/>
+                <a:cs typeface="Segoe UI"/>
+              </a:rPr>
+              <a:t> llamados conjunto de entrenamiento que permiten definir una </a:t>
+            </a:r>
+            <a:r>
+              <a:rPr lang="es-CL" sz="2400" err="1">
+                <a:solidFill>
+                  <a:srgbClr val="19202E"/>
+                </a:solidFill>
+                <a:latin typeface="Segoe UI"/>
+                <a:ea typeface="Calibri"/>
+                <a:cs typeface="Segoe UI"/>
+              </a:rPr>
+              <a:t>funcion</a:t>
+            </a:r>
+            <a:r>
+              <a:rPr lang="es-CL" sz="2400">
+                <a:solidFill>
+                  <a:srgbClr val="19202E"/>
+                </a:solidFill>
+                <a:latin typeface="Segoe UI"/>
+                <a:ea typeface="Calibri"/>
+                <a:cs typeface="Segoe UI"/>
+              </a:rPr>
+              <a:t> predictiva y enseñar al modelo a predecir los resultados con </a:t>
+            </a:r>
+            <a:r>
+              <a:rPr lang="es-CL" sz="2400" err="1">
+                <a:solidFill>
+                  <a:srgbClr val="19202E"/>
+                </a:solidFill>
+                <a:latin typeface="Segoe UI"/>
+                <a:ea typeface="Calibri"/>
+                <a:cs typeface="Segoe UI"/>
+              </a:rPr>
+              <a:t>precision</a:t>
+            </a:r>
+            <a:r>
+              <a:rPr lang="es-CL" sz="2400">
+                <a:solidFill>
+                  <a:srgbClr val="19202E"/>
+                </a:solidFill>
+                <a:latin typeface="Segoe UI"/>
+                <a:ea typeface="Calibri"/>
+                <a:cs typeface="Segoe UI"/>
+              </a:rPr>
+              <a:t>.</a:t>
+            </a:r>
+          </a:p>
+        </p:txBody>
+      </p:sp>
+      <p:sp>
+        <p:nvSpPr>
+          <p:cNvPr id="5" name="TextBox 4">
+            <a:extLst>
+              <a:ext uri="{FF2B5EF4-FFF2-40B4-BE49-F238E27FC236}">
+                <a16:creationId xmlns:a16="http://schemas.microsoft.com/office/drawing/2014/main" id="{433DB7EB-7290-9321-AB65-AD0581FDF5EA}"/>
+              </a:ext>
+            </a:extLst>
+          </p:cNvPr>
+          <p:cNvSpPr txBox="1"/>
+          <p:nvPr/>
+        </p:nvSpPr>
+        <p:spPr>
+          <a:xfrm>
+            <a:off x="4968816" y="3430438"/>
+            <a:ext cx="4410972" cy="3416320"/>
+          </a:xfrm>
+          <a:prstGeom prst="rect">
+            <a:avLst/>
+          </a:prstGeom>
+          <a:noFill/>
+        </p:spPr>
+        <p:txBody>
+          <a:bodyPr rot="0" spcFirstLastPara="0" vertOverflow="overflow" horzOverflow="overflow" vert="horz" wrap="square" lIns="91440" tIns="45720" rIns="91440" bIns="45720" numCol="1" spcCol="0" rtlCol="0" fromWordArt="0" anchor="t" anchorCtr="0" forceAA="0" compatLnSpc="1">
+            <a:prstTxWarp prst="textNoShape">
+              <a:avLst/>
+            </a:prstTxWarp>
+            <a:spAutoFit/>
+          </a:bodyPr>
+          <a:lstStyle/>
+          <a:p>
+            <a:r>
+              <a:rPr lang="es-CL" sz="2400">
+                <a:solidFill>
+                  <a:srgbClr val="19202E"/>
+                </a:solidFill>
+                <a:latin typeface="Segoe UI"/>
+                <a:cs typeface="Segoe UI"/>
+              </a:rPr>
+              <a:t> </a:t>
+            </a:r>
+            <a:r>
+              <a:rPr lang="es-CL" sz="2400" err="1">
+                <a:solidFill>
+                  <a:srgbClr val="19202E"/>
+                </a:solidFill>
+                <a:latin typeface="Segoe UI"/>
+                <a:cs typeface="Segoe UI"/>
+              </a:rPr>
+              <a:t>Asi</a:t>
+            </a:r>
+            <a:r>
+              <a:rPr lang="es-CL" sz="2400">
+                <a:solidFill>
+                  <a:srgbClr val="19202E"/>
+                </a:solidFill>
+                <a:latin typeface="Segoe UI"/>
+                <a:cs typeface="Segoe UI"/>
+              </a:rPr>
+              <a:t> mismo, con la </a:t>
+            </a:r>
+            <a:r>
+              <a:rPr lang="es-CL" sz="2400" err="1">
+                <a:solidFill>
+                  <a:srgbClr val="19202E"/>
+                </a:solidFill>
+                <a:latin typeface="Segoe UI"/>
+                <a:cs typeface="Segoe UI"/>
+              </a:rPr>
+              <a:t>funcion</a:t>
+            </a:r>
+            <a:r>
+              <a:rPr lang="es-CL" sz="2400">
+                <a:solidFill>
+                  <a:srgbClr val="19202E"/>
+                </a:solidFill>
+                <a:latin typeface="Segoe UI"/>
+                <a:cs typeface="Segoe UI"/>
+              </a:rPr>
+              <a:t> definida, el modelo usa los datos </a:t>
+            </a:r>
+            <a:r>
+              <a:rPr lang="es-CL" sz="2400" err="1">
+                <a:solidFill>
+                  <a:srgbClr val="19202E"/>
+                </a:solidFill>
+                <a:latin typeface="Segoe UI"/>
+                <a:cs typeface="Segoe UI"/>
+              </a:rPr>
+              <a:t>etiqutados</a:t>
+            </a:r>
+            <a:r>
+              <a:rPr lang="es-CL" sz="2400">
+                <a:solidFill>
+                  <a:srgbClr val="19202E"/>
+                </a:solidFill>
+                <a:latin typeface="Segoe UI"/>
+                <a:cs typeface="Segoe UI"/>
+              </a:rPr>
+              <a:t> para medir la relevancia de diferentes </a:t>
+            </a:r>
+            <a:r>
+              <a:rPr lang="es-CL" sz="2400" err="1">
+                <a:solidFill>
+                  <a:srgbClr val="19202E"/>
+                </a:solidFill>
+                <a:latin typeface="Segoe UI"/>
+                <a:cs typeface="Segoe UI"/>
+              </a:rPr>
+              <a:t>caracteristicas</a:t>
+            </a:r>
+            <a:r>
+              <a:rPr lang="es-CL" sz="2400">
+                <a:solidFill>
+                  <a:srgbClr val="19202E"/>
+                </a:solidFill>
+                <a:latin typeface="Segoe UI"/>
+                <a:cs typeface="Segoe UI"/>
+              </a:rPr>
+              <a:t> a fin de mejorar gradualmente el ajuste del modelo al resultado conocido</a:t>
+            </a:r>
+            <a:r>
+              <a:rPr lang="en-US" sz="2400">
+                <a:latin typeface="Segoe UI"/>
+                <a:cs typeface="Segoe UI"/>
+              </a:rPr>
+              <a:t>​</a:t>
+            </a:r>
+          </a:p>
+          <a:p>
+            <a:r>
+              <a:rPr lang="es-CL" sz="2400">
+                <a:latin typeface="Segoe UI"/>
+                <a:cs typeface="Segoe UI"/>
+              </a:rPr>
+              <a:t>​</a:t>
+            </a:r>
+          </a:p>
+        </p:txBody>
+      </p:sp>
     </p:spTree>
     <p:extLst>
       <p:ext uri="{BB962C8B-B14F-4D97-AF65-F5344CB8AC3E}">
-        <p14:creationId xmlns:p14="http://schemas.microsoft.com/office/powerpoint/2010/main" val="743564996"/>
+        <p14:creationId xmlns:p14="http://schemas.microsoft.com/office/powerpoint/2010/main" val="923601911"/>
       </p:ext>
     </p:extLst>
   </p:cSld>
@@ -10306,6 +11922,227 @@
           </a:prstGeom>
         </p:spPr>
       </p:pic>
+      <p:sp>
+        <p:nvSpPr>
+          <p:cNvPr id="3" name="TextBox 3">
+            <a:extLst>
+              <a:ext uri="{FF2B5EF4-FFF2-40B4-BE49-F238E27FC236}">
+                <a16:creationId xmlns:a16="http://schemas.microsoft.com/office/drawing/2014/main" id="{0BAEEE35-569A-C1B1-3DE8-7187348AFB7D}"/>
+              </a:ext>
+            </a:extLst>
+          </p:cNvPr>
+          <p:cNvSpPr txBox="1"/>
+          <p:nvPr/>
+        </p:nvSpPr>
+        <p:spPr>
+          <a:xfrm>
+            <a:off x="973101" y="1083913"/>
+            <a:ext cx="6846427" cy="3785652"/>
+          </a:xfrm>
+          <a:prstGeom prst="rect">
+            <a:avLst/>
+          </a:prstGeom>
+          <a:noFill/>
+        </p:spPr>
+        <p:txBody>
+          <a:bodyPr rot="0" spcFirstLastPara="0" vert="horz" wrap="square" lIns="91440" tIns="45720" rIns="91440" bIns="45720" numCol="1" spcCol="0" rtlCol="0" fromWordArt="0" anchor="t" anchorCtr="0" forceAA="0" compatLnSpc="1">
+            <a:prstTxWarp prst="textNoShape">
+              <a:avLst/>
+            </a:prstTxWarp>
+            <a:spAutoFit/>
+          </a:bodyPr>
+          <a:lstStyle>
+            <a:defPPr>
+              <a:defRPr lang="es-ES_tradnl"/>
+            </a:defPPr>
+            <a:lvl1pPr marL="0" algn="l" defTabSz="914400" rtl="0" eaLnBrk="1" latinLnBrk="0" hangingPunct="1">
+              <a:defRPr sz="1800" kern="1200">
+                <a:solidFill>
+                  <a:schemeClr val="tx1"/>
+                </a:solidFill>
+                <a:latin typeface="+mn-lt"/>
+                <a:ea typeface="+mn-ea"/>
+                <a:cs typeface="+mn-cs"/>
+              </a:defRPr>
+            </a:lvl1pPr>
+            <a:lvl2pPr marL="457200" algn="l" defTabSz="914400" rtl="0" eaLnBrk="1" latinLnBrk="0" hangingPunct="1">
+              <a:defRPr sz="1800" kern="1200">
+                <a:solidFill>
+                  <a:schemeClr val="tx1"/>
+                </a:solidFill>
+                <a:latin typeface="+mn-lt"/>
+                <a:ea typeface="+mn-ea"/>
+                <a:cs typeface="+mn-cs"/>
+              </a:defRPr>
+            </a:lvl2pPr>
+            <a:lvl3pPr marL="914400" algn="l" defTabSz="914400" rtl="0" eaLnBrk="1" latinLnBrk="0" hangingPunct="1">
+              <a:defRPr sz="1800" kern="1200">
+                <a:solidFill>
+                  <a:schemeClr val="tx1"/>
+                </a:solidFill>
+                <a:latin typeface="+mn-lt"/>
+                <a:ea typeface="+mn-ea"/>
+                <a:cs typeface="+mn-cs"/>
+              </a:defRPr>
+            </a:lvl3pPr>
+            <a:lvl4pPr marL="1371600" algn="l" defTabSz="914400" rtl="0" eaLnBrk="1" latinLnBrk="0" hangingPunct="1">
+              <a:defRPr sz="1800" kern="1200">
+                <a:solidFill>
+                  <a:schemeClr val="tx1"/>
+                </a:solidFill>
+                <a:latin typeface="+mn-lt"/>
+                <a:ea typeface="+mn-ea"/>
+                <a:cs typeface="+mn-cs"/>
+              </a:defRPr>
+            </a:lvl4pPr>
+            <a:lvl5pPr marL="1828800" algn="l" defTabSz="914400" rtl="0" eaLnBrk="1" latinLnBrk="0" hangingPunct="1">
+              <a:defRPr sz="1800" kern="1200">
+                <a:solidFill>
+                  <a:schemeClr val="tx1"/>
+                </a:solidFill>
+                <a:latin typeface="+mn-lt"/>
+                <a:ea typeface="+mn-ea"/>
+                <a:cs typeface="+mn-cs"/>
+              </a:defRPr>
+            </a:lvl5pPr>
+            <a:lvl6pPr marL="2286000" algn="l" defTabSz="914400" rtl="0" eaLnBrk="1" latinLnBrk="0" hangingPunct="1">
+              <a:defRPr sz="1800" kern="1200">
+                <a:solidFill>
+                  <a:schemeClr val="tx1"/>
+                </a:solidFill>
+                <a:latin typeface="+mn-lt"/>
+                <a:ea typeface="+mn-ea"/>
+                <a:cs typeface="+mn-cs"/>
+              </a:defRPr>
+            </a:lvl6pPr>
+            <a:lvl7pPr marL="2743200" algn="l" defTabSz="914400" rtl="0" eaLnBrk="1" latinLnBrk="0" hangingPunct="1">
+              <a:defRPr sz="1800" kern="1200">
+                <a:solidFill>
+                  <a:schemeClr val="tx1"/>
+                </a:solidFill>
+                <a:latin typeface="+mn-lt"/>
+                <a:ea typeface="+mn-ea"/>
+                <a:cs typeface="+mn-cs"/>
+              </a:defRPr>
+            </a:lvl7pPr>
+            <a:lvl8pPr marL="3200400" algn="l" defTabSz="914400" rtl="0" eaLnBrk="1" latinLnBrk="0" hangingPunct="1">
+              <a:defRPr sz="1800" kern="1200">
+                <a:solidFill>
+                  <a:schemeClr val="tx1"/>
+                </a:solidFill>
+                <a:latin typeface="+mn-lt"/>
+                <a:ea typeface="+mn-ea"/>
+                <a:cs typeface="+mn-cs"/>
+              </a:defRPr>
+            </a:lvl8pPr>
+            <a:lvl9pPr marL="3657600" algn="l" defTabSz="914400" rtl="0" eaLnBrk="1" latinLnBrk="0" hangingPunct="1">
+              <a:defRPr sz="1800" kern="1200">
+                <a:solidFill>
+                  <a:schemeClr val="tx1"/>
+                </a:solidFill>
+                <a:latin typeface="+mn-lt"/>
+                <a:ea typeface="+mn-ea"/>
+                <a:cs typeface="+mn-cs"/>
+              </a:defRPr>
+            </a:lvl9pPr>
+          </a:lstStyle>
+          <a:p>
+            <a:r>
+              <a:rPr lang="es-CL" sz="2400">
+                <a:solidFill>
+                  <a:srgbClr val="19202E"/>
+                </a:solidFill>
+                <a:latin typeface="Segoe UI"/>
+                <a:ea typeface="Calibri"/>
+                <a:cs typeface="Segoe UI"/>
+              </a:rPr>
+              <a:t>En el caso de estudio presente trabajamos un modelo de Regresión lineal, para el cual aplicamos los siguientes algoritmos:</a:t>
+            </a:r>
+          </a:p>
+          <a:p>
+            <a:endParaRPr lang="es-CL" sz="2400">
+              <a:solidFill>
+                <a:srgbClr val="19202E"/>
+              </a:solidFill>
+              <a:latin typeface="Segoe UI"/>
+              <a:ea typeface="Calibri"/>
+              <a:cs typeface="Segoe UI"/>
+            </a:endParaRPr>
+          </a:p>
+          <a:p>
+            <a:r>
+              <a:rPr lang="es-CL" sz="2400">
+                <a:solidFill>
+                  <a:srgbClr val="19202E"/>
+                </a:solidFill>
+                <a:latin typeface="Segoe UI"/>
+                <a:ea typeface="Calibri"/>
+                <a:cs typeface="Segoe UI"/>
+              </a:rPr>
+              <a:t>Regresión lineal </a:t>
+            </a:r>
+            <a:r>
+              <a:rPr lang="es-CL" sz="2400" err="1">
+                <a:solidFill>
+                  <a:srgbClr val="19202E"/>
+                </a:solidFill>
+                <a:latin typeface="Segoe UI"/>
+                <a:ea typeface="Calibri"/>
+                <a:cs typeface="Segoe UI"/>
+              </a:rPr>
+              <a:t>multiple</a:t>
+            </a:r>
+            <a:r>
+              <a:rPr lang="es-CL" sz="2400">
+                <a:solidFill>
+                  <a:srgbClr val="19202E"/>
+                </a:solidFill>
+                <a:latin typeface="Segoe UI"/>
+                <a:ea typeface="Calibri"/>
+                <a:cs typeface="Segoe UI"/>
+              </a:rPr>
+              <a:t>: Modela la relación entre una variable dependiente y una o mas independientes mediante una linea recta, permite </a:t>
+            </a:r>
+          </a:p>
+          <a:p>
+            <a:r>
+              <a:rPr lang="es-CL" sz="2400" err="1">
+                <a:solidFill>
+                  <a:srgbClr val="19202E"/>
+                </a:solidFill>
+                <a:latin typeface="Segoe UI"/>
+                <a:ea typeface="Calibri"/>
+                <a:cs typeface="Segoe UI"/>
+              </a:rPr>
+              <a:t>Arbol</a:t>
+            </a:r>
+            <a:r>
+              <a:rPr lang="es-CL" sz="2400">
+                <a:solidFill>
+                  <a:srgbClr val="19202E"/>
+                </a:solidFill>
+                <a:latin typeface="Segoe UI"/>
+                <a:ea typeface="Calibri"/>
+                <a:cs typeface="Segoe UI"/>
+              </a:rPr>
+              <a:t> de decisón:</a:t>
+            </a:r>
+          </a:p>
+          <a:p>
+            <a:r>
+              <a:rPr lang="es-CL" sz="2400">
+                <a:solidFill>
+                  <a:srgbClr val="19202E"/>
+                </a:solidFill>
+                <a:latin typeface="Segoe UI"/>
+                <a:ea typeface="Calibri"/>
+                <a:cs typeface="Segoe UI"/>
+              </a:rPr>
+              <a:t>Redes Neuronales:</a:t>
+            </a:r>
+          </a:p>
+        </p:txBody>
+      </p:sp>
     </p:spTree>
     <p:extLst>
       <p:ext uri="{BB962C8B-B14F-4D97-AF65-F5344CB8AC3E}">
@@ -10395,10 +12232,162 @@
           </a:prstGeom>
         </p:spPr>
       </p:pic>
+      <p:sp>
+        <p:nvSpPr>
+          <p:cNvPr id="3" name="TextBox 2">
+            <a:extLst>
+              <a:ext uri="{FF2B5EF4-FFF2-40B4-BE49-F238E27FC236}">
+                <a16:creationId xmlns:a16="http://schemas.microsoft.com/office/drawing/2014/main" id="{70866F9F-102C-0AFC-BCE5-4E8C73321E74}"/>
+              </a:ext>
+            </a:extLst>
+          </p:cNvPr>
+          <p:cNvSpPr txBox="1"/>
+          <p:nvPr/>
+        </p:nvSpPr>
+        <p:spPr>
+          <a:xfrm>
+            <a:off x="973101" y="1083913"/>
+            <a:ext cx="6846427" cy="5170646"/>
+          </a:xfrm>
+          <a:prstGeom prst="rect">
+            <a:avLst/>
+          </a:prstGeom>
+          <a:noFill/>
+        </p:spPr>
+        <p:txBody>
+          <a:bodyPr rot="0" spcFirstLastPara="0" vertOverflow="overflow" horzOverflow="overflow" vert="horz" wrap="square" lIns="91440" tIns="45720" rIns="91440" bIns="45720" numCol="1" spcCol="0" rtlCol="0" fromWordArt="0" anchor="t" anchorCtr="0" forceAA="0" compatLnSpc="1">
+            <a:prstTxWarp prst="textNoShape">
+              <a:avLst/>
+            </a:prstTxWarp>
+            <a:spAutoFit/>
+          </a:bodyPr>
+          <a:lstStyle/>
+          <a:p>
+            <a:r>
+              <a:rPr lang="es-CL" sz="2400" err="1">
+                <a:solidFill>
+                  <a:srgbClr val="19202E"/>
+                </a:solidFill>
+                <a:latin typeface="Segoe UI"/>
+                <a:cs typeface="Segoe UI"/>
+              </a:rPr>
+              <a:t>Slide</a:t>
+            </a:r>
+            <a:r>
+              <a:rPr lang="es-CL" sz="2400">
+                <a:solidFill>
+                  <a:srgbClr val="19202E"/>
+                </a:solidFill>
+                <a:latin typeface="Segoe UI"/>
+                <a:cs typeface="Segoe UI"/>
+              </a:rPr>
+              <a:t> 1: Logo de la universidad, facultad, Carrera, Nombre de integrantes del grupo.</a:t>
+            </a:r>
+            <a:endParaRPr lang="en-US" sz="2400">
+              <a:solidFill>
+                <a:srgbClr val="19202E"/>
+              </a:solidFill>
+              <a:latin typeface="Segoe UI"/>
+              <a:cs typeface="Segoe UI"/>
+            </a:endParaRPr>
+          </a:p>
+          <a:p>
+            <a:r>
+              <a:rPr lang="es-CL" sz="2400" err="1">
+                <a:solidFill>
+                  <a:srgbClr val="19202E"/>
+                </a:solidFill>
+                <a:latin typeface="Segoe UI"/>
+                <a:cs typeface="Segoe UI"/>
+              </a:rPr>
+              <a:t>Slide</a:t>
+            </a:r>
+            <a:r>
+              <a:rPr lang="es-CL" sz="2400">
+                <a:solidFill>
+                  <a:srgbClr val="19202E"/>
+                </a:solidFill>
+                <a:latin typeface="Segoe UI"/>
+                <a:cs typeface="Segoe UI"/>
+              </a:rPr>
+              <a:t> 2, 3, 4: Introducción: de una breve reseña del contenido del trabajo; explicación en qué consiste el aprendizaje supervisado y breve explicación de los algoritmos utilizados, objetivos del estudio.</a:t>
+            </a:r>
+            <a:endParaRPr lang="en-US" sz="2400">
+              <a:solidFill>
+                <a:srgbClr val="19202E"/>
+              </a:solidFill>
+              <a:latin typeface="Segoe UI"/>
+              <a:cs typeface="Segoe UI"/>
+            </a:endParaRPr>
+          </a:p>
+          <a:p>
+            <a:r>
+              <a:rPr lang="es-CL" sz="2400" err="1">
+                <a:solidFill>
+                  <a:srgbClr val="19202E"/>
+                </a:solidFill>
+                <a:latin typeface="Segoe UI"/>
+                <a:cs typeface="Segoe UI"/>
+              </a:rPr>
+              <a:t>Slide</a:t>
+            </a:r>
+            <a:r>
+              <a:rPr lang="es-CL" sz="2400">
+                <a:solidFill>
+                  <a:srgbClr val="19202E"/>
+                </a:solidFill>
+                <a:latin typeface="Segoe UI"/>
+                <a:cs typeface="Segoe UI"/>
+              </a:rPr>
+              <a:t> 5: Defina variable dependiente y variables independientes; y justifique si tiene que utilizar algoritmos de regresión o clasificación.</a:t>
+            </a:r>
+            <a:endParaRPr lang="en-US" sz="2400">
+              <a:solidFill>
+                <a:srgbClr val="19202E"/>
+              </a:solidFill>
+              <a:latin typeface="Segoe UI"/>
+              <a:cs typeface="Segoe UI"/>
+            </a:endParaRPr>
+          </a:p>
+          <a:p>
+            <a:r>
+              <a:rPr lang="es-CL" sz="2400" err="1">
+                <a:solidFill>
+                  <a:srgbClr val="19202E"/>
+                </a:solidFill>
+                <a:latin typeface="Segoe UI"/>
+                <a:cs typeface="Segoe UI"/>
+              </a:rPr>
+              <a:t>Slide</a:t>
+            </a:r>
+            <a:r>
+              <a:rPr lang="es-CL" sz="2400">
+                <a:solidFill>
+                  <a:srgbClr val="19202E"/>
+                </a:solidFill>
+                <a:latin typeface="Segoe UI"/>
+                <a:cs typeface="Segoe UI"/>
+              </a:rPr>
+              <a:t> 6: Tiempo de entrenamiento en la validación cruzada para cada algoritmo de cada estudiante del grupo</a:t>
+            </a:r>
+            <a:endParaRPr lang="en-US" sz="2400">
+              <a:ea typeface="Calibri"/>
+              <a:cs typeface="Calibri"/>
+            </a:endParaRPr>
+          </a:p>
+          <a:p>
+            <a:pPr algn="l"/>
+            <a:endParaRPr lang="en-US">
+              <a:ea typeface="Calibri"/>
+              <a:cs typeface="Calibri"/>
+            </a:endParaRPr>
+          </a:p>
+        </p:txBody>
+      </p:sp>
     </p:spTree>
     <p:extLst>
       <p:ext uri="{BB962C8B-B14F-4D97-AF65-F5344CB8AC3E}">
-        <p14:creationId xmlns:p14="http://schemas.microsoft.com/office/powerpoint/2010/main" val="2361542432"/>
+        <p14:creationId xmlns:p14="http://schemas.microsoft.com/office/powerpoint/2010/main" val="3105322462"/>
       </p:ext>
     </p:extLst>
   </p:cSld>
@@ -10487,7 +12476,7 @@
     </p:spTree>
     <p:extLst>
       <p:ext uri="{BB962C8B-B14F-4D97-AF65-F5344CB8AC3E}">
-        <p14:creationId xmlns:p14="http://schemas.microsoft.com/office/powerpoint/2010/main" val="3699663989"/>
+        <p14:creationId xmlns:p14="http://schemas.microsoft.com/office/powerpoint/2010/main" val="2361542432"/>
       </p:ext>
     </p:extLst>
   </p:cSld>
@@ -10576,7 +12565,7 @@
     </p:spTree>
     <p:extLst>
       <p:ext uri="{BB962C8B-B14F-4D97-AF65-F5344CB8AC3E}">
-        <p14:creationId xmlns:p14="http://schemas.microsoft.com/office/powerpoint/2010/main" val="3519697008"/>
+        <p14:creationId xmlns:p14="http://schemas.microsoft.com/office/powerpoint/2010/main" val="3699663989"/>
       </p:ext>
     </p:extLst>
   </p:cSld>
@@ -10665,7 +12654,7 @@
     </p:spTree>
     <p:extLst>
       <p:ext uri="{BB962C8B-B14F-4D97-AF65-F5344CB8AC3E}">
-        <p14:creationId xmlns:p14="http://schemas.microsoft.com/office/powerpoint/2010/main" val="4018481977"/>
+        <p14:creationId xmlns:p14="http://schemas.microsoft.com/office/powerpoint/2010/main" val="3519697008"/>
       </p:ext>
     </p:extLst>
   </p:cSld>

--- a/presentación/presentaciónDosMineriaDeDatos.pptx
+++ b/presentación/presentaciónDosMineriaDeDatos.pptx
@@ -13,8 +13,8 @@
     <p:sldId id="303" r:id="rId4"/>
     <p:sldId id="317" r:id="rId5"/>
     <p:sldId id="307" r:id="rId6"/>
-    <p:sldId id="304" r:id="rId7"/>
-    <p:sldId id="312" r:id="rId8"/>
+    <p:sldId id="312" r:id="rId7"/>
+    <p:sldId id="304" r:id="rId8"/>
     <p:sldId id="311" r:id="rId9"/>
     <p:sldId id="310" r:id="rId10"/>
     <p:sldId id="309" r:id="rId11"/>
@@ -133,7 +133,7 @@
 <file path=ppt/revisionInfo.xml><?xml version="1.0" encoding="utf-8"?>
 <p1510:revInfo xmlns:a="http://schemas.openxmlformats.org/drawingml/2006/main" xmlns:r="http://schemas.openxmlformats.org/officeDocument/2006/relationships" xmlns:p1510="http://schemas.microsoft.com/office/powerpoint/2015/10/main">
   <p1510:revLst>
-    <p1510:client id="{0C7D88AA-1E6B-DAD5-588B-E8E99FD28D85}" v="2694" dt="2024-05-26T22:01:25.942"/>
+    <p1510:client id="{0C7D88AA-1E6B-DAD5-588B-E8E99FD28D85}" v="3488" dt="2024-05-26T23:01:33.101"/>
     <p1510:client id="{8CBB8C90-6B1F-4992-B562-0E68CFD0F3DC}" v="5" dt="2024-05-26T21:24:52.958"/>
   </p1510:revLst>
 </p1510:revInfo>
@@ -1920,8 +1920,8 @@
   </pc:docChgLst>
   <pc:docChgLst>
     <pc:chgData name="PEREZ VERGARA MELANY" userId="S::m.perezvergara@uandresbello.edu::d95698a7-632e-4c03-ab0f-564477513d69" providerId="AD" clId="Web-{0C7D88AA-1E6B-DAD5-588B-E8E99FD28D85}"/>
-    <pc:docChg chg="addSld modSld sldOrd">
-      <pc:chgData name="PEREZ VERGARA MELANY" userId="S::m.perezvergara@uandresbello.edu::d95698a7-632e-4c03-ab0f-564477513d69" providerId="AD" clId="Web-{0C7D88AA-1E6B-DAD5-588B-E8E99FD28D85}" dt="2024-05-26T22:01:25.911" v="1639" actId="20577"/>
+    <pc:docChg chg="addSld delSld modSld sldOrd">
+      <pc:chgData name="PEREZ VERGARA MELANY" userId="S::m.perezvergara@uandresbello.edu::d95698a7-632e-4c03-ab0f-564477513d69" providerId="AD" clId="Web-{0C7D88AA-1E6B-DAD5-588B-E8E99FD28D85}" dt="2024-05-26T23:01:33.101" v="2059" actId="1076"/>
       <pc:docMkLst>
         <pc:docMk/>
       </pc:docMkLst>
@@ -2082,26 +2082,175 @@
           </ac:spMkLst>
         </pc:spChg>
       </pc:sldChg>
-      <pc:sldChg chg="addSp modSp ord">
-        <pc:chgData name="PEREZ VERGARA MELANY" userId="S::m.perezvergara@uandresbello.edu::d95698a7-632e-4c03-ab0f-564477513d69" providerId="AD" clId="Web-{0C7D88AA-1E6B-DAD5-588B-E8E99FD28D85}" dt="2024-05-26T22:01:25.911" v="1639" actId="20577"/>
+      <pc:sldChg chg="addSp delSp modSp ord">
+        <pc:chgData name="PEREZ VERGARA MELANY" userId="S::m.perezvergara@uandresbello.edu::d95698a7-632e-4c03-ab0f-564477513d69" providerId="AD" clId="Web-{0C7D88AA-1E6B-DAD5-588B-E8E99FD28D85}" dt="2024-05-26T23:01:33.101" v="2059" actId="1076"/>
         <pc:sldMkLst>
           <pc:docMk/>
           <pc:sldMk cId="2146413309" sldId="307"/>
         </pc:sldMkLst>
         <pc:spChg chg="add mod">
-          <ac:chgData name="PEREZ VERGARA MELANY" userId="S::m.perezvergara@uandresbello.edu::d95698a7-632e-4c03-ab0f-564477513d69" providerId="AD" clId="Web-{0C7D88AA-1E6B-DAD5-588B-E8E99FD28D85}" dt="2024-05-26T22:01:25.911" v="1639" actId="20577"/>
+          <ac:chgData name="PEREZ VERGARA MELANY" userId="S::m.perezvergara@uandresbello.edu::d95698a7-632e-4c03-ab0f-564477513d69" providerId="AD" clId="Web-{0C7D88AA-1E6B-DAD5-588B-E8E99FD28D85}" dt="2024-05-26T23:00:36.067" v="2040" actId="14100"/>
           <ac:spMkLst>
             <pc:docMk/>
             <pc:sldMk cId="2146413309" sldId="307"/>
             <ac:spMk id="3" creationId="{0BAEEE35-569A-C1B1-3DE8-7187348AFB7D}"/>
           </ac:spMkLst>
         </pc:spChg>
+        <pc:spChg chg="add mod">
+          <ac:chgData name="PEREZ VERGARA MELANY" userId="S::m.perezvergara@uandresbello.edu::d95698a7-632e-4c03-ab0f-564477513d69" providerId="AD" clId="Web-{0C7D88AA-1E6B-DAD5-588B-E8E99FD28D85}" dt="2024-05-26T23:00:26.770" v="2038" actId="14100"/>
+          <ac:spMkLst>
+            <pc:docMk/>
+            <pc:sldMk cId="2146413309" sldId="307"/>
+            <ac:spMk id="4" creationId="{5B7B5083-F57A-B985-7ADB-21826FFA6E75}"/>
+          </ac:spMkLst>
+        </pc:spChg>
+        <pc:spChg chg="add mod">
+          <ac:chgData name="PEREZ VERGARA MELANY" userId="S::m.perezvergara@uandresbello.edu::d95698a7-632e-4c03-ab0f-564477513d69" providerId="AD" clId="Web-{0C7D88AA-1E6B-DAD5-588B-E8E99FD28D85}" dt="2024-05-26T23:00:23.676" v="2037" actId="14100"/>
+          <ac:spMkLst>
+            <pc:docMk/>
+            <pc:sldMk cId="2146413309" sldId="307"/>
+            <ac:spMk id="5" creationId="{63B915FF-A735-D93C-6AAE-86AF5336C87F}"/>
+          </ac:spMkLst>
+        </pc:spChg>
+        <pc:spChg chg="add mod">
+          <ac:chgData name="PEREZ VERGARA MELANY" userId="S::m.perezvergara@uandresbello.edu::d95698a7-632e-4c03-ab0f-564477513d69" providerId="AD" clId="Web-{0C7D88AA-1E6B-DAD5-588B-E8E99FD28D85}" dt="2024-05-26T22:59:27.877" v="2022" actId="20577"/>
+          <ac:spMkLst>
+            <pc:docMk/>
+            <pc:sldMk cId="2146413309" sldId="307"/>
+            <ac:spMk id="6" creationId="{C4A2F7C9-0AF4-129F-070F-6E5756021AD2}"/>
+          </ac:spMkLst>
+        </pc:spChg>
+        <pc:picChg chg="add mod">
+          <ac:chgData name="PEREZ VERGARA MELANY" userId="S::m.perezvergara@uandresbello.edu::d95698a7-632e-4c03-ab0f-564477513d69" providerId="AD" clId="Web-{0C7D88AA-1E6B-DAD5-588B-E8E99FD28D85}" dt="2024-05-26T23:01:19.428" v="2056" actId="1076"/>
+          <ac:picMkLst>
+            <pc:docMk/>
+            <pc:sldMk cId="2146413309" sldId="307"/>
+            <ac:picMk id="8" creationId="{B1A89EE9-E8D2-1219-B80A-D87D46B51C10}"/>
+          </ac:picMkLst>
+        </pc:picChg>
+        <pc:picChg chg="add del mod">
+          <ac:chgData name="PEREZ VERGARA MELANY" userId="S::m.perezvergara@uandresbello.edu::d95698a7-632e-4c03-ab0f-564477513d69" providerId="AD" clId="Web-{0C7D88AA-1E6B-DAD5-588B-E8E99FD28D85}" dt="2024-05-26T23:01:12.912" v="2053"/>
+          <ac:picMkLst>
+            <pc:docMk/>
+            <pc:sldMk cId="2146413309" sldId="307"/>
+            <ac:picMk id="9" creationId="{9F8F5E79-7C8E-8F2F-F598-06BBE131F474}"/>
+          </ac:picMkLst>
+        </pc:picChg>
+        <pc:picChg chg="add del mod">
+          <ac:chgData name="PEREZ VERGARA MELANY" userId="S::m.perezvergara@uandresbello.edu::d95698a7-632e-4c03-ab0f-564477513d69" providerId="AD" clId="Web-{0C7D88AA-1E6B-DAD5-588B-E8E99FD28D85}" dt="2024-05-26T23:01:12.131" v="2052"/>
+          <ac:picMkLst>
+            <pc:docMk/>
+            <pc:sldMk cId="2146413309" sldId="307"/>
+            <ac:picMk id="10" creationId="{4C08CF47-A4CB-E7CF-09F9-53F8CD9D9E1E}"/>
+          </ac:picMkLst>
+        </pc:picChg>
+        <pc:picChg chg="add del mod">
+          <ac:chgData name="PEREZ VERGARA MELANY" userId="S::m.perezvergara@uandresbello.edu::d95698a7-632e-4c03-ab0f-564477513d69" providerId="AD" clId="Web-{0C7D88AA-1E6B-DAD5-588B-E8E99FD28D85}" dt="2024-05-26T23:00:56.084" v="2047"/>
+          <ac:picMkLst>
+            <pc:docMk/>
+            <pc:sldMk cId="2146413309" sldId="307"/>
+            <ac:picMk id="11" creationId="{536E4126-7476-84B8-E1E0-C935CF7650A3}"/>
+          </ac:picMkLst>
+        </pc:picChg>
+        <pc:picChg chg="add mod">
+          <ac:chgData name="PEREZ VERGARA MELANY" userId="S::m.perezvergara@uandresbello.edu::d95698a7-632e-4c03-ab0f-564477513d69" providerId="AD" clId="Web-{0C7D88AA-1E6B-DAD5-588B-E8E99FD28D85}" dt="2024-05-26T23:01:29.710" v="2057"/>
+          <ac:picMkLst>
+            <pc:docMk/>
+            <pc:sldMk cId="2146413309" sldId="307"/>
+            <ac:picMk id="12" creationId="{358731CA-9DDB-8429-7152-EF2F915F03A6}"/>
+          </ac:picMkLst>
+        </pc:picChg>
+        <pc:picChg chg="add mod">
+          <ac:chgData name="PEREZ VERGARA MELANY" userId="S::m.perezvergara@uandresbello.edu::d95698a7-632e-4c03-ab0f-564477513d69" providerId="AD" clId="Web-{0C7D88AA-1E6B-DAD5-588B-E8E99FD28D85}" dt="2024-05-26T23:01:33.101" v="2059" actId="1076"/>
+          <ac:picMkLst>
+            <pc:docMk/>
+            <pc:sldMk cId="2146413309" sldId="307"/>
+            <ac:picMk id="13" creationId="{B2E51727-3148-CD7B-EDE9-2BA4043B24B7}"/>
+          </ac:picMkLst>
+        </pc:picChg>
       </pc:sldChg>
-      <pc:sldChg chg="add ord replId">
-        <pc:chgData name="PEREZ VERGARA MELANY" userId="S::m.perezvergara@uandresbello.edu::d95698a7-632e-4c03-ab0f-564477513d69" providerId="AD" clId="Web-{0C7D88AA-1E6B-DAD5-588B-E8E99FD28D85}" dt="2024-05-26T20:58:09.266" v="486"/>
+      <pc:sldChg chg="addSp delSp modSp">
+        <pc:chgData name="PEREZ VERGARA MELANY" userId="S::m.perezvergara@uandresbello.edu::d95698a7-632e-4c03-ab0f-564477513d69" providerId="AD" clId="Web-{0C7D88AA-1E6B-DAD5-588B-E8E99FD28D85}" dt="2024-05-26T22:59:18.299" v="2020"/>
+        <pc:sldMkLst>
+          <pc:docMk/>
+          <pc:sldMk cId="3699663989" sldId="311"/>
+        </pc:sldMkLst>
+        <pc:spChg chg="add">
+          <ac:chgData name="PEREZ VERGARA MELANY" userId="S::m.perezvergara@uandresbello.edu::d95698a7-632e-4c03-ab0f-564477513d69" providerId="AD" clId="Web-{0C7D88AA-1E6B-DAD5-588B-E8E99FD28D85}" dt="2024-05-26T22:58:35.984" v="2007"/>
+          <ac:spMkLst>
+            <pc:docMk/>
+            <pc:sldMk cId="3699663989" sldId="311"/>
+            <ac:spMk id="4" creationId="{71226EC2-9380-CB10-DF4C-32CCBC68E4D3}"/>
+          </ac:spMkLst>
+        </pc:spChg>
+        <pc:picChg chg="add del mod">
+          <ac:chgData name="PEREZ VERGARA MELANY" userId="S::m.perezvergara@uandresbello.edu::d95698a7-632e-4c03-ab0f-564477513d69" providerId="AD" clId="Web-{0C7D88AA-1E6B-DAD5-588B-E8E99FD28D85}" dt="2024-05-26T22:59:18.299" v="2020"/>
+          <ac:picMkLst>
+            <pc:docMk/>
+            <pc:sldMk cId="3699663989" sldId="311"/>
+            <ac:picMk id="5" creationId="{3AE5E017-3F3C-C296-E208-02AE7E1439A2}"/>
+          </ac:picMkLst>
+        </pc:picChg>
+        <pc:picChg chg="add del mod">
+          <ac:chgData name="PEREZ VERGARA MELANY" userId="S::m.perezvergara@uandresbello.edu::d95698a7-632e-4c03-ab0f-564477513d69" providerId="AD" clId="Web-{0C7D88AA-1E6B-DAD5-588B-E8E99FD28D85}" dt="2024-05-26T22:59:18.299" v="2019"/>
+          <ac:picMkLst>
+            <pc:docMk/>
+            <pc:sldMk cId="3699663989" sldId="311"/>
+            <ac:picMk id="6" creationId="{33B2EF7C-6296-D1A4-67A9-DD38D7506D12}"/>
+          </ac:picMkLst>
+        </pc:picChg>
+        <pc:picChg chg="add del mod">
+          <ac:chgData name="PEREZ VERGARA MELANY" userId="S::m.perezvergara@uandresbello.edu::d95698a7-632e-4c03-ab0f-564477513d69" providerId="AD" clId="Web-{0C7D88AA-1E6B-DAD5-588B-E8E99FD28D85}" dt="2024-05-26T22:59:18.299" v="2018"/>
+          <ac:picMkLst>
+            <pc:docMk/>
+            <pc:sldMk cId="3699663989" sldId="311"/>
+            <ac:picMk id="8" creationId="{F4ABB164-2093-0243-7331-B951E79F9F2C}"/>
+          </ac:picMkLst>
+        </pc:picChg>
+      </pc:sldChg>
+      <pc:sldChg chg="addSp delSp modSp ord">
+        <pc:chgData name="PEREZ VERGARA MELANY" userId="S::m.perezvergara@uandresbello.edu::d95698a7-632e-4c03-ab0f-564477513d69" providerId="AD" clId="Web-{0C7D88AA-1E6B-DAD5-588B-E8E99FD28D85}" dt="2024-05-26T22:38:52.033" v="2004"/>
+        <pc:sldMkLst>
+          <pc:docMk/>
+          <pc:sldMk cId="2361542432" sldId="312"/>
+        </pc:sldMkLst>
+        <pc:spChg chg="add del mod">
+          <ac:chgData name="PEREZ VERGARA MELANY" userId="S::m.perezvergara@uandresbello.edu::d95698a7-632e-4c03-ab0f-564477513d69" providerId="AD" clId="Web-{0C7D88AA-1E6B-DAD5-588B-E8E99FD28D85}" dt="2024-05-26T22:38:40.580" v="2002"/>
+          <ac:spMkLst>
+            <pc:docMk/>
+            <pc:sldMk cId="2361542432" sldId="312"/>
+            <ac:spMk id="3" creationId="{EC757A01-89A9-D4E9-171D-F0CCC5E23239}"/>
+          </ac:spMkLst>
+        </pc:spChg>
+        <pc:spChg chg="add mod">
+          <ac:chgData name="PEREZ VERGARA MELANY" userId="S::m.perezvergara@uandresbello.edu::d95698a7-632e-4c03-ab0f-564477513d69" providerId="AD" clId="Web-{0C7D88AA-1E6B-DAD5-588B-E8E99FD28D85}" dt="2024-05-26T22:38:44.549" v="2003" actId="14100"/>
+          <ac:spMkLst>
+            <pc:docMk/>
+            <pc:sldMk cId="2361542432" sldId="312"/>
+            <ac:spMk id="4" creationId="{2484D71F-6E0D-7556-D02A-80D20B19BFE9}"/>
+          </ac:spMkLst>
+        </pc:spChg>
+      </pc:sldChg>
+      <pc:sldChg chg="modSp add ord replId">
+        <pc:chgData name="PEREZ VERGARA MELANY" userId="S::m.perezvergara@uandresbello.edu::d95698a7-632e-4c03-ab0f-564477513d69" providerId="AD" clId="Web-{0C7D88AA-1E6B-DAD5-588B-E8E99FD28D85}" dt="2024-05-26T22:56:57.012" v="2006" actId="20577"/>
         <pc:sldMkLst>
           <pc:docMk/>
           <pc:sldMk cId="923601911" sldId="317"/>
+        </pc:sldMkLst>
+        <pc:spChg chg="mod">
+          <ac:chgData name="PEREZ VERGARA MELANY" userId="S::m.perezvergara@uandresbello.edu::d95698a7-632e-4c03-ab0f-564477513d69" providerId="AD" clId="Web-{0C7D88AA-1E6B-DAD5-588B-E8E99FD28D85}" dt="2024-05-26T22:56:57.012" v="2006" actId="20577"/>
+          <ac:spMkLst>
+            <pc:docMk/>
+            <pc:sldMk cId="923601911" sldId="317"/>
+            <ac:spMk id="3" creationId="{23480A74-8042-3918-FB57-0ABA427747B4}"/>
+          </ac:spMkLst>
+        </pc:spChg>
+      </pc:sldChg>
+      <pc:sldChg chg="add del replId">
+        <pc:chgData name="PEREZ VERGARA MELANY" userId="S::m.perezvergara@uandresbello.edu::d95698a7-632e-4c03-ab0f-564477513d69" providerId="AD" clId="Web-{0C7D88AA-1E6B-DAD5-588B-E8E99FD28D85}" dt="2024-05-26T22:29:02.792" v="1808"/>
+        <pc:sldMkLst>
+          <pc:docMk/>
+          <pc:sldMk cId="119170407" sldId="318"/>
         </pc:sldMkLst>
       </pc:sldChg>
     </pc:docChg>
@@ -3485,7 +3634,7 @@
           <a:p>
             <a:fld id="{80AD1966-643A-ED45-BFF9-B0FE18A32E2B}" type="slidenum">
               <a:rPr lang="es-ES_tradnl" smtClean="0"/>
-              <a:t>‹Nº›</a:t>
+              <a:t>‹#›</a:t>
             </a:fld>
             <a:endParaRPr lang="es-ES_tradnl"/>
           </a:p>
@@ -4672,18 +4821,7 @@
           <a:bodyPr/>
           <a:lstStyle/>
           <a:p>
-            <a:r>
-              <a:rPr lang="es-ES_tradnl"/>
-              <a:t>Primer mach con las conclusiones anteriores, de preferencia mostrar aquí lo </a:t>
-            </a:r>
-            <a:r>
-              <a:rPr lang="es-ES_tradnl" err="1"/>
-              <a:t>faaltante</a:t>
-            </a:r>
-            <a:r>
-              <a:rPr lang="es-ES_tradnl"/>
-              <a:t> de la presentación 1 (LA REGRESION LINEAL)</a:t>
-            </a:r>
+            <a:endParaRPr lang="es-ES_tradnl"/>
           </a:p>
         </p:txBody>
       </p:sp>
@@ -4704,7 +4842,7 @@
           <a:p>
             <a:fld id="{80AD1966-643A-ED45-BFF9-B0FE18A32E2B}" type="slidenum">
               <a:rPr lang="es-ES_tradnl" smtClean="0"/>
-              <a:t>6</a:t>
+              <a:t>7</a:t>
             </a:fld>
             <a:endParaRPr lang="es-ES_tradnl"/>
           </a:p>
@@ -4713,7 +4851,7 @@
     </p:spTree>
     <p:extLst>
       <p:ext uri="{BB962C8B-B14F-4D97-AF65-F5344CB8AC3E}">
-        <p14:creationId xmlns:p14="http://schemas.microsoft.com/office/powerpoint/2010/main" val="1915245970"/>
+        <p14:creationId xmlns:p14="http://schemas.microsoft.com/office/powerpoint/2010/main" val="3081660808"/>
       </p:ext>
     </p:extLst>
   </p:cSld>
@@ -4767,7 +4905,18 @@
           <a:bodyPr/>
           <a:lstStyle/>
           <a:p>
-            <a:endParaRPr lang="es-ES_tradnl"/>
+            <a:r>
+              <a:rPr lang="es-ES_tradnl"/>
+              <a:t>Primer mach con las conclusiones anteriores, de preferencia mostrar aquí lo </a:t>
+            </a:r>
+            <a:r>
+              <a:rPr lang="es-ES_tradnl" err="1"/>
+              <a:t>faaltante</a:t>
+            </a:r>
+            <a:r>
+              <a:rPr lang="es-ES_tradnl"/>
+              <a:t> de la presentación 1 (LA REGRESION LINEAL)</a:t>
+            </a:r>
           </a:p>
         </p:txBody>
       </p:sp>
@@ -4788,7 +4937,7 @@
           <a:p>
             <a:fld id="{80AD1966-643A-ED45-BFF9-B0FE18A32E2B}" type="slidenum">
               <a:rPr lang="es-ES_tradnl" smtClean="0"/>
-              <a:t>7</a:t>
+              <a:t>6</a:t>
             </a:fld>
             <a:endParaRPr lang="es-ES_tradnl"/>
           </a:p>
@@ -4797,7 +4946,7 @@
     </p:spTree>
     <p:extLst>
       <p:ext uri="{BB962C8B-B14F-4D97-AF65-F5344CB8AC3E}">
-        <p14:creationId xmlns:p14="http://schemas.microsoft.com/office/powerpoint/2010/main" val="3081660808"/>
+        <p14:creationId xmlns:p14="http://schemas.microsoft.com/office/powerpoint/2010/main" val="1915245970"/>
       </p:ext>
     </p:extLst>
   </p:cSld>
@@ -5148,7 +5297,7 @@
           <a:p>
             <a:fld id="{3352F6F5-E16D-F340-A90C-ABCF032D59B6}" type="slidenum">
               <a:rPr lang="es-ES_tradnl" smtClean="0"/>
-              <a:t>‹Nº›</a:t>
+              <a:t>‹#›</a:t>
             </a:fld>
             <a:endParaRPr lang="es-ES_tradnl"/>
           </a:p>
@@ -5313,7 +5462,7 @@
           <a:p>
             <a:fld id="{3352F6F5-E16D-F340-A90C-ABCF032D59B6}" type="slidenum">
               <a:rPr lang="es-ES_tradnl" smtClean="0"/>
-              <a:t>‹Nº›</a:t>
+              <a:t>‹#›</a:t>
             </a:fld>
             <a:endParaRPr lang="es-ES_tradnl"/>
           </a:p>
@@ -5488,7 +5637,7 @@
           <a:p>
             <a:fld id="{3352F6F5-E16D-F340-A90C-ABCF032D59B6}" type="slidenum">
               <a:rPr lang="es-ES_tradnl" smtClean="0"/>
-              <a:t>‹Nº›</a:t>
+              <a:t>‹#›</a:t>
             </a:fld>
             <a:endParaRPr lang="es-ES_tradnl"/>
           </a:p>
@@ -5653,7 +5802,7 @@
           <a:p>
             <a:fld id="{3352F6F5-E16D-F340-A90C-ABCF032D59B6}" type="slidenum">
               <a:rPr lang="es-ES_tradnl" smtClean="0"/>
-              <a:t>‹Nº›</a:t>
+              <a:t>‹#›</a:t>
             </a:fld>
             <a:endParaRPr lang="es-ES_tradnl"/>
           </a:p>
@@ -5892,7 +6041,7 @@
           <a:p>
             <a:fld id="{3352F6F5-E16D-F340-A90C-ABCF032D59B6}" type="slidenum">
               <a:rPr lang="es-ES_tradnl" smtClean="0"/>
-              <a:t>‹Nº›</a:t>
+              <a:t>‹#›</a:t>
             </a:fld>
             <a:endParaRPr lang="es-ES_tradnl"/>
           </a:p>
@@ -6119,7 +6268,7 @@
           <a:p>
             <a:fld id="{3352F6F5-E16D-F340-A90C-ABCF032D59B6}" type="slidenum">
               <a:rPr lang="es-ES_tradnl" smtClean="0"/>
-              <a:t>‹Nº›</a:t>
+              <a:t>‹#›</a:t>
             </a:fld>
             <a:endParaRPr lang="es-ES_tradnl"/>
           </a:p>
@@ -6481,7 +6630,7 @@
           <a:p>
             <a:fld id="{3352F6F5-E16D-F340-A90C-ABCF032D59B6}" type="slidenum">
               <a:rPr lang="es-ES_tradnl" smtClean="0"/>
-              <a:t>‹Nº›</a:t>
+              <a:t>‹#›</a:t>
             </a:fld>
             <a:endParaRPr lang="es-ES_tradnl"/>
           </a:p>
@@ -6594,7 +6743,7 @@
           <a:p>
             <a:fld id="{3352F6F5-E16D-F340-A90C-ABCF032D59B6}" type="slidenum">
               <a:rPr lang="es-ES_tradnl" smtClean="0"/>
-              <a:t>‹Nº›</a:t>
+              <a:t>‹#›</a:t>
             </a:fld>
             <a:endParaRPr lang="es-ES_tradnl"/>
           </a:p>
@@ -6684,7 +6833,7 @@
           <a:p>
             <a:fld id="{3352F6F5-E16D-F340-A90C-ABCF032D59B6}" type="slidenum">
               <a:rPr lang="es-ES_tradnl" smtClean="0"/>
-              <a:t>‹Nº›</a:t>
+              <a:t>‹#›</a:t>
             </a:fld>
             <a:endParaRPr lang="es-ES_tradnl"/>
           </a:p>
@@ -6956,7 +7105,7 @@
           <a:p>
             <a:fld id="{3352F6F5-E16D-F340-A90C-ABCF032D59B6}" type="slidenum">
               <a:rPr lang="es-ES_tradnl" smtClean="0"/>
-              <a:t>‹Nº›</a:t>
+              <a:t>‹#›</a:t>
             </a:fld>
             <a:endParaRPr lang="es-ES_tradnl"/>
           </a:p>
@@ -7208,7 +7357,7 @@
           <a:p>
             <a:fld id="{3352F6F5-E16D-F340-A90C-ABCF032D59B6}" type="slidenum">
               <a:rPr lang="es-ES_tradnl" smtClean="0"/>
-              <a:t>‹Nº›</a:t>
+              <a:t>‹#›</a:t>
             </a:fld>
             <a:endParaRPr lang="es-ES_tradnl"/>
           </a:p>
@@ -7452,7 +7601,7 @@
           <a:p>
             <a:fld id="{3352F6F5-E16D-F340-A90C-ABCF032D59B6}" type="slidenum">
               <a:rPr lang="es-ES_tradnl" smtClean="0"/>
-              <a:t>‹Nº›</a:t>
+              <a:t>‹#›</a:t>
             </a:fld>
             <a:endParaRPr lang="es-ES_tradnl"/>
           </a:p>
@@ -11570,7 +11719,7 @@
           <a:lstStyle/>
           <a:p>
             <a:r>
-              <a:rPr lang="es-CL" sz="2400">
+              <a:rPr lang="es-CL" sz="2400" dirty="0">
                 <a:solidFill>
                   <a:srgbClr val="19202E"/>
                 </a:solidFill>
@@ -11578,32 +11727,10 @@
                 <a:ea typeface="Calibri"/>
                 <a:cs typeface="Segoe UI"/>
               </a:rPr>
-              <a:t>Es una </a:t>
-            </a:r>
-            <a:r>
-              <a:rPr lang="es-CL" sz="2400" err="1">
-                <a:solidFill>
-                  <a:srgbClr val="19202E"/>
-                </a:solidFill>
-                <a:latin typeface="Segoe UI"/>
-                <a:ea typeface="Calibri"/>
-                <a:cs typeface="Segoe UI"/>
-              </a:rPr>
-              <a:t>tecnica</a:t>
-            </a:r>
-            <a:r>
-              <a:rPr lang="es-CL" sz="2400">
-                <a:solidFill>
-                  <a:srgbClr val="19202E"/>
-                </a:solidFill>
-                <a:latin typeface="Segoe UI"/>
-                <a:ea typeface="Calibri"/>
-                <a:cs typeface="Segoe UI"/>
-              </a:rPr>
-              <a:t> aplicada en la rama del Machine </a:t>
-            </a:r>
-            <a:r>
-              <a:rPr lang="es-CL" sz="2400" err="1">
+              <a:t>Es una técnica aplicada en la rama del Machine </a:t>
+            </a:r>
+            <a:r>
+              <a:rPr lang="es-CL" sz="2400" dirty="0" err="1">
                 <a:solidFill>
                   <a:srgbClr val="19202E"/>
                 </a:solidFill>
@@ -11614,7 +11741,7 @@
               <a:t>Learning</a:t>
             </a:r>
             <a:r>
-              <a:rPr lang="es-CL" sz="2400">
+              <a:rPr lang="es-CL" sz="2400" dirty="0">
                 <a:solidFill>
                   <a:srgbClr val="19202E"/>
                 </a:solidFill>
@@ -11625,7 +11752,7 @@
               <a:t> en la que se aplican el uso de algoritmos definiendo que debe o no aprender en una serie de datos etiquetados </a:t>
             </a:r>
             <a:r>
-              <a:rPr lang="es-CL" sz="2400" err="1">
+              <a:rPr lang="es-CL" sz="2400" dirty="0" err="1">
                 <a:solidFill>
                   <a:srgbClr val="19202E"/>
                 </a:solidFill>
@@ -11636,7 +11763,7 @@
               <a:t>tambien</a:t>
             </a:r>
             <a:r>
-              <a:rPr lang="es-CL" sz="2400">
+              <a:rPr lang="es-CL" sz="2400" dirty="0">
                 <a:solidFill>
                   <a:srgbClr val="19202E"/>
                 </a:solidFill>
@@ -11647,7 +11774,7 @@
               <a:t> llamados conjunto de entrenamiento que permiten definir una </a:t>
             </a:r>
             <a:r>
-              <a:rPr lang="es-CL" sz="2400" err="1">
+              <a:rPr lang="es-CL" sz="2400" dirty="0" err="1">
                 <a:solidFill>
                   <a:srgbClr val="19202E"/>
                 </a:solidFill>
@@ -11658,7 +11785,7 @@
               <a:t>funcion</a:t>
             </a:r>
             <a:r>
-              <a:rPr lang="es-CL" sz="2400">
+              <a:rPr lang="es-CL" sz="2400" dirty="0">
                 <a:solidFill>
                   <a:srgbClr val="19202E"/>
                 </a:solidFill>
@@ -11669,7 +11796,7 @@
               <a:t> predictiva y enseñar al modelo a predecir los resultados con </a:t>
             </a:r>
             <a:r>
-              <a:rPr lang="es-CL" sz="2400" err="1">
+              <a:rPr lang="es-CL" sz="2400" dirty="0" err="1">
                 <a:solidFill>
                   <a:srgbClr val="19202E"/>
                 </a:solidFill>
@@ -11680,7 +11807,7 @@
               <a:t>precision</a:t>
             </a:r>
             <a:r>
-              <a:rPr lang="es-CL" sz="2400">
+              <a:rPr lang="es-CL" sz="2400" dirty="0">
                 <a:solidFill>
                   <a:srgbClr val="19202E"/>
                 </a:solidFill>
@@ -11936,8 +12063,8 @@
         </p:nvSpPr>
         <p:spPr>
           <a:xfrm>
-            <a:off x="973101" y="1083913"/>
-            <a:ext cx="6846427" cy="3785652"/>
+            <a:off x="-4559" y="810743"/>
+            <a:ext cx="3007672" cy="5234225"/>
           </a:xfrm>
           <a:prstGeom prst="rect">
             <a:avLst/>
@@ -12047,8 +12174,12 @@
             </a:lvl9pPr>
           </a:lstStyle>
           <a:p>
-            <a:r>
-              <a:rPr lang="es-CL" sz="2400">
+            <a:pPr marL="342900" indent="-342900">
+              <a:buFont typeface="Arial"/>
+              <a:buChar char="•"/>
+            </a:pPr>
+            <a:r>
+              <a:rPr lang="es-CL" sz="2400" b="1" dirty="0">
                 <a:solidFill>
                   <a:srgbClr val="19202E"/>
                 </a:solidFill>
@@ -12056,11 +12187,56 @@
                 <a:ea typeface="Calibri"/>
                 <a:cs typeface="Segoe UI"/>
               </a:rPr>
-              <a:t>En el caso de estudio presente trabajamos un modelo de Regresión lineal, para el cual aplicamos los siguientes algoritmos:</a:t>
-            </a:r>
-          </a:p>
-          <a:p>
-            <a:endParaRPr lang="es-CL" sz="2400">
+              <a:t>Regresión lineal </a:t>
+            </a:r>
+            <a:r>
+              <a:rPr lang="es-CL" sz="2400" b="1" err="1">
+                <a:solidFill>
+                  <a:srgbClr val="19202E"/>
+                </a:solidFill>
+                <a:latin typeface="Segoe UI"/>
+                <a:ea typeface="Calibri"/>
+                <a:cs typeface="Segoe UI"/>
+              </a:rPr>
+              <a:t>multiple</a:t>
+            </a:r>
+            <a:r>
+              <a:rPr lang="es-CL" sz="2400" dirty="0">
+                <a:solidFill>
+                  <a:srgbClr val="19202E"/>
+                </a:solidFill>
+                <a:latin typeface="Segoe UI"/>
+                <a:ea typeface="Calibri"/>
+                <a:cs typeface="Segoe UI"/>
+              </a:rPr>
+              <a:t>: Modela la relación entre una variable dependiente y una o mas independientes mediante una </a:t>
+            </a:r>
+            <a:r>
+              <a:rPr lang="es-CL" sz="2400" err="1">
+                <a:solidFill>
+                  <a:srgbClr val="19202E"/>
+                </a:solidFill>
+                <a:latin typeface="Segoe UI"/>
+                <a:ea typeface="Calibri"/>
+                <a:cs typeface="Segoe UI"/>
+              </a:rPr>
+              <a:t>linea</a:t>
+            </a:r>
+            <a:r>
+              <a:rPr lang="es-CL" sz="2400" dirty="0">
+                <a:solidFill>
+                  <a:srgbClr val="19202E"/>
+                </a:solidFill>
+                <a:latin typeface="Segoe UI"/>
+                <a:ea typeface="Calibri"/>
+                <a:cs typeface="Segoe UI"/>
+              </a:rPr>
+              <a:t> recta, permite predecir valores continuos basado en datos observados. </a:t>
+            </a:r>
+            <a:endParaRPr lang="en-US"/>
+          </a:p>
+          <a:p>
+            <a:endParaRPr lang="es-CL" sz="2400" dirty="0">
               <a:solidFill>
                 <a:srgbClr val="19202E"/>
               </a:solidFill>
@@ -12069,80 +12245,422 @@
               <a:cs typeface="Segoe UI"/>
             </a:endParaRPr>
           </a:p>
-          <a:p>
-            <a:r>
-              <a:rPr lang="es-CL" sz="2400">
+        </p:txBody>
+      </p:sp>
+      <p:sp>
+        <p:nvSpPr>
+          <p:cNvPr id="4" name="TextBox 3">
+            <a:extLst>
+              <a:ext uri="{FF2B5EF4-FFF2-40B4-BE49-F238E27FC236}">
+                <a16:creationId xmlns:a16="http://schemas.microsoft.com/office/drawing/2014/main" id="{5B7B5083-F57A-B985-7ADB-21826FFA6E75}"/>
+              </a:ext>
+            </a:extLst>
+          </p:cNvPr>
+          <p:cNvSpPr txBox="1"/>
+          <p:nvPr/>
+        </p:nvSpPr>
+        <p:spPr>
+          <a:xfrm>
+            <a:off x="2797834" y="813759"/>
+            <a:ext cx="3217652" cy="4524315"/>
+          </a:xfrm>
+          <a:prstGeom prst="rect">
+            <a:avLst/>
+          </a:prstGeom>
+          <a:noFill/>
+        </p:spPr>
+        <p:txBody>
+          <a:bodyPr rot="0" spcFirstLastPara="0" vertOverflow="overflow" horzOverflow="overflow" vert="horz" wrap="square" lIns="91440" tIns="45720" rIns="91440" bIns="45720" numCol="1" spcCol="0" rtlCol="0" fromWordArt="0" anchor="t" anchorCtr="0" forceAA="0" compatLnSpc="1">
+            <a:prstTxWarp prst="textNoShape">
+              <a:avLst/>
+            </a:prstTxWarp>
+            <a:spAutoFit/>
+          </a:bodyPr>
+          <a:lstStyle/>
+          <a:p>
+            <a:pPr marL="342900" indent="-342900">
+              <a:buFont typeface="Arial"/>
+              <a:buChar char="•"/>
+            </a:pPr>
+            <a:r>
+              <a:rPr lang="es-CL" sz="2400" b="1" dirty="0" err="1">
                 <a:solidFill>
                   <a:srgbClr val="19202E"/>
                 </a:solidFill>
                 <a:latin typeface="Segoe UI"/>
-                <a:ea typeface="Calibri"/>
-                <a:cs typeface="Segoe UI"/>
-              </a:rPr>
-              <a:t>Regresión lineal </a:t>
-            </a:r>
-            <a:r>
-              <a:rPr lang="es-CL" sz="2400" err="1">
-                <a:solidFill>
-                  <a:srgbClr val="19202E"/>
-                </a:solidFill>
-                <a:latin typeface="Segoe UI"/>
-                <a:ea typeface="Calibri"/>
-                <a:cs typeface="Segoe UI"/>
-              </a:rPr>
-              <a:t>multiple</a:t>
-            </a:r>
-            <a:r>
-              <a:rPr lang="es-CL" sz="2400">
-                <a:solidFill>
-                  <a:srgbClr val="19202E"/>
-                </a:solidFill>
-                <a:latin typeface="Segoe UI"/>
-                <a:ea typeface="Calibri"/>
-                <a:cs typeface="Segoe UI"/>
-              </a:rPr>
-              <a:t>: Modela la relación entre una variable dependiente y una o mas independientes mediante una linea recta, permite </a:t>
-            </a:r>
-          </a:p>
-          <a:p>
-            <a:r>
-              <a:rPr lang="es-CL" sz="2400" err="1">
-                <a:solidFill>
-                  <a:srgbClr val="19202E"/>
-                </a:solidFill>
-                <a:latin typeface="Segoe UI"/>
-                <a:ea typeface="Calibri"/>
-                <a:cs typeface="Segoe UI"/>
               </a:rPr>
               <a:t>Arbol</a:t>
             </a:r>
             <a:r>
-              <a:rPr lang="es-CL" sz="2400">
+              <a:rPr lang="es-CL" sz="2400" b="1" dirty="0">
                 <a:solidFill>
                   <a:srgbClr val="19202E"/>
                 </a:solidFill>
                 <a:latin typeface="Segoe UI"/>
-                <a:ea typeface="Calibri"/>
-                <a:cs typeface="Segoe UI"/>
               </a:rPr>
-              <a:t> de decisón:</a:t>
-            </a:r>
-          </a:p>
-          <a:p>
-            <a:r>
-              <a:rPr lang="es-CL" sz="2400">
+              <a:t> de </a:t>
+            </a:r>
+            <a:r>
+              <a:rPr lang="es-CL" sz="2400" b="1" dirty="0" err="1">
                 <a:solidFill>
                   <a:srgbClr val="19202E"/>
                 </a:solidFill>
                 <a:latin typeface="Segoe UI"/>
-                <a:ea typeface="Calibri"/>
-                <a:cs typeface="Segoe UI"/>
               </a:rPr>
-              <a:t>Redes Neuronales:</a:t>
-            </a:r>
+              <a:t>decisón</a:t>
+            </a:r>
+            <a:r>
+              <a:rPr lang="es-CL" sz="2400" b="1" dirty="0">
+                <a:solidFill>
+                  <a:srgbClr val="19202E"/>
+                </a:solidFill>
+                <a:latin typeface="Segoe UI"/>
+              </a:rPr>
+              <a:t>:</a:t>
+            </a:r>
+            <a:r>
+              <a:rPr lang="es-CL" sz="2400" dirty="0">
+                <a:solidFill>
+                  <a:srgbClr val="19202E"/>
+                </a:solidFill>
+                <a:latin typeface="Segoe UI"/>
+              </a:rPr>
+              <a:t> modelo no paramétrico con estructura en forma de </a:t>
+            </a:r>
+            <a:r>
+              <a:rPr lang="es-CL" sz="2400" dirty="0" err="1">
+                <a:solidFill>
+                  <a:srgbClr val="19202E"/>
+                </a:solidFill>
+                <a:latin typeface="Segoe UI"/>
+              </a:rPr>
+              <a:t>arbol</a:t>
+            </a:r>
+            <a:r>
+              <a:rPr lang="es-CL" sz="2400" dirty="0">
+                <a:solidFill>
+                  <a:srgbClr val="19202E"/>
+                </a:solidFill>
+                <a:latin typeface="Segoe UI"/>
+              </a:rPr>
+              <a:t> </a:t>
+            </a:r>
+            <a:r>
+              <a:rPr lang="es-CL" sz="2400" dirty="0" err="1">
+                <a:solidFill>
+                  <a:srgbClr val="19202E"/>
+                </a:solidFill>
+                <a:latin typeface="Segoe UI"/>
+              </a:rPr>
+              <a:t>qudonde</a:t>
+            </a:r>
+            <a:r>
+              <a:rPr lang="es-CL" sz="2400" dirty="0">
+                <a:solidFill>
+                  <a:srgbClr val="19202E"/>
+                </a:solidFill>
+                <a:latin typeface="Segoe UI"/>
+              </a:rPr>
+              <a:t> se crean reglas de </a:t>
+            </a:r>
+            <a:r>
+              <a:rPr lang="es-CL" sz="2400" dirty="0" err="1">
+                <a:solidFill>
+                  <a:srgbClr val="19202E"/>
+                </a:solidFill>
+                <a:latin typeface="Segoe UI"/>
+              </a:rPr>
+              <a:t>decision</a:t>
+            </a:r>
+            <a:r>
+              <a:rPr lang="es-CL" sz="2400" dirty="0">
+                <a:solidFill>
+                  <a:srgbClr val="19202E"/>
+                </a:solidFill>
+                <a:latin typeface="Segoe UI"/>
+              </a:rPr>
+              <a:t> y clasifica o predice valores a partir de datos mediante la </a:t>
+            </a:r>
+            <a:r>
+              <a:rPr lang="es-CL" sz="2400" dirty="0" err="1">
+                <a:solidFill>
+                  <a:srgbClr val="19202E"/>
+                </a:solidFill>
+                <a:latin typeface="Segoe UI"/>
+              </a:rPr>
+              <a:t>division</a:t>
+            </a:r>
+            <a:r>
+              <a:rPr lang="es-CL" sz="2400" dirty="0">
+                <a:solidFill>
+                  <a:srgbClr val="19202E"/>
+                </a:solidFill>
+                <a:latin typeface="Segoe UI"/>
+              </a:rPr>
+              <a:t> recursiva del </a:t>
+            </a:r>
+            <a:r>
+              <a:rPr lang="es-CL" sz="2400" dirty="0" err="1">
+                <a:solidFill>
+                  <a:srgbClr val="19202E"/>
+                </a:solidFill>
+                <a:latin typeface="Segoe UI"/>
+              </a:rPr>
+              <a:t>cojunto</a:t>
+            </a:r>
+            <a:r>
+              <a:rPr lang="es-CL" sz="2400" dirty="0">
+                <a:solidFill>
+                  <a:srgbClr val="19202E"/>
+                </a:solidFill>
+                <a:latin typeface="Segoe UI"/>
+              </a:rPr>
+              <a:t>.</a:t>
+            </a:r>
+            <a:endParaRPr lang="en-US" dirty="0">
+              <a:cs typeface="Calibri" panose="020F0502020204030204"/>
+            </a:endParaRPr>
           </a:p>
         </p:txBody>
       </p:sp>
+      <p:sp>
+        <p:nvSpPr>
+          <p:cNvPr id="5" name="TextBox 4">
+            <a:extLst>
+              <a:ext uri="{FF2B5EF4-FFF2-40B4-BE49-F238E27FC236}">
+                <a16:creationId xmlns:a16="http://schemas.microsoft.com/office/drawing/2014/main" id="{63B915FF-A735-D93C-6AAE-86AF5336C87F}"/>
+              </a:ext>
+            </a:extLst>
+          </p:cNvPr>
+          <p:cNvSpPr txBox="1"/>
+          <p:nvPr/>
+        </p:nvSpPr>
+        <p:spPr>
+          <a:xfrm>
+            <a:off x="6162136" y="799381"/>
+            <a:ext cx="2987615" cy="5228156"/>
+          </a:xfrm>
+          <a:prstGeom prst="rect">
+            <a:avLst/>
+          </a:prstGeom>
+          <a:noFill/>
+        </p:spPr>
+        <p:txBody>
+          <a:bodyPr rot="0" spcFirstLastPara="0" vertOverflow="overflow" horzOverflow="overflow" vert="horz" wrap="square" lIns="91440" tIns="45720" rIns="91440" bIns="45720" numCol="1" spcCol="0" rtlCol="0" fromWordArt="0" anchor="t" anchorCtr="0" forceAA="0" compatLnSpc="1">
+            <a:prstTxWarp prst="textNoShape">
+              <a:avLst/>
+            </a:prstTxWarp>
+            <a:spAutoFit/>
+          </a:bodyPr>
+          <a:lstStyle/>
+          <a:p>
+            <a:r>
+              <a:rPr lang="es-CL" sz="2400" b="1" dirty="0">
+                <a:solidFill>
+                  <a:srgbClr val="19202E"/>
+                </a:solidFill>
+                <a:latin typeface="Segoe UI"/>
+              </a:rPr>
+              <a:t>Redes Neuronales: </a:t>
+            </a:r>
+            <a:r>
+              <a:rPr lang="es-CL" sz="2400" dirty="0">
+                <a:solidFill>
+                  <a:srgbClr val="19202E"/>
+                </a:solidFill>
+                <a:latin typeface="Segoe UI"/>
+              </a:rPr>
+              <a:t>Modelo de Aprendizaje </a:t>
+            </a:r>
+            <a:r>
+              <a:rPr lang="es-CL" sz="2400" dirty="0" err="1">
+                <a:solidFill>
+                  <a:srgbClr val="19202E"/>
+                </a:solidFill>
+                <a:latin typeface="Segoe UI"/>
+              </a:rPr>
+              <a:t>automatico</a:t>
+            </a:r>
+            <a:r>
+              <a:rPr lang="es-CL" sz="2400" dirty="0">
+                <a:solidFill>
+                  <a:srgbClr val="19202E"/>
+                </a:solidFill>
+                <a:latin typeface="Segoe UI"/>
+              </a:rPr>
+              <a:t> que imita el funcionamiento </a:t>
+            </a:r>
+            <a:r>
+              <a:rPr lang="es-CL" sz="2400" dirty="0" err="1">
+                <a:solidFill>
+                  <a:srgbClr val="19202E"/>
+                </a:solidFill>
+                <a:latin typeface="Segoe UI"/>
+              </a:rPr>
+              <a:t>dle</a:t>
+            </a:r>
+            <a:r>
+              <a:rPr lang="es-CL" sz="2400" dirty="0">
+                <a:solidFill>
+                  <a:srgbClr val="19202E"/>
+                </a:solidFill>
+                <a:latin typeface="Segoe UI"/>
+              </a:rPr>
+              <a:t> cerebro humano, aplica unidades de procesamiento que se organizan en capas interconectadas.</a:t>
+            </a:r>
+            <a:endParaRPr lang="es-CL" sz="2400" dirty="0">
+              <a:solidFill>
+                <a:srgbClr val="000000"/>
+              </a:solidFill>
+              <a:latin typeface="Segoe UI"/>
+              <a:cs typeface="Segoe UI"/>
+            </a:endParaRPr>
+          </a:p>
+          <a:p>
+            <a:endParaRPr lang="en-US">
+              <a:cs typeface="Calibri"/>
+            </a:endParaRPr>
+          </a:p>
+        </p:txBody>
+      </p:sp>
+      <p:sp>
+        <p:nvSpPr>
+          <p:cNvPr id="6" name="TextBox 5">
+            <a:extLst>
+              <a:ext uri="{FF2B5EF4-FFF2-40B4-BE49-F238E27FC236}">
+                <a16:creationId xmlns:a16="http://schemas.microsoft.com/office/drawing/2014/main" id="{C4A2F7C9-0AF4-129F-070F-6E5756021AD2}"/>
+              </a:ext>
+            </a:extLst>
+          </p:cNvPr>
+          <p:cNvSpPr txBox="1"/>
+          <p:nvPr/>
+        </p:nvSpPr>
+        <p:spPr>
+          <a:xfrm>
+            <a:off x="8628" y="8627"/>
+            <a:ext cx="9026104" cy="769441"/>
+          </a:xfrm>
+          <a:prstGeom prst="rect">
+            <a:avLst/>
+          </a:prstGeom>
+          <a:noFill/>
+        </p:spPr>
+        <p:txBody>
+          <a:bodyPr rot="0" spcFirstLastPara="0" vertOverflow="overflow" horzOverflow="overflow" vert="horz" wrap="square" lIns="91440" tIns="45720" rIns="91440" bIns="45720" numCol="1" spcCol="0" rtlCol="0" fromWordArt="0" anchor="t" anchorCtr="0" forceAA="0" compatLnSpc="1">
+            <a:prstTxWarp prst="textNoShape">
+              <a:avLst/>
+            </a:prstTxWarp>
+            <a:spAutoFit/>
+          </a:bodyPr>
+          <a:lstStyle/>
+          <a:p>
+            <a:r>
+              <a:rPr lang="es-CL" sz="2200" b="1" dirty="0">
+                <a:solidFill>
+                  <a:schemeClr val="bg1"/>
+                </a:solidFill>
+                <a:latin typeface="Segoe UI"/>
+              </a:rPr>
+              <a:t>En el caso de estudio presente trabajamos un modelo de Regresión lineal, para el cual aplicamos los siguientes algoritmos:</a:t>
+            </a:r>
+            <a:endParaRPr lang="en-US" sz="2200" b="1" dirty="0">
+              <a:solidFill>
+                <a:schemeClr val="bg1"/>
+              </a:solidFill>
+            </a:endParaRPr>
+          </a:p>
+        </p:txBody>
+      </p:sp>
+      <p:pic>
+        <p:nvPicPr>
+          <p:cNvPr id="8" name="Picture 7" descr="A network with colored dots and lines&#10;&#10;Description automatically generated">
+            <a:extLst>
+              <a:ext uri="{FF2B5EF4-FFF2-40B4-BE49-F238E27FC236}">
+                <a16:creationId xmlns:a16="http://schemas.microsoft.com/office/drawing/2014/main" id="{B1A89EE9-E8D2-1219-B80A-D87D46B51C10}"/>
+              </a:ext>
+            </a:extLst>
+          </p:cNvPr>
+          <p:cNvPicPr>
+            <a:picLocks noChangeAspect="1"/>
+          </p:cNvPicPr>
+          <p:nvPr/>
+        </p:nvPicPr>
+        <p:blipFill>
+          <a:blip r:embed="rId5"/>
+          <a:stretch>
+            <a:fillRect/>
+          </a:stretch>
+        </p:blipFill>
+        <p:spPr>
+          <a:xfrm>
+            <a:off x="6009735" y="4812551"/>
+            <a:ext cx="3939398" cy="2049313"/>
+          </a:xfrm>
+          <a:prstGeom prst="rect">
+            <a:avLst/>
+          </a:prstGeom>
+        </p:spPr>
+      </p:pic>
+      <p:pic>
+        <p:nvPicPr>
+          <p:cNvPr id="12" name="Picture 11" descr="A red arrow pointing up&#10;&#10;Description automatically generated">
+            <a:extLst>
+              <a:ext uri="{FF2B5EF4-FFF2-40B4-BE49-F238E27FC236}">
+                <a16:creationId xmlns:a16="http://schemas.microsoft.com/office/drawing/2014/main" id="{358731CA-9DDB-8429-7152-EF2F915F03A6}"/>
+              </a:ext>
+            </a:extLst>
+          </p:cNvPr>
+          <p:cNvPicPr>
+            <a:picLocks noChangeAspect="1"/>
+          </p:cNvPicPr>
+          <p:nvPr/>
+        </p:nvPicPr>
+        <p:blipFill>
+          <a:blip r:embed="rId6"/>
+          <a:stretch>
+            <a:fillRect/>
+          </a:stretch>
+        </p:blipFill>
+        <p:spPr>
+          <a:xfrm>
+            <a:off x="7831248" y="4187228"/>
+            <a:ext cx="4572000" cy="2571750"/>
+          </a:xfrm>
+          <a:prstGeom prst="rect">
+            <a:avLst/>
+          </a:prstGeom>
+        </p:spPr>
+      </p:pic>
+      <p:pic>
+        <p:nvPicPr>
+          <p:cNvPr id="13" name="Picture 12" descr="A group of colorful dots&#10;&#10;Description automatically generated">
+            <a:extLst>
+              <a:ext uri="{FF2B5EF4-FFF2-40B4-BE49-F238E27FC236}">
+                <a16:creationId xmlns:a16="http://schemas.microsoft.com/office/drawing/2014/main" id="{B2E51727-3148-CD7B-EDE9-2BA4043B24B7}"/>
+              </a:ext>
+            </a:extLst>
+          </p:cNvPr>
+          <p:cNvPicPr>
+            <a:picLocks noChangeAspect="1"/>
+          </p:cNvPicPr>
+          <p:nvPr/>
+        </p:nvPicPr>
+        <p:blipFill>
+          <a:blip r:embed="rId7"/>
+          <a:stretch>
+            <a:fillRect/>
+          </a:stretch>
+        </p:blipFill>
+        <p:spPr>
+          <a:xfrm>
+            <a:off x="2285181" y="4550256"/>
+            <a:ext cx="4572000" cy="2571750"/>
+          </a:xfrm>
+          <a:prstGeom prst="rect">
+            <a:avLst/>
+          </a:prstGeom>
+        </p:spPr>
+      </p:pic>
     </p:spTree>
     <p:extLst>
       <p:ext uri="{BB962C8B-B14F-4D97-AF65-F5344CB8AC3E}">
@@ -12234,10 +12752,10 @@
       </p:pic>
       <p:sp>
         <p:nvSpPr>
-          <p:cNvPr id="3" name="TextBox 2">
+          <p:cNvPr id="4" name="TextBox 3">
             <a:extLst>
               <a:ext uri="{FF2B5EF4-FFF2-40B4-BE49-F238E27FC236}">
-                <a16:creationId xmlns:a16="http://schemas.microsoft.com/office/drawing/2014/main" id="{70866F9F-102C-0AFC-BCE5-4E8C73321E74}"/>
+                <a16:creationId xmlns:a16="http://schemas.microsoft.com/office/drawing/2014/main" id="{2484D71F-6E0D-7556-D02A-80D20B19BFE9}"/>
               </a:ext>
             </a:extLst>
           </p:cNvPr>
@@ -12246,8 +12764,8 @@
         </p:nvSpPr>
         <p:spPr>
           <a:xfrm>
-            <a:off x="973101" y="1083913"/>
-            <a:ext cx="6846427" cy="5170646"/>
+            <a:off x="914400" y="799381"/>
+            <a:ext cx="5000445" cy="3046988"/>
           </a:xfrm>
           <a:prstGeom prst="rect">
             <a:avLst/>
@@ -12264,130 +12782,83 @@
           <a:lstStyle/>
           <a:p>
             <a:r>
-              <a:rPr lang="es-CL" sz="2400" err="1">
+              <a:rPr lang="es-CL" sz="2400" dirty="0">
                 <a:solidFill>
                   <a:srgbClr val="19202E"/>
                 </a:solidFill>
                 <a:latin typeface="Segoe UI"/>
                 <a:cs typeface="Segoe UI"/>
               </a:rPr>
-              <a:t>Slide</a:t>
-            </a:r>
-            <a:r>
-              <a:rPr lang="es-CL" sz="2400">
+              <a:t>En el caso de conjunto de datos de diamantes, donde la variable de precio es dependiente y las </a:t>
+            </a:r>
+            <a:r>
+              <a:rPr lang="es-CL" sz="2400" dirty="0" err="1">
                 <a:solidFill>
                   <a:srgbClr val="19202E"/>
                 </a:solidFill>
                 <a:latin typeface="Segoe UI"/>
                 <a:cs typeface="Segoe UI"/>
               </a:rPr>
-              <a:t> 1: Logo de la universidad, facultad, Carrera, Nombre de integrantes del grupo.</a:t>
-            </a:r>
-            <a:endParaRPr lang="en-US" sz="2400">
-              <a:solidFill>
-                <a:srgbClr val="19202E"/>
-              </a:solidFill>
-              <a:latin typeface="Segoe UI"/>
-              <a:cs typeface="Segoe UI"/>
-            </a:endParaRPr>
-          </a:p>
-          <a:p>
-            <a:r>
-              <a:rPr lang="es-CL" sz="2400" err="1">
+              <a:t>demas</a:t>
+            </a:r>
+            <a:r>
+              <a:rPr lang="es-CL" sz="2400" dirty="0">
                 <a:solidFill>
                   <a:srgbClr val="19202E"/>
                 </a:solidFill>
                 <a:latin typeface="Segoe UI"/>
                 <a:cs typeface="Segoe UI"/>
               </a:rPr>
-              <a:t>Slide</a:t>
-            </a:r>
-            <a:r>
-              <a:rPr lang="es-CL" sz="2400">
+              <a:t> son independientes, el tipo de problema a resolver s el de regresión, se busca </a:t>
+            </a:r>
+            <a:r>
+              <a:rPr lang="es-CL" sz="2400" dirty="0" err="1">
                 <a:solidFill>
                   <a:srgbClr val="19202E"/>
                 </a:solidFill>
                 <a:latin typeface="Segoe UI"/>
                 <a:cs typeface="Segoe UI"/>
               </a:rPr>
-              <a:t> 2, 3, 4: Introducción: de una breve reseña del contenido del trabajo; explicación en qué consiste el aprendizaje supervisado y breve explicación de los algoritmos utilizados, objetivos del estudio.</a:t>
-            </a:r>
-            <a:endParaRPr lang="en-US" sz="2400">
-              <a:solidFill>
-                <a:srgbClr val="19202E"/>
-              </a:solidFill>
-              <a:latin typeface="Segoe UI"/>
-              <a:cs typeface="Segoe UI"/>
-            </a:endParaRPr>
-          </a:p>
-          <a:p>
-            <a:r>
-              <a:rPr lang="es-CL" sz="2400" err="1">
+              <a:t>predeci</a:t>
+            </a:r>
+            <a:r>
+              <a:rPr lang="es-CL" sz="2400" dirty="0">
                 <a:solidFill>
                   <a:srgbClr val="19202E"/>
                 </a:solidFill>
                 <a:latin typeface="Segoe UI"/>
                 <a:cs typeface="Segoe UI"/>
               </a:rPr>
-              <a:t>Slide</a:t>
-            </a:r>
-            <a:r>
-              <a:rPr lang="es-CL" sz="2400">
+              <a:t> el valor numérico del precio del diamante en </a:t>
+            </a:r>
+            <a:r>
+              <a:rPr lang="es-CL" sz="2400" dirty="0" err="1">
                 <a:solidFill>
                   <a:srgbClr val="19202E"/>
                 </a:solidFill>
                 <a:latin typeface="Segoe UI"/>
                 <a:cs typeface="Segoe UI"/>
               </a:rPr>
-              <a:t> 5: Defina variable dependiente y variables independientes; y justifique si tiene que utilizar algoritmos de regresión o clasificación.</a:t>
-            </a:r>
-            <a:endParaRPr lang="en-US" sz="2400">
-              <a:solidFill>
-                <a:srgbClr val="19202E"/>
-              </a:solidFill>
-              <a:latin typeface="Segoe UI"/>
-              <a:cs typeface="Segoe UI"/>
-            </a:endParaRPr>
-          </a:p>
-          <a:p>
-            <a:r>
-              <a:rPr lang="es-CL" sz="2400" err="1">
+              <a:t>funcion</a:t>
+            </a:r>
+            <a:r>
+              <a:rPr lang="es-CL" sz="2400" dirty="0">
                 <a:solidFill>
                   <a:srgbClr val="19202E"/>
                 </a:solidFill>
                 <a:latin typeface="Segoe UI"/>
                 <a:cs typeface="Segoe UI"/>
               </a:rPr>
-              <a:t>Slide</a:t>
-            </a:r>
-            <a:r>
-              <a:rPr lang="es-CL" sz="2400">
-                <a:solidFill>
-                  <a:srgbClr val="19202E"/>
-                </a:solidFill>
-                <a:latin typeface="Segoe UI"/>
-                <a:cs typeface="Segoe UI"/>
-              </a:rPr>
-              <a:t> 6: Tiempo de entrenamiento en la validación cruzada para cada algoritmo de cada estudiante del grupo</a:t>
-            </a:r>
-            <a:endParaRPr lang="en-US" sz="2400">
-              <a:ea typeface="Calibri"/>
-              <a:cs typeface="Calibri"/>
-            </a:endParaRPr>
-          </a:p>
-          <a:p>
-            <a:pPr algn="l"/>
-            <a:endParaRPr lang="en-US">
-              <a:ea typeface="Calibri"/>
-              <a:cs typeface="Calibri"/>
-            </a:endParaRPr>
+              <a:t> de las otras variables.</a:t>
+            </a:r>
+            <a:endParaRPr lang="en-US" dirty="0"/>
           </a:p>
         </p:txBody>
       </p:sp>
     </p:spTree>
     <p:extLst>
       <p:ext uri="{BB962C8B-B14F-4D97-AF65-F5344CB8AC3E}">
-        <p14:creationId xmlns:p14="http://schemas.microsoft.com/office/powerpoint/2010/main" val="3105322462"/>
+        <p14:creationId xmlns:p14="http://schemas.microsoft.com/office/powerpoint/2010/main" val="2361542432"/>
       </p:ext>
     </p:extLst>
   </p:cSld>
@@ -12473,10 +12944,162 @@
           </a:prstGeom>
         </p:spPr>
       </p:pic>
+      <p:sp>
+        <p:nvSpPr>
+          <p:cNvPr id="3" name="TextBox 2">
+            <a:extLst>
+              <a:ext uri="{FF2B5EF4-FFF2-40B4-BE49-F238E27FC236}">
+                <a16:creationId xmlns:a16="http://schemas.microsoft.com/office/drawing/2014/main" id="{70866F9F-102C-0AFC-BCE5-4E8C73321E74}"/>
+              </a:ext>
+            </a:extLst>
+          </p:cNvPr>
+          <p:cNvSpPr txBox="1"/>
+          <p:nvPr/>
+        </p:nvSpPr>
+        <p:spPr>
+          <a:xfrm>
+            <a:off x="973101" y="1083913"/>
+            <a:ext cx="6846427" cy="5170646"/>
+          </a:xfrm>
+          <a:prstGeom prst="rect">
+            <a:avLst/>
+          </a:prstGeom>
+          <a:noFill/>
+        </p:spPr>
+        <p:txBody>
+          <a:bodyPr rot="0" spcFirstLastPara="0" vertOverflow="overflow" horzOverflow="overflow" vert="horz" wrap="square" lIns="91440" tIns="45720" rIns="91440" bIns="45720" numCol="1" spcCol="0" rtlCol="0" fromWordArt="0" anchor="t" anchorCtr="0" forceAA="0" compatLnSpc="1">
+            <a:prstTxWarp prst="textNoShape">
+              <a:avLst/>
+            </a:prstTxWarp>
+            <a:spAutoFit/>
+          </a:bodyPr>
+          <a:lstStyle/>
+          <a:p>
+            <a:r>
+              <a:rPr lang="es-CL" sz="2400" err="1">
+                <a:solidFill>
+                  <a:srgbClr val="19202E"/>
+                </a:solidFill>
+                <a:latin typeface="Segoe UI"/>
+                <a:cs typeface="Segoe UI"/>
+              </a:rPr>
+              <a:t>Slide</a:t>
+            </a:r>
+            <a:r>
+              <a:rPr lang="es-CL" sz="2400">
+                <a:solidFill>
+                  <a:srgbClr val="19202E"/>
+                </a:solidFill>
+                <a:latin typeface="Segoe UI"/>
+                <a:cs typeface="Segoe UI"/>
+              </a:rPr>
+              <a:t> 1: Logo de la universidad, facultad, Carrera, Nombre de integrantes del grupo.</a:t>
+            </a:r>
+            <a:endParaRPr lang="en-US" sz="2400">
+              <a:solidFill>
+                <a:srgbClr val="19202E"/>
+              </a:solidFill>
+              <a:latin typeface="Segoe UI"/>
+              <a:cs typeface="Segoe UI"/>
+            </a:endParaRPr>
+          </a:p>
+          <a:p>
+            <a:r>
+              <a:rPr lang="es-CL" sz="2400" err="1">
+                <a:solidFill>
+                  <a:srgbClr val="19202E"/>
+                </a:solidFill>
+                <a:latin typeface="Segoe UI"/>
+                <a:cs typeface="Segoe UI"/>
+              </a:rPr>
+              <a:t>Slide</a:t>
+            </a:r>
+            <a:r>
+              <a:rPr lang="es-CL" sz="2400">
+                <a:solidFill>
+                  <a:srgbClr val="19202E"/>
+                </a:solidFill>
+                <a:latin typeface="Segoe UI"/>
+                <a:cs typeface="Segoe UI"/>
+              </a:rPr>
+              <a:t> 2, 3, 4: Introducción: de una breve reseña del contenido del trabajo; explicación en qué consiste el aprendizaje supervisado y breve explicación de los algoritmos utilizados, objetivos del estudio.</a:t>
+            </a:r>
+            <a:endParaRPr lang="en-US" sz="2400">
+              <a:solidFill>
+                <a:srgbClr val="19202E"/>
+              </a:solidFill>
+              <a:latin typeface="Segoe UI"/>
+              <a:cs typeface="Segoe UI"/>
+            </a:endParaRPr>
+          </a:p>
+          <a:p>
+            <a:r>
+              <a:rPr lang="es-CL" sz="2400" err="1">
+                <a:solidFill>
+                  <a:srgbClr val="19202E"/>
+                </a:solidFill>
+                <a:latin typeface="Segoe UI"/>
+                <a:cs typeface="Segoe UI"/>
+              </a:rPr>
+              <a:t>Slide</a:t>
+            </a:r>
+            <a:r>
+              <a:rPr lang="es-CL" sz="2400">
+                <a:solidFill>
+                  <a:srgbClr val="19202E"/>
+                </a:solidFill>
+                <a:latin typeface="Segoe UI"/>
+                <a:cs typeface="Segoe UI"/>
+              </a:rPr>
+              <a:t> 5: Defina variable dependiente y variables independientes; y justifique si tiene que utilizar algoritmos de regresión o clasificación.</a:t>
+            </a:r>
+            <a:endParaRPr lang="en-US" sz="2400">
+              <a:solidFill>
+                <a:srgbClr val="19202E"/>
+              </a:solidFill>
+              <a:latin typeface="Segoe UI"/>
+              <a:cs typeface="Segoe UI"/>
+            </a:endParaRPr>
+          </a:p>
+          <a:p>
+            <a:r>
+              <a:rPr lang="es-CL" sz="2400" err="1">
+                <a:solidFill>
+                  <a:srgbClr val="19202E"/>
+                </a:solidFill>
+                <a:latin typeface="Segoe UI"/>
+                <a:cs typeface="Segoe UI"/>
+              </a:rPr>
+              <a:t>Slide</a:t>
+            </a:r>
+            <a:r>
+              <a:rPr lang="es-CL" sz="2400">
+                <a:solidFill>
+                  <a:srgbClr val="19202E"/>
+                </a:solidFill>
+                <a:latin typeface="Segoe UI"/>
+                <a:cs typeface="Segoe UI"/>
+              </a:rPr>
+              <a:t> 6: Tiempo de entrenamiento en la validación cruzada para cada algoritmo de cada estudiante del grupo</a:t>
+            </a:r>
+            <a:endParaRPr lang="en-US" sz="2400">
+              <a:ea typeface="Calibri"/>
+              <a:cs typeface="Calibri"/>
+            </a:endParaRPr>
+          </a:p>
+          <a:p>
+            <a:pPr algn="l"/>
+            <a:endParaRPr lang="en-US">
+              <a:ea typeface="Calibri"/>
+              <a:cs typeface="Calibri"/>
+            </a:endParaRPr>
+          </a:p>
+        </p:txBody>
+      </p:sp>
     </p:spTree>
     <p:extLst>
       <p:ext uri="{BB962C8B-B14F-4D97-AF65-F5344CB8AC3E}">
-        <p14:creationId xmlns:p14="http://schemas.microsoft.com/office/powerpoint/2010/main" val="2361542432"/>
+        <p14:creationId xmlns:p14="http://schemas.microsoft.com/office/powerpoint/2010/main" val="3105322462"/>
       </p:ext>
     </p:extLst>
   </p:cSld>
@@ -12562,6 +13185,111 @@
           </a:prstGeom>
         </p:spPr>
       </p:pic>
+      <p:sp>
+        <p:nvSpPr>
+          <p:cNvPr id="4" name="TextBox 3">
+            <a:extLst>
+              <a:ext uri="{FF2B5EF4-FFF2-40B4-BE49-F238E27FC236}">
+                <a16:creationId xmlns:a16="http://schemas.microsoft.com/office/drawing/2014/main" id="{71226EC2-9380-CB10-DF4C-32CCBC68E4D3}"/>
+              </a:ext>
+            </a:extLst>
+          </p:cNvPr>
+          <p:cNvSpPr txBox="1"/>
+          <p:nvPr/>
+        </p:nvSpPr>
+        <p:spPr>
+          <a:xfrm>
+            <a:off x="914400" y="799381"/>
+            <a:ext cx="5000445" cy="3046988"/>
+          </a:xfrm>
+          <a:prstGeom prst="rect">
+            <a:avLst/>
+          </a:prstGeom>
+          <a:noFill/>
+        </p:spPr>
+        <p:txBody>
+          <a:bodyPr rot="0" spcFirstLastPara="0" vertOverflow="overflow" horzOverflow="overflow" vert="horz" wrap="square" lIns="91440" tIns="45720" rIns="91440" bIns="45720" numCol="1" spcCol="0" rtlCol="0" fromWordArt="0" anchor="t" anchorCtr="0" forceAA="0" compatLnSpc="1">
+            <a:prstTxWarp prst="textNoShape">
+              <a:avLst/>
+            </a:prstTxWarp>
+            <a:spAutoFit/>
+          </a:bodyPr>
+          <a:lstStyle/>
+          <a:p>
+            <a:r>
+              <a:rPr lang="es-CL" sz="2400" dirty="0">
+                <a:solidFill>
+                  <a:srgbClr val="19202E"/>
+                </a:solidFill>
+                <a:latin typeface="Segoe UI"/>
+                <a:cs typeface="Segoe UI"/>
+              </a:rPr>
+              <a:t>En el caso de conjunto de datos de diamantes, donde la variable de precio es dependiente y las </a:t>
+            </a:r>
+            <a:r>
+              <a:rPr lang="es-CL" sz="2400" dirty="0" err="1">
+                <a:solidFill>
+                  <a:srgbClr val="19202E"/>
+                </a:solidFill>
+                <a:latin typeface="Segoe UI"/>
+                <a:cs typeface="Segoe UI"/>
+              </a:rPr>
+              <a:t>demas</a:t>
+            </a:r>
+            <a:r>
+              <a:rPr lang="es-CL" sz="2400" dirty="0">
+                <a:solidFill>
+                  <a:srgbClr val="19202E"/>
+                </a:solidFill>
+                <a:latin typeface="Segoe UI"/>
+                <a:cs typeface="Segoe UI"/>
+              </a:rPr>
+              <a:t> son independientes, el tipo de problema a resolver s el de regresión, se busca </a:t>
+            </a:r>
+            <a:r>
+              <a:rPr lang="es-CL" sz="2400" dirty="0" err="1">
+                <a:solidFill>
+                  <a:srgbClr val="19202E"/>
+                </a:solidFill>
+                <a:latin typeface="Segoe UI"/>
+                <a:cs typeface="Segoe UI"/>
+              </a:rPr>
+              <a:t>predeci</a:t>
+            </a:r>
+            <a:r>
+              <a:rPr lang="es-CL" sz="2400" dirty="0">
+                <a:solidFill>
+                  <a:srgbClr val="19202E"/>
+                </a:solidFill>
+                <a:latin typeface="Segoe UI"/>
+                <a:cs typeface="Segoe UI"/>
+              </a:rPr>
+              <a:t> el valor numérico del precio del diamante en </a:t>
+            </a:r>
+            <a:r>
+              <a:rPr lang="es-CL" sz="2400" dirty="0" err="1">
+                <a:solidFill>
+                  <a:srgbClr val="19202E"/>
+                </a:solidFill>
+                <a:latin typeface="Segoe UI"/>
+                <a:cs typeface="Segoe UI"/>
+              </a:rPr>
+              <a:t>funcion</a:t>
+            </a:r>
+            <a:r>
+              <a:rPr lang="es-CL" sz="2400" dirty="0">
+                <a:solidFill>
+                  <a:srgbClr val="19202E"/>
+                </a:solidFill>
+                <a:latin typeface="Segoe UI"/>
+                <a:cs typeface="Segoe UI"/>
+              </a:rPr>
+              <a:t> de las otras variables.</a:t>
+            </a:r>
+            <a:endParaRPr lang="en-US" dirty="0"/>
+          </a:p>
+        </p:txBody>
+      </p:sp>
     </p:spTree>
     <p:extLst>
       <p:ext uri="{BB962C8B-B14F-4D97-AF65-F5344CB8AC3E}">

--- a/presentación/presentaciónDosMineriaDeDatos.pptx
+++ b/presentación/presentaciónDosMineriaDeDatos.pptx
@@ -12,10 +12,10 @@
     <p:sldId id="305" r:id="rId3"/>
     <p:sldId id="303" r:id="rId4"/>
     <p:sldId id="317" r:id="rId5"/>
-    <p:sldId id="307" r:id="rId6"/>
-    <p:sldId id="312" r:id="rId7"/>
-    <p:sldId id="304" r:id="rId8"/>
-    <p:sldId id="311" r:id="rId9"/>
+    <p:sldId id="318" r:id="rId6"/>
+    <p:sldId id="307" r:id="rId7"/>
+    <p:sldId id="312" r:id="rId8"/>
+    <p:sldId id="304" r:id="rId9"/>
     <p:sldId id="310" r:id="rId10"/>
     <p:sldId id="309" r:id="rId11"/>
     <p:sldId id="316" r:id="rId12"/>
@@ -133,7 +133,6 @@
 <file path=ppt/revisionInfo.xml><?xml version="1.0" encoding="utf-8"?>
 <p1510:revInfo xmlns:a="http://schemas.openxmlformats.org/drawingml/2006/main" xmlns:r="http://schemas.openxmlformats.org/officeDocument/2006/relationships" xmlns:p1510="http://schemas.microsoft.com/office/powerpoint/2015/10/main">
   <p1510:revLst>
-    <p1510:client id="{0C7D88AA-1E6B-DAD5-588B-E8E99FD28D85}" v="3488" dt="2024-05-26T23:01:33.101"/>
     <p1510:client id="{8CBB8C90-6B1F-4992-B562-0E68CFD0F3DC}" v="5" dt="2024-05-26T21:24:52.958"/>
   </p1510:revLst>
 </p1510:revInfo>
@@ -141,6 +140,46 @@
 
 <file path=ppt/changesInfos/changesInfo1.xml><?xml version="1.0" encoding="utf-8"?>
 <pc:chgInfo xmlns:a="http://schemas.openxmlformats.org/drawingml/2006/main" xmlns:r="http://schemas.openxmlformats.org/officeDocument/2006/relationships" xmlns:ac="http://schemas.microsoft.com/office/drawing/2013/main/command" xmlns:pc="http://schemas.microsoft.com/office/powerpoint/2013/main/command">
+  <pc:docChgLst>
+    <pc:chgData name="Usuario invitado" userId="S::urn:spo:anon#eb2a7d79476950051e46bb22be043da915db42be12fcf09fa5fbcbdfd1e1932b::" providerId="AD" clId="Web-{06BA73ED-A061-6375-8FFE-D5F796DAB0DE}"/>
+    <pc:docChg chg="modSld">
+      <pc:chgData name="Usuario invitado" userId="S::urn:spo:anon#eb2a7d79476950051e46bb22be043da915db42be12fcf09fa5fbcbdfd1e1932b::" providerId="AD" clId="Web-{06BA73ED-A061-6375-8FFE-D5F796DAB0DE}" dt="2018-08-28T18:40:40.402" v="2" actId="1076"/>
+      <pc:docMkLst>
+        <pc:docMk/>
+      </pc:docMkLst>
+      <pc:sldChg chg="delSp modSp">
+        <pc:chgData name="Usuario invitado" userId="S::urn:spo:anon#eb2a7d79476950051e46bb22be043da915db42be12fcf09fa5fbcbdfd1e1932b::" providerId="AD" clId="Web-{06BA73ED-A061-6375-8FFE-D5F796DAB0DE}" dt="2018-08-28T18:40:40.402" v="2" actId="1076"/>
+        <pc:sldMkLst>
+          <pc:docMk/>
+          <pc:sldMk cId="1957369981" sldId="262"/>
+        </pc:sldMkLst>
+        <pc:spChg chg="del">
+          <ac:chgData name="Usuario invitado" userId="S::urn:spo:anon#eb2a7d79476950051e46bb22be043da915db42be12fcf09fa5fbcbdfd1e1932b::" providerId="AD" clId="Web-{06BA73ED-A061-6375-8FFE-D5F796DAB0DE}" dt="2018-08-28T18:39:21.057" v="1"/>
+          <ac:spMkLst>
+            <pc:docMk/>
+            <pc:sldMk cId="1957369981" sldId="262"/>
+            <ac:spMk id="7" creationId="{C85DB8C4-FFB0-4CA0-AC46-2DA3367DA6D7}"/>
+          </ac:spMkLst>
+        </pc:spChg>
+        <pc:spChg chg="del">
+          <ac:chgData name="Usuario invitado" userId="S::urn:spo:anon#eb2a7d79476950051e46bb22be043da915db42be12fcf09fa5fbcbdfd1e1932b::" providerId="AD" clId="Web-{06BA73ED-A061-6375-8FFE-D5F796DAB0DE}" dt="2018-08-28T18:39:18.916" v="0"/>
+          <ac:spMkLst>
+            <pc:docMk/>
+            <pc:sldMk cId="1957369981" sldId="262"/>
+            <ac:spMk id="11" creationId="{00000000-0000-0000-0000-000000000000}"/>
+          </ac:spMkLst>
+        </pc:spChg>
+        <pc:picChg chg="mod">
+          <ac:chgData name="Usuario invitado" userId="S::urn:spo:anon#eb2a7d79476950051e46bb22be043da915db42be12fcf09fa5fbcbdfd1e1932b::" providerId="AD" clId="Web-{06BA73ED-A061-6375-8FFE-D5F796DAB0DE}" dt="2018-08-28T18:40:40.402" v="2" actId="1076"/>
+          <ac:picMkLst>
+            <pc:docMk/>
+            <pc:sldMk cId="1957369981" sldId="262"/>
+            <ac:picMk id="10" creationId="{00000000-0000-0000-0000-000000000000}"/>
+          </ac:picMkLst>
+        </pc:picChg>
+      </pc:sldChg>
+    </pc:docChg>
+  </pc:docChgLst>
   <pc:docChgLst>
     <pc:chgData name="Paola Alejandra Jarur Chamy" userId="90bb2a2d-fae6-4337-8a41-cfbd67e07fdf" providerId="ADAL" clId="{A088AB18-C673-4A2D-B55A-F7E1AA141CD7}"/>
     <pc:docChg chg="undo custSel addSld delSld modSld">
@@ -1921,7 +1960,7 @@
   <pc:docChgLst>
     <pc:chgData name="PEREZ VERGARA MELANY" userId="S::m.perezvergara@uandresbello.edu::d95698a7-632e-4c03-ab0f-564477513d69" providerId="AD" clId="Web-{0C7D88AA-1E6B-DAD5-588B-E8E99FD28D85}"/>
     <pc:docChg chg="addSld delSld modSld sldOrd">
-      <pc:chgData name="PEREZ VERGARA MELANY" userId="S::m.perezvergara@uandresbello.edu::d95698a7-632e-4c03-ab0f-564477513d69" providerId="AD" clId="Web-{0C7D88AA-1E6B-DAD5-588B-E8E99FD28D85}" dt="2024-05-26T23:01:33.101" v="2059" actId="1076"/>
+      <pc:chgData name="PEREZ VERGARA MELANY" userId="S::m.perezvergara@uandresbello.edu::d95698a7-632e-4c03-ab0f-564477513d69" providerId="AD" clId="Web-{0C7D88AA-1E6B-DAD5-588B-E8E99FD28D85}" dt="2024-05-27T00:12:09.706" v="2640"/>
       <pc:docMkLst>
         <pc:docMk/>
       </pc:docMkLst>
@@ -2052,13 +2091,13 @@
         </pc:spChg>
       </pc:sldChg>
       <pc:sldChg chg="addSp delSp modSp ord">
-        <pc:chgData name="PEREZ VERGARA MELANY" userId="S::m.perezvergara@uandresbello.edu::d95698a7-632e-4c03-ab0f-564477513d69" providerId="AD" clId="Web-{0C7D88AA-1E6B-DAD5-588B-E8E99FD28D85}" dt="2024-05-26T21:43:58.509" v="1435" actId="20577"/>
+        <pc:chgData name="PEREZ VERGARA MELANY" userId="S::m.perezvergara@uandresbello.edu::d95698a7-632e-4c03-ab0f-564477513d69" providerId="AD" clId="Web-{0C7D88AA-1E6B-DAD5-588B-E8E99FD28D85}" dt="2024-05-26T23:33:42.198" v="2313" actId="1076"/>
         <pc:sldMkLst>
           <pc:docMk/>
           <pc:sldMk cId="743564996" sldId="305"/>
         </pc:sldMkLst>
         <pc:spChg chg="add mod">
-          <ac:chgData name="PEREZ VERGARA MELANY" userId="S::m.perezvergara@uandresbello.edu::d95698a7-632e-4c03-ab0f-564477513d69" providerId="AD" clId="Web-{0C7D88AA-1E6B-DAD5-588B-E8E99FD28D85}" dt="2024-05-26T21:43:58.509" v="1435" actId="20577"/>
+          <ac:chgData name="PEREZ VERGARA MELANY" userId="S::m.perezvergara@uandresbello.edu::d95698a7-632e-4c03-ab0f-564477513d69" providerId="AD" clId="Web-{0C7D88AA-1E6B-DAD5-588B-E8E99FD28D85}" dt="2024-05-26T23:31:53.710" v="2308" actId="14100"/>
           <ac:spMkLst>
             <pc:docMk/>
             <pc:sldMk cId="743564996" sldId="305"/>
@@ -2081,15 +2120,142 @@
             <ac:spMk id="5" creationId="{433DB7EB-7290-9321-AB65-AD0581FDF5EA}"/>
           </ac:spMkLst>
         </pc:spChg>
+        <pc:spChg chg="add mod">
+          <ac:chgData name="PEREZ VERGARA MELANY" userId="S::m.perezvergara@uandresbello.edu::d95698a7-632e-4c03-ab0f-564477513d69" providerId="AD" clId="Web-{0C7D88AA-1E6B-DAD5-588B-E8E99FD28D85}" dt="2024-05-26T23:33:42.198" v="2313" actId="1076"/>
+          <ac:spMkLst>
+            <pc:docMk/>
+            <pc:sldMk cId="743564996" sldId="305"/>
+            <ac:spMk id="6" creationId="{FB8A4123-D4C1-6BEA-4F37-6EBC698865AE}"/>
+          </ac:spMkLst>
+        </pc:spChg>
+        <pc:spChg chg="add mod">
+          <ac:chgData name="PEREZ VERGARA MELANY" userId="S::m.perezvergara@uandresbello.edu::d95698a7-632e-4c03-ab0f-564477513d69" providerId="AD" clId="Web-{0C7D88AA-1E6B-DAD5-588B-E8E99FD28D85}" dt="2024-05-26T23:32:19.101" v="2311" actId="1076"/>
+          <ac:spMkLst>
+            <pc:docMk/>
+            <pc:sldMk cId="743564996" sldId="305"/>
+            <ac:spMk id="8" creationId="{4B066CC3-ACAA-E53E-344F-63616DF083CF}"/>
+          </ac:spMkLst>
+        </pc:spChg>
+        <pc:spChg chg="add mod">
+          <ac:chgData name="PEREZ VERGARA MELANY" userId="S::m.perezvergara@uandresbello.edu::d95698a7-632e-4c03-ab0f-564477513d69" providerId="AD" clId="Web-{0C7D88AA-1E6B-DAD5-588B-E8E99FD28D85}" dt="2024-05-26T23:32:04.523" v="2310" actId="1076"/>
+          <ac:spMkLst>
+            <pc:docMk/>
+            <pc:sldMk cId="743564996" sldId="305"/>
+            <ac:spMk id="9" creationId="{6536A29F-323F-9FF5-00C0-05DC1B14123E}"/>
+          </ac:spMkLst>
+        </pc:spChg>
+        <pc:spChg chg="add del">
+          <ac:chgData name="PEREZ VERGARA MELANY" userId="S::m.perezvergara@uandresbello.edu::d95698a7-632e-4c03-ab0f-564477513d69" providerId="AD" clId="Web-{0C7D88AA-1E6B-DAD5-588B-E8E99FD28D85}" dt="2024-05-26T23:27:11.590" v="2241"/>
+          <ac:spMkLst>
+            <pc:docMk/>
+            <pc:sldMk cId="743564996" sldId="305"/>
+            <ac:spMk id="10" creationId="{8299F46E-37D0-F6DA-D213-541044E388C8}"/>
+          </ac:spMkLst>
+        </pc:spChg>
+        <pc:picChg chg="add del mod">
+          <ac:chgData name="PEREZ VERGARA MELANY" userId="S::m.perezvergara@uandresbello.edu::d95698a7-632e-4c03-ab0f-564477513d69" providerId="AD" clId="Web-{0C7D88AA-1E6B-DAD5-588B-E8E99FD28D85}" dt="2024-05-26T23:10:38.095" v="2160"/>
+          <ac:picMkLst>
+            <pc:docMk/>
+            <pc:sldMk cId="743564996" sldId="305"/>
+            <ac:picMk id="4" creationId="{E44EAFF9-3018-9A0E-50FC-14172860F783}"/>
+          </ac:picMkLst>
+        </pc:picChg>
+        <pc:picChg chg="add mod ord">
+          <ac:chgData name="PEREZ VERGARA MELANY" userId="S::m.perezvergara@uandresbello.edu::d95698a7-632e-4c03-ab0f-564477513d69" providerId="AD" clId="Web-{0C7D88AA-1E6B-DAD5-588B-E8E99FD28D85}" dt="2024-05-26T23:31:24.818" v="2305" actId="1076"/>
+          <ac:picMkLst>
+            <pc:docMk/>
+            <pc:sldMk cId="743564996" sldId="305"/>
+            <ac:picMk id="5" creationId="{E79061FC-9CCE-8430-1E8E-6BC007CA3D85}"/>
+          </ac:picMkLst>
+        </pc:picChg>
+      </pc:sldChg>
+      <pc:sldChg chg="addSp delSp modSp">
+        <pc:chgData name="PEREZ VERGARA MELANY" userId="S::m.perezvergara@uandresbello.edu::d95698a7-632e-4c03-ab0f-564477513d69" providerId="AD" clId="Web-{0C7D88AA-1E6B-DAD5-588B-E8E99FD28D85}" dt="2024-05-27T00:11:59.362" v="2639" actId="20577"/>
+        <pc:sldMkLst>
+          <pc:docMk/>
+          <pc:sldMk cId="1086978629" sldId="306"/>
+        </pc:sldMkLst>
+        <pc:spChg chg="add mod">
+          <ac:chgData name="PEREZ VERGARA MELANY" userId="S::m.perezvergara@uandresbello.edu::d95698a7-632e-4c03-ab0f-564477513d69" providerId="AD" clId="Web-{0C7D88AA-1E6B-DAD5-588B-E8E99FD28D85}" dt="2024-05-27T00:07:51.415" v="2618" actId="14100"/>
+          <ac:spMkLst>
+            <pc:docMk/>
+            <pc:sldMk cId="1086978629" sldId="306"/>
+            <ac:spMk id="3" creationId="{73182A38-D6DF-453D-921E-315EFA20E2ED}"/>
+          </ac:spMkLst>
+        </pc:spChg>
+        <pc:spChg chg="add del">
+          <ac:chgData name="PEREZ VERGARA MELANY" userId="S::m.perezvergara@uandresbello.edu::d95698a7-632e-4c03-ab0f-564477513d69" providerId="AD" clId="Web-{0C7D88AA-1E6B-DAD5-588B-E8E99FD28D85}" dt="2024-05-27T00:07:47.009" v="2617"/>
+          <ac:spMkLst>
+            <pc:docMk/>
+            <pc:sldMk cId="1086978629" sldId="306"/>
+            <ac:spMk id="4" creationId="{8C95EEAD-54C8-6263-AF14-7814E601259B}"/>
+          </ac:spMkLst>
+        </pc:spChg>
+        <pc:spChg chg="add del mod">
+          <ac:chgData name="PEREZ VERGARA MELANY" userId="S::m.perezvergara@uandresbello.edu::d95698a7-632e-4c03-ab0f-564477513d69" providerId="AD" clId="Web-{0C7D88AA-1E6B-DAD5-588B-E8E99FD28D85}" dt="2024-05-27T00:07:43.524" v="2615"/>
+          <ac:spMkLst>
+            <pc:docMk/>
+            <pc:sldMk cId="1086978629" sldId="306"/>
+            <ac:spMk id="5" creationId="{A3A365B2-B2DE-4D2C-92CE-32C0611969DB}"/>
+          </ac:spMkLst>
+        </pc:spChg>
+        <pc:spChg chg="add mod">
+          <ac:chgData name="PEREZ VERGARA MELANY" userId="S::m.perezvergara@uandresbello.edu::d95698a7-632e-4c03-ab0f-564477513d69" providerId="AD" clId="Web-{0C7D88AA-1E6B-DAD5-588B-E8E99FD28D85}" dt="2024-05-27T00:11:59.362" v="2639" actId="20577"/>
+          <ac:spMkLst>
+            <pc:docMk/>
+            <pc:sldMk cId="1086978629" sldId="306"/>
+            <ac:spMk id="9" creationId="{022D82BC-67B0-4F5D-9A8F-C3B94B9A014B}"/>
+          </ac:spMkLst>
+        </pc:spChg>
+        <pc:spChg chg="add mod">
+          <ac:chgData name="PEREZ VERGARA MELANY" userId="S::m.perezvergara@uandresbello.edu::d95698a7-632e-4c03-ab0f-564477513d69" providerId="AD" clId="Web-{0C7D88AA-1E6B-DAD5-588B-E8E99FD28D85}" dt="2024-05-27T00:08:03.822" v="2622" actId="1076"/>
+          <ac:spMkLst>
+            <pc:docMk/>
+            <pc:sldMk cId="1086978629" sldId="306"/>
+            <ac:spMk id="10" creationId="{E2F26730-FF23-6089-FC6D-D6D817217CF2}"/>
+          </ac:spMkLst>
+        </pc:spChg>
+        <pc:picChg chg="mod">
+          <ac:chgData name="PEREZ VERGARA MELANY" userId="S::m.perezvergara@uandresbello.edu::d95698a7-632e-4c03-ab0f-564477513d69" providerId="AD" clId="Web-{0C7D88AA-1E6B-DAD5-588B-E8E99FD28D85}" dt="2024-05-27T00:07:55.916" v="2619" actId="1076"/>
+          <ac:picMkLst>
+            <pc:docMk/>
+            <pc:sldMk cId="1086978629" sldId="306"/>
+            <ac:picMk id="2" creationId="{00000000-0000-0000-0000-000000000000}"/>
+          </ac:picMkLst>
+        </pc:picChg>
+        <pc:picChg chg="add del">
+          <ac:chgData name="PEREZ VERGARA MELANY" userId="S::m.perezvergara@uandresbello.edu::d95698a7-632e-4c03-ab0f-564477513d69" providerId="AD" clId="Web-{0C7D88AA-1E6B-DAD5-588B-E8E99FD28D85}" dt="2024-05-27T00:11:54.175" v="2638"/>
+          <ac:picMkLst>
+            <pc:docMk/>
+            <pc:sldMk cId="1086978629" sldId="306"/>
+            <ac:picMk id="6" creationId="{23A4DE73-032F-5C86-32D4-47B88187D538}"/>
+          </ac:picMkLst>
+        </pc:picChg>
+        <pc:picChg chg="mod">
+          <ac:chgData name="PEREZ VERGARA MELANY" userId="S::m.perezvergara@uandresbello.edu::d95698a7-632e-4c03-ab0f-564477513d69" providerId="AD" clId="Web-{0C7D88AA-1E6B-DAD5-588B-E8E99FD28D85}" dt="2024-05-27T00:07:43.618" v="2616" actId="1076"/>
+          <ac:picMkLst>
+            <pc:docMk/>
+            <pc:sldMk cId="1086978629" sldId="306"/>
+            <ac:picMk id="7" creationId="{00000000-0000-0000-0000-000000000000}"/>
+          </ac:picMkLst>
+        </pc:picChg>
+        <pc:picChg chg="add del">
+          <ac:chgData name="PEREZ VERGARA MELANY" userId="S::m.perezvergara@uandresbello.edu::d95698a7-632e-4c03-ab0f-564477513d69" providerId="AD" clId="Web-{0C7D88AA-1E6B-DAD5-588B-E8E99FD28D85}" dt="2024-05-27T00:11:53.315" v="2637"/>
+          <ac:picMkLst>
+            <pc:docMk/>
+            <pc:sldMk cId="1086978629" sldId="306"/>
+            <ac:picMk id="8" creationId="{640B9896-0E17-3368-F85A-5F53EC3992AC}"/>
+          </ac:picMkLst>
+        </pc:picChg>
       </pc:sldChg>
       <pc:sldChg chg="addSp delSp modSp ord">
-        <pc:chgData name="PEREZ VERGARA MELANY" userId="S::m.perezvergara@uandresbello.edu::d95698a7-632e-4c03-ab0f-564477513d69" providerId="AD" clId="Web-{0C7D88AA-1E6B-DAD5-588B-E8E99FD28D85}" dt="2024-05-26T23:01:33.101" v="2059" actId="1076"/>
+        <pc:chgData name="PEREZ VERGARA MELANY" userId="S::m.perezvergara@uandresbello.edu::d95698a7-632e-4c03-ab0f-564477513d69" providerId="AD" clId="Web-{0C7D88AA-1E6B-DAD5-588B-E8E99FD28D85}" dt="2024-05-26T23:05:58.678" v="2154" actId="1076"/>
         <pc:sldMkLst>
           <pc:docMk/>
           <pc:sldMk cId="2146413309" sldId="307"/>
         </pc:sldMkLst>
         <pc:spChg chg="add mod">
-          <ac:chgData name="PEREZ VERGARA MELANY" userId="S::m.perezvergara@uandresbello.edu::d95698a7-632e-4c03-ab0f-564477513d69" providerId="AD" clId="Web-{0C7D88AA-1E6B-DAD5-588B-E8E99FD28D85}" dt="2024-05-26T23:00:36.067" v="2040" actId="14100"/>
+          <ac:chgData name="PEREZ VERGARA MELANY" userId="S::m.perezvergara@uandresbello.edu::d95698a7-632e-4c03-ab0f-564477513d69" providerId="AD" clId="Web-{0C7D88AA-1E6B-DAD5-588B-E8E99FD28D85}" dt="2024-05-26T23:05:51.068" v="2152" actId="20577"/>
           <ac:spMkLst>
             <pc:docMk/>
             <pc:sldMk cId="2146413309" sldId="307"/>
@@ -2097,7 +2263,7 @@
           </ac:spMkLst>
         </pc:spChg>
         <pc:spChg chg="add mod">
-          <ac:chgData name="PEREZ VERGARA MELANY" userId="S::m.perezvergara@uandresbello.edu::d95698a7-632e-4c03-ab0f-564477513d69" providerId="AD" clId="Web-{0C7D88AA-1E6B-DAD5-588B-E8E99FD28D85}" dt="2024-05-26T23:00:26.770" v="2038" actId="14100"/>
+          <ac:chgData name="PEREZ VERGARA MELANY" userId="S::m.perezvergara@uandresbello.edu::d95698a7-632e-4c03-ab0f-564477513d69" providerId="AD" clId="Web-{0C7D88AA-1E6B-DAD5-588B-E8E99FD28D85}" dt="2024-05-26T23:05:58.678" v="2154" actId="1076"/>
           <ac:spMkLst>
             <pc:docMk/>
             <pc:sldMk cId="2146413309" sldId="307"/>
@@ -2105,7 +2271,7 @@
           </ac:spMkLst>
         </pc:spChg>
         <pc:spChg chg="add mod">
-          <ac:chgData name="PEREZ VERGARA MELANY" userId="S::m.perezvergara@uandresbello.edu::d95698a7-632e-4c03-ab0f-564477513d69" providerId="AD" clId="Web-{0C7D88AA-1E6B-DAD5-588B-E8E99FD28D85}" dt="2024-05-26T23:00:23.676" v="2037" actId="14100"/>
+          <ac:chgData name="PEREZ VERGARA MELANY" userId="S::m.perezvergara@uandresbello.edu::d95698a7-632e-4c03-ab0f-564477513d69" providerId="AD" clId="Web-{0C7D88AA-1E6B-DAD5-588B-E8E99FD28D85}" dt="2024-05-26T23:05:37.797" v="2144" actId="14100"/>
           <ac:spMkLst>
             <pc:docMk/>
             <pc:sldMk cId="2146413309" sldId="307"/>
@@ -2121,7 +2287,7 @@
           </ac:spMkLst>
         </pc:spChg>
         <pc:picChg chg="add mod">
-          <ac:chgData name="PEREZ VERGARA MELANY" userId="S::m.perezvergara@uandresbello.edu::d95698a7-632e-4c03-ab0f-564477513d69" providerId="AD" clId="Web-{0C7D88AA-1E6B-DAD5-588B-E8E99FD28D85}" dt="2024-05-26T23:01:19.428" v="2056" actId="1076"/>
+          <ac:chgData name="PEREZ VERGARA MELANY" userId="S::m.perezvergara@uandresbello.edu::d95698a7-632e-4c03-ab0f-564477513d69" providerId="AD" clId="Web-{0C7D88AA-1E6B-DAD5-588B-E8E99FD28D85}" dt="2024-05-26T23:02:45.994" v="2081" actId="1076"/>
           <ac:picMkLst>
             <pc:docMk/>
             <pc:sldMk cId="2146413309" sldId="307"/>
@@ -2153,7 +2319,7 @@
           </ac:picMkLst>
         </pc:picChg>
         <pc:picChg chg="add mod">
-          <ac:chgData name="PEREZ VERGARA MELANY" userId="S::m.perezvergara@uandresbello.edu::d95698a7-632e-4c03-ab0f-564477513d69" providerId="AD" clId="Web-{0C7D88AA-1E6B-DAD5-588B-E8E99FD28D85}" dt="2024-05-26T23:01:29.710" v="2057"/>
+          <ac:chgData name="PEREZ VERGARA MELANY" userId="S::m.perezvergara@uandresbello.edu::d95698a7-632e-4c03-ab0f-564477513d69" providerId="AD" clId="Web-{0C7D88AA-1E6B-DAD5-588B-E8E99FD28D85}" dt="2024-05-26T23:02:34.509" v="2076" actId="1076"/>
           <ac:picMkLst>
             <pc:docMk/>
             <pc:sldMk cId="2146413309" sldId="307"/>
@@ -2161,7 +2327,7 @@
           </ac:picMkLst>
         </pc:picChg>
         <pc:picChg chg="add mod">
-          <ac:chgData name="PEREZ VERGARA MELANY" userId="S::m.perezvergara@uandresbello.edu::d95698a7-632e-4c03-ab0f-564477513d69" providerId="AD" clId="Web-{0C7D88AA-1E6B-DAD5-588B-E8E99FD28D85}" dt="2024-05-26T23:01:33.101" v="2059" actId="1076"/>
+          <ac:chgData name="PEREZ VERGARA MELANY" userId="S::m.perezvergara@uandresbello.edu::d95698a7-632e-4c03-ab0f-564477513d69" providerId="AD" clId="Web-{0C7D88AA-1E6B-DAD5-588B-E8E99FD28D85}" dt="2024-05-26T23:02:41.400" v="2079" actId="1076"/>
           <ac:picMkLst>
             <pc:docMk/>
             <pc:sldMk cId="2146413309" sldId="307"/>
@@ -2170,7 +2336,62 @@
         </pc:picChg>
       </pc:sldChg>
       <pc:sldChg chg="addSp delSp modSp">
-        <pc:chgData name="PEREZ VERGARA MELANY" userId="S::m.perezvergara@uandresbello.edu::d95698a7-632e-4c03-ab0f-564477513d69" providerId="AD" clId="Web-{0C7D88AA-1E6B-DAD5-588B-E8E99FD28D85}" dt="2024-05-26T22:59:18.299" v="2020"/>
+        <pc:chgData name="PEREZ VERGARA MELANY" userId="S::m.perezvergara@uandresbello.edu::d95698a7-632e-4c03-ab0f-564477513d69" providerId="AD" clId="Web-{0C7D88AA-1E6B-DAD5-588B-E8E99FD28D85}" dt="2024-05-27T00:11:47.299" v="2636" actId="1076"/>
+        <pc:sldMkLst>
+          <pc:docMk/>
+          <pc:sldMk cId="1200565634" sldId="308"/>
+        </pc:sldMkLst>
+        <pc:spChg chg="add mod">
+          <ac:chgData name="PEREZ VERGARA MELANY" userId="S::m.perezvergara@uandresbello.edu::d95698a7-632e-4c03-ab0f-564477513d69" providerId="AD" clId="Web-{0C7D88AA-1E6B-DAD5-588B-E8E99FD28D85}" dt="2024-05-27T00:08:47.621" v="2624" actId="14100"/>
+          <ac:spMkLst>
+            <pc:docMk/>
+            <pc:sldMk cId="1200565634" sldId="308"/>
+            <ac:spMk id="3" creationId="{73182A38-D6DF-453D-921E-315EFA20E2ED}"/>
+          </ac:spMkLst>
+        </pc:spChg>
+        <pc:spChg chg="add del mod">
+          <ac:chgData name="PEREZ VERGARA MELANY" userId="S::m.perezvergara@uandresbello.edu::d95698a7-632e-4c03-ab0f-564477513d69" providerId="AD" clId="Web-{0C7D88AA-1E6B-DAD5-588B-E8E99FD28D85}" dt="2024-05-27T00:08:53.762" v="2626"/>
+          <ac:spMkLst>
+            <pc:docMk/>
+            <pc:sldMk cId="1200565634" sldId="308"/>
+            <ac:spMk id="4" creationId="{8C95EEAD-54C8-6263-AF14-7814E601259B}"/>
+          </ac:spMkLst>
+        </pc:spChg>
+        <pc:spChg chg="add">
+          <ac:chgData name="PEREZ VERGARA MELANY" userId="S::m.perezvergara@uandresbello.edu::d95698a7-632e-4c03-ab0f-564477513d69" providerId="AD" clId="Web-{0C7D88AA-1E6B-DAD5-588B-E8E99FD28D85}" dt="2024-05-27T00:08:37.089" v="2623"/>
+          <ac:spMkLst>
+            <pc:docMk/>
+            <pc:sldMk cId="1200565634" sldId="308"/>
+            <ac:spMk id="5" creationId="{AFDD9D3B-922E-B5CE-0672-62FE8ECD06ED}"/>
+          </ac:spMkLst>
+        </pc:spChg>
+        <pc:spChg chg="add mod">
+          <ac:chgData name="PEREZ VERGARA MELANY" userId="S::m.perezvergara@uandresbello.edu::d95698a7-632e-4c03-ab0f-564477513d69" providerId="AD" clId="Web-{0C7D88AA-1E6B-DAD5-588B-E8E99FD28D85}" dt="2024-05-27T00:09:10.090" v="2630" actId="20577"/>
+          <ac:spMkLst>
+            <pc:docMk/>
+            <pc:sldMk cId="1200565634" sldId="308"/>
+            <ac:spMk id="8" creationId="{C2DA7589-30E4-5C76-053F-22BFDDA1FAFC}"/>
+          </ac:spMkLst>
+        </pc:spChg>
+        <pc:picChg chg="add del">
+          <ac:chgData name="PEREZ VERGARA MELANY" userId="S::m.perezvergara@uandresbello.edu::d95698a7-632e-4c03-ab0f-564477513d69" providerId="AD" clId="Web-{0C7D88AA-1E6B-DAD5-588B-E8E99FD28D85}" dt="2024-05-27T00:10:47.360" v="2631"/>
+          <ac:picMkLst>
+            <pc:docMk/>
+            <pc:sldMk cId="1200565634" sldId="308"/>
+            <ac:picMk id="6" creationId="{519FBA91-0169-1BD6-6B2D-87AD08D17B12}"/>
+          </ac:picMkLst>
+        </pc:picChg>
+        <pc:picChg chg="add mod">
+          <ac:chgData name="PEREZ VERGARA MELANY" userId="S::m.perezvergara@uandresbello.edu::d95698a7-632e-4c03-ab0f-564477513d69" providerId="AD" clId="Web-{0C7D88AA-1E6B-DAD5-588B-E8E99FD28D85}" dt="2024-05-27T00:11:47.299" v="2636" actId="1076"/>
+          <ac:picMkLst>
+            <pc:docMk/>
+            <pc:sldMk cId="1200565634" sldId="308"/>
+            <ac:picMk id="9" creationId="{9F8735A4-EC2E-9143-984D-EB4030433F02}"/>
+          </ac:picMkLst>
+        </pc:picChg>
+      </pc:sldChg>
+      <pc:sldChg chg="addSp delSp modSp del">
+        <pc:chgData name="PEREZ VERGARA MELANY" userId="S::m.perezvergara@uandresbello.edu::d95698a7-632e-4c03-ab0f-564477513d69" providerId="AD" clId="Web-{0C7D88AA-1E6B-DAD5-588B-E8E99FD28D85}" dt="2024-05-27T00:12:09.706" v="2640"/>
         <pc:sldMkLst>
           <pc:docMk/>
           <pc:sldMk cId="3699663989" sldId="311"/>
@@ -2209,7 +2430,7 @@
         </pc:picChg>
       </pc:sldChg>
       <pc:sldChg chg="addSp delSp modSp ord">
-        <pc:chgData name="PEREZ VERGARA MELANY" userId="S::m.perezvergara@uandresbello.edu::d95698a7-632e-4c03-ab0f-564477513d69" providerId="AD" clId="Web-{0C7D88AA-1E6B-DAD5-588B-E8E99FD28D85}" dt="2024-05-26T22:38:52.033" v="2004"/>
+        <pc:chgData name="PEREZ VERGARA MELANY" userId="S::m.perezvergara@uandresbello.edu::d95698a7-632e-4c03-ab0f-564477513d69" providerId="AD" clId="Web-{0C7D88AA-1E6B-DAD5-588B-E8E99FD28D85}" dt="2024-05-27T00:04:46.346" v="2611" actId="1076"/>
         <pc:sldMkLst>
           <pc:docMk/>
           <pc:sldMk cId="2361542432" sldId="312"/>
@@ -2223,28 +2444,164 @@
           </ac:spMkLst>
         </pc:spChg>
         <pc:spChg chg="add mod">
-          <ac:chgData name="PEREZ VERGARA MELANY" userId="S::m.perezvergara@uandresbello.edu::d95698a7-632e-4c03-ab0f-564477513d69" providerId="AD" clId="Web-{0C7D88AA-1E6B-DAD5-588B-E8E99FD28D85}" dt="2024-05-26T22:38:44.549" v="2003" actId="14100"/>
+          <ac:chgData name="PEREZ VERGARA MELANY" userId="S::m.perezvergara@uandresbello.edu::d95698a7-632e-4c03-ab0f-564477513d69" providerId="AD" clId="Web-{0C7D88AA-1E6B-DAD5-588B-E8E99FD28D85}" dt="2024-05-27T00:00:31.117" v="2596" actId="20577"/>
           <ac:spMkLst>
             <pc:docMk/>
             <pc:sldMk cId="2361542432" sldId="312"/>
             <ac:spMk id="4" creationId="{2484D71F-6E0D-7556-D02A-80D20B19BFE9}"/>
           </ac:spMkLst>
         </pc:spChg>
+        <pc:spChg chg="add mod">
+          <ac:chgData name="PEREZ VERGARA MELANY" userId="S::m.perezvergara@uandresbello.edu::d95698a7-632e-4c03-ab0f-564477513d69" providerId="AD" clId="Web-{0C7D88AA-1E6B-DAD5-588B-E8E99FD28D85}" dt="2024-05-27T00:00:47.087" v="2599" actId="1076"/>
+          <ac:spMkLst>
+            <pc:docMk/>
+            <pc:sldMk cId="2361542432" sldId="312"/>
+            <ac:spMk id="5" creationId="{0500C325-06E5-2CB6-F3D3-E32DF18CEFA8}"/>
+          </ac:spMkLst>
+        </pc:spChg>
+        <pc:picChg chg="add mod">
+          <ac:chgData name="PEREZ VERGARA MELANY" userId="S::m.perezvergara@uandresbello.edu::d95698a7-632e-4c03-ab0f-564477513d69" providerId="AD" clId="Web-{0C7D88AA-1E6B-DAD5-588B-E8E99FD28D85}" dt="2024-05-27T00:04:38.689" v="2610" actId="1076"/>
+          <ac:picMkLst>
+            <pc:docMk/>
+            <pc:sldMk cId="2361542432" sldId="312"/>
+            <ac:picMk id="6" creationId="{26368C35-9DF6-175F-6DF3-C430C967C302}"/>
+          </ac:picMkLst>
+        </pc:picChg>
+        <pc:picChg chg="add mod">
+          <ac:chgData name="PEREZ VERGARA MELANY" userId="S::m.perezvergara@uandresbello.edu::d95698a7-632e-4c03-ab0f-564477513d69" providerId="AD" clId="Web-{0C7D88AA-1E6B-DAD5-588B-E8E99FD28D85}" dt="2024-05-27T00:04:46.346" v="2611" actId="1076"/>
+          <ac:picMkLst>
+            <pc:docMk/>
+            <pc:sldMk cId="2361542432" sldId="312"/>
+            <ac:picMk id="8" creationId="{73FF57CB-0CD7-6AAA-94BC-20C6173C18D1}"/>
+          </ac:picMkLst>
+        </pc:picChg>
       </pc:sldChg>
-      <pc:sldChg chg="modSp add ord replId">
-        <pc:chgData name="PEREZ VERGARA MELANY" userId="S::m.perezvergara@uandresbello.edu::d95698a7-632e-4c03-ab0f-564477513d69" providerId="AD" clId="Web-{0C7D88AA-1E6B-DAD5-588B-E8E99FD28D85}" dt="2024-05-26T22:56:57.012" v="2006" actId="20577"/>
+      <pc:sldChg chg="addSp delSp modSp add ord replId">
+        <pc:chgData name="PEREZ VERGARA MELANY" userId="S::m.perezvergara@uandresbello.edu::d95698a7-632e-4c03-ab0f-564477513d69" providerId="AD" clId="Web-{0C7D88AA-1E6B-DAD5-588B-E8E99FD28D85}" dt="2024-05-26T23:58:51.046" v="2573"/>
         <pc:sldMkLst>
           <pc:docMk/>
           <pc:sldMk cId="923601911" sldId="317"/>
         </pc:sldMkLst>
         <pc:spChg chg="mod">
-          <ac:chgData name="PEREZ VERGARA MELANY" userId="S::m.perezvergara@uandresbello.edu::d95698a7-632e-4c03-ab0f-564477513d69" providerId="AD" clId="Web-{0C7D88AA-1E6B-DAD5-588B-E8E99FD28D85}" dt="2024-05-26T22:56:57.012" v="2006" actId="20577"/>
+          <ac:chgData name="PEREZ VERGARA MELANY" userId="S::m.perezvergara@uandresbello.edu::d95698a7-632e-4c03-ab0f-564477513d69" providerId="AD" clId="Web-{0C7D88AA-1E6B-DAD5-588B-E8E99FD28D85}" dt="2024-05-26T23:36:54.350" v="2343" actId="20577"/>
           <ac:spMkLst>
             <pc:docMk/>
             <pc:sldMk cId="923601911" sldId="317"/>
             <ac:spMk id="3" creationId="{23480A74-8042-3918-FB57-0ABA427747B4}"/>
           </ac:spMkLst>
         </pc:spChg>
+        <pc:spChg chg="mod">
+          <ac:chgData name="PEREZ VERGARA MELANY" userId="S::m.perezvergara@uandresbello.edu::d95698a7-632e-4c03-ab0f-564477513d69" providerId="AD" clId="Web-{0C7D88AA-1E6B-DAD5-588B-E8E99FD28D85}" dt="2024-05-26T23:58:28.701" v="2568" actId="20577"/>
+          <ac:spMkLst>
+            <pc:docMk/>
+            <pc:sldMk cId="923601911" sldId="317"/>
+            <ac:spMk id="5" creationId="{433DB7EB-7290-9321-AB65-AD0581FDF5EA}"/>
+          </ac:spMkLst>
+        </pc:spChg>
+        <pc:spChg chg="add mod">
+          <ac:chgData name="PEREZ VERGARA MELANY" userId="S::m.perezvergara@uandresbello.edu::d95698a7-632e-4c03-ab0f-564477513d69" providerId="AD" clId="Web-{0C7D88AA-1E6B-DAD5-588B-E8E99FD28D85}" dt="2024-05-26T23:34:36.341" v="2331" actId="1076"/>
+          <ac:spMkLst>
+            <pc:docMk/>
+            <pc:sldMk cId="923601911" sldId="317"/>
+            <ac:spMk id="6" creationId="{2F0A0820-7017-6E36-3F5D-8BE37DD03C0D}"/>
+          </ac:spMkLst>
+        </pc:spChg>
+        <pc:spChg chg="add mod">
+          <ac:chgData name="PEREZ VERGARA MELANY" userId="S::m.perezvergara@uandresbello.edu::d95698a7-632e-4c03-ab0f-564477513d69" providerId="AD" clId="Web-{0C7D88AA-1E6B-DAD5-588B-E8E99FD28D85}" dt="2024-05-26T23:58:50.983" v="2569"/>
+          <ac:spMkLst>
+            <pc:docMk/>
+            <pc:sldMk cId="923601911" sldId="317"/>
+            <ac:spMk id="8" creationId="{AC6BF442-2465-90E8-1A94-82A26CD022B3}"/>
+          </ac:spMkLst>
+        </pc:spChg>
+        <pc:spChg chg="add mod">
+          <ac:chgData name="PEREZ VERGARA MELANY" userId="S::m.perezvergara@uandresbello.edu::d95698a7-632e-4c03-ab0f-564477513d69" providerId="AD" clId="Web-{0C7D88AA-1E6B-DAD5-588B-E8E99FD28D85}" dt="2024-05-26T23:58:50.983" v="2570"/>
+          <ac:spMkLst>
+            <pc:docMk/>
+            <pc:sldMk cId="923601911" sldId="317"/>
+            <ac:spMk id="9" creationId="{1622D384-11BE-8D86-D3A0-E4E3883543A2}"/>
+          </ac:spMkLst>
+        </pc:spChg>
+        <pc:spChg chg="add mod">
+          <ac:chgData name="PEREZ VERGARA MELANY" userId="S::m.perezvergara@uandresbello.edu::d95698a7-632e-4c03-ab0f-564477513d69" providerId="AD" clId="Web-{0C7D88AA-1E6B-DAD5-588B-E8E99FD28D85}" dt="2024-05-26T23:58:50.983" v="2571"/>
+          <ac:spMkLst>
+            <pc:docMk/>
+            <pc:sldMk cId="923601911" sldId="317"/>
+            <ac:spMk id="10" creationId="{A732730E-868A-317E-909C-A49FF404787E}"/>
+          </ac:spMkLst>
+        </pc:spChg>
+        <pc:spChg chg="add mod">
+          <ac:chgData name="PEREZ VERGARA MELANY" userId="S::m.perezvergara@uandresbello.edu::d95698a7-632e-4c03-ab0f-564477513d69" providerId="AD" clId="Web-{0C7D88AA-1E6B-DAD5-588B-E8E99FD28D85}" dt="2024-05-26T23:58:50.983" v="2572"/>
+          <ac:spMkLst>
+            <pc:docMk/>
+            <pc:sldMk cId="923601911" sldId="317"/>
+            <ac:spMk id="11" creationId="{25D67DC0-543E-F78F-C21B-C0868E10CDE7}"/>
+          </ac:spMkLst>
+        </pc:spChg>
+        <pc:spChg chg="add mod">
+          <ac:chgData name="PEREZ VERGARA MELANY" userId="S::m.perezvergara@uandresbello.edu::d95698a7-632e-4c03-ab0f-564477513d69" providerId="AD" clId="Web-{0C7D88AA-1E6B-DAD5-588B-E8E99FD28D85}" dt="2024-05-26T23:58:51.046" v="2573"/>
+          <ac:spMkLst>
+            <pc:docMk/>
+            <pc:sldMk cId="923601911" sldId="317"/>
+            <ac:spMk id="12" creationId="{4BF8DF98-36F5-A1C6-289C-2ECE63035579}"/>
+          </ac:spMkLst>
+        </pc:spChg>
+        <pc:cxnChg chg="add del">
+          <ac:chgData name="PEREZ VERGARA MELANY" userId="S::m.perezvergara@uandresbello.edu::d95698a7-632e-4c03-ab0f-564477513d69" providerId="AD" clId="Web-{0C7D88AA-1E6B-DAD5-588B-E8E99FD28D85}" dt="2024-05-26T23:45:10.823" v="2471"/>
+          <ac:cxnSpMkLst>
+            <pc:docMk/>
+            <pc:sldMk cId="923601911" sldId="317"/>
+            <ac:cxnSpMk id="13" creationId="{F74CD897-7F8F-351F-B981-004B402E5443}"/>
+          </ac:cxnSpMkLst>
+        </pc:cxnChg>
+        <pc:cxnChg chg="add del mod">
+          <ac:chgData name="PEREZ VERGARA MELANY" userId="S::m.perezvergara@uandresbello.edu::d95698a7-632e-4c03-ab0f-564477513d69" providerId="AD" clId="Web-{0C7D88AA-1E6B-DAD5-588B-E8E99FD28D85}" dt="2024-05-26T23:46:08.341" v="2487"/>
+          <ac:cxnSpMkLst>
+            <pc:docMk/>
+            <pc:sldMk cId="923601911" sldId="317"/>
+            <ac:cxnSpMk id="14" creationId="{AF32DE07-E4E4-6AB4-AF12-07A484FB9F69}"/>
+          </ac:cxnSpMkLst>
+        </pc:cxnChg>
+        <pc:cxnChg chg="add mod">
+          <ac:chgData name="PEREZ VERGARA MELANY" userId="S::m.perezvergara@uandresbello.edu::d95698a7-632e-4c03-ab0f-564477513d69" providerId="AD" clId="Web-{0C7D88AA-1E6B-DAD5-588B-E8E99FD28D85}" dt="2024-05-26T23:57:59.388" v="2552" actId="1076"/>
+          <ac:cxnSpMkLst>
+            <pc:docMk/>
+            <pc:sldMk cId="923601911" sldId="317"/>
+            <ac:cxnSpMk id="15" creationId="{805F7F63-E107-5C6B-8F1C-5B59AB2E5C24}"/>
+          </ac:cxnSpMkLst>
+        </pc:cxnChg>
+        <pc:cxnChg chg="add mod">
+          <ac:chgData name="PEREZ VERGARA MELANY" userId="S::m.perezvergara@uandresbello.edu::d95698a7-632e-4c03-ab0f-564477513d69" providerId="AD" clId="Web-{0C7D88AA-1E6B-DAD5-588B-E8E99FD28D85}" dt="2024-05-26T23:57:59.403" v="2553" actId="1076"/>
+          <ac:cxnSpMkLst>
+            <pc:docMk/>
+            <pc:sldMk cId="923601911" sldId="317"/>
+            <ac:cxnSpMk id="16" creationId="{1F24B544-EEF7-C01B-8654-B9B5F6F5F340}"/>
+          </ac:cxnSpMkLst>
+        </pc:cxnChg>
+        <pc:cxnChg chg="add mod">
+          <ac:chgData name="PEREZ VERGARA MELANY" userId="S::m.perezvergara@uandresbello.edu::d95698a7-632e-4c03-ab0f-564477513d69" providerId="AD" clId="Web-{0C7D88AA-1E6B-DAD5-588B-E8E99FD28D85}" dt="2024-05-26T23:57:59.403" v="2554" actId="1076"/>
+          <ac:cxnSpMkLst>
+            <pc:docMk/>
+            <pc:sldMk cId="923601911" sldId="317"/>
+            <ac:cxnSpMk id="17" creationId="{2F490789-88BF-675E-E92B-65B29E049B3B}"/>
+          </ac:cxnSpMkLst>
+        </pc:cxnChg>
+        <pc:cxnChg chg="add del mod">
+          <ac:chgData name="PEREZ VERGARA MELANY" userId="S::m.perezvergara@uandresbello.edu::d95698a7-632e-4c03-ab0f-564477513d69" providerId="AD" clId="Web-{0C7D88AA-1E6B-DAD5-588B-E8E99FD28D85}" dt="2024-05-26T23:55:04.193" v="2531"/>
+          <ac:cxnSpMkLst>
+            <pc:docMk/>
+            <pc:sldMk cId="923601911" sldId="317"/>
+            <ac:cxnSpMk id="18" creationId="{00B59E85-AA85-CD4A-73EC-C9D9DF9E5D35}"/>
+          </ac:cxnSpMkLst>
+        </pc:cxnChg>
+        <pc:cxnChg chg="add mod">
+          <ac:chgData name="PEREZ VERGARA MELANY" userId="S::m.perezvergara@uandresbello.edu::d95698a7-632e-4c03-ab0f-564477513d69" providerId="AD" clId="Web-{0C7D88AA-1E6B-DAD5-588B-E8E99FD28D85}" dt="2024-05-26T23:57:59.434" v="2556" actId="1076"/>
+          <ac:cxnSpMkLst>
+            <pc:docMk/>
+            <pc:sldMk cId="923601911" sldId="317"/>
+            <ac:cxnSpMk id="19" creationId="{9A78B542-F118-A190-A141-3C714236AE06}"/>
+          </ac:cxnSpMkLst>
+        </pc:cxnChg>
       </pc:sldChg>
       <pc:sldChg chg="add del replId">
         <pc:chgData name="PEREZ VERGARA MELANY" userId="S::m.perezvergara@uandresbello.edu::d95698a7-632e-4c03-ab0f-564477513d69" providerId="AD" clId="Web-{0C7D88AA-1E6B-DAD5-588B-E8E99FD28D85}" dt="2024-05-26T22:29:02.792" v="1808"/>
@@ -2252,6 +2609,37 @@
           <pc:docMk/>
           <pc:sldMk cId="119170407" sldId="318"/>
         </pc:sldMkLst>
+      </pc:sldChg>
+      <pc:sldChg chg="addSp modSp add replId">
+        <pc:chgData name="PEREZ VERGARA MELANY" userId="S::m.perezvergara@uandresbello.edu::d95698a7-632e-4c03-ab0f-564477513d69" providerId="AD" clId="Web-{0C7D88AA-1E6B-DAD5-588B-E8E99FD28D85}" dt="2024-05-26T23:48:33.722" v="2515" actId="14100"/>
+        <pc:sldMkLst>
+          <pc:docMk/>
+          <pc:sldMk cId="3982118065" sldId="318"/>
+        </pc:sldMkLst>
+        <pc:spChg chg="mod">
+          <ac:chgData name="PEREZ VERGARA MELANY" userId="S::m.perezvergara@uandresbello.edu::d95698a7-632e-4c03-ab0f-564477513d69" providerId="AD" clId="Web-{0C7D88AA-1E6B-DAD5-588B-E8E99FD28D85}" dt="2024-05-26T23:47:50.736" v="2503" actId="20577"/>
+          <ac:spMkLst>
+            <pc:docMk/>
+            <pc:sldMk cId="3982118065" sldId="318"/>
+            <ac:spMk id="3" creationId="{23480A74-8042-3918-FB57-0ABA427747B4}"/>
+          </ac:spMkLst>
+        </pc:spChg>
+        <pc:spChg chg="mod">
+          <ac:chgData name="PEREZ VERGARA MELANY" userId="S::m.perezvergara@uandresbello.edu::d95698a7-632e-4c03-ab0f-564477513d69" providerId="AD" clId="Web-{0C7D88AA-1E6B-DAD5-588B-E8E99FD28D85}" dt="2024-05-26T23:48:15.284" v="2510" actId="14100"/>
+          <ac:spMkLst>
+            <pc:docMk/>
+            <pc:sldMk cId="3982118065" sldId="318"/>
+            <ac:spMk id="5" creationId="{433DB7EB-7290-9321-AB65-AD0581FDF5EA}"/>
+          </ac:spMkLst>
+        </pc:spChg>
+        <pc:picChg chg="add mod">
+          <ac:chgData name="PEREZ VERGARA MELANY" userId="S::m.perezvergara@uandresbello.edu::d95698a7-632e-4c03-ab0f-564477513d69" providerId="AD" clId="Web-{0C7D88AA-1E6B-DAD5-588B-E8E99FD28D85}" dt="2024-05-26T23:48:33.722" v="2515" actId="14100"/>
+          <ac:picMkLst>
+            <pc:docMk/>
+            <pc:sldMk cId="3982118065" sldId="318"/>
+            <ac:picMk id="4" creationId="{3EF888D7-E455-A9CB-C2B7-4661E8B7D61D}"/>
+          </ac:picMkLst>
+        </pc:picChg>
       </pc:sldChg>
     </pc:docChg>
   </pc:docChgLst>
@@ -2719,233 +3107,6 @@
             <pc:docMk/>
             <pc:sldMk cId="2779685119" sldId="306"/>
             <ac:picMk id="28" creationId="{77795404-A2C2-4B03-8F96-7FBA7A67E7DE}"/>
-          </ac:picMkLst>
-        </pc:picChg>
-      </pc:sldChg>
-    </pc:docChg>
-  </pc:docChgLst>
-  <pc:docChgLst>
-    <pc:chgData name="GAMBOA ALVARADO IGNACIO G" userId="d3d0d4b5-30dd-46e6-93bb-837ddea6ad49" providerId="ADAL" clId="{8CBB8C90-6B1F-4992-B562-0E68CFD0F3DC}"/>
-    <pc:docChg chg="undo custSel addSld delSld modSld">
-      <pc:chgData name="GAMBOA ALVARADO IGNACIO G" userId="d3d0d4b5-30dd-46e6-93bb-837ddea6ad49" providerId="ADAL" clId="{8CBB8C90-6B1F-4992-B562-0E68CFD0F3DC}" dt="2024-05-26T21:24:52.958" v="1430" actId="22"/>
-      <pc:docMkLst>
-        <pc:docMk/>
-      </pc:docMkLst>
-      <pc:sldChg chg="addSp delSp modSp mod modNotesTx">
-        <pc:chgData name="GAMBOA ALVARADO IGNACIO G" userId="d3d0d4b5-30dd-46e6-93bb-837ddea6ad49" providerId="ADAL" clId="{8CBB8C90-6B1F-4992-B562-0E68CFD0F3DC}" dt="2024-05-25T22:53:27.534" v="155" actId="20577"/>
-        <pc:sldMkLst>
-          <pc:docMk/>
-          <pc:sldMk cId="1957369981" sldId="262"/>
-        </pc:sldMkLst>
-        <pc:spChg chg="add mod">
-          <ac:chgData name="GAMBOA ALVARADO IGNACIO G" userId="d3d0d4b5-30dd-46e6-93bb-837ddea6ad49" providerId="ADAL" clId="{8CBB8C90-6B1F-4992-B562-0E68CFD0F3DC}" dt="2024-05-25T22:51:06.440" v="51" actId="1076"/>
-          <ac:spMkLst>
-            <pc:docMk/>
-            <pc:sldMk cId="1957369981" sldId="262"/>
-            <ac:spMk id="3" creationId="{14CE27E0-12EF-847D-668C-1C37A72AC54A}"/>
-          </ac:spMkLst>
-        </pc:spChg>
-        <pc:spChg chg="add mod">
-          <ac:chgData name="GAMBOA ALVARADO IGNACIO G" userId="d3d0d4b5-30dd-46e6-93bb-837ddea6ad49" providerId="ADAL" clId="{8CBB8C90-6B1F-4992-B562-0E68CFD0F3DC}" dt="2024-05-25T22:53:08.941" v="125" actId="115"/>
-          <ac:spMkLst>
-            <pc:docMk/>
-            <pc:sldMk cId="1957369981" sldId="262"/>
-            <ac:spMk id="4" creationId="{2A5B1E45-4D0E-297A-AB3D-9607063D7ABF}"/>
-          </ac:spMkLst>
-        </pc:spChg>
-        <pc:spChg chg="mod">
-          <ac:chgData name="GAMBOA ALVARADO IGNACIO G" userId="d3d0d4b5-30dd-46e6-93bb-837ddea6ad49" providerId="ADAL" clId="{8CBB8C90-6B1F-4992-B562-0E68CFD0F3DC}" dt="2024-05-25T22:49:46.327" v="22" actId="1076"/>
-          <ac:spMkLst>
-            <pc:docMk/>
-            <pc:sldMk cId="1957369981" sldId="262"/>
-            <ac:spMk id="13" creationId="{00000000-0000-0000-0000-000000000000}"/>
-          </ac:spMkLst>
-        </pc:spChg>
-        <pc:picChg chg="add mod">
-          <ac:chgData name="GAMBOA ALVARADO IGNACIO G" userId="d3d0d4b5-30dd-46e6-93bb-837ddea6ad49" providerId="ADAL" clId="{8CBB8C90-6B1F-4992-B562-0E68CFD0F3DC}" dt="2024-05-25T22:49:39.514" v="21" actId="1076"/>
-          <ac:picMkLst>
-            <pc:docMk/>
-            <pc:sldMk cId="1957369981" sldId="262"/>
-            <ac:picMk id="2" creationId="{AB648918-9FDB-46EB-F89C-E9D3FFF1273B}"/>
-          </ac:picMkLst>
-        </pc:picChg>
-        <pc:picChg chg="del">
-          <ac:chgData name="GAMBOA ALVARADO IGNACIO G" userId="d3d0d4b5-30dd-46e6-93bb-837ddea6ad49" providerId="ADAL" clId="{8CBB8C90-6B1F-4992-B562-0E68CFD0F3DC}" dt="2024-05-25T22:45:54.098" v="0" actId="478"/>
-          <ac:picMkLst>
-            <pc:docMk/>
-            <pc:sldMk cId="1957369981" sldId="262"/>
-            <ac:picMk id="8" creationId="{00000000-0000-0000-0000-000000000000}"/>
-          </ac:picMkLst>
-        </pc:picChg>
-        <pc:picChg chg="mod">
-          <ac:chgData name="GAMBOA ALVARADO IGNACIO G" userId="d3d0d4b5-30dd-46e6-93bb-837ddea6ad49" providerId="ADAL" clId="{8CBB8C90-6B1F-4992-B562-0E68CFD0F3DC}" dt="2024-05-25T22:48:55.182" v="17" actId="1076"/>
-          <ac:picMkLst>
-            <pc:docMk/>
-            <pc:sldMk cId="1957369981" sldId="262"/>
-            <ac:picMk id="9" creationId="{00000000-0000-0000-0000-000000000000}"/>
-          </ac:picMkLst>
-        </pc:picChg>
-        <pc:picChg chg="mod">
-          <ac:chgData name="GAMBOA ALVARADO IGNACIO G" userId="d3d0d4b5-30dd-46e6-93bb-837ddea6ad49" providerId="ADAL" clId="{8CBB8C90-6B1F-4992-B562-0E68CFD0F3DC}" dt="2024-05-25T22:49:24.864" v="20" actId="1076"/>
-          <ac:picMkLst>
-            <pc:docMk/>
-            <pc:sldMk cId="1957369981" sldId="262"/>
-            <ac:picMk id="10" creationId="{00000000-0000-0000-0000-000000000000}"/>
-          </ac:picMkLst>
-        </pc:picChg>
-      </pc:sldChg>
-      <pc:sldChg chg="addSp delSp modSp mod modNotesTx">
-        <pc:chgData name="GAMBOA ALVARADO IGNACIO G" userId="d3d0d4b5-30dd-46e6-93bb-837ddea6ad49" providerId="ADAL" clId="{8CBB8C90-6B1F-4992-B562-0E68CFD0F3DC}" dt="2024-05-25T23:12:26.814" v="1428" actId="20577"/>
-        <pc:sldMkLst>
-          <pc:docMk/>
-          <pc:sldMk cId="1761978179" sldId="303"/>
-        </pc:sldMkLst>
-        <pc:spChg chg="mod">
-          <ac:chgData name="GAMBOA ALVARADO IGNACIO G" userId="d3d0d4b5-30dd-46e6-93bb-837ddea6ad49" providerId="ADAL" clId="{8CBB8C90-6B1F-4992-B562-0E68CFD0F3DC}" dt="2024-05-25T23:01:26.637" v="850" actId="313"/>
-          <ac:spMkLst>
-            <pc:docMk/>
-            <pc:sldMk cId="1761978179" sldId="303"/>
-            <ac:spMk id="5" creationId="{699E2788-EBE2-45DF-9C0B-D666080A46A9}"/>
-          </ac:spMkLst>
-        </pc:spChg>
-        <pc:spChg chg="mod">
-          <ac:chgData name="GAMBOA ALVARADO IGNACIO G" userId="d3d0d4b5-30dd-46e6-93bb-837ddea6ad49" providerId="ADAL" clId="{8CBB8C90-6B1F-4992-B562-0E68CFD0F3DC}" dt="2024-05-25T23:05:17.306" v="1108" actId="20577"/>
-          <ac:spMkLst>
-            <pc:docMk/>
-            <pc:sldMk cId="1761978179" sldId="303"/>
-            <ac:spMk id="6" creationId="{9DEC9D77-6AA7-4B6B-881C-F31DAAE1DB2A}"/>
-          </ac:spMkLst>
-        </pc:spChg>
-        <pc:spChg chg="mod">
-          <ac:chgData name="GAMBOA ALVARADO IGNACIO G" userId="d3d0d4b5-30dd-46e6-93bb-837ddea6ad49" providerId="ADAL" clId="{8CBB8C90-6B1F-4992-B562-0E68CFD0F3DC}" dt="2024-05-25T23:12:26.814" v="1428" actId="20577"/>
-          <ac:spMkLst>
-            <pc:docMk/>
-            <pc:sldMk cId="1761978179" sldId="303"/>
-            <ac:spMk id="8" creationId="{8E5AB793-981F-4F0C-993F-B574912D895B}"/>
-          </ac:spMkLst>
-        </pc:spChg>
-        <pc:spChg chg="mod">
-          <ac:chgData name="GAMBOA ALVARADO IGNACIO G" userId="d3d0d4b5-30dd-46e6-93bb-837ddea6ad49" providerId="ADAL" clId="{8CBB8C90-6B1F-4992-B562-0E68CFD0F3DC}" dt="2024-05-25T22:59:54.044" v="747" actId="20577"/>
-          <ac:spMkLst>
-            <pc:docMk/>
-            <pc:sldMk cId="1761978179" sldId="303"/>
-            <ac:spMk id="10" creationId="{DC1D303F-E600-4ACE-9AB7-C6AEB05050D4}"/>
-          </ac:spMkLst>
-        </pc:spChg>
-        <pc:spChg chg="mod">
-          <ac:chgData name="GAMBOA ALVARADO IGNACIO G" userId="d3d0d4b5-30dd-46e6-93bb-837ddea6ad49" providerId="ADAL" clId="{8CBB8C90-6B1F-4992-B562-0E68CFD0F3DC}" dt="2024-05-25T23:03:38.271" v="875" actId="20577"/>
-          <ac:spMkLst>
-            <pc:docMk/>
-            <pc:sldMk cId="1761978179" sldId="303"/>
-            <ac:spMk id="11" creationId="{ACB6F962-DADC-4482-8A69-766A19968AF5}"/>
-          </ac:spMkLst>
-        </pc:spChg>
-        <pc:spChg chg="add del mod">
-          <ac:chgData name="GAMBOA ALVARADO IGNACIO G" userId="d3d0d4b5-30dd-46e6-93bb-837ddea6ad49" providerId="ADAL" clId="{8CBB8C90-6B1F-4992-B562-0E68CFD0F3DC}" dt="2024-05-25T23:10:21.783" v="1180" actId="20577"/>
-          <ac:spMkLst>
-            <pc:docMk/>
-            <pc:sldMk cId="1761978179" sldId="303"/>
-            <ac:spMk id="12" creationId="{A3A365B2-B2DE-4D2C-92CE-32C0611969DB}"/>
-          </ac:spMkLst>
-        </pc:spChg>
-        <pc:spChg chg="mod">
-          <ac:chgData name="GAMBOA ALVARADO IGNACIO G" userId="d3d0d4b5-30dd-46e6-93bb-837ddea6ad49" providerId="ADAL" clId="{8CBB8C90-6B1F-4992-B562-0E68CFD0F3DC}" dt="2024-05-25T23:05:32.844" v="1111" actId="1076"/>
-          <ac:spMkLst>
-            <pc:docMk/>
-            <pc:sldMk cId="1761978179" sldId="303"/>
-            <ac:spMk id="21" creationId="{6A548F58-8CF8-4D0C-8871-44C1700A4D4B}"/>
-          </ac:spMkLst>
-        </pc:spChg>
-        <pc:spChg chg="mod">
-          <ac:chgData name="GAMBOA ALVARADO IGNACIO G" userId="d3d0d4b5-30dd-46e6-93bb-837ddea6ad49" providerId="ADAL" clId="{8CBB8C90-6B1F-4992-B562-0E68CFD0F3DC}" dt="2024-05-25T23:11:36.767" v="1182" actId="1076"/>
-          <ac:spMkLst>
-            <pc:docMk/>
-            <pc:sldMk cId="1761978179" sldId="303"/>
-            <ac:spMk id="23" creationId="{73182A38-D6DF-453D-921E-315EFA20E2ED}"/>
-          </ac:spMkLst>
-        </pc:spChg>
-        <pc:cxnChg chg="mod">
-          <ac:chgData name="GAMBOA ALVARADO IGNACIO G" userId="d3d0d4b5-30dd-46e6-93bb-837ddea6ad49" providerId="ADAL" clId="{8CBB8C90-6B1F-4992-B562-0E68CFD0F3DC}" dt="2024-05-25T23:05:28.013" v="1110" actId="1076"/>
-          <ac:cxnSpMkLst>
-            <pc:docMk/>
-            <pc:sldMk cId="1761978179" sldId="303"/>
-            <ac:cxnSpMk id="22" creationId="{6A7DB234-E311-4E3B-AE05-EF5CB163CB48}"/>
-          </ac:cxnSpMkLst>
-        </pc:cxnChg>
-      </pc:sldChg>
-      <pc:sldChg chg="modNotesTx">
-        <pc:chgData name="GAMBOA ALVARADO IGNACIO G" userId="d3d0d4b5-30dd-46e6-93bb-837ddea6ad49" providerId="ADAL" clId="{8CBB8C90-6B1F-4992-B562-0E68CFD0F3DC}" dt="2024-05-25T22:55:01.615" v="462" actId="313"/>
-        <pc:sldMkLst>
-          <pc:docMk/>
-          <pc:sldMk cId="3105322462" sldId="304"/>
-        </pc:sldMkLst>
-      </pc:sldChg>
-      <pc:sldChg chg="addSp delSp mod modNotesTx">
-        <pc:chgData name="GAMBOA ALVARADO IGNACIO G" userId="d3d0d4b5-30dd-46e6-93bb-837ddea6ad49" providerId="ADAL" clId="{8CBB8C90-6B1F-4992-B562-0E68CFD0F3DC}" dt="2024-05-26T21:24:52.958" v="1430" actId="22"/>
-        <pc:sldMkLst>
-          <pc:docMk/>
-          <pc:sldMk cId="743564996" sldId="305"/>
-        </pc:sldMkLst>
-        <pc:spChg chg="add del">
-          <ac:chgData name="GAMBOA ALVARADO IGNACIO G" userId="d3d0d4b5-30dd-46e6-93bb-837ddea6ad49" providerId="ADAL" clId="{8CBB8C90-6B1F-4992-B562-0E68CFD0F3DC}" dt="2024-05-26T21:24:52.958" v="1430" actId="22"/>
-          <ac:spMkLst>
-            <pc:docMk/>
-            <pc:sldMk cId="743564996" sldId="305"/>
-            <ac:spMk id="8" creationId="{9087CC75-65C4-2427-163E-A49E235D6F83}"/>
-          </ac:spMkLst>
-        </pc:spChg>
-      </pc:sldChg>
-      <pc:sldChg chg="modNotesTx">
-        <pc:chgData name="GAMBOA ALVARADO IGNACIO G" userId="d3d0d4b5-30dd-46e6-93bb-837ddea6ad49" providerId="ADAL" clId="{8CBB8C90-6B1F-4992-B562-0E68CFD0F3DC}" dt="2024-05-25T22:58:38.633" v="727" actId="5793"/>
-        <pc:sldMkLst>
-          <pc:docMk/>
-          <pc:sldMk cId="2146413309" sldId="307"/>
-        </pc:sldMkLst>
-      </pc:sldChg>
-      <pc:sldChg chg="add del">
-        <pc:chgData name="GAMBOA ALVARADO IGNACIO G" userId="d3d0d4b5-30dd-46e6-93bb-837ddea6ad49" providerId="ADAL" clId="{8CBB8C90-6B1F-4992-B562-0E68CFD0F3DC}" dt="2024-05-25T23:00:35.106" v="784" actId="2890"/>
-        <pc:sldMkLst>
-          <pc:docMk/>
-          <pc:sldMk cId="3835194171" sldId="317"/>
-        </pc:sldMkLst>
-      </pc:sldChg>
-    </pc:docChg>
-  </pc:docChgLst>
-  <pc:docChgLst>
-    <pc:chgData name="Usuario invitado" userId="S::urn:spo:anon#eb2a7d79476950051e46bb22be043da915db42be12fcf09fa5fbcbdfd1e1932b::" providerId="AD" clId="Web-{06BA73ED-A061-6375-8FFE-D5F796DAB0DE}"/>
-    <pc:docChg chg="modSld">
-      <pc:chgData name="Usuario invitado" userId="S::urn:spo:anon#eb2a7d79476950051e46bb22be043da915db42be12fcf09fa5fbcbdfd1e1932b::" providerId="AD" clId="Web-{06BA73ED-A061-6375-8FFE-D5F796DAB0DE}" dt="2018-08-28T18:40:40.402" v="2" actId="1076"/>
-      <pc:docMkLst>
-        <pc:docMk/>
-      </pc:docMkLst>
-      <pc:sldChg chg="delSp modSp">
-        <pc:chgData name="Usuario invitado" userId="S::urn:spo:anon#eb2a7d79476950051e46bb22be043da915db42be12fcf09fa5fbcbdfd1e1932b::" providerId="AD" clId="Web-{06BA73ED-A061-6375-8FFE-D5F796DAB0DE}" dt="2018-08-28T18:40:40.402" v="2" actId="1076"/>
-        <pc:sldMkLst>
-          <pc:docMk/>
-          <pc:sldMk cId="1957369981" sldId="262"/>
-        </pc:sldMkLst>
-        <pc:spChg chg="del">
-          <ac:chgData name="Usuario invitado" userId="S::urn:spo:anon#eb2a7d79476950051e46bb22be043da915db42be12fcf09fa5fbcbdfd1e1932b::" providerId="AD" clId="Web-{06BA73ED-A061-6375-8FFE-D5F796DAB0DE}" dt="2018-08-28T18:39:21.057" v="1"/>
-          <ac:spMkLst>
-            <pc:docMk/>
-            <pc:sldMk cId="1957369981" sldId="262"/>
-            <ac:spMk id="7" creationId="{C85DB8C4-FFB0-4CA0-AC46-2DA3367DA6D7}"/>
-          </ac:spMkLst>
-        </pc:spChg>
-        <pc:spChg chg="del">
-          <ac:chgData name="Usuario invitado" userId="S::urn:spo:anon#eb2a7d79476950051e46bb22be043da915db42be12fcf09fa5fbcbdfd1e1932b::" providerId="AD" clId="Web-{06BA73ED-A061-6375-8FFE-D5F796DAB0DE}" dt="2018-08-28T18:39:18.916" v="0"/>
-          <ac:spMkLst>
-            <pc:docMk/>
-            <pc:sldMk cId="1957369981" sldId="262"/>
-            <ac:spMk id="11" creationId="{00000000-0000-0000-0000-000000000000}"/>
-          </ac:spMkLst>
-        </pc:spChg>
-        <pc:picChg chg="mod">
-          <ac:chgData name="Usuario invitado" userId="S::urn:spo:anon#eb2a7d79476950051e46bb22be043da915db42be12fcf09fa5fbcbdfd1e1932b::" providerId="AD" clId="Web-{06BA73ED-A061-6375-8FFE-D5F796DAB0DE}" dt="2018-08-28T18:40:40.402" v="2" actId="1076"/>
-          <ac:picMkLst>
-            <pc:docMk/>
-            <pc:sldMk cId="1957369981" sldId="262"/>
-            <ac:picMk id="10" creationId="{00000000-0000-0000-0000-000000000000}"/>
           </ac:picMkLst>
         </pc:picChg>
       </pc:sldChg>
@@ -3391,6 +3552,201 @@
       </pc:sldChg>
     </pc:docChg>
   </pc:docChgLst>
+  <pc:docChgLst>
+    <pc:chgData name="GAMBOA ALVARADO IGNACIO G" userId="d3d0d4b5-30dd-46e6-93bb-837ddea6ad49" providerId="ADAL" clId="{8CBB8C90-6B1F-4992-B562-0E68CFD0F3DC}"/>
+    <pc:docChg chg="undo custSel addSld delSld modSld">
+      <pc:chgData name="GAMBOA ALVARADO IGNACIO G" userId="d3d0d4b5-30dd-46e6-93bb-837ddea6ad49" providerId="ADAL" clId="{8CBB8C90-6B1F-4992-B562-0E68CFD0F3DC}" dt="2024-05-29T02:47:27.401" v="1433" actId="20577"/>
+      <pc:docMkLst>
+        <pc:docMk/>
+      </pc:docMkLst>
+      <pc:sldChg chg="addSp delSp modSp mod modNotesTx">
+        <pc:chgData name="GAMBOA ALVARADO IGNACIO G" userId="d3d0d4b5-30dd-46e6-93bb-837ddea6ad49" providerId="ADAL" clId="{8CBB8C90-6B1F-4992-B562-0E68CFD0F3DC}" dt="2024-05-25T22:53:27.534" v="155" actId="20577"/>
+        <pc:sldMkLst>
+          <pc:docMk/>
+          <pc:sldMk cId="1957369981" sldId="262"/>
+        </pc:sldMkLst>
+        <pc:spChg chg="add mod">
+          <ac:chgData name="GAMBOA ALVARADO IGNACIO G" userId="d3d0d4b5-30dd-46e6-93bb-837ddea6ad49" providerId="ADAL" clId="{8CBB8C90-6B1F-4992-B562-0E68CFD0F3DC}" dt="2024-05-25T22:51:06.440" v="51" actId="1076"/>
+          <ac:spMkLst>
+            <pc:docMk/>
+            <pc:sldMk cId="1957369981" sldId="262"/>
+            <ac:spMk id="3" creationId="{14CE27E0-12EF-847D-668C-1C37A72AC54A}"/>
+          </ac:spMkLst>
+        </pc:spChg>
+        <pc:spChg chg="add mod">
+          <ac:chgData name="GAMBOA ALVARADO IGNACIO G" userId="d3d0d4b5-30dd-46e6-93bb-837ddea6ad49" providerId="ADAL" clId="{8CBB8C90-6B1F-4992-B562-0E68CFD0F3DC}" dt="2024-05-25T22:53:08.941" v="125" actId="115"/>
+          <ac:spMkLst>
+            <pc:docMk/>
+            <pc:sldMk cId="1957369981" sldId="262"/>
+            <ac:spMk id="4" creationId="{2A5B1E45-4D0E-297A-AB3D-9607063D7ABF}"/>
+          </ac:spMkLst>
+        </pc:spChg>
+        <pc:spChg chg="mod">
+          <ac:chgData name="GAMBOA ALVARADO IGNACIO G" userId="d3d0d4b5-30dd-46e6-93bb-837ddea6ad49" providerId="ADAL" clId="{8CBB8C90-6B1F-4992-B562-0E68CFD0F3DC}" dt="2024-05-25T22:49:46.327" v="22" actId="1076"/>
+          <ac:spMkLst>
+            <pc:docMk/>
+            <pc:sldMk cId="1957369981" sldId="262"/>
+            <ac:spMk id="13" creationId="{00000000-0000-0000-0000-000000000000}"/>
+          </ac:spMkLst>
+        </pc:spChg>
+        <pc:picChg chg="add mod">
+          <ac:chgData name="GAMBOA ALVARADO IGNACIO G" userId="d3d0d4b5-30dd-46e6-93bb-837ddea6ad49" providerId="ADAL" clId="{8CBB8C90-6B1F-4992-B562-0E68CFD0F3DC}" dt="2024-05-25T22:49:39.514" v="21" actId="1076"/>
+          <ac:picMkLst>
+            <pc:docMk/>
+            <pc:sldMk cId="1957369981" sldId="262"/>
+            <ac:picMk id="2" creationId="{AB648918-9FDB-46EB-F89C-E9D3FFF1273B}"/>
+          </ac:picMkLst>
+        </pc:picChg>
+        <pc:picChg chg="del">
+          <ac:chgData name="GAMBOA ALVARADO IGNACIO G" userId="d3d0d4b5-30dd-46e6-93bb-837ddea6ad49" providerId="ADAL" clId="{8CBB8C90-6B1F-4992-B562-0E68CFD0F3DC}" dt="2024-05-25T22:45:54.098" v="0" actId="478"/>
+          <ac:picMkLst>
+            <pc:docMk/>
+            <pc:sldMk cId="1957369981" sldId="262"/>
+            <ac:picMk id="8" creationId="{00000000-0000-0000-0000-000000000000}"/>
+          </ac:picMkLst>
+        </pc:picChg>
+        <pc:picChg chg="mod">
+          <ac:chgData name="GAMBOA ALVARADO IGNACIO G" userId="d3d0d4b5-30dd-46e6-93bb-837ddea6ad49" providerId="ADAL" clId="{8CBB8C90-6B1F-4992-B562-0E68CFD0F3DC}" dt="2024-05-25T22:48:55.182" v="17" actId="1076"/>
+          <ac:picMkLst>
+            <pc:docMk/>
+            <pc:sldMk cId="1957369981" sldId="262"/>
+            <ac:picMk id="9" creationId="{00000000-0000-0000-0000-000000000000}"/>
+          </ac:picMkLst>
+        </pc:picChg>
+        <pc:picChg chg="mod">
+          <ac:chgData name="GAMBOA ALVARADO IGNACIO G" userId="d3d0d4b5-30dd-46e6-93bb-837ddea6ad49" providerId="ADAL" clId="{8CBB8C90-6B1F-4992-B562-0E68CFD0F3DC}" dt="2024-05-25T22:49:24.864" v="20" actId="1076"/>
+          <ac:picMkLst>
+            <pc:docMk/>
+            <pc:sldMk cId="1957369981" sldId="262"/>
+            <ac:picMk id="10" creationId="{00000000-0000-0000-0000-000000000000}"/>
+          </ac:picMkLst>
+        </pc:picChg>
+      </pc:sldChg>
+      <pc:sldChg chg="addSp delSp modSp mod modNotesTx">
+        <pc:chgData name="GAMBOA ALVARADO IGNACIO G" userId="d3d0d4b5-30dd-46e6-93bb-837ddea6ad49" providerId="ADAL" clId="{8CBB8C90-6B1F-4992-B562-0E68CFD0F3DC}" dt="2024-05-25T23:12:26.814" v="1428" actId="20577"/>
+        <pc:sldMkLst>
+          <pc:docMk/>
+          <pc:sldMk cId="1761978179" sldId="303"/>
+        </pc:sldMkLst>
+        <pc:spChg chg="mod">
+          <ac:chgData name="GAMBOA ALVARADO IGNACIO G" userId="d3d0d4b5-30dd-46e6-93bb-837ddea6ad49" providerId="ADAL" clId="{8CBB8C90-6B1F-4992-B562-0E68CFD0F3DC}" dt="2024-05-25T23:01:26.637" v="850" actId="313"/>
+          <ac:spMkLst>
+            <pc:docMk/>
+            <pc:sldMk cId="1761978179" sldId="303"/>
+            <ac:spMk id="5" creationId="{699E2788-EBE2-45DF-9C0B-D666080A46A9}"/>
+          </ac:spMkLst>
+        </pc:spChg>
+        <pc:spChg chg="mod">
+          <ac:chgData name="GAMBOA ALVARADO IGNACIO G" userId="d3d0d4b5-30dd-46e6-93bb-837ddea6ad49" providerId="ADAL" clId="{8CBB8C90-6B1F-4992-B562-0E68CFD0F3DC}" dt="2024-05-25T23:05:17.306" v="1108" actId="20577"/>
+          <ac:spMkLst>
+            <pc:docMk/>
+            <pc:sldMk cId="1761978179" sldId="303"/>
+            <ac:spMk id="6" creationId="{9DEC9D77-6AA7-4B6B-881C-F31DAAE1DB2A}"/>
+          </ac:spMkLst>
+        </pc:spChg>
+        <pc:spChg chg="mod">
+          <ac:chgData name="GAMBOA ALVARADO IGNACIO G" userId="d3d0d4b5-30dd-46e6-93bb-837ddea6ad49" providerId="ADAL" clId="{8CBB8C90-6B1F-4992-B562-0E68CFD0F3DC}" dt="2024-05-25T23:12:26.814" v="1428" actId="20577"/>
+          <ac:spMkLst>
+            <pc:docMk/>
+            <pc:sldMk cId="1761978179" sldId="303"/>
+            <ac:spMk id="8" creationId="{8E5AB793-981F-4F0C-993F-B574912D895B}"/>
+          </ac:spMkLst>
+        </pc:spChg>
+        <pc:spChg chg="mod">
+          <ac:chgData name="GAMBOA ALVARADO IGNACIO G" userId="d3d0d4b5-30dd-46e6-93bb-837ddea6ad49" providerId="ADAL" clId="{8CBB8C90-6B1F-4992-B562-0E68CFD0F3DC}" dt="2024-05-25T22:59:54.044" v="747" actId="20577"/>
+          <ac:spMkLst>
+            <pc:docMk/>
+            <pc:sldMk cId="1761978179" sldId="303"/>
+            <ac:spMk id="10" creationId="{DC1D303F-E600-4ACE-9AB7-C6AEB05050D4}"/>
+          </ac:spMkLst>
+        </pc:spChg>
+        <pc:spChg chg="mod">
+          <ac:chgData name="GAMBOA ALVARADO IGNACIO G" userId="d3d0d4b5-30dd-46e6-93bb-837ddea6ad49" providerId="ADAL" clId="{8CBB8C90-6B1F-4992-B562-0E68CFD0F3DC}" dt="2024-05-25T23:03:38.271" v="875" actId="20577"/>
+          <ac:spMkLst>
+            <pc:docMk/>
+            <pc:sldMk cId="1761978179" sldId="303"/>
+            <ac:spMk id="11" creationId="{ACB6F962-DADC-4482-8A69-766A19968AF5}"/>
+          </ac:spMkLst>
+        </pc:spChg>
+        <pc:spChg chg="add del mod">
+          <ac:chgData name="GAMBOA ALVARADO IGNACIO G" userId="d3d0d4b5-30dd-46e6-93bb-837ddea6ad49" providerId="ADAL" clId="{8CBB8C90-6B1F-4992-B562-0E68CFD0F3DC}" dt="2024-05-25T23:10:21.783" v="1180" actId="20577"/>
+          <ac:spMkLst>
+            <pc:docMk/>
+            <pc:sldMk cId="1761978179" sldId="303"/>
+            <ac:spMk id="12" creationId="{A3A365B2-B2DE-4D2C-92CE-32C0611969DB}"/>
+          </ac:spMkLst>
+        </pc:spChg>
+        <pc:spChg chg="mod">
+          <ac:chgData name="GAMBOA ALVARADO IGNACIO G" userId="d3d0d4b5-30dd-46e6-93bb-837ddea6ad49" providerId="ADAL" clId="{8CBB8C90-6B1F-4992-B562-0E68CFD0F3DC}" dt="2024-05-25T23:05:32.844" v="1111" actId="1076"/>
+          <ac:spMkLst>
+            <pc:docMk/>
+            <pc:sldMk cId="1761978179" sldId="303"/>
+            <ac:spMk id="21" creationId="{6A548F58-8CF8-4D0C-8871-44C1700A4D4B}"/>
+          </ac:spMkLst>
+        </pc:spChg>
+        <pc:spChg chg="mod">
+          <ac:chgData name="GAMBOA ALVARADO IGNACIO G" userId="d3d0d4b5-30dd-46e6-93bb-837ddea6ad49" providerId="ADAL" clId="{8CBB8C90-6B1F-4992-B562-0E68CFD0F3DC}" dt="2024-05-25T23:11:36.767" v="1182" actId="1076"/>
+          <ac:spMkLst>
+            <pc:docMk/>
+            <pc:sldMk cId="1761978179" sldId="303"/>
+            <ac:spMk id="23" creationId="{73182A38-D6DF-453D-921E-315EFA20E2ED}"/>
+          </ac:spMkLst>
+        </pc:spChg>
+        <pc:cxnChg chg="mod">
+          <ac:chgData name="GAMBOA ALVARADO IGNACIO G" userId="d3d0d4b5-30dd-46e6-93bb-837ddea6ad49" providerId="ADAL" clId="{8CBB8C90-6B1F-4992-B562-0E68CFD0F3DC}" dt="2024-05-25T23:05:28.013" v="1110" actId="1076"/>
+          <ac:cxnSpMkLst>
+            <pc:docMk/>
+            <pc:sldMk cId="1761978179" sldId="303"/>
+            <ac:cxnSpMk id="22" creationId="{6A7DB234-E311-4E3B-AE05-EF5CB163CB48}"/>
+          </ac:cxnSpMkLst>
+        </pc:cxnChg>
+      </pc:sldChg>
+      <pc:sldChg chg="modNotesTx">
+        <pc:chgData name="GAMBOA ALVARADO IGNACIO G" userId="d3d0d4b5-30dd-46e6-93bb-837ddea6ad49" providerId="ADAL" clId="{8CBB8C90-6B1F-4992-B562-0E68CFD0F3DC}" dt="2024-05-29T02:47:27.401" v="1433" actId="20577"/>
+        <pc:sldMkLst>
+          <pc:docMk/>
+          <pc:sldMk cId="3105322462" sldId="304"/>
+        </pc:sldMkLst>
+      </pc:sldChg>
+      <pc:sldChg chg="addSp delSp modSp mod modNotesTx">
+        <pc:chgData name="GAMBOA ALVARADO IGNACIO G" userId="d3d0d4b5-30dd-46e6-93bb-837ddea6ad49" providerId="ADAL" clId="{8CBB8C90-6B1F-4992-B562-0E68CFD0F3DC}" dt="2024-05-29T02:40:54.514" v="1432" actId="14100"/>
+        <pc:sldMkLst>
+          <pc:docMk/>
+          <pc:sldMk cId="743564996" sldId="305"/>
+        </pc:sldMkLst>
+        <pc:spChg chg="mod">
+          <ac:chgData name="GAMBOA ALVARADO IGNACIO G" userId="d3d0d4b5-30dd-46e6-93bb-837ddea6ad49" providerId="ADAL" clId="{8CBB8C90-6B1F-4992-B562-0E68CFD0F3DC}" dt="2024-05-29T02:40:54.514" v="1432" actId="14100"/>
+          <ac:spMkLst>
+            <pc:docMk/>
+            <pc:sldMk cId="743564996" sldId="305"/>
+            <ac:spMk id="6" creationId="{FB8A4123-D4C1-6BEA-4F37-6EBC698865AE}"/>
+          </ac:spMkLst>
+        </pc:spChg>
+        <pc:spChg chg="add del">
+          <ac:chgData name="GAMBOA ALVARADO IGNACIO G" userId="d3d0d4b5-30dd-46e6-93bb-837ddea6ad49" providerId="ADAL" clId="{8CBB8C90-6B1F-4992-B562-0E68CFD0F3DC}" dt="2024-05-26T21:24:52.958" v="1430" actId="22"/>
+          <ac:spMkLst>
+            <pc:docMk/>
+            <pc:sldMk cId="743564996" sldId="305"/>
+            <ac:spMk id="8" creationId="{9087CC75-65C4-2427-163E-A49E235D6F83}"/>
+          </ac:spMkLst>
+        </pc:spChg>
+      </pc:sldChg>
+      <pc:sldChg chg="modNotesTx">
+        <pc:chgData name="GAMBOA ALVARADO IGNACIO G" userId="d3d0d4b5-30dd-46e6-93bb-837ddea6ad49" providerId="ADAL" clId="{8CBB8C90-6B1F-4992-B562-0E68CFD0F3DC}" dt="2024-05-25T22:58:38.633" v="727" actId="5793"/>
+        <pc:sldMkLst>
+          <pc:docMk/>
+          <pc:sldMk cId="2146413309" sldId="307"/>
+        </pc:sldMkLst>
+      </pc:sldChg>
+      <pc:sldChg chg="add del">
+        <pc:chgData name="GAMBOA ALVARADO IGNACIO G" userId="d3d0d4b5-30dd-46e6-93bb-837ddea6ad49" providerId="ADAL" clId="{8CBB8C90-6B1F-4992-B562-0E68CFD0F3DC}" dt="2024-05-25T23:00:35.106" v="784" actId="2890"/>
+        <pc:sldMkLst>
+          <pc:docMk/>
+          <pc:sldMk cId="3835194171" sldId="317"/>
+        </pc:sldMkLst>
+      </pc:sldChg>
+    </pc:docChg>
+  </pc:docChgLst>
 </pc:chgInfo>
 </file>
 
@@ -3476,7 +3832,7 @@
           <a:p>
             <a:fld id="{89347D60-E39B-E041-B6CE-3FDC1A8BB989}" type="datetimeFigureOut">
               <a:rPr lang="es-ES_tradnl" smtClean="0"/>
-              <a:t>26/05/2024</a:t>
+              <a:t>28/05/2024</a:t>
             </a:fld>
             <a:endParaRPr lang="es-ES_tradnl"/>
           </a:p>
@@ -3634,7 +3990,7 @@
           <a:p>
             <a:fld id="{80AD1966-643A-ED45-BFF9-B0FE18A32E2B}" type="slidenum">
               <a:rPr lang="es-ES_tradnl" smtClean="0"/>
-              <a:t>‹#›</a:t>
+              <a:t>‹Nº›</a:t>
             </a:fld>
             <a:endParaRPr lang="es-ES_tradnl"/>
           </a:p>
@@ -4730,13 +5086,7 @@
           <a:p>
             <a:r>
               <a:rPr lang="es-ES_tradnl"/>
-              <a:t>Variable dependiente: Precio.</a:t>
-            </a:r>
-          </a:p>
-          <a:p>
-            <a:r>
-              <a:rPr lang="es-ES_tradnl"/>
-              <a:t>Variables independientes: Todas las demás.</a:t>
+              <a:t>Resumen del aprendizaje supervisado y los algoritmos a considerar sin explicar, estos se justificarán a medida que se avance…</a:t>
             </a:r>
           </a:p>
         </p:txBody>
@@ -4767,7 +5117,7 @@
     </p:spTree>
     <p:extLst>
       <p:ext uri="{BB962C8B-B14F-4D97-AF65-F5344CB8AC3E}">
-        <p14:creationId xmlns:p14="http://schemas.microsoft.com/office/powerpoint/2010/main" val="2110839812"/>
+        <p14:creationId xmlns:p14="http://schemas.microsoft.com/office/powerpoint/2010/main" val="142861778"/>
       </p:ext>
     </p:extLst>
   </p:cSld>
@@ -4821,7 +5171,16 @@
           <a:bodyPr/>
           <a:lstStyle/>
           <a:p>
-            <a:endParaRPr lang="es-ES_tradnl"/>
+            <a:r>
+              <a:rPr lang="es-ES_tradnl"/>
+              <a:t>Variable dependiente: Precio.</a:t>
+            </a:r>
+          </a:p>
+          <a:p>
+            <a:r>
+              <a:rPr lang="es-ES_tradnl"/>
+              <a:t>Variables independientes: Todas las demás.</a:t>
+            </a:r>
           </a:p>
         </p:txBody>
       </p:sp>
@@ -4842,7 +5201,7 @@
           <a:p>
             <a:fld id="{80AD1966-643A-ED45-BFF9-B0FE18A32E2B}" type="slidenum">
               <a:rPr lang="es-ES_tradnl" smtClean="0"/>
-              <a:t>7</a:t>
+              <a:t>6</a:t>
             </a:fld>
             <a:endParaRPr lang="es-ES_tradnl"/>
           </a:p>
@@ -4851,7 +5210,7 @@
     </p:spTree>
     <p:extLst>
       <p:ext uri="{BB962C8B-B14F-4D97-AF65-F5344CB8AC3E}">
-        <p14:creationId xmlns:p14="http://schemas.microsoft.com/office/powerpoint/2010/main" val="3081660808"/>
+        <p14:creationId xmlns:p14="http://schemas.microsoft.com/office/powerpoint/2010/main" val="2110839812"/>
       </p:ext>
     </p:extLst>
   </p:cSld>
@@ -4905,18 +5264,7 @@
           <a:bodyPr/>
           <a:lstStyle/>
           <a:p>
-            <a:r>
-              <a:rPr lang="es-ES_tradnl"/>
-              <a:t>Primer mach con las conclusiones anteriores, de preferencia mostrar aquí lo </a:t>
-            </a:r>
-            <a:r>
-              <a:rPr lang="es-ES_tradnl" err="1"/>
-              <a:t>faaltante</a:t>
-            </a:r>
-            <a:r>
-              <a:rPr lang="es-ES_tradnl"/>
-              <a:t> de la presentación 1 (LA REGRESION LINEAL)</a:t>
-            </a:r>
+            <a:endParaRPr lang="es-ES_tradnl"/>
           </a:p>
         </p:txBody>
       </p:sp>
@@ -4937,7 +5285,7 @@
           <a:p>
             <a:fld id="{80AD1966-643A-ED45-BFF9-B0FE18A32E2B}" type="slidenum">
               <a:rPr lang="es-ES_tradnl" smtClean="0"/>
-              <a:t>6</a:t>
+              <a:t>7</a:t>
             </a:fld>
             <a:endParaRPr lang="es-ES_tradnl"/>
           </a:p>
@@ -4946,7 +5294,7 @@
     </p:spTree>
     <p:extLst>
       <p:ext uri="{BB962C8B-B14F-4D97-AF65-F5344CB8AC3E}">
-        <p14:creationId xmlns:p14="http://schemas.microsoft.com/office/powerpoint/2010/main" val="1915245970"/>
+        <p14:creationId xmlns:p14="http://schemas.microsoft.com/office/powerpoint/2010/main" val="3081660808"/>
       </p:ext>
     </p:extLst>
   </p:cSld>
@@ -5000,7 +5348,18 @@
           <a:bodyPr/>
           <a:lstStyle/>
           <a:p>
-            <a:endParaRPr lang="es-ES_tradnl"/>
+            <a:r>
+              <a:rPr lang="es-ES_tradnl" dirty="0"/>
+              <a:t>Primer match con las conclusiones anteriores, de preferencia mostrar aquí lo </a:t>
+            </a:r>
+            <a:r>
+              <a:rPr lang="es-ES_tradnl" dirty="0" err="1"/>
+              <a:t>faaltante</a:t>
+            </a:r>
+            <a:r>
+              <a:rPr lang="es-ES_tradnl" dirty="0"/>
+              <a:t> de la presentación 1 (LA REGRESION LINEAL)</a:t>
+            </a:r>
           </a:p>
         </p:txBody>
       </p:sp>
@@ -5030,7 +5389,7 @@
     </p:spTree>
     <p:extLst>
       <p:ext uri="{BB962C8B-B14F-4D97-AF65-F5344CB8AC3E}">
-        <p14:creationId xmlns:p14="http://schemas.microsoft.com/office/powerpoint/2010/main" val="547028226"/>
+        <p14:creationId xmlns:p14="http://schemas.microsoft.com/office/powerpoint/2010/main" val="1915245970"/>
       </p:ext>
     </p:extLst>
   </p:cSld>
@@ -5255,7 +5614,7 @@
           <a:p>
             <a:fld id="{6FD36221-589F-2846-B89B-D09559D774BF}" type="datetimeFigureOut">
               <a:rPr lang="es-ES_tradnl" smtClean="0"/>
-              <a:t>26/05/2024</a:t>
+              <a:t>28/05/2024</a:t>
             </a:fld>
             <a:endParaRPr lang="es-ES_tradnl"/>
           </a:p>
@@ -5297,7 +5656,7 @@
           <a:p>
             <a:fld id="{3352F6F5-E16D-F340-A90C-ABCF032D59B6}" type="slidenum">
               <a:rPr lang="es-ES_tradnl" smtClean="0"/>
-              <a:t>‹#›</a:t>
+              <a:t>‹Nº›</a:t>
             </a:fld>
             <a:endParaRPr lang="es-ES_tradnl"/>
           </a:p>
@@ -5420,7 +5779,7 @@
           <a:p>
             <a:fld id="{6FD36221-589F-2846-B89B-D09559D774BF}" type="datetimeFigureOut">
               <a:rPr lang="es-ES_tradnl" smtClean="0"/>
-              <a:t>26/05/2024</a:t>
+              <a:t>28/05/2024</a:t>
             </a:fld>
             <a:endParaRPr lang="es-ES_tradnl"/>
           </a:p>
@@ -5462,7 +5821,7 @@
           <a:p>
             <a:fld id="{3352F6F5-E16D-F340-A90C-ABCF032D59B6}" type="slidenum">
               <a:rPr lang="es-ES_tradnl" smtClean="0"/>
-              <a:t>‹#›</a:t>
+              <a:t>‹Nº›</a:t>
             </a:fld>
             <a:endParaRPr lang="es-ES_tradnl"/>
           </a:p>
@@ -5595,7 +5954,7 @@
           <a:p>
             <a:fld id="{6FD36221-589F-2846-B89B-D09559D774BF}" type="datetimeFigureOut">
               <a:rPr lang="es-ES_tradnl" smtClean="0"/>
-              <a:t>26/05/2024</a:t>
+              <a:t>28/05/2024</a:t>
             </a:fld>
             <a:endParaRPr lang="es-ES_tradnl"/>
           </a:p>
@@ -5637,7 +5996,7 @@
           <a:p>
             <a:fld id="{3352F6F5-E16D-F340-A90C-ABCF032D59B6}" type="slidenum">
               <a:rPr lang="es-ES_tradnl" smtClean="0"/>
-              <a:t>‹#›</a:t>
+              <a:t>‹Nº›</a:t>
             </a:fld>
             <a:endParaRPr lang="es-ES_tradnl"/>
           </a:p>
@@ -5760,7 +6119,7 @@
           <a:p>
             <a:fld id="{6FD36221-589F-2846-B89B-D09559D774BF}" type="datetimeFigureOut">
               <a:rPr lang="es-ES_tradnl" smtClean="0"/>
-              <a:t>26/05/2024</a:t>
+              <a:t>28/05/2024</a:t>
             </a:fld>
             <a:endParaRPr lang="es-ES_tradnl"/>
           </a:p>
@@ -5802,7 +6161,7 @@
           <a:p>
             <a:fld id="{3352F6F5-E16D-F340-A90C-ABCF032D59B6}" type="slidenum">
               <a:rPr lang="es-ES_tradnl" smtClean="0"/>
-              <a:t>‹#›</a:t>
+              <a:t>‹Nº›</a:t>
             </a:fld>
             <a:endParaRPr lang="es-ES_tradnl"/>
           </a:p>
@@ -5999,7 +6358,7 @@
           <a:p>
             <a:fld id="{6FD36221-589F-2846-B89B-D09559D774BF}" type="datetimeFigureOut">
               <a:rPr lang="es-ES_tradnl" smtClean="0"/>
-              <a:t>26/05/2024</a:t>
+              <a:t>28/05/2024</a:t>
             </a:fld>
             <a:endParaRPr lang="es-ES_tradnl"/>
           </a:p>
@@ -6041,7 +6400,7 @@
           <a:p>
             <a:fld id="{3352F6F5-E16D-F340-A90C-ABCF032D59B6}" type="slidenum">
               <a:rPr lang="es-ES_tradnl" smtClean="0"/>
-              <a:t>‹#›</a:t>
+              <a:t>‹Nº›</a:t>
             </a:fld>
             <a:endParaRPr lang="es-ES_tradnl"/>
           </a:p>
@@ -6226,7 +6585,7 @@
           <a:p>
             <a:fld id="{6FD36221-589F-2846-B89B-D09559D774BF}" type="datetimeFigureOut">
               <a:rPr lang="es-ES_tradnl" smtClean="0"/>
-              <a:t>26/05/2024</a:t>
+              <a:t>28/05/2024</a:t>
             </a:fld>
             <a:endParaRPr lang="es-ES_tradnl"/>
           </a:p>
@@ -6268,7 +6627,7 @@
           <a:p>
             <a:fld id="{3352F6F5-E16D-F340-A90C-ABCF032D59B6}" type="slidenum">
               <a:rPr lang="es-ES_tradnl" smtClean="0"/>
-              <a:t>‹#›</a:t>
+              <a:t>‹Nº›</a:t>
             </a:fld>
             <a:endParaRPr lang="es-ES_tradnl"/>
           </a:p>
@@ -6588,7 +6947,7 @@
           <a:p>
             <a:fld id="{6FD36221-589F-2846-B89B-D09559D774BF}" type="datetimeFigureOut">
               <a:rPr lang="es-ES_tradnl" smtClean="0"/>
-              <a:t>26/05/2024</a:t>
+              <a:t>28/05/2024</a:t>
             </a:fld>
             <a:endParaRPr lang="es-ES_tradnl"/>
           </a:p>
@@ -6630,7 +6989,7 @@
           <a:p>
             <a:fld id="{3352F6F5-E16D-F340-A90C-ABCF032D59B6}" type="slidenum">
               <a:rPr lang="es-ES_tradnl" smtClean="0"/>
-              <a:t>‹#›</a:t>
+              <a:t>‹Nº›</a:t>
             </a:fld>
             <a:endParaRPr lang="es-ES_tradnl"/>
           </a:p>
@@ -6701,7 +7060,7 @@
           <a:p>
             <a:fld id="{6FD36221-589F-2846-B89B-D09559D774BF}" type="datetimeFigureOut">
               <a:rPr lang="es-ES_tradnl" smtClean="0"/>
-              <a:t>26/05/2024</a:t>
+              <a:t>28/05/2024</a:t>
             </a:fld>
             <a:endParaRPr lang="es-ES_tradnl"/>
           </a:p>
@@ -6743,7 +7102,7 @@
           <a:p>
             <a:fld id="{3352F6F5-E16D-F340-A90C-ABCF032D59B6}" type="slidenum">
               <a:rPr lang="es-ES_tradnl" smtClean="0"/>
-              <a:t>‹#›</a:t>
+              <a:t>‹Nº›</a:t>
             </a:fld>
             <a:endParaRPr lang="es-ES_tradnl"/>
           </a:p>
@@ -6791,7 +7150,7 @@
           <a:p>
             <a:fld id="{6FD36221-589F-2846-B89B-D09559D774BF}" type="datetimeFigureOut">
               <a:rPr lang="es-ES_tradnl" smtClean="0"/>
-              <a:t>26/05/2024</a:t>
+              <a:t>28/05/2024</a:t>
             </a:fld>
             <a:endParaRPr lang="es-ES_tradnl"/>
           </a:p>
@@ -6833,7 +7192,7 @@
           <a:p>
             <a:fld id="{3352F6F5-E16D-F340-A90C-ABCF032D59B6}" type="slidenum">
               <a:rPr lang="es-ES_tradnl" smtClean="0"/>
-              <a:t>‹#›</a:t>
+              <a:t>‹Nº›</a:t>
             </a:fld>
             <a:endParaRPr lang="es-ES_tradnl"/>
           </a:p>
@@ -7063,7 +7422,7 @@
           <a:p>
             <a:fld id="{6FD36221-589F-2846-B89B-D09559D774BF}" type="datetimeFigureOut">
               <a:rPr lang="es-ES_tradnl" smtClean="0"/>
-              <a:t>26/05/2024</a:t>
+              <a:t>28/05/2024</a:t>
             </a:fld>
             <a:endParaRPr lang="es-ES_tradnl"/>
           </a:p>
@@ -7105,7 +7464,7 @@
           <a:p>
             <a:fld id="{3352F6F5-E16D-F340-A90C-ABCF032D59B6}" type="slidenum">
               <a:rPr lang="es-ES_tradnl" smtClean="0"/>
-              <a:t>‹#›</a:t>
+              <a:t>‹Nº›</a:t>
             </a:fld>
             <a:endParaRPr lang="es-ES_tradnl"/>
           </a:p>
@@ -7315,7 +7674,7 @@
           <a:p>
             <a:fld id="{6FD36221-589F-2846-B89B-D09559D774BF}" type="datetimeFigureOut">
               <a:rPr lang="es-ES_tradnl" smtClean="0"/>
-              <a:t>26/05/2024</a:t>
+              <a:t>28/05/2024</a:t>
             </a:fld>
             <a:endParaRPr lang="es-ES_tradnl"/>
           </a:p>
@@ -7357,7 +7716,7 @@
           <a:p>
             <a:fld id="{3352F6F5-E16D-F340-A90C-ABCF032D59B6}" type="slidenum">
               <a:rPr lang="es-ES_tradnl" smtClean="0"/>
-              <a:t>‹#›</a:t>
+              <a:t>‹Nº›</a:t>
             </a:fld>
             <a:endParaRPr lang="es-ES_tradnl"/>
           </a:p>
@@ -7523,7 +7882,7 @@
           <a:p>
             <a:fld id="{6FD36221-589F-2846-B89B-D09559D774BF}" type="datetimeFigureOut">
               <a:rPr lang="es-ES_tradnl" smtClean="0"/>
-              <a:t>26/05/2024</a:t>
+              <a:t>28/05/2024</a:t>
             </a:fld>
             <a:endParaRPr lang="es-ES_tradnl"/>
           </a:p>
@@ -7601,7 +7960,7 @@
           <a:p>
             <a:fld id="{3352F6F5-E16D-F340-A90C-ABCF032D59B6}" type="slidenum">
               <a:rPr lang="es-ES_tradnl" smtClean="0"/>
-              <a:t>‹#›</a:t>
+              <a:t>‹Nº›</a:t>
             </a:fld>
             <a:endParaRPr lang="es-ES_tradnl"/>
           </a:p>
@@ -8712,7 +9071,7 @@
         </p:blipFill>
         <p:spPr>
           <a:xfrm>
-            <a:off x="-14013" y="1"/>
+            <a:off x="-28390" y="-115018"/>
             <a:ext cx="9172026" cy="802886"/>
           </a:xfrm>
           <a:prstGeom prst="rect">
@@ -8742,7 +9101,7 @@
         </p:blipFill>
         <p:spPr>
           <a:xfrm>
-            <a:off x="8316024" y="89553"/>
+            <a:off x="8301647" y="3289"/>
             <a:ext cx="719254" cy="600029"/>
           </a:xfrm>
           <a:prstGeom prst="rect">
@@ -8750,6 +9109,336 @@
           </a:prstGeom>
         </p:spPr>
       </p:pic>
+      <p:sp>
+        <p:nvSpPr>
+          <p:cNvPr id="3" name="Rectángulo 22">
+            <a:extLst>
+              <a:ext uri="{FF2B5EF4-FFF2-40B4-BE49-F238E27FC236}">
+                <a16:creationId xmlns:a16="http://schemas.microsoft.com/office/drawing/2014/main" id="{73182A38-D6DF-453D-921E-315EFA20E2ED}"/>
+              </a:ext>
+            </a:extLst>
+          </p:cNvPr>
+          <p:cNvSpPr/>
+          <p:nvPr/>
+        </p:nvSpPr>
+        <p:spPr>
+          <a:xfrm>
+            <a:off x="-28754" y="673950"/>
+            <a:ext cx="9177960" cy="6182264"/>
+          </a:xfrm>
+          <a:prstGeom prst="rect">
+            <a:avLst/>
+          </a:prstGeom>
+          <a:solidFill>
+            <a:srgbClr val="C1292E"/>
+          </a:solidFill>
+          <a:ln w="0">
+            <a:noFill/>
+          </a:ln>
+        </p:spPr>
+        <p:style>
+          <a:lnRef idx="2">
+            <a:schemeClr val="accent1">
+              <a:shade val="50000"/>
+            </a:schemeClr>
+          </a:lnRef>
+          <a:fillRef idx="1">
+            <a:schemeClr val="accent1"/>
+          </a:fillRef>
+          <a:effectRef idx="0">
+            <a:schemeClr val="accent1"/>
+          </a:effectRef>
+          <a:fontRef idx="minor">
+            <a:schemeClr val="lt1"/>
+          </a:fontRef>
+        </p:style>
+        <p:txBody>
+          <a:bodyPr rtlCol="0" anchor="ctr"/>
+          <a:lstStyle>
+            <a:defPPr>
+              <a:defRPr lang="es-ES_tradnl"/>
+            </a:defPPr>
+            <a:lvl1pPr marL="0" algn="l" defTabSz="914400" rtl="0" eaLnBrk="1" latinLnBrk="0" hangingPunct="1">
+              <a:defRPr sz="1800" kern="1200">
+                <a:solidFill>
+                  <a:schemeClr val="lt1"/>
+                </a:solidFill>
+                <a:latin typeface="+mn-lt"/>
+                <a:ea typeface="+mn-ea"/>
+                <a:cs typeface="+mn-cs"/>
+              </a:defRPr>
+            </a:lvl1pPr>
+            <a:lvl2pPr marL="457200" algn="l" defTabSz="914400" rtl="0" eaLnBrk="1" latinLnBrk="0" hangingPunct="1">
+              <a:defRPr sz="1800" kern="1200">
+                <a:solidFill>
+                  <a:schemeClr val="lt1"/>
+                </a:solidFill>
+                <a:latin typeface="+mn-lt"/>
+                <a:ea typeface="+mn-ea"/>
+                <a:cs typeface="+mn-cs"/>
+              </a:defRPr>
+            </a:lvl2pPr>
+            <a:lvl3pPr marL="914400" algn="l" defTabSz="914400" rtl="0" eaLnBrk="1" latinLnBrk="0" hangingPunct="1">
+              <a:defRPr sz="1800" kern="1200">
+                <a:solidFill>
+                  <a:schemeClr val="lt1"/>
+                </a:solidFill>
+                <a:latin typeface="+mn-lt"/>
+                <a:ea typeface="+mn-ea"/>
+                <a:cs typeface="+mn-cs"/>
+              </a:defRPr>
+            </a:lvl3pPr>
+            <a:lvl4pPr marL="1371600" algn="l" defTabSz="914400" rtl="0" eaLnBrk="1" latinLnBrk="0" hangingPunct="1">
+              <a:defRPr sz="1800" kern="1200">
+                <a:solidFill>
+                  <a:schemeClr val="lt1"/>
+                </a:solidFill>
+                <a:latin typeface="+mn-lt"/>
+                <a:ea typeface="+mn-ea"/>
+                <a:cs typeface="+mn-cs"/>
+              </a:defRPr>
+            </a:lvl4pPr>
+            <a:lvl5pPr marL="1828800" algn="l" defTabSz="914400" rtl="0" eaLnBrk="1" latinLnBrk="0" hangingPunct="1">
+              <a:defRPr sz="1800" kern="1200">
+                <a:solidFill>
+                  <a:schemeClr val="lt1"/>
+                </a:solidFill>
+                <a:latin typeface="+mn-lt"/>
+                <a:ea typeface="+mn-ea"/>
+                <a:cs typeface="+mn-cs"/>
+              </a:defRPr>
+            </a:lvl5pPr>
+            <a:lvl6pPr marL="2286000" algn="l" defTabSz="914400" rtl="0" eaLnBrk="1" latinLnBrk="0" hangingPunct="1">
+              <a:defRPr sz="1800" kern="1200">
+                <a:solidFill>
+                  <a:schemeClr val="lt1"/>
+                </a:solidFill>
+                <a:latin typeface="+mn-lt"/>
+                <a:ea typeface="+mn-ea"/>
+                <a:cs typeface="+mn-cs"/>
+              </a:defRPr>
+            </a:lvl6pPr>
+            <a:lvl7pPr marL="2743200" algn="l" defTabSz="914400" rtl="0" eaLnBrk="1" latinLnBrk="0" hangingPunct="1">
+              <a:defRPr sz="1800" kern="1200">
+                <a:solidFill>
+                  <a:schemeClr val="lt1"/>
+                </a:solidFill>
+                <a:latin typeface="+mn-lt"/>
+                <a:ea typeface="+mn-ea"/>
+                <a:cs typeface="+mn-cs"/>
+              </a:defRPr>
+            </a:lvl7pPr>
+            <a:lvl8pPr marL="3200400" algn="l" defTabSz="914400" rtl="0" eaLnBrk="1" latinLnBrk="0" hangingPunct="1">
+              <a:defRPr sz="1800" kern="1200">
+                <a:solidFill>
+                  <a:schemeClr val="lt1"/>
+                </a:solidFill>
+                <a:latin typeface="+mn-lt"/>
+                <a:ea typeface="+mn-ea"/>
+                <a:cs typeface="+mn-cs"/>
+              </a:defRPr>
+            </a:lvl8pPr>
+            <a:lvl9pPr marL="3657600" algn="l" defTabSz="914400" rtl="0" eaLnBrk="1" latinLnBrk="0" hangingPunct="1">
+              <a:defRPr sz="1800" kern="1200">
+                <a:solidFill>
+                  <a:schemeClr val="lt1"/>
+                </a:solidFill>
+                <a:latin typeface="+mn-lt"/>
+                <a:ea typeface="+mn-ea"/>
+                <a:cs typeface="+mn-cs"/>
+              </a:defRPr>
+            </a:lvl9pPr>
+          </a:lstStyle>
+          <a:p>
+            <a:pPr algn="ctr"/>
+            <a:endParaRPr lang="es-CL"/>
+          </a:p>
+        </p:txBody>
+      </p:sp>
+      <p:sp>
+        <p:nvSpPr>
+          <p:cNvPr id="9" name="Marcador de contenido 2">
+            <a:extLst>
+              <a:ext uri="{FF2B5EF4-FFF2-40B4-BE49-F238E27FC236}">
+                <a16:creationId xmlns:a16="http://schemas.microsoft.com/office/drawing/2014/main" id="{022D82BC-67B0-4F5D-9A8F-C3B94B9A014B}"/>
+              </a:ext>
+            </a:extLst>
+          </p:cNvPr>
+          <p:cNvSpPr txBox="1">
+            <a:spLocks/>
+          </p:cNvSpPr>
+          <p:nvPr/>
+        </p:nvSpPr>
+        <p:spPr>
+          <a:xfrm>
+            <a:off x="483489" y="1282701"/>
+            <a:ext cx="8180682" cy="1692398"/>
+          </a:xfrm>
+          <a:prstGeom prst="rect">
+            <a:avLst/>
+          </a:prstGeom>
+        </p:spPr>
+        <p:txBody>
+          <a:bodyPr vert="horz" lIns="91440" tIns="45720" rIns="91440" bIns="45720" rtlCol="0" anchor="t">
+            <a:noAutofit/>
+          </a:bodyPr>
+          <a:lstStyle>
+            <a:defPPr>
+              <a:defRPr lang="es-ES_tradnl"/>
+            </a:defPPr>
+            <a:lvl1pPr marL="0" algn="l" defTabSz="914400" rtl="0" eaLnBrk="1" latinLnBrk="0" hangingPunct="1">
+              <a:defRPr sz="1800" kern="1200">
+                <a:solidFill>
+                  <a:schemeClr val="tx1"/>
+                </a:solidFill>
+                <a:latin typeface="+mn-lt"/>
+                <a:ea typeface="+mn-ea"/>
+                <a:cs typeface="+mn-cs"/>
+              </a:defRPr>
+            </a:lvl1pPr>
+            <a:lvl2pPr marL="457200" algn="l" defTabSz="914400" rtl="0" eaLnBrk="1" latinLnBrk="0" hangingPunct="1">
+              <a:defRPr sz="1800" kern="1200">
+                <a:solidFill>
+                  <a:schemeClr val="tx1"/>
+                </a:solidFill>
+                <a:latin typeface="+mn-lt"/>
+                <a:ea typeface="+mn-ea"/>
+                <a:cs typeface="+mn-cs"/>
+              </a:defRPr>
+            </a:lvl2pPr>
+            <a:lvl3pPr marL="914400" algn="l" defTabSz="914400" rtl="0" eaLnBrk="1" latinLnBrk="0" hangingPunct="1">
+              <a:defRPr sz="1800" kern="1200">
+                <a:solidFill>
+                  <a:schemeClr val="tx1"/>
+                </a:solidFill>
+                <a:latin typeface="+mn-lt"/>
+                <a:ea typeface="+mn-ea"/>
+                <a:cs typeface="+mn-cs"/>
+              </a:defRPr>
+            </a:lvl3pPr>
+            <a:lvl4pPr marL="1371600" algn="l" defTabSz="914400" rtl="0" eaLnBrk="1" latinLnBrk="0" hangingPunct="1">
+              <a:defRPr sz="1800" kern="1200">
+                <a:solidFill>
+                  <a:schemeClr val="tx1"/>
+                </a:solidFill>
+                <a:latin typeface="+mn-lt"/>
+                <a:ea typeface="+mn-ea"/>
+                <a:cs typeface="+mn-cs"/>
+              </a:defRPr>
+            </a:lvl4pPr>
+            <a:lvl5pPr marL="1828800" algn="l" defTabSz="914400" rtl="0" eaLnBrk="1" latinLnBrk="0" hangingPunct="1">
+              <a:defRPr sz="1800" kern="1200">
+                <a:solidFill>
+                  <a:schemeClr val="tx1"/>
+                </a:solidFill>
+                <a:latin typeface="+mn-lt"/>
+                <a:ea typeface="+mn-ea"/>
+                <a:cs typeface="+mn-cs"/>
+              </a:defRPr>
+            </a:lvl5pPr>
+            <a:lvl6pPr marL="2286000" algn="l" defTabSz="914400" rtl="0" eaLnBrk="1" latinLnBrk="0" hangingPunct="1">
+              <a:defRPr sz="1800" kern="1200">
+                <a:solidFill>
+                  <a:schemeClr val="tx1"/>
+                </a:solidFill>
+                <a:latin typeface="+mn-lt"/>
+                <a:ea typeface="+mn-ea"/>
+                <a:cs typeface="+mn-cs"/>
+              </a:defRPr>
+            </a:lvl6pPr>
+            <a:lvl7pPr marL="2743200" algn="l" defTabSz="914400" rtl="0" eaLnBrk="1" latinLnBrk="0" hangingPunct="1">
+              <a:defRPr sz="1800" kern="1200">
+                <a:solidFill>
+                  <a:schemeClr val="tx1"/>
+                </a:solidFill>
+                <a:latin typeface="+mn-lt"/>
+                <a:ea typeface="+mn-ea"/>
+                <a:cs typeface="+mn-cs"/>
+              </a:defRPr>
+            </a:lvl7pPr>
+            <a:lvl8pPr marL="3200400" algn="l" defTabSz="914400" rtl="0" eaLnBrk="1" latinLnBrk="0" hangingPunct="1">
+              <a:defRPr sz="1800" kern="1200">
+                <a:solidFill>
+                  <a:schemeClr val="tx1"/>
+                </a:solidFill>
+                <a:latin typeface="+mn-lt"/>
+                <a:ea typeface="+mn-ea"/>
+                <a:cs typeface="+mn-cs"/>
+              </a:defRPr>
+            </a:lvl8pPr>
+            <a:lvl9pPr marL="3657600" algn="l" defTabSz="914400" rtl="0" eaLnBrk="1" latinLnBrk="0" hangingPunct="1">
+              <a:defRPr sz="1800" kern="1200">
+                <a:solidFill>
+                  <a:schemeClr val="tx1"/>
+                </a:solidFill>
+                <a:latin typeface="+mn-lt"/>
+                <a:ea typeface="+mn-ea"/>
+                <a:cs typeface="+mn-cs"/>
+              </a:defRPr>
+            </a:lvl9pPr>
+          </a:lstStyle>
+          <a:p>
+            <a:pPr algn="just">
+              <a:buNone/>
+            </a:pPr>
+            <a:r>
+              <a:rPr lang="es-ES" sz="1600">
+                <a:solidFill>
+                  <a:schemeClr val="bg1"/>
+                </a:solidFill>
+                <a:ea typeface="+mn-lt"/>
+                <a:cs typeface="+mn-lt"/>
+              </a:rPr>
+              <a:t>sadasda</a:t>
+            </a:r>
+            <a:endParaRPr lang="en-US"/>
+          </a:p>
+        </p:txBody>
+      </p:sp>
+      <p:sp>
+        <p:nvSpPr>
+          <p:cNvPr id="10" name="TextBox 9">
+            <a:extLst>
+              <a:ext uri="{FF2B5EF4-FFF2-40B4-BE49-F238E27FC236}">
+                <a16:creationId xmlns:a16="http://schemas.microsoft.com/office/drawing/2014/main" id="{E2F26730-FF23-6089-FC6D-D6D817217CF2}"/>
+              </a:ext>
+            </a:extLst>
+          </p:cNvPr>
+          <p:cNvSpPr txBox="1"/>
+          <p:nvPr/>
+        </p:nvSpPr>
+        <p:spPr>
+          <a:xfrm>
+            <a:off x="253042" y="66136"/>
+            <a:ext cx="2743200" cy="457200"/>
+          </a:xfrm>
+          <a:prstGeom prst="rect">
+            <a:avLst/>
+          </a:prstGeom>
+          <a:noFill/>
+        </p:spPr>
+        <p:txBody>
+          <a:bodyPr rot="0" spcFirstLastPara="0" vertOverflow="overflow" horzOverflow="overflow" vert="horz" wrap="square" lIns="91440" tIns="45720" rIns="91440" bIns="45720" numCol="1" spcCol="0" rtlCol="0" fromWordArt="0" anchor="t" anchorCtr="0" forceAA="0" compatLnSpc="1">
+            <a:prstTxWarp prst="textNoShape">
+              <a:avLst/>
+            </a:prstTxWarp>
+            <a:spAutoFit/>
+          </a:bodyPr>
+          <a:lstStyle/>
+          <a:p>
+            <a:r>
+              <a:rPr lang="es-ES" sz="2400" b="1">
+                <a:solidFill>
+                  <a:srgbClr val="FFFFFF"/>
+                </a:solidFill>
+                <a:latin typeface="Arial"/>
+              </a:rPr>
+              <a:t>Conclusiones</a:t>
+            </a:r>
+            <a:endParaRPr lang="en-US"/>
+          </a:p>
+        </p:txBody>
+      </p:sp>
     </p:spTree>
     <p:extLst>
       <p:ext uri="{BB962C8B-B14F-4D97-AF65-F5344CB8AC3E}">
@@ -8833,6 +9522,521 @@
           <a:xfrm>
             <a:off x="8316024" y="89553"/>
             <a:ext cx="719254" cy="600029"/>
+          </a:xfrm>
+          <a:prstGeom prst="rect">
+            <a:avLst/>
+          </a:prstGeom>
+        </p:spPr>
+      </p:pic>
+      <p:sp>
+        <p:nvSpPr>
+          <p:cNvPr id="3" name="Rectángulo 22">
+            <a:extLst>
+              <a:ext uri="{FF2B5EF4-FFF2-40B4-BE49-F238E27FC236}">
+                <a16:creationId xmlns:a16="http://schemas.microsoft.com/office/drawing/2014/main" id="{73182A38-D6DF-453D-921E-315EFA20E2ED}"/>
+              </a:ext>
+            </a:extLst>
+          </p:cNvPr>
+          <p:cNvSpPr/>
+          <p:nvPr/>
+        </p:nvSpPr>
+        <p:spPr>
+          <a:xfrm>
+            <a:off x="-14377" y="774591"/>
+            <a:ext cx="9177960" cy="6081623"/>
+          </a:xfrm>
+          <a:prstGeom prst="rect">
+            <a:avLst/>
+          </a:prstGeom>
+          <a:solidFill>
+            <a:srgbClr val="C1292E"/>
+          </a:solidFill>
+          <a:ln w="0">
+            <a:noFill/>
+          </a:ln>
+        </p:spPr>
+        <p:style>
+          <a:lnRef idx="2">
+            <a:schemeClr val="accent1">
+              <a:shade val="50000"/>
+            </a:schemeClr>
+          </a:lnRef>
+          <a:fillRef idx="1">
+            <a:schemeClr val="accent1"/>
+          </a:fillRef>
+          <a:effectRef idx="0">
+            <a:schemeClr val="accent1"/>
+          </a:effectRef>
+          <a:fontRef idx="minor">
+            <a:schemeClr val="lt1"/>
+          </a:fontRef>
+        </p:style>
+        <p:txBody>
+          <a:bodyPr rtlCol="0" anchor="ctr"/>
+          <a:lstStyle>
+            <a:defPPr>
+              <a:defRPr lang="es-ES_tradnl"/>
+            </a:defPPr>
+            <a:lvl1pPr marL="0" algn="l" defTabSz="914400" rtl="0" eaLnBrk="1" latinLnBrk="0" hangingPunct="1">
+              <a:defRPr sz="1800" kern="1200">
+                <a:solidFill>
+                  <a:schemeClr val="lt1"/>
+                </a:solidFill>
+                <a:latin typeface="+mn-lt"/>
+                <a:ea typeface="+mn-ea"/>
+                <a:cs typeface="+mn-cs"/>
+              </a:defRPr>
+            </a:lvl1pPr>
+            <a:lvl2pPr marL="457200" algn="l" defTabSz="914400" rtl="0" eaLnBrk="1" latinLnBrk="0" hangingPunct="1">
+              <a:defRPr sz="1800" kern="1200">
+                <a:solidFill>
+                  <a:schemeClr val="lt1"/>
+                </a:solidFill>
+                <a:latin typeface="+mn-lt"/>
+                <a:ea typeface="+mn-ea"/>
+                <a:cs typeface="+mn-cs"/>
+              </a:defRPr>
+            </a:lvl2pPr>
+            <a:lvl3pPr marL="914400" algn="l" defTabSz="914400" rtl="0" eaLnBrk="1" latinLnBrk="0" hangingPunct="1">
+              <a:defRPr sz="1800" kern="1200">
+                <a:solidFill>
+                  <a:schemeClr val="lt1"/>
+                </a:solidFill>
+                <a:latin typeface="+mn-lt"/>
+                <a:ea typeface="+mn-ea"/>
+                <a:cs typeface="+mn-cs"/>
+              </a:defRPr>
+            </a:lvl3pPr>
+            <a:lvl4pPr marL="1371600" algn="l" defTabSz="914400" rtl="0" eaLnBrk="1" latinLnBrk="0" hangingPunct="1">
+              <a:defRPr sz="1800" kern="1200">
+                <a:solidFill>
+                  <a:schemeClr val="lt1"/>
+                </a:solidFill>
+                <a:latin typeface="+mn-lt"/>
+                <a:ea typeface="+mn-ea"/>
+                <a:cs typeface="+mn-cs"/>
+              </a:defRPr>
+            </a:lvl4pPr>
+            <a:lvl5pPr marL="1828800" algn="l" defTabSz="914400" rtl="0" eaLnBrk="1" latinLnBrk="0" hangingPunct="1">
+              <a:defRPr sz="1800" kern="1200">
+                <a:solidFill>
+                  <a:schemeClr val="lt1"/>
+                </a:solidFill>
+                <a:latin typeface="+mn-lt"/>
+                <a:ea typeface="+mn-ea"/>
+                <a:cs typeface="+mn-cs"/>
+              </a:defRPr>
+            </a:lvl5pPr>
+            <a:lvl6pPr marL="2286000" algn="l" defTabSz="914400" rtl="0" eaLnBrk="1" latinLnBrk="0" hangingPunct="1">
+              <a:defRPr sz="1800" kern="1200">
+                <a:solidFill>
+                  <a:schemeClr val="lt1"/>
+                </a:solidFill>
+                <a:latin typeface="+mn-lt"/>
+                <a:ea typeface="+mn-ea"/>
+                <a:cs typeface="+mn-cs"/>
+              </a:defRPr>
+            </a:lvl6pPr>
+            <a:lvl7pPr marL="2743200" algn="l" defTabSz="914400" rtl="0" eaLnBrk="1" latinLnBrk="0" hangingPunct="1">
+              <a:defRPr sz="1800" kern="1200">
+                <a:solidFill>
+                  <a:schemeClr val="lt1"/>
+                </a:solidFill>
+                <a:latin typeface="+mn-lt"/>
+                <a:ea typeface="+mn-ea"/>
+                <a:cs typeface="+mn-cs"/>
+              </a:defRPr>
+            </a:lvl7pPr>
+            <a:lvl8pPr marL="3200400" algn="l" defTabSz="914400" rtl="0" eaLnBrk="1" latinLnBrk="0" hangingPunct="1">
+              <a:defRPr sz="1800" kern="1200">
+                <a:solidFill>
+                  <a:schemeClr val="lt1"/>
+                </a:solidFill>
+                <a:latin typeface="+mn-lt"/>
+                <a:ea typeface="+mn-ea"/>
+                <a:cs typeface="+mn-cs"/>
+              </a:defRPr>
+            </a:lvl8pPr>
+            <a:lvl9pPr marL="3657600" algn="l" defTabSz="914400" rtl="0" eaLnBrk="1" latinLnBrk="0" hangingPunct="1">
+              <a:defRPr sz="1800" kern="1200">
+                <a:solidFill>
+                  <a:schemeClr val="lt1"/>
+                </a:solidFill>
+                <a:latin typeface="+mn-lt"/>
+                <a:ea typeface="+mn-ea"/>
+                <a:cs typeface="+mn-cs"/>
+              </a:defRPr>
+            </a:lvl9pPr>
+          </a:lstStyle>
+          <a:p>
+            <a:pPr algn="ctr"/>
+            <a:endParaRPr lang="es-CL"/>
+          </a:p>
+        </p:txBody>
+      </p:sp>
+      <p:sp>
+        <p:nvSpPr>
+          <p:cNvPr id="5" name="CuadroTexto 1">
+            <a:extLst>
+              <a:ext uri="{FF2B5EF4-FFF2-40B4-BE49-F238E27FC236}">
+                <a16:creationId xmlns:a16="http://schemas.microsoft.com/office/drawing/2014/main" id="{AFDD9D3B-922E-B5CE-0672-62FE8ECD06ED}"/>
+              </a:ext>
+            </a:extLst>
+          </p:cNvPr>
+          <p:cNvSpPr txBox="1"/>
+          <p:nvPr/>
+        </p:nvSpPr>
+        <p:spPr>
+          <a:xfrm>
+            <a:off x="2517323" y="1177813"/>
+            <a:ext cx="6518609" cy="4924425"/>
+          </a:xfrm>
+          <a:prstGeom prst="rect">
+            <a:avLst/>
+          </a:prstGeom>
+          <a:noFill/>
+        </p:spPr>
+        <p:txBody>
+          <a:bodyPr wrap="square">
+            <a:spAutoFit/>
+          </a:bodyPr>
+          <a:lstStyle>
+            <a:defPPr>
+              <a:defRPr lang="es-ES_tradnl"/>
+            </a:defPPr>
+            <a:lvl1pPr marL="0" algn="l" defTabSz="914400" rtl="0" eaLnBrk="1" latinLnBrk="0" hangingPunct="1">
+              <a:defRPr sz="1800" kern="1200">
+                <a:solidFill>
+                  <a:schemeClr val="tx1"/>
+                </a:solidFill>
+                <a:latin typeface="+mn-lt"/>
+                <a:ea typeface="+mn-ea"/>
+                <a:cs typeface="+mn-cs"/>
+              </a:defRPr>
+            </a:lvl1pPr>
+            <a:lvl2pPr marL="457200" algn="l" defTabSz="914400" rtl="0" eaLnBrk="1" latinLnBrk="0" hangingPunct="1">
+              <a:defRPr sz="1800" kern="1200">
+                <a:solidFill>
+                  <a:schemeClr val="tx1"/>
+                </a:solidFill>
+                <a:latin typeface="+mn-lt"/>
+                <a:ea typeface="+mn-ea"/>
+                <a:cs typeface="+mn-cs"/>
+              </a:defRPr>
+            </a:lvl2pPr>
+            <a:lvl3pPr marL="914400" algn="l" defTabSz="914400" rtl="0" eaLnBrk="1" latinLnBrk="0" hangingPunct="1">
+              <a:defRPr sz="1800" kern="1200">
+                <a:solidFill>
+                  <a:schemeClr val="tx1"/>
+                </a:solidFill>
+                <a:latin typeface="+mn-lt"/>
+                <a:ea typeface="+mn-ea"/>
+                <a:cs typeface="+mn-cs"/>
+              </a:defRPr>
+            </a:lvl3pPr>
+            <a:lvl4pPr marL="1371600" algn="l" defTabSz="914400" rtl="0" eaLnBrk="1" latinLnBrk="0" hangingPunct="1">
+              <a:defRPr sz="1800" kern="1200">
+                <a:solidFill>
+                  <a:schemeClr val="tx1"/>
+                </a:solidFill>
+                <a:latin typeface="+mn-lt"/>
+                <a:ea typeface="+mn-ea"/>
+                <a:cs typeface="+mn-cs"/>
+              </a:defRPr>
+            </a:lvl4pPr>
+            <a:lvl5pPr marL="1828800" algn="l" defTabSz="914400" rtl="0" eaLnBrk="1" latinLnBrk="0" hangingPunct="1">
+              <a:defRPr sz="1800" kern="1200">
+                <a:solidFill>
+                  <a:schemeClr val="tx1"/>
+                </a:solidFill>
+                <a:latin typeface="+mn-lt"/>
+                <a:ea typeface="+mn-ea"/>
+                <a:cs typeface="+mn-cs"/>
+              </a:defRPr>
+            </a:lvl5pPr>
+            <a:lvl6pPr marL="2286000" algn="l" defTabSz="914400" rtl="0" eaLnBrk="1" latinLnBrk="0" hangingPunct="1">
+              <a:defRPr sz="1800" kern="1200">
+                <a:solidFill>
+                  <a:schemeClr val="tx1"/>
+                </a:solidFill>
+                <a:latin typeface="+mn-lt"/>
+                <a:ea typeface="+mn-ea"/>
+                <a:cs typeface="+mn-cs"/>
+              </a:defRPr>
+            </a:lvl6pPr>
+            <a:lvl7pPr marL="2743200" algn="l" defTabSz="914400" rtl="0" eaLnBrk="1" latinLnBrk="0" hangingPunct="1">
+              <a:defRPr sz="1800" kern="1200">
+                <a:solidFill>
+                  <a:schemeClr val="tx1"/>
+                </a:solidFill>
+                <a:latin typeface="+mn-lt"/>
+                <a:ea typeface="+mn-ea"/>
+                <a:cs typeface="+mn-cs"/>
+              </a:defRPr>
+            </a:lvl7pPr>
+            <a:lvl8pPr marL="3200400" algn="l" defTabSz="914400" rtl="0" eaLnBrk="1" latinLnBrk="0" hangingPunct="1">
+              <a:defRPr sz="1800" kern="1200">
+                <a:solidFill>
+                  <a:schemeClr val="tx1"/>
+                </a:solidFill>
+                <a:latin typeface="+mn-lt"/>
+                <a:ea typeface="+mn-ea"/>
+                <a:cs typeface="+mn-cs"/>
+              </a:defRPr>
+            </a:lvl8pPr>
+            <a:lvl9pPr marL="3657600" algn="l" defTabSz="914400" rtl="0" eaLnBrk="1" latinLnBrk="0" hangingPunct="1">
+              <a:defRPr sz="1800" kern="1200">
+                <a:solidFill>
+                  <a:schemeClr val="tx1"/>
+                </a:solidFill>
+                <a:latin typeface="+mn-lt"/>
+                <a:ea typeface="+mn-ea"/>
+                <a:cs typeface="+mn-cs"/>
+              </a:defRPr>
+            </a:lvl9pPr>
+          </a:lstStyle>
+          <a:p>
+            <a:r>
+              <a:rPr lang="es-CL" sz="1600">
+                <a:solidFill>
+                  <a:schemeClr val="bg1"/>
+                </a:solidFill>
+              </a:rPr>
+              <a:t>EMC, E. S. (2015). </a:t>
+            </a:r>
+          </a:p>
+          <a:p>
+            <a:r>
+              <a:rPr lang="es-CL" sz="1600" i="1">
+                <a:solidFill>
+                  <a:schemeClr val="bg1"/>
+                </a:solidFill>
+              </a:rPr>
+              <a:t>Data science and big data analytics: Discovering, analyzing, visualizing and presenting data.</a:t>
+            </a:r>
+          </a:p>
+          <a:p>
+            <a:endParaRPr lang="es-CL" sz="1600">
+              <a:solidFill>
+                <a:schemeClr val="bg1"/>
+              </a:solidFill>
+            </a:endParaRPr>
+          </a:p>
+          <a:p>
+            <a:r>
+              <a:rPr lang="es-CL" sz="1600">
+                <a:solidFill>
+                  <a:schemeClr val="bg1"/>
+                </a:solidFill>
+              </a:rPr>
+              <a:t>Hernández, J., Quintana, M., &amp; Ramírez, C. (2004). </a:t>
+            </a:r>
+          </a:p>
+          <a:p>
+            <a:r>
+              <a:rPr lang="es-CL" sz="1600" i="1">
+                <a:solidFill>
+                  <a:schemeClr val="bg1"/>
+                </a:solidFill>
+              </a:rPr>
+              <a:t>Introducción a la minería de datos. </a:t>
+            </a:r>
+          </a:p>
+          <a:p>
+            <a:r>
+              <a:rPr lang="es-CL" sz="1600">
+                <a:solidFill>
+                  <a:schemeClr val="bg1"/>
+                </a:solidFill>
+              </a:rPr>
+              <a:t>Pearson Educación.</a:t>
+            </a:r>
+          </a:p>
+          <a:p>
+            <a:endParaRPr lang="es-CL" sz="1600">
+              <a:solidFill>
+                <a:schemeClr val="bg1"/>
+              </a:solidFill>
+            </a:endParaRPr>
+          </a:p>
+          <a:p>
+            <a:r>
+              <a:rPr lang="es-CL" sz="1600">
+                <a:solidFill>
+                  <a:schemeClr val="bg1"/>
+                </a:solidFill>
+              </a:rPr>
+              <a:t>Kantardzic, M. (2020). </a:t>
+            </a:r>
+          </a:p>
+          <a:p>
+            <a:r>
+              <a:rPr lang="es-CL" sz="1600" i="1">
+                <a:solidFill>
+                  <a:schemeClr val="bg1"/>
+                </a:solidFill>
+              </a:rPr>
+              <a:t>Data Mining: Concepts, Models, Methods, and Algorithms. </a:t>
+            </a:r>
+          </a:p>
+          <a:p>
+            <a:r>
+              <a:rPr lang="es-CL" sz="1600">
+                <a:solidFill>
+                  <a:schemeClr val="bg1"/>
+                </a:solidFill>
+              </a:rPr>
+              <a:t>Wiley.</a:t>
+            </a:r>
+          </a:p>
+          <a:p>
+            <a:endParaRPr lang="es-CL" sz="1600">
+              <a:solidFill>
+                <a:schemeClr val="bg1"/>
+              </a:solidFill>
+            </a:endParaRPr>
+          </a:p>
+          <a:p>
+            <a:r>
+              <a:rPr lang="es-CL" sz="1600">
+                <a:solidFill>
+                  <a:schemeClr val="bg1"/>
+                </a:solidFill>
+              </a:rPr>
+              <a:t>Provost, F., &amp; Fawcett, T. (2013). </a:t>
+            </a:r>
+          </a:p>
+          <a:p>
+            <a:r>
+              <a:rPr lang="es-CL" sz="1600" i="1">
+                <a:solidFill>
+                  <a:schemeClr val="bg1"/>
+                </a:solidFill>
+              </a:rPr>
+              <a:t>Data Science for Business. </a:t>
+            </a:r>
+          </a:p>
+          <a:p>
+            <a:r>
+              <a:rPr lang="es-CL" sz="1600">
+                <a:solidFill>
+                  <a:schemeClr val="bg1"/>
+                </a:solidFill>
+              </a:rPr>
+              <a:t>O’Reilly, Beijing.</a:t>
+            </a:r>
+          </a:p>
+          <a:p>
+            <a:endParaRPr lang="es-CL" sz="1600">
+              <a:solidFill>
+                <a:schemeClr val="bg1"/>
+              </a:solidFill>
+            </a:endParaRPr>
+          </a:p>
+          <a:p>
+            <a:r>
+              <a:rPr lang="es-CL" sz="1600">
+                <a:solidFill>
+                  <a:schemeClr val="bg1"/>
+                </a:solidFill>
+              </a:rPr>
+              <a:t>Sampieri, R., Collado, C., &amp; Lucio, P. (2006). </a:t>
+            </a:r>
+          </a:p>
+          <a:p>
+            <a:r>
+              <a:rPr lang="es-CL" sz="1600" i="1">
+                <a:solidFill>
+                  <a:schemeClr val="bg1"/>
+                </a:solidFill>
+              </a:rPr>
+              <a:t>Metodología de la investigación. </a:t>
+            </a:r>
+          </a:p>
+          <a:p>
+            <a:r>
+              <a:rPr lang="es-CL" sz="1600">
+                <a:solidFill>
+                  <a:schemeClr val="bg1"/>
+                </a:solidFill>
+              </a:rPr>
+              <a:t>Elibro Catedra. MacGraw-Hill/Interamerican.</a:t>
+            </a:r>
+          </a:p>
+        </p:txBody>
+      </p:sp>
+      <p:sp>
+        <p:nvSpPr>
+          <p:cNvPr id="8" name="TextBox 7">
+            <a:extLst>
+              <a:ext uri="{FF2B5EF4-FFF2-40B4-BE49-F238E27FC236}">
+                <a16:creationId xmlns:a16="http://schemas.microsoft.com/office/drawing/2014/main" id="{C2DA7589-30E4-5C76-053F-22BFDDA1FAFC}"/>
+              </a:ext>
+            </a:extLst>
+          </p:cNvPr>
+          <p:cNvSpPr txBox="1"/>
+          <p:nvPr/>
+        </p:nvSpPr>
+        <p:spPr>
+          <a:xfrm>
+            <a:off x="253042" y="166777"/>
+            <a:ext cx="2743200" cy="457200"/>
+          </a:xfrm>
+          <a:prstGeom prst="rect">
+            <a:avLst/>
+          </a:prstGeom>
+          <a:noFill/>
+        </p:spPr>
+        <p:txBody>
+          <a:bodyPr rot="0" spcFirstLastPara="0" vertOverflow="overflow" horzOverflow="overflow" vert="horz" wrap="square" lIns="91440" tIns="45720" rIns="91440" bIns="45720" numCol="1" spcCol="0" rtlCol="0" fromWordArt="0" anchor="t" anchorCtr="0" forceAA="0" compatLnSpc="1">
+            <a:prstTxWarp prst="textNoShape">
+              <a:avLst/>
+            </a:prstTxWarp>
+            <a:spAutoFit/>
+          </a:bodyPr>
+          <a:lstStyle/>
+          <a:p>
+            <a:r>
+              <a:rPr lang="en-US" sz="2400" b="1" err="1">
+                <a:solidFill>
+                  <a:srgbClr val="FFFFFF"/>
+                </a:solidFill>
+              </a:rPr>
+              <a:t>Bibliografía</a:t>
+            </a:r>
+            <a:r>
+              <a:rPr lang="en-US" sz="2400">
+                <a:cs typeface="Calibri"/>
+              </a:rPr>
+              <a:t>​</a:t>
+            </a:r>
+          </a:p>
+        </p:txBody>
+      </p:sp>
+      <p:pic>
+        <p:nvPicPr>
+          <p:cNvPr id="9" name="Picture 8" descr="A white circle with a book in it&#10;&#10;Description automatically generated">
+            <a:extLst>
+              <a:ext uri="{FF2B5EF4-FFF2-40B4-BE49-F238E27FC236}">
+                <a16:creationId xmlns:a16="http://schemas.microsoft.com/office/drawing/2014/main" id="{9F8735A4-EC2E-9143-984D-EB4030433F02}"/>
+              </a:ext>
+            </a:extLst>
+          </p:cNvPr>
+          <p:cNvPicPr>
+            <a:picLocks noChangeAspect="1"/>
+          </p:cNvPicPr>
+          <p:nvPr/>
+        </p:nvPicPr>
+        <p:blipFill>
+          <a:blip r:embed="rId5"/>
+          <a:stretch>
+            <a:fillRect/>
+          </a:stretch>
+        </p:blipFill>
+        <p:spPr>
+          <a:xfrm>
+            <a:off x="-2267035" y="1559924"/>
+            <a:ext cx="7346830" cy="4138882"/>
           </a:xfrm>
           <a:prstGeom prst="rect">
             <a:avLst/>
@@ -8928,6 +10132,36 @@
           </a:prstGeom>
         </p:spPr>
       </p:pic>
+      <p:pic>
+        <p:nvPicPr>
+          <p:cNvPr id="5" name="Picture 4">
+            <a:extLst>
+              <a:ext uri="{FF2B5EF4-FFF2-40B4-BE49-F238E27FC236}">
+                <a16:creationId xmlns:a16="http://schemas.microsoft.com/office/drawing/2014/main" id="{E79061FC-9CCE-8430-1E8E-6BC007CA3D85}"/>
+              </a:ext>
+            </a:extLst>
+          </p:cNvPr>
+          <p:cNvPicPr>
+            <a:picLocks noChangeAspect="1"/>
+          </p:cNvPicPr>
+          <p:nvPr/>
+        </p:nvPicPr>
+        <p:blipFill>
+          <a:blip r:embed="rId5"/>
+          <a:stretch>
+            <a:fillRect/>
+          </a:stretch>
+        </p:blipFill>
+        <p:spPr>
+          <a:xfrm>
+            <a:off x="-482280" y="239549"/>
+            <a:ext cx="10121659" cy="6367371"/>
+          </a:xfrm>
+          <a:prstGeom prst="rect">
+            <a:avLst/>
+          </a:prstGeom>
+        </p:spPr>
+      </p:pic>
       <p:sp>
         <p:nvSpPr>
           <p:cNvPr id="3" name="TextBox 2">
@@ -8942,8 +10176,8 @@
         </p:nvSpPr>
         <p:spPr>
           <a:xfrm>
-            <a:off x="398006" y="1112667"/>
-            <a:ext cx="8341672" cy="2677656"/>
+            <a:off x="225478" y="4922668"/>
+            <a:ext cx="2777636" cy="1554272"/>
           </a:xfrm>
           <a:prstGeom prst="rect">
             <a:avLst/>
@@ -8960,7 +10194,7 @@
           <a:lstStyle/>
           <a:p>
             <a:r>
-              <a:rPr lang="es-CL" sz="2400">
+              <a:rPr lang="es-CL" sz="1900">
                 <a:solidFill>
                   <a:srgbClr val="19202E"/>
                 </a:solidFill>
@@ -8968,96 +10202,177 @@
                 <a:ea typeface="Calibri"/>
                 <a:cs typeface="Segoe UI"/>
               </a:rPr>
-              <a:t>Se identificaron y clasificamos las </a:t>
-            </a:r>
-            <a:r>
-              <a:rPr lang="es-CL" sz="2400" err="1">
+              <a:t>Para crear nuestro modelo de predicción se trabaja con la variable dependiente que es el precio </a:t>
+            </a:r>
+          </a:p>
+        </p:txBody>
+      </p:sp>
+      <p:sp>
+        <p:nvSpPr>
+          <p:cNvPr id="6" name="TextBox 5">
+            <a:extLst>
+              <a:ext uri="{FF2B5EF4-FFF2-40B4-BE49-F238E27FC236}">
+                <a16:creationId xmlns:a16="http://schemas.microsoft.com/office/drawing/2014/main" id="{FB8A4123-D4C1-6BEA-4F37-6EBC698865AE}"/>
+              </a:ext>
+            </a:extLst>
+          </p:cNvPr>
+          <p:cNvSpPr txBox="1"/>
+          <p:nvPr/>
+        </p:nvSpPr>
+        <p:spPr>
+          <a:xfrm>
+            <a:off x="6392173" y="727495"/>
+            <a:ext cx="2440931" cy="1846659"/>
+          </a:xfrm>
+          <a:prstGeom prst="rect">
+            <a:avLst/>
+          </a:prstGeom>
+          <a:noFill/>
+        </p:spPr>
+        <p:txBody>
+          <a:bodyPr rot="0" spcFirstLastPara="0" vertOverflow="overflow" horzOverflow="overflow" vert="horz" wrap="square" lIns="91440" tIns="45720" rIns="91440" bIns="45720" numCol="1" spcCol="0" rtlCol="0" fromWordArt="0" anchor="t" anchorCtr="0" forceAA="0" compatLnSpc="1">
+            <a:prstTxWarp prst="textNoShape">
+              <a:avLst/>
+            </a:prstTxWarp>
+            <a:spAutoFit/>
+          </a:bodyPr>
+          <a:lstStyle/>
+          <a:p>
+            <a:r>
+              <a:rPr lang="es-CL" sz="1900">
+                <a:solidFill>
+                  <a:schemeClr val="bg1"/>
+                </a:solidFill>
+                <a:latin typeface="Segoe UI"/>
+              </a:rPr>
+              <a:t>Se identificaron y clasificaron las características y variables identificando sus grados de correlación.</a:t>
+            </a:r>
+            <a:endParaRPr lang="en-US" sz="1900">
+              <a:solidFill>
+                <a:schemeClr val="bg1"/>
+              </a:solidFill>
+            </a:endParaRPr>
+          </a:p>
+        </p:txBody>
+      </p:sp>
+      <p:sp>
+        <p:nvSpPr>
+          <p:cNvPr id="8" name="TextBox 7">
+            <a:extLst>
+              <a:ext uri="{FF2B5EF4-FFF2-40B4-BE49-F238E27FC236}">
+                <a16:creationId xmlns:a16="http://schemas.microsoft.com/office/drawing/2014/main" id="{4B066CC3-ACAA-E53E-344F-63616DF083CF}"/>
+              </a:ext>
+            </a:extLst>
+          </p:cNvPr>
+          <p:cNvSpPr txBox="1"/>
+          <p:nvPr/>
+        </p:nvSpPr>
+        <p:spPr>
+          <a:xfrm>
+            <a:off x="224287" y="2337759"/>
+            <a:ext cx="3030746" cy="1323439"/>
+          </a:xfrm>
+          <a:prstGeom prst="rect">
+            <a:avLst/>
+          </a:prstGeom>
+          <a:noFill/>
+        </p:spPr>
+        <p:txBody>
+          <a:bodyPr rot="0" spcFirstLastPara="0" vertOverflow="overflow" horzOverflow="overflow" vert="horz" wrap="square" lIns="91440" tIns="45720" rIns="91440" bIns="45720" numCol="1" spcCol="0" rtlCol="0" fromWordArt="0" anchor="t" anchorCtr="0" forceAA="0" compatLnSpc="1">
+            <a:prstTxWarp prst="textNoShape">
+              <a:avLst/>
+            </a:prstTxWarp>
+            <a:spAutoFit/>
+          </a:bodyPr>
+          <a:lstStyle/>
+          <a:p>
+            <a:r>
+              <a:rPr lang="es-CL" sz="2000">
                 <a:solidFill>
                   <a:srgbClr val="19202E"/>
                 </a:solidFill>
                 <a:latin typeface="Segoe UI"/>
-                <a:ea typeface="Calibri"/>
-                <a:cs typeface="Segoe UI"/>
               </a:rPr>
-              <a:t>caracteristics</a:t>
-            </a:r>
-            <a:r>
-              <a:rPr lang="es-CL" sz="2400">
+              <a:t>Se representa el comportamiento de los datos mediante </a:t>
+            </a:r>
+            <a:endParaRPr lang="en-US">
+              <a:solidFill>
+                <a:srgbClr val="000000"/>
+              </a:solidFill>
+              <a:latin typeface="Calibri" panose="020F0502020204030204"/>
+              <a:cs typeface="Calibri" panose="020F0502020204030204"/>
+            </a:endParaRPr>
+          </a:p>
+          <a:p>
+            <a:r>
+              <a:rPr lang="es-CL" sz="2000">
                 <a:solidFill>
                   <a:srgbClr val="19202E"/>
                 </a:solidFill>
                 <a:latin typeface="Segoe UI"/>
-                <a:ea typeface="Calibri"/>
-                <a:cs typeface="Segoe UI"/>
               </a:rPr>
-              <a:t> y variables identificando sus grados de correlación, representamos el comportamiento de los datos </a:t>
-            </a:r>
-            <a:r>
-              <a:rPr lang="es-CL" sz="2400" err="1">
+              <a:t>Gráficos.</a:t>
+            </a:r>
+            <a:endParaRPr lang="es-CL" sz="2000" err="1">
+              <a:solidFill>
+                <a:srgbClr val="19202E"/>
+              </a:solidFill>
+              <a:latin typeface="Segoe UI"/>
+              <a:cs typeface="Segoe UI"/>
+            </a:endParaRPr>
+          </a:p>
+        </p:txBody>
+      </p:sp>
+      <p:sp>
+        <p:nvSpPr>
+          <p:cNvPr id="9" name="TextBox 8">
+            <a:extLst>
+              <a:ext uri="{FF2B5EF4-FFF2-40B4-BE49-F238E27FC236}">
+                <a16:creationId xmlns:a16="http://schemas.microsoft.com/office/drawing/2014/main" id="{6536A29F-323F-9FF5-00C0-05DC1B14123E}"/>
+              </a:ext>
+            </a:extLst>
+          </p:cNvPr>
+          <p:cNvSpPr txBox="1"/>
+          <p:nvPr/>
+        </p:nvSpPr>
+        <p:spPr>
+          <a:xfrm>
+            <a:off x="6234023" y="3660476"/>
+            <a:ext cx="2915728" cy="1277273"/>
+          </a:xfrm>
+          <a:prstGeom prst="rect">
+            <a:avLst/>
+          </a:prstGeom>
+          <a:noFill/>
+        </p:spPr>
+        <p:txBody>
+          <a:bodyPr rot="0" spcFirstLastPara="0" vertOverflow="overflow" horzOverflow="overflow" vert="horz" wrap="square" lIns="91440" tIns="45720" rIns="91440" bIns="45720" numCol="1" spcCol="0" rtlCol="0" fromWordArt="0" anchor="t" anchorCtr="0" forceAA="0" compatLnSpc="1">
+            <a:prstTxWarp prst="textNoShape">
+              <a:avLst/>
+            </a:prstTxWarp>
+            <a:spAutoFit/>
+          </a:bodyPr>
+          <a:lstStyle/>
+          <a:p>
+            <a:r>
+              <a:rPr lang="es-CL" sz="2000">
                 <a:solidFill>
                   <a:srgbClr val="19202E"/>
                 </a:solidFill>
                 <a:latin typeface="Segoe UI"/>
-                <a:ea typeface="Calibri"/>
-                <a:cs typeface="Segoe UI"/>
               </a:rPr>
-              <a:t>mediantes</a:t>
-            </a:r>
-            <a:r>
-              <a:rPr lang="es-CL" sz="2400">
+              <a:t> </a:t>
+            </a:r>
+            <a:r>
+              <a:rPr lang="es-CL" sz="1900">
                 <a:solidFill>
                   <a:srgbClr val="19202E"/>
                 </a:solidFill>
                 <a:latin typeface="Segoe UI"/>
-                <a:ea typeface="Calibri"/>
-                <a:cs typeface="Segoe UI"/>
               </a:rPr>
-              <a:t> </a:t>
-            </a:r>
-            <a:r>
-              <a:rPr lang="es-CL" sz="2400" err="1">
-                <a:solidFill>
-                  <a:srgbClr val="19202E"/>
-                </a:solidFill>
-                <a:latin typeface="Segoe UI"/>
-                <a:ea typeface="Calibri"/>
-                <a:cs typeface="Segoe UI"/>
-              </a:rPr>
-              <a:t>graficos</a:t>
-            </a:r>
-            <a:r>
-              <a:rPr lang="es-CL" sz="2400">
-                <a:solidFill>
-                  <a:srgbClr val="19202E"/>
-                </a:solidFill>
-                <a:latin typeface="Segoe UI"/>
-                <a:ea typeface="Calibri"/>
-                <a:cs typeface="Segoe UI"/>
-              </a:rPr>
-              <a:t>, donde se eliminan los datos iguales a cero en los ejes X,Y, Z  y considerando esta información identificamos que para crear nuestro modelo de </a:t>
-            </a:r>
-            <a:r>
-              <a:rPr lang="es-CL" sz="2400" err="1">
-                <a:solidFill>
-                  <a:srgbClr val="19202E"/>
-                </a:solidFill>
-                <a:latin typeface="Segoe UI"/>
-                <a:ea typeface="Calibri"/>
-                <a:cs typeface="Segoe UI"/>
-              </a:rPr>
-              <a:t>prediccion</a:t>
-            </a:r>
-            <a:r>
-              <a:rPr lang="es-CL" sz="2400">
-                <a:solidFill>
-                  <a:srgbClr val="19202E"/>
-                </a:solidFill>
-                <a:latin typeface="Segoe UI"/>
-                <a:ea typeface="Calibri"/>
-                <a:cs typeface="Segoe UI"/>
-              </a:rPr>
-              <a:t> vamos a trabajar con nuestra variable dependiente que es el precio </a:t>
-            </a:r>
+              <a:t>Se eliminan los datos iguales a cero en los ejes X,Y, Z  y considerando esta información </a:t>
+            </a:r>
+            <a:endParaRPr lang="en-US" sz="1900"/>
           </a:p>
         </p:txBody>
       </p:sp>
@@ -11702,7 +13017,7 @@
         <p:spPr>
           <a:xfrm>
             <a:off x="398006" y="1112667"/>
-            <a:ext cx="8341672" cy="2308324"/>
+            <a:ext cx="8341672" cy="461665"/>
           </a:xfrm>
           <a:prstGeom prst="rect">
             <a:avLst/>
@@ -11719,7 +13034,7 @@
           <a:lstStyle/>
           <a:p>
             <a:r>
-              <a:rPr lang="es-CL" sz="2400" dirty="0">
+              <a:rPr lang="es-CL" sz="2400">
                 <a:solidFill>
                   <a:srgbClr val="19202E"/>
                 </a:solidFill>
@@ -11730,7 +13045,7 @@
               <a:t>Es una técnica aplicada en la rama del Machine </a:t>
             </a:r>
             <a:r>
-              <a:rPr lang="es-CL" sz="2400" dirty="0" err="1">
+              <a:rPr lang="es-CL" sz="2400" err="1">
                 <a:solidFill>
                   <a:srgbClr val="19202E"/>
                 </a:solidFill>
@@ -11741,7 +13056,7 @@
               <a:t>Learning</a:t>
             </a:r>
             <a:r>
-              <a:rPr lang="es-CL" sz="2400" dirty="0">
+              <a:rPr lang="es-CL" sz="2400">
                 <a:solidFill>
                   <a:srgbClr val="19202E"/>
                 </a:solidFill>
@@ -11749,73 +13064,7 @@
                 <a:ea typeface="Calibri"/>
                 <a:cs typeface="Segoe UI"/>
               </a:rPr>
-              <a:t> en la que se aplican el uso de algoritmos definiendo que debe o no aprender en una serie de datos etiquetados </a:t>
-            </a:r>
-            <a:r>
-              <a:rPr lang="es-CL" sz="2400" dirty="0" err="1">
-                <a:solidFill>
-                  <a:srgbClr val="19202E"/>
-                </a:solidFill>
-                <a:latin typeface="Segoe UI"/>
-                <a:ea typeface="Calibri"/>
-                <a:cs typeface="Segoe UI"/>
-              </a:rPr>
-              <a:t>tambien</a:t>
-            </a:r>
-            <a:r>
-              <a:rPr lang="es-CL" sz="2400" dirty="0">
-                <a:solidFill>
-                  <a:srgbClr val="19202E"/>
-                </a:solidFill>
-                <a:latin typeface="Segoe UI"/>
-                <a:ea typeface="Calibri"/>
-                <a:cs typeface="Segoe UI"/>
-              </a:rPr>
-              <a:t> llamados conjunto de entrenamiento que permiten definir una </a:t>
-            </a:r>
-            <a:r>
-              <a:rPr lang="es-CL" sz="2400" dirty="0" err="1">
-                <a:solidFill>
-                  <a:srgbClr val="19202E"/>
-                </a:solidFill>
-                <a:latin typeface="Segoe UI"/>
-                <a:ea typeface="Calibri"/>
-                <a:cs typeface="Segoe UI"/>
-              </a:rPr>
-              <a:t>funcion</a:t>
-            </a:r>
-            <a:r>
-              <a:rPr lang="es-CL" sz="2400" dirty="0">
-                <a:solidFill>
-                  <a:srgbClr val="19202E"/>
-                </a:solidFill>
-                <a:latin typeface="Segoe UI"/>
-                <a:ea typeface="Calibri"/>
-                <a:cs typeface="Segoe UI"/>
-              </a:rPr>
-              <a:t> predictiva y enseñar al modelo a predecir los resultados con </a:t>
-            </a:r>
-            <a:r>
-              <a:rPr lang="es-CL" sz="2400" dirty="0" err="1">
-                <a:solidFill>
-                  <a:srgbClr val="19202E"/>
-                </a:solidFill>
-                <a:latin typeface="Segoe UI"/>
-                <a:ea typeface="Calibri"/>
-                <a:cs typeface="Segoe UI"/>
-              </a:rPr>
-              <a:t>precision</a:t>
-            </a:r>
-            <a:r>
-              <a:rPr lang="es-CL" sz="2400" dirty="0">
-                <a:solidFill>
-                  <a:srgbClr val="19202E"/>
-                </a:solidFill>
-                <a:latin typeface="Segoe UI"/>
-                <a:ea typeface="Calibri"/>
-                <a:cs typeface="Segoe UI"/>
-              </a:rPr>
-              <a:t>.</a:t>
+              <a:t> </a:t>
             </a:r>
           </a:p>
         </p:txBody>
@@ -11834,8 +13083,8 @@
         </p:nvSpPr>
         <p:spPr>
           <a:xfrm>
-            <a:off x="4968816" y="3430438"/>
-            <a:ext cx="4410972" cy="3416320"/>
+            <a:off x="23005" y="5198853"/>
+            <a:ext cx="9184255" cy="1938992"/>
           </a:xfrm>
           <a:prstGeom prst="rect">
             <a:avLst/>
@@ -11859,94 +13108,14 @@
                 <a:latin typeface="Segoe UI"/>
                 <a:cs typeface="Segoe UI"/>
               </a:rPr>
-              <a:t> </a:t>
-            </a:r>
-            <a:r>
-              <a:rPr lang="es-CL" sz="2400" err="1">
-                <a:solidFill>
-                  <a:srgbClr val="19202E"/>
-                </a:solidFill>
-                <a:latin typeface="Segoe UI"/>
-                <a:cs typeface="Segoe UI"/>
-              </a:rPr>
-              <a:t>Asi</a:t>
-            </a:r>
-            <a:r>
-              <a:rPr lang="es-CL" sz="2400">
-                <a:solidFill>
-                  <a:srgbClr val="19202E"/>
-                </a:solidFill>
-                <a:latin typeface="Segoe UI"/>
-                <a:cs typeface="Segoe UI"/>
-              </a:rPr>
-              <a:t> mismo, con la </a:t>
-            </a:r>
-            <a:r>
-              <a:rPr lang="es-CL" sz="2400" err="1">
-                <a:solidFill>
-                  <a:srgbClr val="19202E"/>
-                </a:solidFill>
-                <a:latin typeface="Segoe UI"/>
-                <a:cs typeface="Segoe UI"/>
-              </a:rPr>
-              <a:t>funcion</a:t>
-            </a:r>
-            <a:r>
-              <a:rPr lang="es-CL" sz="2400">
-                <a:solidFill>
-                  <a:srgbClr val="19202E"/>
-                </a:solidFill>
-                <a:latin typeface="Segoe UI"/>
-                <a:cs typeface="Segoe UI"/>
-              </a:rPr>
-              <a:t> definida, el modelo usa los datos </a:t>
-            </a:r>
-            <a:r>
-              <a:rPr lang="es-CL" sz="2400" err="1">
-                <a:solidFill>
-                  <a:srgbClr val="19202E"/>
-                </a:solidFill>
-                <a:latin typeface="Segoe UI"/>
-                <a:cs typeface="Segoe UI"/>
-              </a:rPr>
-              <a:t>etiqutados</a:t>
-            </a:r>
-            <a:r>
-              <a:rPr lang="es-CL" sz="2400">
-                <a:solidFill>
-                  <a:srgbClr val="19202E"/>
-                </a:solidFill>
-                <a:latin typeface="Segoe UI"/>
-                <a:cs typeface="Segoe UI"/>
-              </a:rPr>
-              <a:t> para medir la relevancia de diferentes </a:t>
-            </a:r>
-            <a:r>
-              <a:rPr lang="es-CL" sz="2400" err="1">
-                <a:solidFill>
-                  <a:srgbClr val="19202E"/>
-                </a:solidFill>
-                <a:latin typeface="Segoe UI"/>
-                <a:cs typeface="Segoe UI"/>
-              </a:rPr>
-              <a:t>caracteristicas</a:t>
-            </a:r>
-            <a:r>
-              <a:rPr lang="es-CL" sz="2400">
-                <a:solidFill>
-                  <a:srgbClr val="19202E"/>
-                </a:solidFill>
-                <a:latin typeface="Segoe UI"/>
-                <a:cs typeface="Segoe UI"/>
-              </a:rPr>
-              <a:t> a fin de mejorar gradualmente el ajuste del modelo al resultado conocido</a:t>
+              <a:t> Asimismo, con la función definida, el modelo usa los datos etiquetados para medir la relevancia de diferentes características a fin de mejorar gradualmente el ajuste del modelo al resultado conocido</a:t>
             </a:r>
             <a:r>
               <a:rPr lang="en-US" sz="2400">
                 <a:latin typeface="Segoe UI"/>
                 <a:cs typeface="Segoe UI"/>
               </a:rPr>
-              <a:t>​</a:t>
+              <a:t>​.</a:t>
             </a:r>
           </a:p>
           <a:p>
@@ -11960,6 +13129,708 @@
           </a:p>
         </p:txBody>
       </p:sp>
+      <p:sp>
+        <p:nvSpPr>
+          <p:cNvPr id="6" name="TextBox 5">
+            <a:extLst>
+              <a:ext uri="{FF2B5EF4-FFF2-40B4-BE49-F238E27FC236}">
+                <a16:creationId xmlns:a16="http://schemas.microsoft.com/office/drawing/2014/main" id="{2F0A0820-7017-6E36-3F5D-8BE37DD03C0D}"/>
+              </a:ext>
+            </a:extLst>
+          </p:cNvPr>
+          <p:cNvSpPr txBox="1"/>
+          <p:nvPr/>
+        </p:nvSpPr>
+        <p:spPr>
+          <a:xfrm>
+            <a:off x="66137" y="94891"/>
+            <a:ext cx="9026104" cy="646331"/>
+          </a:xfrm>
+          <a:prstGeom prst="rect">
+            <a:avLst/>
+          </a:prstGeom>
+          <a:noFill/>
+        </p:spPr>
+        <p:txBody>
+          <a:bodyPr rot="0" spcFirstLastPara="0" vertOverflow="overflow" horzOverflow="overflow" vert="horz" wrap="square" lIns="91440" tIns="45720" rIns="91440" bIns="45720" numCol="1" spcCol="0" rtlCol="0" fromWordArt="0" anchor="t" anchorCtr="0" forceAA="0" compatLnSpc="1">
+            <a:prstTxWarp prst="textNoShape">
+              <a:avLst/>
+            </a:prstTxWarp>
+            <a:spAutoFit/>
+          </a:bodyPr>
+          <a:lstStyle/>
+          <a:p>
+            <a:r>
+              <a:rPr lang="es-CL" sz="3600" b="1">
+                <a:solidFill>
+                  <a:schemeClr val="bg1"/>
+                </a:solidFill>
+                <a:latin typeface="Segoe UI"/>
+              </a:rPr>
+              <a:t>Aprendizaje Supervisado</a:t>
+            </a:r>
+            <a:endParaRPr lang="en-US" sz="2800">
+              <a:solidFill>
+                <a:schemeClr val="bg1"/>
+              </a:solidFill>
+              <a:cs typeface="Calibri" panose="020F0502020204030204"/>
+            </a:endParaRPr>
+          </a:p>
+        </p:txBody>
+      </p:sp>
+      <p:sp>
+        <p:nvSpPr>
+          <p:cNvPr id="8" name="TextBox 7">
+            <a:extLst>
+              <a:ext uri="{FF2B5EF4-FFF2-40B4-BE49-F238E27FC236}">
+                <a16:creationId xmlns:a16="http://schemas.microsoft.com/office/drawing/2014/main" id="{AC6BF442-2465-90E8-1A94-82A26CD022B3}"/>
+              </a:ext>
+            </a:extLst>
+          </p:cNvPr>
+          <p:cNvSpPr txBox="1"/>
+          <p:nvPr/>
+        </p:nvSpPr>
+        <p:spPr>
+          <a:xfrm>
+            <a:off x="296174" y="1705154"/>
+            <a:ext cx="2311878" cy="442674"/>
+          </a:xfrm>
+          <a:prstGeom prst="flowChartAlternateProcess">
+            <a:avLst/>
+          </a:prstGeom>
+          <a:solidFill>
+            <a:srgbClr val="C00000"/>
+          </a:solidFill>
+          <a:ln>
+            <a:solidFill>
+              <a:srgbClr val="2B0404"/>
+            </a:solidFill>
+          </a:ln>
+        </p:spPr>
+        <p:style>
+          <a:lnRef idx="1">
+            <a:schemeClr val="accent4"/>
+          </a:lnRef>
+          <a:fillRef idx="2">
+            <a:schemeClr val="accent4"/>
+          </a:fillRef>
+          <a:effectRef idx="1">
+            <a:schemeClr val="accent4"/>
+          </a:effectRef>
+          <a:fontRef idx="minor">
+            <a:schemeClr val="dk1"/>
+          </a:fontRef>
+        </p:style>
+        <p:txBody>
+          <a:bodyPr rot="0" spcFirstLastPara="0" vertOverflow="overflow" horzOverflow="overflow" vert="horz" wrap="square" lIns="91440" tIns="45720" rIns="91440" bIns="45720" numCol="1" spcCol="0" rtlCol="0" fromWordArt="0" anchor="t" anchorCtr="0" forceAA="0" compatLnSpc="1">
+            <a:prstTxWarp prst="textNoShape">
+              <a:avLst/>
+            </a:prstTxWarp>
+            <a:spAutoFit/>
+          </a:bodyPr>
+          <a:lstStyle/>
+          <a:p>
+            <a:r>
+              <a:rPr lang="es-CL" sz="2000">
+                <a:solidFill>
+                  <a:srgbClr val="FFFFFF"/>
+                </a:solidFill>
+                <a:latin typeface="Segoe UI"/>
+              </a:rPr>
+              <a:t> usa </a:t>
+            </a:r>
+            <a:r>
+              <a:rPr lang="es-CL" sz="2000" b="1">
+                <a:solidFill>
+                  <a:srgbClr val="FFFFFF"/>
+                </a:solidFill>
+                <a:latin typeface="Segoe UI"/>
+              </a:rPr>
+              <a:t>algoritmos</a:t>
+            </a:r>
+            <a:r>
+              <a:rPr lang="es-CL" sz="2000">
+                <a:solidFill>
+                  <a:srgbClr val="FFFFFF"/>
+                </a:solidFill>
+                <a:latin typeface="Segoe UI"/>
+              </a:rPr>
+              <a:t> </a:t>
+            </a:r>
+            <a:endParaRPr lang="en-US" sz="2000">
+              <a:solidFill>
+                <a:srgbClr val="FFFFFF"/>
+              </a:solidFill>
+              <a:latin typeface="Segoe UI"/>
+              <a:cs typeface="Segoe UI"/>
+            </a:endParaRPr>
+          </a:p>
+        </p:txBody>
+      </p:sp>
+      <p:sp>
+        <p:nvSpPr>
+          <p:cNvPr id="9" name="TextBox 8">
+            <a:extLst>
+              <a:ext uri="{FF2B5EF4-FFF2-40B4-BE49-F238E27FC236}">
+                <a16:creationId xmlns:a16="http://schemas.microsoft.com/office/drawing/2014/main" id="{1622D384-11BE-8D86-D3A0-E4E3883543A2}"/>
+              </a:ext>
+            </a:extLst>
+          </p:cNvPr>
+          <p:cNvSpPr txBox="1"/>
+          <p:nvPr/>
+        </p:nvSpPr>
+        <p:spPr>
+          <a:xfrm>
+            <a:off x="411192" y="3042248"/>
+            <a:ext cx="1909314" cy="783193"/>
+          </a:xfrm>
+          <a:prstGeom prst="flowChartAlternateProcess">
+            <a:avLst/>
+          </a:prstGeom>
+          <a:solidFill>
+            <a:srgbClr val="C00000"/>
+          </a:solidFill>
+          <a:ln>
+            <a:solidFill>
+              <a:srgbClr val="2B0404"/>
+            </a:solidFill>
+          </a:ln>
+        </p:spPr>
+        <p:style>
+          <a:lnRef idx="1">
+            <a:schemeClr val="accent4"/>
+          </a:lnRef>
+          <a:fillRef idx="2">
+            <a:schemeClr val="accent4"/>
+          </a:fillRef>
+          <a:effectRef idx="1">
+            <a:schemeClr val="accent4"/>
+          </a:effectRef>
+          <a:fontRef idx="minor">
+            <a:schemeClr val="dk1"/>
+          </a:fontRef>
+        </p:style>
+        <p:txBody>
+          <a:bodyPr rot="0" spcFirstLastPara="0" vertOverflow="overflow" horzOverflow="overflow" vert="horz" wrap="square" lIns="91440" tIns="45720" rIns="91440" bIns="45720" numCol="1" spcCol="0" rtlCol="0" fromWordArt="0" anchor="t" anchorCtr="0" forceAA="0" compatLnSpc="1">
+            <a:prstTxWarp prst="textNoShape">
+              <a:avLst/>
+            </a:prstTxWarp>
+            <a:spAutoFit/>
+          </a:bodyPr>
+          <a:lstStyle/>
+          <a:p>
+            <a:r>
+              <a:rPr lang="es-CL" sz="2000">
+                <a:solidFill>
+                  <a:srgbClr val="FFFFFF"/>
+                </a:solidFill>
+                <a:latin typeface="Segoe UI"/>
+              </a:rPr>
+              <a:t>que </a:t>
+            </a:r>
+            <a:r>
+              <a:rPr lang="es-CL" sz="2000" b="1">
+                <a:solidFill>
+                  <a:srgbClr val="FFFFFF"/>
+                </a:solidFill>
+                <a:latin typeface="Segoe UI"/>
+              </a:rPr>
+              <a:t>se debe</a:t>
+            </a:r>
+            <a:r>
+              <a:rPr lang="es-CL" sz="2000">
+                <a:solidFill>
+                  <a:srgbClr val="FFFFFF"/>
+                </a:solidFill>
+                <a:latin typeface="Segoe UI"/>
+              </a:rPr>
+              <a:t> o </a:t>
+            </a:r>
+            <a:r>
+              <a:rPr lang="es-CL" sz="2000" b="1">
+                <a:solidFill>
+                  <a:srgbClr val="FFFFFF"/>
+                </a:solidFill>
+                <a:latin typeface="Segoe UI"/>
+              </a:rPr>
+              <a:t>no</a:t>
+            </a:r>
+            <a:r>
+              <a:rPr lang="es-CL" sz="2000">
+                <a:solidFill>
+                  <a:srgbClr val="FFFFFF"/>
+                </a:solidFill>
+                <a:latin typeface="Segoe UI"/>
+              </a:rPr>
+              <a:t> aprender </a:t>
+            </a:r>
+            <a:endParaRPr lang="en-US" sz="2000">
+              <a:solidFill>
+                <a:srgbClr val="FFFFFF"/>
+              </a:solidFill>
+            </a:endParaRPr>
+          </a:p>
+        </p:txBody>
+      </p:sp>
+      <p:sp>
+        <p:nvSpPr>
+          <p:cNvPr id="10" name="TextBox 9">
+            <a:extLst>
+              <a:ext uri="{FF2B5EF4-FFF2-40B4-BE49-F238E27FC236}">
+                <a16:creationId xmlns:a16="http://schemas.microsoft.com/office/drawing/2014/main" id="{A732730E-868A-317E-909C-A49FF404787E}"/>
+              </a:ext>
+            </a:extLst>
+          </p:cNvPr>
+          <p:cNvSpPr txBox="1"/>
+          <p:nvPr/>
+        </p:nvSpPr>
+        <p:spPr>
+          <a:xfrm>
+            <a:off x="3401684" y="3186022"/>
+            <a:ext cx="2426898" cy="1464231"/>
+          </a:xfrm>
+          <a:prstGeom prst="flowChartAlternateProcess">
+            <a:avLst/>
+          </a:prstGeom>
+          <a:solidFill>
+            <a:srgbClr val="C00000"/>
+          </a:solidFill>
+          <a:ln>
+            <a:solidFill>
+              <a:srgbClr val="2B0404"/>
+            </a:solidFill>
+          </a:ln>
+        </p:spPr>
+        <p:style>
+          <a:lnRef idx="1">
+            <a:schemeClr val="accent4"/>
+          </a:lnRef>
+          <a:fillRef idx="2">
+            <a:schemeClr val="accent4"/>
+          </a:fillRef>
+          <a:effectRef idx="1">
+            <a:schemeClr val="accent4"/>
+          </a:effectRef>
+          <a:fontRef idx="minor">
+            <a:schemeClr val="dk1"/>
+          </a:fontRef>
+        </p:style>
+        <p:txBody>
+          <a:bodyPr rot="0" spcFirstLastPara="0" vertOverflow="overflow" horzOverflow="overflow" vert="horz" wrap="square" lIns="91440" tIns="45720" rIns="91440" bIns="45720" numCol="1" spcCol="0" rtlCol="0" fromWordArt="0" anchor="t" anchorCtr="0" forceAA="0" compatLnSpc="1">
+            <a:prstTxWarp prst="textNoShape">
+              <a:avLst/>
+            </a:prstTxWarp>
+            <a:spAutoFit/>
+          </a:bodyPr>
+          <a:lstStyle/>
+          <a:p>
+            <a:r>
+              <a:rPr lang="es-CL" sz="2000">
+                <a:solidFill>
+                  <a:srgbClr val="FFFFFF"/>
+                </a:solidFill>
+                <a:latin typeface="Segoe UI"/>
+              </a:rPr>
+              <a:t>serie de </a:t>
+            </a:r>
+            <a:r>
+              <a:rPr lang="es-CL" sz="2000" b="1">
+                <a:solidFill>
+                  <a:srgbClr val="FFFFFF"/>
+                </a:solidFill>
+                <a:latin typeface="Segoe UI"/>
+              </a:rPr>
+              <a:t>datos etiquetados</a:t>
+            </a:r>
+            <a:r>
+              <a:rPr lang="es-CL" sz="2000">
+                <a:solidFill>
+                  <a:srgbClr val="FFFFFF"/>
+                </a:solidFill>
+                <a:latin typeface="Segoe UI"/>
+              </a:rPr>
+              <a:t> / </a:t>
+            </a:r>
+            <a:r>
+              <a:rPr lang="es-CL" sz="2000" b="1">
+                <a:solidFill>
+                  <a:srgbClr val="FFFFFF"/>
+                </a:solidFill>
+                <a:latin typeface="Segoe UI"/>
+              </a:rPr>
+              <a:t>conjunto de entrenamiento</a:t>
+            </a:r>
+            <a:endParaRPr lang="en-US" sz="2000">
+              <a:solidFill>
+                <a:srgbClr val="FFFFFF"/>
+              </a:solidFill>
+              <a:cs typeface="Calibri" panose="020F0502020204030204"/>
+            </a:endParaRPr>
+          </a:p>
+        </p:txBody>
+      </p:sp>
+      <p:sp>
+        <p:nvSpPr>
+          <p:cNvPr id="11" name="TextBox 10">
+            <a:extLst>
+              <a:ext uri="{FF2B5EF4-FFF2-40B4-BE49-F238E27FC236}">
+                <a16:creationId xmlns:a16="http://schemas.microsoft.com/office/drawing/2014/main" id="{25D67DC0-543E-F78F-C21B-C0868E10CDE7}"/>
+              </a:ext>
+            </a:extLst>
+          </p:cNvPr>
+          <p:cNvSpPr txBox="1"/>
+          <p:nvPr/>
+        </p:nvSpPr>
+        <p:spPr>
+          <a:xfrm>
+            <a:off x="3401683" y="1719531"/>
+            <a:ext cx="2585048" cy="783193"/>
+          </a:xfrm>
+          <a:prstGeom prst="flowChartAlternateProcess">
+            <a:avLst/>
+          </a:prstGeom>
+          <a:solidFill>
+            <a:srgbClr val="C00000"/>
+          </a:solidFill>
+          <a:ln>
+            <a:solidFill>
+              <a:srgbClr val="2B0404"/>
+            </a:solidFill>
+          </a:ln>
+        </p:spPr>
+        <p:style>
+          <a:lnRef idx="1">
+            <a:schemeClr val="accent4"/>
+          </a:lnRef>
+          <a:fillRef idx="2">
+            <a:schemeClr val="accent4"/>
+          </a:fillRef>
+          <a:effectRef idx="1">
+            <a:schemeClr val="accent4"/>
+          </a:effectRef>
+          <a:fontRef idx="minor">
+            <a:schemeClr val="dk1"/>
+          </a:fontRef>
+        </p:style>
+        <p:txBody>
+          <a:bodyPr rot="0" spcFirstLastPara="0" vertOverflow="overflow" horzOverflow="overflow" vert="horz" wrap="square" lIns="91440" tIns="45720" rIns="91440" bIns="45720" numCol="1" spcCol="0" rtlCol="0" fromWordArt="0" anchor="t" anchorCtr="0" forceAA="0" compatLnSpc="1">
+            <a:prstTxWarp prst="textNoShape">
+              <a:avLst/>
+            </a:prstTxWarp>
+            <a:spAutoFit/>
+          </a:bodyPr>
+          <a:lstStyle/>
+          <a:p>
+            <a:r>
+              <a:rPr lang="es-CL" sz="2000">
+                <a:solidFill>
+                  <a:srgbClr val="FFFFFF"/>
+                </a:solidFill>
+                <a:latin typeface="Segoe UI"/>
+              </a:rPr>
+              <a:t>definir una </a:t>
+            </a:r>
+            <a:r>
+              <a:rPr lang="es-CL" sz="2000" b="1">
+                <a:solidFill>
+                  <a:srgbClr val="FFFFFF"/>
+                </a:solidFill>
+                <a:latin typeface="Segoe UI"/>
+              </a:rPr>
+              <a:t>función</a:t>
+            </a:r>
+            <a:endParaRPr lang="en-US" sz="2000" b="1">
+              <a:solidFill>
+                <a:srgbClr val="FFFFFF"/>
+              </a:solidFill>
+              <a:latin typeface="Calibri" panose="020F0502020204030204"/>
+              <a:cs typeface="Calibri" panose="020F0502020204030204"/>
+            </a:endParaRPr>
+          </a:p>
+          <a:p>
+            <a:r>
+              <a:rPr lang="es-CL" sz="2000" b="1">
+                <a:solidFill>
+                  <a:srgbClr val="FFFFFF"/>
+                </a:solidFill>
+                <a:latin typeface="Segoe UI"/>
+              </a:rPr>
+              <a:t> predictiva</a:t>
+            </a:r>
+            <a:endParaRPr lang="en-US" sz="2000" b="1">
+              <a:solidFill>
+                <a:srgbClr val="FFFFFF"/>
+              </a:solidFill>
+              <a:cs typeface="Calibri"/>
+            </a:endParaRPr>
+          </a:p>
+        </p:txBody>
+      </p:sp>
+      <p:sp>
+        <p:nvSpPr>
+          <p:cNvPr id="12" name="TextBox 11">
+            <a:extLst>
+              <a:ext uri="{FF2B5EF4-FFF2-40B4-BE49-F238E27FC236}">
+                <a16:creationId xmlns:a16="http://schemas.microsoft.com/office/drawing/2014/main" id="{4BF8DF98-36F5-A1C6-289C-2ECE63035579}"/>
+              </a:ext>
+            </a:extLst>
+          </p:cNvPr>
+          <p:cNvSpPr txBox="1"/>
+          <p:nvPr/>
+        </p:nvSpPr>
+        <p:spPr>
+          <a:xfrm>
+            <a:off x="6406552" y="1719530"/>
+            <a:ext cx="2585048" cy="1478608"/>
+          </a:xfrm>
+          <a:prstGeom prst="flowChartAlternateProcess">
+            <a:avLst/>
+          </a:prstGeom>
+          <a:solidFill>
+            <a:srgbClr val="C00000"/>
+          </a:solidFill>
+          <a:ln>
+            <a:solidFill>
+              <a:srgbClr val="2B0404"/>
+            </a:solidFill>
+          </a:ln>
+        </p:spPr>
+        <p:style>
+          <a:lnRef idx="1">
+            <a:schemeClr val="accent4"/>
+          </a:lnRef>
+          <a:fillRef idx="2">
+            <a:schemeClr val="accent4"/>
+          </a:fillRef>
+          <a:effectRef idx="1">
+            <a:schemeClr val="accent4"/>
+          </a:effectRef>
+          <a:fontRef idx="minor">
+            <a:schemeClr val="dk1"/>
+          </a:fontRef>
+        </p:style>
+        <p:txBody>
+          <a:bodyPr rot="0" spcFirstLastPara="0" vertOverflow="overflow" horzOverflow="overflow" vert="horz" wrap="square" lIns="91440" tIns="45720" rIns="91440" bIns="45720" numCol="1" spcCol="0" rtlCol="0" fromWordArt="0" anchor="t" anchorCtr="0" forceAA="0" compatLnSpc="1">
+            <a:prstTxWarp prst="textNoShape">
+              <a:avLst/>
+            </a:prstTxWarp>
+            <a:spAutoFit/>
+          </a:bodyPr>
+          <a:lstStyle/>
+          <a:p>
+            <a:r>
+              <a:rPr lang="es-CL" sz="2000">
+                <a:solidFill>
+                  <a:srgbClr val="FFFFFF"/>
+                </a:solidFill>
+                <a:latin typeface="Segoe UI"/>
+              </a:rPr>
+              <a:t>enseñar al </a:t>
+            </a:r>
+            <a:r>
+              <a:rPr lang="es-CL" sz="2000" b="1">
+                <a:solidFill>
+                  <a:srgbClr val="FFFFFF"/>
+                </a:solidFill>
+                <a:latin typeface="Segoe UI"/>
+              </a:rPr>
+              <a:t>modelo a predecir</a:t>
+            </a:r>
+            <a:r>
+              <a:rPr lang="es-CL" sz="2000">
+                <a:solidFill>
+                  <a:srgbClr val="FFFFFF"/>
+                </a:solidFill>
+                <a:latin typeface="Segoe UI"/>
+              </a:rPr>
+              <a:t> los resultados con precisión.</a:t>
+            </a:r>
+            <a:r>
+              <a:rPr lang="en-US" sz="2000">
+                <a:solidFill>
+                  <a:srgbClr val="FFFFFF"/>
+                </a:solidFill>
+                <a:latin typeface="Segoe UI"/>
+              </a:rPr>
+              <a:t>​</a:t>
+            </a:r>
+            <a:r>
+              <a:rPr lang="en-US" sz="2000">
+                <a:solidFill>
+                  <a:srgbClr val="FFFFFF"/>
+                </a:solidFill>
+                <a:latin typeface="Segoe UI"/>
+                <a:cs typeface="Segoe UI"/>
+              </a:rPr>
+              <a:t>​</a:t>
+            </a:r>
+            <a:endParaRPr lang="en-US" sz="2000">
+              <a:solidFill>
+                <a:srgbClr val="FFFFFF"/>
+              </a:solidFill>
+              <a:cs typeface="Calibri" panose="020F0502020204030204"/>
+            </a:endParaRPr>
+          </a:p>
+        </p:txBody>
+      </p:sp>
+      <p:cxnSp>
+        <p:nvCxnSpPr>
+          <p:cNvPr id="15" name="Straight Arrow Connector 14">
+            <a:extLst>
+              <a:ext uri="{FF2B5EF4-FFF2-40B4-BE49-F238E27FC236}">
+                <a16:creationId xmlns:a16="http://schemas.microsoft.com/office/drawing/2014/main" id="{805F7F63-E107-5C6B-8F1C-5B59AB2E5C24}"/>
+              </a:ext>
+            </a:extLst>
+          </p:cNvPr>
+          <p:cNvCxnSpPr/>
+          <p:nvPr/>
+        </p:nvCxnSpPr>
+        <p:spPr>
+          <a:xfrm flipH="1">
+            <a:off x="1363260" y="2192808"/>
+            <a:ext cx="4026" cy="618226"/>
+          </a:xfrm>
+          <a:prstGeom prst="straightConnector1">
+            <a:avLst/>
+          </a:prstGeom>
+          <a:ln>
+            <a:tailEnd type="triangle"/>
+          </a:ln>
+        </p:spPr>
+        <p:style>
+          <a:lnRef idx="3">
+            <a:schemeClr val="dk1"/>
+          </a:lnRef>
+          <a:fillRef idx="0">
+            <a:schemeClr val="dk1"/>
+          </a:fillRef>
+          <a:effectRef idx="2">
+            <a:schemeClr val="dk1"/>
+          </a:effectRef>
+          <a:fontRef idx="minor">
+            <a:schemeClr val="tx1"/>
+          </a:fontRef>
+        </p:style>
+      </p:cxnSp>
+      <p:cxnSp>
+        <p:nvCxnSpPr>
+          <p:cNvPr id="16" name="Connector: Curved 15">
+            <a:extLst>
+              <a:ext uri="{FF2B5EF4-FFF2-40B4-BE49-F238E27FC236}">
+                <a16:creationId xmlns:a16="http://schemas.microsoft.com/office/drawing/2014/main" id="{1F24B544-EEF7-C01B-8654-B9B5F6F5F340}"/>
+              </a:ext>
+            </a:extLst>
+          </p:cNvPr>
+          <p:cNvCxnSpPr/>
+          <p:nvPr/>
+        </p:nvCxnSpPr>
+        <p:spPr>
+          <a:xfrm flipV="1">
+            <a:off x="2190863" y="2071562"/>
+            <a:ext cx="1078301" cy="1869057"/>
+          </a:xfrm>
+          <a:prstGeom prst="curvedConnector3">
+            <a:avLst/>
+          </a:prstGeom>
+          <a:ln>
+            <a:tailEnd type="triangle"/>
+          </a:ln>
+        </p:spPr>
+        <p:style>
+          <a:lnRef idx="3">
+            <a:schemeClr val="dk1"/>
+          </a:lnRef>
+          <a:fillRef idx="0">
+            <a:schemeClr val="dk1"/>
+          </a:fillRef>
+          <a:effectRef idx="2">
+            <a:schemeClr val="dk1"/>
+          </a:effectRef>
+          <a:fontRef idx="minor">
+            <a:schemeClr val="tx1"/>
+          </a:fontRef>
+        </p:style>
+      </p:cxnSp>
+      <p:cxnSp>
+        <p:nvCxnSpPr>
+          <p:cNvPr id="17" name="Straight Arrow Connector 16">
+            <a:extLst>
+              <a:ext uri="{FF2B5EF4-FFF2-40B4-BE49-F238E27FC236}">
+                <a16:creationId xmlns:a16="http://schemas.microsoft.com/office/drawing/2014/main" id="{2F490789-88BF-675E-E92B-65B29E049B3B}"/>
+              </a:ext>
+            </a:extLst>
+          </p:cNvPr>
+          <p:cNvCxnSpPr>
+            <a:cxnSpLocks/>
+          </p:cNvCxnSpPr>
+          <p:nvPr/>
+        </p:nvCxnSpPr>
+        <p:spPr>
+          <a:xfrm flipH="1">
+            <a:off x="4670051" y="2509109"/>
+            <a:ext cx="4026" cy="618226"/>
+          </a:xfrm>
+          <a:prstGeom prst="straightConnector1">
+            <a:avLst/>
+          </a:prstGeom>
+          <a:ln>
+            <a:tailEnd type="triangle"/>
+          </a:ln>
+        </p:spPr>
+        <p:style>
+          <a:lnRef idx="3">
+            <a:schemeClr val="dk1"/>
+          </a:lnRef>
+          <a:fillRef idx="0">
+            <a:schemeClr val="dk1"/>
+          </a:fillRef>
+          <a:effectRef idx="2">
+            <a:schemeClr val="dk1"/>
+          </a:effectRef>
+          <a:fontRef idx="minor">
+            <a:schemeClr val="tx1"/>
+          </a:fontRef>
+        </p:style>
+      </p:cxnSp>
+      <p:cxnSp>
+        <p:nvCxnSpPr>
+          <p:cNvPr id="19" name="Connector: Curved 18">
+            <a:extLst>
+              <a:ext uri="{FF2B5EF4-FFF2-40B4-BE49-F238E27FC236}">
+                <a16:creationId xmlns:a16="http://schemas.microsoft.com/office/drawing/2014/main" id="{9A78B542-F118-A190-A141-3C714236AE06}"/>
+              </a:ext>
+            </a:extLst>
+          </p:cNvPr>
+          <p:cNvCxnSpPr/>
+          <p:nvPr/>
+        </p:nvCxnSpPr>
+        <p:spPr>
+          <a:xfrm flipV="1">
+            <a:off x="5815184" y="2570183"/>
+            <a:ext cx="589471" cy="1639021"/>
+          </a:xfrm>
+          <a:prstGeom prst="curvedConnector3">
+            <a:avLst/>
+          </a:prstGeom>
+          <a:ln>
+            <a:tailEnd type="triangle"/>
+          </a:ln>
+        </p:spPr>
+        <p:style>
+          <a:lnRef idx="3">
+            <a:schemeClr val="dk1"/>
+          </a:lnRef>
+          <a:fillRef idx="0">
+            <a:schemeClr val="dk1"/>
+          </a:fillRef>
+          <a:effectRef idx="2">
+            <a:schemeClr val="dk1"/>
+          </a:effectRef>
+          <a:fontRef idx="minor">
+            <a:schemeClr val="tx1"/>
+          </a:fontRef>
+        </p:style>
+      </p:cxnSp>
     </p:spTree>
     <p:extLst>
       <p:ext uri="{BB962C8B-B14F-4D97-AF65-F5344CB8AC3E}">
@@ -12051,10 +13922,10 @@
       </p:pic>
       <p:sp>
         <p:nvSpPr>
-          <p:cNvPr id="3" name="TextBox 3">
+          <p:cNvPr id="3" name="TextBox 2">
             <a:extLst>
               <a:ext uri="{FF2B5EF4-FFF2-40B4-BE49-F238E27FC236}">
-                <a16:creationId xmlns:a16="http://schemas.microsoft.com/office/drawing/2014/main" id="{0BAEEE35-569A-C1B1-3DE8-7187348AFB7D}"/>
+                <a16:creationId xmlns:a16="http://schemas.microsoft.com/office/drawing/2014/main" id="{23480A74-8042-3918-FB57-0ABA427747B4}"/>
               </a:ext>
             </a:extLst>
           </p:cNvPr>
@@ -12063,206 +13934,8 @@
         </p:nvSpPr>
         <p:spPr>
           <a:xfrm>
-            <a:off x="-4559" y="810743"/>
-            <a:ext cx="3007672" cy="5234225"/>
-          </a:xfrm>
-          <a:prstGeom prst="rect">
-            <a:avLst/>
-          </a:prstGeom>
-          <a:noFill/>
-        </p:spPr>
-        <p:txBody>
-          <a:bodyPr rot="0" spcFirstLastPara="0" vert="horz" wrap="square" lIns="91440" tIns="45720" rIns="91440" bIns="45720" numCol="1" spcCol="0" rtlCol="0" fromWordArt="0" anchor="t" anchorCtr="0" forceAA="0" compatLnSpc="1">
-            <a:prstTxWarp prst="textNoShape">
-              <a:avLst/>
-            </a:prstTxWarp>
-            <a:spAutoFit/>
-          </a:bodyPr>
-          <a:lstStyle>
-            <a:defPPr>
-              <a:defRPr lang="es-ES_tradnl"/>
-            </a:defPPr>
-            <a:lvl1pPr marL="0" algn="l" defTabSz="914400" rtl="0" eaLnBrk="1" latinLnBrk="0" hangingPunct="1">
-              <a:defRPr sz="1800" kern="1200">
-                <a:solidFill>
-                  <a:schemeClr val="tx1"/>
-                </a:solidFill>
-                <a:latin typeface="+mn-lt"/>
-                <a:ea typeface="+mn-ea"/>
-                <a:cs typeface="+mn-cs"/>
-              </a:defRPr>
-            </a:lvl1pPr>
-            <a:lvl2pPr marL="457200" algn="l" defTabSz="914400" rtl="0" eaLnBrk="1" latinLnBrk="0" hangingPunct="1">
-              <a:defRPr sz="1800" kern="1200">
-                <a:solidFill>
-                  <a:schemeClr val="tx1"/>
-                </a:solidFill>
-                <a:latin typeface="+mn-lt"/>
-                <a:ea typeface="+mn-ea"/>
-                <a:cs typeface="+mn-cs"/>
-              </a:defRPr>
-            </a:lvl2pPr>
-            <a:lvl3pPr marL="914400" algn="l" defTabSz="914400" rtl="0" eaLnBrk="1" latinLnBrk="0" hangingPunct="1">
-              <a:defRPr sz="1800" kern="1200">
-                <a:solidFill>
-                  <a:schemeClr val="tx1"/>
-                </a:solidFill>
-                <a:latin typeface="+mn-lt"/>
-                <a:ea typeface="+mn-ea"/>
-                <a:cs typeface="+mn-cs"/>
-              </a:defRPr>
-            </a:lvl3pPr>
-            <a:lvl4pPr marL="1371600" algn="l" defTabSz="914400" rtl="0" eaLnBrk="1" latinLnBrk="0" hangingPunct="1">
-              <a:defRPr sz="1800" kern="1200">
-                <a:solidFill>
-                  <a:schemeClr val="tx1"/>
-                </a:solidFill>
-                <a:latin typeface="+mn-lt"/>
-                <a:ea typeface="+mn-ea"/>
-                <a:cs typeface="+mn-cs"/>
-              </a:defRPr>
-            </a:lvl4pPr>
-            <a:lvl5pPr marL="1828800" algn="l" defTabSz="914400" rtl="0" eaLnBrk="1" latinLnBrk="0" hangingPunct="1">
-              <a:defRPr sz="1800" kern="1200">
-                <a:solidFill>
-                  <a:schemeClr val="tx1"/>
-                </a:solidFill>
-                <a:latin typeface="+mn-lt"/>
-                <a:ea typeface="+mn-ea"/>
-                <a:cs typeface="+mn-cs"/>
-              </a:defRPr>
-            </a:lvl5pPr>
-            <a:lvl6pPr marL="2286000" algn="l" defTabSz="914400" rtl="0" eaLnBrk="1" latinLnBrk="0" hangingPunct="1">
-              <a:defRPr sz="1800" kern="1200">
-                <a:solidFill>
-                  <a:schemeClr val="tx1"/>
-                </a:solidFill>
-                <a:latin typeface="+mn-lt"/>
-                <a:ea typeface="+mn-ea"/>
-                <a:cs typeface="+mn-cs"/>
-              </a:defRPr>
-            </a:lvl6pPr>
-            <a:lvl7pPr marL="2743200" algn="l" defTabSz="914400" rtl="0" eaLnBrk="1" latinLnBrk="0" hangingPunct="1">
-              <a:defRPr sz="1800" kern="1200">
-                <a:solidFill>
-                  <a:schemeClr val="tx1"/>
-                </a:solidFill>
-                <a:latin typeface="+mn-lt"/>
-                <a:ea typeface="+mn-ea"/>
-                <a:cs typeface="+mn-cs"/>
-              </a:defRPr>
-            </a:lvl7pPr>
-            <a:lvl8pPr marL="3200400" algn="l" defTabSz="914400" rtl="0" eaLnBrk="1" latinLnBrk="0" hangingPunct="1">
-              <a:defRPr sz="1800" kern="1200">
-                <a:solidFill>
-                  <a:schemeClr val="tx1"/>
-                </a:solidFill>
-                <a:latin typeface="+mn-lt"/>
-                <a:ea typeface="+mn-ea"/>
-                <a:cs typeface="+mn-cs"/>
-              </a:defRPr>
-            </a:lvl8pPr>
-            <a:lvl9pPr marL="3657600" algn="l" defTabSz="914400" rtl="0" eaLnBrk="1" latinLnBrk="0" hangingPunct="1">
-              <a:defRPr sz="1800" kern="1200">
-                <a:solidFill>
-                  <a:schemeClr val="tx1"/>
-                </a:solidFill>
-                <a:latin typeface="+mn-lt"/>
-                <a:ea typeface="+mn-ea"/>
-                <a:cs typeface="+mn-cs"/>
-              </a:defRPr>
-            </a:lvl9pPr>
-          </a:lstStyle>
-          <a:p>
-            <a:pPr marL="342900" indent="-342900">
-              <a:buFont typeface="Arial"/>
-              <a:buChar char="•"/>
-            </a:pPr>
-            <a:r>
-              <a:rPr lang="es-CL" sz="2400" b="1" dirty="0">
-                <a:solidFill>
-                  <a:srgbClr val="19202E"/>
-                </a:solidFill>
-                <a:latin typeface="Segoe UI"/>
-                <a:ea typeface="Calibri"/>
-                <a:cs typeface="Segoe UI"/>
-              </a:rPr>
-              <a:t>Regresión lineal </a:t>
-            </a:r>
-            <a:r>
-              <a:rPr lang="es-CL" sz="2400" b="1" err="1">
-                <a:solidFill>
-                  <a:srgbClr val="19202E"/>
-                </a:solidFill>
-                <a:latin typeface="Segoe UI"/>
-                <a:ea typeface="Calibri"/>
-                <a:cs typeface="Segoe UI"/>
-              </a:rPr>
-              <a:t>multiple</a:t>
-            </a:r>
-            <a:r>
-              <a:rPr lang="es-CL" sz="2400" dirty="0">
-                <a:solidFill>
-                  <a:srgbClr val="19202E"/>
-                </a:solidFill>
-                <a:latin typeface="Segoe UI"/>
-                <a:ea typeface="Calibri"/>
-                <a:cs typeface="Segoe UI"/>
-              </a:rPr>
-              <a:t>: Modela la relación entre una variable dependiente y una o mas independientes mediante una </a:t>
-            </a:r>
-            <a:r>
-              <a:rPr lang="es-CL" sz="2400" err="1">
-                <a:solidFill>
-                  <a:srgbClr val="19202E"/>
-                </a:solidFill>
-                <a:latin typeface="Segoe UI"/>
-                <a:ea typeface="Calibri"/>
-                <a:cs typeface="Segoe UI"/>
-              </a:rPr>
-              <a:t>linea</a:t>
-            </a:r>
-            <a:r>
-              <a:rPr lang="es-CL" sz="2400" dirty="0">
-                <a:solidFill>
-                  <a:srgbClr val="19202E"/>
-                </a:solidFill>
-                <a:latin typeface="Segoe UI"/>
-                <a:ea typeface="Calibri"/>
-                <a:cs typeface="Segoe UI"/>
-              </a:rPr>
-              <a:t> recta, permite predecir valores continuos basado en datos observados. </a:t>
-            </a:r>
-            <a:endParaRPr lang="en-US"/>
-          </a:p>
-          <a:p>
-            <a:endParaRPr lang="es-CL" sz="2400" dirty="0">
-              <a:solidFill>
-                <a:srgbClr val="19202E"/>
-              </a:solidFill>
-              <a:latin typeface="Segoe UI"/>
-              <a:ea typeface="Calibri"/>
-              <a:cs typeface="Segoe UI"/>
-            </a:endParaRPr>
-          </a:p>
-        </p:txBody>
-      </p:sp>
-      <p:sp>
-        <p:nvSpPr>
-          <p:cNvPr id="4" name="TextBox 3">
-            <a:extLst>
-              <a:ext uri="{FF2B5EF4-FFF2-40B4-BE49-F238E27FC236}">
-                <a16:creationId xmlns:a16="http://schemas.microsoft.com/office/drawing/2014/main" id="{5B7B5083-F57A-B985-7ADB-21826FFA6E75}"/>
-              </a:ext>
-            </a:extLst>
-          </p:cNvPr>
-          <p:cNvSpPr txBox="1"/>
-          <p:nvPr/>
-        </p:nvSpPr>
-        <p:spPr>
-          <a:xfrm>
-            <a:off x="2797834" y="813759"/>
-            <a:ext cx="3217652" cy="4524315"/>
+            <a:off x="398006" y="1112667"/>
+            <a:ext cx="8341672" cy="2308324"/>
           </a:xfrm>
           <a:prstGeom prst="rect">
             <a:avLst/>
@@ -12278,148 +13951,105 @@
           </a:bodyPr>
           <a:lstStyle/>
           <a:p>
-            <a:pPr marL="342900" indent="-342900">
-              <a:buFont typeface="Arial"/>
-              <a:buChar char="•"/>
-            </a:pPr>
-            <a:r>
-              <a:rPr lang="es-CL" sz="2400" b="1" dirty="0" err="1">
+            <a:r>
+              <a:rPr lang="es-CL" sz="2400">
                 <a:solidFill>
                   <a:srgbClr val="19202E"/>
                 </a:solidFill>
                 <a:latin typeface="Segoe UI"/>
+                <a:ea typeface="Calibri"/>
+                <a:cs typeface="Segoe UI"/>
               </a:rPr>
-              <a:t>Arbol</a:t>
-            </a:r>
-            <a:r>
-              <a:rPr lang="es-CL" sz="2400" b="1" dirty="0">
+              <a:t>Es una técnica aplicada en la rama del Machine </a:t>
+            </a:r>
+            <a:r>
+              <a:rPr lang="es-CL" sz="2400" err="1">
                 <a:solidFill>
                   <a:srgbClr val="19202E"/>
                 </a:solidFill>
                 <a:latin typeface="Segoe UI"/>
+                <a:ea typeface="Calibri"/>
+                <a:cs typeface="Segoe UI"/>
               </a:rPr>
-              <a:t> de </a:t>
-            </a:r>
-            <a:r>
-              <a:rPr lang="es-CL" sz="2400" b="1" dirty="0" err="1">
+              <a:t>Learning</a:t>
+            </a:r>
+            <a:r>
+              <a:rPr lang="es-CL" sz="2400">
                 <a:solidFill>
                   <a:srgbClr val="19202E"/>
                 </a:solidFill>
                 <a:latin typeface="Segoe UI"/>
+                <a:ea typeface="Calibri"/>
+                <a:cs typeface="Segoe UI"/>
               </a:rPr>
-              <a:t>decisón</a:t>
-            </a:r>
-            <a:r>
-              <a:rPr lang="es-CL" sz="2400" b="1" dirty="0">
+              <a:t> en la que se aplican el uso de </a:t>
+            </a:r>
+            <a:r>
+              <a:rPr lang="es-CL" sz="2400" b="1">
                 <a:solidFill>
                   <a:srgbClr val="19202E"/>
                 </a:solidFill>
                 <a:latin typeface="Segoe UI"/>
+                <a:ea typeface="Calibri"/>
+                <a:cs typeface="Segoe UI"/>
               </a:rPr>
-              <a:t>:</a:t>
-            </a:r>
-            <a:r>
-              <a:rPr lang="es-CL" sz="2400" dirty="0">
+              <a:t>algoritmos</a:t>
+            </a:r>
+            <a:r>
+              <a:rPr lang="es-CL" sz="2400">
                 <a:solidFill>
                   <a:srgbClr val="19202E"/>
                 </a:solidFill>
                 <a:latin typeface="Segoe UI"/>
+                <a:ea typeface="Calibri"/>
+                <a:cs typeface="Segoe UI"/>
               </a:rPr>
-              <a:t> modelo no paramétrico con estructura en forma de </a:t>
-            </a:r>
-            <a:r>
-              <a:rPr lang="es-CL" sz="2400" dirty="0" err="1">
+              <a:t> definiendo que </a:t>
+            </a:r>
+            <a:r>
+              <a:rPr lang="es-CL" sz="2400" b="1">
                 <a:solidFill>
                   <a:srgbClr val="19202E"/>
                 </a:solidFill>
                 <a:latin typeface="Segoe UI"/>
+                <a:ea typeface="Calibri"/>
+                <a:cs typeface="Segoe UI"/>
               </a:rPr>
-              <a:t>arbol</a:t>
-            </a:r>
-            <a:r>
-              <a:rPr lang="es-CL" sz="2400" dirty="0">
+              <a:t>se debe o no aprender</a:t>
+            </a:r>
+            <a:r>
+              <a:rPr lang="es-CL" sz="2400">
                 <a:solidFill>
                   <a:srgbClr val="19202E"/>
                 </a:solidFill>
                 <a:latin typeface="Segoe UI"/>
+                <a:ea typeface="Calibri"/>
+                <a:cs typeface="Segoe UI"/>
               </a:rPr>
-              <a:t> </a:t>
-            </a:r>
-            <a:r>
-              <a:rPr lang="es-CL" sz="2400" dirty="0" err="1">
+              <a:t> en una serie de </a:t>
+            </a:r>
+            <a:r>
+              <a:rPr lang="es-CL" sz="2400" b="1">
                 <a:solidFill>
                   <a:srgbClr val="19202E"/>
                 </a:solidFill>
                 <a:latin typeface="Segoe UI"/>
+                <a:ea typeface="Calibri"/>
+                <a:cs typeface="Segoe UI"/>
               </a:rPr>
-              <a:t>qudonde</a:t>
-            </a:r>
-            <a:r>
-              <a:rPr lang="es-CL" sz="2400" dirty="0">
+              <a:t>datos etiquetados</a:t>
+            </a:r>
+            <a:r>
+              <a:rPr lang="es-CL" sz="2400">
                 <a:solidFill>
                   <a:srgbClr val="19202E"/>
                 </a:solidFill>
                 <a:latin typeface="Segoe UI"/>
+                <a:ea typeface="Calibri"/>
+                <a:cs typeface="Segoe UI"/>
               </a:rPr>
-              <a:t> se crean reglas de </a:t>
-            </a:r>
-            <a:r>
-              <a:rPr lang="es-CL" sz="2400" dirty="0" err="1">
-                <a:solidFill>
-                  <a:srgbClr val="19202E"/>
-                </a:solidFill>
-                <a:latin typeface="Segoe UI"/>
-              </a:rPr>
-              <a:t>decision</a:t>
-            </a:r>
-            <a:r>
-              <a:rPr lang="es-CL" sz="2400" dirty="0">
-                <a:solidFill>
-                  <a:srgbClr val="19202E"/>
-                </a:solidFill>
-                <a:latin typeface="Segoe UI"/>
-              </a:rPr>
-              <a:t> y clasifica o predice valores a partir de datos mediante la </a:t>
-            </a:r>
-            <a:r>
-              <a:rPr lang="es-CL" sz="2400" dirty="0" err="1">
-                <a:solidFill>
-                  <a:srgbClr val="19202E"/>
-                </a:solidFill>
-                <a:latin typeface="Segoe UI"/>
-              </a:rPr>
-              <a:t>division</a:t>
-            </a:r>
-            <a:r>
-              <a:rPr lang="es-CL" sz="2400" dirty="0">
-                <a:solidFill>
-                  <a:srgbClr val="19202E"/>
-                </a:solidFill>
-                <a:latin typeface="Segoe UI"/>
-              </a:rPr>
-              <a:t> recursiva del </a:t>
-            </a:r>
-            <a:r>
-              <a:rPr lang="es-CL" sz="2400" dirty="0" err="1">
-                <a:solidFill>
-                  <a:srgbClr val="19202E"/>
-                </a:solidFill>
-                <a:latin typeface="Segoe UI"/>
-              </a:rPr>
-              <a:t>cojunto</a:t>
-            </a:r>
-            <a:r>
-              <a:rPr lang="es-CL" sz="2400" dirty="0">
-                <a:solidFill>
-                  <a:srgbClr val="19202E"/>
-                </a:solidFill>
-                <a:latin typeface="Segoe UI"/>
-              </a:rPr>
-              <a:t>.</a:t>
-            </a:r>
-            <a:endParaRPr lang="en-US" dirty="0">
-              <a:cs typeface="Calibri" panose="020F0502020204030204"/>
-            </a:endParaRPr>
+              <a:t> también llamados conjunto de entrenamiento que permiten definir una función predictiva y enseñar al modelo a predecir los resultados con precisión.</a:t>
+            </a:r>
           </a:p>
         </p:txBody>
       </p:sp>
@@ -12428,7 +14058,7 @@
           <p:cNvPr id="5" name="TextBox 4">
             <a:extLst>
               <a:ext uri="{FF2B5EF4-FFF2-40B4-BE49-F238E27FC236}">
-                <a16:creationId xmlns:a16="http://schemas.microsoft.com/office/drawing/2014/main" id="{63B915FF-A735-D93C-6AAE-86AF5336C87F}"/>
+                <a16:creationId xmlns:a16="http://schemas.microsoft.com/office/drawing/2014/main" id="{433DB7EB-7290-9321-AB65-AD0581FDF5EA}"/>
               </a:ext>
             </a:extLst>
           </p:cNvPr>
@@ -12437,8 +14067,8 @@
         </p:nvSpPr>
         <p:spPr>
           <a:xfrm>
-            <a:off x="6162136" y="799381"/>
-            <a:ext cx="2987615" cy="5228156"/>
+            <a:off x="4968816" y="3430438"/>
+            <a:ext cx="4209689" cy="3785652"/>
           </a:xfrm>
           <a:prstGeom prst="rect">
             <a:avLst/>
@@ -12455,71 +14085,31 @@
           <a:lstStyle/>
           <a:p>
             <a:r>
-              <a:rPr lang="es-CL" sz="2400" b="1" dirty="0">
+              <a:rPr lang="es-CL" sz="2400">
                 <a:solidFill>
                   <a:srgbClr val="19202E"/>
                 </a:solidFill>
                 <a:latin typeface="Segoe UI"/>
+                <a:cs typeface="Segoe UI"/>
               </a:rPr>
-              <a:t>Redes Neuronales: </a:t>
-            </a:r>
-            <a:r>
-              <a:rPr lang="es-CL" sz="2400" dirty="0">
-                <a:solidFill>
-                  <a:srgbClr val="19202E"/>
-                </a:solidFill>
+              <a:t> Asimismo, con la función definida, el modelo usa los datos etiquetados para medir la relevancia de diferentes características a fin de mejorar gradualmente el ajuste del modelo al resultado conocido</a:t>
+            </a:r>
+            <a:r>
+              <a:rPr lang="en-US" sz="2400">
                 <a:latin typeface="Segoe UI"/>
+                <a:cs typeface="Segoe UI"/>
               </a:rPr>
-              <a:t>Modelo de Aprendizaje </a:t>
-            </a:r>
-            <a:r>
-              <a:rPr lang="es-CL" sz="2400" dirty="0" err="1">
-                <a:solidFill>
-                  <a:srgbClr val="19202E"/>
-                </a:solidFill>
+              <a:t>​.</a:t>
+            </a:r>
+          </a:p>
+          <a:p>
+            <a:r>
+              <a:rPr lang="es-CL" sz="2400">
                 <a:latin typeface="Segoe UI"/>
+                <a:cs typeface="Segoe UI"/>
               </a:rPr>
-              <a:t>automatico</a:t>
-            </a:r>
-            <a:r>
-              <a:rPr lang="es-CL" sz="2400" dirty="0">
-                <a:solidFill>
-                  <a:srgbClr val="19202E"/>
-                </a:solidFill>
-                <a:latin typeface="Segoe UI"/>
-              </a:rPr>
-              <a:t> que imita el funcionamiento </a:t>
-            </a:r>
-            <a:r>
-              <a:rPr lang="es-CL" sz="2400" dirty="0" err="1">
-                <a:solidFill>
-                  <a:srgbClr val="19202E"/>
-                </a:solidFill>
-                <a:latin typeface="Segoe UI"/>
-              </a:rPr>
-              <a:t>dle</a:t>
-            </a:r>
-            <a:r>
-              <a:rPr lang="es-CL" sz="2400" dirty="0">
-                <a:solidFill>
-                  <a:srgbClr val="19202E"/>
-                </a:solidFill>
-                <a:latin typeface="Segoe UI"/>
-              </a:rPr>
-              <a:t> cerebro humano, aplica unidades de procesamiento que se organizan en capas interconectadas.</a:t>
-            </a:r>
-            <a:endParaRPr lang="es-CL" sz="2400" dirty="0">
-              <a:solidFill>
-                <a:srgbClr val="000000"/>
-              </a:solidFill>
-              <a:latin typeface="Segoe UI"/>
-              <a:cs typeface="Segoe UI"/>
-            </a:endParaRPr>
-          </a:p>
-          <a:p>
-            <a:endParaRPr lang="en-US">
-              <a:cs typeface="Calibri"/>
-            </a:endParaRPr>
+              <a:t>​</a:t>
+            </a:r>
           </a:p>
         </p:txBody>
       </p:sp>
@@ -12528,7 +14118,7 @@
           <p:cNvPr id="6" name="TextBox 5">
             <a:extLst>
               <a:ext uri="{FF2B5EF4-FFF2-40B4-BE49-F238E27FC236}">
-                <a16:creationId xmlns:a16="http://schemas.microsoft.com/office/drawing/2014/main" id="{C4A2F7C9-0AF4-129F-070F-6E5756021AD2}"/>
+                <a16:creationId xmlns:a16="http://schemas.microsoft.com/office/drawing/2014/main" id="{2F0A0820-7017-6E36-3F5D-8BE37DD03C0D}"/>
               </a:ext>
             </a:extLst>
           </p:cNvPr>
@@ -12537,8 +14127,8 @@
         </p:nvSpPr>
         <p:spPr>
           <a:xfrm>
-            <a:off x="8628" y="8627"/>
-            <a:ext cx="9026104" cy="769441"/>
+            <a:off x="66137" y="94891"/>
+            <a:ext cx="9026104" cy="646331"/>
           </a:xfrm>
           <a:prstGeom prst="rect">
             <a:avLst/>
@@ -12555,28 +14145,29 @@
           <a:lstStyle/>
           <a:p>
             <a:r>
-              <a:rPr lang="es-CL" sz="2200" b="1" dirty="0">
+              <a:rPr lang="es-CL" sz="3600" b="1">
                 <a:solidFill>
                   <a:schemeClr val="bg1"/>
                 </a:solidFill>
                 <a:latin typeface="Segoe UI"/>
               </a:rPr>
-              <a:t>En el caso de estudio presente trabajamos un modelo de Regresión lineal, para el cual aplicamos los siguientes algoritmos:</a:t>
-            </a:r>
-            <a:endParaRPr lang="en-US" sz="2200" b="1" dirty="0">
+              <a:t>Aprendizaje Supervisado</a:t>
+            </a:r>
+            <a:endParaRPr lang="en-US" sz="2800">
               <a:solidFill>
                 <a:schemeClr val="bg1"/>
               </a:solidFill>
+              <a:cs typeface="Calibri" panose="020F0502020204030204"/>
             </a:endParaRPr>
           </a:p>
         </p:txBody>
       </p:sp>
       <p:pic>
         <p:nvPicPr>
-          <p:cNvPr id="8" name="Picture 7" descr="A network with colored dots and lines&#10;&#10;Description automatically generated">
+          <p:cNvPr id="4" name="Picture 3" descr="A robot holding a cell phone&#10;&#10;Description automatically generated">
             <a:extLst>
               <a:ext uri="{FF2B5EF4-FFF2-40B4-BE49-F238E27FC236}">
-                <a16:creationId xmlns:a16="http://schemas.microsoft.com/office/drawing/2014/main" id="{B1A89EE9-E8D2-1219-B80A-D87D46B51C10}"/>
+                <a16:creationId xmlns:a16="http://schemas.microsoft.com/office/drawing/2014/main" id="{3EF888D7-E455-A9CB-C2B7-4661E8B7D61D}"/>
               </a:ext>
             </a:extLst>
           </p:cNvPr>
@@ -12593,68 +14184,8 @@
         </p:blipFill>
         <p:spPr>
           <a:xfrm>
-            <a:off x="6009735" y="4812551"/>
-            <a:ext cx="3939398" cy="2049313"/>
-          </a:xfrm>
-          <a:prstGeom prst="rect">
-            <a:avLst/>
-          </a:prstGeom>
-        </p:spPr>
-      </p:pic>
-      <p:pic>
-        <p:nvPicPr>
-          <p:cNvPr id="12" name="Picture 11" descr="A red arrow pointing up&#10;&#10;Description automatically generated">
-            <a:extLst>
-              <a:ext uri="{FF2B5EF4-FFF2-40B4-BE49-F238E27FC236}">
-                <a16:creationId xmlns:a16="http://schemas.microsoft.com/office/drawing/2014/main" id="{358731CA-9DDB-8429-7152-EF2F915F03A6}"/>
-              </a:ext>
-            </a:extLst>
-          </p:cNvPr>
-          <p:cNvPicPr>
-            <a:picLocks noChangeAspect="1"/>
-          </p:cNvPicPr>
-          <p:nvPr/>
-        </p:nvPicPr>
-        <p:blipFill>
-          <a:blip r:embed="rId6"/>
-          <a:stretch>
-            <a:fillRect/>
-          </a:stretch>
-        </p:blipFill>
-        <p:spPr>
-          <a:xfrm>
-            <a:off x="7831248" y="4187228"/>
-            <a:ext cx="4572000" cy="2571750"/>
-          </a:xfrm>
-          <a:prstGeom prst="rect">
-            <a:avLst/>
-          </a:prstGeom>
-        </p:spPr>
-      </p:pic>
-      <p:pic>
-        <p:nvPicPr>
-          <p:cNvPr id="13" name="Picture 12" descr="A group of colorful dots&#10;&#10;Description automatically generated">
-            <a:extLst>
-              <a:ext uri="{FF2B5EF4-FFF2-40B4-BE49-F238E27FC236}">
-                <a16:creationId xmlns:a16="http://schemas.microsoft.com/office/drawing/2014/main" id="{B2E51727-3148-CD7B-EDE9-2BA4043B24B7}"/>
-              </a:ext>
-            </a:extLst>
-          </p:cNvPr>
-          <p:cNvPicPr>
-            <a:picLocks noChangeAspect="1"/>
-          </p:cNvPicPr>
-          <p:nvPr/>
-        </p:nvPicPr>
-        <p:blipFill>
-          <a:blip r:embed="rId7"/>
-          <a:stretch>
-            <a:fillRect/>
-          </a:stretch>
-        </p:blipFill>
-        <p:spPr>
-          <a:xfrm>
-            <a:off x="2285181" y="4550256"/>
-            <a:ext cx="4572000" cy="2571750"/>
+            <a:off x="-3357572" y="2274510"/>
+            <a:ext cx="8554527" cy="4757108"/>
           </a:xfrm>
           <a:prstGeom prst="rect">
             <a:avLst/>
@@ -12664,7 +14195,7 @@
     </p:spTree>
     <p:extLst>
       <p:ext uri="{BB962C8B-B14F-4D97-AF65-F5344CB8AC3E}">
-        <p14:creationId xmlns:p14="http://schemas.microsoft.com/office/powerpoint/2010/main" val="2146413309"/>
+        <p14:creationId xmlns:p14="http://schemas.microsoft.com/office/powerpoint/2010/main" val="3982118065"/>
       </p:ext>
     </p:extLst>
   </p:cSld>
@@ -12752,10 +14283,10 @@
       </p:pic>
       <p:sp>
         <p:nvSpPr>
-          <p:cNvPr id="4" name="TextBox 3">
+          <p:cNvPr id="3" name="TextBox 3">
             <a:extLst>
               <a:ext uri="{FF2B5EF4-FFF2-40B4-BE49-F238E27FC236}">
-                <a16:creationId xmlns:a16="http://schemas.microsoft.com/office/drawing/2014/main" id="{2484D71F-6E0D-7556-D02A-80D20B19BFE9}"/>
+                <a16:creationId xmlns:a16="http://schemas.microsoft.com/office/drawing/2014/main" id="{0BAEEE35-569A-C1B1-3DE8-7187348AFB7D}"/>
               </a:ext>
             </a:extLst>
           </p:cNvPr>
@@ -12764,8 +14295,220 @@
         </p:nvSpPr>
         <p:spPr>
           <a:xfrm>
-            <a:off x="914400" y="799381"/>
-            <a:ext cx="5000445" cy="3046988"/>
+            <a:off x="-4559" y="810743"/>
+            <a:ext cx="3007672" cy="4893647"/>
+          </a:xfrm>
+          <a:prstGeom prst="rect">
+            <a:avLst/>
+          </a:prstGeom>
+          <a:noFill/>
+        </p:spPr>
+        <p:txBody>
+          <a:bodyPr rot="0" spcFirstLastPara="0" vert="horz" wrap="square" lIns="91440" tIns="45720" rIns="91440" bIns="45720" numCol="1" spcCol="0" rtlCol="0" fromWordArt="0" anchor="t" anchorCtr="0" forceAA="0" compatLnSpc="1">
+            <a:prstTxWarp prst="textNoShape">
+              <a:avLst/>
+            </a:prstTxWarp>
+            <a:spAutoFit/>
+          </a:bodyPr>
+          <a:lstStyle>
+            <a:defPPr>
+              <a:defRPr lang="es-ES_tradnl"/>
+            </a:defPPr>
+            <a:lvl1pPr marL="0" algn="l" defTabSz="914400" rtl="0" eaLnBrk="1" latinLnBrk="0" hangingPunct="1">
+              <a:defRPr sz="1800" kern="1200">
+                <a:solidFill>
+                  <a:schemeClr val="tx1"/>
+                </a:solidFill>
+                <a:latin typeface="+mn-lt"/>
+                <a:ea typeface="+mn-ea"/>
+                <a:cs typeface="+mn-cs"/>
+              </a:defRPr>
+            </a:lvl1pPr>
+            <a:lvl2pPr marL="457200" algn="l" defTabSz="914400" rtl="0" eaLnBrk="1" latinLnBrk="0" hangingPunct="1">
+              <a:defRPr sz="1800" kern="1200">
+                <a:solidFill>
+                  <a:schemeClr val="tx1"/>
+                </a:solidFill>
+                <a:latin typeface="+mn-lt"/>
+                <a:ea typeface="+mn-ea"/>
+                <a:cs typeface="+mn-cs"/>
+              </a:defRPr>
+            </a:lvl2pPr>
+            <a:lvl3pPr marL="914400" algn="l" defTabSz="914400" rtl="0" eaLnBrk="1" latinLnBrk="0" hangingPunct="1">
+              <a:defRPr sz="1800" kern="1200">
+                <a:solidFill>
+                  <a:schemeClr val="tx1"/>
+                </a:solidFill>
+                <a:latin typeface="+mn-lt"/>
+                <a:ea typeface="+mn-ea"/>
+                <a:cs typeface="+mn-cs"/>
+              </a:defRPr>
+            </a:lvl3pPr>
+            <a:lvl4pPr marL="1371600" algn="l" defTabSz="914400" rtl="0" eaLnBrk="1" latinLnBrk="0" hangingPunct="1">
+              <a:defRPr sz="1800" kern="1200">
+                <a:solidFill>
+                  <a:schemeClr val="tx1"/>
+                </a:solidFill>
+                <a:latin typeface="+mn-lt"/>
+                <a:ea typeface="+mn-ea"/>
+                <a:cs typeface="+mn-cs"/>
+              </a:defRPr>
+            </a:lvl4pPr>
+            <a:lvl5pPr marL="1828800" algn="l" defTabSz="914400" rtl="0" eaLnBrk="1" latinLnBrk="0" hangingPunct="1">
+              <a:defRPr sz="1800" kern="1200">
+                <a:solidFill>
+                  <a:schemeClr val="tx1"/>
+                </a:solidFill>
+                <a:latin typeface="+mn-lt"/>
+                <a:ea typeface="+mn-ea"/>
+                <a:cs typeface="+mn-cs"/>
+              </a:defRPr>
+            </a:lvl5pPr>
+            <a:lvl6pPr marL="2286000" algn="l" defTabSz="914400" rtl="0" eaLnBrk="1" latinLnBrk="0" hangingPunct="1">
+              <a:defRPr sz="1800" kern="1200">
+                <a:solidFill>
+                  <a:schemeClr val="tx1"/>
+                </a:solidFill>
+                <a:latin typeface="+mn-lt"/>
+                <a:ea typeface="+mn-ea"/>
+                <a:cs typeface="+mn-cs"/>
+              </a:defRPr>
+            </a:lvl6pPr>
+            <a:lvl7pPr marL="2743200" algn="l" defTabSz="914400" rtl="0" eaLnBrk="1" latinLnBrk="0" hangingPunct="1">
+              <a:defRPr sz="1800" kern="1200">
+                <a:solidFill>
+                  <a:schemeClr val="tx1"/>
+                </a:solidFill>
+                <a:latin typeface="+mn-lt"/>
+                <a:ea typeface="+mn-ea"/>
+                <a:cs typeface="+mn-cs"/>
+              </a:defRPr>
+            </a:lvl7pPr>
+            <a:lvl8pPr marL="3200400" algn="l" defTabSz="914400" rtl="0" eaLnBrk="1" latinLnBrk="0" hangingPunct="1">
+              <a:defRPr sz="1800" kern="1200">
+                <a:solidFill>
+                  <a:schemeClr val="tx1"/>
+                </a:solidFill>
+                <a:latin typeface="+mn-lt"/>
+                <a:ea typeface="+mn-ea"/>
+                <a:cs typeface="+mn-cs"/>
+              </a:defRPr>
+            </a:lvl8pPr>
+            <a:lvl9pPr marL="3657600" algn="l" defTabSz="914400" rtl="0" eaLnBrk="1" latinLnBrk="0" hangingPunct="1">
+              <a:defRPr sz="1800" kern="1200">
+                <a:solidFill>
+                  <a:schemeClr val="tx1"/>
+                </a:solidFill>
+                <a:latin typeface="+mn-lt"/>
+                <a:ea typeface="+mn-ea"/>
+                <a:cs typeface="+mn-cs"/>
+              </a:defRPr>
+            </a:lvl9pPr>
+          </a:lstStyle>
+          <a:p>
+            <a:pPr marL="342900" indent="-342900" algn="ctr">
+              <a:buFont typeface="Arial"/>
+              <a:buChar char="•"/>
+            </a:pPr>
+            <a:r>
+              <a:rPr lang="es-CL" sz="2400" b="1">
+                <a:solidFill>
+                  <a:srgbClr val="19202E"/>
+                </a:solidFill>
+                <a:latin typeface="Segoe UI"/>
+                <a:ea typeface="Calibri"/>
+                <a:cs typeface="Segoe UI"/>
+              </a:rPr>
+              <a:t>Regresión lineal múltiple</a:t>
+            </a:r>
+            <a:endParaRPr lang="en-US">
+              <a:solidFill>
+                <a:srgbClr val="000000"/>
+              </a:solidFill>
+              <a:latin typeface="Calibri" panose="020F0502020204030204"/>
+              <a:ea typeface="Calibri"/>
+              <a:cs typeface="Calibri" panose="020F0502020204030204"/>
+            </a:endParaRPr>
+          </a:p>
+          <a:p>
+            <a:pPr algn="ctr"/>
+            <a:endParaRPr lang="es-CL" sz="2400">
+              <a:solidFill>
+                <a:srgbClr val="19202E"/>
+              </a:solidFill>
+              <a:latin typeface="Segoe UI"/>
+              <a:ea typeface="Calibri"/>
+              <a:cs typeface="Segoe UI"/>
+            </a:endParaRPr>
+          </a:p>
+          <a:p>
+            <a:pPr algn="ctr"/>
+            <a:r>
+              <a:rPr lang="es-CL" sz="2400">
+                <a:solidFill>
+                  <a:srgbClr val="19202E"/>
+                </a:solidFill>
+                <a:latin typeface="Segoe UI"/>
+                <a:ea typeface="Calibri"/>
+                <a:cs typeface="Segoe UI"/>
+              </a:rPr>
+              <a:t> Modela la relación entre una variable dependiente e  independientes mediante una </a:t>
+            </a:r>
+            <a:r>
+              <a:rPr lang="es-CL" sz="2400" err="1">
+                <a:solidFill>
+                  <a:srgbClr val="19202E"/>
+                </a:solidFill>
+                <a:latin typeface="Segoe UI"/>
+                <a:ea typeface="Calibri"/>
+                <a:cs typeface="Segoe UI"/>
+              </a:rPr>
+              <a:t>linea</a:t>
+            </a:r>
+            <a:r>
+              <a:rPr lang="es-CL" sz="2400">
+                <a:solidFill>
+                  <a:srgbClr val="19202E"/>
+                </a:solidFill>
+                <a:latin typeface="Segoe UI"/>
+                <a:ea typeface="Calibri"/>
+                <a:cs typeface="Segoe UI"/>
+              </a:rPr>
+              <a:t> recta, predice valores continuos basado en datos observados. </a:t>
+            </a:r>
+            <a:endParaRPr lang="en-US">
+              <a:cs typeface="Calibri"/>
+            </a:endParaRPr>
+          </a:p>
+          <a:p>
+            <a:pPr algn="ctr"/>
+            <a:endParaRPr lang="es-CL" sz="2400">
+              <a:solidFill>
+                <a:srgbClr val="19202E"/>
+              </a:solidFill>
+              <a:latin typeface="Segoe UI"/>
+              <a:ea typeface="Calibri"/>
+              <a:cs typeface="Segoe UI"/>
+            </a:endParaRPr>
+          </a:p>
+        </p:txBody>
+      </p:sp>
+      <p:sp>
+        <p:nvSpPr>
+          <p:cNvPr id="4" name="TextBox 3">
+            <a:extLst>
+              <a:ext uri="{FF2B5EF4-FFF2-40B4-BE49-F238E27FC236}">
+                <a16:creationId xmlns:a16="http://schemas.microsoft.com/office/drawing/2014/main" id="{5B7B5083-F57A-B985-7ADB-21826FFA6E75}"/>
+              </a:ext>
+            </a:extLst>
+          </p:cNvPr>
+          <p:cNvSpPr txBox="1"/>
+          <p:nvPr/>
+        </p:nvSpPr>
+        <p:spPr>
+          <a:xfrm>
+            <a:off x="2812212" y="813759"/>
+            <a:ext cx="3174519" cy="4524315"/>
           </a:xfrm>
           <a:prstGeom prst="rect">
             <a:avLst/>
@@ -12781,84 +14524,310 @@
           </a:bodyPr>
           <a:lstStyle/>
           <a:p>
-            <a:r>
-              <a:rPr lang="es-CL" sz="2400" dirty="0">
+            <a:pPr marL="342900" indent="-342900" algn="ctr">
+              <a:buFont typeface="Arial"/>
+              <a:buChar char="•"/>
+            </a:pPr>
+            <a:r>
+              <a:rPr lang="es-CL" sz="2400" b="1" err="1">
                 <a:solidFill>
                   <a:srgbClr val="19202E"/>
                 </a:solidFill>
                 <a:latin typeface="Segoe UI"/>
-                <a:cs typeface="Segoe UI"/>
               </a:rPr>
-              <a:t>En el caso de conjunto de datos de diamantes, donde la variable de precio es dependiente y las </a:t>
-            </a:r>
-            <a:r>
-              <a:rPr lang="es-CL" sz="2400" dirty="0" err="1">
+              <a:t>Arbol</a:t>
+            </a:r>
+            <a:r>
+              <a:rPr lang="es-CL" sz="2400" b="1">
                 <a:solidFill>
                   <a:srgbClr val="19202E"/>
                 </a:solidFill>
                 <a:latin typeface="Segoe UI"/>
-                <a:cs typeface="Segoe UI"/>
               </a:rPr>
-              <a:t>demas</a:t>
-            </a:r>
-            <a:r>
-              <a:rPr lang="es-CL" sz="2400" dirty="0">
+              <a:t> de </a:t>
+            </a:r>
+            <a:r>
+              <a:rPr lang="es-CL" sz="2400" b="1" err="1">
                 <a:solidFill>
                   <a:srgbClr val="19202E"/>
                 </a:solidFill>
                 <a:latin typeface="Segoe UI"/>
-                <a:cs typeface="Segoe UI"/>
               </a:rPr>
-              <a:t> son independientes, el tipo de problema a resolver s el de regresión, se busca </a:t>
-            </a:r>
-            <a:r>
-              <a:rPr lang="es-CL" sz="2400" dirty="0" err="1">
+              <a:t>decisón</a:t>
+            </a:r>
+            <a:endParaRPr lang="es-CL" sz="2400" err="1">
+              <a:solidFill>
+                <a:srgbClr val="19202E"/>
+              </a:solidFill>
+              <a:latin typeface="Segoe UI"/>
+            </a:endParaRPr>
+          </a:p>
+          <a:p>
+            <a:pPr algn="ctr"/>
+            <a:endParaRPr lang="es-CL" sz="2400">
+              <a:solidFill>
+                <a:srgbClr val="19202E"/>
+              </a:solidFill>
+              <a:latin typeface="Segoe UI"/>
+              <a:cs typeface="Segoe UI"/>
+            </a:endParaRPr>
+          </a:p>
+          <a:p>
+            <a:pPr algn="ctr"/>
+            <a:r>
+              <a:rPr lang="es-CL" sz="2400">
                 <a:solidFill>
                   <a:srgbClr val="19202E"/>
                 </a:solidFill>
                 <a:latin typeface="Segoe UI"/>
-                <a:cs typeface="Segoe UI"/>
               </a:rPr>
-              <a:t>predeci</a:t>
-            </a:r>
-            <a:r>
-              <a:rPr lang="es-CL" sz="2400" dirty="0">
+              <a:t>Modelo no paramétrico con estructura en forma de árbol donde se crean reglas de decisión y clasifica o predice valores a partir de la división recursiva de los datos.</a:t>
+            </a:r>
+            <a:endParaRPr lang="es-CL" sz="2400">
+              <a:solidFill>
+                <a:srgbClr val="19202E"/>
+              </a:solidFill>
+              <a:latin typeface="Segoe UI"/>
+              <a:cs typeface="Segoe UI"/>
+            </a:endParaRPr>
+          </a:p>
+        </p:txBody>
+      </p:sp>
+      <p:sp>
+        <p:nvSpPr>
+          <p:cNvPr id="5" name="TextBox 4">
+            <a:extLst>
+              <a:ext uri="{FF2B5EF4-FFF2-40B4-BE49-F238E27FC236}">
+                <a16:creationId xmlns:a16="http://schemas.microsoft.com/office/drawing/2014/main" id="{63B915FF-A735-D93C-6AAE-86AF5336C87F}"/>
+              </a:ext>
+            </a:extLst>
+          </p:cNvPr>
+          <p:cNvSpPr txBox="1"/>
+          <p:nvPr/>
+        </p:nvSpPr>
+        <p:spPr>
+          <a:xfrm>
+            <a:off x="5975231" y="799381"/>
+            <a:ext cx="3174520" cy="5170646"/>
+          </a:xfrm>
+          <a:prstGeom prst="rect">
+            <a:avLst/>
+          </a:prstGeom>
+          <a:noFill/>
+        </p:spPr>
+        <p:txBody>
+          <a:bodyPr rot="0" spcFirstLastPara="0" vertOverflow="overflow" horzOverflow="overflow" vert="horz" wrap="square" lIns="91440" tIns="45720" rIns="91440" bIns="45720" numCol="1" spcCol="0" rtlCol="0" fromWordArt="0" anchor="t" anchorCtr="0" forceAA="0" compatLnSpc="1">
+            <a:prstTxWarp prst="textNoShape">
+              <a:avLst/>
+            </a:prstTxWarp>
+            <a:spAutoFit/>
+          </a:bodyPr>
+          <a:lstStyle/>
+          <a:p>
+            <a:pPr algn="ctr"/>
+            <a:r>
+              <a:rPr lang="es-CL" sz="2400" b="1">
                 <a:solidFill>
                   <a:srgbClr val="19202E"/>
                 </a:solidFill>
                 <a:latin typeface="Segoe UI"/>
-                <a:cs typeface="Segoe UI"/>
               </a:rPr>
-              <a:t> el valor numérico del precio del diamante en </a:t>
-            </a:r>
-            <a:r>
-              <a:rPr lang="es-CL" sz="2400" dirty="0" err="1">
+              <a:t>Redes Neuronales</a:t>
+            </a:r>
+            <a:endParaRPr lang="es-CL" sz="2400">
+              <a:solidFill>
+                <a:srgbClr val="000000"/>
+              </a:solidFill>
+              <a:latin typeface="Segoe UI"/>
+            </a:endParaRPr>
+          </a:p>
+          <a:p>
+            <a:pPr algn="ctr"/>
+            <a:endParaRPr lang="es-CL" sz="2400" b="1">
+              <a:solidFill>
+                <a:srgbClr val="19202E"/>
+              </a:solidFill>
+              <a:latin typeface="Segoe UI"/>
+            </a:endParaRPr>
+          </a:p>
+          <a:p>
+            <a:pPr algn="ctr"/>
+            <a:r>
+              <a:rPr lang="es-CL" sz="2400" b="1">
                 <a:solidFill>
                   <a:srgbClr val="19202E"/>
                 </a:solidFill>
                 <a:latin typeface="Segoe UI"/>
-                <a:cs typeface="Segoe UI"/>
               </a:rPr>
-              <a:t>funcion</a:t>
-            </a:r>
-            <a:r>
-              <a:rPr lang="es-CL" sz="2400" dirty="0">
+              <a:t> </a:t>
+            </a:r>
+            <a:r>
+              <a:rPr lang="es-CL" sz="2400">
                 <a:solidFill>
                   <a:srgbClr val="19202E"/>
                 </a:solidFill>
                 <a:latin typeface="Segoe UI"/>
-                <a:cs typeface="Segoe UI"/>
               </a:rPr>
-              <a:t> de las otras variables.</a:t>
-            </a:r>
-            <a:endParaRPr lang="en-US" dirty="0"/>
+              <a:t>Modelo de Aprendizaje automático que imita el funcionamiento del cerebro humano, aplica unidades de procesamiento que se organizan en capas interconectadas.</a:t>
+            </a:r>
+            <a:endParaRPr lang="es-CL" sz="2400">
+              <a:solidFill>
+                <a:srgbClr val="000000"/>
+              </a:solidFill>
+              <a:latin typeface="Segoe UI"/>
+              <a:cs typeface="Segoe UI"/>
+            </a:endParaRPr>
+          </a:p>
+          <a:p>
+            <a:pPr algn="ctr"/>
+            <a:endParaRPr lang="en-US">
+              <a:cs typeface="Calibri"/>
+            </a:endParaRPr>
           </a:p>
         </p:txBody>
       </p:sp>
+      <p:sp>
+        <p:nvSpPr>
+          <p:cNvPr id="6" name="TextBox 5">
+            <a:extLst>
+              <a:ext uri="{FF2B5EF4-FFF2-40B4-BE49-F238E27FC236}">
+                <a16:creationId xmlns:a16="http://schemas.microsoft.com/office/drawing/2014/main" id="{C4A2F7C9-0AF4-129F-070F-6E5756021AD2}"/>
+              </a:ext>
+            </a:extLst>
+          </p:cNvPr>
+          <p:cNvSpPr txBox="1"/>
+          <p:nvPr/>
+        </p:nvSpPr>
+        <p:spPr>
+          <a:xfrm>
+            <a:off x="8628" y="8627"/>
+            <a:ext cx="9026104" cy="769441"/>
+          </a:xfrm>
+          <a:prstGeom prst="rect">
+            <a:avLst/>
+          </a:prstGeom>
+          <a:noFill/>
+        </p:spPr>
+        <p:txBody>
+          <a:bodyPr rot="0" spcFirstLastPara="0" vertOverflow="overflow" horzOverflow="overflow" vert="horz" wrap="square" lIns="91440" tIns="45720" rIns="91440" bIns="45720" numCol="1" spcCol="0" rtlCol="0" fromWordArt="0" anchor="t" anchorCtr="0" forceAA="0" compatLnSpc="1">
+            <a:prstTxWarp prst="textNoShape">
+              <a:avLst/>
+            </a:prstTxWarp>
+            <a:spAutoFit/>
+          </a:bodyPr>
+          <a:lstStyle/>
+          <a:p>
+            <a:r>
+              <a:rPr lang="es-CL" sz="2200" b="1">
+                <a:solidFill>
+                  <a:schemeClr val="bg1"/>
+                </a:solidFill>
+                <a:latin typeface="Segoe UI"/>
+              </a:rPr>
+              <a:t>En el caso de estudio presente trabajamos un modelo de Regresión lineal, para el cual aplicamos los siguientes algoritmos:</a:t>
+            </a:r>
+            <a:endParaRPr lang="en-US" sz="2200" b="1">
+              <a:solidFill>
+                <a:schemeClr val="bg1"/>
+              </a:solidFill>
+            </a:endParaRPr>
+          </a:p>
+        </p:txBody>
+      </p:sp>
+      <p:pic>
+        <p:nvPicPr>
+          <p:cNvPr id="8" name="Picture 7" descr="A network with colored dots and lines&#10;&#10;Description automatically generated">
+            <a:extLst>
+              <a:ext uri="{FF2B5EF4-FFF2-40B4-BE49-F238E27FC236}">
+                <a16:creationId xmlns:a16="http://schemas.microsoft.com/office/drawing/2014/main" id="{B1A89EE9-E8D2-1219-B80A-D87D46B51C10}"/>
+              </a:ext>
+            </a:extLst>
+          </p:cNvPr>
+          <p:cNvPicPr>
+            <a:picLocks noChangeAspect="1"/>
+          </p:cNvPicPr>
+          <p:nvPr/>
+        </p:nvPicPr>
+        <p:blipFill>
+          <a:blip r:embed="rId5"/>
+          <a:stretch>
+            <a:fillRect/>
+          </a:stretch>
+        </p:blipFill>
+        <p:spPr>
+          <a:xfrm>
+            <a:off x="6167886" y="5013834"/>
+            <a:ext cx="3594342" cy="1919917"/>
+          </a:xfrm>
+          <a:prstGeom prst="rect">
+            <a:avLst/>
+          </a:prstGeom>
+        </p:spPr>
+      </p:pic>
+      <p:pic>
+        <p:nvPicPr>
+          <p:cNvPr id="12" name="Picture 11" descr="A red arrow pointing up&#10;&#10;Description automatically generated">
+            <a:extLst>
+              <a:ext uri="{FF2B5EF4-FFF2-40B4-BE49-F238E27FC236}">
+                <a16:creationId xmlns:a16="http://schemas.microsoft.com/office/drawing/2014/main" id="{358731CA-9DDB-8429-7152-EF2F915F03A6}"/>
+              </a:ext>
+            </a:extLst>
+          </p:cNvPr>
+          <p:cNvPicPr>
+            <a:picLocks noChangeAspect="1"/>
+          </p:cNvPicPr>
+          <p:nvPr/>
+        </p:nvPicPr>
+        <p:blipFill>
+          <a:blip r:embed="rId6"/>
+          <a:stretch>
+            <a:fillRect/>
+          </a:stretch>
+        </p:blipFill>
+        <p:spPr>
+          <a:xfrm>
+            <a:off x="-18790" y="5006738"/>
+            <a:ext cx="3594340" cy="2025411"/>
+          </a:xfrm>
+          <a:prstGeom prst="rect">
+            <a:avLst/>
+          </a:prstGeom>
+        </p:spPr>
+      </p:pic>
+      <p:pic>
+        <p:nvPicPr>
+          <p:cNvPr id="13" name="Picture 12" descr="A group of colorful dots&#10;&#10;Description automatically generated">
+            <a:extLst>
+              <a:ext uri="{FF2B5EF4-FFF2-40B4-BE49-F238E27FC236}">
+                <a16:creationId xmlns:a16="http://schemas.microsoft.com/office/drawing/2014/main" id="{B2E51727-3148-CD7B-EDE9-2BA4043B24B7}"/>
+              </a:ext>
+            </a:extLst>
+          </p:cNvPr>
+          <p:cNvPicPr>
+            <a:picLocks noChangeAspect="1"/>
+          </p:cNvPicPr>
+          <p:nvPr/>
+        </p:nvPicPr>
+        <p:blipFill>
+          <a:blip r:embed="rId7"/>
+          <a:stretch>
+            <a:fillRect/>
+          </a:stretch>
+        </p:blipFill>
+        <p:spPr>
+          <a:xfrm>
+            <a:off x="2443332" y="5096595"/>
+            <a:ext cx="3378680" cy="1852883"/>
+          </a:xfrm>
+          <a:prstGeom prst="rect">
+            <a:avLst/>
+          </a:prstGeom>
+        </p:spPr>
+      </p:pic>
     </p:spTree>
     <p:extLst>
       <p:ext uri="{BB962C8B-B14F-4D97-AF65-F5344CB8AC3E}">
-        <p14:creationId xmlns:p14="http://schemas.microsoft.com/office/powerpoint/2010/main" val="2361542432"/>
+        <p14:creationId xmlns:p14="http://schemas.microsoft.com/office/powerpoint/2010/main" val="2146413309"/>
       </p:ext>
     </p:extLst>
   </p:cSld>
@@ -12946,10 +14915,10 @@
       </p:pic>
       <p:sp>
         <p:nvSpPr>
-          <p:cNvPr id="3" name="TextBox 2">
+          <p:cNvPr id="4" name="TextBox 3">
             <a:extLst>
               <a:ext uri="{FF2B5EF4-FFF2-40B4-BE49-F238E27FC236}">
-                <a16:creationId xmlns:a16="http://schemas.microsoft.com/office/drawing/2014/main" id="{70866F9F-102C-0AFC-BCE5-4E8C73321E74}"/>
+                <a16:creationId xmlns:a16="http://schemas.microsoft.com/office/drawing/2014/main" id="{2484D71F-6E0D-7556-D02A-80D20B19BFE9}"/>
               </a:ext>
             </a:extLst>
           </p:cNvPr>
@@ -12958,8 +14927,8 @@
         </p:nvSpPr>
         <p:spPr>
           <a:xfrm>
-            <a:off x="973101" y="1083913"/>
-            <a:ext cx="6846427" cy="5170646"/>
+            <a:off x="684363" y="1288211"/>
+            <a:ext cx="5000445" cy="2308324"/>
           </a:xfrm>
           <a:prstGeom prst="rect">
             <a:avLst/>
@@ -12976,130 +14945,219 @@
           <a:lstStyle/>
           <a:p>
             <a:r>
-              <a:rPr lang="es-CL" sz="2400" err="1">
+              <a:rPr lang="es-CL" sz="2400">
                 <a:solidFill>
                   <a:srgbClr val="19202E"/>
                 </a:solidFill>
                 <a:latin typeface="Segoe UI"/>
                 <a:cs typeface="Segoe UI"/>
               </a:rPr>
-              <a:t>Slide</a:t>
-            </a:r>
-            <a:r>
-              <a:rPr lang="es-CL" sz="2400">
+              <a:t>En el caso de conjunto de datos de diamantes, donde la variable de </a:t>
+            </a:r>
+            <a:r>
+              <a:rPr lang="es-CL" sz="2400" b="1">
                 <a:solidFill>
                   <a:srgbClr val="19202E"/>
                 </a:solidFill>
                 <a:latin typeface="Segoe UI"/>
                 <a:cs typeface="Segoe UI"/>
               </a:rPr>
-              <a:t> 1: Logo de la universidad, facultad, Carrera, Nombre de integrantes del grupo.</a:t>
-            </a:r>
-            <a:endParaRPr lang="en-US" sz="2400">
-              <a:solidFill>
-                <a:srgbClr val="19202E"/>
-              </a:solidFill>
-              <a:latin typeface="Segoe UI"/>
-              <a:cs typeface="Segoe UI"/>
-            </a:endParaRPr>
-          </a:p>
-          <a:p>
-            <a:r>
-              <a:rPr lang="es-CL" sz="2400" err="1">
+              <a:t>precio</a:t>
+            </a:r>
+            <a:r>
+              <a:rPr lang="es-CL" sz="2400">
                 <a:solidFill>
                   <a:srgbClr val="19202E"/>
                 </a:solidFill>
                 <a:latin typeface="Segoe UI"/>
                 <a:cs typeface="Segoe UI"/>
               </a:rPr>
-              <a:t>Slide</a:t>
-            </a:r>
-            <a:r>
-              <a:rPr lang="es-CL" sz="2400">
+              <a:t> es </a:t>
+            </a:r>
+            <a:r>
+              <a:rPr lang="es-CL" sz="2400" b="1">
                 <a:solidFill>
                   <a:srgbClr val="19202E"/>
                 </a:solidFill>
                 <a:latin typeface="Segoe UI"/>
                 <a:cs typeface="Segoe UI"/>
               </a:rPr>
-              <a:t> 2, 3, 4: Introducción: de una breve reseña del contenido del trabajo; explicación en qué consiste el aprendizaje supervisado y breve explicación de los algoritmos utilizados, objetivos del estudio.</a:t>
-            </a:r>
-            <a:endParaRPr lang="en-US" sz="2400">
-              <a:solidFill>
-                <a:srgbClr val="19202E"/>
-              </a:solidFill>
-              <a:latin typeface="Segoe UI"/>
-              <a:cs typeface="Segoe UI"/>
-            </a:endParaRPr>
-          </a:p>
-          <a:p>
-            <a:r>
-              <a:rPr lang="es-CL" sz="2400" err="1">
+              <a:t>dependiente</a:t>
+            </a:r>
+            <a:r>
+              <a:rPr lang="es-CL" sz="2400">
                 <a:solidFill>
                   <a:srgbClr val="19202E"/>
                 </a:solidFill>
                 <a:latin typeface="Segoe UI"/>
                 <a:cs typeface="Segoe UI"/>
               </a:rPr>
-              <a:t>Slide</a:t>
-            </a:r>
-            <a:r>
-              <a:rPr lang="es-CL" sz="2400">
+              <a:t> y las demás son independientes, el tipo de problema a resolver es el de </a:t>
+            </a:r>
+            <a:r>
+              <a:rPr lang="es-CL" sz="2400" b="1">
                 <a:solidFill>
                   <a:srgbClr val="19202E"/>
                 </a:solidFill>
                 <a:latin typeface="Segoe UI"/>
                 <a:cs typeface="Segoe UI"/>
               </a:rPr>
-              <a:t> 5: Defina variable dependiente y variables independientes; y justifique si tiene que utilizar algoritmos de regresión o clasificación.</a:t>
-            </a:r>
-            <a:endParaRPr lang="en-US" sz="2400">
-              <a:solidFill>
-                <a:srgbClr val="19202E"/>
-              </a:solidFill>
-              <a:latin typeface="Segoe UI"/>
-              <a:cs typeface="Segoe UI"/>
-            </a:endParaRPr>
-          </a:p>
-          <a:p>
-            <a:r>
-              <a:rPr lang="es-CL" sz="2400" err="1">
+              <a:t>regresión</a:t>
+            </a:r>
+          </a:p>
+        </p:txBody>
+      </p:sp>
+      <p:sp>
+        <p:nvSpPr>
+          <p:cNvPr id="5" name="TextBox 4">
+            <a:extLst>
+              <a:ext uri="{FF2B5EF4-FFF2-40B4-BE49-F238E27FC236}">
+                <a16:creationId xmlns:a16="http://schemas.microsoft.com/office/drawing/2014/main" id="{0500C325-06E5-2CB6-F3D3-E32DF18CEFA8}"/>
+              </a:ext>
+            </a:extLst>
+          </p:cNvPr>
+          <p:cNvSpPr txBox="1"/>
+          <p:nvPr/>
+        </p:nvSpPr>
+        <p:spPr>
+          <a:xfrm>
+            <a:off x="4566249" y="4479984"/>
+            <a:ext cx="3979652" cy="1569660"/>
+          </a:xfrm>
+          <a:prstGeom prst="rect">
+            <a:avLst/>
+          </a:prstGeom>
+          <a:noFill/>
+        </p:spPr>
+        <p:txBody>
+          <a:bodyPr rot="0" spcFirstLastPara="0" vertOverflow="overflow" horzOverflow="overflow" vert="horz" wrap="square" lIns="91440" tIns="45720" rIns="91440" bIns="45720" numCol="1" spcCol="0" rtlCol="0" fromWordArt="0" anchor="t" anchorCtr="0" forceAA="0" compatLnSpc="1">
+            <a:prstTxWarp prst="textNoShape">
+              <a:avLst/>
+            </a:prstTxWarp>
+            <a:spAutoFit/>
+          </a:bodyPr>
+          <a:lstStyle/>
+          <a:p>
+            <a:r>
+              <a:rPr lang="es-CL" sz="2400">
                 <a:solidFill>
                   <a:srgbClr val="19202E"/>
                 </a:solidFill>
+                <a:latin typeface="Segoe UI"/>
+              </a:rPr>
+              <a:t>Porque se busca </a:t>
+            </a:r>
+            <a:r>
+              <a:rPr lang="es-CL" sz="2400" b="1">
+                <a:solidFill>
+                  <a:srgbClr val="19202E"/>
+                </a:solidFill>
+                <a:latin typeface="Segoe UI"/>
+              </a:rPr>
+              <a:t>predecir</a:t>
+            </a:r>
+            <a:r>
+              <a:rPr lang="es-CL" sz="2400">
+                <a:solidFill>
+                  <a:srgbClr val="19202E"/>
+                </a:solidFill>
+                <a:latin typeface="Segoe UI"/>
+              </a:rPr>
+              <a:t> el </a:t>
+            </a:r>
+            <a:r>
+              <a:rPr lang="es-CL" sz="2400" b="1">
+                <a:solidFill>
+                  <a:srgbClr val="19202E"/>
+                </a:solidFill>
+                <a:latin typeface="Segoe UI"/>
+              </a:rPr>
+              <a:t>valor numérico del precio</a:t>
+            </a:r>
+            <a:r>
+              <a:rPr lang="es-CL" sz="2400">
+                <a:solidFill>
+                  <a:srgbClr val="19202E"/>
+                </a:solidFill>
+                <a:latin typeface="Segoe UI"/>
+              </a:rPr>
+              <a:t> del diamante en función de las otras variables.</a:t>
+            </a:r>
+            <a:r>
+              <a:rPr lang="en-US" sz="2400">
                 <a:latin typeface="Segoe UI"/>
                 <a:cs typeface="Segoe UI"/>
               </a:rPr>
-              <a:t>Slide</a:t>
-            </a:r>
-            <a:r>
-              <a:rPr lang="es-CL" sz="2400">
-                <a:solidFill>
-                  <a:srgbClr val="19202E"/>
-                </a:solidFill>
-                <a:latin typeface="Segoe UI"/>
-                <a:cs typeface="Segoe UI"/>
-              </a:rPr>
-              <a:t> 6: Tiempo de entrenamiento en la validación cruzada para cada algoritmo de cada estudiante del grupo</a:t>
-            </a:r>
-            <a:endParaRPr lang="en-US" sz="2400">
-              <a:ea typeface="Calibri"/>
-              <a:cs typeface="Calibri"/>
-            </a:endParaRPr>
-          </a:p>
-          <a:p>
-            <a:pPr algn="l"/>
-            <a:endParaRPr lang="en-US">
-              <a:ea typeface="Calibri"/>
-              <a:cs typeface="Calibri"/>
-            </a:endParaRPr>
+              <a:t>​</a:t>
+            </a:r>
+            <a:endParaRPr lang="en-US"/>
           </a:p>
         </p:txBody>
       </p:sp>
+      <p:pic>
+        <p:nvPicPr>
+          <p:cNvPr id="6" name="Picture 5" descr="A computer screen with a diamond&#10;&#10;Description automatically generated">
+            <a:extLst>
+              <a:ext uri="{FF2B5EF4-FFF2-40B4-BE49-F238E27FC236}">
+                <a16:creationId xmlns:a16="http://schemas.microsoft.com/office/drawing/2014/main" id="{26368C35-9DF6-175F-6DF3-C430C967C302}"/>
+              </a:ext>
+            </a:extLst>
+          </p:cNvPr>
+          <p:cNvPicPr>
+            <a:picLocks noChangeAspect="1"/>
+          </p:cNvPicPr>
+          <p:nvPr/>
+        </p:nvPicPr>
+        <p:blipFill>
+          <a:blip r:embed="rId5"/>
+          <a:stretch>
+            <a:fillRect/>
+          </a:stretch>
+        </p:blipFill>
+        <p:spPr>
+          <a:xfrm>
+            <a:off x="3653685" y="-278370"/>
+            <a:ext cx="8511396" cy="4757108"/>
+          </a:xfrm>
+          <a:prstGeom prst="rect">
+            <a:avLst/>
+          </a:prstGeom>
+        </p:spPr>
+      </p:pic>
+      <p:pic>
+        <p:nvPicPr>
+          <p:cNvPr id="8" name="Picture 7" descr="A white circle with blue dots and a question mark&#10;&#10;Description automatically generated">
+            <a:extLst>
+              <a:ext uri="{FF2B5EF4-FFF2-40B4-BE49-F238E27FC236}">
+                <a16:creationId xmlns:a16="http://schemas.microsoft.com/office/drawing/2014/main" id="{73FF57CB-0CD7-6AAA-94BC-20C6173C18D1}"/>
+              </a:ext>
+            </a:extLst>
+          </p:cNvPr>
+          <p:cNvPicPr>
+            <a:picLocks noChangeAspect="1"/>
+          </p:cNvPicPr>
+          <p:nvPr/>
+        </p:nvPicPr>
+        <p:blipFill>
+          <a:blip r:embed="rId6"/>
+          <a:stretch>
+            <a:fillRect/>
+          </a:stretch>
+        </p:blipFill>
+        <p:spPr>
+          <a:xfrm>
+            <a:off x="-1331665" y="3592733"/>
+            <a:ext cx="7246189" cy="4023863"/>
+          </a:xfrm>
+          <a:prstGeom prst="rect">
+            <a:avLst/>
+          </a:prstGeom>
+        </p:spPr>
+      </p:pic>
     </p:spTree>
     <p:extLst>
       <p:ext uri="{BB962C8B-B14F-4D97-AF65-F5344CB8AC3E}">
-        <p14:creationId xmlns:p14="http://schemas.microsoft.com/office/powerpoint/2010/main" val="3105322462"/>
+        <p14:creationId xmlns:p14="http://schemas.microsoft.com/office/powerpoint/2010/main" val="2361542432"/>
       </p:ext>
     </p:extLst>
   </p:cSld>
@@ -13187,10 +15245,10 @@
       </p:pic>
       <p:sp>
         <p:nvSpPr>
-          <p:cNvPr id="4" name="TextBox 3">
+          <p:cNvPr id="3" name="TextBox 2">
             <a:extLst>
               <a:ext uri="{FF2B5EF4-FFF2-40B4-BE49-F238E27FC236}">
-                <a16:creationId xmlns:a16="http://schemas.microsoft.com/office/drawing/2014/main" id="{71226EC2-9380-CB10-DF4C-32CCBC68E4D3}"/>
+                <a16:creationId xmlns:a16="http://schemas.microsoft.com/office/drawing/2014/main" id="{70866F9F-102C-0AFC-BCE5-4E8C73321E74}"/>
               </a:ext>
             </a:extLst>
           </p:cNvPr>
@@ -13199,8 +15257,8 @@
         </p:nvSpPr>
         <p:spPr>
           <a:xfrm>
-            <a:off x="914400" y="799381"/>
-            <a:ext cx="5000445" cy="3046988"/>
+            <a:off x="973101" y="1083913"/>
+            <a:ext cx="6846427" cy="5170646"/>
           </a:xfrm>
           <a:prstGeom prst="rect">
             <a:avLst/>
@@ -13217,83 +15275,130 @@
           <a:lstStyle/>
           <a:p>
             <a:r>
-              <a:rPr lang="es-CL" sz="2400" dirty="0">
+              <a:rPr lang="es-CL" sz="2400" err="1">
                 <a:solidFill>
                   <a:srgbClr val="19202E"/>
                 </a:solidFill>
                 <a:latin typeface="Segoe UI"/>
                 <a:cs typeface="Segoe UI"/>
               </a:rPr>
-              <a:t>En el caso de conjunto de datos de diamantes, donde la variable de precio es dependiente y las </a:t>
-            </a:r>
-            <a:r>
-              <a:rPr lang="es-CL" sz="2400" dirty="0" err="1">
+              <a:t>Slide</a:t>
+            </a:r>
+            <a:r>
+              <a:rPr lang="es-CL" sz="2400">
                 <a:solidFill>
                   <a:srgbClr val="19202E"/>
                 </a:solidFill>
                 <a:latin typeface="Segoe UI"/>
                 <a:cs typeface="Segoe UI"/>
               </a:rPr>
-              <a:t>demas</a:t>
-            </a:r>
-            <a:r>
-              <a:rPr lang="es-CL" sz="2400" dirty="0">
+              <a:t> 1: Logo de la universidad, facultad, Carrera, Nombre de integrantes del grupo.</a:t>
+            </a:r>
+            <a:endParaRPr lang="en-US" sz="2400">
+              <a:solidFill>
+                <a:srgbClr val="19202E"/>
+              </a:solidFill>
+              <a:latin typeface="Segoe UI"/>
+              <a:cs typeface="Segoe UI"/>
+            </a:endParaRPr>
+          </a:p>
+          <a:p>
+            <a:r>
+              <a:rPr lang="es-CL" sz="2400" err="1">
                 <a:solidFill>
                   <a:srgbClr val="19202E"/>
                 </a:solidFill>
                 <a:latin typeface="Segoe UI"/>
                 <a:cs typeface="Segoe UI"/>
               </a:rPr>
-              <a:t> son independientes, el tipo de problema a resolver s el de regresión, se busca </a:t>
-            </a:r>
-            <a:r>
-              <a:rPr lang="es-CL" sz="2400" dirty="0" err="1">
+              <a:t>Slide</a:t>
+            </a:r>
+            <a:r>
+              <a:rPr lang="es-CL" sz="2400">
                 <a:solidFill>
                   <a:srgbClr val="19202E"/>
                 </a:solidFill>
                 <a:latin typeface="Segoe UI"/>
                 <a:cs typeface="Segoe UI"/>
               </a:rPr>
-              <a:t>predeci</a:t>
-            </a:r>
-            <a:r>
-              <a:rPr lang="es-CL" sz="2400" dirty="0">
+              <a:t> 2, 3, 4: Introducción: de una breve reseña del contenido del trabajo; explicación en qué consiste el aprendizaje supervisado y breve explicación de los algoritmos utilizados, objetivos del estudio.</a:t>
+            </a:r>
+            <a:endParaRPr lang="en-US" sz="2400">
+              <a:solidFill>
+                <a:srgbClr val="19202E"/>
+              </a:solidFill>
+              <a:latin typeface="Segoe UI"/>
+              <a:cs typeface="Segoe UI"/>
+            </a:endParaRPr>
+          </a:p>
+          <a:p>
+            <a:r>
+              <a:rPr lang="es-CL" sz="2400" err="1">
                 <a:solidFill>
                   <a:srgbClr val="19202E"/>
                 </a:solidFill>
                 <a:latin typeface="Segoe UI"/>
                 <a:cs typeface="Segoe UI"/>
               </a:rPr>
-              <a:t> el valor numérico del precio del diamante en </a:t>
-            </a:r>
-            <a:r>
-              <a:rPr lang="es-CL" sz="2400" dirty="0" err="1">
+              <a:t>Slide</a:t>
+            </a:r>
+            <a:r>
+              <a:rPr lang="es-CL" sz="2400">
                 <a:solidFill>
                   <a:srgbClr val="19202E"/>
                 </a:solidFill>
                 <a:latin typeface="Segoe UI"/>
                 <a:cs typeface="Segoe UI"/>
               </a:rPr>
-              <a:t>funcion</a:t>
-            </a:r>
-            <a:r>
-              <a:rPr lang="es-CL" sz="2400" dirty="0">
+              <a:t> 5: Defina variable dependiente y variables independientes; y justifique si tiene que utilizar algoritmos de regresión o clasificación.</a:t>
+            </a:r>
+            <a:endParaRPr lang="en-US" sz="2400">
+              <a:solidFill>
+                <a:srgbClr val="19202E"/>
+              </a:solidFill>
+              <a:latin typeface="Segoe UI"/>
+              <a:cs typeface="Segoe UI"/>
+            </a:endParaRPr>
+          </a:p>
+          <a:p>
+            <a:r>
+              <a:rPr lang="es-CL" sz="2400" err="1">
                 <a:solidFill>
                   <a:srgbClr val="19202E"/>
                 </a:solidFill>
                 <a:latin typeface="Segoe UI"/>
                 <a:cs typeface="Segoe UI"/>
               </a:rPr>
-              <a:t> de las otras variables.</a:t>
-            </a:r>
-            <a:endParaRPr lang="en-US" dirty="0"/>
+              <a:t>Slide</a:t>
+            </a:r>
+            <a:r>
+              <a:rPr lang="es-CL" sz="2400">
+                <a:solidFill>
+                  <a:srgbClr val="19202E"/>
+                </a:solidFill>
+                <a:latin typeface="Segoe UI"/>
+                <a:cs typeface="Segoe UI"/>
+              </a:rPr>
+              <a:t> 6: Tiempo de entrenamiento en la validación cruzada para cada algoritmo de cada estudiante del grupo</a:t>
+            </a:r>
+            <a:endParaRPr lang="en-US" sz="2400">
+              <a:ea typeface="Calibri"/>
+              <a:cs typeface="Calibri"/>
+            </a:endParaRPr>
+          </a:p>
+          <a:p>
+            <a:pPr algn="l"/>
+            <a:endParaRPr lang="en-US">
+              <a:ea typeface="Calibri"/>
+              <a:cs typeface="Calibri"/>
+            </a:endParaRPr>
           </a:p>
         </p:txBody>
       </p:sp>
     </p:spTree>
     <p:extLst>
       <p:ext uri="{BB962C8B-B14F-4D97-AF65-F5344CB8AC3E}">
-        <p14:creationId xmlns:p14="http://schemas.microsoft.com/office/powerpoint/2010/main" val="3699663989"/>
+        <p14:creationId xmlns:p14="http://schemas.microsoft.com/office/powerpoint/2010/main" val="3105322462"/>
       </p:ext>
     </p:extLst>
   </p:cSld>

--- a/presentación/presentaciónDosMineriaDeDatos.pptx
+++ b/presentación/presentaciónDosMineriaDeDatos.pptx
@@ -5,25 +5,26 @@
     <p:sldMasterId id="2147483660" r:id="rId1"/>
   </p:sldMasterIdLst>
   <p:notesMasterIdLst>
-    <p:notesMasterId r:id="rId18"/>
+    <p:notesMasterId r:id="rId19"/>
   </p:notesMasterIdLst>
   <p:sldIdLst>
     <p:sldId id="262" r:id="rId2"/>
     <p:sldId id="305" r:id="rId3"/>
     <p:sldId id="303" r:id="rId4"/>
-    <p:sldId id="317" r:id="rId5"/>
-    <p:sldId id="318" r:id="rId6"/>
-    <p:sldId id="307" r:id="rId7"/>
+    <p:sldId id="318" r:id="rId5"/>
+    <p:sldId id="307" r:id="rId6"/>
+    <p:sldId id="320" r:id="rId7"/>
     <p:sldId id="312" r:id="rId8"/>
     <p:sldId id="304" r:id="rId9"/>
     <p:sldId id="310" r:id="rId10"/>
     <p:sldId id="309" r:id="rId11"/>
-    <p:sldId id="316" r:id="rId12"/>
-    <p:sldId id="315" r:id="rId13"/>
-    <p:sldId id="314" r:id="rId14"/>
-    <p:sldId id="313" r:id="rId15"/>
-    <p:sldId id="306" r:id="rId16"/>
-    <p:sldId id="308" r:id="rId17"/>
+    <p:sldId id="319" r:id="rId12"/>
+    <p:sldId id="316" r:id="rId13"/>
+    <p:sldId id="315" r:id="rId14"/>
+    <p:sldId id="314" r:id="rId15"/>
+    <p:sldId id="313" r:id="rId16"/>
+    <p:sldId id="306" r:id="rId17"/>
+    <p:sldId id="308" r:id="rId18"/>
   </p:sldIdLst>
   <p:sldSz cx="9144000" cy="6858000" type="letter"/>
   <p:notesSz cx="6858000" cy="9144000"/>
@@ -133,7 +134,9 @@
 <file path=ppt/revisionInfo.xml><?xml version="1.0" encoding="utf-8"?>
 <p1510:revInfo xmlns:a="http://schemas.openxmlformats.org/drawingml/2006/main" xmlns:r="http://schemas.openxmlformats.org/officeDocument/2006/relationships" xmlns:p1510="http://schemas.microsoft.com/office/powerpoint/2015/10/main">
   <p1510:revLst>
-    <p1510:client id="{8CBB8C90-6B1F-4992-B562-0E68CFD0F3DC}" v="5" dt="2024-05-26T21:24:52.958"/>
+    <p1510:client id="{5910A51A-5D7E-257F-86B7-ED62D1DAE4B1}" v="1321" dt="2024-06-01T05:26:28.105"/>
+    <p1510:client id="{8CBB8C90-6B1F-4992-B562-0E68CFD0F3DC}" v="1441" dt="2024-06-01T05:22:10.813"/>
+    <p1510:client id="{D2FEB935-2DDA-44B2-BCF4-E7E38F85F4C1}" v="77" dt="2024-06-01T04:27:25.616"/>
   </p1510:revLst>
 </p1510:revInfo>
 </file>
@@ -141,42 +144,238 @@
 <file path=ppt/changesInfos/changesInfo1.xml><?xml version="1.0" encoding="utf-8"?>
 <pc:chgInfo xmlns:a="http://schemas.openxmlformats.org/drawingml/2006/main" xmlns:r="http://schemas.openxmlformats.org/officeDocument/2006/relationships" xmlns:ac="http://schemas.microsoft.com/office/drawing/2013/main/command" xmlns:pc="http://schemas.microsoft.com/office/powerpoint/2013/main/command">
   <pc:docChgLst>
-    <pc:chgData name="Usuario invitado" userId="S::urn:spo:anon#eb2a7d79476950051e46bb22be043da915db42be12fcf09fa5fbcbdfd1e1932b::" providerId="AD" clId="Web-{06BA73ED-A061-6375-8FFE-D5F796DAB0DE}"/>
-    <pc:docChg chg="modSld">
-      <pc:chgData name="Usuario invitado" userId="S::urn:spo:anon#eb2a7d79476950051e46bb22be043da915db42be12fcf09fa5fbcbdfd1e1932b::" providerId="AD" clId="Web-{06BA73ED-A061-6375-8FFE-D5F796DAB0DE}" dt="2018-08-28T18:40:40.402" v="2" actId="1076"/>
+    <pc:chgData name="VÁSQUEZ CARVAJAL GONZALO A" userId="fdf6c519-ebfd-465d-b4fa-917b5c704028" providerId="ADAL" clId="{D2FEB935-2DDA-44B2-BCF4-E7E38F85F4C1}"/>
+    <pc:docChg chg="custSel modSld">
+      <pc:chgData name="VÁSQUEZ CARVAJAL GONZALO A" userId="fdf6c519-ebfd-465d-b4fa-917b5c704028" providerId="ADAL" clId="{D2FEB935-2DDA-44B2-BCF4-E7E38F85F4C1}" dt="2024-06-01T04:27:25.617" v="76" actId="14734"/>
       <pc:docMkLst>
         <pc:docMk/>
       </pc:docMkLst>
-      <pc:sldChg chg="delSp modSp">
-        <pc:chgData name="Usuario invitado" userId="S::urn:spo:anon#eb2a7d79476950051e46bb22be043da915db42be12fcf09fa5fbcbdfd1e1932b::" providerId="AD" clId="Web-{06BA73ED-A061-6375-8FFE-D5F796DAB0DE}" dt="2018-08-28T18:40:40.402" v="2" actId="1076"/>
+      <pc:sldChg chg="modSp mod">
+        <pc:chgData name="VÁSQUEZ CARVAJAL GONZALO A" userId="fdf6c519-ebfd-465d-b4fa-917b5c704028" providerId="ADAL" clId="{D2FEB935-2DDA-44B2-BCF4-E7E38F85F4C1}" dt="2024-06-01T04:27:25.617" v="76" actId="14734"/>
         <pc:sldMkLst>
           <pc:docMk/>
-          <pc:sldMk cId="1957369981" sldId="262"/>
+          <pc:sldMk cId="3105322462" sldId="304"/>
         </pc:sldMkLst>
-        <pc:spChg chg="del">
-          <ac:chgData name="Usuario invitado" userId="S::urn:spo:anon#eb2a7d79476950051e46bb22be043da915db42be12fcf09fa5fbcbdfd1e1932b::" providerId="AD" clId="Web-{06BA73ED-A061-6375-8FFE-D5F796DAB0DE}" dt="2018-08-28T18:39:21.057" v="1"/>
-          <ac:spMkLst>
-            <pc:docMk/>
-            <pc:sldMk cId="1957369981" sldId="262"/>
-            <ac:spMk id="7" creationId="{C85DB8C4-FFB0-4CA0-AC46-2DA3367DA6D7}"/>
-          </ac:spMkLst>
-        </pc:spChg>
-        <pc:spChg chg="del">
-          <ac:chgData name="Usuario invitado" userId="S::urn:spo:anon#eb2a7d79476950051e46bb22be043da915db42be12fcf09fa5fbcbdfd1e1932b::" providerId="AD" clId="Web-{06BA73ED-A061-6375-8FFE-D5F796DAB0DE}" dt="2018-08-28T18:39:18.916" v="0"/>
-          <ac:spMkLst>
-            <pc:docMk/>
-            <pc:sldMk cId="1957369981" sldId="262"/>
-            <ac:spMk id="11" creationId="{00000000-0000-0000-0000-000000000000}"/>
-          </ac:spMkLst>
-        </pc:spChg>
-        <pc:picChg chg="mod">
-          <ac:chgData name="Usuario invitado" userId="S::urn:spo:anon#eb2a7d79476950051e46bb22be043da915db42be12fcf09fa5fbcbdfd1e1932b::" providerId="AD" clId="Web-{06BA73ED-A061-6375-8FFE-D5F796DAB0DE}" dt="2018-08-28T18:40:40.402" v="2" actId="1076"/>
-          <ac:picMkLst>
-            <pc:docMk/>
-            <pc:sldMk cId="1957369981" sldId="262"/>
-            <ac:picMk id="10" creationId="{00000000-0000-0000-0000-000000000000}"/>
-          </ac:picMkLst>
-        </pc:picChg>
+        <pc:graphicFrameChg chg="modGraphic">
+          <ac:chgData name="VÁSQUEZ CARVAJAL GONZALO A" userId="fdf6c519-ebfd-465d-b4fa-917b5c704028" providerId="ADAL" clId="{D2FEB935-2DDA-44B2-BCF4-E7E38F85F4C1}" dt="2024-06-01T04:27:25.617" v="76" actId="14734"/>
+          <ac:graphicFrameMkLst>
+            <pc:docMk/>
+            <pc:sldMk cId="3105322462" sldId="304"/>
+            <ac:graphicFrameMk id="5" creationId="{959537D5-D76F-6DF9-5CB3-DF6A44E57EB5}"/>
+          </ac:graphicFrameMkLst>
+        </pc:graphicFrameChg>
+      </pc:sldChg>
+    </pc:docChg>
+  </pc:docChgLst>
+  <pc:docChgLst>
+    <pc:chgData name="PEREZ VERGARA MELANY" userId="S::m.perezvergara@uandresbello.edu::d95698a7-632e-4c03-ab0f-564477513d69" providerId="AD" clId="Web-{8B2F917D-2423-460C-A75A-8077774D9459}"/>
+    <pc:docChg chg="addSld modSld">
+      <pc:chgData name="PEREZ VERGARA MELANY" userId="S::m.perezvergara@uandresbello.edu::d95698a7-632e-4c03-ab0f-564477513d69" providerId="AD" clId="Web-{8B2F917D-2423-460C-A75A-8077774D9459}" dt="2024-05-31T03:50:00.088" v="1163" actId="20577"/>
+      <pc:docMkLst>
+        <pc:docMk/>
+      </pc:docMkLst>
+      <pc:sldChg chg="modSp">
+        <pc:chgData name="PEREZ VERGARA MELANY" userId="S::m.perezvergara@uandresbello.edu::d95698a7-632e-4c03-ab0f-564477513d69" providerId="AD" clId="Web-{8B2F917D-2423-460C-A75A-8077774D9459}" dt="2024-05-31T03:50:00.088" v="1163" actId="20577"/>
+        <pc:sldMkLst>
+          <pc:docMk/>
+          <pc:sldMk cId="1761978179" sldId="303"/>
+        </pc:sldMkLst>
+        <pc:spChg chg="mod">
+          <ac:chgData name="PEREZ VERGARA MELANY" userId="S::m.perezvergara@uandresbello.edu::d95698a7-632e-4c03-ab0f-564477513d69" providerId="AD" clId="Web-{8B2F917D-2423-460C-A75A-8077774D9459}" dt="2024-05-31T01:46:08.509" v="345" actId="20577"/>
+          <ac:spMkLst>
+            <pc:docMk/>
+            <pc:sldMk cId="1761978179" sldId="303"/>
+            <ac:spMk id="6" creationId="{9DEC9D77-6AA7-4B6B-881C-F31DAAE1DB2A}"/>
+          </ac:spMkLst>
+        </pc:spChg>
+        <pc:spChg chg="mod">
+          <ac:chgData name="PEREZ VERGARA MELANY" userId="S::m.perezvergara@uandresbello.edu::d95698a7-632e-4c03-ab0f-564477513d69" providerId="AD" clId="Web-{8B2F917D-2423-460C-A75A-8077774D9459}" dt="2024-05-31T03:50:00.088" v="1163" actId="20577"/>
+          <ac:spMkLst>
+            <pc:docMk/>
+            <pc:sldMk cId="1761978179" sldId="303"/>
+            <ac:spMk id="8" creationId="{8E5AB793-981F-4F0C-993F-B574912D895B}"/>
+          </ac:spMkLst>
+        </pc:spChg>
+      </pc:sldChg>
+      <pc:sldChg chg="modSp">
+        <pc:chgData name="PEREZ VERGARA MELANY" userId="S::m.perezvergara@uandresbello.edu::d95698a7-632e-4c03-ab0f-564477513d69" providerId="AD" clId="Web-{8B2F917D-2423-460C-A75A-8077774D9459}" dt="2024-05-31T03:46:46.628" v="1135" actId="20577"/>
+        <pc:sldMkLst>
+          <pc:docMk/>
+          <pc:sldMk cId="3105322462" sldId="304"/>
+        </pc:sldMkLst>
+        <pc:spChg chg="mod">
+          <ac:chgData name="PEREZ VERGARA MELANY" userId="S::m.perezvergara@uandresbello.edu::d95698a7-632e-4c03-ab0f-564477513d69" providerId="AD" clId="Web-{8B2F917D-2423-460C-A75A-8077774D9459}" dt="2024-05-31T03:46:46.628" v="1135" actId="20577"/>
+          <ac:spMkLst>
+            <pc:docMk/>
+            <pc:sldMk cId="3105322462" sldId="304"/>
+            <ac:spMk id="3" creationId="{70866F9F-102C-0AFC-BCE5-4E8C73321E74}"/>
+          </ac:spMkLst>
+        </pc:spChg>
+      </pc:sldChg>
+      <pc:sldChg chg="modSp">
+        <pc:chgData name="PEREZ VERGARA MELANY" userId="S::m.perezvergara@uandresbello.edu::d95698a7-632e-4c03-ab0f-564477513d69" providerId="AD" clId="Web-{8B2F917D-2423-460C-A75A-8077774D9459}" dt="2024-05-31T02:20:26.568" v="1125" actId="20577"/>
+        <pc:sldMkLst>
+          <pc:docMk/>
+          <pc:sldMk cId="743564996" sldId="305"/>
+        </pc:sldMkLst>
+        <pc:spChg chg="mod">
+          <ac:chgData name="PEREZ VERGARA MELANY" userId="S::m.perezvergara@uandresbello.edu::d95698a7-632e-4c03-ab0f-564477513d69" providerId="AD" clId="Web-{8B2F917D-2423-460C-A75A-8077774D9459}" dt="2024-05-31T02:20:26.568" v="1125" actId="20577"/>
+          <ac:spMkLst>
+            <pc:docMk/>
+            <pc:sldMk cId="743564996" sldId="305"/>
+            <ac:spMk id="9" creationId="{6536A29F-323F-9FF5-00C0-05DC1B14123E}"/>
+          </ac:spMkLst>
+        </pc:spChg>
+      </pc:sldChg>
+      <pc:sldChg chg="modSp">
+        <pc:chgData name="PEREZ VERGARA MELANY" userId="S::m.perezvergara@uandresbello.edu::d95698a7-632e-4c03-ab0f-564477513d69" providerId="AD" clId="Web-{8B2F917D-2423-460C-A75A-8077774D9459}" dt="2024-05-31T03:48:44.023" v="1146" actId="20577"/>
+        <pc:sldMkLst>
+          <pc:docMk/>
+          <pc:sldMk cId="1086978629" sldId="306"/>
+        </pc:sldMkLst>
+        <pc:spChg chg="mod">
+          <ac:chgData name="PEREZ VERGARA MELANY" userId="S::m.perezvergara@uandresbello.edu::d95698a7-632e-4c03-ab0f-564477513d69" providerId="AD" clId="Web-{8B2F917D-2423-460C-A75A-8077774D9459}" dt="2024-05-31T03:48:44.023" v="1146" actId="20577"/>
+          <ac:spMkLst>
+            <pc:docMk/>
+            <pc:sldMk cId="1086978629" sldId="306"/>
+            <ac:spMk id="9" creationId="{022D82BC-67B0-4F5D-9A8F-C3B94B9A014B}"/>
+          </ac:spMkLst>
+        </pc:spChg>
+      </pc:sldChg>
+      <pc:sldChg chg="modSp">
+        <pc:chgData name="PEREZ VERGARA MELANY" userId="S::m.perezvergara@uandresbello.edu::d95698a7-632e-4c03-ab0f-564477513d69" providerId="AD" clId="Web-{8B2F917D-2423-460C-A75A-8077774D9459}" dt="2024-05-31T01:49:19.062" v="373" actId="14100"/>
+        <pc:sldMkLst>
+          <pc:docMk/>
+          <pc:sldMk cId="2146413309" sldId="307"/>
+        </pc:sldMkLst>
+        <pc:spChg chg="mod">
+          <ac:chgData name="PEREZ VERGARA MELANY" userId="S::m.perezvergara@uandresbello.edu::d95698a7-632e-4c03-ab0f-564477513d69" providerId="AD" clId="Web-{8B2F917D-2423-460C-A75A-8077774D9459}" dt="2024-05-31T01:49:19.062" v="373" actId="14100"/>
+          <ac:spMkLst>
+            <pc:docMk/>
+            <pc:sldMk cId="2146413309" sldId="307"/>
+            <ac:spMk id="6" creationId="{C4A2F7C9-0AF4-129F-070F-6E5756021AD2}"/>
+          </ac:spMkLst>
+        </pc:spChg>
+      </pc:sldChg>
+      <pc:sldChg chg="addSp modSp">
+        <pc:chgData name="PEREZ VERGARA MELANY" userId="S::m.perezvergara@uandresbello.edu::d95698a7-632e-4c03-ab0f-564477513d69" providerId="AD" clId="Web-{8B2F917D-2423-460C-A75A-8077774D9459}" dt="2024-05-31T00:19:15.292" v="24" actId="20577"/>
+        <pc:sldMkLst>
+          <pc:docMk/>
+          <pc:sldMk cId="3519697008" sldId="310"/>
+        </pc:sldMkLst>
+        <pc:spChg chg="add mod">
+          <ac:chgData name="PEREZ VERGARA MELANY" userId="S::m.perezvergara@uandresbello.edu::d95698a7-632e-4c03-ab0f-564477513d69" providerId="AD" clId="Web-{8B2F917D-2423-460C-A75A-8077774D9459}" dt="2024-05-31T00:19:15.292" v="24" actId="20577"/>
+          <ac:spMkLst>
+            <pc:docMk/>
+            <pc:sldMk cId="3519697008" sldId="310"/>
+            <ac:spMk id="4" creationId="{F02CF29A-A715-31C0-1FB3-036601D6E4EA}"/>
+          </ac:spMkLst>
+        </pc:spChg>
+      </pc:sldChg>
+      <pc:sldChg chg="addSp modSp">
+        <pc:chgData name="PEREZ VERGARA MELANY" userId="S::m.perezvergara@uandresbello.edu::d95698a7-632e-4c03-ab0f-564477513d69" providerId="AD" clId="Web-{8B2F917D-2423-460C-A75A-8077774D9459}" dt="2024-05-31T00:29:10.164" v="288" actId="20577"/>
+        <pc:sldMkLst>
+          <pc:docMk/>
+          <pc:sldMk cId="3036640731" sldId="313"/>
+        </pc:sldMkLst>
+        <pc:spChg chg="add mod">
+          <ac:chgData name="PEREZ VERGARA MELANY" userId="S::m.perezvergara@uandresbello.edu::d95698a7-632e-4c03-ab0f-564477513d69" providerId="AD" clId="Web-{8B2F917D-2423-460C-A75A-8077774D9459}" dt="2024-05-31T00:29:10.164" v="288" actId="20577"/>
+          <ac:spMkLst>
+            <pc:docMk/>
+            <pc:sldMk cId="3036640731" sldId="313"/>
+            <ac:spMk id="4" creationId="{81550CC3-3652-B4BA-6728-9FE3F2D0F19F}"/>
+          </ac:spMkLst>
+        </pc:spChg>
+      </pc:sldChg>
+      <pc:sldChg chg="addSp modSp">
+        <pc:chgData name="PEREZ VERGARA MELANY" userId="S::m.perezvergara@uandresbello.edu::d95698a7-632e-4c03-ab0f-564477513d69" providerId="AD" clId="Web-{8B2F917D-2423-460C-A75A-8077774D9459}" dt="2024-05-31T00:28:33.677" v="243" actId="20577"/>
+        <pc:sldMkLst>
+          <pc:docMk/>
+          <pc:sldMk cId="2591914574" sldId="314"/>
+        </pc:sldMkLst>
+        <pc:spChg chg="add mod">
+          <ac:chgData name="PEREZ VERGARA MELANY" userId="S::m.perezvergara@uandresbello.edu::d95698a7-632e-4c03-ab0f-564477513d69" providerId="AD" clId="Web-{8B2F917D-2423-460C-A75A-8077774D9459}" dt="2024-05-31T00:28:33.677" v="243" actId="20577"/>
+          <ac:spMkLst>
+            <pc:docMk/>
+            <pc:sldMk cId="2591914574" sldId="314"/>
+            <ac:spMk id="4" creationId="{0DE6162D-C13D-397C-C9D8-D8586A50C6D7}"/>
+          </ac:spMkLst>
+        </pc:spChg>
+      </pc:sldChg>
+      <pc:sldChg chg="addSp modSp">
+        <pc:chgData name="PEREZ VERGARA MELANY" userId="S::m.perezvergara@uandresbello.edu::d95698a7-632e-4c03-ab0f-564477513d69" providerId="AD" clId="Web-{8B2F917D-2423-460C-A75A-8077774D9459}" dt="2024-05-31T00:28:03.785" v="206" actId="20577"/>
+        <pc:sldMkLst>
+          <pc:docMk/>
+          <pc:sldMk cId="1385646645" sldId="315"/>
+        </pc:sldMkLst>
+        <pc:spChg chg="add mod">
+          <ac:chgData name="PEREZ VERGARA MELANY" userId="S::m.perezvergara@uandresbello.edu::d95698a7-632e-4c03-ab0f-564477513d69" providerId="AD" clId="Web-{8B2F917D-2423-460C-A75A-8077774D9459}" dt="2024-05-31T00:28:03.785" v="206" actId="20577"/>
+          <ac:spMkLst>
+            <pc:docMk/>
+            <pc:sldMk cId="1385646645" sldId="315"/>
+            <ac:spMk id="4" creationId="{1B472DC2-177A-CBA7-EDAD-E731AD6275AF}"/>
+          </ac:spMkLst>
+        </pc:spChg>
+      </pc:sldChg>
+      <pc:sldChg chg="addSp modSp">
+        <pc:chgData name="PEREZ VERGARA MELANY" userId="S::m.perezvergara@uandresbello.edu::d95698a7-632e-4c03-ab0f-564477513d69" providerId="AD" clId="Web-{8B2F917D-2423-460C-A75A-8077774D9459}" dt="2024-05-31T00:25:58.228" v="106" actId="20577"/>
+        <pc:sldMkLst>
+          <pc:docMk/>
+          <pc:sldMk cId="3846956206" sldId="316"/>
+        </pc:sldMkLst>
+        <pc:spChg chg="add mod">
+          <ac:chgData name="PEREZ VERGARA MELANY" userId="S::m.perezvergara@uandresbello.edu::d95698a7-632e-4c03-ab0f-564477513d69" providerId="AD" clId="Web-{8B2F917D-2423-460C-A75A-8077774D9459}" dt="2024-05-31T00:25:58.228" v="106" actId="20577"/>
+          <ac:spMkLst>
+            <pc:docMk/>
+            <pc:sldMk cId="3846956206" sldId="316"/>
+            <ac:spMk id="4" creationId="{73CE5B8F-7D30-91F7-1251-F37FF484EFCF}"/>
+          </ac:spMkLst>
+        </pc:spChg>
+      </pc:sldChg>
+      <pc:sldChg chg="modSp">
+        <pc:chgData name="PEREZ VERGARA MELANY" userId="S::m.perezvergara@uandresbello.edu::d95698a7-632e-4c03-ab0f-564477513d69" providerId="AD" clId="Web-{8B2F917D-2423-460C-A75A-8077774D9459}" dt="2024-05-31T02:21:51.617" v="1127" actId="20577"/>
+        <pc:sldMkLst>
+          <pc:docMk/>
+          <pc:sldMk cId="923601911" sldId="317"/>
+        </pc:sldMkLst>
+        <pc:spChg chg="mod">
+          <ac:chgData name="PEREZ VERGARA MELANY" userId="S::m.perezvergara@uandresbello.edu::d95698a7-632e-4c03-ab0f-564477513d69" providerId="AD" clId="Web-{8B2F917D-2423-460C-A75A-8077774D9459}" dt="2024-05-31T02:21:51.617" v="1127" actId="20577"/>
+          <ac:spMkLst>
+            <pc:docMk/>
+            <pc:sldMk cId="923601911" sldId="317"/>
+            <ac:spMk id="5" creationId="{433DB7EB-7290-9321-AB65-AD0581FDF5EA}"/>
+          </ac:spMkLst>
+        </pc:spChg>
+      </pc:sldChg>
+      <pc:sldChg chg="modSp add replId">
+        <pc:chgData name="PEREZ VERGARA MELANY" userId="S::m.perezvergara@uandresbello.edu::d95698a7-632e-4c03-ab0f-564477513d69" providerId="AD" clId="Web-{8B2F917D-2423-460C-A75A-8077774D9459}" dt="2024-05-31T00:25:11.444" v="86" actId="20577"/>
+        <pc:sldMkLst>
+          <pc:docMk/>
+          <pc:sldMk cId="3881109046" sldId="319"/>
+        </pc:sldMkLst>
+        <pc:spChg chg="mod">
+          <ac:chgData name="PEREZ VERGARA MELANY" userId="S::m.perezvergara@uandresbello.edu::d95698a7-632e-4c03-ab0f-564477513d69" providerId="AD" clId="Web-{8B2F917D-2423-460C-A75A-8077774D9459}" dt="2024-05-31T00:25:11.444" v="86" actId="20577"/>
+          <ac:spMkLst>
+            <pc:docMk/>
+            <pc:sldMk cId="3881109046" sldId="319"/>
+            <ac:spMk id="4" creationId="{F02CF29A-A715-31C0-1FB3-036601D6E4EA}"/>
+          </ac:spMkLst>
+        </pc:spChg>
+      </pc:sldChg>
+      <pc:sldChg chg="modSp add replId">
+        <pc:chgData name="PEREZ VERGARA MELANY" userId="S::m.perezvergara@uandresbello.edu::d95698a7-632e-4c03-ab0f-564477513d69" providerId="AD" clId="Web-{8B2F917D-2423-460C-A75A-8077774D9459}" dt="2024-05-31T01:52:36.384" v="408" actId="20577"/>
+        <pc:sldMkLst>
+          <pc:docMk/>
+          <pc:sldMk cId="3590633937" sldId="320"/>
+        </pc:sldMkLst>
+        <pc:spChg chg="mod">
+          <ac:chgData name="PEREZ VERGARA MELANY" userId="S::m.perezvergara@uandresbello.edu::d95698a7-632e-4c03-ab0f-564477513d69" providerId="AD" clId="Web-{8B2F917D-2423-460C-A75A-8077774D9459}" dt="2024-05-31T01:52:36.384" v="408" actId="20577"/>
+          <ac:spMkLst>
+            <pc:docMk/>
+            <pc:sldMk cId="3590633937" sldId="320"/>
+            <ac:spMk id="3" creationId="{0BAEEE35-569A-C1B1-3DE8-7187348AFB7D}"/>
+          </ac:spMkLst>
+        </pc:spChg>
       </pc:sldChg>
     </pc:docChg>
   </pc:docChgLst>
@@ -3107,6 +3306,1108 @@
             <pc:docMk/>
             <pc:sldMk cId="2779685119" sldId="306"/>
             <ac:picMk id="28" creationId="{77795404-A2C2-4B03-8F96-7FBA7A67E7DE}"/>
+          </ac:picMkLst>
+        </pc:picChg>
+      </pc:sldChg>
+    </pc:docChg>
+  </pc:docChgLst>
+  <pc:docChgLst>
+    <pc:chgData name="GAMBOA ALVARADO IGNACIO G" userId="d3d0d4b5-30dd-46e6-93bb-837ddea6ad49" providerId="ADAL" clId="{8CBB8C90-6B1F-4992-B562-0E68CFD0F3DC}"/>
+    <pc:docChg chg="undo custSel addSld delSld modSld">
+      <pc:chgData name="GAMBOA ALVARADO IGNACIO G" userId="d3d0d4b5-30dd-46e6-93bb-837ddea6ad49" providerId="ADAL" clId="{8CBB8C90-6B1F-4992-B562-0E68CFD0F3DC}" dt="2024-06-01T05:22:10.811" v="3672" actId="767"/>
+      <pc:docMkLst>
+        <pc:docMk/>
+      </pc:docMkLst>
+      <pc:sldChg chg="addSp delSp modSp mod modNotesTx">
+        <pc:chgData name="GAMBOA ALVARADO IGNACIO G" userId="d3d0d4b5-30dd-46e6-93bb-837ddea6ad49" providerId="ADAL" clId="{8CBB8C90-6B1F-4992-B562-0E68CFD0F3DC}" dt="2024-05-25T22:53:27.534" v="155" actId="20577"/>
+        <pc:sldMkLst>
+          <pc:docMk/>
+          <pc:sldMk cId="1957369981" sldId="262"/>
+        </pc:sldMkLst>
+        <pc:spChg chg="add mod">
+          <ac:chgData name="GAMBOA ALVARADO IGNACIO G" userId="d3d0d4b5-30dd-46e6-93bb-837ddea6ad49" providerId="ADAL" clId="{8CBB8C90-6B1F-4992-B562-0E68CFD0F3DC}" dt="2024-05-25T22:51:06.440" v="51" actId="1076"/>
+          <ac:spMkLst>
+            <pc:docMk/>
+            <pc:sldMk cId="1957369981" sldId="262"/>
+            <ac:spMk id="3" creationId="{14CE27E0-12EF-847D-668C-1C37A72AC54A}"/>
+          </ac:spMkLst>
+        </pc:spChg>
+        <pc:spChg chg="add mod">
+          <ac:chgData name="GAMBOA ALVARADO IGNACIO G" userId="d3d0d4b5-30dd-46e6-93bb-837ddea6ad49" providerId="ADAL" clId="{8CBB8C90-6B1F-4992-B562-0E68CFD0F3DC}" dt="2024-05-25T22:53:08.941" v="125" actId="115"/>
+          <ac:spMkLst>
+            <pc:docMk/>
+            <pc:sldMk cId="1957369981" sldId="262"/>
+            <ac:spMk id="4" creationId="{2A5B1E45-4D0E-297A-AB3D-9607063D7ABF}"/>
+          </ac:spMkLst>
+        </pc:spChg>
+        <pc:spChg chg="mod">
+          <ac:chgData name="GAMBOA ALVARADO IGNACIO G" userId="d3d0d4b5-30dd-46e6-93bb-837ddea6ad49" providerId="ADAL" clId="{8CBB8C90-6B1F-4992-B562-0E68CFD0F3DC}" dt="2024-05-25T22:49:46.327" v="22" actId="1076"/>
+          <ac:spMkLst>
+            <pc:docMk/>
+            <pc:sldMk cId="1957369981" sldId="262"/>
+            <ac:spMk id="13" creationId="{00000000-0000-0000-0000-000000000000}"/>
+          </ac:spMkLst>
+        </pc:spChg>
+        <pc:picChg chg="add mod">
+          <ac:chgData name="GAMBOA ALVARADO IGNACIO G" userId="d3d0d4b5-30dd-46e6-93bb-837ddea6ad49" providerId="ADAL" clId="{8CBB8C90-6B1F-4992-B562-0E68CFD0F3DC}" dt="2024-05-25T22:49:39.514" v="21" actId="1076"/>
+          <ac:picMkLst>
+            <pc:docMk/>
+            <pc:sldMk cId="1957369981" sldId="262"/>
+            <ac:picMk id="2" creationId="{AB648918-9FDB-46EB-F89C-E9D3FFF1273B}"/>
+          </ac:picMkLst>
+        </pc:picChg>
+        <pc:picChg chg="del">
+          <ac:chgData name="GAMBOA ALVARADO IGNACIO G" userId="d3d0d4b5-30dd-46e6-93bb-837ddea6ad49" providerId="ADAL" clId="{8CBB8C90-6B1F-4992-B562-0E68CFD0F3DC}" dt="2024-05-25T22:45:54.098" v="0" actId="478"/>
+          <ac:picMkLst>
+            <pc:docMk/>
+            <pc:sldMk cId="1957369981" sldId="262"/>
+            <ac:picMk id="8" creationId="{00000000-0000-0000-0000-000000000000}"/>
+          </ac:picMkLst>
+        </pc:picChg>
+        <pc:picChg chg="mod">
+          <ac:chgData name="GAMBOA ALVARADO IGNACIO G" userId="d3d0d4b5-30dd-46e6-93bb-837ddea6ad49" providerId="ADAL" clId="{8CBB8C90-6B1F-4992-B562-0E68CFD0F3DC}" dt="2024-05-25T22:48:55.182" v="17" actId="1076"/>
+          <ac:picMkLst>
+            <pc:docMk/>
+            <pc:sldMk cId="1957369981" sldId="262"/>
+            <ac:picMk id="9" creationId="{00000000-0000-0000-0000-000000000000}"/>
+          </ac:picMkLst>
+        </pc:picChg>
+        <pc:picChg chg="mod">
+          <ac:chgData name="GAMBOA ALVARADO IGNACIO G" userId="d3d0d4b5-30dd-46e6-93bb-837ddea6ad49" providerId="ADAL" clId="{8CBB8C90-6B1F-4992-B562-0E68CFD0F3DC}" dt="2024-05-25T22:49:24.864" v="20" actId="1076"/>
+          <ac:picMkLst>
+            <pc:docMk/>
+            <pc:sldMk cId="1957369981" sldId="262"/>
+            <ac:picMk id="10" creationId="{00000000-0000-0000-0000-000000000000}"/>
+          </ac:picMkLst>
+        </pc:picChg>
+      </pc:sldChg>
+      <pc:sldChg chg="addSp delSp modSp mod modNotesTx">
+        <pc:chgData name="GAMBOA ALVARADO IGNACIO G" userId="d3d0d4b5-30dd-46e6-93bb-837ddea6ad49" providerId="ADAL" clId="{8CBB8C90-6B1F-4992-B562-0E68CFD0F3DC}" dt="2024-06-01T03:49:53.535" v="1962" actId="1076"/>
+        <pc:sldMkLst>
+          <pc:docMk/>
+          <pc:sldMk cId="1761978179" sldId="303"/>
+        </pc:sldMkLst>
+        <pc:spChg chg="mod">
+          <ac:chgData name="GAMBOA ALVARADO IGNACIO G" userId="d3d0d4b5-30dd-46e6-93bb-837ddea6ad49" providerId="ADAL" clId="{8CBB8C90-6B1F-4992-B562-0E68CFD0F3DC}" dt="2024-05-25T23:01:26.637" v="850" actId="313"/>
+          <ac:spMkLst>
+            <pc:docMk/>
+            <pc:sldMk cId="1761978179" sldId="303"/>
+            <ac:spMk id="5" creationId="{699E2788-EBE2-45DF-9C0B-D666080A46A9}"/>
+          </ac:spMkLst>
+        </pc:spChg>
+        <pc:spChg chg="mod">
+          <ac:chgData name="GAMBOA ALVARADO IGNACIO G" userId="d3d0d4b5-30dd-46e6-93bb-837ddea6ad49" providerId="ADAL" clId="{8CBB8C90-6B1F-4992-B562-0E68CFD0F3DC}" dt="2024-05-25T23:05:17.306" v="1108" actId="20577"/>
+          <ac:spMkLst>
+            <pc:docMk/>
+            <pc:sldMk cId="1761978179" sldId="303"/>
+            <ac:spMk id="6" creationId="{9DEC9D77-6AA7-4B6B-881C-F31DAAE1DB2A}"/>
+          </ac:spMkLst>
+        </pc:spChg>
+        <pc:spChg chg="del mod">
+          <ac:chgData name="GAMBOA ALVARADO IGNACIO G" userId="d3d0d4b5-30dd-46e6-93bb-837ddea6ad49" providerId="ADAL" clId="{8CBB8C90-6B1F-4992-B562-0E68CFD0F3DC}" dt="2024-06-01T03:23:57.779" v="1438" actId="478"/>
+          <ac:spMkLst>
+            <pc:docMk/>
+            <pc:sldMk cId="1761978179" sldId="303"/>
+            <ac:spMk id="8" creationId="{8E5AB793-981F-4F0C-993F-B574912D895B}"/>
+          </ac:spMkLst>
+        </pc:spChg>
+        <pc:spChg chg="mod">
+          <ac:chgData name="GAMBOA ALVARADO IGNACIO G" userId="d3d0d4b5-30dd-46e6-93bb-837ddea6ad49" providerId="ADAL" clId="{8CBB8C90-6B1F-4992-B562-0E68CFD0F3DC}" dt="2024-05-25T22:59:54.044" v="747" actId="20577"/>
+          <ac:spMkLst>
+            <pc:docMk/>
+            <pc:sldMk cId="1761978179" sldId="303"/>
+            <ac:spMk id="10" creationId="{DC1D303F-E600-4ACE-9AB7-C6AEB05050D4}"/>
+          </ac:spMkLst>
+        </pc:spChg>
+        <pc:spChg chg="mod">
+          <ac:chgData name="GAMBOA ALVARADO IGNACIO G" userId="d3d0d4b5-30dd-46e6-93bb-837ddea6ad49" providerId="ADAL" clId="{8CBB8C90-6B1F-4992-B562-0E68CFD0F3DC}" dt="2024-05-25T23:03:38.271" v="875" actId="20577"/>
+          <ac:spMkLst>
+            <pc:docMk/>
+            <pc:sldMk cId="1761978179" sldId="303"/>
+            <ac:spMk id="11" creationId="{ACB6F962-DADC-4482-8A69-766A19968AF5}"/>
+          </ac:spMkLst>
+        </pc:spChg>
+        <pc:spChg chg="add del mod">
+          <ac:chgData name="GAMBOA ALVARADO IGNACIO G" userId="d3d0d4b5-30dd-46e6-93bb-837ddea6ad49" providerId="ADAL" clId="{8CBB8C90-6B1F-4992-B562-0E68CFD0F3DC}" dt="2024-05-25T23:10:21.783" v="1180" actId="20577"/>
+          <ac:spMkLst>
+            <pc:docMk/>
+            <pc:sldMk cId="1761978179" sldId="303"/>
+            <ac:spMk id="12" creationId="{A3A365B2-B2DE-4D2C-92CE-32C0611969DB}"/>
+          </ac:spMkLst>
+        </pc:spChg>
+        <pc:spChg chg="mod">
+          <ac:chgData name="GAMBOA ALVARADO IGNACIO G" userId="d3d0d4b5-30dd-46e6-93bb-837ddea6ad49" providerId="ADAL" clId="{8CBB8C90-6B1F-4992-B562-0E68CFD0F3DC}" dt="2024-05-25T23:05:32.844" v="1111" actId="1076"/>
+          <ac:spMkLst>
+            <pc:docMk/>
+            <pc:sldMk cId="1761978179" sldId="303"/>
+            <ac:spMk id="21" creationId="{6A548F58-8CF8-4D0C-8871-44C1700A4D4B}"/>
+          </ac:spMkLst>
+        </pc:spChg>
+        <pc:spChg chg="mod">
+          <ac:chgData name="GAMBOA ALVARADO IGNACIO G" userId="d3d0d4b5-30dd-46e6-93bb-837ddea6ad49" providerId="ADAL" clId="{8CBB8C90-6B1F-4992-B562-0E68CFD0F3DC}" dt="2024-05-25T23:11:36.767" v="1182" actId="1076"/>
+          <ac:spMkLst>
+            <pc:docMk/>
+            <pc:sldMk cId="1761978179" sldId="303"/>
+            <ac:spMk id="23" creationId="{73182A38-D6DF-453D-921E-315EFA20E2ED}"/>
+          </ac:spMkLst>
+        </pc:spChg>
+        <pc:spChg chg="add mod">
+          <ac:chgData name="GAMBOA ALVARADO IGNACIO G" userId="d3d0d4b5-30dd-46e6-93bb-837ddea6ad49" providerId="ADAL" clId="{8CBB8C90-6B1F-4992-B562-0E68CFD0F3DC}" dt="2024-06-01T03:31:46.095" v="1961" actId="14100"/>
+          <ac:spMkLst>
+            <pc:docMk/>
+            <pc:sldMk cId="1761978179" sldId="303"/>
+            <ac:spMk id="26" creationId="{2B2A1C34-0C7B-3BAA-D860-83BE81B9519E}"/>
+          </ac:spMkLst>
+        </pc:spChg>
+        <pc:spChg chg="add mod">
+          <ac:chgData name="GAMBOA ALVARADO IGNACIO G" userId="d3d0d4b5-30dd-46e6-93bb-837ddea6ad49" providerId="ADAL" clId="{8CBB8C90-6B1F-4992-B562-0E68CFD0F3DC}" dt="2024-06-01T03:26:57.370" v="1685" actId="313"/>
+          <ac:spMkLst>
+            <pc:docMk/>
+            <pc:sldMk cId="1761978179" sldId="303"/>
+            <ac:spMk id="27" creationId="{ED1F46E0-EC65-7867-9F65-EE351533189C}"/>
+          </ac:spMkLst>
+        </pc:spChg>
+        <pc:spChg chg="add mod">
+          <ac:chgData name="GAMBOA ALVARADO IGNACIO G" userId="d3d0d4b5-30dd-46e6-93bb-837ddea6ad49" providerId="ADAL" clId="{8CBB8C90-6B1F-4992-B562-0E68CFD0F3DC}" dt="2024-06-01T03:49:53.535" v="1962" actId="1076"/>
+          <ac:spMkLst>
+            <pc:docMk/>
+            <pc:sldMk cId="1761978179" sldId="303"/>
+            <ac:spMk id="28" creationId="{94092F7A-7B84-2D3C-3484-E35BBF0CCE44}"/>
+          </ac:spMkLst>
+        </pc:spChg>
+        <pc:cxnChg chg="mod">
+          <ac:chgData name="GAMBOA ALVARADO IGNACIO G" userId="d3d0d4b5-30dd-46e6-93bb-837ddea6ad49" providerId="ADAL" clId="{8CBB8C90-6B1F-4992-B562-0E68CFD0F3DC}" dt="2024-05-25T23:05:28.013" v="1110" actId="1076"/>
+          <ac:cxnSpMkLst>
+            <pc:docMk/>
+            <pc:sldMk cId="1761978179" sldId="303"/>
+            <ac:cxnSpMk id="22" creationId="{6A7DB234-E311-4E3B-AE05-EF5CB163CB48}"/>
+          </ac:cxnSpMkLst>
+        </pc:cxnChg>
+      </pc:sldChg>
+      <pc:sldChg chg="addSp modSp mod modNotesTx">
+        <pc:chgData name="GAMBOA ALVARADO IGNACIO G" userId="d3d0d4b5-30dd-46e6-93bb-837ddea6ad49" providerId="ADAL" clId="{8CBB8C90-6B1F-4992-B562-0E68CFD0F3DC}" dt="2024-06-01T04:38:08.094" v="3444" actId="20577"/>
+        <pc:sldMkLst>
+          <pc:docMk/>
+          <pc:sldMk cId="3105322462" sldId="304"/>
+        </pc:sldMkLst>
+        <pc:spChg chg="mod">
+          <ac:chgData name="GAMBOA ALVARADO IGNACIO G" userId="d3d0d4b5-30dd-46e6-93bb-837ddea6ad49" providerId="ADAL" clId="{8CBB8C90-6B1F-4992-B562-0E68CFD0F3DC}" dt="2024-06-01T04:17:58.985" v="2895" actId="1076"/>
+          <ac:spMkLst>
+            <pc:docMk/>
+            <pc:sldMk cId="3105322462" sldId="304"/>
+            <ac:spMk id="3" creationId="{70866F9F-102C-0AFC-BCE5-4E8C73321E74}"/>
+          </ac:spMkLst>
+        </pc:spChg>
+        <pc:spChg chg="add mod">
+          <ac:chgData name="GAMBOA ALVARADO IGNACIO G" userId="d3d0d4b5-30dd-46e6-93bb-837ddea6ad49" providerId="ADAL" clId="{8CBB8C90-6B1F-4992-B562-0E68CFD0F3DC}" dt="2024-06-01T04:02:59.809" v="2069" actId="5793"/>
+          <ac:spMkLst>
+            <pc:docMk/>
+            <pc:sldMk cId="3105322462" sldId="304"/>
+            <ac:spMk id="4" creationId="{EEA275FB-ED52-4BCD-05AE-B6BA779E2070}"/>
+          </ac:spMkLst>
+        </pc:spChg>
+        <pc:graphicFrameChg chg="add mod modGraphic">
+          <ac:chgData name="GAMBOA ALVARADO IGNACIO G" userId="d3d0d4b5-30dd-46e6-93bb-837ddea6ad49" providerId="ADAL" clId="{8CBB8C90-6B1F-4992-B562-0E68CFD0F3DC}" dt="2024-06-01T04:38:08.094" v="3444" actId="20577"/>
+          <ac:graphicFrameMkLst>
+            <pc:docMk/>
+            <pc:sldMk cId="3105322462" sldId="304"/>
+            <ac:graphicFrameMk id="5" creationId="{959537D5-D76F-6DF9-5CB3-DF6A44E57EB5}"/>
+          </ac:graphicFrameMkLst>
+        </pc:graphicFrameChg>
+      </pc:sldChg>
+      <pc:sldChg chg="addSp delSp modSp mod modNotesTx">
+        <pc:chgData name="GAMBOA ALVARADO IGNACIO G" userId="d3d0d4b5-30dd-46e6-93bb-837ddea6ad49" providerId="ADAL" clId="{8CBB8C90-6B1F-4992-B562-0E68CFD0F3DC}" dt="2024-05-29T02:40:54.514" v="1432" actId="14100"/>
+        <pc:sldMkLst>
+          <pc:docMk/>
+          <pc:sldMk cId="743564996" sldId="305"/>
+        </pc:sldMkLst>
+        <pc:spChg chg="mod">
+          <ac:chgData name="GAMBOA ALVARADO IGNACIO G" userId="d3d0d4b5-30dd-46e6-93bb-837ddea6ad49" providerId="ADAL" clId="{8CBB8C90-6B1F-4992-B562-0E68CFD0F3DC}" dt="2024-05-29T02:40:54.514" v="1432" actId="14100"/>
+          <ac:spMkLst>
+            <pc:docMk/>
+            <pc:sldMk cId="743564996" sldId="305"/>
+            <ac:spMk id="6" creationId="{FB8A4123-D4C1-6BEA-4F37-6EBC698865AE}"/>
+          </ac:spMkLst>
+        </pc:spChg>
+        <pc:spChg chg="add del">
+          <ac:chgData name="GAMBOA ALVARADO IGNACIO G" userId="d3d0d4b5-30dd-46e6-93bb-837ddea6ad49" providerId="ADAL" clId="{8CBB8C90-6B1F-4992-B562-0E68CFD0F3DC}" dt="2024-05-26T21:24:52.958" v="1430" actId="22"/>
+          <ac:spMkLst>
+            <pc:docMk/>
+            <pc:sldMk cId="743564996" sldId="305"/>
+            <ac:spMk id="8" creationId="{9087CC75-65C4-2427-163E-A49E235D6F83}"/>
+          </ac:spMkLst>
+        </pc:spChg>
+      </pc:sldChg>
+      <pc:sldChg chg="addSp delSp modSp mod modNotesTx">
+        <pc:chgData name="GAMBOA ALVARADO IGNACIO G" userId="d3d0d4b5-30dd-46e6-93bb-837ddea6ad49" providerId="ADAL" clId="{8CBB8C90-6B1F-4992-B562-0E68CFD0F3DC}" dt="2024-06-01T03:55:12.290" v="1997" actId="732"/>
+        <pc:sldMkLst>
+          <pc:docMk/>
+          <pc:sldMk cId="2146413309" sldId="307"/>
+        </pc:sldMkLst>
+        <pc:spChg chg="mod">
+          <ac:chgData name="GAMBOA ALVARADO IGNACIO G" userId="d3d0d4b5-30dd-46e6-93bb-837ddea6ad49" providerId="ADAL" clId="{8CBB8C90-6B1F-4992-B562-0E68CFD0F3DC}" dt="2024-06-01T03:54:36.873" v="1991" actId="313"/>
+          <ac:spMkLst>
+            <pc:docMk/>
+            <pc:sldMk cId="2146413309" sldId="307"/>
+            <ac:spMk id="3" creationId="{0BAEEE35-569A-C1B1-3DE8-7187348AFB7D}"/>
+          </ac:spMkLst>
+        </pc:spChg>
+        <pc:spChg chg="mod">
+          <ac:chgData name="GAMBOA ALVARADO IGNACIO G" userId="d3d0d4b5-30dd-46e6-93bb-837ddea6ad49" providerId="ADAL" clId="{8CBB8C90-6B1F-4992-B562-0E68CFD0F3DC}" dt="2024-06-01T03:54:49.066" v="1993" actId="313"/>
+          <ac:spMkLst>
+            <pc:docMk/>
+            <pc:sldMk cId="2146413309" sldId="307"/>
+            <ac:spMk id="4" creationId="{5B7B5083-F57A-B985-7ADB-21826FFA6E75}"/>
+          </ac:spMkLst>
+        </pc:spChg>
+        <pc:spChg chg="del mod">
+          <ac:chgData name="GAMBOA ALVARADO IGNACIO G" userId="d3d0d4b5-30dd-46e6-93bb-837ddea6ad49" providerId="ADAL" clId="{8CBB8C90-6B1F-4992-B562-0E68CFD0F3DC}" dt="2024-06-01T03:53:10.109" v="1975" actId="478"/>
+          <ac:spMkLst>
+            <pc:docMk/>
+            <pc:sldMk cId="2146413309" sldId="307"/>
+            <ac:spMk id="5" creationId="{63B915FF-A735-D93C-6AAE-86AF5336C87F}"/>
+          </ac:spMkLst>
+        </pc:spChg>
+        <pc:grpChg chg="add mod">
+          <ac:chgData name="GAMBOA ALVARADO IGNACIO G" userId="d3d0d4b5-30dd-46e6-93bb-837ddea6ad49" providerId="ADAL" clId="{8CBB8C90-6B1F-4992-B562-0E68CFD0F3DC}" dt="2024-06-01T03:53:21.948" v="1977" actId="1076"/>
+          <ac:grpSpMkLst>
+            <pc:docMk/>
+            <pc:sldMk cId="2146413309" sldId="307"/>
+            <ac:grpSpMk id="9" creationId="{96701FC6-C7DB-43AB-9E52-DDEF406705AF}"/>
+          </ac:grpSpMkLst>
+        </pc:grpChg>
+        <pc:grpChg chg="add mod">
+          <ac:chgData name="GAMBOA ALVARADO IGNACIO G" userId="d3d0d4b5-30dd-46e6-93bb-837ddea6ad49" providerId="ADAL" clId="{8CBB8C90-6B1F-4992-B562-0E68CFD0F3DC}" dt="2024-06-01T03:54:16.301" v="1986" actId="164"/>
+          <ac:grpSpMkLst>
+            <pc:docMk/>
+            <pc:sldMk cId="2146413309" sldId="307"/>
+            <ac:grpSpMk id="10" creationId="{890D923B-D315-6FB7-9D82-017A84933131}"/>
+          </ac:grpSpMkLst>
+        </pc:grpChg>
+        <pc:picChg chg="del">
+          <ac:chgData name="GAMBOA ALVARADO IGNACIO G" userId="d3d0d4b5-30dd-46e6-93bb-837ddea6ad49" providerId="ADAL" clId="{8CBB8C90-6B1F-4992-B562-0E68CFD0F3DC}" dt="2024-06-01T03:53:10.109" v="1975" actId="478"/>
+          <ac:picMkLst>
+            <pc:docMk/>
+            <pc:sldMk cId="2146413309" sldId="307"/>
+            <ac:picMk id="8" creationId="{B1A89EE9-E8D2-1219-B80A-D87D46B51C10}"/>
+          </ac:picMkLst>
+        </pc:picChg>
+        <pc:picChg chg="mod modCrop">
+          <ac:chgData name="GAMBOA ALVARADO IGNACIO G" userId="d3d0d4b5-30dd-46e6-93bb-837ddea6ad49" providerId="ADAL" clId="{8CBB8C90-6B1F-4992-B562-0E68CFD0F3DC}" dt="2024-06-01T03:54:33.277" v="1990" actId="1076"/>
+          <ac:picMkLst>
+            <pc:docMk/>
+            <pc:sldMk cId="2146413309" sldId="307"/>
+            <ac:picMk id="12" creationId="{358731CA-9DDB-8429-7152-EF2F915F03A6}"/>
+          </ac:picMkLst>
+        </pc:picChg>
+        <pc:picChg chg="mod modCrop">
+          <ac:chgData name="GAMBOA ALVARADO IGNACIO G" userId="d3d0d4b5-30dd-46e6-93bb-837ddea6ad49" providerId="ADAL" clId="{8CBB8C90-6B1F-4992-B562-0E68CFD0F3DC}" dt="2024-06-01T03:55:12.290" v="1997" actId="732"/>
+          <ac:picMkLst>
+            <pc:docMk/>
+            <pc:sldMk cId="2146413309" sldId="307"/>
+            <ac:picMk id="13" creationId="{B2E51727-3148-CD7B-EDE9-2BA4043B24B7}"/>
+          </ac:picMkLst>
+        </pc:picChg>
+      </pc:sldChg>
+      <pc:sldChg chg="addSp delSp modSp mod">
+        <pc:chgData name="GAMBOA ALVARADO IGNACIO G" userId="d3d0d4b5-30dd-46e6-93bb-837ddea6ad49" providerId="ADAL" clId="{8CBB8C90-6B1F-4992-B562-0E68CFD0F3DC}" dt="2024-06-01T05:22:10.811" v="3672" actId="767"/>
+        <pc:sldMkLst>
+          <pc:docMk/>
+          <pc:sldMk cId="4018481977" sldId="309"/>
+        </pc:sldMkLst>
+        <pc:spChg chg="mod">
+          <ac:chgData name="GAMBOA ALVARADO IGNACIO G" userId="d3d0d4b5-30dd-46e6-93bb-837ddea6ad49" providerId="ADAL" clId="{8CBB8C90-6B1F-4992-B562-0E68CFD0F3DC}" dt="2024-06-01T05:20:19.099" v="3661"/>
+          <ac:spMkLst>
+            <pc:docMk/>
+            <pc:sldMk cId="4018481977" sldId="309"/>
+            <ac:spMk id="5" creationId="{09B41D9B-D235-7986-0442-3276878DB998}"/>
+          </ac:spMkLst>
+        </pc:spChg>
+        <pc:spChg chg="add mod">
+          <ac:chgData name="GAMBOA ALVARADO IGNACIO G" userId="d3d0d4b5-30dd-46e6-93bb-837ddea6ad49" providerId="ADAL" clId="{8CBB8C90-6B1F-4992-B562-0E68CFD0F3DC}" dt="2024-06-01T05:22:10.811" v="3672" actId="767"/>
+          <ac:spMkLst>
+            <pc:docMk/>
+            <pc:sldMk cId="4018481977" sldId="309"/>
+            <ac:spMk id="8" creationId="{A3823928-7BF1-29DE-04D0-B820FFAC5B27}"/>
+          </ac:spMkLst>
+        </pc:spChg>
+        <pc:picChg chg="add del">
+          <ac:chgData name="GAMBOA ALVARADO IGNACIO G" userId="d3d0d4b5-30dd-46e6-93bb-837ddea6ad49" providerId="ADAL" clId="{8CBB8C90-6B1F-4992-B562-0E68CFD0F3DC}" dt="2024-06-01T05:19:33.995" v="3656" actId="478"/>
+          <ac:picMkLst>
+            <pc:docMk/>
+            <pc:sldMk cId="4018481977" sldId="309"/>
+            <ac:picMk id="3" creationId="{6580C656-CCDD-CD37-2F0D-B0DFEEDB8BFE}"/>
+          </ac:picMkLst>
+        </pc:picChg>
+        <pc:picChg chg="add mod modCrop">
+          <ac:chgData name="GAMBOA ALVARADO IGNACIO G" userId="d3d0d4b5-30dd-46e6-93bb-837ddea6ad49" providerId="ADAL" clId="{8CBB8C90-6B1F-4992-B562-0E68CFD0F3DC}" dt="2024-06-01T05:21:20.691" v="3671" actId="1076"/>
+          <ac:picMkLst>
+            <pc:docMk/>
+            <pc:sldMk cId="4018481977" sldId="309"/>
+            <ac:picMk id="6" creationId="{0C0C8E64-D263-CCBE-C0C4-99E6E32043DF}"/>
+          </ac:picMkLst>
+        </pc:picChg>
+      </pc:sldChg>
+      <pc:sldChg chg="addSp modSp mod">
+        <pc:chgData name="GAMBOA ALVARADO IGNACIO G" userId="d3d0d4b5-30dd-46e6-93bb-837ddea6ad49" providerId="ADAL" clId="{8CBB8C90-6B1F-4992-B562-0E68CFD0F3DC}" dt="2024-06-01T05:17:49.539" v="3654" actId="12385"/>
+        <pc:sldMkLst>
+          <pc:docMk/>
+          <pc:sldMk cId="3519697008" sldId="310"/>
+        </pc:sldMkLst>
+        <pc:spChg chg="add mod">
+          <ac:chgData name="GAMBOA ALVARADO IGNACIO G" userId="d3d0d4b5-30dd-46e6-93bb-837ddea6ad49" providerId="ADAL" clId="{8CBB8C90-6B1F-4992-B562-0E68CFD0F3DC}" dt="2024-06-01T04:24:36.776" v="3429" actId="33524"/>
+          <ac:spMkLst>
+            <pc:docMk/>
+            <pc:sldMk cId="3519697008" sldId="310"/>
+            <ac:spMk id="3" creationId="{B6C850FC-190B-34A9-4BD3-C95264AD8591}"/>
+          </ac:spMkLst>
+        </pc:spChg>
+        <pc:graphicFrameChg chg="add mod modGraphic">
+          <ac:chgData name="GAMBOA ALVARADO IGNACIO G" userId="d3d0d4b5-30dd-46e6-93bb-837ddea6ad49" providerId="ADAL" clId="{8CBB8C90-6B1F-4992-B562-0E68CFD0F3DC}" dt="2024-06-01T05:17:49.539" v="3654" actId="12385"/>
+          <ac:graphicFrameMkLst>
+            <pc:docMk/>
+            <pc:sldMk cId="3519697008" sldId="310"/>
+            <ac:graphicFrameMk id="5" creationId="{9764C628-B247-6430-4B06-BA4EE4A0F15F}"/>
+          </ac:graphicFrameMkLst>
+        </pc:graphicFrameChg>
+      </pc:sldChg>
+      <pc:sldChg chg="addSp modSp mod">
+        <pc:chgData name="GAMBOA ALVARADO IGNACIO G" userId="d3d0d4b5-30dd-46e6-93bb-837ddea6ad49" providerId="ADAL" clId="{8CBB8C90-6B1F-4992-B562-0E68CFD0F3DC}" dt="2024-06-01T05:08:39.587" v="3554" actId="20577"/>
+        <pc:sldMkLst>
+          <pc:docMk/>
+          <pc:sldMk cId="3846956206" sldId="316"/>
+        </pc:sldMkLst>
+        <pc:spChg chg="add mod">
+          <ac:chgData name="GAMBOA ALVARADO IGNACIO G" userId="d3d0d4b5-30dd-46e6-93bb-837ddea6ad49" providerId="ADAL" clId="{8CBB8C90-6B1F-4992-B562-0E68CFD0F3DC}" dt="2024-06-01T05:08:39.587" v="3554" actId="20577"/>
+          <ac:spMkLst>
+            <pc:docMk/>
+            <pc:sldMk cId="3846956206" sldId="316"/>
+            <ac:spMk id="5" creationId="{8BBE7EF7-3202-DE81-8BE6-B3A027B2AF55}"/>
+          </ac:spMkLst>
+        </pc:spChg>
+        <pc:picChg chg="mod modCrop">
+          <ac:chgData name="GAMBOA ALVARADO IGNACIO G" userId="d3d0d4b5-30dd-46e6-93bb-837ddea6ad49" providerId="ADAL" clId="{8CBB8C90-6B1F-4992-B562-0E68CFD0F3DC}" dt="2024-06-01T05:07:20.674" v="3457" actId="1076"/>
+          <ac:picMkLst>
+            <pc:docMk/>
+            <pc:sldMk cId="3846956206" sldId="316"/>
+            <ac:picMk id="3" creationId="{A662CC04-D783-BA43-44B0-652FCDCE9BAC}"/>
+          </ac:picMkLst>
+        </pc:picChg>
+      </pc:sldChg>
+      <pc:sldChg chg="add del">
+        <pc:chgData name="GAMBOA ALVARADO IGNACIO G" userId="d3d0d4b5-30dd-46e6-93bb-837ddea6ad49" providerId="ADAL" clId="{8CBB8C90-6B1F-4992-B562-0E68CFD0F3DC}" dt="2024-05-25T23:00:35.106" v="784" actId="2890"/>
+        <pc:sldMkLst>
+          <pc:docMk/>
+          <pc:sldMk cId="3835194171" sldId="317"/>
+        </pc:sldMkLst>
+      </pc:sldChg>
+      <pc:sldChg chg="modSp mod">
+        <pc:chgData name="GAMBOA ALVARADO IGNACIO G" userId="d3d0d4b5-30dd-46e6-93bb-837ddea6ad49" providerId="ADAL" clId="{8CBB8C90-6B1F-4992-B562-0E68CFD0F3DC}" dt="2024-06-01T05:09:10.545" v="3557" actId="1076"/>
+        <pc:sldMkLst>
+          <pc:docMk/>
+          <pc:sldMk cId="3881109046" sldId="319"/>
+        </pc:sldMkLst>
+        <pc:picChg chg="mod modCrop">
+          <ac:chgData name="GAMBOA ALVARADO IGNACIO G" userId="d3d0d4b5-30dd-46e6-93bb-837ddea6ad49" providerId="ADAL" clId="{8CBB8C90-6B1F-4992-B562-0E68CFD0F3DC}" dt="2024-06-01T05:09:10.545" v="3557" actId="1076"/>
+          <ac:picMkLst>
+            <pc:docMk/>
+            <pc:sldMk cId="3881109046" sldId="319"/>
+            <ac:picMk id="3" creationId="{26F7DDE7-2481-2E5D-0327-89A9CAB01349}"/>
+          </ac:picMkLst>
+        </pc:picChg>
+      </pc:sldChg>
+      <pc:sldChg chg="addSp delSp modSp mod">
+        <pc:chgData name="GAMBOA ALVARADO IGNACIO G" userId="d3d0d4b5-30dd-46e6-93bb-837ddea6ad49" providerId="ADAL" clId="{8CBB8C90-6B1F-4992-B562-0E68CFD0F3DC}" dt="2024-06-01T03:55:34.786" v="2000" actId="732"/>
+        <pc:sldMkLst>
+          <pc:docMk/>
+          <pc:sldMk cId="3590633937" sldId="320"/>
+        </pc:sldMkLst>
+        <pc:spChg chg="mod">
+          <ac:chgData name="GAMBOA ALVARADO IGNACIO G" userId="d3d0d4b5-30dd-46e6-93bb-837ddea6ad49" providerId="ADAL" clId="{8CBB8C90-6B1F-4992-B562-0E68CFD0F3DC}" dt="2024-06-01T03:52:29.419" v="1968" actId="164"/>
+          <ac:spMkLst>
+            <pc:docMk/>
+            <pc:sldMk cId="3590633937" sldId="320"/>
+            <ac:spMk id="3" creationId="{0BAEEE35-569A-C1B1-3DE8-7187348AFB7D}"/>
+          </ac:spMkLst>
+        </pc:spChg>
+        <pc:spChg chg="del mod">
+          <ac:chgData name="GAMBOA ALVARADO IGNACIO G" userId="d3d0d4b5-30dd-46e6-93bb-837ddea6ad49" providerId="ADAL" clId="{8CBB8C90-6B1F-4992-B562-0E68CFD0F3DC}" dt="2024-06-01T03:52:11.525" v="1965" actId="478"/>
+          <ac:spMkLst>
+            <pc:docMk/>
+            <pc:sldMk cId="3590633937" sldId="320"/>
+            <ac:spMk id="4" creationId="{5B7B5083-F57A-B985-7ADB-21826FFA6E75}"/>
+          </ac:spMkLst>
+        </pc:spChg>
+        <pc:spChg chg="mod">
+          <ac:chgData name="GAMBOA ALVARADO IGNACIO G" userId="d3d0d4b5-30dd-46e6-93bb-837ddea6ad49" providerId="ADAL" clId="{8CBB8C90-6B1F-4992-B562-0E68CFD0F3DC}" dt="2024-06-01T03:52:52.430" v="1972" actId="404"/>
+          <ac:spMkLst>
+            <pc:docMk/>
+            <pc:sldMk cId="3590633937" sldId="320"/>
+            <ac:spMk id="5" creationId="{63B915FF-A735-D93C-6AAE-86AF5336C87F}"/>
+          </ac:spMkLst>
+        </pc:spChg>
+        <pc:grpChg chg="add mod">
+          <ac:chgData name="GAMBOA ALVARADO IGNACIO G" userId="d3d0d4b5-30dd-46e6-93bb-837ddea6ad49" providerId="ADAL" clId="{8CBB8C90-6B1F-4992-B562-0E68CFD0F3DC}" dt="2024-06-01T03:52:59.547" v="1973" actId="1076"/>
+          <ac:grpSpMkLst>
+            <pc:docMk/>
+            <pc:sldMk cId="3590633937" sldId="320"/>
+            <ac:grpSpMk id="9" creationId="{4DC6A8BF-1F86-6DDD-C214-8DFFAA8EC1DF}"/>
+          </ac:grpSpMkLst>
+        </pc:grpChg>
+        <pc:grpChg chg="add mod">
+          <ac:chgData name="GAMBOA ALVARADO IGNACIO G" userId="d3d0d4b5-30dd-46e6-93bb-837ddea6ad49" providerId="ADAL" clId="{8CBB8C90-6B1F-4992-B562-0E68CFD0F3DC}" dt="2024-06-01T03:52:47.578" v="1971" actId="1076"/>
+          <ac:grpSpMkLst>
+            <pc:docMk/>
+            <pc:sldMk cId="3590633937" sldId="320"/>
+            <ac:grpSpMk id="10" creationId="{6719579C-8055-3555-C545-27AD4651FDD2}"/>
+          </ac:grpSpMkLst>
+        </pc:grpChg>
+        <pc:picChg chg="mod modCrop">
+          <ac:chgData name="GAMBOA ALVARADO IGNACIO G" userId="d3d0d4b5-30dd-46e6-93bb-837ddea6ad49" providerId="ADAL" clId="{8CBB8C90-6B1F-4992-B562-0E68CFD0F3DC}" dt="2024-06-01T03:55:34.786" v="2000" actId="732"/>
+          <ac:picMkLst>
+            <pc:docMk/>
+            <pc:sldMk cId="3590633937" sldId="320"/>
+            <ac:picMk id="8" creationId="{B1A89EE9-E8D2-1219-B80A-D87D46B51C10}"/>
+          </ac:picMkLst>
+        </pc:picChg>
+        <pc:picChg chg="mod">
+          <ac:chgData name="GAMBOA ALVARADO IGNACIO G" userId="d3d0d4b5-30dd-46e6-93bb-837ddea6ad49" providerId="ADAL" clId="{8CBB8C90-6B1F-4992-B562-0E68CFD0F3DC}" dt="2024-06-01T03:55:26.210" v="1998" actId="1076"/>
+          <ac:picMkLst>
+            <pc:docMk/>
+            <pc:sldMk cId="3590633937" sldId="320"/>
+            <ac:picMk id="12" creationId="{358731CA-9DDB-8429-7152-EF2F915F03A6}"/>
+          </ac:picMkLst>
+        </pc:picChg>
+        <pc:picChg chg="del">
+          <ac:chgData name="GAMBOA ALVARADO IGNACIO G" userId="d3d0d4b5-30dd-46e6-93bb-837ddea6ad49" providerId="ADAL" clId="{8CBB8C90-6B1F-4992-B562-0E68CFD0F3DC}" dt="2024-06-01T03:52:17.761" v="1966" actId="478"/>
+          <ac:picMkLst>
+            <pc:docMk/>
+            <pc:sldMk cId="3590633937" sldId="320"/>
+            <ac:picMk id="13" creationId="{B2E51727-3148-CD7B-EDE9-2BA4043B24B7}"/>
+          </ac:picMkLst>
+        </pc:picChg>
+      </pc:sldChg>
+      <pc:sldChg chg="new del">
+        <pc:chgData name="GAMBOA ALVARADO IGNACIO G" userId="d3d0d4b5-30dd-46e6-93bb-837ddea6ad49" providerId="ADAL" clId="{8CBB8C90-6B1F-4992-B562-0E68CFD0F3DC}" dt="2024-06-01T05:07:29.349" v="3459" actId="680"/>
+        <pc:sldMkLst>
+          <pc:docMk/>
+          <pc:sldMk cId="3201877295" sldId="321"/>
+        </pc:sldMkLst>
+      </pc:sldChg>
+    </pc:docChg>
+  </pc:docChgLst>
+  <pc:docChgLst>
+    <pc:chgData name="Usuario invitado" userId="S::urn:spo:anon#d5aa352b9426c7f93783f0afc6856a31fbb8384ec89865f8cbb1598f5b336224::" providerId="AD" clId="Web-{5910A51A-5D7E-257F-86B7-ED62D1DAE4B1}"/>
+    <pc:docChg chg="delSld modSld">
+      <pc:chgData name="Usuario invitado" userId="S::urn:spo:anon#d5aa352b9426c7f93783f0afc6856a31fbb8384ec89865f8cbb1598f5b336224::" providerId="AD" clId="Web-{5910A51A-5D7E-257F-86B7-ED62D1DAE4B1}" dt="2024-06-01T05:26:28.105" v="1112"/>
+      <pc:docMkLst>
+        <pc:docMk/>
+      </pc:docMkLst>
+      <pc:sldChg chg="modSp">
+        <pc:chgData name="Usuario invitado" userId="S::urn:spo:anon#d5aa352b9426c7f93783f0afc6856a31fbb8384ec89865f8cbb1598f5b336224::" providerId="AD" clId="Web-{5910A51A-5D7E-257F-86B7-ED62D1DAE4B1}" dt="2024-06-01T04:58:24.711" v="905" actId="1076"/>
+        <pc:sldMkLst>
+          <pc:docMk/>
+          <pc:sldMk cId="1761978179" sldId="303"/>
+        </pc:sldMkLst>
+        <pc:spChg chg="mod">
+          <ac:chgData name="Usuario invitado" userId="S::urn:spo:anon#d5aa352b9426c7f93783f0afc6856a31fbb8384ec89865f8cbb1598f5b336224::" providerId="AD" clId="Web-{5910A51A-5D7E-257F-86B7-ED62D1DAE4B1}" dt="2024-06-01T04:56:30.770" v="889" actId="1076"/>
+          <ac:spMkLst>
+            <pc:docMk/>
+            <pc:sldMk cId="1761978179" sldId="303"/>
+            <ac:spMk id="2" creationId="{BCB3922B-C2DC-EB08-0E39-D79B2646FD4D}"/>
+          </ac:spMkLst>
+        </pc:spChg>
+        <pc:spChg chg="mod">
+          <ac:chgData name="Usuario invitado" userId="S::urn:spo:anon#d5aa352b9426c7f93783f0afc6856a31fbb8384ec89865f8cbb1598f5b336224::" providerId="AD" clId="Web-{5910A51A-5D7E-257F-86B7-ED62D1DAE4B1}" dt="2024-06-01T04:56:30.785" v="890" actId="1076"/>
+          <ac:spMkLst>
+            <pc:docMk/>
+            <pc:sldMk cId="1761978179" sldId="303"/>
+            <ac:spMk id="3" creationId="{53A07681-A1E1-2E20-06A1-7D9C8965BE78}"/>
+          </ac:spMkLst>
+        </pc:spChg>
+        <pc:spChg chg="mod">
+          <ac:chgData name="Usuario invitado" userId="S::urn:spo:anon#d5aa352b9426c7f93783f0afc6856a31fbb8384ec89865f8cbb1598f5b336224::" providerId="AD" clId="Web-{5910A51A-5D7E-257F-86B7-ED62D1DAE4B1}" dt="2024-06-01T04:56:30.801" v="891" actId="1076"/>
+          <ac:spMkLst>
+            <pc:docMk/>
+            <pc:sldMk cId="1761978179" sldId="303"/>
+            <ac:spMk id="4" creationId="{B420626F-7183-5B69-CC17-50E83C0AF8B0}"/>
+          </ac:spMkLst>
+        </pc:spChg>
+        <pc:spChg chg="mod">
+          <ac:chgData name="Usuario invitado" userId="S::urn:spo:anon#d5aa352b9426c7f93783f0afc6856a31fbb8384ec89865f8cbb1598f5b336224::" providerId="AD" clId="Web-{5910A51A-5D7E-257F-86B7-ED62D1DAE4B1}" dt="2024-06-01T04:56:15.814" v="885"/>
+          <ac:spMkLst>
+            <pc:docMk/>
+            <pc:sldMk cId="1761978179" sldId="303"/>
+            <ac:spMk id="5" creationId="{699E2788-EBE2-45DF-9C0B-D666080A46A9}"/>
+          </ac:spMkLst>
+        </pc:spChg>
+        <pc:spChg chg="mod">
+          <ac:chgData name="Usuario invitado" userId="S::urn:spo:anon#d5aa352b9426c7f93783f0afc6856a31fbb8384ec89865f8cbb1598f5b336224::" providerId="AD" clId="Web-{5910A51A-5D7E-257F-86B7-ED62D1DAE4B1}" dt="2024-06-01T04:56:15.861" v="886"/>
+          <ac:spMkLst>
+            <pc:docMk/>
+            <pc:sldMk cId="1761978179" sldId="303"/>
+            <ac:spMk id="6" creationId="{9DEC9D77-6AA7-4B6B-881C-F31DAAE1DB2A}"/>
+          </ac:spMkLst>
+        </pc:spChg>
+        <pc:spChg chg="mod">
+          <ac:chgData name="Usuario invitado" userId="S::urn:spo:anon#d5aa352b9426c7f93783f0afc6856a31fbb8384ec89865f8cbb1598f5b336224::" providerId="AD" clId="Web-{5910A51A-5D7E-257F-86B7-ED62D1DAE4B1}" dt="2024-06-01T04:56:30.832" v="892" actId="1076"/>
+          <ac:spMkLst>
+            <pc:docMk/>
+            <pc:sldMk cId="1761978179" sldId="303"/>
+            <ac:spMk id="7" creationId="{AFFEA349-59DA-112C-3E6F-80A06484C65C}"/>
+          </ac:spMkLst>
+        </pc:spChg>
+        <pc:spChg chg="mod">
+          <ac:chgData name="Usuario invitado" userId="S::urn:spo:anon#d5aa352b9426c7f93783f0afc6856a31fbb8384ec89865f8cbb1598f5b336224::" providerId="AD" clId="Web-{5910A51A-5D7E-257F-86B7-ED62D1DAE4B1}" dt="2024-06-01T04:45:23.881" v="771"/>
+          <ac:spMkLst>
+            <pc:docMk/>
+            <pc:sldMk cId="1761978179" sldId="303"/>
+            <ac:spMk id="10" creationId="{DC1D303F-E600-4ACE-9AB7-C6AEB05050D4}"/>
+          </ac:spMkLst>
+        </pc:spChg>
+        <pc:spChg chg="mod">
+          <ac:chgData name="Usuario invitado" userId="S::urn:spo:anon#d5aa352b9426c7f93783f0afc6856a31fbb8384ec89865f8cbb1598f5b336224::" providerId="AD" clId="Web-{5910A51A-5D7E-257F-86B7-ED62D1DAE4B1}" dt="2024-06-01T04:45:23.881" v="772"/>
+          <ac:spMkLst>
+            <pc:docMk/>
+            <pc:sldMk cId="1761978179" sldId="303"/>
+            <ac:spMk id="11" creationId="{ACB6F962-DADC-4482-8A69-766A19968AF5}"/>
+          </ac:spMkLst>
+        </pc:spChg>
+        <pc:spChg chg="mod">
+          <ac:chgData name="Usuario invitado" userId="S::urn:spo:anon#d5aa352b9426c7f93783f0afc6856a31fbb8384ec89865f8cbb1598f5b336224::" providerId="AD" clId="Web-{5910A51A-5D7E-257F-86B7-ED62D1DAE4B1}" dt="2024-06-01T04:45:23.881" v="773"/>
+          <ac:spMkLst>
+            <pc:docMk/>
+            <pc:sldMk cId="1761978179" sldId="303"/>
+            <ac:spMk id="12" creationId="{A3A365B2-B2DE-4D2C-92CE-32C0611969DB}"/>
+          </ac:spMkLst>
+        </pc:spChg>
+        <pc:spChg chg="mod">
+          <ac:chgData name="Usuario invitado" userId="S::urn:spo:anon#d5aa352b9426c7f93783f0afc6856a31fbb8384ec89865f8cbb1598f5b336224::" providerId="AD" clId="Web-{5910A51A-5D7E-257F-86B7-ED62D1DAE4B1}" dt="2024-06-01T04:56:30.848" v="893" actId="1076"/>
+          <ac:spMkLst>
+            <pc:docMk/>
+            <pc:sldMk cId="1761978179" sldId="303"/>
+            <ac:spMk id="17" creationId="{58C34E86-807D-A536-4841-E34D9BE399E2}"/>
+          </ac:spMkLst>
+        </pc:spChg>
+        <pc:spChg chg="mod">
+          <ac:chgData name="Usuario invitado" userId="S::urn:spo:anon#d5aa352b9426c7f93783f0afc6856a31fbb8384ec89865f8cbb1598f5b336224::" providerId="AD" clId="Web-{5910A51A-5D7E-257F-86B7-ED62D1DAE4B1}" dt="2024-06-01T04:58:10.085" v="904" actId="1076"/>
+          <ac:spMkLst>
+            <pc:docMk/>
+            <pc:sldMk cId="1761978179" sldId="303"/>
+            <ac:spMk id="19" creationId="{9052CB31-5E86-43F7-9E18-68D97336D3DC}"/>
+          </ac:spMkLst>
+        </pc:spChg>
+        <pc:spChg chg="mod">
+          <ac:chgData name="Usuario invitado" userId="S::urn:spo:anon#d5aa352b9426c7f93783f0afc6856a31fbb8384ec89865f8cbb1598f5b336224::" providerId="AD" clId="Web-{5910A51A-5D7E-257F-86B7-ED62D1DAE4B1}" dt="2024-06-01T04:56:30.863" v="894" actId="1076"/>
+          <ac:spMkLst>
+            <pc:docMk/>
+            <pc:sldMk cId="1761978179" sldId="303"/>
+            <ac:spMk id="24" creationId="{B558E4C3-58FD-2962-9E56-66C0A77F77A5}"/>
+          </ac:spMkLst>
+        </pc:spChg>
+        <pc:spChg chg="mod">
+          <ac:chgData name="Usuario invitado" userId="S::urn:spo:anon#d5aa352b9426c7f93783f0afc6856a31fbb8384ec89865f8cbb1598f5b336224::" providerId="AD" clId="Web-{5910A51A-5D7E-257F-86B7-ED62D1DAE4B1}" dt="2024-06-01T04:56:30.879" v="895" actId="1076"/>
+          <ac:spMkLst>
+            <pc:docMk/>
+            <pc:sldMk cId="1761978179" sldId="303"/>
+            <ac:spMk id="25" creationId="{A8B32074-C045-5934-176F-E42A90AFDD47}"/>
+          </ac:spMkLst>
+        </pc:spChg>
+        <pc:spChg chg="mod">
+          <ac:chgData name="Usuario invitado" userId="S::urn:spo:anon#d5aa352b9426c7f93783f0afc6856a31fbb8384ec89865f8cbb1598f5b336224::" providerId="AD" clId="Web-{5910A51A-5D7E-257F-86B7-ED62D1DAE4B1}" dt="2024-06-01T04:45:23.881" v="781"/>
+          <ac:spMkLst>
+            <pc:docMk/>
+            <pc:sldMk cId="1761978179" sldId="303"/>
+            <ac:spMk id="26" creationId="{2B2A1C34-0C7B-3BAA-D860-83BE81B9519E}"/>
+          </ac:spMkLst>
+        </pc:spChg>
+        <pc:spChg chg="mod">
+          <ac:chgData name="Usuario invitado" userId="S::urn:spo:anon#d5aa352b9426c7f93783f0afc6856a31fbb8384ec89865f8cbb1598f5b336224::" providerId="AD" clId="Web-{5910A51A-5D7E-257F-86B7-ED62D1DAE4B1}" dt="2024-06-01T04:45:39.381" v="785" actId="1076"/>
+          <ac:spMkLst>
+            <pc:docMk/>
+            <pc:sldMk cId="1761978179" sldId="303"/>
+            <ac:spMk id="27" creationId="{ED1F46E0-EC65-7867-9F65-EE351533189C}"/>
+          </ac:spMkLst>
+        </pc:spChg>
+        <pc:spChg chg="mod">
+          <ac:chgData name="Usuario invitado" userId="S::urn:spo:anon#d5aa352b9426c7f93783f0afc6856a31fbb8384ec89865f8cbb1598f5b336224::" providerId="AD" clId="Web-{5910A51A-5D7E-257F-86B7-ED62D1DAE4B1}" dt="2024-06-01T04:45:43.006" v="786" actId="1076"/>
+          <ac:spMkLst>
+            <pc:docMk/>
+            <pc:sldMk cId="1761978179" sldId="303"/>
+            <ac:spMk id="28" creationId="{94092F7A-7B84-2D3C-3484-E35BBF0CCE44}"/>
+          </ac:spMkLst>
+        </pc:spChg>
+        <pc:cxnChg chg="mod">
+          <ac:chgData name="Usuario invitado" userId="S::urn:spo:anon#d5aa352b9426c7f93783f0afc6856a31fbb8384ec89865f8cbb1598f5b336224::" providerId="AD" clId="Web-{5910A51A-5D7E-257F-86B7-ED62D1DAE4B1}" dt="2024-06-01T04:57:06.896" v="901" actId="1076"/>
+          <ac:cxnSpMkLst>
+            <pc:docMk/>
+            <pc:sldMk cId="1761978179" sldId="303"/>
+            <ac:cxnSpMk id="14" creationId="{1585265B-4E00-434F-A644-ADFF1F48468A}"/>
+          </ac:cxnSpMkLst>
+        </pc:cxnChg>
+        <pc:cxnChg chg="mod">
+          <ac:chgData name="Usuario invitado" userId="S::urn:spo:anon#d5aa352b9426c7f93783f0afc6856a31fbb8384ec89865f8cbb1598f5b336224::" providerId="AD" clId="Web-{5910A51A-5D7E-257F-86B7-ED62D1DAE4B1}" dt="2024-06-01T04:58:24.711" v="905" actId="1076"/>
+          <ac:cxnSpMkLst>
+            <pc:docMk/>
+            <pc:sldMk cId="1761978179" sldId="303"/>
+            <ac:cxnSpMk id="15" creationId="{5B64C4A8-E34F-4E93-9BA1-1925F378EC3D}"/>
+          </ac:cxnSpMkLst>
+        </pc:cxnChg>
+      </pc:sldChg>
+      <pc:sldChg chg="modSp">
+        <pc:chgData name="Usuario invitado" userId="S::urn:spo:anon#d5aa352b9426c7f93783f0afc6856a31fbb8384ec89865f8cbb1598f5b336224::" providerId="AD" clId="Web-{5910A51A-5D7E-257F-86B7-ED62D1DAE4B1}" dt="2024-06-01T05:18:42.231" v="1044"/>
+        <pc:sldMkLst>
+          <pc:docMk/>
+          <pc:sldMk cId="3105322462" sldId="304"/>
+        </pc:sldMkLst>
+        <pc:spChg chg="mod">
+          <ac:chgData name="Usuario invitado" userId="S::urn:spo:anon#d5aa352b9426c7f93783f0afc6856a31fbb8384ec89865f8cbb1598f5b336224::" providerId="AD" clId="Web-{5910A51A-5D7E-257F-86B7-ED62D1DAE4B1}" dt="2024-06-01T04:43:09.674" v="751" actId="20577"/>
+          <ac:spMkLst>
+            <pc:docMk/>
+            <pc:sldMk cId="3105322462" sldId="304"/>
+            <ac:spMk id="3" creationId="{70866F9F-102C-0AFC-BCE5-4E8C73321E74}"/>
+          </ac:spMkLst>
+        </pc:spChg>
+        <pc:spChg chg="mod">
+          <ac:chgData name="Usuario invitado" userId="S::urn:spo:anon#d5aa352b9426c7f93783f0afc6856a31fbb8384ec89865f8cbb1598f5b336224::" providerId="AD" clId="Web-{5910A51A-5D7E-257F-86B7-ED62D1DAE4B1}" dt="2024-06-01T04:43:39.581" v="756" actId="20577"/>
+          <ac:spMkLst>
+            <pc:docMk/>
+            <pc:sldMk cId="3105322462" sldId="304"/>
+            <ac:spMk id="4" creationId="{EEA275FB-ED52-4BCD-05AE-B6BA779E2070}"/>
+          </ac:spMkLst>
+        </pc:spChg>
+        <pc:graphicFrameChg chg="mod modGraphic">
+          <ac:chgData name="Usuario invitado" userId="S::urn:spo:anon#d5aa352b9426c7f93783f0afc6856a31fbb8384ec89865f8cbb1598f5b336224::" providerId="AD" clId="Web-{5910A51A-5D7E-257F-86B7-ED62D1DAE4B1}" dt="2024-06-01T05:18:42.231" v="1044"/>
+          <ac:graphicFrameMkLst>
+            <pc:docMk/>
+            <pc:sldMk cId="3105322462" sldId="304"/>
+            <ac:graphicFrameMk id="5" creationId="{959537D5-D76F-6DF9-5CB3-DF6A44E57EB5}"/>
+          </ac:graphicFrameMkLst>
+        </pc:graphicFrameChg>
+      </pc:sldChg>
+      <pc:sldChg chg="modSp">
+        <pc:chgData name="Usuario invitado" userId="S::urn:spo:anon#d5aa352b9426c7f93783f0afc6856a31fbb8384ec89865f8cbb1598f5b336224::" providerId="AD" clId="Web-{5910A51A-5D7E-257F-86B7-ED62D1DAE4B1}" dt="2024-06-01T04:55:58.532" v="884" actId="1076"/>
+        <pc:sldMkLst>
+          <pc:docMk/>
+          <pc:sldMk cId="743564996" sldId="305"/>
+        </pc:sldMkLst>
+        <pc:spChg chg="mod">
+          <ac:chgData name="Usuario invitado" userId="S::urn:spo:anon#d5aa352b9426c7f93783f0afc6856a31fbb8384ec89865f8cbb1598f5b336224::" providerId="AD" clId="Web-{5910A51A-5D7E-257F-86B7-ED62D1DAE4B1}" dt="2024-06-01T04:55:47.657" v="880" actId="20577"/>
+          <ac:spMkLst>
+            <pc:docMk/>
+            <pc:sldMk cId="743564996" sldId="305"/>
+            <ac:spMk id="3" creationId="{23480A74-8042-3918-FB57-0ABA427747B4}"/>
+          </ac:spMkLst>
+        </pc:spChg>
+        <pc:spChg chg="mod">
+          <ac:chgData name="Usuario invitado" userId="S::urn:spo:anon#d5aa352b9426c7f93783f0afc6856a31fbb8384ec89865f8cbb1598f5b336224::" providerId="AD" clId="Web-{5910A51A-5D7E-257F-86B7-ED62D1DAE4B1}" dt="2024-06-01T04:55:58.532" v="884" actId="1076"/>
+          <ac:spMkLst>
+            <pc:docMk/>
+            <pc:sldMk cId="743564996" sldId="305"/>
+            <ac:spMk id="6" creationId="{FB8A4123-D4C1-6BEA-4F37-6EBC698865AE}"/>
+          </ac:spMkLst>
+        </pc:spChg>
+        <pc:spChg chg="mod">
+          <ac:chgData name="Usuario invitado" userId="S::urn:spo:anon#d5aa352b9426c7f93783f0afc6856a31fbb8384ec89865f8cbb1598f5b336224::" providerId="AD" clId="Web-{5910A51A-5D7E-257F-86B7-ED62D1DAE4B1}" dt="2024-06-01T04:55:54.594" v="883" actId="20577"/>
+          <ac:spMkLst>
+            <pc:docMk/>
+            <pc:sldMk cId="743564996" sldId="305"/>
+            <ac:spMk id="8" creationId="{4B066CC3-ACAA-E53E-344F-63616DF083CF}"/>
+          </ac:spMkLst>
+        </pc:spChg>
+        <pc:spChg chg="mod">
+          <ac:chgData name="Usuario invitado" userId="S::urn:spo:anon#d5aa352b9426c7f93783f0afc6856a31fbb8384ec89865f8cbb1598f5b336224::" providerId="AD" clId="Web-{5910A51A-5D7E-257F-86B7-ED62D1DAE4B1}" dt="2024-06-01T04:55:45.422" v="879" actId="20577"/>
+          <ac:spMkLst>
+            <pc:docMk/>
+            <pc:sldMk cId="743564996" sldId="305"/>
+            <ac:spMk id="9" creationId="{6536A29F-323F-9FF5-00C0-05DC1B14123E}"/>
+          </ac:spMkLst>
+        </pc:spChg>
+        <pc:picChg chg="mod">
+          <ac:chgData name="Usuario invitado" userId="S::urn:spo:anon#d5aa352b9426c7f93783f0afc6856a31fbb8384ec89865f8cbb1598f5b336224::" providerId="AD" clId="Web-{5910A51A-5D7E-257F-86B7-ED62D1DAE4B1}" dt="2024-06-01T04:52:38.714" v="827" actId="1076"/>
+          <ac:picMkLst>
+            <pc:docMk/>
+            <pc:sldMk cId="743564996" sldId="305"/>
+            <ac:picMk id="5" creationId="{E79061FC-9CCE-8430-1E8E-6BC007CA3D85}"/>
+          </ac:picMkLst>
+        </pc:picChg>
+      </pc:sldChg>
+      <pc:sldChg chg="modSp">
+        <pc:chgData name="Usuario invitado" userId="S::urn:spo:anon#d5aa352b9426c7f93783f0afc6856a31fbb8384ec89865f8cbb1598f5b336224::" providerId="AD" clId="Web-{5910A51A-5D7E-257F-86B7-ED62D1DAE4B1}" dt="2024-06-01T04:44:41.254" v="768" actId="20577"/>
+        <pc:sldMkLst>
+          <pc:docMk/>
+          <pc:sldMk cId="1086978629" sldId="306"/>
+        </pc:sldMkLst>
+        <pc:spChg chg="mod">
+          <ac:chgData name="Usuario invitado" userId="S::urn:spo:anon#d5aa352b9426c7f93783f0afc6856a31fbb8384ec89865f8cbb1598f5b336224::" providerId="AD" clId="Web-{5910A51A-5D7E-257F-86B7-ED62D1DAE4B1}" dt="2024-06-01T04:44:27.473" v="761" actId="20577"/>
+          <ac:spMkLst>
+            <pc:docMk/>
+            <pc:sldMk cId="1086978629" sldId="306"/>
+            <ac:spMk id="9" creationId="{022D82BC-67B0-4F5D-9A8F-C3B94B9A014B}"/>
+          </ac:spMkLst>
+        </pc:spChg>
+        <pc:spChg chg="mod">
+          <ac:chgData name="Usuario invitado" userId="S::urn:spo:anon#d5aa352b9426c7f93783f0afc6856a31fbb8384ec89865f8cbb1598f5b336224::" providerId="AD" clId="Web-{5910A51A-5D7E-257F-86B7-ED62D1DAE4B1}" dt="2024-06-01T04:44:41.254" v="768" actId="20577"/>
+          <ac:spMkLst>
+            <pc:docMk/>
+            <pc:sldMk cId="1086978629" sldId="306"/>
+            <ac:spMk id="10" creationId="{E2F26730-FF23-6089-FC6D-D6D817217CF2}"/>
+          </ac:spMkLst>
+        </pc:spChg>
+      </pc:sldChg>
+      <pc:sldChg chg="modSp">
+        <pc:chgData name="Usuario invitado" userId="S::urn:spo:anon#d5aa352b9426c7f93783f0afc6856a31fbb8384ec89865f8cbb1598f5b336224::" providerId="AD" clId="Web-{5910A51A-5D7E-257F-86B7-ED62D1DAE4B1}" dt="2024-06-01T04:46:23.273" v="793" actId="20577"/>
+        <pc:sldMkLst>
+          <pc:docMk/>
+          <pc:sldMk cId="2146413309" sldId="307"/>
+        </pc:sldMkLst>
+        <pc:spChg chg="mod">
+          <ac:chgData name="Usuario invitado" userId="S::urn:spo:anon#d5aa352b9426c7f93783f0afc6856a31fbb8384ec89865f8cbb1598f5b336224::" providerId="AD" clId="Web-{5910A51A-5D7E-257F-86B7-ED62D1DAE4B1}" dt="2024-06-01T04:41:05.873" v="738" actId="1076"/>
+          <ac:spMkLst>
+            <pc:docMk/>
+            <pc:sldMk cId="2146413309" sldId="307"/>
+            <ac:spMk id="3" creationId="{0BAEEE35-569A-C1B1-3DE8-7187348AFB7D}"/>
+          </ac:spMkLst>
+        </pc:spChg>
+        <pc:spChg chg="mod">
+          <ac:chgData name="Usuario invitado" userId="S::urn:spo:anon#d5aa352b9426c7f93783f0afc6856a31fbb8384ec89865f8cbb1598f5b336224::" providerId="AD" clId="Web-{5910A51A-5D7E-257F-86B7-ED62D1DAE4B1}" dt="2024-06-01T04:41:09.373" v="739" actId="1076"/>
+          <ac:spMkLst>
+            <pc:docMk/>
+            <pc:sldMk cId="2146413309" sldId="307"/>
+            <ac:spMk id="4" creationId="{5B7B5083-F57A-B985-7ADB-21826FFA6E75}"/>
+          </ac:spMkLst>
+        </pc:spChg>
+        <pc:spChg chg="mod">
+          <ac:chgData name="Usuario invitado" userId="S::urn:spo:anon#d5aa352b9426c7f93783f0afc6856a31fbb8384ec89865f8cbb1598f5b336224::" providerId="AD" clId="Web-{5910A51A-5D7E-257F-86B7-ED62D1DAE4B1}" dt="2024-06-01T04:46:23.273" v="793" actId="20577"/>
+          <ac:spMkLst>
+            <pc:docMk/>
+            <pc:sldMk cId="2146413309" sldId="307"/>
+            <ac:spMk id="6" creationId="{C4A2F7C9-0AF4-129F-070F-6E5756021AD2}"/>
+          </ac:spMkLst>
+        </pc:spChg>
+      </pc:sldChg>
+      <pc:sldChg chg="modSp">
+        <pc:chgData name="Usuario invitado" userId="S::urn:spo:anon#d5aa352b9426c7f93783f0afc6856a31fbb8384ec89865f8cbb1598f5b336224::" providerId="AD" clId="Web-{5910A51A-5D7E-257F-86B7-ED62D1DAE4B1}" dt="2024-06-01T05:21:35.455" v="1101" actId="20577"/>
+        <pc:sldMkLst>
+          <pc:docMk/>
+          <pc:sldMk cId="1200565634" sldId="308"/>
+        </pc:sldMkLst>
+        <pc:spChg chg="mod">
+          <ac:chgData name="Usuario invitado" userId="S::urn:spo:anon#d5aa352b9426c7f93783f0afc6856a31fbb8384ec89865f8cbb1598f5b336224::" providerId="AD" clId="Web-{5910A51A-5D7E-257F-86B7-ED62D1DAE4B1}" dt="2024-06-01T05:21:35.455" v="1101" actId="20577"/>
+          <ac:spMkLst>
+            <pc:docMk/>
+            <pc:sldMk cId="1200565634" sldId="308"/>
+            <ac:spMk id="8" creationId="{C2DA7589-30E4-5C76-053F-22BFDDA1FAFC}"/>
+          </ac:spMkLst>
+        </pc:spChg>
+      </pc:sldChg>
+      <pc:sldChg chg="addSp delSp modSp">
+        <pc:chgData name="Usuario invitado" userId="S::urn:spo:anon#d5aa352b9426c7f93783f0afc6856a31fbb8384ec89865f8cbb1598f5b336224::" providerId="AD" clId="Web-{5910A51A-5D7E-257F-86B7-ED62D1DAE4B1}" dt="2024-06-01T05:22:37.144" v="1109"/>
+        <pc:sldMkLst>
+          <pc:docMk/>
+          <pc:sldMk cId="4018481977" sldId="309"/>
+        </pc:sldMkLst>
+        <pc:spChg chg="add del mod">
+          <ac:chgData name="Usuario invitado" userId="S::urn:spo:anon#d5aa352b9426c7f93783f0afc6856a31fbb8384ec89865f8cbb1598f5b336224::" providerId="AD" clId="Web-{5910A51A-5D7E-257F-86B7-ED62D1DAE4B1}" dt="2024-06-01T05:20:46.359" v="1098"/>
+          <ac:spMkLst>
+            <pc:docMk/>
+            <pc:sldMk cId="4018481977" sldId="309"/>
+            <ac:spMk id="5" creationId="{09B41D9B-D235-7986-0442-3276878DB998}"/>
+          </ac:spMkLst>
+        </pc:spChg>
+        <pc:spChg chg="del mod">
+          <ac:chgData name="Usuario invitado" userId="S::urn:spo:anon#d5aa352b9426c7f93783f0afc6856a31fbb8384ec89865f8cbb1598f5b336224::" providerId="AD" clId="Web-{5910A51A-5D7E-257F-86B7-ED62D1DAE4B1}" dt="2024-06-01T05:22:37.144" v="1109"/>
+          <ac:spMkLst>
+            <pc:docMk/>
+            <pc:sldMk cId="4018481977" sldId="309"/>
+            <ac:spMk id="8" creationId="{A3823928-7BF1-29DE-04D0-B820FFAC5B27}"/>
+          </ac:spMkLst>
+        </pc:spChg>
+        <pc:spChg chg="add mod">
+          <ac:chgData name="Usuario invitado" userId="S::urn:spo:anon#d5aa352b9426c7f93783f0afc6856a31fbb8384ec89865f8cbb1598f5b336224::" providerId="AD" clId="Web-{5910A51A-5D7E-257F-86B7-ED62D1DAE4B1}" dt="2024-06-01T05:20:40.593" v="1097" actId="20577"/>
+          <ac:spMkLst>
+            <pc:docMk/>
+            <pc:sldMk cId="4018481977" sldId="309"/>
+            <ac:spMk id="9" creationId="{918EEFD3-1B62-CD56-E7FD-0E716F3B89E9}"/>
+          </ac:spMkLst>
+        </pc:spChg>
+        <pc:spChg chg="add mod">
+          <ac:chgData name="Usuario invitado" userId="S::urn:spo:anon#d5aa352b9426c7f93783f0afc6856a31fbb8384ec89865f8cbb1598f5b336224::" providerId="AD" clId="Web-{5910A51A-5D7E-257F-86B7-ED62D1DAE4B1}" dt="2024-06-01T05:22:21.582" v="1106" actId="14100"/>
+          <ac:spMkLst>
+            <pc:docMk/>
+            <pc:sldMk cId="4018481977" sldId="309"/>
+            <ac:spMk id="11" creationId="{54F3CF11-87EE-1ECC-18E8-0E915D31363B}"/>
+          </ac:spMkLst>
+        </pc:spChg>
+        <pc:picChg chg="mod">
+          <ac:chgData name="Usuario invitado" userId="S::urn:spo:anon#d5aa352b9426c7f93783f0afc6856a31fbb8384ec89865f8cbb1598f5b336224::" providerId="AD" clId="Web-{5910A51A-5D7E-257F-86B7-ED62D1DAE4B1}" dt="2024-06-01T05:22:27.629" v="1107" actId="14100"/>
+          <ac:picMkLst>
+            <pc:docMk/>
+            <pc:sldMk cId="4018481977" sldId="309"/>
+            <ac:picMk id="6" creationId="{0C0C8E64-D263-CCBE-C0C4-99E6E32043DF}"/>
+          </ac:picMkLst>
+        </pc:picChg>
+      </pc:sldChg>
+      <pc:sldChg chg="modSp">
+        <pc:chgData name="Usuario invitado" userId="S::urn:spo:anon#d5aa352b9426c7f93783f0afc6856a31fbb8384ec89865f8cbb1598f5b336224::" providerId="AD" clId="Web-{5910A51A-5D7E-257F-86B7-ED62D1DAE4B1}" dt="2024-06-01T05:26:28.105" v="1112"/>
+        <pc:sldMkLst>
+          <pc:docMk/>
+          <pc:sldMk cId="3519697008" sldId="310"/>
+        </pc:sldMkLst>
+        <pc:spChg chg="mod">
+          <ac:chgData name="Usuario invitado" userId="S::urn:spo:anon#d5aa352b9426c7f93783f0afc6856a31fbb8384ec89865f8cbb1598f5b336224::" providerId="AD" clId="Web-{5910A51A-5D7E-257F-86B7-ED62D1DAE4B1}" dt="2024-06-01T05:26:28.105" v="1112"/>
+          <ac:spMkLst>
+            <pc:docMk/>
+            <pc:sldMk cId="3519697008" sldId="310"/>
+            <ac:spMk id="3" creationId="{B6C850FC-190B-34A9-4BD3-C95264AD8591}"/>
+          </ac:spMkLst>
+        </pc:spChg>
+        <pc:spChg chg="mod">
+          <ac:chgData name="Usuario invitado" userId="S::urn:spo:anon#d5aa352b9426c7f93783f0afc6856a31fbb8384ec89865f8cbb1598f5b336224::" providerId="AD" clId="Web-{5910A51A-5D7E-257F-86B7-ED62D1DAE4B1}" dt="2024-06-01T04:43:49.940" v="758" actId="20577"/>
+          <ac:spMkLst>
+            <pc:docMk/>
+            <pc:sldMk cId="3519697008" sldId="310"/>
+            <ac:spMk id="4" creationId="{F02CF29A-A715-31C0-1FB3-036601D6E4EA}"/>
+          </ac:spMkLst>
+        </pc:spChg>
+        <pc:graphicFrameChg chg="mod modGraphic">
+          <ac:chgData name="Usuario invitado" userId="S::urn:spo:anon#d5aa352b9426c7f93783f0afc6856a31fbb8384ec89865f8cbb1598f5b336224::" providerId="AD" clId="Web-{5910A51A-5D7E-257F-86B7-ED62D1DAE4B1}" dt="2024-06-01T05:19:17.763" v="1056"/>
+          <ac:graphicFrameMkLst>
+            <pc:docMk/>
+            <pc:sldMk cId="3519697008" sldId="310"/>
+            <ac:graphicFrameMk id="5" creationId="{9764C628-B247-6430-4B06-BA4EE4A0F15F}"/>
+          </ac:graphicFrameMkLst>
+        </pc:graphicFrameChg>
+      </pc:sldChg>
+      <pc:sldChg chg="modSp">
+        <pc:chgData name="Usuario invitado" userId="S::urn:spo:anon#d5aa352b9426c7f93783f0afc6856a31fbb8384ec89865f8cbb1598f5b336224::" providerId="AD" clId="Web-{5910A51A-5D7E-257F-86B7-ED62D1DAE4B1}" dt="2024-06-01T05:01:31.279" v="907" actId="20577"/>
+        <pc:sldMkLst>
+          <pc:docMk/>
+          <pc:sldMk cId="3036640731" sldId="313"/>
+        </pc:sldMkLst>
+        <pc:spChg chg="mod">
+          <ac:chgData name="Usuario invitado" userId="S::urn:spo:anon#d5aa352b9426c7f93783f0afc6856a31fbb8384ec89865f8cbb1598f5b336224::" providerId="AD" clId="Web-{5910A51A-5D7E-257F-86B7-ED62D1DAE4B1}" dt="2024-06-01T05:01:31.279" v="907" actId="20577"/>
+          <ac:spMkLst>
+            <pc:docMk/>
+            <pc:sldMk cId="3036640731" sldId="313"/>
+            <ac:spMk id="4" creationId="{81550CC3-3652-B4BA-6728-9FE3F2D0F19F}"/>
+          </ac:spMkLst>
+        </pc:spChg>
+      </pc:sldChg>
+      <pc:sldChg chg="modSp">
+        <pc:chgData name="Usuario invitado" userId="S::urn:spo:anon#d5aa352b9426c7f93783f0afc6856a31fbb8384ec89865f8cbb1598f5b336224::" providerId="AD" clId="Web-{5910A51A-5D7E-257F-86B7-ED62D1DAE4B1}" dt="2024-06-01T04:48:04.292" v="809" actId="1076"/>
+        <pc:sldMkLst>
+          <pc:docMk/>
+          <pc:sldMk cId="2591914574" sldId="314"/>
+        </pc:sldMkLst>
+        <pc:spChg chg="mod">
+          <ac:chgData name="Usuario invitado" userId="S::urn:spo:anon#d5aa352b9426c7f93783f0afc6856a31fbb8384ec89865f8cbb1598f5b336224::" providerId="AD" clId="Web-{5910A51A-5D7E-257F-86B7-ED62D1DAE4B1}" dt="2024-06-01T04:48:04.292" v="809" actId="1076"/>
+          <ac:spMkLst>
+            <pc:docMk/>
+            <pc:sldMk cId="2591914574" sldId="314"/>
+            <ac:spMk id="4" creationId="{0DE6162D-C13D-397C-C9D8-D8586A50C6D7}"/>
+          </ac:spMkLst>
+        </pc:spChg>
+      </pc:sldChg>
+      <pc:sldChg chg="modSp">
+        <pc:chgData name="Usuario invitado" userId="S::urn:spo:anon#d5aa352b9426c7f93783f0afc6856a31fbb8384ec89865f8cbb1598f5b336224::" providerId="AD" clId="Web-{5910A51A-5D7E-257F-86B7-ED62D1DAE4B1}" dt="2024-06-01T04:47:42.479" v="803"/>
+        <pc:sldMkLst>
+          <pc:docMk/>
+          <pc:sldMk cId="1385646645" sldId="315"/>
+        </pc:sldMkLst>
+        <pc:spChg chg="mod">
+          <ac:chgData name="Usuario invitado" userId="S::urn:spo:anon#d5aa352b9426c7f93783f0afc6856a31fbb8384ec89865f8cbb1598f5b336224::" providerId="AD" clId="Web-{5910A51A-5D7E-257F-86B7-ED62D1DAE4B1}" dt="2024-06-01T04:47:42.479" v="803"/>
+          <ac:spMkLst>
+            <pc:docMk/>
+            <pc:sldMk cId="1385646645" sldId="315"/>
+            <ac:spMk id="4" creationId="{1B472DC2-177A-CBA7-EDAD-E731AD6275AF}"/>
+          </ac:spMkLst>
+        </pc:spChg>
+      </pc:sldChg>
+      <pc:sldChg chg="addSp modSp">
+        <pc:chgData name="Usuario invitado" userId="S::urn:spo:anon#d5aa352b9426c7f93783f0afc6856a31fbb8384ec89865f8cbb1598f5b336224::" providerId="AD" clId="Web-{5910A51A-5D7E-257F-86B7-ED62D1DAE4B1}" dt="2024-06-01T05:04:26.706" v="924" actId="1076"/>
+        <pc:sldMkLst>
+          <pc:docMk/>
+          <pc:sldMk cId="3846956206" sldId="316"/>
+        </pc:sldMkLst>
+        <pc:spChg chg="mod">
+          <ac:chgData name="Usuario invitado" userId="S::urn:spo:anon#d5aa352b9426c7f93783f0afc6856a31fbb8384ec89865f8cbb1598f5b336224::" providerId="AD" clId="Web-{5910A51A-5D7E-257F-86B7-ED62D1DAE4B1}" dt="2024-06-01T04:47:17.290" v="800" actId="20577"/>
+          <ac:spMkLst>
+            <pc:docMk/>
+            <pc:sldMk cId="3846956206" sldId="316"/>
+            <ac:spMk id="4" creationId="{73CE5B8F-7D30-91F7-1251-F37FF484EFCF}"/>
+          </ac:spMkLst>
+        </pc:spChg>
+        <pc:picChg chg="add mod modCrop">
+          <ac:chgData name="Usuario invitado" userId="S::urn:spo:anon#d5aa352b9426c7f93783f0afc6856a31fbb8384ec89865f8cbb1598f5b336224::" providerId="AD" clId="Web-{5910A51A-5D7E-257F-86B7-ED62D1DAE4B1}" dt="2024-06-01T05:04:26.706" v="924" actId="1076"/>
+          <ac:picMkLst>
+            <pc:docMk/>
+            <pc:sldMk cId="3846956206" sldId="316"/>
+            <ac:picMk id="3" creationId="{A662CC04-D783-BA43-44B0-652FCDCE9BAC}"/>
+          </ac:picMkLst>
+        </pc:picChg>
+      </pc:sldChg>
+      <pc:sldChg chg="del">
+        <pc:chgData name="Usuario invitado" userId="S::urn:spo:anon#d5aa352b9426c7f93783f0afc6856a31fbb8384ec89865f8cbb1598f5b336224::" providerId="AD" clId="Web-{5910A51A-5D7E-257F-86B7-ED62D1DAE4B1}" dt="2024-06-01T04:42:12.141" v="744"/>
+        <pc:sldMkLst>
+          <pc:docMk/>
+          <pc:sldMk cId="923601911" sldId="317"/>
+        </pc:sldMkLst>
+      </pc:sldChg>
+      <pc:sldChg chg="modSp">
+        <pc:chgData name="Usuario invitado" userId="S::urn:spo:anon#d5aa352b9426c7f93783f0afc6856a31fbb8384ec89865f8cbb1598f5b336224::" providerId="AD" clId="Web-{5910A51A-5D7E-257F-86B7-ED62D1DAE4B1}" dt="2024-06-01T04:46:10.679" v="792" actId="20577"/>
+        <pc:sldMkLst>
+          <pc:docMk/>
+          <pc:sldMk cId="3982118065" sldId="318"/>
+        </pc:sldMkLst>
+        <pc:spChg chg="mod">
+          <ac:chgData name="Usuario invitado" userId="S::urn:spo:anon#d5aa352b9426c7f93783f0afc6856a31fbb8384ec89865f8cbb1598f5b336224::" providerId="AD" clId="Web-{5910A51A-5D7E-257F-86B7-ED62D1DAE4B1}" dt="2024-06-01T04:45:57.569" v="787" actId="1076"/>
+          <ac:spMkLst>
+            <pc:docMk/>
+            <pc:sldMk cId="3982118065" sldId="318"/>
+            <ac:spMk id="3" creationId="{23480A74-8042-3918-FB57-0ABA427747B4}"/>
+          </ac:spMkLst>
+        </pc:spChg>
+        <pc:spChg chg="mod">
+          <ac:chgData name="Usuario invitado" userId="S::urn:spo:anon#d5aa352b9426c7f93783f0afc6856a31fbb8384ec89865f8cbb1598f5b336224::" providerId="AD" clId="Web-{5910A51A-5D7E-257F-86B7-ED62D1DAE4B1}" dt="2024-06-01T04:46:10.679" v="792" actId="20577"/>
+          <ac:spMkLst>
+            <pc:docMk/>
+            <pc:sldMk cId="3982118065" sldId="318"/>
+            <ac:spMk id="5" creationId="{433DB7EB-7290-9321-AB65-AD0581FDF5EA}"/>
+          </ac:spMkLst>
+        </pc:spChg>
+        <pc:spChg chg="mod">
+          <ac:chgData name="Usuario invitado" userId="S::urn:spo:anon#d5aa352b9426c7f93783f0afc6856a31fbb8384ec89865f8cbb1598f5b336224::" providerId="AD" clId="Web-{5910A51A-5D7E-257F-86B7-ED62D1DAE4B1}" dt="2024-06-01T04:42:20.016" v="746" actId="1076"/>
+          <ac:spMkLst>
+            <pc:docMk/>
+            <pc:sldMk cId="3982118065" sldId="318"/>
+            <ac:spMk id="6" creationId="{2F0A0820-7017-6E36-3F5D-8BE37DD03C0D}"/>
+          </ac:spMkLst>
+        </pc:spChg>
+      </pc:sldChg>
+      <pc:sldChg chg="addSp delSp modSp">
+        <pc:chgData name="Usuario invitado" userId="S::urn:spo:anon#d5aa352b9426c7f93783f0afc6856a31fbb8384ec89865f8cbb1598f5b336224::" providerId="AD" clId="Web-{5910A51A-5D7E-257F-86B7-ED62D1DAE4B1}" dt="2024-06-01T05:10:44.482" v="948" actId="20577"/>
+        <pc:sldMkLst>
+          <pc:docMk/>
+          <pc:sldMk cId="3881109046" sldId="319"/>
+        </pc:sldMkLst>
+        <pc:spChg chg="mod">
+          <ac:chgData name="Usuario invitado" userId="S::urn:spo:anon#d5aa352b9426c7f93783f0afc6856a31fbb8384ec89865f8cbb1598f5b336224::" providerId="AD" clId="Web-{5910A51A-5D7E-257F-86B7-ED62D1DAE4B1}" dt="2024-06-01T04:47:30.088" v="801" actId="20577"/>
+          <ac:spMkLst>
+            <pc:docMk/>
+            <pc:sldMk cId="3881109046" sldId="319"/>
+            <ac:spMk id="4" creationId="{F02CF29A-A715-31C0-1FB3-036601D6E4EA}"/>
+          </ac:spMkLst>
+        </pc:spChg>
+        <pc:spChg chg="add mod">
+          <ac:chgData name="Usuario invitado" userId="S::urn:spo:anon#d5aa352b9426c7f93783f0afc6856a31fbb8384ec89865f8cbb1598f5b336224::" providerId="AD" clId="Web-{5910A51A-5D7E-257F-86B7-ED62D1DAE4B1}" dt="2024-06-01T05:10:44.482" v="948" actId="20577"/>
+          <ac:spMkLst>
+            <pc:docMk/>
+            <pc:sldMk cId="3881109046" sldId="319"/>
+            <ac:spMk id="8" creationId="{0813027B-95BD-595E-9D55-71C2C8AF706B}"/>
+          </ac:spMkLst>
+        </pc:spChg>
+        <pc:picChg chg="add mod">
+          <ac:chgData name="Usuario invitado" userId="S::urn:spo:anon#d5aa352b9426c7f93783f0afc6856a31fbb8384ec89865f8cbb1598f5b336224::" providerId="AD" clId="Web-{5910A51A-5D7E-257F-86B7-ED62D1DAE4B1}" dt="2024-06-01T05:02:51.422" v="917" actId="1076"/>
+          <ac:picMkLst>
+            <pc:docMk/>
+            <pc:sldMk cId="3881109046" sldId="319"/>
+            <ac:picMk id="3" creationId="{26F7DDE7-2481-2E5D-0327-89A9CAB01349}"/>
+          </ac:picMkLst>
+        </pc:picChg>
+        <pc:picChg chg="add del mod">
+          <ac:chgData name="Usuario invitado" userId="S::urn:spo:anon#d5aa352b9426c7f93783f0afc6856a31fbb8384ec89865f8cbb1598f5b336224::" providerId="AD" clId="Web-{5910A51A-5D7E-257F-86B7-ED62D1DAE4B1}" dt="2024-06-01T05:02:04.842" v="910"/>
+          <ac:picMkLst>
+            <pc:docMk/>
+            <pc:sldMk cId="3881109046" sldId="319"/>
+            <ac:picMk id="5" creationId="{8A8C04D8-4B7E-3C89-A364-214586E533FF}"/>
+          </ac:picMkLst>
+        </pc:picChg>
+      </pc:sldChg>
+      <pc:sldChg chg="addSp delSp modSp">
+        <pc:chgData name="Usuario invitado" userId="S::urn:spo:anon#d5aa352b9426c7f93783f0afc6856a31fbb8384ec89865f8cbb1598f5b336224::" providerId="AD" clId="Web-{5910A51A-5D7E-257F-86B7-ED62D1DAE4B1}" dt="2024-06-01T04:41:30.436" v="743" actId="1076"/>
+        <pc:sldMkLst>
+          <pc:docMk/>
+          <pc:sldMk cId="3590633937" sldId="320"/>
+        </pc:sldMkLst>
+        <pc:spChg chg="mod">
+          <ac:chgData name="Usuario invitado" userId="S::urn:spo:anon#d5aa352b9426c7f93783f0afc6856a31fbb8384ec89865f8cbb1598f5b336224::" providerId="AD" clId="Web-{5910A51A-5D7E-257F-86B7-ED62D1DAE4B1}" dt="2024-06-01T04:41:30.436" v="743" actId="1076"/>
+          <ac:spMkLst>
+            <pc:docMk/>
+            <pc:sldMk cId="3590633937" sldId="320"/>
+            <ac:spMk id="3" creationId="{0BAEEE35-569A-C1B1-3DE8-7187348AFB7D}"/>
+          </ac:spMkLst>
+        </pc:spChg>
+        <pc:spChg chg="add del mod">
+          <ac:chgData name="Usuario invitado" userId="S::urn:spo:anon#d5aa352b9426c7f93783f0afc6856a31fbb8384ec89865f8cbb1598f5b336224::" providerId="AD" clId="Web-{5910A51A-5D7E-257F-86B7-ED62D1DAE4B1}" dt="2024-06-01T04:35:13.469" v="711"/>
+          <ac:spMkLst>
+            <pc:docMk/>
+            <pc:sldMk cId="3590633937" sldId="320"/>
+            <ac:spMk id="4" creationId="{9001A5D6-3FB1-4F3D-CDC3-D98D6DA18417}"/>
+          </ac:spMkLst>
+        </pc:spChg>
+        <pc:spChg chg="mod">
+          <ac:chgData name="Usuario invitado" userId="S::urn:spo:anon#d5aa352b9426c7f93783f0afc6856a31fbb8384ec89865f8cbb1598f5b336224::" providerId="AD" clId="Web-{5910A51A-5D7E-257F-86B7-ED62D1DAE4B1}" dt="2024-06-01T04:41:14.248" v="740" actId="1076"/>
+          <ac:spMkLst>
+            <pc:docMk/>
+            <pc:sldMk cId="3590633937" sldId="320"/>
+            <ac:spMk id="5" creationId="{63B915FF-A735-D93C-6AAE-86AF5336C87F}"/>
+          </ac:spMkLst>
+        </pc:spChg>
+        <pc:spChg chg="add mod">
+          <ac:chgData name="Usuario invitado" userId="S::urn:spo:anon#d5aa352b9426c7f93783f0afc6856a31fbb8384ec89865f8cbb1598f5b336224::" providerId="AD" clId="Web-{5910A51A-5D7E-257F-86B7-ED62D1DAE4B1}" dt="2024-06-01T04:41:19.795" v="741" actId="1076"/>
+          <ac:spMkLst>
+            <pc:docMk/>
+            <pc:sldMk cId="3590633937" sldId="320"/>
+            <ac:spMk id="11" creationId="{F43CF65E-C9C9-0C3B-5A52-633DA15C18C9}"/>
+          </ac:spMkLst>
+        </pc:spChg>
+        <pc:grpChg chg="mod">
+          <ac:chgData name="Usuario invitado" userId="S::urn:spo:anon#d5aa352b9426c7f93783f0afc6856a31fbb8384ec89865f8cbb1598f5b336224::" providerId="AD" clId="Web-{5910A51A-5D7E-257F-86B7-ED62D1DAE4B1}" dt="2024-06-01T04:40:09.887" v="732" actId="1076"/>
+          <ac:grpSpMkLst>
+            <pc:docMk/>
+            <pc:sldMk cId="3590633937" sldId="320"/>
+            <ac:grpSpMk id="9" creationId="{4DC6A8BF-1F86-6DDD-C214-8DFFAA8EC1DF}"/>
+          </ac:grpSpMkLst>
+        </pc:grpChg>
+      </pc:sldChg>
+    </pc:docChg>
+  </pc:docChgLst>
+  <pc:docChgLst>
+    <pc:chgData name="Usuario invitado" userId="S::urn:spo:anon#eb2a7d79476950051e46bb22be043da915db42be12fcf09fa5fbcbdfd1e1932b::" providerId="AD" clId="Web-{06BA73ED-A061-6375-8FFE-D5F796DAB0DE}"/>
+    <pc:docChg chg="modSld">
+      <pc:chgData name="Usuario invitado" userId="S::urn:spo:anon#eb2a7d79476950051e46bb22be043da915db42be12fcf09fa5fbcbdfd1e1932b::" providerId="AD" clId="Web-{06BA73ED-A061-6375-8FFE-D5F796DAB0DE}" dt="2018-08-28T18:40:40.402" v="2" actId="1076"/>
+      <pc:docMkLst>
+        <pc:docMk/>
+      </pc:docMkLst>
+      <pc:sldChg chg="delSp modSp">
+        <pc:chgData name="Usuario invitado" userId="S::urn:spo:anon#eb2a7d79476950051e46bb22be043da915db42be12fcf09fa5fbcbdfd1e1932b::" providerId="AD" clId="Web-{06BA73ED-A061-6375-8FFE-D5F796DAB0DE}" dt="2018-08-28T18:40:40.402" v="2" actId="1076"/>
+        <pc:sldMkLst>
+          <pc:docMk/>
+          <pc:sldMk cId="1957369981" sldId="262"/>
+        </pc:sldMkLst>
+        <pc:spChg chg="del">
+          <ac:chgData name="Usuario invitado" userId="S::urn:spo:anon#eb2a7d79476950051e46bb22be043da915db42be12fcf09fa5fbcbdfd1e1932b::" providerId="AD" clId="Web-{06BA73ED-A061-6375-8FFE-D5F796DAB0DE}" dt="2018-08-28T18:39:21.057" v="1"/>
+          <ac:spMkLst>
+            <pc:docMk/>
+            <pc:sldMk cId="1957369981" sldId="262"/>
+            <ac:spMk id="7" creationId="{C85DB8C4-FFB0-4CA0-AC46-2DA3367DA6D7}"/>
+          </ac:spMkLst>
+        </pc:spChg>
+        <pc:spChg chg="del">
+          <ac:chgData name="Usuario invitado" userId="S::urn:spo:anon#eb2a7d79476950051e46bb22be043da915db42be12fcf09fa5fbcbdfd1e1932b::" providerId="AD" clId="Web-{06BA73ED-A061-6375-8FFE-D5F796DAB0DE}" dt="2018-08-28T18:39:18.916" v="0"/>
+          <ac:spMkLst>
+            <pc:docMk/>
+            <pc:sldMk cId="1957369981" sldId="262"/>
+            <ac:spMk id="11" creationId="{00000000-0000-0000-0000-000000000000}"/>
+          </ac:spMkLst>
+        </pc:spChg>
+        <pc:picChg chg="mod">
+          <ac:chgData name="Usuario invitado" userId="S::urn:spo:anon#eb2a7d79476950051e46bb22be043da915db42be12fcf09fa5fbcbdfd1e1932b::" providerId="AD" clId="Web-{06BA73ED-A061-6375-8FFE-D5F796DAB0DE}" dt="2018-08-28T18:40:40.402" v="2" actId="1076"/>
+          <ac:picMkLst>
+            <pc:docMk/>
+            <pc:sldMk cId="1957369981" sldId="262"/>
+            <ac:picMk id="10" creationId="{00000000-0000-0000-0000-000000000000}"/>
           </ac:picMkLst>
         </pc:picChg>
       </pc:sldChg>
@@ -3552,201 +4853,6 @@
       </pc:sldChg>
     </pc:docChg>
   </pc:docChgLst>
-  <pc:docChgLst>
-    <pc:chgData name="GAMBOA ALVARADO IGNACIO G" userId="d3d0d4b5-30dd-46e6-93bb-837ddea6ad49" providerId="ADAL" clId="{8CBB8C90-6B1F-4992-B562-0E68CFD0F3DC}"/>
-    <pc:docChg chg="undo custSel addSld delSld modSld">
-      <pc:chgData name="GAMBOA ALVARADO IGNACIO G" userId="d3d0d4b5-30dd-46e6-93bb-837ddea6ad49" providerId="ADAL" clId="{8CBB8C90-6B1F-4992-B562-0E68CFD0F3DC}" dt="2024-05-29T02:47:27.401" v="1433" actId="20577"/>
-      <pc:docMkLst>
-        <pc:docMk/>
-      </pc:docMkLst>
-      <pc:sldChg chg="addSp delSp modSp mod modNotesTx">
-        <pc:chgData name="GAMBOA ALVARADO IGNACIO G" userId="d3d0d4b5-30dd-46e6-93bb-837ddea6ad49" providerId="ADAL" clId="{8CBB8C90-6B1F-4992-B562-0E68CFD0F3DC}" dt="2024-05-25T22:53:27.534" v="155" actId="20577"/>
-        <pc:sldMkLst>
-          <pc:docMk/>
-          <pc:sldMk cId="1957369981" sldId="262"/>
-        </pc:sldMkLst>
-        <pc:spChg chg="add mod">
-          <ac:chgData name="GAMBOA ALVARADO IGNACIO G" userId="d3d0d4b5-30dd-46e6-93bb-837ddea6ad49" providerId="ADAL" clId="{8CBB8C90-6B1F-4992-B562-0E68CFD0F3DC}" dt="2024-05-25T22:51:06.440" v="51" actId="1076"/>
-          <ac:spMkLst>
-            <pc:docMk/>
-            <pc:sldMk cId="1957369981" sldId="262"/>
-            <ac:spMk id="3" creationId="{14CE27E0-12EF-847D-668C-1C37A72AC54A}"/>
-          </ac:spMkLst>
-        </pc:spChg>
-        <pc:spChg chg="add mod">
-          <ac:chgData name="GAMBOA ALVARADO IGNACIO G" userId="d3d0d4b5-30dd-46e6-93bb-837ddea6ad49" providerId="ADAL" clId="{8CBB8C90-6B1F-4992-B562-0E68CFD0F3DC}" dt="2024-05-25T22:53:08.941" v="125" actId="115"/>
-          <ac:spMkLst>
-            <pc:docMk/>
-            <pc:sldMk cId="1957369981" sldId="262"/>
-            <ac:spMk id="4" creationId="{2A5B1E45-4D0E-297A-AB3D-9607063D7ABF}"/>
-          </ac:spMkLst>
-        </pc:spChg>
-        <pc:spChg chg="mod">
-          <ac:chgData name="GAMBOA ALVARADO IGNACIO G" userId="d3d0d4b5-30dd-46e6-93bb-837ddea6ad49" providerId="ADAL" clId="{8CBB8C90-6B1F-4992-B562-0E68CFD0F3DC}" dt="2024-05-25T22:49:46.327" v="22" actId="1076"/>
-          <ac:spMkLst>
-            <pc:docMk/>
-            <pc:sldMk cId="1957369981" sldId="262"/>
-            <ac:spMk id="13" creationId="{00000000-0000-0000-0000-000000000000}"/>
-          </ac:spMkLst>
-        </pc:spChg>
-        <pc:picChg chg="add mod">
-          <ac:chgData name="GAMBOA ALVARADO IGNACIO G" userId="d3d0d4b5-30dd-46e6-93bb-837ddea6ad49" providerId="ADAL" clId="{8CBB8C90-6B1F-4992-B562-0E68CFD0F3DC}" dt="2024-05-25T22:49:39.514" v="21" actId="1076"/>
-          <ac:picMkLst>
-            <pc:docMk/>
-            <pc:sldMk cId="1957369981" sldId="262"/>
-            <ac:picMk id="2" creationId="{AB648918-9FDB-46EB-F89C-E9D3FFF1273B}"/>
-          </ac:picMkLst>
-        </pc:picChg>
-        <pc:picChg chg="del">
-          <ac:chgData name="GAMBOA ALVARADO IGNACIO G" userId="d3d0d4b5-30dd-46e6-93bb-837ddea6ad49" providerId="ADAL" clId="{8CBB8C90-6B1F-4992-B562-0E68CFD0F3DC}" dt="2024-05-25T22:45:54.098" v="0" actId="478"/>
-          <ac:picMkLst>
-            <pc:docMk/>
-            <pc:sldMk cId="1957369981" sldId="262"/>
-            <ac:picMk id="8" creationId="{00000000-0000-0000-0000-000000000000}"/>
-          </ac:picMkLst>
-        </pc:picChg>
-        <pc:picChg chg="mod">
-          <ac:chgData name="GAMBOA ALVARADO IGNACIO G" userId="d3d0d4b5-30dd-46e6-93bb-837ddea6ad49" providerId="ADAL" clId="{8CBB8C90-6B1F-4992-B562-0E68CFD0F3DC}" dt="2024-05-25T22:48:55.182" v="17" actId="1076"/>
-          <ac:picMkLst>
-            <pc:docMk/>
-            <pc:sldMk cId="1957369981" sldId="262"/>
-            <ac:picMk id="9" creationId="{00000000-0000-0000-0000-000000000000}"/>
-          </ac:picMkLst>
-        </pc:picChg>
-        <pc:picChg chg="mod">
-          <ac:chgData name="GAMBOA ALVARADO IGNACIO G" userId="d3d0d4b5-30dd-46e6-93bb-837ddea6ad49" providerId="ADAL" clId="{8CBB8C90-6B1F-4992-B562-0E68CFD0F3DC}" dt="2024-05-25T22:49:24.864" v="20" actId="1076"/>
-          <ac:picMkLst>
-            <pc:docMk/>
-            <pc:sldMk cId="1957369981" sldId="262"/>
-            <ac:picMk id="10" creationId="{00000000-0000-0000-0000-000000000000}"/>
-          </ac:picMkLst>
-        </pc:picChg>
-      </pc:sldChg>
-      <pc:sldChg chg="addSp delSp modSp mod modNotesTx">
-        <pc:chgData name="GAMBOA ALVARADO IGNACIO G" userId="d3d0d4b5-30dd-46e6-93bb-837ddea6ad49" providerId="ADAL" clId="{8CBB8C90-6B1F-4992-B562-0E68CFD0F3DC}" dt="2024-05-25T23:12:26.814" v="1428" actId="20577"/>
-        <pc:sldMkLst>
-          <pc:docMk/>
-          <pc:sldMk cId="1761978179" sldId="303"/>
-        </pc:sldMkLst>
-        <pc:spChg chg="mod">
-          <ac:chgData name="GAMBOA ALVARADO IGNACIO G" userId="d3d0d4b5-30dd-46e6-93bb-837ddea6ad49" providerId="ADAL" clId="{8CBB8C90-6B1F-4992-B562-0E68CFD0F3DC}" dt="2024-05-25T23:01:26.637" v="850" actId="313"/>
-          <ac:spMkLst>
-            <pc:docMk/>
-            <pc:sldMk cId="1761978179" sldId="303"/>
-            <ac:spMk id="5" creationId="{699E2788-EBE2-45DF-9C0B-D666080A46A9}"/>
-          </ac:spMkLst>
-        </pc:spChg>
-        <pc:spChg chg="mod">
-          <ac:chgData name="GAMBOA ALVARADO IGNACIO G" userId="d3d0d4b5-30dd-46e6-93bb-837ddea6ad49" providerId="ADAL" clId="{8CBB8C90-6B1F-4992-B562-0E68CFD0F3DC}" dt="2024-05-25T23:05:17.306" v="1108" actId="20577"/>
-          <ac:spMkLst>
-            <pc:docMk/>
-            <pc:sldMk cId="1761978179" sldId="303"/>
-            <ac:spMk id="6" creationId="{9DEC9D77-6AA7-4B6B-881C-F31DAAE1DB2A}"/>
-          </ac:spMkLst>
-        </pc:spChg>
-        <pc:spChg chg="mod">
-          <ac:chgData name="GAMBOA ALVARADO IGNACIO G" userId="d3d0d4b5-30dd-46e6-93bb-837ddea6ad49" providerId="ADAL" clId="{8CBB8C90-6B1F-4992-B562-0E68CFD0F3DC}" dt="2024-05-25T23:12:26.814" v="1428" actId="20577"/>
-          <ac:spMkLst>
-            <pc:docMk/>
-            <pc:sldMk cId="1761978179" sldId="303"/>
-            <ac:spMk id="8" creationId="{8E5AB793-981F-4F0C-993F-B574912D895B}"/>
-          </ac:spMkLst>
-        </pc:spChg>
-        <pc:spChg chg="mod">
-          <ac:chgData name="GAMBOA ALVARADO IGNACIO G" userId="d3d0d4b5-30dd-46e6-93bb-837ddea6ad49" providerId="ADAL" clId="{8CBB8C90-6B1F-4992-B562-0E68CFD0F3DC}" dt="2024-05-25T22:59:54.044" v="747" actId="20577"/>
-          <ac:spMkLst>
-            <pc:docMk/>
-            <pc:sldMk cId="1761978179" sldId="303"/>
-            <ac:spMk id="10" creationId="{DC1D303F-E600-4ACE-9AB7-C6AEB05050D4}"/>
-          </ac:spMkLst>
-        </pc:spChg>
-        <pc:spChg chg="mod">
-          <ac:chgData name="GAMBOA ALVARADO IGNACIO G" userId="d3d0d4b5-30dd-46e6-93bb-837ddea6ad49" providerId="ADAL" clId="{8CBB8C90-6B1F-4992-B562-0E68CFD0F3DC}" dt="2024-05-25T23:03:38.271" v="875" actId="20577"/>
-          <ac:spMkLst>
-            <pc:docMk/>
-            <pc:sldMk cId="1761978179" sldId="303"/>
-            <ac:spMk id="11" creationId="{ACB6F962-DADC-4482-8A69-766A19968AF5}"/>
-          </ac:spMkLst>
-        </pc:spChg>
-        <pc:spChg chg="add del mod">
-          <ac:chgData name="GAMBOA ALVARADO IGNACIO G" userId="d3d0d4b5-30dd-46e6-93bb-837ddea6ad49" providerId="ADAL" clId="{8CBB8C90-6B1F-4992-B562-0E68CFD0F3DC}" dt="2024-05-25T23:10:21.783" v="1180" actId="20577"/>
-          <ac:spMkLst>
-            <pc:docMk/>
-            <pc:sldMk cId="1761978179" sldId="303"/>
-            <ac:spMk id="12" creationId="{A3A365B2-B2DE-4D2C-92CE-32C0611969DB}"/>
-          </ac:spMkLst>
-        </pc:spChg>
-        <pc:spChg chg="mod">
-          <ac:chgData name="GAMBOA ALVARADO IGNACIO G" userId="d3d0d4b5-30dd-46e6-93bb-837ddea6ad49" providerId="ADAL" clId="{8CBB8C90-6B1F-4992-B562-0E68CFD0F3DC}" dt="2024-05-25T23:05:32.844" v="1111" actId="1076"/>
-          <ac:spMkLst>
-            <pc:docMk/>
-            <pc:sldMk cId="1761978179" sldId="303"/>
-            <ac:spMk id="21" creationId="{6A548F58-8CF8-4D0C-8871-44C1700A4D4B}"/>
-          </ac:spMkLst>
-        </pc:spChg>
-        <pc:spChg chg="mod">
-          <ac:chgData name="GAMBOA ALVARADO IGNACIO G" userId="d3d0d4b5-30dd-46e6-93bb-837ddea6ad49" providerId="ADAL" clId="{8CBB8C90-6B1F-4992-B562-0E68CFD0F3DC}" dt="2024-05-25T23:11:36.767" v="1182" actId="1076"/>
-          <ac:spMkLst>
-            <pc:docMk/>
-            <pc:sldMk cId="1761978179" sldId="303"/>
-            <ac:spMk id="23" creationId="{73182A38-D6DF-453D-921E-315EFA20E2ED}"/>
-          </ac:spMkLst>
-        </pc:spChg>
-        <pc:cxnChg chg="mod">
-          <ac:chgData name="GAMBOA ALVARADO IGNACIO G" userId="d3d0d4b5-30dd-46e6-93bb-837ddea6ad49" providerId="ADAL" clId="{8CBB8C90-6B1F-4992-B562-0E68CFD0F3DC}" dt="2024-05-25T23:05:28.013" v="1110" actId="1076"/>
-          <ac:cxnSpMkLst>
-            <pc:docMk/>
-            <pc:sldMk cId="1761978179" sldId="303"/>
-            <ac:cxnSpMk id="22" creationId="{6A7DB234-E311-4E3B-AE05-EF5CB163CB48}"/>
-          </ac:cxnSpMkLst>
-        </pc:cxnChg>
-      </pc:sldChg>
-      <pc:sldChg chg="modNotesTx">
-        <pc:chgData name="GAMBOA ALVARADO IGNACIO G" userId="d3d0d4b5-30dd-46e6-93bb-837ddea6ad49" providerId="ADAL" clId="{8CBB8C90-6B1F-4992-B562-0E68CFD0F3DC}" dt="2024-05-29T02:47:27.401" v="1433" actId="20577"/>
-        <pc:sldMkLst>
-          <pc:docMk/>
-          <pc:sldMk cId="3105322462" sldId="304"/>
-        </pc:sldMkLst>
-      </pc:sldChg>
-      <pc:sldChg chg="addSp delSp modSp mod modNotesTx">
-        <pc:chgData name="GAMBOA ALVARADO IGNACIO G" userId="d3d0d4b5-30dd-46e6-93bb-837ddea6ad49" providerId="ADAL" clId="{8CBB8C90-6B1F-4992-B562-0E68CFD0F3DC}" dt="2024-05-29T02:40:54.514" v="1432" actId="14100"/>
-        <pc:sldMkLst>
-          <pc:docMk/>
-          <pc:sldMk cId="743564996" sldId="305"/>
-        </pc:sldMkLst>
-        <pc:spChg chg="mod">
-          <ac:chgData name="GAMBOA ALVARADO IGNACIO G" userId="d3d0d4b5-30dd-46e6-93bb-837ddea6ad49" providerId="ADAL" clId="{8CBB8C90-6B1F-4992-B562-0E68CFD0F3DC}" dt="2024-05-29T02:40:54.514" v="1432" actId="14100"/>
-          <ac:spMkLst>
-            <pc:docMk/>
-            <pc:sldMk cId="743564996" sldId="305"/>
-            <ac:spMk id="6" creationId="{FB8A4123-D4C1-6BEA-4F37-6EBC698865AE}"/>
-          </ac:spMkLst>
-        </pc:spChg>
-        <pc:spChg chg="add del">
-          <ac:chgData name="GAMBOA ALVARADO IGNACIO G" userId="d3d0d4b5-30dd-46e6-93bb-837ddea6ad49" providerId="ADAL" clId="{8CBB8C90-6B1F-4992-B562-0E68CFD0F3DC}" dt="2024-05-26T21:24:52.958" v="1430" actId="22"/>
-          <ac:spMkLst>
-            <pc:docMk/>
-            <pc:sldMk cId="743564996" sldId="305"/>
-            <ac:spMk id="8" creationId="{9087CC75-65C4-2427-163E-A49E235D6F83}"/>
-          </ac:spMkLst>
-        </pc:spChg>
-      </pc:sldChg>
-      <pc:sldChg chg="modNotesTx">
-        <pc:chgData name="GAMBOA ALVARADO IGNACIO G" userId="d3d0d4b5-30dd-46e6-93bb-837ddea6ad49" providerId="ADAL" clId="{8CBB8C90-6B1F-4992-B562-0E68CFD0F3DC}" dt="2024-05-25T22:58:38.633" v="727" actId="5793"/>
-        <pc:sldMkLst>
-          <pc:docMk/>
-          <pc:sldMk cId="2146413309" sldId="307"/>
-        </pc:sldMkLst>
-      </pc:sldChg>
-      <pc:sldChg chg="add del">
-        <pc:chgData name="GAMBOA ALVARADO IGNACIO G" userId="d3d0d4b5-30dd-46e6-93bb-837ddea6ad49" providerId="ADAL" clId="{8CBB8C90-6B1F-4992-B562-0E68CFD0F3DC}" dt="2024-05-25T23:00:35.106" v="784" actId="2890"/>
-        <pc:sldMkLst>
-          <pc:docMk/>
-          <pc:sldMk cId="3835194171" sldId="317"/>
-        </pc:sldMkLst>
-      </pc:sldChg>
-    </pc:docChg>
-  </pc:docChgLst>
 </pc:chgInfo>
 </file>
 
@@ -3832,7 +4938,7 @@
           <a:p>
             <a:fld id="{89347D60-E39B-E041-B6CE-3FDC1A8BB989}" type="datetimeFigureOut">
               <a:rPr lang="es-ES_tradnl" smtClean="0"/>
-              <a:t>28/05/2024</a:t>
+              <a:t>31/05/2024</a:t>
             </a:fld>
             <a:endParaRPr lang="es-ES_tradnl"/>
           </a:p>
@@ -3990,7 +5096,7 @@
           <a:p>
             <a:fld id="{80AD1966-643A-ED45-BFF9-B0FE18A32E2B}" type="slidenum">
               <a:rPr lang="es-ES_tradnl" smtClean="0"/>
-              <a:t>‹Nº›</a:t>
+              <a:t>‹#›</a:t>
             </a:fld>
             <a:endParaRPr lang="es-ES_tradnl"/>
           </a:p>
@@ -4349,7 +5455,7 @@
     </p:spTree>
     <p:extLst>
       <p:ext uri="{BB962C8B-B14F-4D97-AF65-F5344CB8AC3E}">
-        <p14:creationId xmlns:p14="http://schemas.microsoft.com/office/powerpoint/2010/main" val="1236254308"/>
+        <p14:creationId xmlns:p14="http://schemas.microsoft.com/office/powerpoint/2010/main" val="372578197"/>
       </p:ext>
     </p:extLst>
   </p:cSld>
@@ -4433,7 +5539,7 @@
     </p:spTree>
     <p:extLst>
       <p:ext uri="{BB962C8B-B14F-4D97-AF65-F5344CB8AC3E}">
-        <p14:creationId xmlns:p14="http://schemas.microsoft.com/office/powerpoint/2010/main" val="2216672859"/>
+        <p14:creationId xmlns:p14="http://schemas.microsoft.com/office/powerpoint/2010/main" val="1236254308"/>
       </p:ext>
     </p:extLst>
   </p:cSld>
@@ -4517,7 +5623,7 @@
     </p:spTree>
     <p:extLst>
       <p:ext uri="{BB962C8B-B14F-4D97-AF65-F5344CB8AC3E}">
-        <p14:creationId xmlns:p14="http://schemas.microsoft.com/office/powerpoint/2010/main" val="3678623892"/>
+        <p14:creationId xmlns:p14="http://schemas.microsoft.com/office/powerpoint/2010/main" val="2216672859"/>
       </p:ext>
     </p:extLst>
   </p:cSld>
@@ -4601,7 +5707,7 @@
     </p:spTree>
     <p:extLst>
       <p:ext uri="{BB962C8B-B14F-4D97-AF65-F5344CB8AC3E}">
-        <p14:creationId xmlns:p14="http://schemas.microsoft.com/office/powerpoint/2010/main" val="296608123"/>
+        <p14:creationId xmlns:p14="http://schemas.microsoft.com/office/powerpoint/2010/main" val="3678623892"/>
       </p:ext>
     </p:extLst>
   </p:cSld>
@@ -4685,7 +5791,7 @@
     </p:spTree>
     <p:extLst>
       <p:ext uri="{BB962C8B-B14F-4D97-AF65-F5344CB8AC3E}">
-        <p14:creationId xmlns:p14="http://schemas.microsoft.com/office/powerpoint/2010/main" val="2925636881"/>
+        <p14:creationId xmlns:p14="http://schemas.microsoft.com/office/powerpoint/2010/main" val="296608123"/>
       </p:ext>
     </p:extLst>
   </p:cSld>
@@ -4761,6 +5867,90 @@
             <a:fld id="{80AD1966-643A-ED45-BFF9-B0FE18A32E2B}" type="slidenum">
               <a:rPr lang="es-ES_tradnl" smtClean="0"/>
               <a:t>16</a:t>
+            </a:fld>
+            <a:endParaRPr lang="es-ES_tradnl"/>
+          </a:p>
+        </p:txBody>
+      </p:sp>
+    </p:spTree>
+    <p:extLst>
+      <p:ext uri="{BB962C8B-B14F-4D97-AF65-F5344CB8AC3E}">
+        <p14:creationId xmlns:p14="http://schemas.microsoft.com/office/powerpoint/2010/main" val="2925636881"/>
+      </p:ext>
+    </p:extLst>
+  </p:cSld>
+  <p:clrMapOvr>
+    <a:masterClrMapping/>
+  </p:clrMapOvr>
+</p:notes>
+</file>
+
+<file path=ppt/notesSlides/notesSlide17.xml><?xml version="1.0" encoding="utf-8"?>
+<p:notes xmlns:a="http://schemas.openxmlformats.org/drawingml/2006/main" xmlns:r="http://schemas.openxmlformats.org/officeDocument/2006/relationships" xmlns:p="http://schemas.openxmlformats.org/presentationml/2006/main">
+  <p:cSld>
+    <p:spTree>
+      <p:nvGrpSpPr>
+        <p:cNvPr id="1" name=""/>
+        <p:cNvGrpSpPr/>
+        <p:nvPr/>
+      </p:nvGrpSpPr>
+      <p:grpSpPr>
+        <a:xfrm>
+          <a:off x="0" y="0"/>
+          <a:ext cx="0" cy="0"/>
+          <a:chOff x="0" y="0"/>
+          <a:chExt cx="0" cy="0"/>
+        </a:xfrm>
+      </p:grpSpPr>
+      <p:sp>
+        <p:nvSpPr>
+          <p:cNvPr id="2" name="Marcador de imagen de diapositiva 1"/>
+          <p:cNvSpPr>
+            <a:spLocks noGrp="1" noRot="1" noChangeAspect="1"/>
+          </p:cNvSpPr>
+          <p:nvPr>
+            <p:ph type="sldImg"/>
+          </p:nvPr>
+        </p:nvSpPr>
+        <p:spPr/>
+      </p:sp>
+      <p:sp>
+        <p:nvSpPr>
+          <p:cNvPr id="3" name="Marcador de notas 2"/>
+          <p:cNvSpPr>
+            <a:spLocks noGrp="1"/>
+          </p:cNvSpPr>
+          <p:nvPr>
+            <p:ph type="body" idx="1"/>
+          </p:nvPr>
+        </p:nvSpPr>
+        <p:spPr/>
+        <p:txBody>
+          <a:bodyPr/>
+          <a:lstStyle/>
+          <a:p>
+            <a:endParaRPr lang="es-ES_tradnl"/>
+          </a:p>
+        </p:txBody>
+      </p:sp>
+      <p:sp>
+        <p:nvSpPr>
+          <p:cNvPr id="4" name="Marcador de número de diapositiva 3"/>
+          <p:cNvSpPr>
+            <a:spLocks noGrp="1"/>
+          </p:cNvSpPr>
+          <p:nvPr>
+            <p:ph type="sldNum" sz="quarter" idx="10"/>
+          </p:nvPr>
+        </p:nvSpPr>
+        <p:spPr/>
+        <p:txBody>
+          <a:bodyPr/>
+          <a:lstStyle/>
+          <a:p>
+            <a:fld id="{80AD1966-643A-ED45-BFF9-B0FE18A32E2B}" type="slidenum">
+              <a:rPr lang="es-ES_tradnl" smtClean="0"/>
+              <a:t>17</a:t>
             </a:fld>
             <a:endParaRPr lang="es-ES_tradnl"/>
           </a:p>
@@ -5030,7 +6220,7 @@
     </p:spTree>
     <p:extLst>
       <p:ext uri="{BB962C8B-B14F-4D97-AF65-F5344CB8AC3E}">
-        <p14:creationId xmlns:p14="http://schemas.microsoft.com/office/powerpoint/2010/main" val="3128409536"/>
+        <p14:creationId xmlns:p14="http://schemas.microsoft.com/office/powerpoint/2010/main" val="142861778"/>
       </p:ext>
     </p:extLst>
   </p:cSld>
@@ -5086,7 +6276,13 @@
           <a:p>
             <a:r>
               <a:rPr lang="es-ES_tradnl"/>
-              <a:t>Resumen del aprendizaje supervisado y los algoritmos a considerar sin explicar, estos se justificarán a medida que se avance…</a:t>
+              <a:t>Variable dependiente: Precio.</a:t>
+            </a:r>
+          </a:p>
+          <a:p>
+            <a:r>
+              <a:rPr lang="es-ES_tradnl"/>
+              <a:t>Variables independientes: Todas las demás.</a:t>
             </a:r>
           </a:p>
         </p:txBody>
@@ -5117,7 +6313,7 @@
     </p:spTree>
     <p:extLst>
       <p:ext uri="{BB962C8B-B14F-4D97-AF65-F5344CB8AC3E}">
-        <p14:creationId xmlns:p14="http://schemas.microsoft.com/office/powerpoint/2010/main" val="142861778"/>
+        <p14:creationId xmlns:p14="http://schemas.microsoft.com/office/powerpoint/2010/main" val="2110839812"/>
       </p:ext>
     </p:extLst>
   </p:cSld>
@@ -5210,7 +6406,7 @@
     </p:spTree>
     <p:extLst>
       <p:ext uri="{BB962C8B-B14F-4D97-AF65-F5344CB8AC3E}">
-        <p14:creationId xmlns:p14="http://schemas.microsoft.com/office/powerpoint/2010/main" val="2110839812"/>
+        <p14:creationId xmlns:p14="http://schemas.microsoft.com/office/powerpoint/2010/main" val="3190080052"/>
       </p:ext>
     </p:extLst>
   </p:cSld>
@@ -5349,15 +6545,15 @@
           <a:lstStyle/>
           <a:p>
             <a:r>
-              <a:rPr lang="es-ES_tradnl" dirty="0"/>
+              <a:rPr lang="es-ES_tradnl"/>
               <a:t>Primer match con las conclusiones anteriores, de preferencia mostrar aquí lo </a:t>
             </a:r>
             <a:r>
-              <a:rPr lang="es-ES_tradnl" dirty="0" err="1"/>
+              <a:rPr lang="es-ES_tradnl" err="1"/>
               <a:t>faaltante</a:t>
             </a:r>
             <a:r>
-              <a:rPr lang="es-ES_tradnl" dirty="0"/>
+              <a:rPr lang="es-ES_tradnl"/>
               <a:t> de la presentación 1 (LA REGRESION LINEAL)</a:t>
             </a:r>
           </a:p>
@@ -5614,7 +6810,7 @@
           <a:p>
             <a:fld id="{6FD36221-589F-2846-B89B-D09559D774BF}" type="datetimeFigureOut">
               <a:rPr lang="es-ES_tradnl" smtClean="0"/>
-              <a:t>28/05/2024</a:t>
+              <a:t>31/05/2024</a:t>
             </a:fld>
             <a:endParaRPr lang="es-ES_tradnl"/>
           </a:p>
@@ -5656,7 +6852,7 @@
           <a:p>
             <a:fld id="{3352F6F5-E16D-F340-A90C-ABCF032D59B6}" type="slidenum">
               <a:rPr lang="es-ES_tradnl" smtClean="0"/>
-              <a:t>‹Nº›</a:t>
+              <a:t>‹#›</a:t>
             </a:fld>
             <a:endParaRPr lang="es-ES_tradnl"/>
           </a:p>
@@ -5779,7 +6975,7 @@
           <a:p>
             <a:fld id="{6FD36221-589F-2846-B89B-D09559D774BF}" type="datetimeFigureOut">
               <a:rPr lang="es-ES_tradnl" smtClean="0"/>
-              <a:t>28/05/2024</a:t>
+              <a:t>31/05/2024</a:t>
             </a:fld>
             <a:endParaRPr lang="es-ES_tradnl"/>
           </a:p>
@@ -5821,7 +7017,7 @@
           <a:p>
             <a:fld id="{3352F6F5-E16D-F340-A90C-ABCF032D59B6}" type="slidenum">
               <a:rPr lang="es-ES_tradnl" smtClean="0"/>
-              <a:t>‹Nº›</a:t>
+              <a:t>‹#›</a:t>
             </a:fld>
             <a:endParaRPr lang="es-ES_tradnl"/>
           </a:p>
@@ -5954,7 +7150,7 @@
           <a:p>
             <a:fld id="{6FD36221-589F-2846-B89B-D09559D774BF}" type="datetimeFigureOut">
               <a:rPr lang="es-ES_tradnl" smtClean="0"/>
-              <a:t>28/05/2024</a:t>
+              <a:t>31/05/2024</a:t>
             </a:fld>
             <a:endParaRPr lang="es-ES_tradnl"/>
           </a:p>
@@ -5996,7 +7192,7 @@
           <a:p>
             <a:fld id="{3352F6F5-E16D-F340-A90C-ABCF032D59B6}" type="slidenum">
               <a:rPr lang="es-ES_tradnl" smtClean="0"/>
-              <a:t>‹Nº›</a:t>
+              <a:t>‹#›</a:t>
             </a:fld>
             <a:endParaRPr lang="es-ES_tradnl"/>
           </a:p>
@@ -6119,7 +7315,7 @@
           <a:p>
             <a:fld id="{6FD36221-589F-2846-B89B-D09559D774BF}" type="datetimeFigureOut">
               <a:rPr lang="es-ES_tradnl" smtClean="0"/>
-              <a:t>28/05/2024</a:t>
+              <a:t>31/05/2024</a:t>
             </a:fld>
             <a:endParaRPr lang="es-ES_tradnl"/>
           </a:p>
@@ -6161,7 +7357,7 @@
           <a:p>
             <a:fld id="{3352F6F5-E16D-F340-A90C-ABCF032D59B6}" type="slidenum">
               <a:rPr lang="es-ES_tradnl" smtClean="0"/>
-              <a:t>‹Nº›</a:t>
+              <a:t>‹#›</a:t>
             </a:fld>
             <a:endParaRPr lang="es-ES_tradnl"/>
           </a:p>
@@ -6358,7 +7554,7 @@
           <a:p>
             <a:fld id="{6FD36221-589F-2846-B89B-D09559D774BF}" type="datetimeFigureOut">
               <a:rPr lang="es-ES_tradnl" smtClean="0"/>
-              <a:t>28/05/2024</a:t>
+              <a:t>31/05/2024</a:t>
             </a:fld>
             <a:endParaRPr lang="es-ES_tradnl"/>
           </a:p>
@@ -6400,7 +7596,7 @@
           <a:p>
             <a:fld id="{3352F6F5-E16D-F340-A90C-ABCF032D59B6}" type="slidenum">
               <a:rPr lang="es-ES_tradnl" smtClean="0"/>
-              <a:t>‹Nº›</a:t>
+              <a:t>‹#›</a:t>
             </a:fld>
             <a:endParaRPr lang="es-ES_tradnl"/>
           </a:p>
@@ -6585,7 +7781,7 @@
           <a:p>
             <a:fld id="{6FD36221-589F-2846-B89B-D09559D774BF}" type="datetimeFigureOut">
               <a:rPr lang="es-ES_tradnl" smtClean="0"/>
-              <a:t>28/05/2024</a:t>
+              <a:t>31/05/2024</a:t>
             </a:fld>
             <a:endParaRPr lang="es-ES_tradnl"/>
           </a:p>
@@ -6627,7 +7823,7 @@
           <a:p>
             <a:fld id="{3352F6F5-E16D-F340-A90C-ABCF032D59B6}" type="slidenum">
               <a:rPr lang="es-ES_tradnl" smtClean="0"/>
-              <a:t>‹Nº›</a:t>
+              <a:t>‹#›</a:t>
             </a:fld>
             <a:endParaRPr lang="es-ES_tradnl"/>
           </a:p>
@@ -6947,7 +8143,7 @@
           <a:p>
             <a:fld id="{6FD36221-589F-2846-B89B-D09559D774BF}" type="datetimeFigureOut">
               <a:rPr lang="es-ES_tradnl" smtClean="0"/>
-              <a:t>28/05/2024</a:t>
+              <a:t>31/05/2024</a:t>
             </a:fld>
             <a:endParaRPr lang="es-ES_tradnl"/>
           </a:p>
@@ -6989,7 +8185,7 @@
           <a:p>
             <a:fld id="{3352F6F5-E16D-F340-A90C-ABCF032D59B6}" type="slidenum">
               <a:rPr lang="es-ES_tradnl" smtClean="0"/>
-              <a:t>‹Nº›</a:t>
+              <a:t>‹#›</a:t>
             </a:fld>
             <a:endParaRPr lang="es-ES_tradnl"/>
           </a:p>
@@ -7060,7 +8256,7 @@
           <a:p>
             <a:fld id="{6FD36221-589F-2846-B89B-D09559D774BF}" type="datetimeFigureOut">
               <a:rPr lang="es-ES_tradnl" smtClean="0"/>
-              <a:t>28/05/2024</a:t>
+              <a:t>31/05/2024</a:t>
             </a:fld>
             <a:endParaRPr lang="es-ES_tradnl"/>
           </a:p>
@@ -7102,7 +8298,7 @@
           <a:p>
             <a:fld id="{3352F6F5-E16D-F340-A90C-ABCF032D59B6}" type="slidenum">
               <a:rPr lang="es-ES_tradnl" smtClean="0"/>
-              <a:t>‹Nº›</a:t>
+              <a:t>‹#›</a:t>
             </a:fld>
             <a:endParaRPr lang="es-ES_tradnl"/>
           </a:p>
@@ -7150,7 +8346,7 @@
           <a:p>
             <a:fld id="{6FD36221-589F-2846-B89B-D09559D774BF}" type="datetimeFigureOut">
               <a:rPr lang="es-ES_tradnl" smtClean="0"/>
-              <a:t>28/05/2024</a:t>
+              <a:t>31/05/2024</a:t>
             </a:fld>
             <a:endParaRPr lang="es-ES_tradnl"/>
           </a:p>
@@ -7192,7 +8388,7 @@
           <a:p>
             <a:fld id="{3352F6F5-E16D-F340-A90C-ABCF032D59B6}" type="slidenum">
               <a:rPr lang="es-ES_tradnl" smtClean="0"/>
-              <a:t>‹Nº›</a:t>
+              <a:t>‹#›</a:t>
             </a:fld>
             <a:endParaRPr lang="es-ES_tradnl"/>
           </a:p>
@@ -7422,7 +8618,7 @@
           <a:p>
             <a:fld id="{6FD36221-589F-2846-B89B-D09559D774BF}" type="datetimeFigureOut">
               <a:rPr lang="es-ES_tradnl" smtClean="0"/>
-              <a:t>28/05/2024</a:t>
+              <a:t>31/05/2024</a:t>
             </a:fld>
             <a:endParaRPr lang="es-ES_tradnl"/>
           </a:p>
@@ -7464,7 +8660,7 @@
           <a:p>
             <a:fld id="{3352F6F5-E16D-F340-A90C-ABCF032D59B6}" type="slidenum">
               <a:rPr lang="es-ES_tradnl" smtClean="0"/>
-              <a:t>‹Nº›</a:t>
+              <a:t>‹#›</a:t>
             </a:fld>
             <a:endParaRPr lang="es-ES_tradnl"/>
           </a:p>
@@ -7674,7 +8870,7 @@
           <a:p>
             <a:fld id="{6FD36221-589F-2846-B89B-D09559D774BF}" type="datetimeFigureOut">
               <a:rPr lang="es-ES_tradnl" smtClean="0"/>
-              <a:t>28/05/2024</a:t>
+              <a:t>31/05/2024</a:t>
             </a:fld>
             <a:endParaRPr lang="es-ES_tradnl"/>
           </a:p>
@@ -7716,7 +8912,7 @@
           <a:p>
             <a:fld id="{3352F6F5-E16D-F340-A90C-ABCF032D59B6}" type="slidenum">
               <a:rPr lang="es-ES_tradnl" smtClean="0"/>
-              <a:t>‹Nº›</a:t>
+              <a:t>‹#›</a:t>
             </a:fld>
             <a:endParaRPr lang="es-ES_tradnl"/>
           </a:p>
@@ -7882,7 +9078,7 @@
           <a:p>
             <a:fld id="{6FD36221-589F-2846-B89B-D09559D774BF}" type="datetimeFigureOut">
               <a:rPr lang="es-ES_tradnl" smtClean="0"/>
-              <a:t>28/05/2024</a:t>
+              <a:t>31/05/2024</a:t>
             </a:fld>
             <a:endParaRPr lang="es-ES_tradnl"/>
           </a:p>
@@ -7960,7 +9156,7 @@
           <a:p>
             <a:fld id="{3352F6F5-E16D-F340-A90C-ABCF032D59B6}" type="slidenum">
               <a:rPr lang="es-ES_tradnl" smtClean="0"/>
-              <a:t>‹Nº›</a:t>
+              <a:t>‹#›</a:t>
             </a:fld>
             <a:endParaRPr lang="es-ES_tradnl"/>
           </a:p>
@@ -8664,6 +9860,140 @@
           </a:prstGeom>
         </p:spPr>
       </p:pic>
+      <p:pic>
+        <p:nvPicPr>
+          <p:cNvPr id="6" name="Imagen 5" descr="Tabla&#10;&#10;Descripción generada automáticamente">
+            <a:extLst>
+              <a:ext uri="{FF2B5EF4-FFF2-40B4-BE49-F238E27FC236}">
+                <a16:creationId xmlns:a16="http://schemas.microsoft.com/office/drawing/2014/main" id="{0C0C8E64-D263-CCBE-C0C4-99E6E32043DF}"/>
+              </a:ext>
+            </a:extLst>
+          </p:cNvPr>
+          <p:cNvPicPr>
+            <a:picLocks noChangeAspect="1"/>
+          </p:cNvPicPr>
+          <p:nvPr/>
+        </p:nvPicPr>
+        <p:blipFill rotWithShape="1">
+          <a:blip r:embed="rId5"/>
+          <a:srcRect l="37712" r="37404" b="50668"/>
+          <a:stretch/>
+        </p:blipFill>
+        <p:spPr>
+          <a:xfrm>
+            <a:off x="161028" y="1707630"/>
+            <a:ext cx="5199386" cy="4322538"/>
+          </a:xfrm>
+          <a:prstGeom prst="rect">
+            <a:avLst/>
+          </a:prstGeom>
+        </p:spPr>
+      </p:pic>
+      <p:sp>
+        <p:nvSpPr>
+          <p:cNvPr id="9" name="TextBox 8">
+            <a:extLst>
+              <a:ext uri="{FF2B5EF4-FFF2-40B4-BE49-F238E27FC236}">
+                <a16:creationId xmlns:a16="http://schemas.microsoft.com/office/drawing/2014/main" id="{918EEFD3-1B62-CD56-E7FD-0E716F3B89E9}"/>
+              </a:ext>
+            </a:extLst>
+          </p:cNvPr>
+          <p:cNvSpPr txBox="1"/>
+          <p:nvPr/>
+        </p:nvSpPr>
+        <p:spPr>
+          <a:xfrm>
+            <a:off x="161028" y="161027"/>
+            <a:ext cx="9026104" cy="584775"/>
+          </a:xfrm>
+          <a:prstGeom prst="rect">
+            <a:avLst/>
+          </a:prstGeom>
+          <a:noFill/>
+        </p:spPr>
+        <p:txBody>
+          <a:bodyPr rot="0" spcFirstLastPara="0" vertOverflow="overflow" horzOverflow="overflow" vert="horz" wrap="square" lIns="91440" tIns="45720" rIns="91440" bIns="45720" numCol="1" spcCol="0" rtlCol="0" fromWordArt="0" anchor="t" anchorCtr="0" forceAA="0" compatLnSpc="1">
+            <a:prstTxWarp prst="textNoShape">
+              <a:avLst/>
+            </a:prstTxWarp>
+            <a:spAutoFit/>
+          </a:bodyPr>
+          <a:lstStyle/>
+          <a:p>
+            <a:r>
+              <a:rPr lang="es-CL" sz="3200">
+                <a:solidFill>
+                  <a:schemeClr val="bg1"/>
+                </a:solidFill>
+                <a:latin typeface="Segoe UI"/>
+                <a:cs typeface="Segoe UI"/>
+              </a:rPr>
+              <a:t>Coeficientes del modelo de Regresión Lineal</a:t>
+            </a:r>
+          </a:p>
+        </p:txBody>
+      </p:sp>
+      <p:sp>
+        <p:nvSpPr>
+          <p:cNvPr id="11" name="CuadroTexto 4">
+            <a:extLst>
+              <a:ext uri="{FF2B5EF4-FFF2-40B4-BE49-F238E27FC236}">
+                <a16:creationId xmlns:a16="http://schemas.microsoft.com/office/drawing/2014/main" id="{54F3CF11-87EE-1ECC-18E8-0E915D31363B}"/>
+              </a:ext>
+            </a:extLst>
+          </p:cNvPr>
+          <p:cNvSpPr txBox="1"/>
+          <p:nvPr/>
+        </p:nvSpPr>
+        <p:spPr>
+          <a:xfrm>
+            <a:off x="5357291" y="1713264"/>
+            <a:ext cx="3458962" cy="1200329"/>
+          </a:xfrm>
+          <a:prstGeom prst="rect">
+            <a:avLst/>
+          </a:prstGeom>
+          <a:noFill/>
+        </p:spPr>
+        <p:txBody>
+          <a:bodyPr wrap="square" lIns="91440" tIns="45720" rIns="91440" bIns="45720" rtlCol="0" anchor="t">
+            <a:spAutoFit/>
+          </a:bodyPr>
+          <a:lstStyle/>
+          <a:p>
+            <a:r>
+              <a:rPr lang="es-CL" err="1"/>
+              <a:t>Arbol</a:t>
+            </a:r>
+            <a:r>
+              <a:rPr lang="es-CL"/>
+              <a:t> de decisiones con 1500 iteraciones, 8 combinaciones (</a:t>
+            </a:r>
+            <a:r>
+              <a:rPr lang="es-CL" err="1"/>
+              <a:t>tuneLength</a:t>
+            </a:r>
+            <a:r>
+              <a:rPr lang="es-CL"/>
+              <a:t>) con un tiempo estimado de </a:t>
+            </a:r>
+            <a:r>
+              <a:rPr lang="es-CL" sz="1800" b="0" i="0" u="none" strike="noStrike">
+                <a:solidFill>
+                  <a:srgbClr val="000000"/>
+                </a:solidFill>
+                <a:effectLst/>
+                <a:latin typeface="Aptos Narrow"/>
+              </a:rPr>
+              <a:t>37963.41</a:t>
+            </a:r>
+            <a:r>
+              <a:rPr lang="es-CL"/>
+              <a:t> segundos</a:t>
+            </a:r>
+          </a:p>
+        </p:txBody>
+      </p:sp>
     </p:spTree>
     <p:extLst>
       <p:ext uri="{BB962C8B-B14F-4D97-AF65-F5344CB8AC3E}">
@@ -8753,10 +10083,151 @@
           </a:prstGeom>
         </p:spPr>
       </p:pic>
+      <p:sp>
+        <p:nvSpPr>
+          <p:cNvPr id="4" name="TextBox 3">
+            <a:extLst>
+              <a:ext uri="{FF2B5EF4-FFF2-40B4-BE49-F238E27FC236}">
+                <a16:creationId xmlns:a16="http://schemas.microsoft.com/office/drawing/2014/main" id="{F02CF29A-A715-31C0-1FB3-036601D6E4EA}"/>
+              </a:ext>
+            </a:extLst>
+          </p:cNvPr>
+          <p:cNvSpPr txBox="1"/>
+          <p:nvPr/>
+        </p:nvSpPr>
+        <p:spPr>
+          <a:xfrm>
+            <a:off x="8628" y="8627"/>
+            <a:ext cx="9026104" cy="584775"/>
+          </a:xfrm>
+          <a:prstGeom prst="rect">
+            <a:avLst/>
+          </a:prstGeom>
+          <a:noFill/>
+        </p:spPr>
+        <p:txBody>
+          <a:bodyPr rot="0" spcFirstLastPara="0" vertOverflow="overflow" horzOverflow="overflow" vert="horz" wrap="square" lIns="91440" tIns="45720" rIns="91440" bIns="45720" numCol="1" spcCol="0" rtlCol="0" fromWordArt="0" anchor="t" anchorCtr="0" forceAA="0" compatLnSpc="1">
+            <a:prstTxWarp prst="textNoShape">
+              <a:avLst/>
+            </a:prstTxWarp>
+            <a:spAutoFit/>
+          </a:bodyPr>
+          <a:lstStyle/>
+          <a:p>
+            <a:r>
+              <a:rPr lang="es-CL" sz="3200">
+                <a:solidFill>
+                  <a:schemeClr val="bg1"/>
+                </a:solidFill>
+                <a:latin typeface="Segoe UI"/>
+                <a:cs typeface="Segoe UI"/>
+              </a:rPr>
+              <a:t>Mejor modelo de Árbol de Decisión</a:t>
+            </a:r>
+            <a:endParaRPr lang="en-US" sz="3200">
+              <a:solidFill>
+                <a:schemeClr val="bg1"/>
+              </a:solidFill>
+              <a:latin typeface="Segoe UI"/>
+              <a:cs typeface="Segoe UI"/>
+            </a:endParaRPr>
+          </a:p>
+        </p:txBody>
+      </p:sp>
+      <p:pic>
+        <p:nvPicPr>
+          <p:cNvPr id="3" name="Picture 2" descr="A diagram of a tree&#10;&#10;Description automatically generated">
+            <a:extLst>
+              <a:ext uri="{FF2B5EF4-FFF2-40B4-BE49-F238E27FC236}">
+                <a16:creationId xmlns:a16="http://schemas.microsoft.com/office/drawing/2014/main" id="{26F7DDE7-2481-2E5D-0327-89A9CAB01349}"/>
+              </a:ext>
+            </a:extLst>
+          </p:cNvPr>
+          <p:cNvPicPr>
+            <a:picLocks noChangeAspect="1"/>
+          </p:cNvPicPr>
+          <p:nvPr/>
+        </p:nvPicPr>
+        <p:blipFill rotWithShape="1">
+          <a:blip r:embed="rId5"/>
+          <a:srcRect b="15763"/>
+          <a:stretch/>
+        </p:blipFill>
+        <p:spPr>
+          <a:xfrm>
+            <a:off x="347309" y="838945"/>
+            <a:ext cx="8449382" cy="4583447"/>
+          </a:xfrm>
+          <a:prstGeom prst="rect">
+            <a:avLst/>
+          </a:prstGeom>
+        </p:spPr>
+      </p:pic>
+      <p:sp>
+        <p:nvSpPr>
+          <p:cNvPr id="8" name="CuadroTexto 4">
+            <a:extLst>
+              <a:ext uri="{FF2B5EF4-FFF2-40B4-BE49-F238E27FC236}">
+                <a16:creationId xmlns:a16="http://schemas.microsoft.com/office/drawing/2014/main" id="{0813027B-95BD-595E-9D55-71C2C8AF706B}"/>
+              </a:ext>
+            </a:extLst>
+          </p:cNvPr>
+          <p:cNvSpPr txBox="1"/>
+          <p:nvPr/>
+        </p:nvSpPr>
+        <p:spPr>
+          <a:xfrm>
+            <a:off x="411480" y="5796433"/>
+            <a:ext cx="8174736" cy="646331"/>
+          </a:xfrm>
+          <a:prstGeom prst="rect">
+            <a:avLst/>
+          </a:prstGeom>
+          <a:noFill/>
+        </p:spPr>
+        <p:txBody>
+          <a:bodyPr wrap="square" lIns="91440" tIns="45720" rIns="91440" bIns="45720" rtlCol="0" anchor="t">
+            <a:spAutoFit/>
+          </a:bodyPr>
+          <a:lstStyle/>
+          <a:p>
+            <a:r>
+              <a:rPr lang="es-CL" err="1"/>
+              <a:t>Arbol</a:t>
+            </a:r>
+            <a:r>
+              <a:rPr lang="es-CL"/>
+              <a:t> de decisiones con 1500 iteraciones, 8 combinaciones (</a:t>
+            </a:r>
+            <a:r>
+              <a:rPr lang="es-CL" err="1"/>
+              <a:t>tuneLength</a:t>
+            </a:r>
+            <a:r>
+              <a:rPr lang="es-CL"/>
+              <a:t>) con un tiempo estimado de </a:t>
+            </a:r>
+            <a:r>
+              <a:rPr lang="es-CL" sz="1800" b="0" i="0" u="none" strike="noStrike">
+                <a:solidFill>
+                  <a:srgbClr val="000000"/>
+                </a:solidFill>
+                <a:effectLst/>
+                <a:latin typeface="Aptos Narrow"/>
+              </a:rPr>
+              <a:t>37963.41</a:t>
+            </a:r>
+            <a:r>
+              <a:rPr lang="es-CL"/>
+              <a:t> segundos</a:t>
+            </a:r>
+          </a:p>
+        </p:txBody>
+      </p:sp>
     </p:spTree>
     <p:extLst>
       <p:ext uri="{BB962C8B-B14F-4D97-AF65-F5344CB8AC3E}">
-        <p14:creationId xmlns:p14="http://schemas.microsoft.com/office/powerpoint/2010/main" val="3846956206"/>
+        <p14:creationId xmlns:p14="http://schemas.microsoft.com/office/powerpoint/2010/main" val="3881109046"/>
       </p:ext>
     </p:extLst>
   </p:cSld>
@@ -8842,10 +10313,147 @@
           </a:prstGeom>
         </p:spPr>
       </p:pic>
+      <p:sp>
+        <p:nvSpPr>
+          <p:cNvPr id="4" name="TextBox 3">
+            <a:extLst>
+              <a:ext uri="{FF2B5EF4-FFF2-40B4-BE49-F238E27FC236}">
+                <a16:creationId xmlns:a16="http://schemas.microsoft.com/office/drawing/2014/main" id="{73CE5B8F-7D30-91F7-1251-F37FF484EFCF}"/>
+              </a:ext>
+            </a:extLst>
+          </p:cNvPr>
+          <p:cNvSpPr txBox="1"/>
+          <p:nvPr/>
+        </p:nvSpPr>
+        <p:spPr>
+          <a:xfrm>
+            <a:off x="8628" y="8627"/>
+            <a:ext cx="9026104" cy="584775"/>
+          </a:xfrm>
+          <a:prstGeom prst="rect">
+            <a:avLst/>
+          </a:prstGeom>
+          <a:noFill/>
+        </p:spPr>
+        <p:txBody>
+          <a:bodyPr rot="0" spcFirstLastPara="0" vertOverflow="overflow" horzOverflow="overflow" vert="horz" wrap="square" lIns="91440" tIns="45720" rIns="91440" bIns="45720" numCol="1" spcCol="0" rtlCol="0" fromWordArt="0" anchor="t" anchorCtr="0" forceAA="0" compatLnSpc="1">
+            <a:prstTxWarp prst="textNoShape">
+              <a:avLst/>
+            </a:prstTxWarp>
+            <a:spAutoFit/>
+          </a:bodyPr>
+          <a:lstStyle/>
+          <a:p>
+            <a:r>
+              <a:rPr lang="es-CL" sz="3200">
+                <a:solidFill>
+                  <a:schemeClr val="bg1"/>
+                </a:solidFill>
+                <a:latin typeface="Segoe UI"/>
+                <a:cs typeface="Segoe UI"/>
+              </a:rPr>
+              <a:t>Mejor rendimiento de la Red Neuronal</a:t>
+            </a:r>
+            <a:endParaRPr lang="en-US" sz="3200">
+              <a:solidFill>
+                <a:schemeClr val="bg1"/>
+              </a:solidFill>
+              <a:latin typeface="Segoe UI"/>
+              <a:cs typeface="Segoe UI"/>
+            </a:endParaRPr>
+          </a:p>
+        </p:txBody>
+      </p:sp>
+      <p:pic>
+        <p:nvPicPr>
+          <p:cNvPr id="3" name="Picture 2">
+            <a:extLst>
+              <a:ext uri="{FF2B5EF4-FFF2-40B4-BE49-F238E27FC236}">
+                <a16:creationId xmlns:a16="http://schemas.microsoft.com/office/drawing/2014/main" id="{A662CC04-D783-BA43-44B0-652FCDCE9BAC}"/>
+              </a:ext>
+            </a:extLst>
+          </p:cNvPr>
+          <p:cNvPicPr>
+            <a:picLocks noChangeAspect="1"/>
+          </p:cNvPicPr>
+          <p:nvPr/>
+        </p:nvPicPr>
+        <p:blipFill rotWithShape="1">
+          <a:blip r:embed="rId5"/>
+          <a:srcRect l="7244" t="7598" r="14049" b="9058"/>
+          <a:stretch/>
+        </p:blipFill>
+        <p:spPr>
+          <a:xfrm>
+            <a:off x="40740" y="883813"/>
+            <a:ext cx="8961880" cy="3950207"/>
+          </a:xfrm>
+          <a:prstGeom prst="rect">
+            <a:avLst/>
+          </a:prstGeom>
+        </p:spPr>
+      </p:pic>
+      <p:sp>
+        <p:nvSpPr>
+          <p:cNvPr id="5" name="CuadroTexto 4">
+            <a:extLst>
+              <a:ext uri="{FF2B5EF4-FFF2-40B4-BE49-F238E27FC236}">
+                <a16:creationId xmlns:a16="http://schemas.microsoft.com/office/drawing/2014/main" id="{8BBE7EF7-3202-DE81-8BE6-B3A027B2AF55}"/>
+              </a:ext>
+            </a:extLst>
+          </p:cNvPr>
+          <p:cNvSpPr txBox="1"/>
+          <p:nvPr/>
+        </p:nvSpPr>
+        <p:spPr>
+          <a:xfrm>
+            <a:off x="411480" y="5020056"/>
+            <a:ext cx="8174736" cy="646331"/>
+          </a:xfrm>
+          <a:prstGeom prst="rect">
+            <a:avLst/>
+          </a:prstGeom>
+          <a:noFill/>
+        </p:spPr>
+        <p:txBody>
+          <a:bodyPr wrap="square" rtlCol="0">
+            <a:spAutoFit/>
+          </a:bodyPr>
+          <a:lstStyle/>
+          <a:p>
+            <a:r>
+              <a:rPr lang="es-CL"/>
+              <a:t>Red neuronal con 2000 iteraciones, 9 combinaciones (</a:t>
+            </a:r>
+            <a:r>
+              <a:rPr lang="es-CL" err="1"/>
+              <a:t>tuneLength</a:t>
+            </a:r>
+            <a:r>
+              <a:rPr lang="es-CL"/>
+              <a:t>) con un tiempo estimado de </a:t>
+            </a:r>
+            <a:r>
+              <a:rPr lang="es-CL" sz="1800" b="0" i="0" u="none" strike="noStrike">
+                <a:solidFill>
+                  <a:srgbClr val="000000"/>
+                </a:solidFill>
+                <a:effectLst/>
+                <a:latin typeface="Aptos Narrow" panose="020B0004020202020204" pitchFamily="34" charset="0"/>
+              </a:rPr>
+              <a:t>37963.41</a:t>
+            </a:r>
+            <a:r>
+              <a:rPr lang="es-CL"/>
+              <a:t> segundos</a:t>
+            </a:r>
+          </a:p>
+        </p:txBody>
+      </p:sp>
     </p:spTree>
     <p:extLst>
       <p:ext uri="{BB962C8B-B14F-4D97-AF65-F5344CB8AC3E}">
-        <p14:creationId xmlns:p14="http://schemas.microsoft.com/office/powerpoint/2010/main" val="1385646645"/>
+        <p14:creationId xmlns:p14="http://schemas.microsoft.com/office/powerpoint/2010/main" val="3846956206"/>
       </p:ext>
     </p:extLst>
   </p:cSld>
@@ -8931,10 +10539,139 @@
           </a:prstGeom>
         </p:spPr>
       </p:pic>
+      <p:sp>
+        <p:nvSpPr>
+          <p:cNvPr id="4" name="TextBox 3">
+            <a:extLst>
+              <a:ext uri="{FF2B5EF4-FFF2-40B4-BE49-F238E27FC236}">
+                <a16:creationId xmlns:a16="http://schemas.microsoft.com/office/drawing/2014/main" id="{1B472DC2-177A-CBA7-EDAD-E731AD6275AF}"/>
+              </a:ext>
+            </a:extLst>
+          </p:cNvPr>
+          <p:cNvSpPr txBox="1"/>
+          <p:nvPr/>
+        </p:nvSpPr>
+        <p:spPr>
+          <a:xfrm>
+            <a:off x="8628" y="8627"/>
+            <a:ext cx="9026104" cy="646331"/>
+          </a:xfrm>
+          <a:prstGeom prst="rect">
+            <a:avLst/>
+          </a:prstGeom>
+          <a:noFill/>
+        </p:spPr>
+        <p:txBody>
+          <a:bodyPr rot="0" spcFirstLastPara="0" vertOverflow="overflow" horzOverflow="overflow" vert="horz" wrap="square" lIns="91440" tIns="45720" rIns="91440" bIns="45720" numCol="1" spcCol="0" rtlCol="0" fromWordArt="0" anchor="t" anchorCtr="0" forceAA="0" compatLnSpc="1">
+            <a:prstTxWarp prst="textNoShape">
+              <a:avLst/>
+            </a:prstTxWarp>
+            <a:spAutoFit/>
+          </a:bodyPr>
+          <a:lstStyle/>
+          <a:p>
+            <a:r>
+              <a:rPr lang="es-CL" b="1">
+                <a:solidFill>
+                  <a:schemeClr val="bg1"/>
+                </a:solidFill>
+                <a:latin typeface="Segoe UI"/>
+                <a:cs typeface="Segoe UI"/>
+              </a:rPr>
+              <a:t>Comparación de las medidas de </a:t>
+            </a:r>
+            <a:r>
+              <a:rPr lang="es-CL" b="1" err="1">
+                <a:solidFill>
+                  <a:schemeClr val="bg1"/>
+                </a:solidFill>
+                <a:latin typeface="Segoe UI"/>
+                <a:cs typeface="Segoe UI"/>
+              </a:rPr>
+              <a:t>evaluacion</a:t>
+            </a:r>
+            <a:r>
+              <a:rPr lang="es-CL" b="1">
+                <a:solidFill>
+                  <a:schemeClr val="bg1"/>
+                </a:solidFill>
+                <a:latin typeface="Segoe UI"/>
+                <a:cs typeface="Segoe UI"/>
+              </a:rPr>
+              <a:t> de desempeño, resultado de la validación cruzada, hiper </a:t>
+            </a:r>
+            <a:r>
+              <a:rPr lang="es-CL" b="1" err="1">
+                <a:solidFill>
+                  <a:schemeClr val="bg1"/>
+                </a:solidFill>
+                <a:latin typeface="Segoe UI"/>
+                <a:cs typeface="Segoe UI"/>
+              </a:rPr>
+              <a:t>parametros</a:t>
+            </a:r>
+            <a:r>
+              <a:rPr lang="es-CL" b="1">
+                <a:solidFill>
+                  <a:schemeClr val="bg1"/>
+                </a:solidFill>
+                <a:latin typeface="Segoe UI"/>
+                <a:cs typeface="Segoe UI"/>
+              </a:rPr>
+              <a:t> </a:t>
+            </a:r>
+            <a:r>
+              <a:rPr lang="es-CL" b="1" err="1">
+                <a:solidFill>
+                  <a:schemeClr val="bg1"/>
+                </a:solidFill>
+                <a:latin typeface="Segoe UI"/>
+                <a:cs typeface="Segoe UI"/>
+              </a:rPr>
+              <a:t>optimos</a:t>
+            </a:r>
+            <a:r>
+              <a:rPr lang="es-CL" b="1">
+                <a:solidFill>
+                  <a:schemeClr val="bg1"/>
+                </a:solidFill>
+                <a:latin typeface="Segoe UI"/>
+                <a:cs typeface="Segoe UI"/>
+              </a:rPr>
+              <a:t> </a:t>
+            </a:r>
+            <a:r>
+              <a:rPr lang="es-CL" b="1" err="1">
+                <a:solidFill>
+                  <a:schemeClr val="bg1"/>
+                </a:solidFill>
+                <a:latin typeface="Segoe UI"/>
+                <a:cs typeface="Segoe UI"/>
+              </a:rPr>
+              <a:t>enocntrados</a:t>
+            </a:r>
+            <a:r>
+              <a:rPr lang="es-CL" b="1">
+                <a:solidFill>
+                  <a:schemeClr val="bg1"/>
+                </a:solidFill>
+                <a:latin typeface="Segoe UI"/>
+                <a:cs typeface="Segoe UI"/>
+              </a:rPr>
+              <a:t> para cada modelo</a:t>
+            </a:r>
+            <a:endParaRPr lang="en-US" sz="1400">
+              <a:solidFill>
+                <a:schemeClr val="bg1"/>
+              </a:solidFill>
+            </a:endParaRPr>
+          </a:p>
+        </p:txBody>
+      </p:sp>
     </p:spTree>
     <p:extLst>
       <p:ext uri="{BB962C8B-B14F-4D97-AF65-F5344CB8AC3E}">
-        <p14:creationId xmlns:p14="http://schemas.microsoft.com/office/powerpoint/2010/main" val="2591914574"/>
+        <p14:creationId xmlns:p14="http://schemas.microsoft.com/office/powerpoint/2010/main" val="1385646645"/>
       </p:ext>
     </p:extLst>
   </p:cSld>
@@ -9020,6 +10757,218 @@
           </a:prstGeom>
         </p:spPr>
       </p:pic>
+      <p:sp>
+        <p:nvSpPr>
+          <p:cNvPr id="4" name="TextBox 3">
+            <a:extLst>
+              <a:ext uri="{FF2B5EF4-FFF2-40B4-BE49-F238E27FC236}">
+                <a16:creationId xmlns:a16="http://schemas.microsoft.com/office/drawing/2014/main" id="{0DE6162D-C13D-397C-C9D8-D8586A50C6D7}"/>
+              </a:ext>
+            </a:extLst>
+          </p:cNvPr>
+          <p:cNvSpPr txBox="1"/>
+          <p:nvPr/>
+        </p:nvSpPr>
+        <p:spPr>
+          <a:xfrm>
+            <a:off x="8628" y="181155"/>
+            <a:ext cx="9026104" cy="523220"/>
+          </a:xfrm>
+          <a:prstGeom prst="rect">
+            <a:avLst/>
+          </a:prstGeom>
+          <a:noFill/>
+        </p:spPr>
+        <p:txBody>
+          <a:bodyPr rot="0" spcFirstLastPara="0" vertOverflow="overflow" horzOverflow="overflow" vert="horz" wrap="square" lIns="91440" tIns="45720" rIns="91440" bIns="45720" numCol="1" spcCol="0" rtlCol="0" fromWordArt="0" anchor="t" anchorCtr="0" forceAA="0" compatLnSpc="1">
+            <a:prstTxWarp prst="textNoShape">
+              <a:avLst/>
+            </a:prstTxWarp>
+            <a:spAutoFit/>
+          </a:bodyPr>
+          <a:lstStyle/>
+          <a:p>
+            <a:r>
+              <a:rPr lang="es-CL" sz="2800">
+                <a:solidFill>
+                  <a:schemeClr val="bg1"/>
+                </a:solidFill>
+                <a:latin typeface="Segoe UI"/>
+                <a:cs typeface="Segoe UI"/>
+              </a:rPr>
+              <a:t>Medidas de la validación con datos de prueba</a:t>
+            </a:r>
+          </a:p>
+        </p:txBody>
+      </p:sp>
+    </p:spTree>
+    <p:extLst>
+      <p:ext uri="{BB962C8B-B14F-4D97-AF65-F5344CB8AC3E}">
+        <p14:creationId xmlns:p14="http://schemas.microsoft.com/office/powerpoint/2010/main" val="2591914574"/>
+      </p:ext>
+    </p:extLst>
+  </p:cSld>
+  <p:clrMapOvr>
+    <a:masterClrMapping/>
+  </p:clrMapOvr>
+</p:sld>
+</file>
+
+<file path=ppt/slides/slide15.xml><?xml version="1.0" encoding="utf-8"?>
+<p:sld xmlns:a="http://schemas.openxmlformats.org/drawingml/2006/main" xmlns:r="http://schemas.openxmlformats.org/officeDocument/2006/relationships" xmlns:p="http://schemas.openxmlformats.org/presentationml/2006/main">
+  <p:cSld>
+    <p:spTree>
+      <p:nvGrpSpPr>
+        <p:cNvPr id="1" name=""/>
+        <p:cNvGrpSpPr/>
+        <p:nvPr/>
+      </p:nvGrpSpPr>
+      <p:grpSpPr>
+        <a:xfrm>
+          <a:off x="0" y="0"/>
+          <a:ext cx="0" cy="0"/>
+          <a:chOff x="0" y="0"/>
+          <a:chExt cx="0" cy="0"/>
+        </a:xfrm>
+      </p:grpSpPr>
+      <p:pic>
+        <p:nvPicPr>
+          <p:cNvPr id="7" name="Imagen 6"/>
+          <p:cNvPicPr>
+            <a:picLocks noChangeAspect="1"/>
+          </p:cNvPicPr>
+          <p:nvPr/>
+        </p:nvPicPr>
+        <p:blipFill rotWithShape="1">
+          <a:blip r:embed="rId3">
+            <a:extLst>
+              <a:ext uri="{28A0092B-C50C-407E-A947-70E740481C1C}">
+                <a14:useLocalDpi xmlns:a14="http://schemas.microsoft.com/office/drawing/2010/main" val="0"/>
+              </a:ext>
+            </a:extLst>
+          </a:blip>
+          <a:srcRect l="-153" t="20538" r="153" b="51651"/>
+          <a:stretch/>
+        </p:blipFill>
+        <p:spPr>
+          <a:xfrm>
+            <a:off x="-14013" y="1"/>
+            <a:ext cx="9172026" cy="802886"/>
+          </a:xfrm>
+          <a:prstGeom prst="rect">
+            <a:avLst/>
+          </a:prstGeom>
+        </p:spPr>
+      </p:pic>
+      <p:pic>
+        <p:nvPicPr>
+          <p:cNvPr id="2" name="Imagen 1"/>
+          <p:cNvPicPr>
+            <a:picLocks noChangeAspect="1"/>
+          </p:cNvPicPr>
+          <p:nvPr/>
+        </p:nvPicPr>
+        <p:blipFill>
+          <a:blip r:embed="rId4">
+            <a:extLst>
+              <a:ext uri="{28A0092B-C50C-407E-A947-70E740481C1C}">
+                <a14:useLocalDpi xmlns:a14="http://schemas.microsoft.com/office/drawing/2010/main" val="0"/>
+              </a:ext>
+            </a:extLst>
+          </a:blip>
+          <a:stretch>
+            <a:fillRect/>
+          </a:stretch>
+        </p:blipFill>
+        <p:spPr>
+          <a:xfrm>
+            <a:off x="8316024" y="89553"/>
+            <a:ext cx="719254" cy="600029"/>
+          </a:xfrm>
+          <a:prstGeom prst="rect">
+            <a:avLst/>
+          </a:prstGeom>
+        </p:spPr>
+      </p:pic>
+      <p:sp>
+        <p:nvSpPr>
+          <p:cNvPr id="4" name="TextBox 3">
+            <a:extLst>
+              <a:ext uri="{FF2B5EF4-FFF2-40B4-BE49-F238E27FC236}">
+                <a16:creationId xmlns:a16="http://schemas.microsoft.com/office/drawing/2014/main" id="{81550CC3-3652-B4BA-6728-9FE3F2D0F19F}"/>
+              </a:ext>
+            </a:extLst>
+          </p:cNvPr>
+          <p:cNvSpPr txBox="1"/>
+          <p:nvPr/>
+        </p:nvSpPr>
+        <p:spPr>
+          <a:xfrm>
+            <a:off x="8628" y="181155"/>
+            <a:ext cx="9026104" cy="430887"/>
+          </a:xfrm>
+          <a:prstGeom prst="rect">
+            <a:avLst/>
+          </a:prstGeom>
+          <a:noFill/>
+        </p:spPr>
+        <p:txBody>
+          <a:bodyPr rot="0" spcFirstLastPara="0" vertOverflow="overflow" horzOverflow="overflow" vert="horz" wrap="square" lIns="91440" tIns="45720" rIns="91440" bIns="45720" numCol="1" spcCol="0" rtlCol="0" fromWordArt="0" anchor="t" anchorCtr="0" forceAA="0" compatLnSpc="1">
+            <a:prstTxWarp prst="textNoShape">
+              <a:avLst/>
+            </a:prstTxWarp>
+            <a:spAutoFit/>
+          </a:bodyPr>
+          <a:lstStyle/>
+          <a:p>
+            <a:r>
+              <a:rPr lang="es-CL" sz="2200">
+                <a:solidFill>
+                  <a:schemeClr val="bg1"/>
+                </a:solidFill>
+                <a:latin typeface="Segoe UI"/>
+                <a:cs typeface="Segoe UI"/>
+              </a:rPr>
+              <a:t>Gráficos, Curva ROC, diagrama de </a:t>
+            </a:r>
+            <a:r>
+              <a:rPr lang="es-CL" sz="2200" err="1">
+                <a:solidFill>
+                  <a:schemeClr val="bg1"/>
+                </a:solidFill>
+                <a:latin typeface="Segoe UI"/>
+                <a:cs typeface="Segoe UI"/>
+              </a:rPr>
+              <a:t>diespersión</a:t>
+            </a:r>
+            <a:r>
+              <a:rPr lang="es-CL" sz="2200">
+                <a:solidFill>
+                  <a:schemeClr val="bg1"/>
+                </a:solidFill>
+                <a:latin typeface="Segoe UI"/>
+                <a:cs typeface="Segoe UI"/>
+              </a:rPr>
+              <a:t>, grafico de </a:t>
+            </a:r>
+            <a:r>
+              <a:rPr lang="es-CL" sz="2200" err="1">
+                <a:solidFill>
+                  <a:schemeClr val="bg1"/>
+                </a:solidFill>
+                <a:latin typeface="Segoe UI"/>
+                <a:cs typeface="Segoe UI"/>
+              </a:rPr>
+              <a:t>linea</a:t>
+            </a:r>
+            <a:endParaRPr lang="en-US" err="1">
+              <a:solidFill>
+                <a:schemeClr val="bg1"/>
+              </a:solidFill>
+            </a:endParaRPr>
+          </a:p>
+        </p:txBody>
+      </p:sp>
     </p:spTree>
     <p:extLst>
       <p:ext uri="{BB962C8B-B14F-4D97-AF65-F5344CB8AC3E}">
@@ -9033,7 +10982,7 @@
 </p:sld>
 </file>
 
-<file path=ppt/slides/slide15.xml><?xml version="1.0" encoding="utf-8"?>
+<file path=ppt/slides/slide16.xml><?xml version="1.0" encoding="utf-8"?>
 <p:sld xmlns:a="http://schemas.openxmlformats.org/drawingml/2006/main" xmlns:r="http://schemas.openxmlformats.org/officeDocument/2006/relationships" xmlns:p="http://schemas.openxmlformats.org/presentationml/2006/main">
   <p:cSld>
     <p:spTree>
@@ -9378,20 +11327,230 @@
             </a:lvl9pPr>
           </a:lstStyle>
           <a:p>
-            <a:pPr algn="just">
-              <a:buNone/>
-            </a:pPr>
+            <a:pPr algn="just"/>
             <a:r>
               <a:rPr lang="es-ES" sz="1600">
                 <a:solidFill>
                   <a:schemeClr val="bg1"/>
                 </a:solidFill>
-                <a:ea typeface="+mn-lt"/>
-                <a:cs typeface="+mn-lt"/>
+                <a:ea typeface="Calibri"/>
+                <a:cs typeface="Calibri"/>
               </a:rPr>
-              <a:t>sadasda</a:t>
-            </a:r>
-            <a:endParaRPr lang="en-US"/>
+              <a:t>P</a:t>
+            </a:r>
+            <a:r>
+              <a:rPr lang="es-ES" sz="2000">
+                <a:solidFill>
+                  <a:schemeClr val="bg1"/>
+                </a:solidFill>
+                <a:latin typeface="Segoe UI"/>
+                <a:ea typeface="Calibri"/>
+                <a:cs typeface="Calibri"/>
+              </a:rPr>
+              <a:t>odemos definir que si consideramos un limite de R de 0,75, los datos de cada modelo nos indica que son </a:t>
+            </a:r>
+            <a:r>
+              <a:rPr lang="es-ES" sz="2000" err="1">
+                <a:solidFill>
+                  <a:schemeClr val="bg1"/>
+                </a:solidFill>
+                <a:latin typeface="Segoe UI"/>
+                <a:ea typeface="Calibri"/>
+                <a:cs typeface="Calibri"/>
+              </a:rPr>
+              <a:t>optimos</a:t>
+            </a:r>
+            <a:r>
+              <a:rPr lang="es-ES" sz="2000">
+                <a:solidFill>
+                  <a:schemeClr val="bg1"/>
+                </a:solidFill>
+                <a:latin typeface="Segoe UI"/>
+                <a:ea typeface="Calibri"/>
+                <a:cs typeface="Calibri"/>
+              </a:rPr>
+              <a:t>, sin embargo</a:t>
+            </a:r>
+            <a:r>
+              <a:rPr lang="es-ES" sz="2000">
+                <a:solidFill>
+                  <a:schemeClr val="bg1"/>
+                </a:solidFill>
+                <a:latin typeface="Segoe UI"/>
+                <a:cs typeface="Calibri"/>
+              </a:rPr>
+              <a:t>, a causa de las iteraciones que se ejecutaron para obtener le mejor rendimiento,  sumado a los </a:t>
+            </a:r>
+            <a:r>
+              <a:rPr lang="es-ES" sz="2000" err="1">
+                <a:solidFill>
+                  <a:schemeClr val="bg1"/>
+                </a:solidFill>
+                <a:latin typeface="Segoe UI"/>
+                <a:cs typeface="Calibri"/>
+              </a:rPr>
+              <a:t>parametros</a:t>
+            </a:r>
+            <a:r>
+              <a:rPr lang="es-ES" sz="2000">
+                <a:solidFill>
+                  <a:schemeClr val="bg1"/>
+                </a:solidFill>
+                <a:latin typeface="Segoe UI"/>
+                <a:cs typeface="Calibri"/>
+              </a:rPr>
+              <a:t> resultantes, llegamos a concluir que se puede tomar la decisión de sacrificar rendimiento o tiempo al momento de escoger cual modelo a aplicaren llegando a tres alternativas finales, con una </a:t>
+            </a:r>
+            <a:r>
+              <a:rPr lang="es-ES" sz="2000" err="1">
+                <a:solidFill>
+                  <a:schemeClr val="bg1"/>
+                </a:solidFill>
+                <a:latin typeface="Segoe UI"/>
+                <a:cs typeface="Calibri"/>
+              </a:rPr>
+              <a:t>iteracion</a:t>
+            </a:r>
+            <a:r>
+              <a:rPr lang="es-ES" sz="2000">
+                <a:solidFill>
+                  <a:schemeClr val="bg1"/>
+                </a:solidFill>
+                <a:latin typeface="Segoe UI"/>
+                <a:cs typeface="Calibri"/>
+              </a:rPr>
+              <a:t> de con tantas repeticiones, se trabaja con el modelo de </a:t>
+            </a:r>
+            <a:r>
+              <a:rPr lang="es-ES" sz="2000" err="1">
+                <a:solidFill>
+                  <a:schemeClr val="bg1"/>
+                </a:solidFill>
+                <a:latin typeface="Segoe UI"/>
+                <a:cs typeface="Calibri"/>
+              </a:rPr>
+              <a:t>Regresion</a:t>
+            </a:r>
+            <a:r>
+              <a:rPr lang="es-ES" sz="2000">
+                <a:solidFill>
+                  <a:schemeClr val="bg1"/>
+                </a:solidFill>
+                <a:latin typeface="Segoe UI"/>
+                <a:cs typeface="Calibri"/>
+              </a:rPr>
+              <a:t> Lineal el que ejecuta con un rendimiento menos eficaz pero aplicando el menor tiempo,  en el caso de la Red Neuronal se ejecuta con un rendimiento eficaz aplicando el mayor tiempo y finalmente el KNN que se ejecuta en menos tiempo que la red neuronal y genera resultados </a:t>
+            </a:r>
+            <a:r>
+              <a:rPr lang="es-ES" sz="2000" err="1">
+                <a:solidFill>
+                  <a:schemeClr val="bg1"/>
+                </a:solidFill>
+                <a:latin typeface="Segoe UI"/>
+                <a:cs typeface="Calibri"/>
+              </a:rPr>
+              <a:t>optimos</a:t>
+            </a:r>
+            <a:r>
+              <a:rPr lang="es-ES" sz="2000">
+                <a:solidFill>
+                  <a:schemeClr val="bg1"/>
+                </a:solidFill>
+                <a:latin typeface="Segoe UI"/>
+                <a:cs typeface="Calibri"/>
+              </a:rPr>
+              <a:t> para el modelo</a:t>
+            </a:r>
+            <a:endParaRPr lang="en-US" sz="2000">
+              <a:solidFill>
+                <a:schemeClr val="bg1"/>
+              </a:solidFill>
+              <a:latin typeface="Segoe UI"/>
+              <a:cs typeface="Segoe UI"/>
+            </a:endParaRPr>
+          </a:p>
+          <a:p>
+            <a:pPr algn="just"/>
+            <a:r>
+              <a:rPr lang="es-ES" sz="2000">
+                <a:solidFill>
+                  <a:schemeClr val="bg1"/>
+                </a:solidFill>
+                <a:latin typeface="Segoe UI"/>
+                <a:cs typeface="Calibri"/>
+              </a:rPr>
+              <a:t>Se descarta el </a:t>
+            </a:r>
+            <a:r>
+              <a:rPr lang="es-ES" sz="2000" err="1">
+                <a:solidFill>
+                  <a:schemeClr val="bg1"/>
+                </a:solidFill>
+                <a:latin typeface="Segoe UI"/>
+                <a:cs typeface="Calibri"/>
+              </a:rPr>
+              <a:t>dt</a:t>
+            </a:r>
+            <a:r>
+              <a:rPr lang="es-ES" sz="2000">
+                <a:solidFill>
+                  <a:schemeClr val="bg1"/>
+                </a:solidFill>
+                <a:latin typeface="Segoe UI"/>
+                <a:cs typeface="Calibri"/>
+              </a:rPr>
+              <a:t> por tener el menor </a:t>
+            </a:r>
+            <a:r>
+              <a:rPr lang="es-ES" sz="2000" err="1">
+                <a:solidFill>
+                  <a:schemeClr val="bg1"/>
+                </a:solidFill>
+                <a:latin typeface="Segoe UI"/>
+                <a:cs typeface="Calibri"/>
+              </a:rPr>
+              <a:t>desepeño</a:t>
+            </a:r>
+            <a:r>
+              <a:rPr lang="es-ES" sz="2000">
+                <a:solidFill>
+                  <a:schemeClr val="bg1"/>
+                </a:solidFill>
+                <a:latin typeface="Segoe UI"/>
+                <a:cs typeface="Calibri"/>
+              </a:rPr>
+              <a:t> con peor calidad y mayor error, </a:t>
+            </a:r>
+            <a:endParaRPr lang="es-ES" sz="2000">
+              <a:solidFill>
+                <a:schemeClr val="bg1"/>
+              </a:solidFill>
+              <a:latin typeface="Segoe UI"/>
+              <a:cs typeface="Segoe UI"/>
+            </a:endParaRPr>
+          </a:p>
+          <a:p>
+            <a:pPr algn="just"/>
+            <a:r>
+              <a:rPr lang="es-ES" sz="2000">
+                <a:solidFill>
+                  <a:schemeClr val="bg1"/>
+                </a:solidFill>
+                <a:latin typeface="Segoe UI"/>
+                <a:cs typeface="Calibri"/>
+              </a:rPr>
+              <a:t>Siendo probado esto en todas las iteraciones</a:t>
+            </a:r>
+          </a:p>
+          <a:p>
+            <a:pPr algn="just"/>
+            <a:endParaRPr lang="es-ES" sz="2000">
+              <a:solidFill>
+                <a:schemeClr val="bg1"/>
+              </a:solidFill>
+              <a:latin typeface="Segoe UI"/>
+              <a:cs typeface="Calibri"/>
+            </a:endParaRPr>
           </a:p>
         </p:txBody>
       </p:sp>
@@ -9410,7 +11569,7 @@
         <p:spPr>
           <a:xfrm>
             <a:off x="253042" y="66136"/>
-            <a:ext cx="2743200" cy="457200"/>
+            <a:ext cx="2743200" cy="584775"/>
           </a:xfrm>
           <a:prstGeom prst="rect">
             <a:avLst/>
@@ -9427,15 +11586,19 @@
           <a:lstStyle/>
           <a:p>
             <a:r>
-              <a:rPr lang="es-ES" sz="2400" b="1">
+              <a:rPr lang="es-ES" sz="3200" b="1">
                 <a:solidFill>
                   <a:srgbClr val="FFFFFF"/>
                 </a:solidFill>
-                <a:latin typeface="Arial"/>
+                <a:latin typeface="Segoe UI"/>
+                <a:cs typeface="Segoe UI"/>
               </a:rPr>
               <a:t>Conclusiones</a:t>
             </a:r>
-            <a:endParaRPr lang="en-US"/>
+            <a:endParaRPr lang="en-US" sz="3200">
+              <a:latin typeface="Segoe UI"/>
+              <a:cs typeface="Segoe UI"/>
+            </a:endParaRPr>
           </a:p>
         </p:txBody>
       </p:sp>
@@ -9452,7 +11615,7 @@
 </p:sld>
 </file>
 
-<file path=ppt/slides/slide16.xml><?xml version="1.0" encoding="utf-8"?>
+<file path=ppt/slides/slide17.xml><?xml version="1.0" encoding="utf-8"?>
 <p:sld xmlns:a="http://schemas.openxmlformats.org/drawingml/2006/main" xmlns:r="http://schemas.openxmlformats.org/officeDocument/2006/relationships" xmlns:p="http://schemas.openxmlformats.org/presentationml/2006/main">
   <p:cSld>
     <p:spTree>
@@ -9980,7 +12143,7 @@
         <p:spPr>
           <a:xfrm>
             <a:off x="253042" y="166777"/>
-            <a:ext cx="2743200" cy="457200"/>
+            <a:ext cx="2743200" cy="584775"/>
           </a:xfrm>
           <a:prstGeom prst="rect">
             <a:avLst/>
@@ -9997,7 +12160,7 @@
           <a:lstStyle/>
           <a:p>
             <a:r>
-              <a:rPr lang="en-US" sz="2400" b="1" err="1">
+              <a:rPr lang="en-US" sz="3200" err="1">
                 <a:solidFill>
                   <a:srgbClr val="FFFFFF"/>
                 </a:solidFill>
@@ -10005,7 +12168,7 @@
               <a:t>Bibliografía</a:t>
             </a:r>
             <a:r>
-              <a:rPr lang="en-US" sz="2400">
+              <a:rPr lang="en-US" sz="3200">
                 <a:cs typeface="Calibri"/>
               </a:rPr>
               <a:t>​</a:t>
@@ -10154,7 +12317,7 @@
         </p:blipFill>
         <p:spPr>
           <a:xfrm>
-            <a:off x="-482280" y="239549"/>
+            <a:off x="-482280" y="397700"/>
             <a:ext cx="10121659" cy="6367371"/>
           </a:xfrm>
           <a:prstGeom prst="rect">
@@ -10176,7 +12339,7 @@
         </p:nvSpPr>
         <p:spPr>
           <a:xfrm>
-            <a:off x="225478" y="4922668"/>
+            <a:off x="239855" y="4994554"/>
             <a:ext cx="2777636" cy="1554272"/>
           </a:xfrm>
           <a:prstGeom prst="rect">
@@ -10202,7 +12365,7 @@
                 <a:ea typeface="Calibri"/>
                 <a:cs typeface="Segoe UI"/>
               </a:rPr>
-              <a:t>Para crear nuestro modelo de predicción se trabaja con la variable dependiente que es el precio </a:t>
+              <a:t>Para crear nuestro modelo de predicción se trabaja con la variable dependiente que es el precio .</a:t>
             </a:r>
           </a:p>
         </p:txBody>
@@ -10221,8 +12384,8 @@
         </p:nvSpPr>
         <p:spPr>
           <a:xfrm>
-            <a:off x="6392173" y="727495"/>
-            <a:ext cx="2440931" cy="1846659"/>
+            <a:off x="6478437" y="928780"/>
+            <a:ext cx="2541572" cy="1783080"/>
           </a:xfrm>
           <a:prstGeom prst="rect">
             <a:avLst/>
@@ -10239,7 +12402,7 @@
           <a:lstStyle/>
           <a:p>
             <a:r>
-              <a:rPr lang="es-CL" sz="1900">
+              <a:rPr lang="es-CL">
                 <a:solidFill>
                   <a:schemeClr val="bg1"/>
                 </a:solidFill>
@@ -10247,7 +12410,7 @@
               </a:rPr>
               <a:t>Se identificaron y clasificaron las características y variables identificando sus grados de correlación.</a:t>
             </a:r>
-            <a:endParaRPr lang="en-US" sz="1900">
+            <a:endParaRPr lang="en-US">
               <a:solidFill>
                 <a:schemeClr val="bg1"/>
               </a:solidFill>
@@ -10269,7 +12432,7 @@
         </p:nvSpPr>
         <p:spPr>
           <a:xfrm>
-            <a:off x="224287" y="2337759"/>
+            <a:off x="224287" y="2510287"/>
             <a:ext cx="3030746" cy="1323439"/>
           </a:xfrm>
           <a:prstGeom prst="rect">
@@ -10311,7 +12474,7 @@
                 </a:solidFill>
                 <a:latin typeface="Segoe UI"/>
               </a:rPr>
-              <a:t>Gráficos.</a:t>
+              <a:t>gráficos.</a:t>
             </a:r>
             <a:endParaRPr lang="es-CL" sz="2000" err="1">
               <a:solidFill>
@@ -10337,8 +12500,8 @@
         </p:nvSpPr>
         <p:spPr>
           <a:xfrm>
-            <a:off x="6234023" y="3660476"/>
-            <a:ext cx="2915728" cy="1277273"/>
+            <a:off x="6320288" y="3703608"/>
+            <a:ext cx="2829465" cy="1569660"/>
           </a:xfrm>
           <a:prstGeom prst="rect">
             <a:avLst/>
@@ -10355,24 +12518,46 @@
           <a:lstStyle/>
           <a:p>
             <a:r>
-              <a:rPr lang="es-CL" sz="2000">
+              <a:rPr lang="es-CL" sz="1600">
                 <a:solidFill>
                   <a:srgbClr val="19202E"/>
                 </a:solidFill>
                 <a:latin typeface="Segoe UI"/>
+                <a:ea typeface="Calibri"/>
+                <a:cs typeface="Segoe UI"/>
               </a:rPr>
-              <a:t> </a:t>
-            </a:r>
-            <a:r>
-              <a:rPr lang="es-CL" sz="1900">
+              <a:t>Se identificaron valores atípicos, aquellos iguales a cero o dimensionalmente incorrectos se eliminaron, se </a:t>
+            </a:r>
+            <a:r>
+              <a:rPr lang="es-CL" sz="1600" err="1">
                 <a:solidFill>
                   <a:srgbClr val="19202E"/>
                 </a:solidFill>
                 <a:latin typeface="Segoe UI"/>
+                <a:ea typeface="Calibri"/>
+                <a:cs typeface="Segoe UI"/>
               </a:rPr>
-              <a:t>Se eliminan los datos iguales a cero en los ejes X,Y, Z  y considerando esta información </a:t>
-            </a:r>
-            <a:endParaRPr lang="en-US" sz="1900"/>
+              <a:t>en.contraron</a:t>
+            </a:r>
+            <a:r>
+              <a:rPr lang="es-CL" sz="1600">
+                <a:solidFill>
+                  <a:srgbClr val="19202E"/>
+                </a:solidFill>
+                <a:latin typeface="Segoe UI"/>
+                <a:ea typeface="Calibri"/>
+                <a:cs typeface="Segoe UI"/>
+              </a:rPr>
+              <a:t> valores atípicos naturales de los diamantes</a:t>
+            </a:r>
+            <a:endParaRPr lang="en-US" sz="1600">
+              <a:solidFill>
+                <a:srgbClr val="000000"/>
+              </a:solidFill>
+              <a:latin typeface="Calibri"/>
+              <a:ea typeface="Calibri"/>
+              <a:cs typeface="Calibri"/>
+            </a:endParaRPr>
           </a:p>
         </p:txBody>
       </p:sp>
@@ -10491,7 +12676,7 @@
         </p:spPr>
         <p:txBody>
           <a:bodyPr vert="horz" lIns="91440" tIns="45720" rIns="91440" bIns="45720" rtlCol="0" anchor="t">
-            <a:normAutofit/>
+            <a:noAutofit/>
           </a:bodyPr>
           <a:lstStyle>
             <a:lvl1pPr marL="0" indent="0" algn="ctr" defTabSz="914400" rtl="0" eaLnBrk="1" latinLnBrk="0" hangingPunct="1">
@@ -10660,11 +12845,12 @@
           <a:p>
             <a:pPr algn="just"/>
             <a:r>
-              <a:rPr lang="es-CL" sz="1600">
+              <a:rPr lang="es-CL" sz="1700">
                 <a:solidFill>
                   <a:schemeClr val="bg1"/>
                 </a:solidFill>
-                <a:latin typeface="Arial Narrow"/>
+                <a:latin typeface="Segoe UI"/>
+                <a:cs typeface="Segoe UI"/>
               </a:rPr>
               <a:t>Diamantes:</a:t>
             </a:r>
@@ -10672,11 +12858,12 @@
           <a:p>
             <a:pPr algn="just"/>
             <a:r>
-              <a:rPr lang="es-CL" sz="1600">
+              <a:rPr lang="es-CL" sz="1700">
                 <a:solidFill>
                   <a:schemeClr val="bg1"/>
                 </a:solidFill>
-                <a:latin typeface="Arial Narrow"/>
+                <a:latin typeface="Segoe UI"/>
+                <a:cs typeface="Segoe UI"/>
               </a:rPr>
               <a:t>Contiene un total de 53.940 datos, 10 variables (3 cualitativas y 7 cuantitativas) </a:t>
             </a:r>
@@ -10684,22 +12871,24 @@
           <a:p>
             <a:pPr algn="just"/>
             <a:r>
-              <a:rPr lang="es-CL" sz="1600">
+              <a:rPr lang="es-CL" sz="1700">
                 <a:solidFill>
                   <a:schemeClr val="bg1"/>
                 </a:solidFill>
-                <a:latin typeface="Arial Narrow"/>
+                <a:latin typeface="Segoe UI"/>
+                <a:cs typeface="Segoe UI"/>
               </a:rPr>
               <a:t>Precio variable dependiente</a:t>
             </a:r>
           </a:p>
           <a:p>
             <a:pPr algn="just"/>
-            <a:endParaRPr lang="es-CL" sz="1600">
+            <a:endParaRPr lang="es-CL" sz="1700">
               <a:solidFill>
                 <a:schemeClr val="bg1"/>
               </a:solidFill>
-              <a:latin typeface="Arial Narrow" panose="020B0606020202030204" pitchFamily="34" charset="0"/>
+              <a:latin typeface="Segoe UI"/>
+              <a:cs typeface="Segoe UI"/>
             </a:endParaRPr>
           </a:p>
         </p:txBody>
@@ -10728,7 +12917,7 @@
           </a:prstGeom>
         </p:spPr>
         <p:txBody>
-          <a:bodyPr vert="horz" lIns="91440" tIns="45720" rIns="91440" bIns="45720" rtlCol="0">
+          <a:bodyPr vert="horz" lIns="91440" tIns="45720" rIns="91440" bIns="45720" rtlCol="0" anchor="t">
             <a:noAutofit/>
           </a:bodyPr>
           <a:lstStyle>
@@ -10897,374 +13086,18 @@
           </a:lstStyle>
           <a:p>
             <a:pPr marL="0" indent="0" algn="just">
-              <a:buFont typeface="Arial" panose="020B0604020202020204" pitchFamily="34" charset="0"/>
               <a:buNone/>
             </a:pPr>
             <a:r>
-              <a:rPr lang="es-CL" sz="1600">
+              <a:rPr lang="es-CL" sz="1700">
                 <a:solidFill>
                   <a:schemeClr val="bg1"/>
                 </a:solidFill>
-                <a:latin typeface="Arial Narrow" panose="020B0606020202030204" pitchFamily="34" charset="0"/>
+                <a:latin typeface="Segoe UI"/>
+                <a:cs typeface="Segoe UI"/>
               </a:rPr>
-              <a:t>Establecer un modelo que nos permita predecir de manera efectiva el precio de cualquier diamante a partir de correlaciones entre alguna de sus variables.</a:t>
-            </a:r>
-          </a:p>
-        </p:txBody>
-      </p:sp>
-      <p:sp>
-        <p:nvSpPr>
-          <p:cNvPr id="8" name="Marcador de contenido 2">
-            <a:extLst>
-              <a:ext uri="{FF2B5EF4-FFF2-40B4-BE49-F238E27FC236}">
-                <a16:creationId xmlns:a16="http://schemas.microsoft.com/office/drawing/2014/main" id="{8E5AB793-981F-4F0C-993F-B574912D895B}"/>
-              </a:ext>
-            </a:extLst>
-          </p:cNvPr>
-          <p:cNvSpPr txBox="1">
-            <a:spLocks/>
-          </p:cNvSpPr>
-          <p:nvPr/>
-        </p:nvSpPr>
-        <p:spPr>
-          <a:xfrm>
-            <a:off x="6291941" y="1368964"/>
-            <a:ext cx="2587890" cy="1692398"/>
-          </a:xfrm>
-          <a:prstGeom prst="rect">
-            <a:avLst/>
-          </a:prstGeom>
-        </p:spPr>
-        <p:txBody>
-          <a:bodyPr vert="horz" lIns="91440" tIns="45720" rIns="91440" bIns="45720" rtlCol="0" anchor="t">
-            <a:noAutofit/>
-          </a:bodyPr>
-          <a:lstStyle>
-            <a:lvl1pPr marL="228600" indent="-228600" algn="l" defTabSz="914400" rtl="0" eaLnBrk="1" latinLnBrk="0" hangingPunct="1">
-              <a:lnSpc>
-                <a:spcPct val="90000"/>
-              </a:lnSpc>
-              <a:spcBef>
-                <a:spcPts val="1000"/>
-              </a:spcBef>
-              <a:buFont typeface="Arial" panose="020B0604020202020204" pitchFamily="34" charset="0"/>
-              <a:buChar char="•"/>
-              <a:defRPr sz="2800" kern="1200">
-                <a:solidFill>
-                  <a:schemeClr val="tx1"/>
-                </a:solidFill>
-                <a:latin typeface="+mn-lt"/>
-                <a:ea typeface="+mn-ea"/>
-                <a:cs typeface="+mn-cs"/>
-              </a:defRPr>
-            </a:lvl1pPr>
-            <a:lvl2pPr marL="685800" indent="-228600" algn="l" defTabSz="914400" rtl="0" eaLnBrk="1" latinLnBrk="0" hangingPunct="1">
-              <a:lnSpc>
-                <a:spcPct val="90000"/>
-              </a:lnSpc>
-              <a:spcBef>
-                <a:spcPts val="500"/>
-              </a:spcBef>
-              <a:buFont typeface="Arial" panose="020B0604020202020204" pitchFamily="34" charset="0"/>
-              <a:buChar char="•"/>
-              <a:defRPr sz="2400" kern="1200">
-                <a:solidFill>
-                  <a:schemeClr val="tx1"/>
-                </a:solidFill>
-                <a:latin typeface="+mn-lt"/>
-                <a:ea typeface="+mn-ea"/>
-                <a:cs typeface="+mn-cs"/>
-              </a:defRPr>
-            </a:lvl2pPr>
-            <a:lvl3pPr marL="1143000" indent="-228600" algn="l" defTabSz="914400" rtl="0" eaLnBrk="1" latinLnBrk="0" hangingPunct="1">
-              <a:lnSpc>
-                <a:spcPct val="90000"/>
-              </a:lnSpc>
-              <a:spcBef>
-                <a:spcPts val="500"/>
-              </a:spcBef>
-              <a:buFont typeface="Arial" panose="020B0604020202020204" pitchFamily="34" charset="0"/>
-              <a:buChar char="•"/>
-              <a:defRPr sz="2000" kern="1200">
-                <a:solidFill>
-                  <a:schemeClr val="tx1"/>
-                </a:solidFill>
-                <a:latin typeface="+mn-lt"/>
-                <a:ea typeface="+mn-ea"/>
-                <a:cs typeface="+mn-cs"/>
-              </a:defRPr>
-            </a:lvl3pPr>
-            <a:lvl4pPr marL="1600200" indent="-228600" algn="l" defTabSz="914400" rtl="0" eaLnBrk="1" latinLnBrk="0" hangingPunct="1">
-              <a:lnSpc>
-                <a:spcPct val="90000"/>
-              </a:lnSpc>
-              <a:spcBef>
-                <a:spcPts val="500"/>
-              </a:spcBef>
-              <a:buFont typeface="Arial" panose="020B0604020202020204" pitchFamily="34" charset="0"/>
-              <a:buChar char="•"/>
-              <a:defRPr sz="1800" kern="1200">
-                <a:solidFill>
-                  <a:schemeClr val="tx1"/>
-                </a:solidFill>
-                <a:latin typeface="+mn-lt"/>
-                <a:ea typeface="+mn-ea"/>
-                <a:cs typeface="+mn-cs"/>
-              </a:defRPr>
-            </a:lvl4pPr>
-            <a:lvl5pPr marL="2057400" indent="-228600" algn="l" defTabSz="914400" rtl="0" eaLnBrk="1" latinLnBrk="0" hangingPunct="1">
-              <a:lnSpc>
-                <a:spcPct val="90000"/>
-              </a:lnSpc>
-              <a:spcBef>
-                <a:spcPts val="500"/>
-              </a:spcBef>
-              <a:buFont typeface="Arial" panose="020B0604020202020204" pitchFamily="34" charset="0"/>
-              <a:buChar char="•"/>
-              <a:defRPr sz="1800" kern="1200">
-                <a:solidFill>
-                  <a:schemeClr val="tx1"/>
-                </a:solidFill>
-                <a:latin typeface="+mn-lt"/>
-                <a:ea typeface="+mn-ea"/>
-                <a:cs typeface="+mn-cs"/>
-              </a:defRPr>
-            </a:lvl5pPr>
-            <a:lvl6pPr marL="2514600" indent="-228600" algn="l" defTabSz="914400" rtl="0" eaLnBrk="1" latinLnBrk="0" hangingPunct="1">
-              <a:lnSpc>
-                <a:spcPct val="90000"/>
-              </a:lnSpc>
-              <a:spcBef>
-                <a:spcPts val="500"/>
-              </a:spcBef>
-              <a:buFont typeface="Arial" panose="020B0604020202020204" pitchFamily="34" charset="0"/>
-              <a:buChar char="•"/>
-              <a:defRPr sz="1800" kern="1200">
-                <a:solidFill>
-                  <a:schemeClr val="tx1"/>
-                </a:solidFill>
-                <a:latin typeface="+mn-lt"/>
-                <a:ea typeface="+mn-ea"/>
-                <a:cs typeface="+mn-cs"/>
-              </a:defRPr>
-            </a:lvl6pPr>
-            <a:lvl7pPr marL="2971800" indent="-228600" algn="l" defTabSz="914400" rtl="0" eaLnBrk="1" latinLnBrk="0" hangingPunct="1">
-              <a:lnSpc>
-                <a:spcPct val="90000"/>
-              </a:lnSpc>
-              <a:spcBef>
-                <a:spcPts val="500"/>
-              </a:spcBef>
-              <a:buFont typeface="Arial" panose="020B0604020202020204" pitchFamily="34" charset="0"/>
-              <a:buChar char="•"/>
-              <a:defRPr sz="1800" kern="1200">
-                <a:solidFill>
-                  <a:schemeClr val="tx1"/>
-                </a:solidFill>
-                <a:latin typeface="+mn-lt"/>
-                <a:ea typeface="+mn-ea"/>
-                <a:cs typeface="+mn-cs"/>
-              </a:defRPr>
-            </a:lvl7pPr>
-            <a:lvl8pPr marL="3429000" indent="-228600" algn="l" defTabSz="914400" rtl="0" eaLnBrk="1" latinLnBrk="0" hangingPunct="1">
-              <a:lnSpc>
-                <a:spcPct val="90000"/>
-              </a:lnSpc>
-              <a:spcBef>
-                <a:spcPts val="500"/>
-              </a:spcBef>
-              <a:buFont typeface="Arial" panose="020B0604020202020204" pitchFamily="34" charset="0"/>
-              <a:buChar char="•"/>
-              <a:defRPr sz="1800" kern="1200">
-                <a:solidFill>
-                  <a:schemeClr val="tx1"/>
-                </a:solidFill>
-                <a:latin typeface="+mn-lt"/>
-                <a:ea typeface="+mn-ea"/>
-                <a:cs typeface="+mn-cs"/>
-              </a:defRPr>
-            </a:lvl8pPr>
-            <a:lvl9pPr marL="3886200" indent="-228600" algn="l" defTabSz="914400" rtl="0" eaLnBrk="1" latinLnBrk="0" hangingPunct="1">
-              <a:lnSpc>
-                <a:spcPct val="90000"/>
-              </a:lnSpc>
-              <a:spcBef>
-                <a:spcPts val="500"/>
-              </a:spcBef>
-              <a:buFont typeface="Arial" panose="020B0604020202020204" pitchFamily="34" charset="0"/>
-              <a:buChar char="•"/>
-              <a:defRPr sz="1800" kern="1200">
-                <a:solidFill>
-                  <a:schemeClr val="tx1"/>
-                </a:solidFill>
-                <a:latin typeface="+mn-lt"/>
-                <a:ea typeface="+mn-ea"/>
-                <a:cs typeface="+mn-cs"/>
-              </a:defRPr>
-            </a:lvl9pPr>
-          </a:lstStyle>
-          <a:p>
-            <a:pPr marL="0" indent="0" algn="just">
-              <a:buNone/>
-            </a:pPr>
-            <a:r>
-              <a:rPr lang="es-MX" sz="1600" err="1">
-                <a:solidFill>
-                  <a:schemeClr val="bg1"/>
-                </a:solidFill>
-                <a:latin typeface="Arial Narrow"/>
-              </a:rPr>
-              <a:t>Definicion</a:t>
-            </a:r>
-            <a:r>
-              <a:rPr lang="es-MX" sz="1600">
-                <a:solidFill>
-                  <a:schemeClr val="bg1"/>
-                </a:solidFill>
-                <a:latin typeface="Arial Narrow"/>
-              </a:rPr>
-              <a:t> del modelo de </a:t>
-            </a:r>
-            <a:r>
-              <a:rPr lang="es-MX" sz="1600" err="1">
-                <a:solidFill>
-                  <a:schemeClr val="bg1"/>
-                </a:solidFill>
-                <a:latin typeface="Arial Narrow"/>
-              </a:rPr>
-              <a:t>Regresion</a:t>
-            </a:r>
-            <a:r>
-              <a:rPr lang="es-MX" sz="1600">
-                <a:solidFill>
-                  <a:schemeClr val="bg1"/>
-                </a:solidFill>
-                <a:latin typeface="Arial Narrow"/>
-              </a:rPr>
-              <a:t> Lineal</a:t>
-            </a:r>
-          </a:p>
-          <a:p>
-            <a:pPr marL="0" indent="0" algn="just">
-              <a:buNone/>
-            </a:pPr>
-            <a:r>
-              <a:rPr lang="es-MX" sz="1600" err="1">
-                <a:solidFill>
-                  <a:schemeClr val="bg1"/>
-                </a:solidFill>
-                <a:latin typeface="Arial Narrow"/>
-              </a:rPr>
-              <a:t>Normalizacion</a:t>
-            </a:r>
-            <a:r>
-              <a:rPr lang="es-MX" sz="1600">
-                <a:solidFill>
-                  <a:schemeClr val="bg1"/>
-                </a:solidFill>
-                <a:latin typeface="Arial Narrow"/>
-              </a:rPr>
-              <a:t> de los Datos</a:t>
-            </a:r>
-          </a:p>
-          <a:p>
-            <a:pPr marL="0" indent="0" algn="just">
-              <a:buNone/>
-            </a:pPr>
-            <a:r>
-              <a:rPr lang="es-MX" sz="1600" err="1">
-                <a:solidFill>
-                  <a:schemeClr val="bg1"/>
-                </a:solidFill>
-                <a:latin typeface="Arial Narrow"/>
-              </a:rPr>
-              <a:t>Aplicacion</a:t>
-            </a:r>
-            <a:r>
-              <a:rPr lang="es-MX" sz="1600">
-                <a:solidFill>
-                  <a:schemeClr val="bg1"/>
-                </a:solidFill>
-                <a:latin typeface="Arial Narrow"/>
-              </a:rPr>
-              <a:t> </a:t>
-            </a:r>
-            <a:r>
-              <a:rPr lang="es-MX" sz="1600" err="1">
-                <a:solidFill>
-                  <a:schemeClr val="bg1"/>
-                </a:solidFill>
-                <a:latin typeface="Arial Narrow"/>
-              </a:rPr>
-              <a:t>dle</a:t>
-            </a:r>
-            <a:r>
-              <a:rPr lang="es-MX" sz="1600">
-                <a:solidFill>
-                  <a:schemeClr val="bg1"/>
-                </a:solidFill>
-                <a:latin typeface="Arial Narrow"/>
-              </a:rPr>
-              <a:t> Modelo de </a:t>
-            </a:r>
-            <a:r>
-              <a:rPr lang="es-MX" sz="1600" err="1">
-                <a:solidFill>
-                  <a:schemeClr val="bg1"/>
-                </a:solidFill>
-                <a:latin typeface="Arial Narrow"/>
-              </a:rPr>
-              <a:t>Arbol</a:t>
-            </a:r>
-            <a:r>
-              <a:rPr lang="es-MX" sz="1600">
-                <a:solidFill>
-                  <a:schemeClr val="bg1"/>
-                </a:solidFill>
-                <a:latin typeface="Arial Narrow"/>
-              </a:rPr>
-              <a:t> de  </a:t>
-            </a:r>
-            <a:r>
-              <a:rPr lang="es-MX" sz="1600" err="1">
-                <a:solidFill>
-                  <a:schemeClr val="bg1"/>
-                </a:solidFill>
-                <a:latin typeface="Arial Narrow"/>
-              </a:rPr>
-              <a:t>decision</a:t>
-            </a:r>
-          </a:p>
-          <a:p>
-            <a:pPr marL="0" indent="0" algn="just">
-              <a:buNone/>
-            </a:pPr>
-            <a:endParaRPr lang="es-MX" sz="1600">
-              <a:solidFill>
-                <a:schemeClr val="bg1"/>
-              </a:solidFill>
-              <a:latin typeface="Arial Narrow" panose="020B0606020202030204" pitchFamily="34" charset="0"/>
-            </a:endParaRPr>
-          </a:p>
-          <a:p>
-            <a:pPr marL="0" indent="0" algn="just">
-              <a:buNone/>
-            </a:pPr>
-            <a:r>
-              <a:rPr lang="es-MX" sz="1600">
-                <a:solidFill>
-                  <a:schemeClr val="bg1"/>
-                </a:solidFill>
-                <a:latin typeface="Arial Narrow"/>
-              </a:rPr>
-              <a:t>Aplicación de Redes neuronales</a:t>
-            </a:r>
-            <a:endParaRPr lang="es-MX" sz="1600">
-              <a:solidFill>
-                <a:schemeClr val="bg1"/>
-              </a:solidFill>
-              <a:latin typeface="Arial Narrow" panose="020B0606020202030204" pitchFamily="34" charset="0"/>
-            </a:endParaRPr>
+              <a:t>Establecer un modelo que nos permita predecir de manera eficiente el precio de cualquier diamante a partir de correlaciones con sus variables.</a:t>
+            </a:r>
           </a:p>
         </p:txBody>
       </p:sp>
@@ -11345,8 +13178,8 @@
                 <a:solidFill>
                   <a:schemeClr val="bg1"/>
                 </a:solidFill>
-                <a:latin typeface="Arial" panose="020B0604020202020204" pitchFamily="34" charset="0"/>
-                <a:cs typeface="Arial" panose="020B0604020202020204" pitchFamily="34" charset="0"/>
+                <a:latin typeface="Segoe UI"/>
+                <a:cs typeface="Segoe UI"/>
               </a:rPr>
               <a:t>Set de Datos</a:t>
             </a:r>
@@ -11387,18 +13220,11 @@
                 <a:solidFill>
                   <a:schemeClr val="bg1"/>
                 </a:solidFill>
-                <a:latin typeface="Arial"/>
-                <a:cs typeface="Arial"/>
+                <a:latin typeface="Segoe UI"/>
+                <a:cs typeface="Segoe UI"/>
               </a:rPr>
               <a:t>Objetivo General</a:t>
             </a:r>
-            <a:endParaRPr lang="es-ES" b="1">
-              <a:solidFill>
-                <a:schemeClr val="bg1"/>
-              </a:solidFill>
-              <a:latin typeface="Arial" panose="020B0604020202020204" pitchFamily="34" charset="0"/>
-              <a:cs typeface="Arial" panose="020B0604020202020204" pitchFamily="34" charset="0"/>
-            </a:endParaRPr>
           </a:p>
         </p:txBody>
       </p:sp>
@@ -11436,8 +13262,8 @@
                 <a:solidFill>
                   <a:schemeClr val="bg1"/>
                 </a:solidFill>
-                <a:latin typeface="Arial"/>
-                <a:cs typeface="Arial"/>
+                <a:latin typeface="Segoe UI"/>
+                <a:cs typeface="Segoe UI"/>
               </a:rPr>
               <a:t>Objetivo Específico</a:t>
             </a:r>
@@ -11445,6 +13271,8 @@
               <a:solidFill>
                 <a:schemeClr val="bg1"/>
               </a:solidFill>
+              <a:latin typeface="Segoe UI"/>
+              <a:cs typeface="Segoe UI"/>
             </a:endParaRPr>
           </a:p>
         </p:txBody>
@@ -11501,7 +13329,7 @@
         </p:nvCxnSpPr>
         <p:spPr>
           <a:xfrm flipH="1">
-            <a:off x="1007144" y="5636516"/>
+            <a:off x="1007144" y="4989535"/>
             <a:ext cx="2233884" cy="0"/>
           </a:xfrm>
           <a:prstGeom prst="line">
@@ -11544,7 +13372,7 @@
         </p:nvCxnSpPr>
         <p:spPr>
           <a:xfrm flipV="1">
-            <a:off x="964012" y="3659386"/>
+            <a:off x="1012252" y="3713248"/>
             <a:ext cx="0" cy="1272640"/>
           </a:xfrm>
           <a:prstGeom prst="line">
@@ -11671,7 +13499,7 @@
         </p:nvSpPr>
         <p:spPr>
           <a:xfrm>
-            <a:off x="890192" y="3479660"/>
+            <a:off x="960363" y="3560817"/>
             <a:ext cx="147640" cy="147640"/>
           </a:xfrm>
           <a:prstGeom prst="ellipse">
@@ -11870,7 +13698,7 @@
         </p:nvSpPr>
         <p:spPr>
           <a:xfrm>
-            <a:off x="242328" y="3843608"/>
+            <a:off x="242328" y="4274929"/>
             <a:ext cx="1676690" cy="441726"/>
           </a:xfrm>
           <a:prstGeom prst="homePlate">
@@ -12001,7 +13829,10 @@
           <a:p>
             <a:pPr algn="ctr"/>
             <a:r>
-              <a:rPr lang="es-CL"/>
+              <a:rPr lang="es-CL">
+                <a:latin typeface="Segoe UI"/>
+                <a:cs typeface="Segoe UI"/>
+              </a:rPr>
               <a:t>Profundidad</a:t>
             </a:r>
           </a:p>
@@ -12021,7 +13852,7 @@
         </p:nvSpPr>
         <p:spPr>
           <a:xfrm>
-            <a:off x="2054549" y="3843608"/>
+            <a:off x="2054549" y="4274929"/>
             <a:ext cx="1115974" cy="427349"/>
           </a:xfrm>
           <a:prstGeom prst="homePlate">
@@ -12152,7 +13983,10 @@
           <a:p>
             <a:pPr algn="ctr"/>
             <a:r>
-              <a:rPr lang="es-CL"/>
+              <a:rPr lang="es-CL">
+                <a:latin typeface="Segoe UI"/>
+                <a:cs typeface="Segoe UI"/>
+              </a:rPr>
               <a:t>Ancho</a:t>
             </a:r>
           </a:p>
@@ -12172,7 +14006,7 @@
         </p:nvSpPr>
         <p:spPr>
           <a:xfrm>
-            <a:off x="1116616" y="4495226"/>
+            <a:off x="1116616" y="4926547"/>
             <a:ext cx="1115974" cy="441727"/>
           </a:xfrm>
           <a:prstGeom prst="homePlate">
@@ -12303,7 +14137,10 @@
           <a:p>
             <a:pPr algn="ctr"/>
             <a:r>
-              <a:rPr lang="es-CL"/>
+              <a:rPr lang="es-CL">
+                <a:latin typeface="Segoe UI"/>
+                <a:cs typeface="Segoe UI"/>
+              </a:rPr>
               <a:t>Precio</a:t>
             </a:r>
           </a:p>
@@ -12323,7 +14160,7 @@
         </p:nvSpPr>
         <p:spPr>
           <a:xfrm>
-            <a:off x="242328" y="5003071"/>
+            <a:off x="242328" y="5434392"/>
             <a:ext cx="1115974" cy="427349"/>
           </a:xfrm>
           <a:prstGeom prst="homePlate">
@@ -12454,7 +14291,10 @@
           <a:p>
             <a:pPr algn="ctr"/>
             <a:r>
-              <a:rPr lang="es-CL"/>
+              <a:rPr lang="es-CL">
+                <a:latin typeface="Segoe UI"/>
+                <a:cs typeface="Segoe UI"/>
+              </a:rPr>
               <a:t>X</a:t>
             </a:r>
           </a:p>
@@ -12474,7 +14314,7 @@
         </p:nvSpPr>
         <p:spPr>
           <a:xfrm>
-            <a:off x="1767002" y="5003071"/>
+            <a:off x="1767002" y="5434392"/>
             <a:ext cx="1115974" cy="427349"/>
           </a:xfrm>
           <a:prstGeom prst="homePlate">
@@ -12605,7 +14445,10 @@
           <a:p>
             <a:pPr algn="ctr"/>
             <a:r>
-              <a:rPr lang="es-CL"/>
+              <a:rPr lang="es-CL">
+                <a:latin typeface="Segoe UI"/>
+                <a:cs typeface="Segoe UI"/>
+              </a:rPr>
               <a:t>Y</a:t>
             </a:r>
           </a:p>
@@ -12625,7 +14468,7 @@
         </p:nvSpPr>
         <p:spPr>
           <a:xfrm>
-            <a:off x="1116616" y="3307008"/>
+            <a:off x="1116616" y="3738329"/>
             <a:ext cx="1115974" cy="427349"/>
           </a:xfrm>
           <a:prstGeom prst="homePlate">
@@ -12756,7 +14599,10 @@
           <a:p>
             <a:pPr algn="ctr"/>
             <a:r>
-              <a:rPr lang="es-CL"/>
+              <a:rPr lang="es-CL">
+                <a:latin typeface="Segoe UI"/>
+                <a:cs typeface="Segoe UI"/>
+              </a:rPr>
               <a:t>Peso</a:t>
             </a:r>
           </a:p>
@@ -12776,7 +14622,7 @@
         </p:nvSpPr>
         <p:spPr>
           <a:xfrm>
-            <a:off x="1001597" y="5525293"/>
+            <a:off x="1001597" y="5956614"/>
             <a:ext cx="1115974" cy="427349"/>
           </a:xfrm>
           <a:prstGeom prst="homePlate">
@@ -12907,9 +14753,156 @@
           <a:p>
             <a:pPr algn="ctr"/>
             <a:r>
-              <a:rPr lang="es-CL"/>
+              <a:rPr lang="es-CL">
+                <a:latin typeface="Segoe UI"/>
+                <a:cs typeface="Segoe UI"/>
+              </a:rPr>
               <a:t>Z</a:t>
             </a:r>
+          </a:p>
+        </p:txBody>
+      </p:sp>
+      <p:sp>
+        <p:nvSpPr>
+          <p:cNvPr id="26" name="CuadroTexto 25">
+            <a:extLst>
+              <a:ext uri="{FF2B5EF4-FFF2-40B4-BE49-F238E27FC236}">
+                <a16:creationId xmlns:a16="http://schemas.microsoft.com/office/drawing/2014/main" id="{2B2A1C34-0C7B-3BAA-D860-83BE81B9519E}"/>
+              </a:ext>
+            </a:extLst>
+          </p:cNvPr>
+          <p:cNvSpPr txBox="1"/>
+          <p:nvPr/>
+        </p:nvSpPr>
+        <p:spPr>
+          <a:xfrm>
+            <a:off x="6364225" y="1377773"/>
+            <a:ext cx="2303406" cy="1077218"/>
+          </a:xfrm>
+          <a:prstGeom prst="rect">
+            <a:avLst/>
+          </a:prstGeom>
+          <a:noFill/>
+        </p:spPr>
+        <p:txBody>
+          <a:bodyPr wrap="square" rtlCol="0">
+            <a:spAutoFit/>
+          </a:bodyPr>
+          <a:lstStyle/>
+          <a:p>
+            <a:r>
+              <a:rPr lang="es-CL" sz="1600">
+                <a:solidFill>
+                  <a:schemeClr val="bg1"/>
+                </a:solidFill>
+                <a:latin typeface="Segoe UI"/>
+                <a:cs typeface="Segoe UI"/>
+              </a:rPr>
+              <a:t>Definir algoritmos necesarios para predecir el precio de los diamantes.</a:t>
+            </a:r>
+            <a:endParaRPr lang="es-MX" sz="1600">
+              <a:solidFill>
+                <a:schemeClr val="bg1"/>
+              </a:solidFill>
+              <a:latin typeface="Segoe UI"/>
+              <a:cs typeface="Segoe UI"/>
+            </a:endParaRPr>
+          </a:p>
+        </p:txBody>
+      </p:sp>
+      <p:sp>
+        <p:nvSpPr>
+          <p:cNvPr id="27" name="CuadroTexto 26">
+            <a:extLst>
+              <a:ext uri="{FF2B5EF4-FFF2-40B4-BE49-F238E27FC236}">
+                <a16:creationId xmlns:a16="http://schemas.microsoft.com/office/drawing/2014/main" id="{ED1F46E0-EC65-7867-9F65-EE351533189C}"/>
+              </a:ext>
+            </a:extLst>
+          </p:cNvPr>
+          <p:cNvSpPr txBox="1"/>
+          <p:nvPr/>
+        </p:nvSpPr>
+        <p:spPr>
+          <a:xfrm>
+            <a:off x="6345886" y="2510691"/>
+            <a:ext cx="2230509" cy="830997"/>
+          </a:xfrm>
+          <a:prstGeom prst="rect">
+            <a:avLst/>
+          </a:prstGeom>
+          <a:noFill/>
+        </p:spPr>
+        <p:txBody>
+          <a:bodyPr wrap="square" rtlCol="0">
+            <a:spAutoFit/>
+          </a:bodyPr>
+          <a:lstStyle/>
+          <a:p>
+            <a:r>
+              <a:rPr lang="es-CL" sz="1600">
+                <a:solidFill>
+                  <a:schemeClr val="bg1"/>
+                </a:solidFill>
+                <a:latin typeface="Segoe UI"/>
+                <a:cs typeface="Segoe UI"/>
+              </a:rPr>
+              <a:t>Definir parámetros para la aplicación de los modelos.</a:t>
+            </a:r>
+            <a:endParaRPr lang="es-MX" sz="1600">
+              <a:solidFill>
+                <a:schemeClr val="bg1"/>
+              </a:solidFill>
+              <a:latin typeface="Segoe UI"/>
+              <a:cs typeface="Segoe UI"/>
+            </a:endParaRPr>
+          </a:p>
+        </p:txBody>
+      </p:sp>
+      <p:sp>
+        <p:nvSpPr>
+          <p:cNvPr id="28" name="CuadroTexto 27">
+            <a:extLst>
+              <a:ext uri="{FF2B5EF4-FFF2-40B4-BE49-F238E27FC236}">
+                <a16:creationId xmlns:a16="http://schemas.microsoft.com/office/drawing/2014/main" id="{94092F7A-7B84-2D3C-3484-E35BBF0CCE44}"/>
+              </a:ext>
+            </a:extLst>
+          </p:cNvPr>
+          <p:cNvSpPr txBox="1"/>
+          <p:nvPr/>
+        </p:nvSpPr>
+        <p:spPr>
+          <a:xfrm>
+            <a:off x="6358509" y="3380472"/>
+            <a:ext cx="2230503" cy="1077218"/>
+          </a:xfrm>
+          <a:prstGeom prst="rect">
+            <a:avLst/>
+          </a:prstGeom>
+          <a:noFill/>
+        </p:spPr>
+        <p:txBody>
+          <a:bodyPr wrap="square" rtlCol="0">
+            <a:spAutoFit/>
+          </a:bodyPr>
+          <a:lstStyle/>
+          <a:p>
+            <a:r>
+              <a:rPr lang="es-CL" sz="1600">
+                <a:solidFill>
+                  <a:schemeClr val="bg1"/>
+                </a:solidFill>
+                <a:latin typeface="Segoe UI"/>
+                <a:cs typeface="Segoe UI"/>
+              </a:rPr>
+              <a:t>Definir criterios para seleccionar el mejor modelo y sus implicaciones.</a:t>
+            </a:r>
+            <a:endParaRPr lang="es-MX" sz="1600">
+              <a:solidFill>
+                <a:schemeClr val="bg1"/>
+              </a:solidFill>
+              <a:latin typeface="Segoe UI"/>
+              <a:cs typeface="Segoe UI"/>
+            </a:endParaRPr>
           </a:p>
         </p:txBody>
       </p:sp>
@@ -13016,8 +15009,8 @@
         </p:nvSpPr>
         <p:spPr>
           <a:xfrm>
-            <a:off x="398006" y="1112667"/>
-            <a:ext cx="8341672" cy="461665"/>
+            <a:off x="398006" y="1040780"/>
+            <a:ext cx="8341672" cy="2308324"/>
           </a:xfrm>
           <a:prstGeom prst="rect">
             <a:avLst/>
@@ -13064,7 +15057,73 @@
                 <a:ea typeface="Calibri"/>
                 <a:cs typeface="Segoe UI"/>
               </a:rPr>
-              <a:t> </a:t>
+              <a:t> en la que se aplican el uso de </a:t>
+            </a:r>
+            <a:r>
+              <a:rPr lang="es-CL" sz="2400" b="1">
+                <a:solidFill>
+                  <a:srgbClr val="19202E"/>
+                </a:solidFill>
+                <a:latin typeface="Segoe UI"/>
+                <a:ea typeface="Calibri"/>
+                <a:cs typeface="Segoe UI"/>
+              </a:rPr>
+              <a:t>algoritmos</a:t>
+            </a:r>
+            <a:r>
+              <a:rPr lang="es-CL" sz="2400">
+                <a:solidFill>
+                  <a:srgbClr val="19202E"/>
+                </a:solidFill>
+                <a:latin typeface="Segoe UI"/>
+                <a:ea typeface="Calibri"/>
+                <a:cs typeface="Segoe UI"/>
+              </a:rPr>
+              <a:t> definiendo que </a:t>
+            </a:r>
+            <a:r>
+              <a:rPr lang="es-CL" sz="2400" b="1">
+                <a:solidFill>
+                  <a:srgbClr val="19202E"/>
+                </a:solidFill>
+                <a:latin typeface="Segoe UI"/>
+                <a:ea typeface="Calibri"/>
+                <a:cs typeface="Segoe UI"/>
+              </a:rPr>
+              <a:t>se debe o no aprender</a:t>
+            </a:r>
+            <a:r>
+              <a:rPr lang="es-CL" sz="2400">
+                <a:solidFill>
+                  <a:srgbClr val="19202E"/>
+                </a:solidFill>
+                <a:latin typeface="Segoe UI"/>
+                <a:ea typeface="Calibri"/>
+                <a:cs typeface="Segoe UI"/>
+              </a:rPr>
+              <a:t> en una serie de </a:t>
+            </a:r>
+            <a:r>
+              <a:rPr lang="es-CL" sz="2400" b="1">
+                <a:solidFill>
+                  <a:srgbClr val="19202E"/>
+                </a:solidFill>
+                <a:latin typeface="Segoe UI"/>
+                <a:ea typeface="Calibri"/>
+                <a:cs typeface="Segoe UI"/>
+              </a:rPr>
+              <a:t>datos etiquetados</a:t>
+            </a:r>
+            <a:r>
+              <a:rPr lang="es-CL" sz="2400">
+                <a:solidFill>
+                  <a:srgbClr val="19202E"/>
+                </a:solidFill>
+                <a:latin typeface="Segoe UI"/>
+                <a:ea typeface="Calibri"/>
+                <a:cs typeface="Segoe UI"/>
+              </a:rPr>
+              <a:t> también llamados conjunto de entrenamiento que permiten definir una función predictiva y enseñar al modelo a predecir los resultados con precisión.</a:t>
             </a:r>
           </a:p>
         </p:txBody>
@@ -13083,8 +15142,8 @@
         </p:nvSpPr>
         <p:spPr>
           <a:xfrm>
-            <a:off x="23005" y="5198853"/>
-            <a:ext cx="9184255" cy="1938992"/>
+            <a:off x="4968816" y="3430438"/>
+            <a:ext cx="4209689" cy="3785652"/>
           </a:xfrm>
           <a:prstGeom prst="rect">
             <a:avLst/>
@@ -13108,7 +15167,7 @@
                 <a:latin typeface="Segoe UI"/>
                 <a:cs typeface="Segoe UI"/>
               </a:rPr>
-              <a:t> Asimismo, con la función definida, el modelo usa los datos etiquetados para medir la relevancia de diferentes características a fin de mejorar gradualmente el ajuste del modelo al resultado conocido</a:t>
+              <a:t> Asímismo, con la función definida, el modelo usa los datos etiquetados para medir la relevancia de diferentes características a fin de mejorar gradualmente el ajuste del modelo al resultado conocido</a:t>
             </a:r>
             <a:r>
               <a:rPr lang="en-US" sz="2400">
@@ -13143,8 +15202,8 @@
         </p:nvSpPr>
         <p:spPr>
           <a:xfrm>
-            <a:off x="66137" y="94891"/>
-            <a:ext cx="9026104" cy="646331"/>
+            <a:off x="94892" y="123646"/>
+            <a:ext cx="9026104" cy="584775"/>
           </a:xfrm>
           <a:prstGeom prst="rect">
             <a:avLst/>
@@ -13161,7 +15220,7 @@
           <a:lstStyle/>
           <a:p>
             <a:r>
-              <a:rPr lang="es-CL" sz="3600" b="1">
+              <a:rPr lang="es-CL" sz="3200" b="1">
                 <a:solidFill>
                   <a:schemeClr val="bg1"/>
                 </a:solidFill>
@@ -13169,7 +15228,7 @@
               </a:rPr>
               <a:t>Aprendizaje Supervisado</a:t>
             </a:r>
-            <a:endParaRPr lang="en-US" sz="2800">
+            <a:endParaRPr lang="en-US" sz="2400">
               <a:solidFill>
                 <a:schemeClr val="bg1"/>
               </a:solidFill>
@@ -13178,663 +15237,40 @@
           </a:p>
         </p:txBody>
       </p:sp>
-      <p:sp>
-        <p:nvSpPr>
-          <p:cNvPr id="8" name="TextBox 7">
+      <p:pic>
+        <p:nvPicPr>
+          <p:cNvPr id="4" name="Picture 3" descr="A robot holding a cell phone&#10;&#10;Description automatically generated">
             <a:extLst>
               <a:ext uri="{FF2B5EF4-FFF2-40B4-BE49-F238E27FC236}">
-                <a16:creationId xmlns:a16="http://schemas.microsoft.com/office/drawing/2014/main" id="{AC6BF442-2465-90E8-1A94-82A26CD022B3}"/>
+                <a16:creationId xmlns:a16="http://schemas.microsoft.com/office/drawing/2014/main" id="{3EF888D7-E455-A9CB-C2B7-4661E8B7D61D}"/>
               </a:ext>
             </a:extLst>
           </p:cNvPr>
-          <p:cNvSpPr txBox="1"/>
+          <p:cNvPicPr>
+            <a:picLocks noChangeAspect="1"/>
+          </p:cNvPicPr>
           <p:nvPr/>
-        </p:nvSpPr>
+        </p:nvPicPr>
+        <p:blipFill>
+          <a:blip r:embed="rId5"/>
+          <a:stretch>
+            <a:fillRect/>
+          </a:stretch>
+        </p:blipFill>
         <p:spPr>
           <a:xfrm>
-            <a:off x="296174" y="1705154"/>
-            <a:ext cx="2311878" cy="442674"/>
+            <a:off x="-3357572" y="2274510"/>
+            <a:ext cx="8554527" cy="4757108"/>
           </a:xfrm>
-          <a:prstGeom prst="flowChartAlternateProcess">
+          <a:prstGeom prst="rect">
             <a:avLst/>
           </a:prstGeom>
-          <a:solidFill>
-            <a:srgbClr val="C00000"/>
-          </a:solidFill>
-          <a:ln>
-            <a:solidFill>
-              <a:srgbClr val="2B0404"/>
-            </a:solidFill>
-          </a:ln>
         </p:spPr>
-        <p:style>
-          <a:lnRef idx="1">
-            <a:schemeClr val="accent4"/>
-          </a:lnRef>
-          <a:fillRef idx="2">
-            <a:schemeClr val="accent4"/>
-          </a:fillRef>
-          <a:effectRef idx="1">
-            <a:schemeClr val="accent4"/>
-          </a:effectRef>
-          <a:fontRef idx="minor">
-            <a:schemeClr val="dk1"/>
-          </a:fontRef>
-        </p:style>
-        <p:txBody>
-          <a:bodyPr rot="0" spcFirstLastPara="0" vertOverflow="overflow" horzOverflow="overflow" vert="horz" wrap="square" lIns="91440" tIns="45720" rIns="91440" bIns="45720" numCol="1" spcCol="0" rtlCol="0" fromWordArt="0" anchor="t" anchorCtr="0" forceAA="0" compatLnSpc="1">
-            <a:prstTxWarp prst="textNoShape">
-              <a:avLst/>
-            </a:prstTxWarp>
-            <a:spAutoFit/>
-          </a:bodyPr>
-          <a:lstStyle/>
-          <a:p>
-            <a:r>
-              <a:rPr lang="es-CL" sz="2000">
-                <a:solidFill>
-                  <a:srgbClr val="FFFFFF"/>
-                </a:solidFill>
-                <a:latin typeface="Segoe UI"/>
-              </a:rPr>
-              <a:t> usa </a:t>
-            </a:r>
-            <a:r>
-              <a:rPr lang="es-CL" sz="2000" b="1">
-                <a:solidFill>
-                  <a:srgbClr val="FFFFFF"/>
-                </a:solidFill>
-                <a:latin typeface="Segoe UI"/>
-              </a:rPr>
-              <a:t>algoritmos</a:t>
-            </a:r>
-            <a:r>
-              <a:rPr lang="es-CL" sz="2000">
-                <a:solidFill>
-                  <a:srgbClr val="FFFFFF"/>
-                </a:solidFill>
-                <a:latin typeface="Segoe UI"/>
-              </a:rPr>
-              <a:t> </a:t>
-            </a:r>
-            <a:endParaRPr lang="en-US" sz="2000">
-              <a:solidFill>
-                <a:srgbClr val="FFFFFF"/>
-              </a:solidFill>
-              <a:latin typeface="Segoe UI"/>
-              <a:cs typeface="Segoe UI"/>
-            </a:endParaRPr>
-          </a:p>
-        </p:txBody>
-      </p:sp>
-      <p:sp>
-        <p:nvSpPr>
-          <p:cNvPr id="9" name="TextBox 8">
-            <a:extLst>
-              <a:ext uri="{FF2B5EF4-FFF2-40B4-BE49-F238E27FC236}">
-                <a16:creationId xmlns:a16="http://schemas.microsoft.com/office/drawing/2014/main" id="{1622D384-11BE-8D86-D3A0-E4E3883543A2}"/>
-              </a:ext>
-            </a:extLst>
-          </p:cNvPr>
-          <p:cNvSpPr txBox="1"/>
-          <p:nvPr/>
-        </p:nvSpPr>
-        <p:spPr>
-          <a:xfrm>
-            <a:off x="411192" y="3042248"/>
-            <a:ext cx="1909314" cy="783193"/>
-          </a:xfrm>
-          <a:prstGeom prst="flowChartAlternateProcess">
-            <a:avLst/>
-          </a:prstGeom>
-          <a:solidFill>
-            <a:srgbClr val="C00000"/>
-          </a:solidFill>
-          <a:ln>
-            <a:solidFill>
-              <a:srgbClr val="2B0404"/>
-            </a:solidFill>
-          </a:ln>
-        </p:spPr>
-        <p:style>
-          <a:lnRef idx="1">
-            <a:schemeClr val="accent4"/>
-          </a:lnRef>
-          <a:fillRef idx="2">
-            <a:schemeClr val="accent4"/>
-          </a:fillRef>
-          <a:effectRef idx="1">
-            <a:schemeClr val="accent4"/>
-          </a:effectRef>
-          <a:fontRef idx="minor">
-            <a:schemeClr val="dk1"/>
-          </a:fontRef>
-        </p:style>
-        <p:txBody>
-          <a:bodyPr rot="0" spcFirstLastPara="0" vertOverflow="overflow" horzOverflow="overflow" vert="horz" wrap="square" lIns="91440" tIns="45720" rIns="91440" bIns="45720" numCol="1" spcCol="0" rtlCol="0" fromWordArt="0" anchor="t" anchorCtr="0" forceAA="0" compatLnSpc="1">
-            <a:prstTxWarp prst="textNoShape">
-              <a:avLst/>
-            </a:prstTxWarp>
-            <a:spAutoFit/>
-          </a:bodyPr>
-          <a:lstStyle/>
-          <a:p>
-            <a:r>
-              <a:rPr lang="es-CL" sz="2000">
-                <a:solidFill>
-                  <a:srgbClr val="FFFFFF"/>
-                </a:solidFill>
-                <a:latin typeface="Segoe UI"/>
-              </a:rPr>
-              <a:t>que </a:t>
-            </a:r>
-            <a:r>
-              <a:rPr lang="es-CL" sz="2000" b="1">
-                <a:solidFill>
-                  <a:srgbClr val="FFFFFF"/>
-                </a:solidFill>
-                <a:latin typeface="Segoe UI"/>
-              </a:rPr>
-              <a:t>se debe</a:t>
-            </a:r>
-            <a:r>
-              <a:rPr lang="es-CL" sz="2000">
-                <a:solidFill>
-                  <a:srgbClr val="FFFFFF"/>
-                </a:solidFill>
-                <a:latin typeface="Segoe UI"/>
-              </a:rPr>
-              <a:t> o </a:t>
-            </a:r>
-            <a:r>
-              <a:rPr lang="es-CL" sz="2000" b="1">
-                <a:solidFill>
-                  <a:srgbClr val="FFFFFF"/>
-                </a:solidFill>
-                <a:latin typeface="Segoe UI"/>
-              </a:rPr>
-              <a:t>no</a:t>
-            </a:r>
-            <a:r>
-              <a:rPr lang="es-CL" sz="2000">
-                <a:solidFill>
-                  <a:srgbClr val="FFFFFF"/>
-                </a:solidFill>
-                <a:latin typeface="Segoe UI"/>
-              </a:rPr>
-              <a:t> aprender </a:t>
-            </a:r>
-            <a:endParaRPr lang="en-US" sz="2000">
-              <a:solidFill>
-                <a:srgbClr val="FFFFFF"/>
-              </a:solidFill>
-            </a:endParaRPr>
-          </a:p>
-        </p:txBody>
-      </p:sp>
-      <p:sp>
-        <p:nvSpPr>
-          <p:cNvPr id="10" name="TextBox 9">
-            <a:extLst>
-              <a:ext uri="{FF2B5EF4-FFF2-40B4-BE49-F238E27FC236}">
-                <a16:creationId xmlns:a16="http://schemas.microsoft.com/office/drawing/2014/main" id="{A732730E-868A-317E-909C-A49FF404787E}"/>
-              </a:ext>
-            </a:extLst>
-          </p:cNvPr>
-          <p:cNvSpPr txBox="1"/>
-          <p:nvPr/>
-        </p:nvSpPr>
-        <p:spPr>
-          <a:xfrm>
-            <a:off x="3401684" y="3186022"/>
-            <a:ext cx="2426898" cy="1464231"/>
-          </a:xfrm>
-          <a:prstGeom prst="flowChartAlternateProcess">
-            <a:avLst/>
-          </a:prstGeom>
-          <a:solidFill>
-            <a:srgbClr val="C00000"/>
-          </a:solidFill>
-          <a:ln>
-            <a:solidFill>
-              <a:srgbClr val="2B0404"/>
-            </a:solidFill>
-          </a:ln>
-        </p:spPr>
-        <p:style>
-          <a:lnRef idx="1">
-            <a:schemeClr val="accent4"/>
-          </a:lnRef>
-          <a:fillRef idx="2">
-            <a:schemeClr val="accent4"/>
-          </a:fillRef>
-          <a:effectRef idx="1">
-            <a:schemeClr val="accent4"/>
-          </a:effectRef>
-          <a:fontRef idx="minor">
-            <a:schemeClr val="dk1"/>
-          </a:fontRef>
-        </p:style>
-        <p:txBody>
-          <a:bodyPr rot="0" spcFirstLastPara="0" vertOverflow="overflow" horzOverflow="overflow" vert="horz" wrap="square" lIns="91440" tIns="45720" rIns="91440" bIns="45720" numCol="1" spcCol="0" rtlCol="0" fromWordArt="0" anchor="t" anchorCtr="0" forceAA="0" compatLnSpc="1">
-            <a:prstTxWarp prst="textNoShape">
-              <a:avLst/>
-            </a:prstTxWarp>
-            <a:spAutoFit/>
-          </a:bodyPr>
-          <a:lstStyle/>
-          <a:p>
-            <a:r>
-              <a:rPr lang="es-CL" sz="2000">
-                <a:solidFill>
-                  <a:srgbClr val="FFFFFF"/>
-                </a:solidFill>
-                <a:latin typeface="Segoe UI"/>
-              </a:rPr>
-              <a:t>serie de </a:t>
-            </a:r>
-            <a:r>
-              <a:rPr lang="es-CL" sz="2000" b="1">
-                <a:solidFill>
-                  <a:srgbClr val="FFFFFF"/>
-                </a:solidFill>
-                <a:latin typeface="Segoe UI"/>
-              </a:rPr>
-              <a:t>datos etiquetados</a:t>
-            </a:r>
-            <a:r>
-              <a:rPr lang="es-CL" sz="2000">
-                <a:solidFill>
-                  <a:srgbClr val="FFFFFF"/>
-                </a:solidFill>
-                <a:latin typeface="Segoe UI"/>
-              </a:rPr>
-              <a:t> / </a:t>
-            </a:r>
-            <a:r>
-              <a:rPr lang="es-CL" sz="2000" b="1">
-                <a:solidFill>
-                  <a:srgbClr val="FFFFFF"/>
-                </a:solidFill>
-                <a:latin typeface="Segoe UI"/>
-              </a:rPr>
-              <a:t>conjunto de entrenamiento</a:t>
-            </a:r>
-            <a:endParaRPr lang="en-US" sz="2000">
-              <a:solidFill>
-                <a:srgbClr val="FFFFFF"/>
-              </a:solidFill>
-              <a:cs typeface="Calibri" panose="020F0502020204030204"/>
-            </a:endParaRPr>
-          </a:p>
-        </p:txBody>
-      </p:sp>
-      <p:sp>
-        <p:nvSpPr>
-          <p:cNvPr id="11" name="TextBox 10">
-            <a:extLst>
-              <a:ext uri="{FF2B5EF4-FFF2-40B4-BE49-F238E27FC236}">
-                <a16:creationId xmlns:a16="http://schemas.microsoft.com/office/drawing/2014/main" id="{25D67DC0-543E-F78F-C21B-C0868E10CDE7}"/>
-              </a:ext>
-            </a:extLst>
-          </p:cNvPr>
-          <p:cNvSpPr txBox="1"/>
-          <p:nvPr/>
-        </p:nvSpPr>
-        <p:spPr>
-          <a:xfrm>
-            <a:off x="3401683" y="1719531"/>
-            <a:ext cx="2585048" cy="783193"/>
-          </a:xfrm>
-          <a:prstGeom prst="flowChartAlternateProcess">
-            <a:avLst/>
-          </a:prstGeom>
-          <a:solidFill>
-            <a:srgbClr val="C00000"/>
-          </a:solidFill>
-          <a:ln>
-            <a:solidFill>
-              <a:srgbClr val="2B0404"/>
-            </a:solidFill>
-          </a:ln>
-        </p:spPr>
-        <p:style>
-          <a:lnRef idx="1">
-            <a:schemeClr val="accent4"/>
-          </a:lnRef>
-          <a:fillRef idx="2">
-            <a:schemeClr val="accent4"/>
-          </a:fillRef>
-          <a:effectRef idx="1">
-            <a:schemeClr val="accent4"/>
-          </a:effectRef>
-          <a:fontRef idx="minor">
-            <a:schemeClr val="dk1"/>
-          </a:fontRef>
-        </p:style>
-        <p:txBody>
-          <a:bodyPr rot="0" spcFirstLastPara="0" vertOverflow="overflow" horzOverflow="overflow" vert="horz" wrap="square" lIns="91440" tIns="45720" rIns="91440" bIns="45720" numCol="1" spcCol="0" rtlCol="0" fromWordArt="0" anchor="t" anchorCtr="0" forceAA="0" compatLnSpc="1">
-            <a:prstTxWarp prst="textNoShape">
-              <a:avLst/>
-            </a:prstTxWarp>
-            <a:spAutoFit/>
-          </a:bodyPr>
-          <a:lstStyle/>
-          <a:p>
-            <a:r>
-              <a:rPr lang="es-CL" sz="2000">
-                <a:solidFill>
-                  <a:srgbClr val="FFFFFF"/>
-                </a:solidFill>
-                <a:latin typeface="Segoe UI"/>
-              </a:rPr>
-              <a:t>definir una </a:t>
-            </a:r>
-            <a:r>
-              <a:rPr lang="es-CL" sz="2000" b="1">
-                <a:solidFill>
-                  <a:srgbClr val="FFFFFF"/>
-                </a:solidFill>
-                <a:latin typeface="Segoe UI"/>
-              </a:rPr>
-              <a:t>función</a:t>
-            </a:r>
-            <a:endParaRPr lang="en-US" sz="2000" b="1">
-              <a:solidFill>
-                <a:srgbClr val="FFFFFF"/>
-              </a:solidFill>
-              <a:latin typeface="Calibri" panose="020F0502020204030204"/>
-              <a:cs typeface="Calibri" panose="020F0502020204030204"/>
-            </a:endParaRPr>
-          </a:p>
-          <a:p>
-            <a:r>
-              <a:rPr lang="es-CL" sz="2000" b="1">
-                <a:solidFill>
-                  <a:srgbClr val="FFFFFF"/>
-                </a:solidFill>
-                <a:latin typeface="Segoe UI"/>
-              </a:rPr>
-              <a:t> predictiva</a:t>
-            </a:r>
-            <a:endParaRPr lang="en-US" sz="2000" b="1">
-              <a:solidFill>
-                <a:srgbClr val="FFFFFF"/>
-              </a:solidFill>
-              <a:cs typeface="Calibri"/>
-            </a:endParaRPr>
-          </a:p>
-        </p:txBody>
-      </p:sp>
-      <p:sp>
-        <p:nvSpPr>
-          <p:cNvPr id="12" name="TextBox 11">
-            <a:extLst>
-              <a:ext uri="{FF2B5EF4-FFF2-40B4-BE49-F238E27FC236}">
-                <a16:creationId xmlns:a16="http://schemas.microsoft.com/office/drawing/2014/main" id="{4BF8DF98-36F5-A1C6-289C-2ECE63035579}"/>
-              </a:ext>
-            </a:extLst>
-          </p:cNvPr>
-          <p:cNvSpPr txBox="1"/>
-          <p:nvPr/>
-        </p:nvSpPr>
-        <p:spPr>
-          <a:xfrm>
-            <a:off x="6406552" y="1719530"/>
-            <a:ext cx="2585048" cy="1478608"/>
-          </a:xfrm>
-          <a:prstGeom prst="flowChartAlternateProcess">
-            <a:avLst/>
-          </a:prstGeom>
-          <a:solidFill>
-            <a:srgbClr val="C00000"/>
-          </a:solidFill>
-          <a:ln>
-            <a:solidFill>
-              <a:srgbClr val="2B0404"/>
-            </a:solidFill>
-          </a:ln>
-        </p:spPr>
-        <p:style>
-          <a:lnRef idx="1">
-            <a:schemeClr val="accent4"/>
-          </a:lnRef>
-          <a:fillRef idx="2">
-            <a:schemeClr val="accent4"/>
-          </a:fillRef>
-          <a:effectRef idx="1">
-            <a:schemeClr val="accent4"/>
-          </a:effectRef>
-          <a:fontRef idx="minor">
-            <a:schemeClr val="dk1"/>
-          </a:fontRef>
-        </p:style>
-        <p:txBody>
-          <a:bodyPr rot="0" spcFirstLastPara="0" vertOverflow="overflow" horzOverflow="overflow" vert="horz" wrap="square" lIns="91440" tIns="45720" rIns="91440" bIns="45720" numCol="1" spcCol="0" rtlCol="0" fromWordArt="0" anchor="t" anchorCtr="0" forceAA="0" compatLnSpc="1">
-            <a:prstTxWarp prst="textNoShape">
-              <a:avLst/>
-            </a:prstTxWarp>
-            <a:spAutoFit/>
-          </a:bodyPr>
-          <a:lstStyle/>
-          <a:p>
-            <a:r>
-              <a:rPr lang="es-CL" sz="2000">
-                <a:solidFill>
-                  <a:srgbClr val="FFFFFF"/>
-                </a:solidFill>
-                <a:latin typeface="Segoe UI"/>
-              </a:rPr>
-              <a:t>enseñar al </a:t>
-            </a:r>
-            <a:r>
-              <a:rPr lang="es-CL" sz="2000" b="1">
-                <a:solidFill>
-                  <a:srgbClr val="FFFFFF"/>
-                </a:solidFill>
-                <a:latin typeface="Segoe UI"/>
-              </a:rPr>
-              <a:t>modelo a predecir</a:t>
-            </a:r>
-            <a:r>
-              <a:rPr lang="es-CL" sz="2000">
-                <a:solidFill>
-                  <a:srgbClr val="FFFFFF"/>
-                </a:solidFill>
-                <a:latin typeface="Segoe UI"/>
-              </a:rPr>
-              <a:t> los resultados con precisión.</a:t>
-            </a:r>
-            <a:r>
-              <a:rPr lang="en-US" sz="2000">
-                <a:solidFill>
-                  <a:srgbClr val="FFFFFF"/>
-                </a:solidFill>
-                <a:latin typeface="Segoe UI"/>
-              </a:rPr>
-              <a:t>​</a:t>
-            </a:r>
-            <a:r>
-              <a:rPr lang="en-US" sz="2000">
-                <a:solidFill>
-                  <a:srgbClr val="FFFFFF"/>
-                </a:solidFill>
-                <a:latin typeface="Segoe UI"/>
-                <a:cs typeface="Segoe UI"/>
-              </a:rPr>
-              <a:t>​</a:t>
-            </a:r>
-            <a:endParaRPr lang="en-US" sz="2000">
-              <a:solidFill>
-                <a:srgbClr val="FFFFFF"/>
-              </a:solidFill>
-              <a:cs typeface="Calibri" panose="020F0502020204030204"/>
-            </a:endParaRPr>
-          </a:p>
-        </p:txBody>
-      </p:sp>
-      <p:cxnSp>
-        <p:nvCxnSpPr>
-          <p:cNvPr id="15" name="Straight Arrow Connector 14">
-            <a:extLst>
-              <a:ext uri="{FF2B5EF4-FFF2-40B4-BE49-F238E27FC236}">
-                <a16:creationId xmlns:a16="http://schemas.microsoft.com/office/drawing/2014/main" id="{805F7F63-E107-5C6B-8F1C-5B59AB2E5C24}"/>
-              </a:ext>
-            </a:extLst>
-          </p:cNvPr>
-          <p:cNvCxnSpPr/>
-          <p:nvPr/>
-        </p:nvCxnSpPr>
-        <p:spPr>
-          <a:xfrm flipH="1">
-            <a:off x="1363260" y="2192808"/>
-            <a:ext cx="4026" cy="618226"/>
-          </a:xfrm>
-          <a:prstGeom prst="straightConnector1">
-            <a:avLst/>
-          </a:prstGeom>
-          <a:ln>
-            <a:tailEnd type="triangle"/>
-          </a:ln>
-        </p:spPr>
-        <p:style>
-          <a:lnRef idx="3">
-            <a:schemeClr val="dk1"/>
-          </a:lnRef>
-          <a:fillRef idx="0">
-            <a:schemeClr val="dk1"/>
-          </a:fillRef>
-          <a:effectRef idx="2">
-            <a:schemeClr val="dk1"/>
-          </a:effectRef>
-          <a:fontRef idx="minor">
-            <a:schemeClr val="tx1"/>
-          </a:fontRef>
-        </p:style>
-      </p:cxnSp>
-      <p:cxnSp>
-        <p:nvCxnSpPr>
-          <p:cNvPr id="16" name="Connector: Curved 15">
-            <a:extLst>
-              <a:ext uri="{FF2B5EF4-FFF2-40B4-BE49-F238E27FC236}">
-                <a16:creationId xmlns:a16="http://schemas.microsoft.com/office/drawing/2014/main" id="{1F24B544-EEF7-C01B-8654-B9B5F6F5F340}"/>
-              </a:ext>
-            </a:extLst>
-          </p:cNvPr>
-          <p:cNvCxnSpPr/>
-          <p:nvPr/>
-        </p:nvCxnSpPr>
-        <p:spPr>
-          <a:xfrm flipV="1">
-            <a:off x="2190863" y="2071562"/>
-            <a:ext cx="1078301" cy="1869057"/>
-          </a:xfrm>
-          <a:prstGeom prst="curvedConnector3">
-            <a:avLst/>
-          </a:prstGeom>
-          <a:ln>
-            <a:tailEnd type="triangle"/>
-          </a:ln>
-        </p:spPr>
-        <p:style>
-          <a:lnRef idx="3">
-            <a:schemeClr val="dk1"/>
-          </a:lnRef>
-          <a:fillRef idx="0">
-            <a:schemeClr val="dk1"/>
-          </a:fillRef>
-          <a:effectRef idx="2">
-            <a:schemeClr val="dk1"/>
-          </a:effectRef>
-          <a:fontRef idx="minor">
-            <a:schemeClr val="tx1"/>
-          </a:fontRef>
-        </p:style>
-      </p:cxnSp>
-      <p:cxnSp>
-        <p:nvCxnSpPr>
-          <p:cNvPr id="17" name="Straight Arrow Connector 16">
-            <a:extLst>
-              <a:ext uri="{FF2B5EF4-FFF2-40B4-BE49-F238E27FC236}">
-                <a16:creationId xmlns:a16="http://schemas.microsoft.com/office/drawing/2014/main" id="{2F490789-88BF-675E-E92B-65B29E049B3B}"/>
-              </a:ext>
-            </a:extLst>
-          </p:cNvPr>
-          <p:cNvCxnSpPr>
-            <a:cxnSpLocks/>
-          </p:cNvCxnSpPr>
-          <p:nvPr/>
-        </p:nvCxnSpPr>
-        <p:spPr>
-          <a:xfrm flipH="1">
-            <a:off x="4670051" y="2509109"/>
-            <a:ext cx="4026" cy="618226"/>
-          </a:xfrm>
-          <a:prstGeom prst="straightConnector1">
-            <a:avLst/>
-          </a:prstGeom>
-          <a:ln>
-            <a:tailEnd type="triangle"/>
-          </a:ln>
-        </p:spPr>
-        <p:style>
-          <a:lnRef idx="3">
-            <a:schemeClr val="dk1"/>
-          </a:lnRef>
-          <a:fillRef idx="0">
-            <a:schemeClr val="dk1"/>
-          </a:fillRef>
-          <a:effectRef idx="2">
-            <a:schemeClr val="dk1"/>
-          </a:effectRef>
-          <a:fontRef idx="minor">
-            <a:schemeClr val="tx1"/>
-          </a:fontRef>
-        </p:style>
-      </p:cxnSp>
-      <p:cxnSp>
-        <p:nvCxnSpPr>
-          <p:cNvPr id="19" name="Connector: Curved 18">
-            <a:extLst>
-              <a:ext uri="{FF2B5EF4-FFF2-40B4-BE49-F238E27FC236}">
-                <a16:creationId xmlns:a16="http://schemas.microsoft.com/office/drawing/2014/main" id="{9A78B542-F118-A190-A141-3C714236AE06}"/>
-              </a:ext>
-            </a:extLst>
-          </p:cNvPr>
-          <p:cNvCxnSpPr/>
-          <p:nvPr/>
-        </p:nvCxnSpPr>
-        <p:spPr>
-          <a:xfrm flipV="1">
-            <a:off x="5815184" y="2570183"/>
-            <a:ext cx="589471" cy="1639021"/>
-          </a:xfrm>
-          <a:prstGeom prst="curvedConnector3">
-            <a:avLst/>
-          </a:prstGeom>
-          <a:ln>
-            <a:tailEnd type="triangle"/>
-          </a:ln>
-        </p:spPr>
-        <p:style>
-          <a:lnRef idx="3">
-            <a:schemeClr val="dk1"/>
-          </a:lnRef>
-          <a:fillRef idx="0">
-            <a:schemeClr val="dk1"/>
-          </a:fillRef>
-          <a:effectRef idx="2">
-            <a:schemeClr val="dk1"/>
-          </a:effectRef>
-          <a:fontRef idx="minor">
-            <a:schemeClr val="tx1"/>
-          </a:fontRef>
-        </p:style>
-      </p:cxnSp>
+      </p:pic>
     </p:spTree>
     <p:extLst>
       <p:ext uri="{BB962C8B-B14F-4D97-AF65-F5344CB8AC3E}">
-        <p14:creationId xmlns:p14="http://schemas.microsoft.com/office/powerpoint/2010/main" val="923601911"/>
+        <p14:creationId xmlns:p14="http://schemas.microsoft.com/office/powerpoint/2010/main" val="3982118065"/>
       </p:ext>
     </p:extLst>
   </p:cSld>
@@ -13922,10 +15358,10 @@
       </p:pic>
       <p:sp>
         <p:nvSpPr>
-          <p:cNvPr id="3" name="TextBox 2">
+          <p:cNvPr id="6" name="TextBox 5">
             <a:extLst>
               <a:ext uri="{FF2B5EF4-FFF2-40B4-BE49-F238E27FC236}">
-                <a16:creationId xmlns:a16="http://schemas.microsoft.com/office/drawing/2014/main" id="{23480A74-8042-3918-FB57-0ABA427747B4}"/>
+                <a16:creationId xmlns:a16="http://schemas.microsoft.com/office/drawing/2014/main" id="{C4A2F7C9-0AF4-129F-070F-6E5756021AD2}"/>
               </a:ext>
             </a:extLst>
           </p:cNvPr>
@@ -13934,8 +15370,8 @@
         </p:nvSpPr>
         <p:spPr>
           <a:xfrm>
-            <a:off x="398006" y="1112667"/>
-            <a:ext cx="8341672" cy="2308324"/>
+            <a:off x="-5749" y="-5750"/>
+            <a:ext cx="9443047" cy="769441"/>
           </a:xfrm>
           <a:prstGeom prst="rect">
             <a:avLst/>
@@ -13952,250 +15388,400 @@
           <a:lstStyle/>
           <a:p>
             <a:r>
-              <a:rPr lang="es-CL" sz="2400">
+              <a:rPr lang="es-CL" sz="2200">
+                <a:solidFill>
+                  <a:schemeClr val="bg1"/>
+                </a:solidFill>
+                <a:latin typeface="Segoe UI"/>
+              </a:rPr>
+              <a:t>En el caso de estudio presente trabajamos un modelo de Regresión lineal, para el cual aplicamos los siguientes algoritmos:</a:t>
+            </a:r>
+            <a:endParaRPr lang="en-US" sz="2200">
+              <a:solidFill>
+                <a:schemeClr val="bg1"/>
+              </a:solidFill>
+              <a:ea typeface="Calibri"/>
+              <a:cs typeface="Calibri"/>
+            </a:endParaRPr>
+          </a:p>
+        </p:txBody>
+      </p:sp>
+      <p:grpSp>
+        <p:nvGrpSpPr>
+          <p:cNvPr id="10" name="Grupo 9">
+            <a:extLst>
+              <a:ext uri="{FF2B5EF4-FFF2-40B4-BE49-F238E27FC236}">
+                <a16:creationId xmlns:a16="http://schemas.microsoft.com/office/drawing/2014/main" id="{890D923B-D315-6FB7-9D82-017A84933131}"/>
+              </a:ext>
+            </a:extLst>
+          </p:cNvPr>
+          <p:cNvGrpSpPr/>
+          <p:nvPr/>
+        </p:nvGrpSpPr>
+        <p:grpSpPr>
+          <a:xfrm>
+            <a:off x="641030" y="1119189"/>
+            <a:ext cx="3007672" cy="5491922"/>
+            <a:chOff x="641030" y="1119189"/>
+            <a:chExt cx="3007672" cy="5491922"/>
+          </a:xfrm>
+        </p:grpSpPr>
+        <p:sp>
+          <p:nvSpPr>
+            <p:cNvPr id="3" name="TextBox 3">
+              <a:extLst>
+                <a:ext uri="{FF2B5EF4-FFF2-40B4-BE49-F238E27FC236}">
+                  <a16:creationId xmlns:a16="http://schemas.microsoft.com/office/drawing/2014/main" id="{0BAEEE35-569A-C1B1-3DE8-7187348AFB7D}"/>
+                </a:ext>
+              </a:extLst>
+            </p:cNvPr>
+            <p:cNvSpPr txBox="1"/>
+            <p:nvPr/>
+          </p:nvSpPr>
+          <p:spPr>
+            <a:xfrm>
+              <a:off x="641030" y="1119189"/>
+              <a:ext cx="3007672" cy="4031873"/>
+            </a:xfrm>
+            <a:prstGeom prst="rect">
+              <a:avLst/>
+            </a:prstGeom>
+            <a:noFill/>
+          </p:spPr>
+          <p:txBody>
+            <a:bodyPr rot="0" spcFirstLastPara="0" vert="horz" wrap="square" lIns="91440" tIns="45720" rIns="91440" bIns="45720" numCol="1" spcCol="0" rtlCol="0" fromWordArt="0" anchor="t" anchorCtr="0" forceAA="0" compatLnSpc="1">
+              <a:prstTxWarp prst="textNoShape">
+                <a:avLst/>
+              </a:prstTxWarp>
+              <a:spAutoFit/>
+            </a:bodyPr>
+            <a:lstStyle>
+              <a:defPPr>
+                <a:defRPr lang="es-ES_tradnl"/>
+              </a:defPPr>
+              <a:lvl1pPr marL="0" algn="l" defTabSz="914400" rtl="0" eaLnBrk="1" latinLnBrk="0" hangingPunct="1">
+                <a:defRPr sz="1800" kern="1200">
+                  <a:solidFill>
+                    <a:schemeClr val="tx1"/>
+                  </a:solidFill>
+                  <a:latin typeface="+mn-lt"/>
+                  <a:ea typeface="+mn-ea"/>
+                  <a:cs typeface="+mn-cs"/>
+                </a:defRPr>
+              </a:lvl1pPr>
+              <a:lvl2pPr marL="457200" algn="l" defTabSz="914400" rtl="0" eaLnBrk="1" latinLnBrk="0" hangingPunct="1">
+                <a:defRPr sz="1800" kern="1200">
+                  <a:solidFill>
+                    <a:schemeClr val="tx1"/>
+                  </a:solidFill>
+                  <a:latin typeface="+mn-lt"/>
+                  <a:ea typeface="+mn-ea"/>
+                  <a:cs typeface="+mn-cs"/>
+                </a:defRPr>
+              </a:lvl2pPr>
+              <a:lvl3pPr marL="914400" algn="l" defTabSz="914400" rtl="0" eaLnBrk="1" latinLnBrk="0" hangingPunct="1">
+                <a:defRPr sz="1800" kern="1200">
+                  <a:solidFill>
+                    <a:schemeClr val="tx1"/>
+                  </a:solidFill>
+                  <a:latin typeface="+mn-lt"/>
+                  <a:ea typeface="+mn-ea"/>
+                  <a:cs typeface="+mn-cs"/>
+                </a:defRPr>
+              </a:lvl3pPr>
+              <a:lvl4pPr marL="1371600" algn="l" defTabSz="914400" rtl="0" eaLnBrk="1" latinLnBrk="0" hangingPunct="1">
+                <a:defRPr sz="1800" kern="1200">
+                  <a:solidFill>
+                    <a:schemeClr val="tx1"/>
+                  </a:solidFill>
+                  <a:latin typeface="+mn-lt"/>
+                  <a:ea typeface="+mn-ea"/>
+                  <a:cs typeface="+mn-cs"/>
+                </a:defRPr>
+              </a:lvl4pPr>
+              <a:lvl5pPr marL="1828800" algn="l" defTabSz="914400" rtl="0" eaLnBrk="1" latinLnBrk="0" hangingPunct="1">
+                <a:defRPr sz="1800" kern="1200">
+                  <a:solidFill>
+                    <a:schemeClr val="tx1"/>
+                  </a:solidFill>
+                  <a:latin typeface="+mn-lt"/>
+                  <a:ea typeface="+mn-ea"/>
+                  <a:cs typeface="+mn-cs"/>
+                </a:defRPr>
+              </a:lvl5pPr>
+              <a:lvl6pPr marL="2286000" algn="l" defTabSz="914400" rtl="0" eaLnBrk="1" latinLnBrk="0" hangingPunct="1">
+                <a:defRPr sz="1800" kern="1200">
+                  <a:solidFill>
+                    <a:schemeClr val="tx1"/>
+                  </a:solidFill>
+                  <a:latin typeface="+mn-lt"/>
+                  <a:ea typeface="+mn-ea"/>
+                  <a:cs typeface="+mn-cs"/>
+                </a:defRPr>
+              </a:lvl6pPr>
+              <a:lvl7pPr marL="2743200" algn="l" defTabSz="914400" rtl="0" eaLnBrk="1" latinLnBrk="0" hangingPunct="1">
+                <a:defRPr sz="1800" kern="1200">
+                  <a:solidFill>
+                    <a:schemeClr val="tx1"/>
+                  </a:solidFill>
+                  <a:latin typeface="+mn-lt"/>
+                  <a:ea typeface="+mn-ea"/>
+                  <a:cs typeface="+mn-cs"/>
+                </a:defRPr>
+              </a:lvl7pPr>
+              <a:lvl8pPr marL="3200400" algn="l" defTabSz="914400" rtl="0" eaLnBrk="1" latinLnBrk="0" hangingPunct="1">
+                <a:defRPr sz="1800" kern="1200">
+                  <a:solidFill>
+                    <a:schemeClr val="tx1"/>
+                  </a:solidFill>
+                  <a:latin typeface="+mn-lt"/>
+                  <a:ea typeface="+mn-ea"/>
+                  <a:cs typeface="+mn-cs"/>
+                </a:defRPr>
+              </a:lvl8pPr>
+              <a:lvl9pPr marL="3657600" algn="l" defTabSz="914400" rtl="0" eaLnBrk="1" latinLnBrk="0" hangingPunct="1">
+                <a:defRPr sz="1800" kern="1200">
+                  <a:solidFill>
+                    <a:schemeClr val="tx1"/>
+                  </a:solidFill>
+                  <a:latin typeface="+mn-lt"/>
+                  <a:ea typeface="+mn-ea"/>
+                  <a:cs typeface="+mn-cs"/>
+                </a:defRPr>
+              </a:lvl9pPr>
+            </a:lstStyle>
+            <a:p>
+              <a:pPr marL="342900" indent="-342900" algn="ctr">
+                <a:buFont typeface="Arial"/>
+                <a:buChar char="•"/>
+              </a:pPr>
+              <a:r>
+                <a:rPr lang="es-CL" sz="2400" b="1">
+                  <a:solidFill>
+                    <a:srgbClr val="19202E"/>
+                  </a:solidFill>
+                  <a:latin typeface="Segoe UI"/>
+                  <a:ea typeface="Calibri"/>
+                  <a:cs typeface="Segoe UI"/>
+                </a:rPr>
+                <a:t>Regresión lineal múltiple</a:t>
+              </a:r>
+              <a:endParaRPr lang="en-US">
+                <a:solidFill>
+                  <a:srgbClr val="000000"/>
+                </a:solidFill>
+                <a:latin typeface="Calibri" panose="020F0502020204030204"/>
+                <a:ea typeface="Calibri"/>
+                <a:cs typeface="Calibri" panose="020F0502020204030204"/>
+              </a:endParaRPr>
+            </a:p>
+            <a:p>
+              <a:pPr algn="ctr"/>
+              <a:endParaRPr lang="es-CL" sz="2400">
                 <a:solidFill>
                   <a:srgbClr val="19202E"/>
                 </a:solidFill>
                 <a:latin typeface="Segoe UI"/>
                 <a:ea typeface="Calibri"/>
                 <a:cs typeface="Segoe UI"/>
-              </a:rPr>
-              <a:t>Es una técnica aplicada en la rama del Machine </a:t>
-            </a:r>
-            <a:r>
-              <a:rPr lang="es-CL" sz="2400" err="1">
+              </a:endParaRPr>
+            </a:p>
+            <a:p>
+              <a:pPr algn="ctr"/>
+              <a:r>
+                <a:rPr lang="es-CL" sz="2000">
+                  <a:solidFill>
+                    <a:srgbClr val="19202E"/>
+                  </a:solidFill>
+                  <a:latin typeface="Segoe UI"/>
+                  <a:ea typeface="Calibri"/>
+                  <a:cs typeface="Segoe UI"/>
+                </a:rPr>
+                <a:t> Modela la relación entre una variable dependiente e  independientes mediante una línea recta, predice valores continuos basado en datos observados. </a:t>
+              </a:r>
+              <a:endParaRPr lang="en-US" sz="1600">
+                <a:cs typeface="Calibri"/>
+              </a:endParaRPr>
+            </a:p>
+            <a:p>
+              <a:pPr algn="ctr"/>
+              <a:endParaRPr lang="es-CL" sz="2400">
                 <a:solidFill>
                   <a:srgbClr val="19202E"/>
                 </a:solidFill>
                 <a:latin typeface="Segoe UI"/>
                 <a:ea typeface="Calibri"/>
                 <a:cs typeface="Segoe UI"/>
-              </a:rPr>
-              <a:t>Learning</a:t>
-            </a:r>
-            <a:r>
-              <a:rPr lang="es-CL" sz="2400">
-                <a:solidFill>
-                  <a:srgbClr val="19202E"/>
-                </a:solidFill>
-                <a:latin typeface="Segoe UI"/>
-                <a:ea typeface="Calibri"/>
-                <a:cs typeface="Segoe UI"/>
-              </a:rPr>
-              <a:t> en la que se aplican el uso de </a:t>
-            </a:r>
-            <a:r>
-              <a:rPr lang="es-CL" sz="2400" b="1">
-                <a:solidFill>
-                  <a:srgbClr val="19202E"/>
-                </a:solidFill>
-                <a:latin typeface="Segoe UI"/>
-                <a:ea typeface="Calibri"/>
-                <a:cs typeface="Segoe UI"/>
-              </a:rPr>
-              <a:t>algoritmos</a:t>
-            </a:r>
-            <a:r>
-              <a:rPr lang="es-CL" sz="2400">
-                <a:solidFill>
-                  <a:srgbClr val="19202E"/>
-                </a:solidFill>
-                <a:latin typeface="Segoe UI"/>
-                <a:ea typeface="Calibri"/>
-                <a:cs typeface="Segoe UI"/>
-              </a:rPr>
-              <a:t> definiendo que </a:t>
-            </a:r>
-            <a:r>
-              <a:rPr lang="es-CL" sz="2400" b="1">
-                <a:solidFill>
-                  <a:srgbClr val="19202E"/>
-                </a:solidFill>
-                <a:latin typeface="Segoe UI"/>
-                <a:ea typeface="Calibri"/>
-                <a:cs typeface="Segoe UI"/>
-              </a:rPr>
-              <a:t>se debe o no aprender</a:t>
-            </a:r>
-            <a:r>
-              <a:rPr lang="es-CL" sz="2400">
-                <a:solidFill>
-                  <a:srgbClr val="19202E"/>
-                </a:solidFill>
-                <a:latin typeface="Segoe UI"/>
-                <a:ea typeface="Calibri"/>
-                <a:cs typeface="Segoe UI"/>
-              </a:rPr>
-              <a:t> en una serie de </a:t>
-            </a:r>
-            <a:r>
-              <a:rPr lang="es-CL" sz="2400" b="1">
-                <a:solidFill>
-                  <a:srgbClr val="19202E"/>
-                </a:solidFill>
-                <a:latin typeface="Segoe UI"/>
-                <a:ea typeface="Calibri"/>
-                <a:cs typeface="Segoe UI"/>
-              </a:rPr>
-              <a:t>datos etiquetados</a:t>
-            </a:r>
-            <a:r>
-              <a:rPr lang="es-CL" sz="2400">
-                <a:solidFill>
-                  <a:srgbClr val="19202E"/>
-                </a:solidFill>
-                <a:latin typeface="Segoe UI"/>
-                <a:ea typeface="Calibri"/>
-                <a:cs typeface="Segoe UI"/>
-              </a:rPr>
-              <a:t> también llamados conjunto de entrenamiento que permiten definir una función predictiva y enseñar al modelo a predecir los resultados con precisión.</a:t>
-            </a:r>
-          </a:p>
-        </p:txBody>
-      </p:sp>
-      <p:sp>
-        <p:nvSpPr>
-          <p:cNvPr id="5" name="TextBox 4">
+              </a:endParaRPr>
+            </a:p>
+          </p:txBody>
+        </p:sp>
+        <p:pic>
+          <p:nvPicPr>
+            <p:cNvPr id="12" name="Picture 11" descr="A red arrow pointing up&#10;&#10;Description automatically generated">
+              <a:extLst>
+                <a:ext uri="{FF2B5EF4-FFF2-40B4-BE49-F238E27FC236}">
+                  <a16:creationId xmlns:a16="http://schemas.microsoft.com/office/drawing/2014/main" id="{358731CA-9DDB-8429-7152-EF2F915F03A6}"/>
+                </a:ext>
+              </a:extLst>
+            </p:cNvPr>
+            <p:cNvPicPr>
+              <a:picLocks noChangeAspect="1"/>
+            </p:cNvPicPr>
+            <p:nvPr/>
+          </p:nvPicPr>
+          <p:blipFill rotWithShape="1">
+            <a:blip r:embed="rId5"/>
+            <a:srcRect r="31616"/>
+            <a:stretch/>
+          </p:blipFill>
+          <p:spPr>
+            <a:xfrm>
+              <a:off x="915889" y="4585700"/>
+              <a:ext cx="2457953" cy="2025411"/>
+            </a:xfrm>
+            <a:prstGeom prst="rect">
+              <a:avLst/>
+            </a:prstGeom>
+          </p:spPr>
+        </p:pic>
+      </p:grpSp>
+      <p:grpSp>
+        <p:nvGrpSpPr>
+          <p:cNvPr id="9" name="Grupo 8">
             <a:extLst>
               <a:ext uri="{FF2B5EF4-FFF2-40B4-BE49-F238E27FC236}">
-                <a16:creationId xmlns:a16="http://schemas.microsoft.com/office/drawing/2014/main" id="{433DB7EB-7290-9321-AB65-AD0581FDF5EA}"/>
+                <a16:creationId xmlns:a16="http://schemas.microsoft.com/office/drawing/2014/main" id="{96701FC6-C7DB-43AB-9E52-DDEF406705AF}"/>
               </a:ext>
             </a:extLst>
           </p:cNvPr>
-          <p:cNvSpPr txBox="1"/>
+          <p:cNvGrpSpPr/>
           <p:nvPr/>
-        </p:nvSpPr>
-        <p:spPr>
+        </p:nvGrpSpPr>
+        <p:grpSpPr>
           <a:xfrm>
-            <a:off x="4968816" y="3430438"/>
-            <a:ext cx="4209689" cy="3785652"/>
+            <a:off x="4940880" y="1112668"/>
+            <a:ext cx="3174519" cy="5412178"/>
+            <a:chOff x="2812212" y="1115684"/>
+            <a:chExt cx="3174519" cy="5412178"/>
           </a:xfrm>
-          <a:prstGeom prst="rect">
-            <a:avLst/>
-          </a:prstGeom>
-          <a:noFill/>
-        </p:spPr>
-        <p:txBody>
-          <a:bodyPr rot="0" spcFirstLastPara="0" vertOverflow="overflow" horzOverflow="overflow" vert="horz" wrap="square" lIns="91440" tIns="45720" rIns="91440" bIns="45720" numCol="1" spcCol="0" rtlCol="0" fromWordArt="0" anchor="t" anchorCtr="0" forceAA="0" compatLnSpc="1">
-            <a:prstTxWarp prst="textNoShape">
+        </p:grpSpPr>
+        <p:sp>
+          <p:nvSpPr>
+            <p:cNvPr id="4" name="TextBox 3">
+              <a:extLst>
+                <a:ext uri="{FF2B5EF4-FFF2-40B4-BE49-F238E27FC236}">
+                  <a16:creationId xmlns:a16="http://schemas.microsoft.com/office/drawing/2014/main" id="{5B7B5083-F57A-B985-7ADB-21826FFA6E75}"/>
+                </a:ext>
+              </a:extLst>
+            </p:cNvPr>
+            <p:cNvSpPr txBox="1"/>
+            <p:nvPr/>
+          </p:nvSpPr>
+          <p:spPr>
+            <a:xfrm>
+              <a:off x="2812212" y="1115684"/>
+              <a:ext cx="3174519" cy="3293209"/>
+            </a:xfrm>
+            <a:prstGeom prst="rect">
               <a:avLst/>
-            </a:prstTxWarp>
-            <a:spAutoFit/>
-          </a:bodyPr>
-          <a:lstStyle/>
-          <a:p>
-            <a:r>
-              <a:rPr lang="es-CL" sz="2400">
+            </a:prstGeom>
+            <a:noFill/>
+          </p:spPr>
+          <p:txBody>
+            <a:bodyPr rot="0" spcFirstLastPara="0" vertOverflow="overflow" horzOverflow="overflow" vert="horz" wrap="square" lIns="91440" tIns="45720" rIns="91440" bIns="45720" numCol="1" spcCol="0" rtlCol="0" fromWordArt="0" anchor="t" anchorCtr="0" forceAA="0" compatLnSpc="1">
+              <a:prstTxWarp prst="textNoShape">
+                <a:avLst/>
+              </a:prstTxWarp>
+              <a:spAutoFit/>
+            </a:bodyPr>
+            <a:lstStyle/>
+            <a:p>
+              <a:pPr marL="342900" indent="-342900" algn="ctr">
+                <a:buFont typeface="Arial"/>
+                <a:buChar char="•"/>
+              </a:pPr>
+              <a:r>
+                <a:rPr lang="es-CL" sz="2400" b="1">
+                  <a:solidFill>
+                    <a:srgbClr val="19202E"/>
+                  </a:solidFill>
+                  <a:latin typeface="Segoe UI"/>
+                </a:rPr>
+                <a:t>Árbol de decisión</a:t>
+              </a:r>
+              <a:endParaRPr lang="es-CL" sz="2400">
+                <a:solidFill>
+                  <a:srgbClr val="19202E"/>
+                </a:solidFill>
+                <a:latin typeface="Segoe UI"/>
+              </a:endParaRPr>
+            </a:p>
+            <a:p>
+              <a:pPr algn="ctr"/>
+              <a:endParaRPr lang="es-CL" sz="2400">
                 <a:solidFill>
                   <a:srgbClr val="19202E"/>
                 </a:solidFill>
                 <a:latin typeface="Segoe UI"/>
                 <a:cs typeface="Segoe UI"/>
-              </a:rPr>
-              <a:t> Asimismo, con la función definida, el modelo usa los datos etiquetados para medir la relevancia de diferentes características a fin de mejorar gradualmente el ajuste del modelo al resultado conocido</a:t>
-            </a:r>
-            <a:r>
-              <a:rPr lang="en-US" sz="2400">
+              </a:endParaRPr>
+            </a:p>
+            <a:p>
+              <a:pPr algn="ctr"/>
+              <a:r>
+                <a:rPr lang="es-CL" sz="2000">
+                  <a:solidFill>
+                    <a:srgbClr val="19202E"/>
+                  </a:solidFill>
+                  <a:latin typeface="Segoe UI"/>
+                </a:rPr>
+                <a:t>Modelo no paramétrico con estructura en forma de árbol donde se crean reglas de decisión y clasifica o predice valores a partir de la división recursiva de los datos.</a:t>
+              </a:r>
+              <a:endParaRPr lang="es-CL" sz="2000">
+                <a:solidFill>
+                  <a:srgbClr val="19202E"/>
+                </a:solidFill>
                 <a:latin typeface="Segoe UI"/>
                 <a:cs typeface="Segoe UI"/>
-              </a:rPr>
-              <a:t>​.</a:t>
-            </a:r>
-          </a:p>
-          <a:p>
-            <a:r>
-              <a:rPr lang="es-CL" sz="2400">
-                <a:latin typeface="Segoe UI"/>
-                <a:cs typeface="Segoe UI"/>
-              </a:rPr>
-              <a:t>​</a:t>
-            </a:r>
-          </a:p>
-        </p:txBody>
-      </p:sp>
-      <p:sp>
-        <p:nvSpPr>
-          <p:cNvPr id="6" name="TextBox 5">
-            <a:extLst>
-              <a:ext uri="{FF2B5EF4-FFF2-40B4-BE49-F238E27FC236}">
-                <a16:creationId xmlns:a16="http://schemas.microsoft.com/office/drawing/2014/main" id="{2F0A0820-7017-6E36-3F5D-8BE37DD03C0D}"/>
-              </a:ext>
-            </a:extLst>
-          </p:cNvPr>
-          <p:cNvSpPr txBox="1"/>
-          <p:nvPr/>
-        </p:nvSpPr>
-        <p:spPr>
-          <a:xfrm>
-            <a:off x="66137" y="94891"/>
-            <a:ext cx="9026104" cy="646331"/>
-          </a:xfrm>
-          <a:prstGeom prst="rect">
-            <a:avLst/>
-          </a:prstGeom>
-          <a:noFill/>
-        </p:spPr>
-        <p:txBody>
-          <a:bodyPr rot="0" spcFirstLastPara="0" vertOverflow="overflow" horzOverflow="overflow" vert="horz" wrap="square" lIns="91440" tIns="45720" rIns="91440" bIns="45720" numCol="1" spcCol="0" rtlCol="0" fromWordArt="0" anchor="t" anchorCtr="0" forceAA="0" compatLnSpc="1">
-            <a:prstTxWarp prst="textNoShape">
+              </a:endParaRPr>
+            </a:p>
+          </p:txBody>
+        </p:sp>
+        <p:pic>
+          <p:nvPicPr>
+            <p:cNvPr id="13" name="Picture 12" descr="A group of colorful dots&#10;&#10;Description automatically generated">
+              <a:extLst>
+                <a:ext uri="{FF2B5EF4-FFF2-40B4-BE49-F238E27FC236}">
+                  <a16:creationId xmlns:a16="http://schemas.microsoft.com/office/drawing/2014/main" id="{B2E51727-3148-CD7B-EDE9-2BA4043B24B7}"/>
+                </a:ext>
+              </a:extLst>
+            </p:cNvPr>
+            <p:cNvPicPr>
+              <a:picLocks noChangeAspect="1"/>
+            </p:cNvPicPr>
+            <p:nvPr/>
+          </p:nvPicPr>
+          <p:blipFill rotWithShape="1">
+            <a:blip r:embed="rId6"/>
+            <a:srcRect l="22462" r="6683"/>
+            <a:stretch/>
+          </p:blipFill>
+          <p:spPr>
+            <a:xfrm>
+              <a:off x="3202284" y="4674979"/>
+              <a:ext cx="2393945" cy="1852883"/>
+            </a:xfrm>
+            <a:prstGeom prst="rect">
               <a:avLst/>
-            </a:prstTxWarp>
-            <a:spAutoFit/>
-          </a:bodyPr>
-          <a:lstStyle/>
-          <a:p>
-            <a:r>
-              <a:rPr lang="es-CL" sz="3600" b="1">
-                <a:solidFill>
-                  <a:schemeClr val="bg1"/>
-                </a:solidFill>
-                <a:latin typeface="Segoe UI"/>
-              </a:rPr>
-              <a:t>Aprendizaje Supervisado</a:t>
-            </a:r>
-            <a:endParaRPr lang="en-US" sz="2800">
-              <a:solidFill>
-                <a:schemeClr val="bg1"/>
-              </a:solidFill>
-              <a:cs typeface="Calibri" panose="020F0502020204030204"/>
-            </a:endParaRPr>
-          </a:p>
-        </p:txBody>
-      </p:sp>
-      <p:pic>
-        <p:nvPicPr>
-          <p:cNvPr id="4" name="Picture 3" descr="A robot holding a cell phone&#10;&#10;Description automatically generated">
-            <a:extLst>
-              <a:ext uri="{FF2B5EF4-FFF2-40B4-BE49-F238E27FC236}">
-                <a16:creationId xmlns:a16="http://schemas.microsoft.com/office/drawing/2014/main" id="{3EF888D7-E455-A9CB-C2B7-4661E8B7D61D}"/>
-              </a:ext>
-            </a:extLst>
-          </p:cNvPr>
-          <p:cNvPicPr>
-            <a:picLocks noChangeAspect="1"/>
-          </p:cNvPicPr>
-          <p:nvPr/>
-        </p:nvPicPr>
-        <p:blipFill>
-          <a:blip r:embed="rId5"/>
-          <a:stretch>
-            <a:fillRect/>
-          </a:stretch>
-        </p:blipFill>
-        <p:spPr>
-          <a:xfrm>
-            <a:off x="-3357572" y="2274510"/>
-            <a:ext cx="8554527" cy="4757108"/>
-          </a:xfrm>
-          <a:prstGeom prst="rect">
-            <a:avLst/>
-          </a:prstGeom>
-        </p:spPr>
-      </p:pic>
+            </a:prstGeom>
+          </p:spPr>
+        </p:pic>
+      </p:grpSp>
     </p:spTree>
     <p:extLst>
       <p:ext uri="{BB962C8B-B14F-4D97-AF65-F5344CB8AC3E}">
-        <p14:creationId xmlns:p14="http://schemas.microsoft.com/office/powerpoint/2010/main" val="3982118065"/>
+        <p14:creationId xmlns:p14="http://schemas.microsoft.com/office/powerpoint/2010/main" val="2146413309"/>
       </p:ext>
     </p:extLst>
   </p:cSld>
@@ -14283,10 +15869,10 @@
       </p:pic>
       <p:sp>
         <p:nvSpPr>
-          <p:cNvPr id="3" name="TextBox 3">
+          <p:cNvPr id="6" name="TextBox 5">
             <a:extLst>
               <a:ext uri="{FF2B5EF4-FFF2-40B4-BE49-F238E27FC236}">
-                <a16:creationId xmlns:a16="http://schemas.microsoft.com/office/drawing/2014/main" id="{0BAEEE35-569A-C1B1-3DE8-7187348AFB7D}"/>
+                <a16:creationId xmlns:a16="http://schemas.microsoft.com/office/drawing/2014/main" id="{C4A2F7C9-0AF4-129F-070F-6E5756021AD2}"/>
               </a:ext>
             </a:extLst>
           </p:cNvPr>
@@ -14295,220 +15881,8 @@
         </p:nvSpPr>
         <p:spPr>
           <a:xfrm>
-            <a:off x="-4559" y="810743"/>
-            <a:ext cx="3007672" cy="4893647"/>
-          </a:xfrm>
-          <a:prstGeom prst="rect">
-            <a:avLst/>
-          </a:prstGeom>
-          <a:noFill/>
-        </p:spPr>
-        <p:txBody>
-          <a:bodyPr rot="0" spcFirstLastPara="0" vert="horz" wrap="square" lIns="91440" tIns="45720" rIns="91440" bIns="45720" numCol="1" spcCol="0" rtlCol="0" fromWordArt="0" anchor="t" anchorCtr="0" forceAA="0" compatLnSpc="1">
-            <a:prstTxWarp prst="textNoShape">
-              <a:avLst/>
-            </a:prstTxWarp>
-            <a:spAutoFit/>
-          </a:bodyPr>
-          <a:lstStyle>
-            <a:defPPr>
-              <a:defRPr lang="es-ES_tradnl"/>
-            </a:defPPr>
-            <a:lvl1pPr marL="0" algn="l" defTabSz="914400" rtl="0" eaLnBrk="1" latinLnBrk="0" hangingPunct="1">
-              <a:defRPr sz="1800" kern="1200">
-                <a:solidFill>
-                  <a:schemeClr val="tx1"/>
-                </a:solidFill>
-                <a:latin typeface="+mn-lt"/>
-                <a:ea typeface="+mn-ea"/>
-                <a:cs typeface="+mn-cs"/>
-              </a:defRPr>
-            </a:lvl1pPr>
-            <a:lvl2pPr marL="457200" algn="l" defTabSz="914400" rtl="0" eaLnBrk="1" latinLnBrk="0" hangingPunct="1">
-              <a:defRPr sz="1800" kern="1200">
-                <a:solidFill>
-                  <a:schemeClr val="tx1"/>
-                </a:solidFill>
-                <a:latin typeface="+mn-lt"/>
-                <a:ea typeface="+mn-ea"/>
-                <a:cs typeface="+mn-cs"/>
-              </a:defRPr>
-            </a:lvl2pPr>
-            <a:lvl3pPr marL="914400" algn="l" defTabSz="914400" rtl="0" eaLnBrk="1" latinLnBrk="0" hangingPunct="1">
-              <a:defRPr sz="1800" kern="1200">
-                <a:solidFill>
-                  <a:schemeClr val="tx1"/>
-                </a:solidFill>
-                <a:latin typeface="+mn-lt"/>
-                <a:ea typeface="+mn-ea"/>
-                <a:cs typeface="+mn-cs"/>
-              </a:defRPr>
-            </a:lvl3pPr>
-            <a:lvl4pPr marL="1371600" algn="l" defTabSz="914400" rtl="0" eaLnBrk="1" latinLnBrk="0" hangingPunct="1">
-              <a:defRPr sz="1800" kern="1200">
-                <a:solidFill>
-                  <a:schemeClr val="tx1"/>
-                </a:solidFill>
-                <a:latin typeface="+mn-lt"/>
-                <a:ea typeface="+mn-ea"/>
-                <a:cs typeface="+mn-cs"/>
-              </a:defRPr>
-            </a:lvl4pPr>
-            <a:lvl5pPr marL="1828800" algn="l" defTabSz="914400" rtl="0" eaLnBrk="1" latinLnBrk="0" hangingPunct="1">
-              <a:defRPr sz="1800" kern="1200">
-                <a:solidFill>
-                  <a:schemeClr val="tx1"/>
-                </a:solidFill>
-                <a:latin typeface="+mn-lt"/>
-                <a:ea typeface="+mn-ea"/>
-                <a:cs typeface="+mn-cs"/>
-              </a:defRPr>
-            </a:lvl5pPr>
-            <a:lvl6pPr marL="2286000" algn="l" defTabSz="914400" rtl="0" eaLnBrk="1" latinLnBrk="0" hangingPunct="1">
-              <a:defRPr sz="1800" kern="1200">
-                <a:solidFill>
-                  <a:schemeClr val="tx1"/>
-                </a:solidFill>
-                <a:latin typeface="+mn-lt"/>
-                <a:ea typeface="+mn-ea"/>
-                <a:cs typeface="+mn-cs"/>
-              </a:defRPr>
-            </a:lvl6pPr>
-            <a:lvl7pPr marL="2743200" algn="l" defTabSz="914400" rtl="0" eaLnBrk="1" latinLnBrk="0" hangingPunct="1">
-              <a:defRPr sz="1800" kern="1200">
-                <a:solidFill>
-                  <a:schemeClr val="tx1"/>
-                </a:solidFill>
-                <a:latin typeface="+mn-lt"/>
-                <a:ea typeface="+mn-ea"/>
-                <a:cs typeface="+mn-cs"/>
-              </a:defRPr>
-            </a:lvl7pPr>
-            <a:lvl8pPr marL="3200400" algn="l" defTabSz="914400" rtl="0" eaLnBrk="1" latinLnBrk="0" hangingPunct="1">
-              <a:defRPr sz="1800" kern="1200">
-                <a:solidFill>
-                  <a:schemeClr val="tx1"/>
-                </a:solidFill>
-                <a:latin typeface="+mn-lt"/>
-                <a:ea typeface="+mn-ea"/>
-                <a:cs typeface="+mn-cs"/>
-              </a:defRPr>
-            </a:lvl8pPr>
-            <a:lvl9pPr marL="3657600" algn="l" defTabSz="914400" rtl="0" eaLnBrk="1" latinLnBrk="0" hangingPunct="1">
-              <a:defRPr sz="1800" kern="1200">
-                <a:solidFill>
-                  <a:schemeClr val="tx1"/>
-                </a:solidFill>
-                <a:latin typeface="+mn-lt"/>
-                <a:ea typeface="+mn-ea"/>
-                <a:cs typeface="+mn-cs"/>
-              </a:defRPr>
-            </a:lvl9pPr>
-          </a:lstStyle>
-          <a:p>
-            <a:pPr marL="342900" indent="-342900" algn="ctr">
-              <a:buFont typeface="Arial"/>
-              <a:buChar char="•"/>
-            </a:pPr>
-            <a:r>
-              <a:rPr lang="es-CL" sz="2400" b="1">
-                <a:solidFill>
-                  <a:srgbClr val="19202E"/>
-                </a:solidFill>
-                <a:latin typeface="Segoe UI"/>
-                <a:ea typeface="Calibri"/>
-                <a:cs typeface="Segoe UI"/>
-              </a:rPr>
-              <a:t>Regresión lineal múltiple</a:t>
-            </a:r>
-            <a:endParaRPr lang="en-US">
-              <a:solidFill>
-                <a:srgbClr val="000000"/>
-              </a:solidFill>
-              <a:latin typeface="Calibri" panose="020F0502020204030204"/>
-              <a:ea typeface="Calibri"/>
-              <a:cs typeface="Calibri" panose="020F0502020204030204"/>
-            </a:endParaRPr>
-          </a:p>
-          <a:p>
-            <a:pPr algn="ctr"/>
-            <a:endParaRPr lang="es-CL" sz="2400">
-              <a:solidFill>
-                <a:srgbClr val="19202E"/>
-              </a:solidFill>
-              <a:latin typeface="Segoe UI"/>
-              <a:ea typeface="Calibri"/>
-              <a:cs typeface="Segoe UI"/>
-            </a:endParaRPr>
-          </a:p>
-          <a:p>
-            <a:pPr algn="ctr"/>
-            <a:r>
-              <a:rPr lang="es-CL" sz="2400">
-                <a:solidFill>
-                  <a:srgbClr val="19202E"/>
-                </a:solidFill>
-                <a:latin typeface="Segoe UI"/>
-                <a:ea typeface="Calibri"/>
-                <a:cs typeface="Segoe UI"/>
-              </a:rPr>
-              <a:t> Modela la relación entre una variable dependiente e  independientes mediante una </a:t>
-            </a:r>
-            <a:r>
-              <a:rPr lang="es-CL" sz="2400" err="1">
-                <a:solidFill>
-                  <a:srgbClr val="19202E"/>
-                </a:solidFill>
-                <a:latin typeface="Segoe UI"/>
-                <a:ea typeface="Calibri"/>
-                <a:cs typeface="Segoe UI"/>
-              </a:rPr>
-              <a:t>linea</a:t>
-            </a:r>
-            <a:r>
-              <a:rPr lang="es-CL" sz="2400">
-                <a:solidFill>
-                  <a:srgbClr val="19202E"/>
-                </a:solidFill>
-                <a:latin typeface="Segoe UI"/>
-                <a:ea typeface="Calibri"/>
-                <a:cs typeface="Segoe UI"/>
-              </a:rPr>
-              <a:t> recta, predice valores continuos basado en datos observados. </a:t>
-            </a:r>
-            <a:endParaRPr lang="en-US">
-              <a:cs typeface="Calibri"/>
-            </a:endParaRPr>
-          </a:p>
-          <a:p>
-            <a:pPr algn="ctr"/>
-            <a:endParaRPr lang="es-CL" sz="2400">
-              <a:solidFill>
-                <a:srgbClr val="19202E"/>
-              </a:solidFill>
-              <a:latin typeface="Segoe UI"/>
-              <a:ea typeface="Calibri"/>
-              <a:cs typeface="Segoe UI"/>
-            </a:endParaRPr>
-          </a:p>
-        </p:txBody>
-      </p:sp>
-      <p:sp>
-        <p:nvSpPr>
-          <p:cNvPr id="4" name="TextBox 3">
-            <a:extLst>
-              <a:ext uri="{FF2B5EF4-FFF2-40B4-BE49-F238E27FC236}">
-                <a16:creationId xmlns:a16="http://schemas.microsoft.com/office/drawing/2014/main" id="{5B7B5083-F57A-B985-7ADB-21826FFA6E75}"/>
-              </a:ext>
-            </a:extLst>
-          </p:cNvPr>
-          <p:cNvSpPr txBox="1"/>
-          <p:nvPr/>
-        </p:nvSpPr>
-        <p:spPr>
-          <a:xfrm>
-            <a:off x="2812212" y="813759"/>
-            <a:ext cx="3174519" cy="4524315"/>
+            <a:off x="-5749" y="-5750"/>
+            <a:ext cx="9443047" cy="769441"/>
           </a:xfrm>
           <a:prstGeom prst="rect">
             <a:avLst/>
@@ -14524,81 +15898,384 @@
           </a:bodyPr>
           <a:lstStyle/>
           <a:p>
-            <a:pPr marL="342900" indent="-342900" algn="ctr">
-              <a:buFont typeface="Arial"/>
-              <a:buChar char="•"/>
-            </a:pPr>
-            <a:r>
-              <a:rPr lang="es-CL" sz="2400" b="1" err="1">
-                <a:solidFill>
-                  <a:srgbClr val="19202E"/>
+            <a:r>
+              <a:rPr lang="es-CL" sz="2200" b="1">
+                <a:solidFill>
+                  <a:schemeClr val="bg1"/>
                 </a:solidFill>
                 <a:latin typeface="Segoe UI"/>
               </a:rPr>
-              <a:t>Arbol</a:t>
-            </a:r>
-            <a:r>
-              <a:rPr lang="es-CL" sz="2400" b="1">
-                <a:solidFill>
-                  <a:srgbClr val="19202E"/>
-                </a:solidFill>
-                <a:latin typeface="Segoe UI"/>
-              </a:rPr>
-              <a:t> de </a:t>
-            </a:r>
-            <a:r>
-              <a:rPr lang="es-CL" sz="2400" b="1" err="1">
-                <a:solidFill>
-                  <a:srgbClr val="19202E"/>
-                </a:solidFill>
-                <a:latin typeface="Segoe UI"/>
-              </a:rPr>
-              <a:t>decisón</a:t>
-            </a:r>
-            <a:endParaRPr lang="es-CL" sz="2400" err="1">
+              <a:t>En el caso de estudio presente trabajamos un modelo de Regresión lineal, para el cual aplicamos los siguientes algoritmos:</a:t>
+            </a:r>
+            <a:endParaRPr lang="en-US" sz="2200" b="1">
               <a:solidFill>
-                <a:srgbClr val="19202E"/>
+                <a:schemeClr val="bg1"/>
               </a:solidFill>
-              <a:latin typeface="Segoe UI"/>
-            </a:endParaRPr>
-          </a:p>
-          <a:p>
-            <a:pPr algn="ctr"/>
-            <a:endParaRPr lang="es-CL" sz="2400">
-              <a:solidFill>
-                <a:srgbClr val="19202E"/>
-              </a:solidFill>
-              <a:latin typeface="Segoe UI"/>
-              <a:cs typeface="Segoe UI"/>
-            </a:endParaRPr>
-          </a:p>
-          <a:p>
-            <a:pPr algn="ctr"/>
-            <a:r>
-              <a:rPr lang="es-CL" sz="2400">
-                <a:solidFill>
-                  <a:srgbClr val="19202E"/>
-                </a:solidFill>
-                <a:latin typeface="Segoe UI"/>
-              </a:rPr>
-              <a:t>Modelo no paramétrico con estructura en forma de árbol donde se crean reglas de decisión y clasifica o predice valores a partir de la división recursiva de los datos.</a:t>
-            </a:r>
-            <a:endParaRPr lang="es-CL" sz="2400">
-              <a:solidFill>
-                <a:srgbClr val="19202E"/>
-              </a:solidFill>
-              <a:latin typeface="Segoe UI"/>
-              <a:cs typeface="Segoe UI"/>
             </a:endParaRPr>
           </a:p>
         </p:txBody>
       </p:sp>
+      <p:grpSp>
+        <p:nvGrpSpPr>
+          <p:cNvPr id="9" name="Grupo 8">
+            <a:extLst>
+              <a:ext uri="{FF2B5EF4-FFF2-40B4-BE49-F238E27FC236}">
+                <a16:creationId xmlns:a16="http://schemas.microsoft.com/office/drawing/2014/main" id="{4DC6A8BF-1F86-6DDD-C214-8DFFAA8EC1DF}"/>
+              </a:ext>
+            </a:extLst>
+          </p:cNvPr>
+          <p:cNvGrpSpPr/>
+          <p:nvPr/>
+        </p:nvGrpSpPr>
+        <p:grpSpPr>
+          <a:xfrm>
+            <a:off x="611930" y="1266251"/>
+            <a:ext cx="3807122" cy="5510354"/>
+            <a:chOff x="5874590" y="1086929"/>
+            <a:chExt cx="3807122" cy="5510354"/>
+          </a:xfrm>
+        </p:grpSpPr>
+        <p:sp>
+          <p:nvSpPr>
+            <p:cNvPr id="5" name="TextBox 4">
+              <a:extLst>
+                <a:ext uri="{FF2B5EF4-FFF2-40B4-BE49-F238E27FC236}">
+                  <a16:creationId xmlns:a16="http://schemas.microsoft.com/office/drawing/2014/main" id="{63B915FF-A735-D93C-6AAE-86AF5336C87F}"/>
+                </a:ext>
+              </a:extLst>
+            </p:cNvPr>
+            <p:cNvSpPr txBox="1"/>
+            <p:nvPr/>
+          </p:nvSpPr>
+          <p:spPr>
+            <a:xfrm>
+              <a:off x="5874590" y="1086929"/>
+              <a:ext cx="3807122" cy="3627717"/>
+            </a:xfrm>
+            <a:prstGeom prst="rect">
+              <a:avLst/>
+            </a:prstGeom>
+            <a:noFill/>
+          </p:spPr>
+          <p:txBody>
+            <a:bodyPr rot="0" spcFirstLastPara="0" vertOverflow="overflow" horzOverflow="overflow" vert="horz" wrap="square" lIns="91440" tIns="45720" rIns="91440" bIns="45720" numCol="1" spcCol="0" rtlCol="0" fromWordArt="0" anchor="t" anchorCtr="0" forceAA="0" compatLnSpc="1">
+              <a:prstTxWarp prst="textNoShape">
+                <a:avLst/>
+              </a:prstTxWarp>
+              <a:spAutoFit/>
+            </a:bodyPr>
+            <a:lstStyle/>
+            <a:p>
+              <a:pPr marL="342900" indent="-342900" algn="ctr">
+                <a:buFont typeface="Arial"/>
+                <a:buChar char="•"/>
+              </a:pPr>
+              <a:r>
+                <a:rPr lang="es-CL" sz="2400" b="1">
+                  <a:solidFill>
+                    <a:srgbClr val="19202E"/>
+                  </a:solidFill>
+                  <a:latin typeface="Segoe UI"/>
+                </a:rPr>
+                <a:t>Redes Neuronales</a:t>
+              </a:r>
+              <a:endParaRPr lang="es-CL" sz="2400">
+                <a:solidFill>
+                  <a:srgbClr val="000000"/>
+                </a:solidFill>
+                <a:latin typeface="Segoe UI"/>
+                <a:cs typeface="Segoe UI"/>
+              </a:endParaRPr>
+            </a:p>
+            <a:p>
+              <a:pPr algn="ctr"/>
+              <a:endParaRPr lang="es-CL" sz="2400" b="1">
+                <a:solidFill>
+                  <a:srgbClr val="19202E"/>
+                </a:solidFill>
+                <a:latin typeface="Segoe UI"/>
+              </a:endParaRPr>
+            </a:p>
+            <a:p>
+              <a:pPr algn="ctr"/>
+              <a:r>
+                <a:rPr lang="es-CL" sz="2000" b="1">
+                  <a:solidFill>
+                    <a:srgbClr val="19202E"/>
+                  </a:solidFill>
+                  <a:latin typeface="Segoe UI"/>
+                </a:rPr>
+                <a:t> </a:t>
+              </a:r>
+              <a:r>
+                <a:rPr lang="es-CL" sz="2000">
+                  <a:solidFill>
+                    <a:srgbClr val="19202E"/>
+                  </a:solidFill>
+                  <a:latin typeface="Segoe UI"/>
+                </a:rPr>
+                <a:t>Modelo de Aprendizaje automático que imita el funcionamiento del cerebro humano, aplica unidades de procesamiento que se organizan en capas interconectadas.</a:t>
+              </a:r>
+              <a:endParaRPr lang="es-CL" sz="2000">
+                <a:solidFill>
+                  <a:srgbClr val="000000"/>
+                </a:solidFill>
+                <a:latin typeface="Segoe UI"/>
+                <a:cs typeface="Segoe UI"/>
+              </a:endParaRPr>
+            </a:p>
+            <a:p>
+              <a:pPr algn="ctr"/>
+              <a:endParaRPr lang="en-US">
+                <a:cs typeface="Calibri"/>
+              </a:endParaRPr>
+            </a:p>
+          </p:txBody>
+        </p:sp>
+        <p:pic>
+          <p:nvPicPr>
+            <p:cNvPr id="8" name="Picture 7" descr="A network with colored dots and lines&#10;&#10;Description automatically generated">
+              <a:extLst>
+                <a:ext uri="{FF2B5EF4-FFF2-40B4-BE49-F238E27FC236}">
+                  <a16:creationId xmlns:a16="http://schemas.microsoft.com/office/drawing/2014/main" id="{B1A89EE9-E8D2-1219-B80A-D87D46B51C10}"/>
+                </a:ext>
+              </a:extLst>
+            </p:cNvPr>
+            <p:cNvPicPr>
+              <a:picLocks noChangeAspect="1"/>
+            </p:cNvPicPr>
+            <p:nvPr/>
+          </p:nvPicPr>
+          <p:blipFill rotWithShape="1">
+            <a:blip r:embed="rId5"/>
+            <a:srcRect l="16055" r="21108"/>
+            <a:stretch/>
+          </p:blipFill>
+          <p:spPr>
+            <a:xfrm>
+              <a:off x="6552309" y="4677366"/>
+              <a:ext cx="2258568" cy="1919917"/>
+            </a:xfrm>
+            <a:prstGeom prst="rect">
+              <a:avLst/>
+            </a:prstGeom>
+          </p:spPr>
+        </p:pic>
+      </p:grpSp>
+      <p:grpSp>
+        <p:nvGrpSpPr>
+          <p:cNvPr id="10" name="Grupo 9">
+            <a:extLst>
+              <a:ext uri="{FF2B5EF4-FFF2-40B4-BE49-F238E27FC236}">
+                <a16:creationId xmlns:a16="http://schemas.microsoft.com/office/drawing/2014/main" id="{6719579C-8055-3555-C545-27AD4651FDD2}"/>
+              </a:ext>
+            </a:extLst>
+          </p:cNvPr>
+          <p:cNvGrpSpPr/>
+          <p:nvPr/>
+        </p:nvGrpSpPr>
+        <p:grpSpPr>
+          <a:xfrm>
+            <a:off x="5253886" y="1266250"/>
+            <a:ext cx="3795623" cy="5476837"/>
+            <a:chOff x="-205842" y="1184554"/>
+            <a:chExt cx="3795623" cy="5476837"/>
+          </a:xfrm>
+        </p:grpSpPr>
+        <p:sp>
+          <p:nvSpPr>
+            <p:cNvPr id="3" name="TextBox 3">
+              <a:extLst>
+                <a:ext uri="{FF2B5EF4-FFF2-40B4-BE49-F238E27FC236}">
+                  <a16:creationId xmlns:a16="http://schemas.microsoft.com/office/drawing/2014/main" id="{0BAEEE35-569A-C1B1-3DE8-7187348AFB7D}"/>
+                </a:ext>
+              </a:extLst>
+            </p:cNvPr>
+            <p:cNvSpPr txBox="1"/>
+            <p:nvPr/>
+          </p:nvSpPr>
+          <p:spPr>
+            <a:xfrm>
+              <a:off x="-205842" y="1184554"/>
+              <a:ext cx="3007672" cy="830997"/>
+            </a:xfrm>
+            <a:prstGeom prst="rect">
+              <a:avLst/>
+            </a:prstGeom>
+            <a:noFill/>
+          </p:spPr>
+          <p:txBody>
+            <a:bodyPr rot="0" spcFirstLastPara="0" vert="horz" wrap="square" lIns="91440" tIns="45720" rIns="91440" bIns="45720" numCol="1" spcCol="0" rtlCol="0" fromWordArt="0" anchor="t" anchorCtr="0" forceAA="0" compatLnSpc="1">
+              <a:prstTxWarp prst="textNoShape">
+                <a:avLst/>
+              </a:prstTxWarp>
+              <a:spAutoFit/>
+            </a:bodyPr>
+            <a:lstStyle>
+              <a:defPPr>
+                <a:defRPr lang="es-ES_tradnl"/>
+              </a:defPPr>
+              <a:lvl1pPr marL="0" algn="l" defTabSz="914400" rtl="0" eaLnBrk="1" latinLnBrk="0" hangingPunct="1">
+                <a:defRPr sz="1800" kern="1200">
+                  <a:solidFill>
+                    <a:schemeClr val="tx1"/>
+                  </a:solidFill>
+                  <a:latin typeface="+mn-lt"/>
+                  <a:ea typeface="+mn-ea"/>
+                  <a:cs typeface="+mn-cs"/>
+                </a:defRPr>
+              </a:lvl1pPr>
+              <a:lvl2pPr marL="457200" algn="l" defTabSz="914400" rtl="0" eaLnBrk="1" latinLnBrk="0" hangingPunct="1">
+                <a:defRPr sz="1800" kern="1200">
+                  <a:solidFill>
+                    <a:schemeClr val="tx1"/>
+                  </a:solidFill>
+                  <a:latin typeface="+mn-lt"/>
+                  <a:ea typeface="+mn-ea"/>
+                  <a:cs typeface="+mn-cs"/>
+                </a:defRPr>
+              </a:lvl2pPr>
+              <a:lvl3pPr marL="914400" algn="l" defTabSz="914400" rtl="0" eaLnBrk="1" latinLnBrk="0" hangingPunct="1">
+                <a:defRPr sz="1800" kern="1200">
+                  <a:solidFill>
+                    <a:schemeClr val="tx1"/>
+                  </a:solidFill>
+                  <a:latin typeface="+mn-lt"/>
+                  <a:ea typeface="+mn-ea"/>
+                  <a:cs typeface="+mn-cs"/>
+                </a:defRPr>
+              </a:lvl3pPr>
+              <a:lvl4pPr marL="1371600" algn="l" defTabSz="914400" rtl="0" eaLnBrk="1" latinLnBrk="0" hangingPunct="1">
+                <a:defRPr sz="1800" kern="1200">
+                  <a:solidFill>
+                    <a:schemeClr val="tx1"/>
+                  </a:solidFill>
+                  <a:latin typeface="+mn-lt"/>
+                  <a:ea typeface="+mn-ea"/>
+                  <a:cs typeface="+mn-cs"/>
+                </a:defRPr>
+              </a:lvl4pPr>
+              <a:lvl5pPr marL="1828800" algn="l" defTabSz="914400" rtl="0" eaLnBrk="1" latinLnBrk="0" hangingPunct="1">
+                <a:defRPr sz="1800" kern="1200">
+                  <a:solidFill>
+                    <a:schemeClr val="tx1"/>
+                  </a:solidFill>
+                  <a:latin typeface="+mn-lt"/>
+                  <a:ea typeface="+mn-ea"/>
+                  <a:cs typeface="+mn-cs"/>
+                </a:defRPr>
+              </a:lvl5pPr>
+              <a:lvl6pPr marL="2286000" algn="l" defTabSz="914400" rtl="0" eaLnBrk="1" latinLnBrk="0" hangingPunct="1">
+                <a:defRPr sz="1800" kern="1200">
+                  <a:solidFill>
+                    <a:schemeClr val="tx1"/>
+                  </a:solidFill>
+                  <a:latin typeface="+mn-lt"/>
+                  <a:ea typeface="+mn-ea"/>
+                  <a:cs typeface="+mn-cs"/>
+                </a:defRPr>
+              </a:lvl6pPr>
+              <a:lvl7pPr marL="2743200" algn="l" defTabSz="914400" rtl="0" eaLnBrk="1" latinLnBrk="0" hangingPunct="1">
+                <a:defRPr sz="1800" kern="1200">
+                  <a:solidFill>
+                    <a:schemeClr val="tx1"/>
+                  </a:solidFill>
+                  <a:latin typeface="+mn-lt"/>
+                  <a:ea typeface="+mn-ea"/>
+                  <a:cs typeface="+mn-cs"/>
+                </a:defRPr>
+              </a:lvl7pPr>
+              <a:lvl8pPr marL="3200400" algn="l" defTabSz="914400" rtl="0" eaLnBrk="1" latinLnBrk="0" hangingPunct="1">
+                <a:defRPr sz="1800" kern="1200">
+                  <a:solidFill>
+                    <a:schemeClr val="tx1"/>
+                  </a:solidFill>
+                  <a:latin typeface="+mn-lt"/>
+                  <a:ea typeface="+mn-ea"/>
+                  <a:cs typeface="+mn-cs"/>
+                </a:defRPr>
+              </a:lvl8pPr>
+              <a:lvl9pPr marL="3657600" algn="l" defTabSz="914400" rtl="0" eaLnBrk="1" latinLnBrk="0" hangingPunct="1">
+                <a:defRPr sz="1800" kern="1200">
+                  <a:solidFill>
+                    <a:schemeClr val="tx1"/>
+                  </a:solidFill>
+                  <a:latin typeface="+mn-lt"/>
+                  <a:ea typeface="+mn-ea"/>
+                  <a:cs typeface="+mn-cs"/>
+                </a:defRPr>
+              </a:lvl9pPr>
+            </a:lstStyle>
+            <a:p>
+              <a:pPr marL="342900" indent="-342900" algn="ctr">
+                <a:buFont typeface="Arial"/>
+                <a:buChar char="•"/>
+              </a:pPr>
+              <a:r>
+                <a:rPr lang="es-CL" sz="2400" b="1">
+                  <a:solidFill>
+                    <a:srgbClr val="19202E"/>
+                  </a:solidFill>
+                  <a:latin typeface="Segoe UI"/>
+                  <a:cs typeface="Segoe UI"/>
+                </a:rPr>
+                <a:t>KNN</a:t>
+              </a:r>
+              <a:endParaRPr lang="en-US">
+                <a:ea typeface="Calibri" panose="020F0502020204030204"/>
+                <a:cs typeface="Calibri"/>
+              </a:endParaRPr>
+            </a:p>
+            <a:p>
+              <a:pPr algn="ctr"/>
+              <a:endParaRPr lang="es-CL" sz="2400">
+                <a:solidFill>
+                  <a:srgbClr val="19202E"/>
+                </a:solidFill>
+                <a:latin typeface="Segoe UI"/>
+                <a:ea typeface="Calibri"/>
+                <a:cs typeface="Segoe UI"/>
+              </a:endParaRPr>
+            </a:p>
+          </p:txBody>
+        </p:sp>
+        <p:pic>
+          <p:nvPicPr>
+            <p:cNvPr id="12" name="Picture 11" descr="A red arrow pointing up&#10;&#10;Description automatically generated">
+              <a:extLst>
+                <a:ext uri="{FF2B5EF4-FFF2-40B4-BE49-F238E27FC236}">
+                  <a16:creationId xmlns:a16="http://schemas.microsoft.com/office/drawing/2014/main" id="{358731CA-9DDB-8429-7152-EF2F915F03A6}"/>
+                </a:ext>
+              </a:extLst>
+            </p:cNvPr>
+            <p:cNvPicPr>
+              <a:picLocks noChangeAspect="1"/>
+            </p:cNvPicPr>
+            <p:nvPr/>
+          </p:nvPicPr>
+          <p:blipFill>
+            <a:blip r:embed="rId6"/>
+            <a:stretch>
+              <a:fillRect/>
+            </a:stretch>
+          </p:blipFill>
+          <p:spPr>
+            <a:xfrm>
+              <a:off x="-4559" y="4635980"/>
+              <a:ext cx="3594340" cy="2025411"/>
+            </a:xfrm>
+            <a:prstGeom prst="rect">
+              <a:avLst/>
+            </a:prstGeom>
+          </p:spPr>
+        </p:pic>
+      </p:grpSp>
       <p:sp>
         <p:nvSpPr>
-          <p:cNvPr id="5" name="TextBox 4">
+          <p:cNvPr id="11" name="TextBox 10">
             <a:extLst>
               <a:ext uri="{FF2B5EF4-FFF2-40B4-BE49-F238E27FC236}">
-                <a16:creationId xmlns:a16="http://schemas.microsoft.com/office/drawing/2014/main" id="{63B915FF-A735-D93C-6AAE-86AF5336C87F}"/>
+                <a16:creationId xmlns:a16="http://schemas.microsoft.com/office/drawing/2014/main" id="{F43CF65E-C9C9-0C3B-5A52-633DA15C18C9}"/>
               </a:ext>
             </a:extLst>
           </p:cNvPr>
@@ -14607,8 +16284,8 @@
         </p:nvSpPr>
         <p:spPr>
           <a:xfrm>
-            <a:off x="5975231" y="799381"/>
-            <a:ext cx="3174520" cy="5170646"/>
+            <a:off x="5256363" y="2007079"/>
+            <a:ext cx="3203275" cy="2554545"/>
           </a:xfrm>
           <a:prstGeom prst="rect">
             <a:avLst/>
@@ -14626,208 +16303,187 @@
           <a:p>
             <a:pPr algn="ctr"/>
             <a:r>
-              <a:rPr lang="es-CL" sz="2400" b="1">
-                <a:solidFill>
-                  <a:srgbClr val="19202E"/>
-                </a:solidFill>
+              <a:rPr lang="en-US" sz="2000">
                 <a:latin typeface="Segoe UI"/>
-              </a:rPr>
-              <a:t>Redes Neuronales</a:t>
-            </a:r>
-            <a:endParaRPr lang="es-CL" sz="2400">
-              <a:solidFill>
-                <a:srgbClr val="000000"/>
-              </a:solidFill>
-              <a:latin typeface="Segoe UI"/>
-            </a:endParaRPr>
-          </a:p>
-          <a:p>
-            <a:pPr algn="ctr"/>
-            <a:endParaRPr lang="es-CL" sz="2400" b="1">
-              <a:solidFill>
-                <a:srgbClr val="19202E"/>
-              </a:solidFill>
-              <a:latin typeface="Segoe UI"/>
-            </a:endParaRPr>
-          </a:p>
-          <a:p>
-            <a:pPr algn="ctr"/>
-            <a:r>
-              <a:rPr lang="es-CL" sz="2400" b="1">
-                <a:solidFill>
-                  <a:srgbClr val="19202E"/>
-                </a:solidFill>
-                <a:latin typeface="Segoe UI"/>
+                <a:cs typeface="Segoe UI"/>
               </a:rPr>
               <a:t> </a:t>
             </a:r>
             <a:r>
-              <a:rPr lang="es-CL" sz="2400">
-                <a:solidFill>
-                  <a:srgbClr val="19202E"/>
-                </a:solidFill>
+              <a:rPr lang="en-US" sz="2000" err="1">
                 <a:latin typeface="Segoe UI"/>
+                <a:cs typeface="Segoe UI"/>
               </a:rPr>
-              <a:t>Modelo de Aprendizaje automático que imita el funcionamiento del cerebro humano, aplica unidades de procesamiento que se organizan en capas interconectadas.</a:t>
-            </a:r>
-            <a:endParaRPr lang="es-CL" sz="2400">
-              <a:solidFill>
-                <a:srgbClr val="000000"/>
-              </a:solidFill>
-              <a:latin typeface="Segoe UI"/>
-              <a:cs typeface="Segoe UI"/>
-            </a:endParaRPr>
-          </a:p>
-          <a:p>
-            <a:pPr algn="ctr"/>
-            <a:endParaRPr lang="en-US">
-              <a:cs typeface="Calibri"/>
-            </a:endParaRPr>
+              <a:t>Modelo</a:t>
+            </a:r>
+            <a:r>
+              <a:rPr lang="en-US" sz="2000">
+                <a:latin typeface="Segoe UI"/>
+                <a:cs typeface="Segoe UI"/>
+              </a:rPr>
+              <a:t> de </a:t>
+            </a:r>
+            <a:r>
+              <a:rPr lang="en-US" sz="2000" err="1">
+                <a:latin typeface="Segoe UI"/>
+                <a:cs typeface="Segoe UI"/>
+              </a:rPr>
+              <a:t>aprendizaje</a:t>
+            </a:r>
+            <a:r>
+              <a:rPr lang="en-US" sz="2000">
+                <a:latin typeface="Segoe UI"/>
+                <a:cs typeface="Segoe UI"/>
+              </a:rPr>
+              <a:t> </a:t>
+            </a:r>
+            <a:r>
+              <a:rPr lang="en-US" sz="2000" err="1">
+                <a:latin typeface="Segoe UI"/>
+                <a:cs typeface="Segoe UI"/>
+              </a:rPr>
+              <a:t>supervisado</a:t>
+            </a:r>
+            <a:r>
+              <a:rPr lang="en-US" sz="2000">
+                <a:latin typeface="Segoe UI"/>
+                <a:cs typeface="Segoe UI"/>
+              </a:rPr>
+              <a:t> no </a:t>
+            </a:r>
+            <a:r>
+              <a:rPr lang="en-US" sz="2000" err="1">
+                <a:latin typeface="Segoe UI"/>
+                <a:cs typeface="Segoe UI"/>
+              </a:rPr>
+              <a:t>paramétrico</a:t>
+            </a:r>
+            <a:r>
+              <a:rPr lang="en-US" sz="2000">
+                <a:latin typeface="Segoe UI"/>
+                <a:cs typeface="Segoe UI"/>
+              </a:rPr>
+              <a:t>, que </a:t>
+            </a:r>
+            <a:r>
+              <a:rPr lang="en-US" sz="2000" err="1">
+                <a:latin typeface="Segoe UI"/>
+                <a:cs typeface="Segoe UI"/>
+              </a:rPr>
+              <a:t>utiliza</a:t>
+            </a:r>
+            <a:r>
+              <a:rPr lang="en-US" sz="2000">
+                <a:latin typeface="Segoe UI"/>
+                <a:cs typeface="Segoe UI"/>
+              </a:rPr>
+              <a:t> la </a:t>
+            </a:r>
+            <a:r>
+              <a:rPr lang="en-US" sz="2000" err="1">
+                <a:latin typeface="Segoe UI"/>
+                <a:cs typeface="Segoe UI"/>
+              </a:rPr>
+              <a:t>proximidad</a:t>
+            </a:r>
+            <a:r>
+              <a:rPr lang="en-US" sz="2000">
+                <a:latin typeface="Segoe UI"/>
+                <a:cs typeface="Segoe UI"/>
+              </a:rPr>
+              <a:t> para </a:t>
+            </a:r>
+            <a:r>
+              <a:rPr lang="en-US" sz="2000" err="1">
+                <a:latin typeface="Segoe UI"/>
+                <a:cs typeface="Segoe UI"/>
+              </a:rPr>
+              <a:t>hacer</a:t>
+            </a:r>
+            <a:r>
+              <a:rPr lang="en-US" sz="2000">
+                <a:latin typeface="Segoe UI"/>
+                <a:cs typeface="Segoe UI"/>
+              </a:rPr>
+              <a:t> </a:t>
+            </a:r>
+            <a:r>
+              <a:rPr lang="en-US" sz="2000" err="1">
+                <a:latin typeface="Segoe UI"/>
+                <a:cs typeface="Segoe UI"/>
+              </a:rPr>
+              <a:t>clasificaciones</a:t>
+            </a:r>
+            <a:r>
+              <a:rPr lang="en-US" sz="2000">
+                <a:latin typeface="Segoe UI"/>
+                <a:cs typeface="Segoe UI"/>
+              </a:rPr>
+              <a:t> o </a:t>
+            </a:r>
+            <a:r>
+              <a:rPr lang="en-US" sz="2000" err="1">
+                <a:latin typeface="Segoe UI"/>
+                <a:cs typeface="Segoe UI"/>
+              </a:rPr>
+              <a:t>predicciones</a:t>
+            </a:r>
+            <a:r>
+              <a:rPr lang="en-US" sz="2000">
+                <a:latin typeface="Segoe UI"/>
+                <a:cs typeface="Segoe UI"/>
+              </a:rPr>
+              <a:t> </a:t>
+            </a:r>
+            <a:r>
+              <a:rPr lang="en-US" sz="2000" err="1">
+                <a:latin typeface="Segoe UI"/>
+                <a:cs typeface="Segoe UI"/>
+              </a:rPr>
+              <a:t>sobre</a:t>
+            </a:r>
+            <a:r>
+              <a:rPr lang="en-US" sz="2000">
+                <a:latin typeface="Segoe UI"/>
+                <a:cs typeface="Segoe UI"/>
+              </a:rPr>
+              <a:t> la </a:t>
+            </a:r>
+            <a:r>
+              <a:rPr lang="en-US" sz="2000" err="1">
+                <a:latin typeface="Segoe UI"/>
+                <a:cs typeface="Segoe UI"/>
+              </a:rPr>
+              <a:t>agrupación</a:t>
+            </a:r>
+            <a:r>
+              <a:rPr lang="en-US" sz="2000">
+                <a:latin typeface="Segoe UI"/>
+                <a:cs typeface="Segoe UI"/>
+              </a:rPr>
+              <a:t> de un punto de </a:t>
+            </a:r>
+            <a:r>
+              <a:rPr lang="en-US" sz="2000" err="1">
+                <a:latin typeface="Segoe UI"/>
+                <a:cs typeface="Segoe UI"/>
+              </a:rPr>
+              <a:t>datos</a:t>
+            </a:r>
+            <a:r>
+              <a:rPr lang="en-US" sz="2000">
+                <a:latin typeface="Segoe UI"/>
+                <a:cs typeface="Segoe UI"/>
+              </a:rPr>
+              <a:t> individual.</a:t>
+            </a:r>
           </a:p>
         </p:txBody>
       </p:sp>
-      <p:sp>
-        <p:nvSpPr>
-          <p:cNvPr id="6" name="TextBox 5">
-            <a:extLst>
-              <a:ext uri="{FF2B5EF4-FFF2-40B4-BE49-F238E27FC236}">
-                <a16:creationId xmlns:a16="http://schemas.microsoft.com/office/drawing/2014/main" id="{C4A2F7C9-0AF4-129F-070F-6E5756021AD2}"/>
-              </a:ext>
-            </a:extLst>
-          </p:cNvPr>
-          <p:cNvSpPr txBox="1"/>
-          <p:nvPr/>
-        </p:nvSpPr>
-        <p:spPr>
-          <a:xfrm>
-            <a:off x="8628" y="8627"/>
-            <a:ext cx="9026104" cy="769441"/>
-          </a:xfrm>
-          <a:prstGeom prst="rect">
-            <a:avLst/>
-          </a:prstGeom>
-          <a:noFill/>
-        </p:spPr>
-        <p:txBody>
-          <a:bodyPr rot="0" spcFirstLastPara="0" vertOverflow="overflow" horzOverflow="overflow" vert="horz" wrap="square" lIns="91440" tIns="45720" rIns="91440" bIns="45720" numCol="1" spcCol="0" rtlCol="0" fromWordArt="0" anchor="t" anchorCtr="0" forceAA="0" compatLnSpc="1">
-            <a:prstTxWarp prst="textNoShape">
-              <a:avLst/>
-            </a:prstTxWarp>
-            <a:spAutoFit/>
-          </a:bodyPr>
-          <a:lstStyle/>
-          <a:p>
-            <a:r>
-              <a:rPr lang="es-CL" sz="2200" b="1">
-                <a:solidFill>
-                  <a:schemeClr val="bg1"/>
-                </a:solidFill>
-                <a:latin typeface="Segoe UI"/>
-              </a:rPr>
-              <a:t>En el caso de estudio presente trabajamos un modelo de Regresión lineal, para el cual aplicamos los siguientes algoritmos:</a:t>
-            </a:r>
-            <a:endParaRPr lang="en-US" sz="2200" b="1">
-              <a:solidFill>
-                <a:schemeClr val="bg1"/>
-              </a:solidFill>
-            </a:endParaRPr>
-          </a:p>
-        </p:txBody>
-      </p:sp>
-      <p:pic>
-        <p:nvPicPr>
-          <p:cNvPr id="8" name="Picture 7" descr="A network with colored dots and lines&#10;&#10;Description automatically generated">
-            <a:extLst>
-              <a:ext uri="{FF2B5EF4-FFF2-40B4-BE49-F238E27FC236}">
-                <a16:creationId xmlns:a16="http://schemas.microsoft.com/office/drawing/2014/main" id="{B1A89EE9-E8D2-1219-B80A-D87D46B51C10}"/>
-              </a:ext>
-            </a:extLst>
-          </p:cNvPr>
-          <p:cNvPicPr>
-            <a:picLocks noChangeAspect="1"/>
-          </p:cNvPicPr>
-          <p:nvPr/>
-        </p:nvPicPr>
-        <p:blipFill>
-          <a:blip r:embed="rId5"/>
-          <a:stretch>
-            <a:fillRect/>
-          </a:stretch>
-        </p:blipFill>
-        <p:spPr>
-          <a:xfrm>
-            <a:off x="6167886" y="5013834"/>
-            <a:ext cx="3594342" cy="1919917"/>
-          </a:xfrm>
-          <a:prstGeom prst="rect">
-            <a:avLst/>
-          </a:prstGeom>
-        </p:spPr>
-      </p:pic>
-      <p:pic>
-        <p:nvPicPr>
-          <p:cNvPr id="12" name="Picture 11" descr="A red arrow pointing up&#10;&#10;Description automatically generated">
-            <a:extLst>
-              <a:ext uri="{FF2B5EF4-FFF2-40B4-BE49-F238E27FC236}">
-                <a16:creationId xmlns:a16="http://schemas.microsoft.com/office/drawing/2014/main" id="{358731CA-9DDB-8429-7152-EF2F915F03A6}"/>
-              </a:ext>
-            </a:extLst>
-          </p:cNvPr>
-          <p:cNvPicPr>
-            <a:picLocks noChangeAspect="1"/>
-          </p:cNvPicPr>
-          <p:nvPr/>
-        </p:nvPicPr>
-        <p:blipFill>
-          <a:blip r:embed="rId6"/>
-          <a:stretch>
-            <a:fillRect/>
-          </a:stretch>
-        </p:blipFill>
-        <p:spPr>
-          <a:xfrm>
-            <a:off x="-18790" y="5006738"/>
-            <a:ext cx="3594340" cy="2025411"/>
-          </a:xfrm>
-          <a:prstGeom prst="rect">
-            <a:avLst/>
-          </a:prstGeom>
-        </p:spPr>
-      </p:pic>
-      <p:pic>
-        <p:nvPicPr>
-          <p:cNvPr id="13" name="Picture 12" descr="A group of colorful dots&#10;&#10;Description automatically generated">
-            <a:extLst>
-              <a:ext uri="{FF2B5EF4-FFF2-40B4-BE49-F238E27FC236}">
-                <a16:creationId xmlns:a16="http://schemas.microsoft.com/office/drawing/2014/main" id="{B2E51727-3148-CD7B-EDE9-2BA4043B24B7}"/>
-              </a:ext>
-            </a:extLst>
-          </p:cNvPr>
-          <p:cNvPicPr>
-            <a:picLocks noChangeAspect="1"/>
-          </p:cNvPicPr>
-          <p:nvPr/>
-        </p:nvPicPr>
-        <p:blipFill>
-          <a:blip r:embed="rId7"/>
-          <a:stretch>
-            <a:fillRect/>
-          </a:stretch>
-        </p:blipFill>
-        <p:spPr>
-          <a:xfrm>
-            <a:off x="2443332" y="5096595"/>
-            <a:ext cx="3378680" cy="1852883"/>
-          </a:xfrm>
-          <a:prstGeom prst="rect">
-            <a:avLst/>
-          </a:prstGeom>
-        </p:spPr>
-      </p:pic>
     </p:spTree>
     <p:extLst>
       <p:ext uri="{BB962C8B-B14F-4D97-AF65-F5344CB8AC3E}">
-        <p14:creationId xmlns:p14="http://schemas.microsoft.com/office/powerpoint/2010/main" val="2146413309"/>
+        <p14:creationId xmlns:p14="http://schemas.microsoft.com/office/powerpoint/2010/main" val="3590633937"/>
       </p:ext>
     </p:extLst>
   </p:cSld>
@@ -15257,8 +16913,8 @@
         </p:nvSpPr>
         <p:spPr>
           <a:xfrm>
-            <a:off x="973101" y="1083913"/>
-            <a:ext cx="6846427" cy="5170646"/>
+            <a:off x="340497" y="1045343"/>
+            <a:ext cx="8686728" cy="1323439"/>
           </a:xfrm>
           <a:prstGeom prst="rect">
             <a:avLst/>
@@ -15275,126 +16931,844 @@
           <a:lstStyle/>
           <a:p>
             <a:r>
-              <a:rPr lang="es-CL" sz="2400" err="1">
+              <a:rPr lang="en-US" sz="2000">
                 <a:solidFill>
                   <a:srgbClr val="19202E"/>
                 </a:solidFill>
                 <a:latin typeface="Segoe UI"/>
-                <a:cs typeface="Segoe UI"/>
+                <a:ea typeface="Calibri"/>
+                <a:cs typeface="Calibri"/>
               </a:rPr>
-              <a:t>Slide</a:t>
-            </a:r>
-            <a:r>
-              <a:rPr lang="es-CL" sz="2400">
+              <a:t>En </a:t>
+            </a:r>
+            <a:r>
+              <a:rPr lang="es-CL" sz="2000">
                 <a:solidFill>
                   <a:srgbClr val="19202E"/>
                 </a:solidFill>
                 <a:latin typeface="Segoe UI"/>
-                <a:cs typeface="Segoe UI"/>
+                <a:ea typeface="Calibri"/>
+                <a:cs typeface="Calibri"/>
               </a:rPr>
-              <a:t> 1: Logo de la universidad, facultad, Carrera, Nombre de integrantes del grupo.</a:t>
-            </a:r>
-            <a:endParaRPr lang="en-US" sz="2400">
+              <a:t>el</a:t>
+            </a:r>
+            <a:r>
+              <a:rPr lang="en-US" sz="2000">
+                <a:solidFill>
+                  <a:srgbClr val="19202E"/>
+                </a:solidFill>
+                <a:latin typeface="Segoe UI"/>
+                <a:ea typeface="Calibri"/>
+                <a:cs typeface="Calibri"/>
+              </a:rPr>
+              <a:t> </a:t>
+            </a:r>
+            <a:r>
+              <a:rPr lang="es-CL" sz="2000">
+                <a:solidFill>
+                  <a:srgbClr val="19202E"/>
+                </a:solidFill>
+                <a:latin typeface="Segoe UI"/>
+                <a:ea typeface="Calibri"/>
+                <a:cs typeface="Calibri"/>
+              </a:rPr>
+              <a:t>proceso</a:t>
+            </a:r>
+            <a:r>
+              <a:rPr lang="en-US" sz="2000">
+                <a:solidFill>
+                  <a:srgbClr val="19202E"/>
+                </a:solidFill>
+                <a:latin typeface="Segoe UI"/>
+                <a:ea typeface="Calibri"/>
+                <a:cs typeface="Calibri"/>
+              </a:rPr>
+              <a:t> de </a:t>
+            </a:r>
+            <a:r>
+              <a:rPr lang="es-CL" sz="2000">
+                <a:solidFill>
+                  <a:srgbClr val="19202E"/>
+                </a:solidFill>
+                <a:latin typeface="Segoe UI"/>
+                <a:ea typeface="Calibri"/>
+                <a:cs typeface="Calibri"/>
+              </a:rPr>
+              <a:t>análisis</a:t>
+            </a:r>
+            <a:r>
+              <a:rPr lang="en-US" sz="2000">
+                <a:solidFill>
+                  <a:srgbClr val="19202E"/>
+                </a:solidFill>
+                <a:latin typeface="Segoe UI"/>
+                <a:ea typeface="Calibri"/>
+                <a:cs typeface="Calibri"/>
+              </a:rPr>
+              <a:t> a </a:t>
+            </a:r>
+            <a:r>
+              <a:rPr lang="es-CL" sz="2000">
+                <a:solidFill>
+                  <a:srgbClr val="19202E"/>
+                </a:solidFill>
+                <a:latin typeface="Segoe UI"/>
+                <a:ea typeface="Calibri"/>
+                <a:cs typeface="Calibri"/>
+              </a:rPr>
+              <a:t>nuestro</a:t>
+            </a:r>
+            <a:r>
+              <a:rPr lang="en-US" sz="2000">
+                <a:solidFill>
+                  <a:srgbClr val="19202E"/>
+                </a:solidFill>
+                <a:latin typeface="Segoe UI"/>
+                <a:ea typeface="Calibri"/>
+                <a:cs typeface="Calibri"/>
+              </a:rPr>
+              <a:t> set de </a:t>
+            </a:r>
+            <a:r>
+              <a:rPr lang="es-CL" sz="2000">
+                <a:solidFill>
+                  <a:srgbClr val="19202E"/>
+                </a:solidFill>
+                <a:latin typeface="Segoe UI"/>
+                <a:ea typeface="Calibri"/>
+                <a:cs typeface="Calibri"/>
+              </a:rPr>
+              <a:t>datos</a:t>
+            </a:r>
+            <a:r>
+              <a:rPr lang="en-US" sz="2000">
+                <a:solidFill>
+                  <a:srgbClr val="19202E"/>
+                </a:solidFill>
+                <a:latin typeface="Segoe UI"/>
+                <a:ea typeface="Calibri"/>
+                <a:cs typeface="Calibri"/>
+              </a:rPr>
+              <a:t> se </a:t>
+            </a:r>
+            <a:r>
+              <a:rPr lang="es-CL" sz="2000">
+                <a:solidFill>
+                  <a:srgbClr val="19202E"/>
+                </a:solidFill>
+                <a:latin typeface="Segoe UI"/>
+                <a:ea typeface="Calibri"/>
+                <a:cs typeface="Calibri"/>
+              </a:rPr>
+              <a:t>ejecutaron diversas configuraciones </a:t>
+            </a:r>
+            <a:r>
+              <a:rPr lang="en-US" sz="2000">
+                <a:solidFill>
+                  <a:srgbClr val="19202E"/>
+                </a:solidFill>
+                <a:latin typeface="Segoe UI"/>
+                <a:ea typeface="Calibri"/>
+                <a:cs typeface="Calibri"/>
+              </a:rPr>
+              <a:t>de</a:t>
+            </a:r>
+            <a:r>
+              <a:rPr lang="es-CL" sz="2000">
+                <a:solidFill>
+                  <a:srgbClr val="19202E"/>
+                </a:solidFill>
+                <a:latin typeface="Segoe UI"/>
+                <a:ea typeface="Calibri"/>
+                <a:cs typeface="Calibri"/>
+              </a:rPr>
+              <a:t> parámetros para obtener resultados que nos permitan comparar</a:t>
+            </a:r>
+            <a:r>
+              <a:rPr lang="en-US" sz="2000">
+                <a:solidFill>
+                  <a:srgbClr val="19202E"/>
+                </a:solidFill>
+                <a:latin typeface="Segoe UI"/>
+                <a:ea typeface="Calibri"/>
+                <a:cs typeface="Calibri"/>
+              </a:rPr>
+              <a:t> </a:t>
+            </a:r>
+            <a:r>
+              <a:rPr lang="es-CL" sz="2000">
+                <a:solidFill>
+                  <a:srgbClr val="19202E"/>
+                </a:solidFill>
+                <a:latin typeface="Segoe UI"/>
+                <a:ea typeface="Calibri"/>
+                <a:cs typeface="Calibri"/>
+              </a:rPr>
+              <a:t>los modelos. Para ello la siguiente tabla nos ayudara a comprender cada caso:</a:t>
+            </a:r>
+            <a:endParaRPr lang="es-CL" sz="2000">
               <a:solidFill>
                 <a:srgbClr val="19202E"/>
               </a:solidFill>
               <a:latin typeface="Segoe UI"/>
+              <a:ea typeface="Calibri"/>
               <a:cs typeface="Segoe UI"/>
             </a:endParaRPr>
           </a:p>
-          <a:p>
-            <a:r>
-              <a:rPr lang="es-CL" sz="2400" err="1">
-                <a:solidFill>
-                  <a:srgbClr val="19202E"/>
+        </p:txBody>
+      </p:sp>
+      <p:sp>
+        <p:nvSpPr>
+          <p:cNvPr id="4" name="CuadroTexto 3">
+            <a:extLst>
+              <a:ext uri="{FF2B5EF4-FFF2-40B4-BE49-F238E27FC236}">
+                <a16:creationId xmlns:a16="http://schemas.microsoft.com/office/drawing/2014/main" id="{EEA275FB-ED52-4BCD-05AE-B6BA779E2070}"/>
+              </a:ext>
+            </a:extLst>
+          </p:cNvPr>
+          <p:cNvSpPr txBox="1"/>
+          <p:nvPr/>
+        </p:nvSpPr>
+        <p:spPr>
+          <a:xfrm>
+            <a:off x="108722" y="64223"/>
+            <a:ext cx="7836408" cy="584775"/>
+          </a:xfrm>
+          <a:prstGeom prst="rect">
+            <a:avLst/>
+          </a:prstGeom>
+          <a:noFill/>
+        </p:spPr>
+        <p:txBody>
+          <a:bodyPr wrap="square" lIns="91440" tIns="45720" rIns="91440" bIns="45720" rtlCol="0" anchor="t">
+            <a:spAutoFit/>
+          </a:bodyPr>
+          <a:lstStyle/>
+          <a:p>
+            <a:r>
+              <a:rPr lang="es-CL" sz="3200" b="1">
+                <a:solidFill>
+                  <a:schemeClr val="bg1"/>
                 </a:solidFill>
                 <a:latin typeface="Segoe UI"/>
                 <a:cs typeface="Segoe UI"/>
               </a:rPr>
-              <a:t>Slide</a:t>
-            </a:r>
-            <a:r>
-              <a:rPr lang="es-CL" sz="2400">
-                <a:solidFill>
-                  <a:srgbClr val="19202E"/>
-                </a:solidFill>
-                <a:latin typeface="Segoe UI"/>
-                <a:cs typeface="Segoe UI"/>
-              </a:rPr>
-              <a:t> 2, 3, 4: Introducción: de una breve reseña del contenido del trabajo; explicación en qué consiste el aprendizaje supervisado y breve explicación de los algoritmos utilizados, objetivos del estudio.</a:t>
-            </a:r>
-            <a:endParaRPr lang="en-US" sz="2400">
+              <a:t>Configuraciones de parámetros.</a:t>
+            </a:r>
+            <a:endParaRPr lang="es-MX" sz="3200" b="1">
               <a:solidFill>
-                <a:srgbClr val="19202E"/>
+                <a:schemeClr val="bg1"/>
               </a:solidFill>
               <a:latin typeface="Segoe UI"/>
               <a:cs typeface="Segoe UI"/>
             </a:endParaRPr>
           </a:p>
-          <a:p>
-            <a:r>
-              <a:rPr lang="es-CL" sz="2400" err="1">
-                <a:solidFill>
-                  <a:srgbClr val="19202E"/>
-                </a:solidFill>
-                <a:latin typeface="Segoe UI"/>
-                <a:cs typeface="Segoe UI"/>
-              </a:rPr>
-              <a:t>Slide</a:t>
-            </a:r>
-            <a:r>
-              <a:rPr lang="es-CL" sz="2400">
-                <a:solidFill>
-                  <a:srgbClr val="19202E"/>
-                </a:solidFill>
-                <a:latin typeface="Segoe UI"/>
-                <a:cs typeface="Segoe UI"/>
-              </a:rPr>
-              <a:t> 5: Defina variable dependiente y variables independientes; y justifique si tiene que utilizar algoritmos de regresión o clasificación.</a:t>
-            </a:r>
-            <a:endParaRPr lang="en-US" sz="2400">
-              <a:solidFill>
-                <a:srgbClr val="19202E"/>
-              </a:solidFill>
-              <a:latin typeface="Segoe UI"/>
-              <a:cs typeface="Segoe UI"/>
-            </a:endParaRPr>
-          </a:p>
-          <a:p>
-            <a:r>
-              <a:rPr lang="es-CL" sz="2400" err="1">
-                <a:solidFill>
-                  <a:srgbClr val="19202E"/>
-                </a:solidFill>
-                <a:latin typeface="Segoe UI"/>
-                <a:cs typeface="Segoe UI"/>
-              </a:rPr>
-              <a:t>Slide</a:t>
-            </a:r>
-            <a:r>
-              <a:rPr lang="es-CL" sz="2400">
-                <a:solidFill>
-                  <a:srgbClr val="19202E"/>
-                </a:solidFill>
-                <a:latin typeface="Segoe UI"/>
-                <a:cs typeface="Segoe UI"/>
-              </a:rPr>
-              <a:t> 6: Tiempo de entrenamiento en la validación cruzada para cada algoritmo de cada estudiante del grupo</a:t>
-            </a:r>
-            <a:endParaRPr lang="en-US" sz="2400">
-              <a:ea typeface="Calibri"/>
-              <a:cs typeface="Calibri"/>
-            </a:endParaRPr>
-          </a:p>
-          <a:p>
-            <a:pPr algn="l"/>
-            <a:endParaRPr lang="en-US">
-              <a:ea typeface="Calibri"/>
-              <a:cs typeface="Calibri"/>
-            </a:endParaRPr>
-          </a:p>
         </p:txBody>
       </p:sp>
+      <p:graphicFrame>
+        <p:nvGraphicFramePr>
+          <p:cNvPr id="5" name="Tabla 4">
+            <a:extLst>
+              <a:ext uri="{FF2B5EF4-FFF2-40B4-BE49-F238E27FC236}">
+                <a16:creationId xmlns:a16="http://schemas.microsoft.com/office/drawing/2014/main" id="{959537D5-D76F-6DF9-5CB3-DF6A44E57EB5}"/>
+              </a:ext>
+            </a:extLst>
+          </p:cNvPr>
+          <p:cNvGraphicFramePr>
+            <a:graphicFrameLocks noGrp="1"/>
+          </p:cNvGraphicFramePr>
+          <p:nvPr>
+            <p:extLst>
+              <p:ext uri="{D42A27DB-BD31-4B8C-83A1-F6EECF244321}">
+                <p14:modId xmlns:p14="http://schemas.microsoft.com/office/powerpoint/2010/main" val="1962512579"/>
+              </p:ext>
+            </p:extLst>
+          </p:nvPr>
+        </p:nvGraphicFramePr>
+        <p:xfrm>
+          <a:off x="704490" y="2746075"/>
+          <a:ext cx="7955592" cy="2494280"/>
+        </p:xfrm>
+        <a:graphic>
+          <a:graphicData uri="http://schemas.openxmlformats.org/drawingml/2006/table">
+            <a:tbl>
+              <a:tblPr firstRow="1" bandRow="1">
+                <a:tableStyleId>{5C22544A-7EE6-4342-B048-85BDC9FD1C3A}</a:tableStyleId>
+              </a:tblPr>
+              <a:tblGrid>
+                <a:gridCol w="657411">
+                  <a:extLst>
+                    <a:ext uri="{9D8B030D-6E8A-4147-A177-3AD203B41FA5}">
+                      <a16:colId xmlns:a16="http://schemas.microsoft.com/office/drawing/2014/main" val="740829636"/>
+                    </a:ext>
+                  </a:extLst>
+                </a:gridCol>
+                <a:gridCol w="1074245">
+                  <a:extLst>
+                    <a:ext uri="{9D8B030D-6E8A-4147-A177-3AD203B41FA5}">
+                      <a16:colId xmlns:a16="http://schemas.microsoft.com/office/drawing/2014/main" val="3839363322"/>
+                    </a:ext>
+                  </a:extLst>
+                </a:gridCol>
+                <a:gridCol w="1496481">
+                  <a:extLst>
+                    <a:ext uri="{9D8B030D-6E8A-4147-A177-3AD203B41FA5}">
+                      <a16:colId xmlns:a16="http://schemas.microsoft.com/office/drawing/2014/main" val="3677268872"/>
+                    </a:ext>
+                  </a:extLst>
+                </a:gridCol>
+                <a:gridCol w="1696771">
+                  <a:extLst>
+                    <a:ext uri="{9D8B030D-6E8A-4147-A177-3AD203B41FA5}">
+                      <a16:colId xmlns:a16="http://schemas.microsoft.com/office/drawing/2014/main" val="1578015824"/>
+                    </a:ext>
+                  </a:extLst>
+                </a:gridCol>
+                <a:gridCol w="1305943">
+                  <a:extLst>
+                    <a:ext uri="{9D8B030D-6E8A-4147-A177-3AD203B41FA5}">
+                      <a16:colId xmlns:a16="http://schemas.microsoft.com/office/drawing/2014/main" val="3749495273"/>
+                    </a:ext>
+                  </a:extLst>
+                </a:gridCol>
+                <a:gridCol w="1724741">
+                  <a:extLst>
+                    <a:ext uri="{9D8B030D-6E8A-4147-A177-3AD203B41FA5}">
+                      <a16:colId xmlns:a16="http://schemas.microsoft.com/office/drawing/2014/main" val="1992758369"/>
+                    </a:ext>
+                  </a:extLst>
+                </a:gridCol>
+              </a:tblGrid>
+              <a:tr h="370840">
+                <a:tc>
+                  <a:txBody>
+                    <a:bodyPr/>
+                    <a:lstStyle/>
+                    <a:p>
+                      <a:r>
+                        <a:rPr lang="es-CL"/>
+                        <a:t>Caso</a:t>
+                      </a:r>
+                    </a:p>
+                  </a:txBody>
+                  <a:tcPr/>
+                </a:tc>
+                <a:tc>
+                  <a:txBody>
+                    <a:bodyPr/>
+                    <a:lstStyle/>
+                    <a:p>
+                      <a:r>
+                        <a:rPr lang="es-CL"/>
+                        <a:t>Partición de datos</a:t>
+                      </a:r>
+                    </a:p>
+                  </a:txBody>
+                  <a:tcPr/>
+                </a:tc>
+                <a:tc>
+                  <a:txBody>
+                    <a:bodyPr/>
+                    <a:lstStyle/>
+                    <a:p>
+                      <a:r>
+                        <a:rPr lang="es-CL"/>
+                        <a:t>Repeticiones</a:t>
+                      </a:r>
+                    </a:p>
+                  </a:txBody>
+                  <a:tcPr/>
+                </a:tc>
+                <a:tc>
+                  <a:txBody>
+                    <a:bodyPr/>
+                    <a:lstStyle/>
+                    <a:p>
+                      <a:r>
+                        <a:rPr lang="es-CL"/>
+                        <a:t>Combinaciones (</a:t>
+                      </a:r>
+                      <a:r>
+                        <a:rPr lang="es-CL" err="1"/>
+                        <a:t>tuneLength</a:t>
+                      </a:r>
+                      <a:r>
+                        <a:rPr lang="es-CL"/>
+                        <a:t>)</a:t>
+                      </a:r>
+                    </a:p>
+                  </a:txBody>
+                  <a:tcPr/>
+                </a:tc>
+                <a:tc>
+                  <a:txBody>
+                    <a:bodyPr/>
+                    <a:lstStyle/>
+                    <a:p>
+                      <a:r>
+                        <a:rPr lang="es-CL"/>
+                        <a:t>Iteraciones</a:t>
+                      </a:r>
+                    </a:p>
+                  </a:txBody>
+                  <a:tcPr/>
+                </a:tc>
+                <a:tc>
+                  <a:txBody>
+                    <a:bodyPr/>
+                    <a:lstStyle/>
+                    <a:p>
+                      <a:r>
+                        <a:rPr lang="es-CL"/>
+                        <a:t>Combinaciones (</a:t>
+                      </a:r>
+                      <a:r>
+                        <a:rPr lang="es-CL" err="1"/>
+                        <a:t>tuneLength</a:t>
+                      </a:r>
+                      <a:r>
+                        <a:rPr lang="es-CL"/>
+                        <a:t>)</a:t>
+                      </a:r>
+                    </a:p>
+                  </a:txBody>
+                  <a:tcPr/>
+                </a:tc>
+                <a:extLst>
+                  <a:ext uri="{0D108BD9-81ED-4DB2-BD59-A6C34878D82A}">
+                    <a16:rowId xmlns:a16="http://schemas.microsoft.com/office/drawing/2014/main" val="121143260"/>
+                  </a:ext>
+                </a:extLst>
+              </a:tr>
+              <a:tr h="370840">
+                <a:tc>
+                  <a:txBody>
+                    <a:bodyPr/>
+                    <a:lstStyle/>
+                    <a:p>
+                      <a:r>
+                        <a:rPr lang="es-CL"/>
+                        <a:t>1</a:t>
+                      </a:r>
+                    </a:p>
+                  </a:txBody>
+                  <a:tcPr/>
+                </a:tc>
+                <a:tc>
+                  <a:txBody>
+                    <a:bodyPr/>
+                    <a:lstStyle/>
+                    <a:p>
+                      <a:r>
+                        <a:rPr lang="es-CL"/>
+                        <a:t>10</a:t>
+                      </a:r>
+                    </a:p>
+                  </a:txBody>
+                  <a:tcPr/>
+                </a:tc>
+                <a:tc>
+                  <a:txBody>
+                    <a:bodyPr/>
+                    <a:lstStyle/>
+                    <a:p>
+                      <a:r>
+                        <a:rPr lang="es-CL"/>
+                        <a:t>3</a:t>
+                      </a:r>
+                    </a:p>
+                  </a:txBody>
+                  <a:tcPr/>
+                </a:tc>
+                <a:tc>
+                  <a:txBody>
+                    <a:bodyPr/>
+                    <a:lstStyle/>
+                    <a:p>
+                      <a:r>
+                        <a:rPr lang="es-CL"/>
+                        <a:t>3</a:t>
+                      </a:r>
+                    </a:p>
+                  </a:txBody>
+                  <a:tcPr/>
+                </a:tc>
+                <a:tc>
+                  <a:txBody>
+                    <a:bodyPr/>
+                    <a:lstStyle/>
+                    <a:p>
+                      <a:r>
+                        <a:rPr lang="es-CL"/>
+                        <a:t>50</a:t>
+                      </a:r>
+                    </a:p>
+                  </a:txBody>
+                  <a:tcPr/>
+                </a:tc>
+                <a:tc>
+                  <a:txBody>
+                    <a:bodyPr/>
+                    <a:lstStyle/>
+                    <a:p>
+                      <a:r>
+                        <a:rPr lang="es-CL"/>
+                        <a:t>5</a:t>
+                      </a:r>
+                    </a:p>
+                  </a:txBody>
+                  <a:tcPr/>
+                </a:tc>
+                <a:extLst>
+                  <a:ext uri="{0D108BD9-81ED-4DB2-BD59-A6C34878D82A}">
+                    <a16:rowId xmlns:a16="http://schemas.microsoft.com/office/drawing/2014/main" val="479997230"/>
+                  </a:ext>
+                </a:extLst>
+              </a:tr>
+              <a:tr h="370840">
+                <a:tc>
+                  <a:txBody>
+                    <a:bodyPr/>
+                    <a:lstStyle/>
+                    <a:p>
+                      <a:r>
+                        <a:rPr lang="es-CL"/>
+                        <a:t>2</a:t>
+                      </a:r>
+                    </a:p>
+                  </a:txBody>
+                  <a:tcPr/>
+                </a:tc>
+                <a:tc>
+                  <a:txBody>
+                    <a:bodyPr/>
+                    <a:lstStyle/>
+                    <a:p>
+                      <a:r>
+                        <a:rPr lang="es-CL"/>
+                        <a:t>5</a:t>
+                      </a:r>
+                    </a:p>
+                  </a:txBody>
+                  <a:tcPr/>
+                </a:tc>
+                <a:tc>
+                  <a:txBody>
+                    <a:bodyPr/>
+                    <a:lstStyle/>
+                    <a:p>
+                      <a:r>
+                        <a:rPr lang="es-CL"/>
+                        <a:t>3</a:t>
+                      </a:r>
+                    </a:p>
+                  </a:txBody>
+                  <a:tcPr/>
+                </a:tc>
+                <a:tc>
+                  <a:txBody>
+                    <a:bodyPr/>
+                    <a:lstStyle/>
+                    <a:p>
+                      <a:r>
+                        <a:rPr lang="es-CL"/>
+                        <a:t>2</a:t>
+                      </a:r>
+                    </a:p>
+                  </a:txBody>
+                  <a:tcPr/>
+                </a:tc>
+                <a:tc>
+                  <a:txBody>
+                    <a:bodyPr/>
+                    <a:lstStyle/>
+                    <a:p>
+                      <a:r>
+                        <a:rPr lang="es-CL"/>
+                        <a:t>100</a:t>
+                      </a:r>
+                    </a:p>
+                  </a:txBody>
+                  <a:tcPr/>
+                </a:tc>
+                <a:tc>
+                  <a:txBody>
+                    <a:bodyPr/>
+                    <a:lstStyle/>
+                    <a:p>
+                      <a:r>
+                        <a:rPr lang="es-CL"/>
+                        <a:t>5</a:t>
+                      </a:r>
+                    </a:p>
+                  </a:txBody>
+                  <a:tcPr/>
+                </a:tc>
+                <a:extLst>
+                  <a:ext uri="{0D108BD9-81ED-4DB2-BD59-A6C34878D82A}">
+                    <a16:rowId xmlns:a16="http://schemas.microsoft.com/office/drawing/2014/main" val="3453130736"/>
+                  </a:ext>
+                </a:extLst>
+              </a:tr>
+              <a:tr h="370840">
+                <a:tc>
+                  <a:txBody>
+                    <a:bodyPr/>
+                    <a:lstStyle/>
+                    <a:p>
+                      <a:r>
+                        <a:rPr lang="es-CL"/>
+                        <a:t>3</a:t>
+                      </a:r>
+                    </a:p>
+                  </a:txBody>
+                  <a:tcPr/>
+                </a:tc>
+                <a:tc>
+                  <a:txBody>
+                    <a:bodyPr/>
+                    <a:lstStyle/>
+                    <a:p>
+                      <a:r>
+                        <a:rPr lang="es-CL"/>
+                        <a:t>5</a:t>
+                      </a:r>
+                    </a:p>
+                  </a:txBody>
+                  <a:tcPr/>
+                </a:tc>
+                <a:tc>
+                  <a:txBody>
+                    <a:bodyPr/>
+                    <a:lstStyle/>
+                    <a:p>
+                      <a:r>
+                        <a:rPr lang="es-CL"/>
+                        <a:t>3</a:t>
+                      </a:r>
+                    </a:p>
+                  </a:txBody>
+                  <a:tcPr/>
+                </a:tc>
+                <a:tc>
+                  <a:txBody>
+                    <a:bodyPr/>
+                    <a:lstStyle/>
+                    <a:p>
+                      <a:r>
+                        <a:rPr lang="es-CL"/>
+                        <a:t>5</a:t>
+                      </a:r>
+                    </a:p>
+                  </a:txBody>
+                  <a:tcPr/>
+                </a:tc>
+                <a:tc>
+                  <a:txBody>
+                    <a:bodyPr/>
+                    <a:lstStyle/>
+                    <a:p>
+                      <a:r>
+                        <a:rPr lang="es-CL"/>
+                        <a:t>1.000</a:t>
+                      </a:r>
+                    </a:p>
+                  </a:txBody>
+                  <a:tcPr/>
+                </a:tc>
+                <a:tc>
+                  <a:txBody>
+                    <a:bodyPr/>
+                    <a:lstStyle/>
+                    <a:p>
+                      <a:r>
+                        <a:rPr lang="es-CL"/>
+                        <a:t>5</a:t>
+                      </a:r>
+                    </a:p>
+                  </a:txBody>
+                  <a:tcPr/>
+                </a:tc>
+                <a:extLst>
+                  <a:ext uri="{0D108BD9-81ED-4DB2-BD59-A6C34878D82A}">
+                    <a16:rowId xmlns:a16="http://schemas.microsoft.com/office/drawing/2014/main" val="1280444067"/>
+                  </a:ext>
+                </a:extLst>
+              </a:tr>
+              <a:tr h="370840">
+                <a:tc>
+                  <a:txBody>
+                    <a:bodyPr/>
+                    <a:lstStyle/>
+                    <a:p>
+                      <a:r>
+                        <a:rPr lang="es-CL"/>
+                        <a:t>4</a:t>
+                      </a:r>
+                    </a:p>
+                  </a:txBody>
+                  <a:tcPr/>
+                </a:tc>
+                <a:tc>
+                  <a:txBody>
+                    <a:bodyPr/>
+                    <a:lstStyle/>
+                    <a:p>
+                      <a:r>
+                        <a:rPr lang="es-CL"/>
+                        <a:t>15</a:t>
+                      </a:r>
+                    </a:p>
+                  </a:txBody>
+                  <a:tcPr/>
+                </a:tc>
+                <a:tc>
+                  <a:txBody>
+                    <a:bodyPr/>
+                    <a:lstStyle/>
+                    <a:p>
+                      <a:r>
+                        <a:rPr lang="es-CL"/>
+                        <a:t>4</a:t>
+                      </a:r>
+                    </a:p>
+                  </a:txBody>
+                  <a:tcPr/>
+                </a:tc>
+                <a:tc>
+                  <a:txBody>
+                    <a:bodyPr/>
+                    <a:lstStyle/>
+                    <a:p>
+                      <a:r>
+                        <a:rPr lang="es-CL"/>
+                        <a:t>5</a:t>
+                      </a:r>
+                    </a:p>
+                  </a:txBody>
+                  <a:tcPr/>
+                </a:tc>
+                <a:tc>
+                  <a:txBody>
+                    <a:bodyPr/>
+                    <a:lstStyle/>
+                    <a:p>
+                      <a:r>
+                        <a:rPr lang="es-CL"/>
+                        <a:t>1.500</a:t>
+                      </a:r>
+                    </a:p>
+                  </a:txBody>
+                  <a:tcPr/>
+                </a:tc>
+                <a:tc>
+                  <a:txBody>
+                    <a:bodyPr/>
+                    <a:lstStyle/>
+                    <a:p>
+                      <a:r>
+                        <a:rPr lang="es-CL"/>
+                        <a:t>5</a:t>
+                      </a:r>
+                    </a:p>
+                  </a:txBody>
+                  <a:tcPr/>
+                </a:tc>
+                <a:extLst>
+                  <a:ext uri="{0D108BD9-81ED-4DB2-BD59-A6C34878D82A}">
+                    <a16:rowId xmlns:a16="http://schemas.microsoft.com/office/drawing/2014/main" val="2317330613"/>
+                  </a:ext>
+                </a:extLst>
+              </a:tr>
+              <a:tr h="370840">
+                <a:tc>
+                  <a:txBody>
+                    <a:bodyPr/>
+                    <a:lstStyle/>
+                    <a:p>
+                      <a:r>
+                        <a:rPr lang="es-CL"/>
+                        <a:t>5</a:t>
+                      </a:r>
+                    </a:p>
+                  </a:txBody>
+                  <a:tcPr/>
+                </a:tc>
+                <a:tc>
+                  <a:txBody>
+                    <a:bodyPr/>
+                    <a:lstStyle/>
+                    <a:p>
+                      <a:r>
+                        <a:rPr lang="es-CL"/>
+                        <a:t>20</a:t>
+                      </a:r>
+                    </a:p>
+                  </a:txBody>
+                  <a:tcPr/>
+                </a:tc>
+                <a:tc>
+                  <a:txBody>
+                    <a:bodyPr/>
+                    <a:lstStyle/>
+                    <a:p>
+                      <a:r>
+                        <a:rPr lang="es-CL"/>
+                        <a:t>6</a:t>
+                      </a:r>
+                    </a:p>
+                  </a:txBody>
+                  <a:tcPr/>
+                </a:tc>
+                <a:tc>
+                  <a:txBody>
+                    <a:bodyPr/>
+                    <a:lstStyle/>
+                    <a:p>
+                      <a:r>
+                        <a:rPr lang="es-CL"/>
+                        <a:t>10</a:t>
+                      </a:r>
+                    </a:p>
+                  </a:txBody>
+                  <a:tcPr/>
+                </a:tc>
+                <a:tc>
+                  <a:txBody>
+                    <a:bodyPr/>
+                    <a:lstStyle/>
+                    <a:p>
+                      <a:r>
+                        <a:rPr lang="es-CL"/>
+                        <a:t>2.000</a:t>
+                      </a:r>
+                    </a:p>
+                  </a:txBody>
+                  <a:tcPr/>
+                </a:tc>
+                <a:tc>
+                  <a:txBody>
+                    <a:bodyPr/>
+                    <a:lstStyle/>
+                    <a:p>
+                      <a:r>
+                        <a:rPr lang="es-CL"/>
+                        <a:t>9</a:t>
+                      </a:r>
+                    </a:p>
+                  </a:txBody>
+                  <a:tcPr/>
+                </a:tc>
+                <a:extLst>
+                  <a:ext uri="{0D108BD9-81ED-4DB2-BD59-A6C34878D82A}">
+                    <a16:rowId xmlns:a16="http://schemas.microsoft.com/office/drawing/2014/main" val="3985037266"/>
+                  </a:ext>
+                </a:extLst>
+              </a:tr>
+            </a:tbl>
+          </a:graphicData>
+        </a:graphic>
+      </p:graphicFrame>
     </p:spTree>
     <p:extLst>
       <p:ext uri="{BB962C8B-B14F-4D97-AF65-F5344CB8AC3E}">
@@ -15484,6 +17858,995 @@
           </a:prstGeom>
         </p:spPr>
       </p:pic>
+      <p:sp>
+        <p:nvSpPr>
+          <p:cNvPr id="4" name="TextBox 3">
+            <a:extLst>
+              <a:ext uri="{FF2B5EF4-FFF2-40B4-BE49-F238E27FC236}">
+                <a16:creationId xmlns:a16="http://schemas.microsoft.com/office/drawing/2014/main" id="{F02CF29A-A715-31C0-1FB3-036601D6E4EA}"/>
+              </a:ext>
+            </a:extLst>
+          </p:cNvPr>
+          <p:cNvSpPr txBox="1"/>
+          <p:nvPr/>
+        </p:nvSpPr>
+        <p:spPr>
+          <a:xfrm>
+            <a:off x="8628" y="8627"/>
+            <a:ext cx="9026104" cy="584775"/>
+          </a:xfrm>
+          <a:prstGeom prst="rect">
+            <a:avLst/>
+          </a:prstGeom>
+          <a:noFill/>
+        </p:spPr>
+        <p:txBody>
+          <a:bodyPr rot="0" spcFirstLastPara="0" vertOverflow="overflow" horzOverflow="overflow" vert="horz" wrap="square" lIns="91440" tIns="45720" rIns="91440" bIns="45720" numCol="1" spcCol="0" rtlCol="0" fromWordArt="0" anchor="t" anchorCtr="0" forceAA="0" compatLnSpc="1">
+            <a:prstTxWarp prst="textNoShape">
+              <a:avLst/>
+            </a:prstTxWarp>
+            <a:spAutoFit/>
+          </a:bodyPr>
+          <a:lstStyle/>
+          <a:p>
+            <a:r>
+              <a:rPr lang="es-CL" sz="3200" b="1">
+                <a:solidFill>
+                  <a:schemeClr val="bg1"/>
+                </a:solidFill>
+                <a:latin typeface="Segoe UI"/>
+                <a:cs typeface="Segoe UI"/>
+              </a:rPr>
+              <a:t>Tiempos de entrenamiento.</a:t>
+            </a:r>
+          </a:p>
+        </p:txBody>
+      </p:sp>
+      <p:sp>
+        <p:nvSpPr>
+          <p:cNvPr id="3" name="CuadroTexto 2">
+            <a:extLst>
+              <a:ext uri="{FF2B5EF4-FFF2-40B4-BE49-F238E27FC236}">
+                <a16:creationId xmlns:a16="http://schemas.microsoft.com/office/drawing/2014/main" id="{B6C850FC-190B-34A9-4BD3-C95264AD8591}"/>
+              </a:ext>
+            </a:extLst>
+          </p:cNvPr>
+          <p:cNvSpPr txBox="1"/>
+          <p:nvPr/>
+        </p:nvSpPr>
+        <p:spPr>
+          <a:xfrm>
+            <a:off x="100584" y="868680"/>
+            <a:ext cx="8934148" cy="1015663"/>
+          </a:xfrm>
+          <a:prstGeom prst="rect">
+            <a:avLst/>
+          </a:prstGeom>
+          <a:noFill/>
+        </p:spPr>
+        <p:txBody>
+          <a:bodyPr wrap="square" lIns="91440" tIns="45720" rIns="91440" bIns="45720" rtlCol="0" anchor="t">
+            <a:spAutoFit/>
+          </a:bodyPr>
+          <a:lstStyle/>
+          <a:p>
+            <a:r>
+              <a:rPr lang="es-CL" sz="2000">
+                <a:latin typeface="Segoe UI"/>
+                <a:cs typeface="Segoe UI"/>
+              </a:rPr>
+              <a:t>Dentro del modelamiento de los datos, el tiempo es un recurso crucial a la hora de entrenar un modelo. El tiempo que toma no implica la calidad del modelo, pero al compararlos si es un factor por considerar.</a:t>
+            </a:r>
+          </a:p>
+        </p:txBody>
+      </p:sp>
+      <p:graphicFrame>
+        <p:nvGraphicFramePr>
+          <p:cNvPr id="5" name="Tabla 4">
+            <a:extLst>
+              <a:ext uri="{FF2B5EF4-FFF2-40B4-BE49-F238E27FC236}">
+                <a16:creationId xmlns:a16="http://schemas.microsoft.com/office/drawing/2014/main" id="{9764C628-B247-6430-4B06-BA4EE4A0F15F}"/>
+              </a:ext>
+            </a:extLst>
+          </p:cNvPr>
+          <p:cNvGraphicFramePr>
+            <a:graphicFrameLocks noGrp="1"/>
+          </p:cNvGraphicFramePr>
+          <p:nvPr>
+            <p:extLst>
+              <p:ext uri="{D42A27DB-BD31-4B8C-83A1-F6EECF244321}">
+                <p14:modId xmlns:p14="http://schemas.microsoft.com/office/powerpoint/2010/main" val="2267871796"/>
+              </p:ext>
+            </p:extLst>
+          </p:nvPr>
+        </p:nvGraphicFramePr>
+        <p:xfrm>
+          <a:off x="667512" y="2212848"/>
+          <a:ext cx="7648510" cy="3099816"/>
+        </p:xfrm>
+        <a:graphic>
+          <a:graphicData uri="http://schemas.openxmlformats.org/drawingml/2006/table">
+            <a:tbl>
+              <a:tblPr>
+                <a:tableStyleId>{3C2FFA5D-87B4-456A-9821-1D502468CF0F}</a:tableStyleId>
+              </a:tblPr>
+              <a:tblGrid>
+                <a:gridCol w="1529702">
+                  <a:extLst>
+                    <a:ext uri="{9D8B030D-6E8A-4147-A177-3AD203B41FA5}">
+                      <a16:colId xmlns:a16="http://schemas.microsoft.com/office/drawing/2014/main" val="3280971183"/>
+                    </a:ext>
+                  </a:extLst>
+                </a:gridCol>
+                <a:gridCol w="1529702">
+                  <a:extLst>
+                    <a:ext uri="{9D8B030D-6E8A-4147-A177-3AD203B41FA5}">
+                      <a16:colId xmlns:a16="http://schemas.microsoft.com/office/drawing/2014/main" val="336016129"/>
+                    </a:ext>
+                  </a:extLst>
+                </a:gridCol>
+                <a:gridCol w="1529702">
+                  <a:extLst>
+                    <a:ext uri="{9D8B030D-6E8A-4147-A177-3AD203B41FA5}">
+                      <a16:colId xmlns:a16="http://schemas.microsoft.com/office/drawing/2014/main" val="842588895"/>
+                    </a:ext>
+                  </a:extLst>
+                </a:gridCol>
+                <a:gridCol w="1529702">
+                  <a:extLst>
+                    <a:ext uri="{9D8B030D-6E8A-4147-A177-3AD203B41FA5}">
+                      <a16:colId xmlns:a16="http://schemas.microsoft.com/office/drawing/2014/main" val="1728324468"/>
+                    </a:ext>
+                  </a:extLst>
+                </a:gridCol>
+                <a:gridCol w="1529702">
+                  <a:extLst>
+                    <a:ext uri="{9D8B030D-6E8A-4147-A177-3AD203B41FA5}">
+                      <a16:colId xmlns:a16="http://schemas.microsoft.com/office/drawing/2014/main" val="304545590"/>
+                    </a:ext>
+                  </a:extLst>
+                </a:gridCol>
+              </a:tblGrid>
+              <a:tr h="516636">
+                <a:tc>
+                  <a:txBody>
+                    <a:bodyPr/>
+                    <a:lstStyle/>
+                    <a:p>
+                      <a:pPr algn="ctr" fontAlgn="b"/>
+                      <a:r>
+                        <a:rPr lang="es-CL" sz="1600" b="1" u="none" strike="noStrike">
+                          <a:effectLst/>
+                        </a:rPr>
+                        <a:t>caso</a:t>
+                      </a:r>
+                      <a:endParaRPr lang="es-CL" sz="1600" b="1" i="0" u="none" strike="noStrike">
+                        <a:solidFill>
+                          <a:srgbClr val="000000"/>
+                        </a:solidFill>
+                        <a:effectLst/>
+                        <a:latin typeface="Aptos Narrow"/>
+                      </a:endParaRPr>
+                    </a:p>
+                  </a:txBody>
+                  <a:tcPr marL="9525" marR="9525" marT="9525" marB="0" anchor="b"/>
+                </a:tc>
+                <a:tc>
+                  <a:txBody>
+                    <a:bodyPr/>
+                    <a:lstStyle/>
+                    <a:p>
+                      <a:pPr algn="ctr" fontAlgn="b"/>
+                      <a:r>
+                        <a:rPr lang="es-CL" sz="1600" b="1" u="none" strike="noStrike">
+                          <a:effectLst/>
+                        </a:rPr>
+                        <a:t>Tiempo</a:t>
+                      </a:r>
+                      <a:br>
+                        <a:rPr lang="es-CL" sz="1600" b="1" u="none" strike="noStrike">
+                          <a:effectLst/>
+                        </a:rPr>
+                      </a:br>
+                      <a:r>
+                        <a:rPr lang="es-CL" sz="1600" b="1" u="none" strike="noStrike">
+                          <a:effectLst/>
+                        </a:rPr>
+                        <a:t>LM (</a:t>
+                      </a:r>
+                      <a:r>
+                        <a:rPr lang="es-CL" sz="1600" b="1" u="none" strike="noStrike" err="1">
+                          <a:effectLst/>
+                        </a:rPr>
+                        <a:t>seg</a:t>
+                      </a:r>
+                      <a:r>
+                        <a:rPr lang="es-CL" sz="1600" b="1" u="none" strike="noStrike">
+                          <a:effectLst/>
+                        </a:rPr>
+                        <a:t>)</a:t>
+                      </a:r>
+                      <a:endParaRPr lang="es-CL" sz="1600" b="1" i="0" u="none" strike="noStrike">
+                        <a:solidFill>
+                          <a:srgbClr val="000000"/>
+                        </a:solidFill>
+                        <a:effectLst/>
+                        <a:latin typeface="Aptos Narrow"/>
+                      </a:endParaRPr>
+                    </a:p>
+                  </a:txBody>
+                  <a:tcPr marL="9525" marR="9525" marT="9525" marB="0" anchor="b"/>
+                </a:tc>
+                <a:tc>
+                  <a:txBody>
+                    <a:bodyPr/>
+                    <a:lstStyle/>
+                    <a:p>
+                      <a:pPr algn="ctr" fontAlgn="b"/>
+                      <a:r>
+                        <a:rPr lang="es-CL" sz="1600" b="1" u="none" strike="noStrike">
+                          <a:effectLst/>
+                        </a:rPr>
+                        <a:t>Tiempo</a:t>
+                      </a:r>
+                      <a:br>
+                        <a:rPr lang="es-CL" sz="1600" b="1" u="none" strike="noStrike">
+                          <a:effectLst/>
+                        </a:rPr>
+                      </a:br>
+                      <a:r>
+                        <a:rPr lang="es-CL" sz="1600" b="1" u="none" strike="noStrike">
+                          <a:effectLst/>
+                        </a:rPr>
+                        <a:t>DT (</a:t>
+                      </a:r>
+                      <a:r>
+                        <a:rPr lang="es-CL" sz="1600" b="1" u="none" strike="noStrike" err="1">
+                          <a:effectLst/>
+                        </a:rPr>
+                        <a:t>seg</a:t>
+                      </a:r>
+                      <a:r>
+                        <a:rPr lang="es-CL" sz="1600" b="1" u="none" strike="noStrike">
+                          <a:effectLst/>
+                        </a:rPr>
+                        <a:t>)</a:t>
+                      </a:r>
+                      <a:endParaRPr lang="es-CL" sz="1600" b="1" i="0" u="none" strike="noStrike">
+                        <a:solidFill>
+                          <a:srgbClr val="000000"/>
+                        </a:solidFill>
+                        <a:effectLst/>
+                        <a:latin typeface="Aptos Narrow"/>
+                      </a:endParaRPr>
+                    </a:p>
+                  </a:txBody>
+                  <a:tcPr marL="9525" marR="9525" marT="9525" marB="0" anchor="b"/>
+                </a:tc>
+                <a:tc>
+                  <a:txBody>
+                    <a:bodyPr/>
+                    <a:lstStyle/>
+                    <a:p>
+                      <a:pPr algn="ctr" fontAlgn="b"/>
+                      <a:r>
+                        <a:rPr lang="es-CL" sz="1600" b="1" u="none" strike="noStrike">
+                          <a:effectLst/>
+                        </a:rPr>
+                        <a:t>Tiempo</a:t>
+                      </a:r>
+                      <a:br>
+                        <a:rPr lang="es-CL" sz="1600" b="1" u="none" strike="noStrike">
+                          <a:effectLst/>
+                        </a:rPr>
+                      </a:br>
+                      <a:r>
+                        <a:rPr lang="es-CL" sz="1600" b="1" u="none" strike="noStrike">
+                          <a:effectLst/>
+                        </a:rPr>
+                        <a:t>NN (</a:t>
+                      </a:r>
+                      <a:r>
+                        <a:rPr lang="es-CL" sz="1600" b="1" u="none" strike="noStrike" err="1">
+                          <a:effectLst/>
+                        </a:rPr>
+                        <a:t>seg</a:t>
+                      </a:r>
+                      <a:r>
+                        <a:rPr lang="es-CL" sz="1600" b="1" u="none" strike="noStrike">
+                          <a:effectLst/>
+                        </a:rPr>
+                        <a:t>)</a:t>
+                      </a:r>
+                      <a:endParaRPr lang="es-CL" sz="1600" b="1" i="0" u="none" strike="noStrike">
+                        <a:solidFill>
+                          <a:srgbClr val="000000"/>
+                        </a:solidFill>
+                        <a:effectLst/>
+                        <a:latin typeface="Aptos Narrow"/>
+                      </a:endParaRPr>
+                    </a:p>
+                  </a:txBody>
+                  <a:tcPr marL="9525" marR="9525" marT="9525" marB="0" anchor="b"/>
+                </a:tc>
+                <a:tc>
+                  <a:txBody>
+                    <a:bodyPr/>
+                    <a:lstStyle/>
+                    <a:p>
+                      <a:pPr algn="ctr" fontAlgn="b"/>
+                      <a:r>
+                        <a:rPr lang="es-CL" sz="1600" b="1" u="none" strike="noStrike">
+                          <a:effectLst/>
+                        </a:rPr>
+                        <a:t>Tiempo</a:t>
+                      </a:r>
+                      <a:br>
+                        <a:rPr lang="es-CL" sz="1600" b="1" u="none" strike="noStrike">
+                          <a:effectLst/>
+                        </a:rPr>
+                      </a:br>
+                      <a:r>
+                        <a:rPr lang="es-CL" sz="1600" b="1" u="none" strike="noStrike">
+                          <a:effectLst/>
+                        </a:rPr>
+                        <a:t>KNN (</a:t>
+                      </a:r>
+                      <a:r>
+                        <a:rPr lang="es-CL" sz="1600" b="1" u="none" strike="noStrike" err="1">
+                          <a:effectLst/>
+                        </a:rPr>
+                        <a:t>seg</a:t>
+                      </a:r>
+                      <a:r>
+                        <a:rPr lang="es-CL" sz="1600" b="1" u="none" strike="noStrike">
+                          <a:effectLst/>
+                        </a:rPr>
+                        <a:t>)</a:t>
+                      </a:r>
+                      <a:endParaRPr lang="es-CL" sz="1600" b="1" i="0" u="none" strike="noStrike">
+                        <a:solidFill>
+                          <a:srgbClr val="000000"/>
+                        </a:solidFill>
+                        <a:effectLst/>
+                        <a:latin typeface="Aptos Narrow"/>
+                      </a:endParaRPr>
+                    </a:p>
+                  </a:txBody>
+                  <a:tcPr marL="9525" marR="9525" marT="9525" marB="0" anchor="b"/>
+                </a:tc>
+                <a:extLst>
+                  <a:ext uri="{0D108BD9-81ED-4DB2-BD59-A6C34878D82A}">
+                    <a16:rowId xmlns:a16="http://schemas.microsoft.com/office/drawing/2014/main" val="3937284485"/>
+                  </a:ext>
+                </a:extLst>
+              </a:tr>
+              <a:tr h="516636">
+                <a:tc>
+                  <a:txBody>
+                    <a:bodyPr/>
+                    <a:lstStyle/>
+                    <a:p>
+                      <a:pPr algn="ctr" fontAlgn="b"/>
+                      <a:r>
+                        <a:rPr lang="es-CL" sz="1600" b="1" u="none" strike="noStrike">
+                          <a:effectLst/>
+                        </a:rPr>
+                        <a:t>1</a:t>
+                      </a:r>
+                      <a:endParaRPr lang="es-CL" sz="1600" b="1" i="0" u="none" strike="noStrike">
+                        <a:solidFill>
+                          <a:srgbClr val="000000"/>
+                        </a:solidFill>
+                        <a:effectLst/>
+                        <a:latin typeface="Aptos Narrow"/>
+                      </a:endParaRPr>
+                    </a:p>
+                  </a:txBody>
+                  <a:tcPr marL="9525" marR="9525" marT="9525" marB="0" anchor="b"/>
+                </a:tc>
+                <a:tc>
+                  <a:txBody>
+                    <a:bodyPr/>
+                    <a:lstStyle/>
+                    <a:p>
+                      <a:pPr algn="ctr" fontAlgn="b"/>
+                      <a:r>
+                        <a:rPr lang="es-CL" sz="1600" b="0" u="none" strike="noStrike">
+                          <a:solidFill>
+                            <a:srgbClr val="000000"/>
+                          </a:solidFill>
+                          <a:effectLst/>
+                        </a:rPr>
+                        <a:t>5,94</a:t>
+                      </a:r>
+                      <a:endParaRPr lang="es-CL" sz="1600" b="0" i="0" u="none" strike="noStrike">
+                        <a:solidFill>
+                          <a:srgbClr val="000000"/>
+                        </a:solidFill>
+                        <a:effectLst/>
+                        <a:latin typeface="Aptos Narrow"/>
+                      </a:endParaRPr>
+                    </a:p>
+                  </a:txBody>
+                  <a:tcPr marL="9525" marR="9525" marT="9525" marB="0" anchor="b"/>
+                </a:tc>
+                <a:tc>
+                  <a:txBody>
+                    <a:bodyPr/>
+                    <a:lstStyle/>
+                    <a:p>
+                      <a:pPr algn="ctr" fontAlgn="b"/>
+                      <a:r>
+                        <a:rPr lang="es-CL" sz="1600" b="0" u="none" strike="noStrike">
+                          <a:solidFill>
+                            <a:srgbClr val="000000"/>
+                          </a:solidFill>
+                          <a:effectLst/>
+                        </a:rPr>
+                        <a:t>11,61</a:t>
+                      </a:r>
+                      <a:endParaRPr lang="es-CL" sz="1600" b="0" i="0" u="none" strike="noStrike">
+                        <a:solidFill>
+                          <a:srgbClr val="000000"/>
+                        </a:solidFill>
+                        <a:effectLst/>
+                        <a:latin typeface="Aptos Narrow"/>
+                      </a:endParaRPr>
+                    </a:p>
+                  </a:txBody>
+                  <a:tcPr marL="9525" marR="9525" marT="9525" marB="0" anchor="b"/>
+                </a:tc>
+                <a:tc>
+                  <a:txBody>
+                    <a:bodyPr/>
+                    <a:lstStyle/>
+                    <a:p>
+                      <a:pPr algn="ctr" fontAlgn="b"/>
+                      <a:r>
+                        <a:rPr lang="es-CL" sz="1600" b="0" u="none" strike="noStrike">
+                          <a:solidFill>
+                            <a:srgbClr val="000000"/>
+                          </a:solidFill>
+                          <a:effectLst/>
+                        </a:rPr>
+                        <a:t>383,42</a:t>
+                      </a:r>
+                      <a:endParaRPr lang="es-CL" sz="1600" b="0" i="0" u="none" strike="noStrike">
+                        <a:solidFill>
+                          <a:srgbClr val="000000"/>
+                        </a:solidFill>
+                        <a:effectLst/>
+                        <a:latin typeface="Aptos Narrow"/>
+                      </a:endParaRPr>
+                    </a:p>
+                  </a:txBody>
+                  <a:tcPr marL="9525" marR="9525" marT="9525" marB="0" anchor="b"/>
+                </a:tc>
+                <a:tc>
+                  <a:txBody>
+                    <a:bodyPr/>
+                    <a:lstStyle/>
+                    <a:p>
+                      <a:pPr algn="ctr" fontAlgn="b"/>
+                      <a:r>
+                        <a:rPr lang="es-CL" sz="1600" b="0" u="none" strike="noStrike">
+                          <a:solidFill>
+                            <a:srgbClr val="000000"/>
+                          </a:solidFill>
+                          <a:effectLst/>
+                        </a:rPr>
+                        <a:t>140,99</a:t>
+                      </a:r>
+                      <a:endParaRPr lang="es-CL" sz="1600" b="0" i="0" u="none" strike="noStrike">
+                        <a:solidFill>
+                          <a:srgbClr val="000000"/>
+                        </a:solidFill>
+                        <a:effectLst/>
+                        <a:latin typeface="Aptos Narrow"/>
+                      </a:endParaRPr>
+                    </a:p>
+                  </a:txBody>
+                  <a:tcPr marL="9525" marR="9525" marT="9525" marB="0" anchor="b"/>
+                </a:tc>
+                <a:extLst>
+                  <a:ext uri="{0D108BD9-81ED-4DB2-BD59-A6C34878D82A}">
+                    <a16:rowId xmlns:a16="http://schemas.microsoft.com/office/drawing/2014/main" val="2682105750"/>
+                  </a:ext>
+                </a:extLst>
+              </a:tr>
+              <a:tr h="516636">
+                <a:tc>
+                  <a:txBody>
+                    <a:bodyPr/>
+                    <a:lstStyle/>
+                    <a:p>
+                      <a:pPr algn="ctr" fontAlgn="b"/>
+                      <a:r>
+                        <a:rPr lang="es-CL" sz="1600" b="1" u="none" strike="noStrike">
+                          <a:effectLst/>
+                        </a:rPr>
+                        <a:t>2</a:t>
+                      </a:r>
+                      <a:endParaRPr lang="es-CL" sz="1600" b="1" i="0" u="none" strike="noStrike">
+                        <a:solidFill>
+                          <a:srgbClr val="000000"/>
+                        </a:solidFill>
+                        <a:effectLst/>
+                        <a:latin typeface="Aptos Narrow"/>
+                      </a:endParaRPr>
+                    </a:p>
+                  </a:txBody>
+                  <a:tcPr marL="9525" marR="9525" marT="9525" marB="0" anchor="b"/>
+                </a:tc>
+                <a:tc>
+                  <a:txBody>
+                    <a:bodyPr/>
+                    <a:lstStyle/>
+                    <a:p>
+                      <a:pPr algn="ctr" fontAlgn="b"/>
+                      <a:r>
+                        <a:rPr lang="es-CL" sz="1600" u="none" strike="noStrike">
+                          <a:effectLst/>
+                        </a:rPr>
+                        <a:t>6.1</a:t>
+                      </a:r>
+                      <a:endParaRPr lang="es-CL" sz="1600" b="0" i="0" u="none" strike="noStrike">
+                        <a:solidFill>
+                          <a:srgbClr val="000000"/>
+                        </a:solidFill>
+                        <a:effectLst/>
+                        <a:latin typeface="Aptos Narrow"/>
+                      </a:endParaRPr>
+                    </a:p>
+                  </a:txBody>
+                  <a:tcPr marL="9525" marR="9525" marT="9525" marB="0" anchor="b"/>
+                </a:tc>
+                <a:tc>
+                  <a:txBody>
+                    <a:bodyPr/>
+                    <a:lstStyle/>
+                    <a:p>
+                      <a:pPr algn="ctr" fontAlgn="b"/>
+                      <a:r>
+                        <a:rPr lang="es-CL" sz="1600" u="none" strike="noStrike">
+                          <a:effectLst/>
+                        </a:rPr>
+                        <a:t>19.77</a:t>
+                      </a:r>
+                      <a:endParaRPr lang="es-CL" sz="1600" b="0" i="0" u="none" strike="noStrike">
+                        <a:solidFill>
+                          <a:srgbClr val="000000"/>
+                        </a:solidFill>
+                        <a:effectLst/>
+                        <a:latin typeface="Aptos Narrow"/>
+                      </a:endParaRPr>
+                    </a:p>
+                  </a:txBody>
+                  <a:tcPr marL="9525" marR="9525" marT="9525" marB="0" anchor="b"/>
+                </a:tc>
+                <a:tc>
+                  <a:txBody>
+                    <a:bodyPr/>
+                    <a:lstStyle/>
+                    <a:p>
+                      <a:pPr algn="ctr" fontAlgn="b"/>
+                      <a:r>
+                        <a:rPr lang="es-CL" sz="1600" u="none" strike="noStrike">
+                          <a:effectLst/>
+                        </a:rPr>
+                        <a:t>479.45</a:t>
+                      </a:r>
+                      <a:endParaRPr lang="es-CL" sz="1600" b="0" i="0" u="none" strike="noStrike">
+                        <a:solidFill>
+                          <a:srgbClr val="000000"/>
+                        </a:solidFill>
+                        <a:effectLst/>
+                        <a:latin typeface="Aptos Narrow"/>
+                      </a:endParaRPr>
+                    </a:p>
+                  </a:txBody>
+                  <a:tcPr marL="9525" marR="9525" marT="9525" marB="0" anchor="b"/>
+                </a:tc>
+                <a:tc>
+                  <a:txBody>
+                    <a:bodyPr/>
+                    <a:lstStyle/>
+                    <a:p>
+                      <a:pPr algn="ctr" fontAlgn="b"/>
+                      <a:r>
+                        <a:rPr lang="es-CL" sz="1600" u="none" strike="noStrike">
+                          <a:effectLst/>
+                        </a:rPr>
+                        <a:t>166.92</a:t>
+                      </a:r>
+                      <a:endParaRPr lang="es-CL" sz="1600" b="0" i="0" u="none" strike="noStrike">
+                        <a:solidFill>
+                          <a:srgbClr val="000000"/>
+                        </a:solidFill>
+                        <a:effectLst/>
+                        <a:latin typeface="Aptos Narrow"/>
+                      </a:endParaRPr>
+                    </a:p>
+                  </a:txBody>
+                  <a:tcPr marL="9525" marR="9525" marT="9525" marB="0" anchor="b"/>
+                </a:tc>
+                <a:extLst>
+                  <a:ext uri="{0D108BD9-81ED-4DB2-BD59-A6C34878D82A}">
+                    <a16:rowId xmlns:a16="http://schemas.microsoft.com/office/drawing/2014/main" val="3458065376"/>
+                  </a:ext>
+                </a:extLst>
+              </a:tr>
+              <a:tr h="516636">
+                <a:tc>
+                  <a:txBody>
+                    <a:bodyPr/>
+                    <a:lstStyle/>
+                    <a:p>
+                      <a:pPr algn="ctr" fontAlgn="b"/>
+                      <a:r>
+                        <a:rPr lang="es-CL" sz="1600" b="1" u="none" strike="noStrike">
+                          <a:effectLst/>
+                        </a:rPr>
+                        <a:t>3</a:t>
+                      </a:r>
+                      <a:endParaRPr lang="es-CL" sz="1600" b="1" i="0" u="none" strike="noStrike">
+                        <a:solidFill>
+                          <a:srgbClr val="000000"/>
+                        </a:solidFill>
+                        <a:effectLst/>
+                        <a:latin typeface="Aptos Narrow"/>
+                      </a:endParaRPr>
+                    </a:p>
+                  </a:txBody>
+                  <a:tcPr marL="9525" marR="9525" marT="9525" marB="0" anchor="b"/>
+                </a:tc>
+                <a:tc>
+                  <a:txBody>
+                    <a:bodyPr/>
+                    <a:lstStyle/>
+                    <a:p>
+                      <a:pPr algn="ctr" fontAlgn="b"/>
+                      <a:r>
+                        <a:rPr lang="es-CL" sz="1600" u="none" strike="noStrike">
+                          <a:effectLst/>
+                        </a:rPr>
+                        <a:t>5.7</a:t>
+                      </a:r>
+                      <a:endParaRPr lang="es-CL" sz="1600" b="0" i="0" u="none" strike="noStrike">
+                        <a:solidFill>
+                          <a:srgbClr val="000000"/>
+                        </a:solidFill>
+                        <a:effectLst/>
+                        <a:latin typeface="Aptos Narrow"/>
+                      </a:endParaRPr>
+                    </a:p>
+                  </a:txBody>
+                  <a:tcPr marL="9525" marR="9525" marT="9525" marB="0" anchor="b"/>
+                </a:tc>
+                <a:tc>
+                  <a:txBody>
+                    <a:bodyPr/>
+                    <a:lstStyle/>
+                    <a:p>
+                      <a:pPr algn="ctr" fontAlgn="b"/>
+                      <a:r>
+                        <a:rPr lang="es-CL" sz="1600" u="none" strike="noStrike">
+                          <a:effectLst/>
+                        </a:rPr>
+                        <a:t>11.99</a:t>
+                      </a:r>
+                      <a:endParaRPr lang="es-CL" sz="1600" b="0" i="0" u="none" strike="noStrike">
+                        <a:solidFill>
+                          <a:srgbClr val="000000"/>
+                        </a:solidFill>
+                        <a:effectLst/>
+                        <a:latin typeface="Aptos Narrow"/>
+                      </a:endParaRPr>
+                    </a:p>
+                  </a:txBody>
+                  <a:tcPr marL="9525" marR="9525" marT="9525" marB="0" anchor="b"/>
+                </a:tc>
+                <a:tc>
+                  <a:txBody>
+                    <a:bodyPr/>
+                    <a:lstStyle/>
+                    <a:p>
+                      <a:pPr algn="ctr" fontAlgn="b"/>
+                      <a:r>
+                        <a:rPr lang="es-CL" sz="1600" u="none" strike="noStrike">
+                          <a:effectLst/>
+                        </a:rPr>
+                        <a:t>4867.31</a:t>
+                      </a:r>
+                      <a:endParaRPr lang="es-CL" sz="1600" b="0" i="0" u="none" strike="noStrike">
+                        <a:solidFill>
+                          <a:srgbClr val="000000"/>
+                        </a:solidFill>
+                        <a:effectLst/>
+                        <a:latin typeface="Aptos Narrow"/>
+                      </a:endParaRPr>
+                    </a:p>
+                  </a:txBody>
+                  <a:tcPr marL="9525" marR="9525" marT="9525" marB="0" anchor="b"/>
+                </a:tc>
+                <a:tc>
+                  <a:txBody>
+                    <a:bodyPr/>
+                    <a:lstStyle/>
+                    <a:p>
+                      <a:pPr algn="ctr" fontAlgn="b"/>
+                      <a:r>
+                        <a:rPr lang="es-CL" sz="1600" u="none" strike="noStrike">
+                          <a:effectLst/>
+                        </a:rPr>
+                        <a:t>114.07</a:t>
+                      </a:r>
+                      <a:endParaRPr lang="es-CL" sz="1600" b="0" i="0" u="none" strike="noStrike">
+                        <a:solidFill>
+                          <a:srgbClr val="000000"/>
+                        </a:solidFill>
+                        <a:effectLst/>
+                        <a:latin typeface="Aptos Narrow"/>
+                      </a:endParaRPr>
+                    </a:p>
+                  </a:txBody>
+                  <a:tcPr marL="9525" marR="9525" marT="9525" marB="0" anchor="b"/>
+                </a:tc>
+                <a:extLst>
+                  <a:ext uri="{0D108BD9-81ED-4DB2-BD59-A6C34878D82A}">
+                    <a16:rowId xmlns:a16="http://schemas.microsoft.com/office/drawing/2014/main" val="767468740"/>
+                  </a:ext>
+                </a:extLst>
+              </a:tr>
+              <a:tr h="516636">
+                <a:tc>
+                  <a:txBody>
+                    <a:bodyPr/>
+                    <a:lstStyle/>
+                    <a:p>
+                      <a:pPr algn="ctr" fontAlgn="b"/>
+                      <a:r>
+                        <a:rPr lang="es-CL" sz="1600" b="1" u="none" strike="noStrike">
+                          <a:effectLst/>
+                        </a:rPr>
+                        <a:t>4</a:t>
+                      </a:r>
+                      <a:endParaRPr lang="es-CL" sz="1600" b="1" i="0" u="none" strike="noStrike">
+                        <a:solidFill>
+                          <a:srgbClr val="000000"/>
+                        </a:solidFill>
+                        <a:effectLst/>
+                        <a:latin typeface="Aptos Narrow"/>
+                      </a:endParaRPr>
+                    </a:p>
+                  </a:txBody>
+                  <a:tcPr marL="9525" marR="9525" marT="9525" marB="0" anchor="b"/>
+                </a:tc>
+                <a:tc>
+                  <a:txBody>
+                    <a:bodyPr/>
+                    <a:lstStyle/>
+                    <a:p>
+                      <a:pPr algn="ctr" fontAlgn="b"/>
+                      <a:r>
+                        <a:rPr lang="es-CL" sz="1600" u="none" strike="noStrike">
+                          <a:effectLst/>
+                        </a:rPr>
+                        <a:t>9.99</a:t>
+                      </a:r>
+                      <a:endParaRPr lang="es-CL" sz="1600" b="0" i="0" u="none" strike="noStrike">
+                        <a:solidFill>
+                          <a:srgbClr val="000000"/>
+                        </a:solidFill>
+                        <a:effectLst/>
+                        <a:latin typeface="Aptos Narrow"/>
+                      </a:endParaRPr>
+                    </a:p>
+                  </a:txBody>
+                  <a:tcPr marL="9525" marR="9525" marT="9525" marB="0" anchor="b"/>
+                </a:tc>
+                <a:tc>
+                  <a:txBody>
+                    <a:bodyPr/>
+                    <a:lstStyle/>
+                    <a:p>
+                      <a:pPr algn="ctr" fontAlgn="b"/>
+                      <a:r>
+                        <a:rPr lang="es-CL" sz="1600" u="none" strike="noStrike">
+                          <a:effectLst/>
+                        </a:rPr>
+                        <a:t>17.06</a:t>
+                      </a:r>
+                      <a:endParaRPr lang="es-CL" sz="1600" b="0" i="0" u="none" strike="noStrike">
+                        <a:solidFill>
+                          <a:srgbClr val="000000"/>
+                        </a:solidFill>
+                        <a:effectLst/>
+                        <a:latin typeface="Aptos Narrow"/>
+                      </a:endParaRPr>
+                    </a:p>
+                  </a:txBody>
+                  <a:tcPr marL="9525" marR="9525" marT="9525" marB="0" anchor="b"/>
+                </a:tc>
+                <a:tc>
+                  <a:txBody>
+                    <a:bodyPr/>
+                    <a:lstStyle/>
+                    <a:p>
+                      <a:pPr algn="ctr" fontAlgn="b"/>
+                      <a:r>
+                        <a:rPr lang="es-CL" sz="1600" u="none" strike="noStrike">
+                          <a:effectLst/>
+                        </a:rPr>
+                        <a:t>11185.44</a:t>
+                      </a:r>
+                      <a:endParaRPr lang="es-CL" sz="1600" b="0" i="0" u="none" strike="noStrike">
+                        <a:solidFill>
+                          <a:srgbClr val="000000"/>
+                        </a:solidFill>
+                        <a:effectLst/>
+                        <a:latin typeface="Aptos Narrow"/>
+                      </a:endParaRPr>
+                    </a:p>
+                  </a:txBody>
+                  <a:tcPr marL="9525" marR="9525" marT="9525" marB="0" anchor="b"/>
+                </a:tc>
+                <a:tc>
+                  <a:txBody>
+                    <a:bodyPr/>
+                    <a:lstStyle/>
+                    <a:p>
+                      <a:pPr algn="ctr" fontAlgn="b"/>
+                      <a:r>
+                        <a:rPr lang="es-CL" sz="1600" u="none" strike="noStrike">
+                          <a:effectLst/>
+                        </a:rPr>
+                        <a:t>152.35</a:t>
+                      </a:r>
+                      <a:endParaRPr lang="es-CL" sz="1600" b="0" i="0" u="none" strike="noStrike">
+                        <a:solidFill>
+                          <a:srgbClr val="000000"/>
+                        </a:solidFill>
+                        <a:effectLst/>
+                        <a:latin typeface="Aptos Narrow"/>
+                      </a:endParaRPr>
+                    </a:p>
+                  </a:txBody>
+                  <a:tcPr marL="9525" marR="9525" marT="9525" marB="0" anchor="b"/>
+                </a:tc>
+                <a:extLst>
+                  <a:ext uri="{0D108BD9-81ED-4DB2-BD59-A6C34878D82A}">
+                    <a16:rowId xmlns:a16="http://schemas.microsoft.com/office/drawing/2014/main" val="1805876369"/>
+                  </a:ext>
+                </a:extLst>
+              </a:tr>
+              <a:tr h="516636">
+                <a:tc>
+                  <a:txBody>
+                    <a:bodyPr/>
+                    <a:lstStyle/>
+                    <a:p>
+                      <a:pPr algn="ctr" fontAlgn="b"/>
+                      <a:r>
+                        <a:rPr lang="es-CL" sz="1600" b="1" u="none" strike="noStrike">
+                          <a:effectLst/>
+                        </a:rPr>
+                        <a:t>5</a:t>
+                      </a:r>
+                      <a:endParaRPr lang="es-CL" sz="1600" b="1" i="0" u="none" strike="noStrike">
+                        <a:solidFill>
+                          <a:srgbClr val="000000"/>
+                        </a:solidFill>
+                        <a:effectLst/>
+                        <a:latin typeface="Aptos Narrow"/>
+                      </a:endParaRPr>
+                    </a:p>
+                  </a:txBody>
+                  <a:tcPr marL="9525" marR="9525" marT="9525" marB="0" anchor="b"/>
+                </a:tc>
+                <a:tc>
+                  <a:txBody>
+                    <a:bodyPr/>
+                    <a:lstStyle/>
+                    <a:p>
+                      <a:pPr algn="ctr" fontAlgn="b"/>
+                      <a:r>
+                        <a:rPr lang="es-CL" sz="1600" u="none" strike="noStrike">
+                          <a:effectLst/>
+                        </a:rPr>
+                        <a:t>36.02</a:t>
+                      </a:r>
+                      <a:endParaRPr lang="es-CL" sz="1600" b="0" i="0" u="none" strike="noStrike">
+                        <a:solidFill>
+                          <a:srgbClr val="000000"/>
+                        </a:solidFill>
+                        <a:effectLst/>
+                        <a:latin typeface="Aptos Narrow"/>
+                      </a:endParaRPr>
+                    </a:p>
+                  </a:txBody>
+                  <a:tcPr marL="9525" marR="9525" marT="9525" marB="0" anchor="b"/>
+                </a:tc>
+                <a:tc>
+                  <a:txBody>
+                    <a:bodyPr/>
+                    <a:lstStyle/>
+                    <a:p>
+                      <a:pPr algn="ctr" fontAlgn="b"/>
+                      <a:r>
+                        <a:rPr lang="es-CL" sz="1600" u="none" strike="noStrike">
+                          <a:effectLst/>
+                        </a:rPr>
+                        <a:t>62.28</a:t>
+                      </a:r>
+                      <a:endParaRPr lang="es-CL" sz="1600" b="0" i="0" u="none" strike="noStrike">
+                        <a:solidFill>
+                          <a:srgbClr val="000000"/>
+                        </a:solidFill>
+                        <a:effectLst/>
+                        <a:latin typeface="Aptos Narrow"/>
+                      </a:endParaRPr>
+                    </a:p>
+                  </a:txBody>
+                  <a:tcPr marL="9525" marR="9525" marT="9525" marB="0" anchor="b"/>
+                </a:tc>
+                <a:tc>
+                  <a:txBody>
+                    <a:bodyPr/>
+                    <a:lstStyle/>
+                    <a:p>
+                      <a:pPr algn="ctr" fontAlgn="b"/>
+                      <a:r>
+                        <a:rPr lang="es-CL" sz="1600" u="none" strike="noStrike">
+                          <a:effectLst/>
+                        </a:rPr>
+                        <a:t>37963.41</a:t>
+                      </a:r>
+                      <a:endParaRPr lang="es-CL" sz="1600" b="0" i="0" u="none" strike="noStrike">
+                        <a:solidFill>
+                          <a:srgbClr val="000000"/>
+                        </a:solidFill>
+                        <a:effectLst/>
+                        <a:latin typeface="Aptos Narrow"/>
+                      </a:endParaRPr>
+                    </a:p>
+                  </a:txBody>
+                  <a:tcPr marL="9525" marR="9525" marT="9525" marB="0" anchor="b"/>
+                </a:tc>
+                <a:tc>
+                  <a:txBody>
+                    <a:bodyPr/>
+                    <a:lstStyle/>
+                    <a:p>
+                      <a:pPr algn="ctr" fontAlgn="b"/>
+                      <a:r>
+                        <a:rPr lang="es-CL" sz="1600" u="none" strike="noStrike">
+                          <a:effectLst/>
+                        </a:rPr>
+                        <a:t>293.78</a:t>
+                      </a:r>
+                      <a:endParaRPr lang="es-CL" sz="1600" b="0" i="0" u="none" strike="noStrike">
+                        <a:solidFill>
+                          <a:srgbClr val="000000"/>
+                        </a:solidFill>
+                        <a:effectLst/>
+                        <a:latin typeface="Aptos Narrow"/>
+                      </a:endParaRPr>
+                    </a:p>
+                  </a:txBody>
+                  <a:tcPr marL="9525" marR="9525" marT="9525" marB="0" anchor="b"/>
+                </a:tc>
+                <a:extLst>
+                  <a:ext uri="{0D108BD9-81ED-4DB2-BD59-A6C34878D82A}">
+                    <a16:rowId xmlns:a16="http://schemas.microsoft.com/office/drawing/2014/main" val="1364756467"/>
+                  </a:ext>
+                </a:extLst>
+              </a:tr>
+            </a:tbl>
+          </a:graphicData>
+        </a:graphic>
+      </p:graphicFrame>
     </p:spTree>
     <p:extLst>
       <p:ext uri="{BB962C8B-B14F-4D97-AF65-F5344CB8AC3E}">
